--- a/TEST1.pptx
+++ b/TEST1.pptx
@@ -13,10 +13,10 @@
     <p:sldId id="283" r:id="rId4"/>
     <p:sldId id="284" r:id="rId5"/>
     <p:sldId id="287" r:id="rId6"/>
-    <p:sldId id="262" r:id="rId7"/>
-    <p:sldId id="279" r:id="rId8"/>
-    <p:sldId id="286" r:id="rId9"/>
-    <p:sldId id="282" r:id="rId10"/>
+    <p:sldId id="279" r:id="rId7"/>
+    <p:sldId id="286" r:id="rId8"/>
+    <p:sldId id="282" r:id="rId9"/>
+    <p:sldId id="262" r:id="rId10"/>
   </p:sldIdLst>
   <p:sldSz cx="9144000" cy="5143500" type="screen16x9"/>
   <p:notesSz cx="5143500" cy="9144000"/>
@@ -7102,48 +7102,6 @@
           </a:p>
         </p:txBody>
       </p:sp>
-      <p:pic>
-        <p:nvPicPr>
-          <p:cNvPr id="5" name="Hình ảnh 4" descr="Ảnh có chứa văn bản&#10;&#10;Mô tả được tạo tự động">
-            <a:extLst>
-              <a:ext uri="{FF2B5EF4-FFF2-40B4-BE49-F238E27FC236}">
-                <a16:creationId xmlns:a16="http://schemas.microsoft.com/office/drawing/2014/main" id="{6E5747C0-F32E-417D-8FDF-DAE2305D00D0}"/>
-              </a:ext>
-            </a:extLst>
-          </p:cNvPr>
-          <p:cNvPicPr>
-            <a:picLocks noChangeAspect="1"/>
-          </p:cNvPicPr>
-          <p:nvPr/>
-        </p:nvPicPr>
-        <p:blipFill>
-          <a:blip r:embed="rId2">
-            <a:extLst>
-              <a:ext uri="{28A0092B-C50C-407E-A947-70E740481C1C}">
-                <a14:useLocalDpi xmlns:a14="http://schemas.microsoft.com/office/drawing/2010/main" val="0"/>
-              </a:ext>
-            </a:extLst>
-          </a:blip>
-          <a:stretch>
-            <a:fillRect/>
-          </a:stretch>
-        </p:blipFill>
-        <p:spPr>
-          <a:xfrm>
-            <a:off x="1394586" y="482600"/>
-            <a:ext cx="6354826" cy="4178299"/>
-          </a:xfrm>
-          <a:prstGeom prst="rect">
-            <a:avLst/>
-          </a:prstGeom>
-          <a:ln>
-            <a:noFill/>
-          </a:ln>
-          <a:effectLst>
-            <a:softEdge rad="112500"/>
-          </a:effectLst>
-        </p:spPr>
-      </p:pic>
       <p:sp>
         <p:nvSpPr>
           <p:cNvPr id="22" name="Isosceles Triangle 21">
@@ -7252,71 +7210,6 @@
             <p:ph type="ctrTitle"/>
           </p:nvPr>
         </p:nvSpPr>
-        <p:spPr>
-          <a:xfrm>
-            <a:off x="611560" y="1707654"/>
-            <a:ext cx="7772400" cy="1125457"/>
-          </a:xfrm>
-        </p:spPr>
-        <p:txBody>
-          <a:bodyPr/>
-          <a:lstStyle/>
-          <a:p>
-            <a:pPr algn="ctr"/>
-            <a:r>
-              <a:rPr lang="vi-VN" spc="300" dirty="0"/>
-              <a:t> </a:t>
-            </a:r>
-            <a:r>
-              <a:rPr lang="en-US" spc="300" dirty="0"/>
-              <a:t>KHÓ KHĂN</a:t>
-            </a:r>
-          </a:p>
-        </p:txBody>
-      </p:sp>
-    </p:spTree>
-    <p:extLst>
-      <p:ext uri="{BB962C8B-B14F-4D97-AF65-F5344CB8AC3E}">
-        <p14:creationId xmlns:p14="http://schemas.microsoft.com/office/powerpoint/2010/main" val="303958223"/>
-      </p:ext>
-    </p:extLst>
-  </p:cSld>
-  <p:clrMapOvr>
-    <a:masterClrMapping/>
-  </p:clrMapOvr>
-  <p:transition spd="slow">
-    <p:push dir="u"/>
-  </p:transition>
-</p:sld>
-</file>
-
-<file path=ppt/slides/slide7.xml><?xml version="1.0" encoding="utf-8"?>
-<p:sld xmlns:a="http://schemas.openxmlformats.org/drawingml/2006/main" xmlns:r="http://schemas.openxmlformats.org/officeDocument/2006/relationships" xmlns:p="http://schemas.openxmlformats.org/presentationml/2006/main">
-  <p:cSld>
-    <p:spTree>
-      <p:nvGrpSpPr>
-        <p:cNvPr id="1" name=""/>
-        <p:cNvGrpSpPr/>
-        <p:nvPr/>
-      </p:nvGrpSpPr>
-      <p:grpSpPr>
-        <a:xfrm>
-          <a:off x="0" y="0"/>
-          <a:ext cx="0" cy="0"/>
-          <a:chOff x="0" y="0"/>
-          <a:chExt cx="0" cy="0"/>
-        </a:xfrm>
-      </p:grpSpPr>
-      <p:sp>
-        <p:nvSpPr>
-          <p:cNvPr id="2" name="Title 1"/>
-          <p:cNvSpPr>
-            <a:spLocks noGrp="1"/>
-          </p:cNvSpPr>
-          <p:nvPr>
-            <p:ph type="ctrTitle"/>
-          </p:nvPr>
-        </p:nvSpPr>
         <p:spPr/>
         <p:txBody>
           <a:bodyPr/>
@@ -7346,7 +7239,7 @@
 </p:sld>
 </file>
 
-<file path=ppt/slides/slide8.xml><?xml version="1.0" encoding="utf-8"?>
+<file path=ppt/slides/slide7.xml><?xml version="1.0" encoding="utf-8"?>
 <p:sld xmlns:a="http://schemas.openxmlformats.org/drawingml/2006/main" xmlns:r="http://schemas.openxmlformats.org/officeDocument/2006/relationships" xmlns:p="http://schemas.openxmlformats.org/presentationml/2006/main">
   <p:cSld>
     <p:bg>
@@ -7569,7 +7462,7 @@
 </p:sld>
 </file>
 
-<file path=ppt/slides/slide9.xml><?xml version="1.0" encoding="utf-8"?>
+<file path=ppt/slides/slide8.xml><?xml version="1.0" encoding="utf-8"?>
 <p:sld xmlns:a="http://schemas.openxmlformats.org/drawingml/2006/main" xmlns:r="http://schemas.openxmlformats.org/officeDocument/2006/relationships" xmlns:p="http://schemas.openxmlformats.org/presentationml/2006/main">
   <p:cSld>
     <p:spTree>
@@ -8119,6 +8012,71 @@
     <p:extLst>
       <p:ext uri="{BB962C8B-B14F-4D97-AF65-F5344CB8AC3E}">
         <p14:creationId xmlns:p14="http://schemas.microsoft.com/office/powerpoint/2010/main" val="2984443351"/>
+      </p:ext>
+    </p:extLst>
+  </p:cSld>
+  <p:clrMapOvr>
+    <a:masterClrMapping/>
+  </p:clrMapOvr>
+  <p:transition spd="slow">
+    <p:push dir="u"/>
+  </p:transition>
+</p:sld>
+</file>
+
+<file path=ppt/slides/slide9.xml><?xml version="1.0" encoding="utf-8"?>
+<p:sld xmlns:a="http://schemas.openxmlformats.org/drawingml/2006/main" xmlns:r="http://schemas.openxmlformats.org/officeDocument/2006/relationships" xmlns:p="http://schemas.openxmlformats.org/presentationml/2006/main">
+  <p:cSld>
+    <p:spTree>
+      <p:nvGrpSpPr>
+        <p:cNvPr id="1" name=""/>
+        <p:cNvGrpSpPr/>
+        <p:nvPr/>
+      </p:nvGrpSpPr>
+      <p:grpSpPr>
+        <a:xfrm>
+          <a:off x="0" y="0"/>
+          <a:ext cx="0" cy="0"/>
+          <a:chOff x="0" y="0"/>
+          <a:chExt cx="0" cy="0"/>
+        </a:xfrm>
+      </p:grpSpPr>
+      <p:sp>
+        <p:nvSpPr>
+          <p:cNvPr id="2" name="Title 1"/>
+          <p:cNvSpPr>
+            <a:spLocks noGrp="1"/>
+          </p:cNvSpPr>
+          <p:nvPr>
+            <p:ph type="ctrTitle"/>
+          </p:nvPr>
+        </p:nvSpPr>
+        <p:spPr>
+          <a:xfrm>
+            <a:off x="611560" y="1707654"/>
+            <a:ext cx="7772400" cy="1125457"/>
+          </a:xfrm>
+        </p:spPr>
+        <p:txBody>
+          <a:bodyPr/>
+          <a:lstStyle/>
+          <a:p>
+            <a:pPr algn="ctr"/>
+            <a:r>
+              <a:rPr lang="vi-VN" spc="300" dirty="0"/>
+              <a:t> </a:t>
+            </a:r>
+            <a:r>
+              <a:rPr lang="en-US" spc="300" dirty="0"/>
+              <a:t>KHÓ KHĂN</a:t>
+            </a:r>
+          </a:p>
+        </p:txBody>
+      </p:sp>
+    </p:spTree>
+    <p:extLst>
+      <p:ext uri="{BB962C8B-B14F-4D97-AF65-F5344CB8AC3E}">
+        <p14:creationId xmlns:p14="http://schemas.microsoft.com/office/powerpoint/2010/main" val="303958223"/>
       </p:ext>
     </p:extLst>
   </p:cSld>

--- a/TEST1.pptx
+++ b/TEST1.pptx
@@ -5,7 +5,7 @@
     <p:sldMasterId id="2147483648" r:id="rId1"/>
   </p:sldMasterIdLst>
   <p:notesMasterIdLst>
-    <p:notesMasterId r:id="rId11"/>
+    <p:notesMasterId r:id="rId12"/>
   </p:notesMasterIdLst>
   <p:sldIdLst>
     <p:sldId id="285" r:id="rId2"/>
@@ -15,8 +15,9 @@
     <p:sldId id="287" r:id="rId6"/>
     <p:sldId id="279" r:id="rId7"/>
     <p:sldId id="286" r:id="rId8"/>
-    <p:sldId id="282" r:id="rId9"/>
-    <p:sldId id="262" r:id="rId10"/>
+    <p:sldId id="288" r:id="rId9"/>
+    <p:sldId id="282" r:id="rId10"/>
+    <p:sldId id="262" r:id="rId11"/>
   </p:sldIdLst>
   <p:sldSz cx="9144000" cy="5143500" type="screen16x9"/>
   <p:notesSz cx="5143500" cy="9144000"/>
@@ -216,7 +217,7 @@
           <a:p>
             <a:fld id="{D720503E-7F5E-4ABE-B869-34FDF8855786}" type="datetimeFigureOut">
               <a:rPr lang="en-US" smtClean="0"/>
-              <a:t>4/24/2020</a:t>
+              <a:t>4/26/2020</a:t>
             </a:fld>
             <a:endParaRPr lang="en-US"/>
           </a:p>
@@ -773,7 +774,7 @@
             </a:pPr>
             <a:fld id="{C6A69C64-0A0C-4D60-B614-E96069CBCE63}" type="datetimeFigureOut">
               <a:rPr lang="en-US"/>
-              <a:t>4/24/2020</a:t>
+              <a:t>4/26/2020</a:t>
             </a:fld>
             <a:endParaRPr lang="en-US"/>
           </a:p>
@@ -965,7 +966,7 @@
             </a:pPr>
             <a:fld id="{C6A69C64-0A0C-4D60-B614-E96069CBCE63}" type="datetimeFigureOut">
               <a:rPr lang="en-US"/>
-              <a:t>4/24/2020</a:t>
+              <a:t>4/26/2020</a:t>
             </a:fld>
             <a:endParaRPr lang="en-US"/>
           </a:p>
@@ -1167,7 +1168,7 @@
             </a:pPr>
             <a:fld id="{C6A69C64-0A0C-4D60-B614-E96069CBCE63}" type="datetimeFigureOut">
               <a:rPr lang="en-US"/>
-              <a:t>4/24/2020</a:t>
+              <a:t>4/26/2020</a:t>
             </a:fld>
             <a:endParaRPr lang="en-US"/>
           </a:p>
@@ -1359,7 +1360,7 @@
             </a:pPr>
             <a:fld id="{C6A69C64-0A0C-4D60-B614-E96069CBCE63}" type="datetimeFigureOut">
               <a:rPr lang="en-US"/>
-              <a:t>4/24/2020</a:t>
+              <a:t>4/26/2020</a:t>
             </a:fld>
             <a:endParaRPr lang="en-US"/>
           </a:p>
@@ -1617,7 +1618,7 @@
             </a:pPr>
             <a:fld id="{C6A69C64-0A0C-4D60-B614-E96069CBCE63}" type="datetimeFigureOut">
               <a:rPr lang="en-US"/>
-              <a:t>4/24/2020</a:t>
+              <a:t>4/26/2020</a:t>
             </a:fld>
             <a:endParaRPr lang="en-US"/>
           </a:p>
@@ -1940,7 +1941,7 @@
             </a:pPr>
             <a:fld id="{C6A69C64-0A0C-4D60-B614-E96069CBCE63}" type="datetimeFigureOut">
               <a:rPr lang="en-US"/>
-              <a:t>4/24/2020</a:t>
+              <a:t>4/26/2020</a:t>
             </a:fld>
             <a:endParaRPr lang="en-US"/>
           </a:p>
@@ -2408,7 +2409,7 @@
             </a:pPr>
             <a:fld id="{C6A69C64-0A0C-4D60-B614-E96069CBCE63}" type="datetimeFigureOut">
               <a:rPr lang="en-US"/>
-              <a:t>4/24/2020</a:t>
+              <a:t>4/26/2020</a:t>
             </a:fld>
             <a:endParaRPr lang="en-US"/>
           </a:p>
@@ -2535,7 +2536,7 @@
             </a:pPr>
             <a:fld id="{C6A69C64-0A0C-4D60-B614-E96069CBCE63}" type="datetimeFigureOut">
               <a:rPr lang="en-US"/>
-              <a:t>4/24/2020</a:t>
+              <a:t>4/26/2020</a:t>
             </a:fld>
             <a:endParaRPr lang="en-US"/>
           </a:p>
@@ -2637,7 +2638,7 @@
             </a:pPr>
             <a:fld id="{C6A69C64-0A0C-4D60-B614-E96069CBCE63}" type="datetimeFigureOut">
               <a:rPr lang="en-US"/>
-              <a:t>4/24/2020</a:t>
+              <a:t>4/26/2020</a:t>
             </a:fld>
             <a:endParaRPr lang="en-US"/>
           </a:p>
@@ -2939,7 +2940,7 @@
             </a:pPr>
             <a:fld id="{C6A69C64-0A0C-4D60-B614-E96069CBCE63}" type="datetimeFigureOut">
               <a:rPr lang="en-US"/>
-              <a:t>4/24/2020</a:t>
+              <a:t>4/26/2020</a:t>
             </a:fld>
             <a:endParaRPr lang="en-US"/>
           </a:p>
@@ -3207,7 +3208,7 @@
             </a:pPr>
             <a:fld id="{C6A69C64-0A0C-4D60-B614-E96069CBCE63}" type="datetimeFigureOut">
               <a:rPr lang="en-US"/>
-              <a:t>4/24/2020</a:t>
+              <a:t>4/26/2020</a:t>
             </a:fld>
             <a:endParaRPr lang="en-US"/>
           </a:p>
@@ -3448,7 +3449,7 @@
             </a:pPr>
             <a:fld id="{C6A69C64-0A0C-4D60-B614-E96069CBCE63}" type="datetimeFigureOut">
               <a:rPr lang="en-US"/>
-              <a:t>4/24/2020</a:t>
+              <a:t>4/26/2020</a:t>
             </a:fld>
             <a:endParaRPr lang="en-US"/>
           </a:p>
@@ -4536,6 +4537,71 @@
 </p:sld>
 </file>
 
+<file path=ppt/slides/slide10.xml><?xml version="1.0" encoding="utf-8"?>
+<p:sld xmlns:a="http://schemas.openxmlformats.org/drawingml/2006/main" xmlns:r="http://schemas.openxmlformats.org/officeDocument/2006/relationships" xmlns:p="http://schemas.openxmlformats.org/presentationml/2006/main">
+  <p:cSld>
+    <p:spTree>
+      <p:nvGrpSpPr>
+        <p:cNvPr id="1" name=""/>
+        <p:cNvGrpSpPr/>
+        <p:nvPr/>
+      </p:nvGrpSpPr>
+      <p:grpSpPr>
+        <a:xfrm>
+          <a:off x="0" y="0"/>
+          <a:ext cx="0" cy="0"/>
+          <a:chOff x="0" y="0"/>
+          <a:chExt cx="0" cy="0"/>
+        </a:xfrm>
+      </p:grpSpPr>
+      <p:sp>
+        <p:nvSpPr>
+          <p:cNvPr id="2" name="Title 1"/>
+          <p:cNvSpPr>
+            <a:spLocks noGrp="1"/>
+          </p:cNvSpPr>
+          <p:nvPr>
+            <p:ph type="ctrTitle"/>
+          </p:nvPr>
+        </p:nvSpPr>
+        <p:spPr>
+          <a:xfrm>
+            <a:off x="611560" y="1707654"/>
+            <a:ext cx="7772400" cy="1125457"/>
+          </a:xfrm>
+        </p:spPr>
+        <p:txBody>
+          <a:bodyPr/>
+          <a:lstStyle/>
+          <a:p>
+            <a:pPr algn="ctr"/>
+            <a:r>
+              <a:rPr lang="vi-VN" spc="300" dirty="0"/>
+              <a:t> </a:t>
+            </a:r>
+            <a:r>
+              <a:rPr lang="en-US" spc="300" dirty="0"/>
+              <a:t>KHÓ KHĂN</a:t>
+            </a:r>
+          </a:p>
+        </p:txBody>
+      </p:sp>
+    </p:spTree>
+    <p:extLst>
+      <p:ext uri="{BB962C8B-B14F-4D97-AF65-F5344CB8AC3E}">
+        <p14:creationId xmlns:p14="http://schemas.microsoft.com/office/powerpoint/2010/main" val="303958223"/>
+      </p:ext>
+    </p:extLst>
+  </p:cSld>
+  <p:clrMapOvr>
+    <a:masterClrMapping/>
+  </p:clrMapOvr>
+  <p:transition spd="slow">
+    <p:push dir="u"/>
+  </p:transition>
+</p:sld>
+</file>
+
 <file path=ppt/slides/slide2.xml><?xml version="1.0" encoding="utf-8"?>
 <p:sld xmlns:a="http://schemas.openxmlformats.org/drawingml/2006/main" xmlns:r="http://schemas.openxmlformats.org/officeDocument/2006/relationships" xmlns:p="http://schemas.openxmlformats.org/presentationml/2006/main" showMasterPhAnim="0">
   <p:cSld>
@@ -7463,6 +7529,69 @@
 </file>
 
 <file path=ppt/slides/slide8.xml><?xml version="1.0" encoding="utf-8"?>
+<p:sld xmlns:a="http://schemas.openxmlformats.org/drawingml/2006/main" xmlns:r="http://schemas.openxmlformats.org/officeDocument/2006/relationships" xmlns:p="http://schemas.openxmlformats.org/presentationml/2006/main">
+  <p:cSld>
+    <p:spTree>
+      <p:nvGrpSpPr>
+        <p:cNvPr id="1" name=""/>
+        <p:cNvGrpSpPr/>
+        <p:nvPr/>
+      </p:nvGrpSpPr>
+      <p:grpSpPr>
+        <a:xfrm>
+          <a:off x="0" y="0"/>
+          <a:ext cx="0" cy="0"/>
+          <a:chOff x="0" y="0"/>
+          <a:chExt cx="0" cy="0"/>
+        </a:xfrm>
+      </p:grpSpPr>
+      <p:pic>
+        <p:nvPicPr>
+          <p:cNvPr id="2" name="Picture 1">
+            <a:extLst>
+              <a:ext uri="{FF2B5EF4-FFF2-40B4-BE49-F238E27FC236}">
+                <a16:creationId xmlns:a16="http://schemas.microsoft.com/office/drawing/2014/main" id="{31F77612-419C-4C3D-85FD-8C7A0A353FE8}"/>
+              </a:ext>
+            </a:extLst>
+          </p:cNvPr>
+          <p:cNvPicPr>
+            <a:picLocks noChangeAspect="1"/>
+          </p:cNvPicPr>
+          <p:nvPr/>
+        </p:nvPicPr>
+        <p:blipFill>
+          <a:blip r:embed="rId2"/>
+          <a:stretch>
+            <a:fillRect/>
+          </a:stretch>
+        </p:blipFill>
+        <p:spPr>
+          <a:xfrm>
+            <a:off x="0" y="0"/>
+            <a:ext cx="9144000" cy="5143500"/>
+          </a:xfrm>
+          <a:prstGeom prst="rect">
+            <a:avLst/>
+          </a:prstGeom>
+        </p:spPr>
+      </p:pic>
+    </p:spTree>
+    <p:extLst>
+      <p:ext uri="{BB962C8B-B14F-4D97-AF65-F5344CB8AC3E}">
+        <p14:creationId xmlns:p14="http://schemas.microsoft.com/office/powerpoint/2010/main" val="4171454989"/>
+      </p:ext>
+    </p:extLst>
+  </p:cSld>
+  <p:clrMapOvr>
+    <a:masterClrMapping/>
+  </p:clrMapOvr>
+  <p:transition spd="slow">
+    <p:push dir="u"/>
+  </p:transition>
+</p:sld>
+</file>
+
+<file path=ppt/slides/slide9.xml><?xml version="1.0" encoding="utf-8"?>
 <p:sld xmlns:a="http://schemas.openxmlformats.org/drawingml/2006/main" xmlns:r="http://schemas.openxmlformats.org/officeDocument/2006/relationships" xmlns:p="http://schemas.openxmlformats.org/presentationml/2006/main">
   <p:cSld>
     <p:spTree>
@@ -8012,71 +8141,6 @@
     <p:extLst>
       <p:ext uri="{BB962C8B-B14F-4D97-AF65-F5344CB8AC3E}">
         <p14:creationId xmlns:p14="http://schemas.microsoft.com/office/powerpoint/2010/main" val="2984443351"/>
-      </p:ext>
-    </p:extLst>
-  </p:cSld>
-  <p:clrMapOvr>
-    <a:masterClrMapping/>
-  </p:clrMapOvr>
-  <p:transition spd="slow">
-    <p:push dir="u"/>
-  </p:transition>
-</p:sld>
-</file>
-
-<file path=ppt/slides/slide9.xml><?xml version="1.0" encoding="utf-8"?>
-<p:sld xmlns:a="http://schemas.openxmlformats.org/drawingml/2006/main" xmlns:r="http://schemas.openxmlformats.org/officeDocument/2006/relationships" xmlns:p="http://schemas.openxmlformats.org/presentationml/2006/main">
-  <p:cSld>
-    <p:spTree>
-      <p:nvGrpSpPr>
-        <p:cNvPr id="1" name=""/>
-        <p:cNvGrpSpPr/>
-        <p:nvPr/>
-      </p:nvGrpSpPr>
-      <p:grpSpPr>
-        <a:xfrm>
-          <a:off x="0" y="0"/>
-          <a:ext cx="0" cy="0"/>
-          <a:chOff x="0" y="0"/>
-          <a:chExt cx="0" cy="0"/>
-        </a:xfrm>
-      </p:grpSpPr>
-      <p:sp>
-        <p:nvSpPr>
-          <p:cNvPr id="2" name="Title 1"/>
-          <p:cNvSpPr>
-            <a:spLocks noGrp="1"/>
-          </p:cNvSpPr>
-          <p:nvPr>
-            <p:ph type="ctrTitle"/>
-          </p:nvPr>
-        </p:nvSpPr>
-        <p:spPr>
-          <a:xfrm>
-            <a:off x="611560" y="1707654"/>
-            <a:ext cx="7772400" cy="1125457"/>
-          </a:xfrm>
-        </p:spPr>
-        <p:txBody>
-          <a:bodyPr/>
-          <a:lstStyle/>
-          <a:p>
-            <a:pPr algn="ctr"/>
-            <a:r>
-              <a:rPr lang="vi-VN" spc="300" dirty="0"/>
-              <a:t> </a:t>
-            </a:r>
-            <a:r>
-              <a:rPr lang="en-US" spc="300" dirty="0"/>
-              <a:t>KHÓ KHĂN</a:t>
-            </a:r>
-          </a:p>
-        </p:txBody>
-      </p:sp>
-    </p:spTree>
-    <p:extLst>
-      <p:ext uri="{BB962C8B-B14F-4D97-AF65-F5344CB8AC3E}">
-        <p14:creationId xmlns:p14="http://schemas.microsoft.com/office/powerpoint/2010/main" val="303958223"/>
       </p:ext>
     </p:extLst>
   </p:cSld>

--- a/TEST1.pptx
+++ b/TEST1.pptx
@@ -12,10 +12,10 @@
     <p:sldId id="256" r:id="rId3"/>
     <p:sldId id="283" r:id="rId4"/>
     <p:sldId id="284" r:id="rId5"/>
-    <p:sldId id="287" r:id="rId6"/>
-    <p:sldId id="279" r:id="rId7"/>
-    <p:sldId id="286" r:id="rId8"/>
-    <p:sldId id="288" r:id="rId9"/>
+    <p:sldId id="288" r:id="rId6"/>
+    <p:sldId id="287" r:id="rId7"/>
+    <p:sldId id="279" r:id="rId8"/>
+    <p:sldId id="286" r:id="rId9"/>
     <p:sldId id="282" r:id="rId10"/>
     <p:sldId id="262" r:id="rId11"/>
   </p:sldIdLst>
@@ -217,7 +217,7 @@
           <a:p>
             <a:fld id="{D720503E-7F5E-4ABE-B869-34FDF8855786}" type="datetimeFigureOut">
               <a:rPr lang="en-US" smtClean="0"/>
-              <a:t>4/26/2020</a:t>
+              <a:t>4/27/2020</a:t>
             </a:fld>
             <a:endParaRPr lang="en-US"/>
           </a:p>
@@ -774,7 +774,7 @@
             </a:pPr>
             <a:fld id="{C6A69C64-0A0C-4D60-B614-E96069CBCE63}" type="datetimeFigureOut">
               <a:rPr lang="en-US"/>
-              <a:t>4/26/2020</a:t>
+              <a:t>4/27/2020</a:t>
             </a:fld>
             <a:endParaRPr lang="en-US"/>
           </a:p>
@@ -966,7 +966,7 @@
             </a:pPr>
             <a:fld id="{C6A69C64-0A0C-4D60-B614-E96069CBCE63}" type="datetimeFigureOut">
               <a:rPr lang="en-US"/>
-              <a:t>4/26/2020</a:t>
+              <a:t>4/27/2020</a:t>
             </a:fld>
             <a:endParaRPr lang="en-US"/>
           </a:p>
@@ -1168,7 +1168,7 @@
             </a:pPr>
             <a:fld id="{C6A69C64-0A0C-4D60-B614-E96069CBCE63}" type="datetimeFigureOut">
               <a:rPr lang="en-US"/>
-              <a:t>4/26/2020</a:t>
+              <a:t>4/27/2020</a:t>
             </a:fld>
             <a:endParaRPr lang="en-US"/>
           </a:p>
@@ -1360,7 +1360,7 @@
             </a:pPr>
             <a:fld id="{C6A69C64-0A0C-4D60-B614-E96069CBCE63}" type="datetimeFigureOut">
               <a:rPr lang="en-US"/>
-              <a:t>4/26/2020</a:t>
+              <a:t>4/27/2020</a:t>
             </a:fld>
             <a:endParaRPr lang="en-US"/>
           </a:p>
@@ -1618,7 +1618,7 @@
             </a:pPr>
             <a:fld id="{C6A69C64-0A0C-4D60-B614-E96069CBCE63}" type="datetimeFigureOut">
               <a:rPr lang="en-US"/>
-              <a:t>4/26/2020</a:t>
+              <a:t>4/27/2020</a:t>
             </a:fld>
             <a:endParaRPr lang="en-US"/>
           </a:p>
@@ -1941,7 +1941,7 @@
             </a:pPr>
             <a:fld id="{C6A69C64-0A0C-4D60-B614-E96069CBCE63}" type="datetimeFigureOut">
               <a:rPr lang="en-US"/>
-              <a:t>4/26/2020</a:t>
+              <a:t>4/27/2020</a:t>
             </a:fld>
             <a:endParaRPr lang="en-US"/>
           </a:p>
@@ -2409,7 +2409,7 @@
             </a:pPr>
             <a:fld id="{C6A69C64-0A0C-4D60-B614-E96069CBCE63}" type="datetimeFigureOut">
               <a:rPr lang="en-US"/>
-              <a:t>4/26/2020</a:t>
+              <a:t>4/27/2020</a:t>
             </a:fld>
             <a:endParaRPr lang="en-US"/>
           </a:p>
@@ -2536,7 +2536,7 @@
             </a:pPr>
             <a:fld id="{C6A69C64-0A0C-4D60-B614-E96069CBCE63}" type="datetimeFigureOut">
               <a:rPr lang="en-US"/>
-              <a:t>4/26/2020</a:t>
+              <a:t>4/27/2020</a:t>
             </a:fld>
             <a:endParaRPr lang="en-US"/>
           </a:p>
@@ -2638,7 +2638,7 @@
             </a:pPr>
             <a:fld id="{C6A69C64-0A0C-4D60-B614-E96069CBCE63}" type="datetimeFigureOut">
               <a:rPr lang="en-US"/>
-              <a:t>4/26/2020</a:t>
+              <a:t>4/27/2020</a:t>
             </a:fld>
             <a:endParaRPr lang="en-US"/>
           </a:p>
@@ -2940,7 +2940,7 @@
             </a:pPr>
             <a:fld id="{C6A69C64-0A0C-4D60-B614-E96069CBCE63}" type="datetimeFigureOut">
               <a:rPr lang="en-US"/>
-              <a:t>4/26/2020</a:t>
+              <a:t>4/27/2020</a:t>
             </a:fld>
             <a:endParaRPr lang="en-US"/>
           </a:p>
@@ -3208,7 +3208,7 @@
             </a:pPr>
             <a:fld id="{C6A69C64-0A0C-4D60-B614-E96069CBCE63}" type="datetimeFigureOut">
               <a:rPr lang="en-US"/>
-              <a:t>4/26/2020</a:t>
+              <a:t>4/27/2020</a:t>
             </a:fld>
             <a:endParaRPr lang="en-US"/>
           </a:p>
@@ -3449,7 +3449,7 @@
             </a:pPr>
             <a:fld id="{C6A69C64-0A0C-4D60-B614-E96069CBCE63}" type="datetimeFigureOut">
               <a:rPr lang="en-US"/>
-              <a:t>4/26/2020</a:t>
+              <a:t>4/27/2020</a:t>
             </a:fld>
             <a:endParaRPr lang="en-US"/>
           </a:p>
@@ -6662,6 +6662,69 @@
 <file path=ppt/slides/slide5.xml><?xml version="1.0" encoding="utf-8"?>
 <p:sld xmlns:a="http://schemas.openxmlformats.org/drawingml/2006/main" xmlns:r="http://schemas.openxmlformats.org/officeDocument/2006/relationships" xmlns:p="http://schemas.openxmlformats.org/presentationml/2006/main">
   <p:cSld>
+    <p:spTree>
+      <p:nvGrpSpPr>
+        <p:cNvPr id="1" name=""/>
+        <p:cNvGrpSpPr/>
+        <p:nvPr/>
+      </p:nvGrpSpPr>
+      <p:grpSpPr>
+        <a:xfrm>
+          <a:off x="0" y="0"/>
+          <a:ext cx="0" cy="0"/>
+          <a:chOff x="0" y="0"/>
+          <a:chExt cx="0" cy="0"/>
+        </a:xfrm>
+      </p:grpSpPr>
+      <p:pic>
+        <p:nvPicPr>
+          <p:cNvPr id="2" name="Picture 1">
+            <a:extLst>
+              <a:ext uri="{FF2B5EF4-FFF2-40B4-BE49-F238E27FC236}">
+                <a16:creationId xmlns:a16="http://schemas.microsoft.com/office/drawing/2014/main" id="{31F77612-419C-4C3D-85FD-8C7A0A353FE8}"/>
+              </a:ext>
+            </a:extLst>
+          </p:cNvPr>
+          <p:cNvPicPr>
+            <a:picLocks noChangeAspect="1"/>
+          </p:cNvPicPr>
+          <p:nvPr/>
+        </p:nvPicPr>
+        <p:blipFill>
+          <a:blip r:embed="rId2"/>
+          <a:stretch>
+            <a:fillRect/>
+          </a:stretch>
+        </p:blipFill>
+        <p:spPr>
+          <a:xfrm>
+            <a:off x="-1620688" y="-884633"/>
+            <a:ext cx="13105455" cy="6768752"/>
+          </a:xfrm>
+          <a:prstGeom prst="rect">
+            <a:avLst/>
+          </a:prstGeom>
+        </p:spPr>
+      </p:pic>
+    </p:spTree>
+    <p:extLst>
+      <p:ext uri="{BB962C8B-B14F-4D97-AF65-F5344CB8AC3E}">
+        <p14:creationId xmlns:p14="http://schemas.microsoft.com/office/powerpoint/2010/main" val="4171454989"/>
+      </p:ext>
+    </p:extLst>
+  </p:cSld>
+  <p:clrMapOvr>
+    <a:masterClrMapping/>
+  </p:clrMapOvr>
+  <p:transition spd="slow">
+    <p:push dir="u"/>
+  </p:transition>
+</p:sld>
+</file>
+
+<file path=ppt/slides/slide6.xml><?xml version="1.0" encoding="utf-8"?>
+<p:sld xmlns:a="http://schemas.openxmlformats.org/drawingml/2006/main" xmlns:r="http://schemas.openxmlformats.org/officeDocument/2006/relationships" xmlns:p="http://schemas.openxmlformats.org/presentationml/2006/main">
+  <p:cSld>
     <p:bg>
       <p:bgPr>
         <a:solidFill>
@@ -7249,7 +7312,7 @@
 </p:sld>
 </file>
 
-<file path=ppt/slides/slide6.xml><?xml version="1.0" encoding="utf-8"?>
+<file path=ppt/slides/slide7.xml><?xml version="1.0" encoding="utf-8"?>
 <p:sld xmlns:a="http://schemas.openxmlformats.org/drawingml/2006/main" xmlns:r="http://schemas.openxmlformats.org/officeDocument/2006/relationships" xmlns:p="http://schemas.openxmlformats.org/presentationml/2006/main">
   <p:cSld>
     <p:spTree>
@@ -7305,7 +7368,7 @@
 </p:sld>
 </file>
 
-<file path=ppt/slides/slide7.xml><?xml version="1.0" encoding="utf-8"?>
+<file path=ppt/slides/slide8.xml><?xml version="1.0" encoding="utf-8"?>
 <p:sld xmlns:a="http://schemas.openxmlformats.org/drawingml/2006/main" xmlns:r="http://schemas.openxmlformats.org/officeDocument/2006/relationships" xmlns:p="http://schemas.openxmlformats.org/presentationml/2006/main">
   <p:cSld>
     <p:bg>
@@ -7516,69 +7579,6 @@
     <p:extLst>
       <p:ext uri="{BB962C8B-B14F-4D97-AF65-F5344CB8AC3E}">
         <p14:creationId xmlns:p14="http://schemas.microsoft.com/office/powerpoint/2010/main" val="2692264476"/>
-      </p:ext>
-    </p:extLst>
-  </p:cSld>
-  <p:clrMapOvr>
-    <a:masterClrMapping/>
-  </p:clrMapOvr>
-  <p:transition spd="slow">
-    <p:push dir="u"/>
-  </p:transition>
-</p:sld>
-</file>
-
-<file path=ppt/slides/slide8.xml><?xml version="1.0" encoding="utf-8"?>
-<p:sld xmlns:a="http://schemas.openxmlformats.org/drawingml/2006/main" xmlns:r="http://schemas.openxmlformats.org/officeDocument/2006/relationships" xmlns:p="http://schemas.openxmlformats.org/presentationml/2006/main">
-  <p:cSld>
-    <p:spTree>
-      <p:nvGrpSpPr>
-        <p:cNvPr id="1" name=""/>
-        <p:cNvGrpSpPr/>
-        <p:nvPr/>
-      </p:nvGrpSpPr>
-      <p:grpSpPr>
-        <a:xfrm>
-          <a:off x="0" y="0"/>
-          <a:ext cx="0" cy="0"/>
-          <a:chOff x="0" y="0"/>
-          <a:chExt cx="0" cy="0"/>
-        </a:xfrm>
-      </p:grpSpPr>
-      <p:pic>
-        <p:nvPicPr>
-          <p:cNvPr id="2" name="Picture 1">
-            <a:extLst>
-              <a:ext uri="{FF2B5EF4-FFF2-40B4-BE49-F238E27FC236}">
-                <a16:creationId xmlns:a16="http://schemas.microsoft.com/office/drawing/2014/main" id="{31F77612-419C-4C3D-85FD-8C7A0A353FE8}"/>
-              </a:ext>
-            </a:extLst>
-          </p:cNvPr>
-          <p:cNvPicPr>
-            <a:picLocks noChangeAspect="1"/>
-          </p:cNvPicPr>
-          <p:nvPr/>
-        </p:nvPicPr>
-        <p:blipFill>
-          <a:blip r:embed="rId2"/>
-          <a:stretch>
-            <a:fillRect/>
-          </a:stretch>
-        </p:blipFill>
-        <p:spPr>
-          <a:xfrm>
-            <a:off x="0" y="0"/>
-            <a:ext cx="9144000" cy="5143500"/>
-          </a:xfrm>
-          <a:prstGeom prst="rect">
-            <a:avLst/>
-          </a:prstGeom>
-        </p:spPr>
-      </p:pic>
-    </p:spTree>
-    <p:extLst>
-      <p:ext uri="{BB962C8B-B14F-4D97-AF65-F5344CB8AC3E}">
-        <p14:creationId xmlns:p14="http://schemas.microsoft.com/office/powerpoint/2010/main" val="4171454989"/>
       </p:ext>
     </p:extLst>
   </p:cSld>

--- a/TEST1.pptx
+++ b/TEST1.pptx
@@ -5,7 +5,7 @@
     <p:sldMasterId id="2147483648" r:id="rId1"/>
   </p:sldMasterIdLst>
   <p:notesMasterIdLst>
-    <p:notesMasterId r:id="rId12"/>
+    <p:notesMasterId r:id="rId14"/>
   </p:notesMasterIdLst>
   <p:sldIdLst>
     <p:sldId id="285" r:id="rId2"/>
@@ -13,11 +13,13 @@
     <p:sldId id="283" r:id="rId4"/>
     <p:sldId id="284" r:id="rId5"/>
     <p:sldId id="288" r:id="rId6"/>
-    <p:sldId id="287" r:id="rId7"/>
-    <p:sldId id="279" r:id="rId8"/>
-    <p:sldId id="286" r:id="rId9"/>
-    <p:sldId id="282" r:id="rId10"/>
-    <p:sldId id="262" r:id="rId11"/>
+    <p:sldId id="289" r:id="rId7"/>
+    <p:sldId id="292" r:id="rId8"/>
+    <p:sldId id="291" r:id="rId9"/>
+    <p:sldId id="279" r:id="rId10"/>
+    <p:sldId id="286" r:id="rId11"/>
+    <p:sldId id="282" r:id="rId12"/>
+    <p:sldId id="262" r:id="rId13"/>
   </p:sldIdLst>
   <p:sldSz cx="9144000" cy="5143500" type="screen16x9"/>
   <p:notesSz cx="5143500" cy="9144000"/>
@@ -217,7 +219,7 @@
           <a:p>
             <a:fld id="{D720503E-7F5E-4ABE-B869-34FDF8855786}" type="datetimeFigureOut">
               <a:rPr lang="en-US" smtClean="0"/>
-              <a:t>4/27/2020</a:t>
+              <a:t>5/4/2020</a:t>
             </a:fld>
             <a:endParaRPr lang="en-US"/>
           </a:p>
@@ -774,7 +776,7 @@
             </a:pPr>
             <a:fld id="{C6A69C64-0A0C-4D60-B614-E96069CBCE63}" type="datetimeFigureOut">
               <a:rPr lang="en-US"/>
-              <a:t>4/27/2020</a:t>
+              <a:t>5/4/2020</a:t>
             </a:fld>
             <a:endParaRPr lang="en-US"/>
           </a:p>
@@ -966,7 +968,7 @@
             </a:pPr>
             <a:fld id="{C6A69C64-0A0C-4D60-B614-E96069CBCE63}" type="datetimeFigureOut">
               <a:rPr lang="en-US"/>
-              <a:t>4/27/2020</a:t>
+              <a:t>5/4/2020</a:t>
             </a:fld>
             <a:endParaRPr lang="en-US"/>
           </a:p>
@@ -1168,7 +1170,7 @@
             </a:pPr>
             <a:fld id="{C6A69C64-0A0C-4D60-B614-E96069CBCE63}" type="datetimeFigureOut">
               <a:rPr lang="en-US"/>
-              <a:t>4/27/2020</a:t>
+              <a:t>5/4/2020</a:t>
             </a:fld>
             <a:endParaRPr lang="en-US"/>
           </a:p>
@@ -1360,7 +1362,7 @@
             </a:pPr>
             <a:fld id="{C6A69C64-0A0C-4D60-B614-E96069CBCE63}" type="datetimeFigureOut">
               <a:rPr lang="en-US"/>
-              <a:t>4/27/2020</a:t>
+              <a:t>5/4/2020</a:t>
             </a:fld>
             <a:endParaRPr lang="en-US"/>
           </a:p>
@@ -1618,7 +1620,7 @@
             </a:pPr>
             <a:fld id="{C6A69C64-0A0C-4D60-B614-E96069CBCE63}" type="datetimeFigureOut">
               <a:rPr lang="en-US"/>
-              <a:t>4/27/2020</a:t>
+              <a:t>5/4/2020</a:t>
             </a:fld>
             <a:endParaRPr lang="en-US"/>
           </a:p>
@@ -1941,7 +1943,7 @@
             </a:pPr>
             <a:fld id="{C6A69C64-0A0C-4D60-B614-E96069CBCE63}" type="datetimeFigureOut">
               <a:rPr lang="en-US"/>
-              <a:t>4/27/2020</a:t>
+              <a:t>5/4/2020</a:t>
             </a:fld>
             <a:endParaRPr lang="en-US"/>
           </a:p>
@@ -2409,7 +2411,7 @@
             </a:pPr>
             <a:fld id="{C6A69C64-0A0C-4D60-B614-E96069CBCE63}" type="datetimeFigureOut">
               <a:rPr lang="en-US"/>
-              <a:t>4/27/2020</a:t>
+              <a:t>5/4/2020</a:t>
             </a:fld>
             <a:endParaRPr lang="en-US"/>
           </a:p>
@@ -2536,7 +2538,7 @@
             </a:pPr>
             <a:fld id="{C6A69C64-0A0C-4D60-B614-E96069CBCE63}" type="datetimeFigureOut">
               <a:rPr lang="en-US"/>
-              <a:t>4/27/2020</a:t>
+              <a:t>5/4/2020</a:t>
             </a:fld>
             <a:endParaRPr lang="en-US"/>
           </a:p>
@@ -2638,7 +2640,7 @@
             </a:pPr>
             <a:fld id="{C6A69C64-0A0C-4D60-B614-E96069CBCE63}" type="datetimeFigureOut">
               <a:rPr lang="en-US"/>
-              <a:t>4/27/2020</a:t>
+              <a:t>5/4/2020</a:t>
             </a:fld>
             <a:endParaRPr lang="en-US"/>
           </a:p>
@@ -2940,7 +2942,7 @@
             </a:pPr>
             <a:fld id="{C6A69C64-0A0C-4D60-B614-E96069CBCE63}" type="datetimeFigureOut">
               <a:rPr lang="en-US"/>
-              <a:t>4/27/2020</a:t>
+              <a:t>5/4/2020</a:t>
             </a:fld>
             <a:endParaRPr lang="en-US"/>
           </a:p>
@@ -3208,7 +3210,7 @@
             </a:pPr>
             <a:fld id="{C6A69C64-0A0C-4D60-B614-E96069CBCE63}" type="datetimeFigureOut">
               <a:rPr lang="en-US"/>
-              <a:t>4/27/2020</a:t>
+              <a:t>5/4/2020</a:t>
             </a:fld>
             <a:endParaRPr lang="en-US"/>
           </a:p>
@@ -3449,7 +3451,7 @@
             </a:pPr>
             <a:fld id="{C6A69C64-0A0C-4D60-B614-E96069CBCE63}" type="datetimeFigureOut">
               <a:rPr lang="en-US"/>
-              <a:t>4/27/2020</a:t>
+              <a:t>5/4/2020</a:t>
             </a:fld>
             <a:endParaRPr lang="en-US"/>
           </a:p>
@@ -4540,2837 +4542,6 @@
 <file path=ppt/slides/slide10.xml><?xml version="1.0" encoding="utf-8"?>
 <p:sld xmlns:a="http://schemas.openxmlformats.org/drawingml/2006/main" xmlns:r="http://schemas.openxmlformats.org/officeDocument/2006/relationships" xmlns:p="http://schemas.openxmlformats.org/presentationml/2006/main">
   <p:cSld>
-    <p:spTree>
-      <p:nvGrpSpPr>
-        <p:cNvPr id="1" name=""/>
-        <p:cNvGrpSpPr/>
-        <p:nvPr/>
-      </p:nvGrpSpPr>
-      <p:grpSpPr>
-        <a:xfrm>
-          <a:off x="0" y="0"/>
-          <a:ext cx="0" cy="0"/>
-          <a:chOff x="0" y="0"/>
-          <a:chExt cx="0" cy="0"/>
-        </a:xfrm>
-      </p:grpSpPr>
-      <p:sp>
-        <p:nvSpPr>
-          <p:cNvPr id="2" name="Title 1"/>
-          <p:cNvSpPr>
-            <a:spLocks noGrp="1"/>
-          </p:cNvSpPr>
-          <p:nvPr>
-            <p:ph type="ctrTitle"/>
-          </p:nvPr>
-        </p:nvSpPr>
-        <p:spPr>
-          <a:xfrm>
-            <a:off x="611560" y="1707654"/>
-            <a:ext cx="7772400" cy="1125457"/>
-          </a:xfrm>
-        </p:spPr>
-        <p:txBody>
-          <a:bodyPr/>
-          <a:lstStyle/>
-          <a:p>
-            <a:pPr algn="ctr"/>
-            <a:r>
-              <a:rPr lang="vi-VN" spc="300" dirty="0"/>
-              <a:t> </a:t>
-            </a:r>
-            <a:r>
-              <a:rPr lang="en-US" spc="300" dirty="0"/>
-              <a:t>KHÓ KHĂN</a:t>
-            </a:r>
-          </a:p>
-        </p:txBody>
-      </p:sp>
-    </p:spTree>
-    <p:extLst>
-      <p:ext uri="{BB962C8B-B14F-4D97-AF65-F5344CB8AC3E}">
-        <p14:creationId xmlns:p14="http://schemas.microsoft.com/office/powerpoint/2010/main" val="303958223"/>
-      </p:ext>
-    </p:extLst>
-  </p:cSld>
-  <p:clrMapOvr>
-    <a:masterClrMapping/>
-  </p:clrMapOvr>
-  <p:transition spd="slow">
-    <p:push dir="u"/>
-  </p:transition>
-</p:sld>
-</file>
-
-<file path=ppt/slides/slide2.xml><?xml version="1.0" encoding="utf-8"?>
-<p:sld xmlns:a="http://schemas.openxmlformats.org/drawingml/2006/main" xmlns:r="http://schemas.openxmlformats.org/officeDocument/2006/relationships" xmlns:p="http://schemas.openxmlformats.org/presentationml/2006/main" showMasterPhAnim="0">
-  <p:cSld>
-    <p:spTree>
-      <p:nvGrpSpPr>
-        <p:cNvPr id="1" name=""/>
-        <p:cNvGrpSpPr/>
-        <p:nvPr/>
-      </p:nvGrpSpPr>
-      <p:grpSpPr bwMode="auto">
-        <a:xfrm>
-          <a:off x="0" y="0"/>
-          <a:ext cx="0" cy="0"/>
-          <a:chOff x="0" y="0"/>
-          <a:chExt cx="0" cy="0"/>
-        </a:xfrm>
-      </p:grpSpPr>
-      <p:sp>
-        <p:nvSpPr>
-          <p:cNvPr id="2" name="Rectangle 1"/>
-          <p:cNvSpPr/>
-          <p:nvPr/>
-        </p:nvSpPr>
-        <p:spPr>
-          <a:xfrm rot="21330217">
-            <a:off x="-97646" y="544998"/>
-            <a:ext cx="1872208" cy="288032"/>
-          </a:xfrm>
-          <a:prstGeom prst="rect">
-            <a:avLst/>
-          </a:prstGeom>
-          <a:solidFill>
-            <a:schemeClr val="accent4">
-              <a:lumMod val="40000"/>
-              <a:lumOff val="60000"/>
-            </a:schemeClr>
-          </a:solidFill>
-          <a:ln>
-            <a:noFill/>
-          </a:ln>
-        </p:spPr>
-        <p:style>
-          <a:lnRef idx="2">
-            <a:schemeClr val="accent1">
-              <a:shade val="50000"/>
-            </a:schemeClr>
-          </a:lnRef>
-          <a:fillRef idx="1">
-            <a:schemeClr val="accent1"/>
-          </a:fillRef>
-          <a:effectRef idx="0">
-            <a:schemeClr val="accent1"/>
-          </a:effectRef>
-          <a:fontRef idx="minor">
-            <a:schemeClr val="lt1"/>
-          </a:fontRef>
-        </p:style>
-        <p:txBody>
-          <a:bodyPr rtlCol="0" anchor="ctr"/>
-          <a:lstStyle/>
-          <a:p>
-            <a:pPr algn="ctr"/>
-            <a:endParaRPr lang="en-US"/>
-          </a:p>
-        </p:txBody>
-      </p:sp>
-      <p:sp>
-        <p:nvSpPr>
-          <p:cNvPr id="4" name="Title 1"/>
-          <p:cNvSpPr>
-            <a:spLocks noGrp="1"/>
-          </p:cNvSpPr>
-          <p:nvPr>
-            <p:ph type="ctrTitle"/>
-          </p:nvPr>
-        </p:nvSpPr>
-        <p:spPr bwMode="auto">
-          <a:xfrm>
-            <a:off x="395536" y="23569"/>
-            <a:ext cx="7772400" cy="882406"/>
-          </a:xfrm>
-        </p:spPr>
-        <p:txBody>
-          <a:bodyPr>
-            <a:noAutofit/>
-          </a:bodyPr>
-          <a:lstStyle/>
-          <a:p>
-            <a:pPr>
-              <a:defRPr/>
-            </a:pPr>
-            <a:r>
-              <a:rPr lang="vi-VN" sz="2800" spc="300" dirty="0"/>
-              <a:t>MVC LÀ GÌ?</a:t>
-            </a:r>
-            <a:endParaRPr lang="en-US" sz="2800" spc="300" dirty="0"/>
-          </a:p>
-        </p:txBody>
-      </p:sp>
-      <p:sp>
-        <p:nvSpPr>
-          <p:cNvPr id="5" name="Subtitle 2"/>
-          <p:cNvSpPr>
-            <a:spLocks noGrp="1"/>
-          </p:cNvSpPr>
-          <p:nvPr>
-            <p:ph type="subTitle" idx="1"/>
-          </p:nvPr>
-        </p:nvSpPr>
-        <p:spPr bwMode="auto">
-          <a:xfrm>
-            <a:off x="611560" y="1419622"/>
-            <a:ext cx="3733542" cy="2376264"/>
-          </a:xfrm>
-        </p:spPr>
-        <p:txBody>
-          <a:bodyPr>
-            <a:noAutofit/>
-          </a:bodyPr>
-          <a:lstStyle/>
-          <a:p>
-            <a:pPr algn="just">
-              <a:defRPr/>
-            </a:pPr>
-            <a:r>
-              <a:rPr lang="en-US" b="1" dirty="0">
-                <a:latin typeface="Myriad Pro" pitchFamily="34" charset="0"/>
-                <a:ea typeface="Arial"/>
-              </a:rPr>
-              <a:t>“</a:t>
-            </a:r>
-            <a:r>
-              <a:rPr lang="en-US" b="1" dirty="0" err="1">
-                <a:latin typeface="Myriad Pro" pitchFamily="34" charset="0"/>
-                <a:ea typeface="Arial"/>
-              </a:rPr>
-              <a:t>Model_View_Controller”</a:t>
-            </a:r>
-            <a:r>
-              <a:rPr dirty="0" err="1">
-                <a:latin typeface="Myriad Pro" pitchFamily="34" charset="0"/>
-                <a:ea typeface="Arial"/>
-              </a:rPr>
-              <a:t>hay</a:t>
-            </a:r>
-            <a:r>
-              <a:rPr lang="en-US" b="1" i="0" u="none" dirty="0">
-                <a:solidFill>
-                  <a:schemeClr val="bg1">
-                    <a:lumMod val="50000"/>
-                  </a:schemeClr>
-                </a:solidFill>
-                <a:latin typeface="Myriad Pro" pitchFamily="34" charset="0"/>
-                <a:ea typeface="Myriad Pro"/>
-                <a:cs typeface="Myriad Pro"/>
-              </a:rPr>
-              <a:t> </a:t>
-            </a:r>
-            <a:r>
-              <a:rPr b="0" i="0" u="none" dirty="0" err="1">
-                <a:solidFill>
-                  <a:schemeClr val="bg1">
-                    <a:lumMod val="50000"/>
-                  </a:schemeClr>
-                </a:solidFill>
-                <a:latin typeface="Myriad Pro" pitchFamily="34" charset="0"/>
-                <a:ea typeface="Myriad Pro"/>
-                <a:cs typeface="Myriad Pro"/>
-              </a:rPr>
-              <a:t>gọi</a:t>
-            </a:r>
-            <a:r>
-              <a:rPr b="0" i="0" u="none" dirty="0">
-                <a:solidFill>
-                  <a:schemeClr val="bg1">
-                    <a:lumMod val="50000"/>
-                  </a:schemeClr>
-                </a:solidFill>
-                <a:latin typeface="Myriad Pro" pitchFamily="34" charset="0"/>
-                <a:ea typeface="Myriad Pro"/>
-                <a:cs typeface="Myriad Pro"/>
-              </a:rPr>
-              <a:t> </a:t>
-            </a:r>
-            <a:r>
-              <a:rPr b="0" i="0" u="none" dirty="0" err="1">
-                <a:solidFill>
-                  <a:schemeClr val="bg1">
-                    <a:lumMod val="50000"/>
-                  </a:schemeClr>
-                </a:solidFill>
-                <a:latin typeface="Myriad Pro" pitchFamily="34" charset="0"/>
-                <a:ea typeface="Myriad Pro"/>
-                <a:cs typeface="Myriad Pro"/>
-              </a:rPr>
-              <a:t>tắt</a:t>
-            </a:r>
-            <a:r>
-              <a:rPr b="0" i="0" u="none" dirty="0">
-                <a:solidFill>
-                  <a:schemeClr val="bg1">
-                    <a:lumMod val="50000"/>
-                  </a:schemeClr>
-                </a:solidFill>
-                <a:latin typeface="Myriad Pro" pitchFamily="34" charset="0"/>
-                <a:ea typeface="Myriad Pro"/>
-                <a:cs typeface="Myriad Pro"/>
-              </a:rPr>
-              <a:t> </a:t>
-            </a:r>
-            <a:r>
-              <a:rPr b="0" i="0" u="none" dirty="0" err="1">
-                <a:solidFill>
-                  <a:schemeClr val="bg1">
-                    <a:lumMod val="50000"/>
-                  </a:schemeClr>
-                </a:solidFill>
-                <a:latin typeface="Myriad Pro" pitchFamily="34" charset="0"/>
-                <a:ea typeface="Myriad Pro"/>
-                <a:cs typeface="Myriad Pro"/>
-              </a:rPr>
-              <a:t>là</a:t>
-            </a:r>
-            <a:r>
-              <a:rPr b="0" i="0" u="none" dirty="0">
-                <a:solidFill>
-                  <a:schemeClr val="bg1">
-                    <a:lumMod val="50000"/>
-                  </a:schemeClr>
-                </a:solidFill>
-                <a:latin typeface="Myriad Pro" pitchFamily="34" charset="0"/>
-                <a:ea typeface="Myriad Pro"/>
-                <a:cs typeface="Myriad Pro"/>
-              </a:rPr>
-              <a:t> </a:t>
-            </a:r>
-            <a:r>
-              <a:rPr lang="vi-VN" b="1" i="1" dirty="0">
-                <a:solidFill>
-                  <a:schemeClr val="bg1">
-                    <a:lumMod val="50000"/>
-                  </a:schemeClr>
-                </a:solidFill>
-                <a:latin typeface="Myriad Pro" pitchFamily="34" charset="0"/>
-                <a:ea typeface="Myriad Pro"/>
-                <a:cs typeface="Myriad Pro"/>
-              </a:rPr>
-              <a:t>MVC</a:t>
-            </a:r>
-            <a:r>
-              <a:rPr b="0" i="0" u="none" dirty="0">
-                <a:solidFill>
-                  <a:schemeClr val="bg1">
-                    <a:lumMod val="50000"/>
-                  </a:schemeClr>
-                </a:solidFill>
-                <a:latin typeface="Myriad Pro" pitchFamily="34" charset="0"/>
-                <a:ea typeface="Myriad Pro"/>
-                <a:cs typeface="Myriad Pro"/>
-              </a:rPr>
-              <a:t> </a:t>
-            </a:r>
-            <a:r>
-              <a:rPr b="0" i="0" u="none" dirty="0" err="1">
-                <a:solidFill>
-                  <a:schemeClr val="bg1">
-                    <a:lumMod val="50000"/>
-                  </a:schemeClr>
-                </a:solidFill>
-                <a:latin typeface="Myriad Pro" pitchFamily="34" charset="0"/>
-                <a:ea typeface="Myriad Pro"/>
-                <a:cs typeface="Myriad Pro"/>
-              </a:rPr>
-              <a:t>là</a:t>
-            </a:r>
-            <a:r>
-              <a:rPr b="0" i="0" u="none" dirty="0">
-                <a:solidFill>
-                  <a:schemeClr val="bg1">
-                    <a:lumMod val="50000"/>
-                  </a:schemeClr>
-                </a:solidFill>
-                <a:latin typeface="Myriad Pro" pitchFamily="34" charset="0"/>
-                <a:ea typeface="Myriad Pro"/>
-                <a:cs typeface="Myriad Pro"/>
-              </a:rPr>
-              <a:t> </a:t>
-            </a:r>
-            <a:r>
-              <a:rPr lang="vi-VN" b="0" i="0" u="none" dirty="0">
-                <a:solidFill>
-                  <a:schemeClr val="bg1">
-                    <a:lumMod val="50000"/>
-                  </a:schemeClr>
-                </a:solidFill>
-                <a:latin typeface="Myriad Pro" pitchFamily="34" charset="0"/>
-                <a:ea typeface="Myriad Pro"/>
-                <a:cs typeface="Myriad Pro"/>
-              </a:rPr>
-              <a:t>mô </a:t>
-            </a:r>
-            <a:r>
-              <a:rPr lang="vi-VN" b="0" i="0" u="none" dirty="0" err="1">
-                <a:solidFill>
-                  <a:schemeClr val="bg1">
-                    <a:lumMod val="50000"/>
-                  </a:schemeClr>
-                </a:solidFill>
-                <a:latin typeface="Myriad Pro" pitchFamily="34" charset="0"/>
-                <a:ea typeface="Myriad Pro"/>
-                <a:cs typeface="Myriad Pro"/>
-              </a:rPr>
-              <a:t>hình</a:t>
-            </a:r>
-            <a:r>
-              <a:rPr lang="vi-VN" b="0" i="0" u="none" dirty="0">
-                <a:solidFill>
-                  <a:schemeClr val="bg1">
-                    <a:lumMod val="50000"/>
-                  </a:schemeClr>
-                </a:solidFill>
-                <a:latin typeface="Myriad Pro" pitchFamily="34" charset="0"/>
-                <a:ea typeface="Myriad Pro"/>
-                <a:cs typeface="Myriad Pro"/>
-              </a:rPr>
-              <a:t> </a:t>
-            </a:r>
-            <a:r>
-              <a:rPr lang="vi-VN" b="0" i="0" u="none" dirty="0" err="1">
-                <a:solidFill>
-                  <a:schemeClr val="bg1">
-                    <a:lumMod val="50000"/>
-                  </a:schemeClr>
-                </a:solidFill>
-                <a:latin typeface="Myriad Pro" pitchFamily="34" charset="0"/>
-                <a:ea typeface="Myriad Pro"/>
-                <a:cs typeface="Myriad Pro"/>
-              </a:rPr>
-              <a:t>thiết</a:t>
-            </a:r>
-            <a:r>
-              <a:rPr lang="vi-VN" b="0" i="0" u="none" dirty="0">
-                <a:solidFill>
-                  <a:schemeClr val="bg1">
-                    <a:lumMod val="50000"/>
-                  </a:schemeClr>
-                </a:solidFill>
-                <a:latin typeface="Myriad Pro" pitchFamily="34" charset="0"/>
-                <a:ea typeface="Myriad Pro"/>
-                <a:cs typeface="Myriad Pro"/>
-              </a:rPr>
-              <a:t> </a:t>
-            </a:r>
-            <a:r>
-              <a:rPr lang="vi-VN" b="0" i="0" u="none" dirty="0" err="1">
-                <a:solidFill>
-                  <a:schemeClr val="bg1">
-                    <a:lumMod val="50000"/>
-                  </a:schemeClr>
-                </a:solidFill>
-                <a:latin typeface="Myriad Pro" pitchFamily="34" charset="0"/>
-                <a:ea typeface="Myriad Pro"/>
-                <a:cs typeface="Myriad Pro"/>
-              </a:rPr>
-              <a:t>kế</a:t>
-            </a:r>
-            <a:r>
-              <a:rPr lang="vi-VN" b="0" i="0" u="none" dirty="0">
-                <a:solidFill>
-                  <a:schemeClr val="bg1">
-                    <a:lumMod val="50000"/>
-                  </a:schemeClr>
-                </a:solidFill>
-                <a:latin typeface="Myriad Pro" pitchFamily="34" charset="0"/>
-                <a:ea typeface="Myriad Pro"/>
-                <a:cs typeface="Myriad Pro"/>
-              </a:rPr>
-              <a:t> </a:t>
-            </a:r>
-            <a:r>
-              <a:rPr lang="vi-VN" b="1" i="0" u="none" dirty="0" err="1">
-                <a:solidFill>
-                  <a:schemeClr val="bg1">
-                    <a:lumMod val="50000"/>
-                  </a:schemeClr>
-                </a:solidFill>
-                <a:latin typeface="Myriad Pro" pitchFamily="34" charset="0"/>
-                <a:ea typeface="Myriad Pro"/>
-                <a:cs typeface="Myriad Pro"/>
-              </a:rPr>
-              <a:t>sử</a:t>
-            </a:r>
-            <a:r>
-              <a:rPr lang="vi-VN" b="1" i="0" u="none" dirty="0">
-                <a:solidFill>
-                  <a:schemeClr val="bg1">
-                    <a:lumMod val="50000"/>
-                  </a:schemeClr>
-                </a:solidFill>
-                <a:latin typeface="Myriad Pro" pitchFamily="34" charset="0"/>
-                <a:ea typeface="Myriad Pro"/>
-                <a:cs typeface="Myriad Pro"/>
-              </a:rPr>
-              <a:t> </a:t>
-            </a:r>
-            <a:r>
-              <a:rPr lang="vi-VN" b="1" i="0" u="none" dirty="0" err="1">
-                <a:solidFill>
-                  <a:schemeClr val="bg1">
-                    <a:lumMod val="50000"/>
-                  </a:schemeClr>
-                </a:solidFill>
-                <a:latin typeface="Myriad Pro" pitchFamily="34" charset="0"/>
-                <a:ea typeface="Myriad Pro"/>
-                <a:cs typeface="Myriad Pro"/>
-              </a:rPr>
-              <a:t>dụng</a:t>
-            </a:r>
-            <a:r>
-              <a:rPr lang="vi-VN" b="1" i="0" u="none" dirty="0">
-                <a:solidFill>
-                  <a:schemeClr val="bg1">
-                    <a:lumMod val="50000"/>
-                  </a:schemeClr>
-                </a:solidFill>
-                <a:latin typeface="Myriad Pro" pitchFamily="34" charset="0"/>
-                <a:ea typeface="Myriad Pro"/>
-                <a:cs typeface="Myriad Pro"/>
-              </a:rPr>
-              <a:t> trong </a:t>
-            </a:r>
-            <a:r>
-              <a:rPr lang="vi-VN" b="1" i="0" u="none" dirty="0" err="1">
-                <a:solidFill>
-                  <a:schemeClr val="bg1">
-                    <a:lumMod val="50000"/>
-                  </a:schemeClr>
-                </a:solidFill>
-                <a:latin typeface="Myriad Pro" pitchFamily="34" charset="0"/>
-                <a:ea typeface="Myriad Pro"/>
-                <a:cs typeface="Myriad Pro"/>
-              </a:rPr>
-              <a:t>kỹ</a:t>
-            </a:r>
-            <a:r>
-              <a:rPr lang="vi-VN" b="1" i="0" u="none" dirty="0">
-                <a:solidFill>
-                  <a:schemeClr val="bg1">
-                    <a:lumMod val="50000"/>
-                  </a:schemeClr>
-                </a:solidFill>
-                <a:latin typeface="Myriad Pro" pitchFamily="34" charset="0"/>
-                <a:ea typeface="Myriad Pro"/>
-                <a:cs typeface="Myriad Pro"/>
-              </a:rPr>
-              <a:t> </a:t>
-            </a:r>
-            <a:r>
-              <a:rPr lang="vi-VN" b="1" i="0" u="none" dirty="0" err="1">
-                <a:solidFill>
-                  <a:schemeClr val="bg1">
-                    <a:lumMod val="50000"/>
-                  </a:schemeClr>
-                </a:solidFill>
-                <a:latin typeface="Myriad Pro" pitchFamily="34" charset="0"/>
-                <a:ea typeface="Myriad Pro"/>
-                <a:cs typeface="Myriad Pro"/>
-              </a:rPr>
-              <a:t>thuật</a:t>
-            </a:r>
-            <a:r>
-              <a:rPr lang="vi-VN" b="1" i="0" u="none" dirty="0">
-                <a:solidFill>
-                  <a:schemeClr val="bg1">
-                    <a:lumMod val="50000"/>
-                  </a:schemeClr>
-                </a:solidFill>
-                <a:latin typeface="Myriad Pro" pitchFamily="34" charset="0"/>
-                <a:ea typeface="Myriad Pro"/>
-                <a:cs typeface="Myriad Pro"/>
-              </a:rPr>
-              <a:t> </a:t>
-            </a:r>
-            <a:r>
-              <a:rPr lang="vi-VN" b="1" i="0" u="none" dirty="0" err="1">
-                <a:solidFill>
-                  <a:schemeClr val="bg1">
-                    <a:lumMod val="50000"/>
-                  </a:schemeClr>
-                </a:solidFill>
-                <a:latin typeface="Myriad Pro" pitchFamily="34" charset="0"/>
-                <a:ea typeface="Myriad Pro"/>
-                <a:cs typeface="Myriad Pro"/>
-              </a:rPr>
-              <a:t>phần</a:t>
-            </a:r>
-            <a:r>
-              <a:rPr lang="vi-VN" b="1" i="0" u="none" dirty="0">
-                <a:solidFill>
-                  <a:schemeClr val="bg1">
-                    <a:lumMod val="50000"/>
-                  </a:schemeClr>
-                </a:solidFill>
-                <a:latin typeface="Myriad Pro" pitchFamily="34" charset="0"/>
-                <a:ea typeface="Myriad Pro"/>
-                <a:cs typeface="Myriad Pro"/>
-              </a:rPr>
-              <a:t> </a:t>
-            </a:r>
-            <a:r>
-              <a:rPr lang="vi-VN" b="1" i="0" u="none" dirty="0" err="1">
-                <a:solidFill>
-                  <a:schemeClr val="bg1">
-                    <a:lumMod val="50000"/>
-                  </a:schemeClr>
-                </a:solidFill>
-                <a:latin typeface="Myriad Pro" pitchFamily="34" charset="0"/>
-                <a:ea typeface="Myriad Pro"/>
-                <a:cs typeface="Myriad Pro"/>
-              </a:rPr>
-              <a:t>mềm</a:t>
-            </a:r>
-            <a:r>
-              <a:rPr lang="vi-VN" b="1" i="0" u="none" dirty="0">
-                <a:solidFill>
-                  <a:schemeClr val="bg1">
-                    <a:lumMod val="50000"/>
-                  </a:schemeClr>
-                </a:solidFill>
-                <a:latin typeface="Myriad Pro" pitchFamily="34" charset="0"/>
-                <a:ea typeface="Myriad Pro"/>
-                <a:cs typeface="Myriad Pro"/>
-              </a:rPr>
-              <a:t>.  </a:t>
-            </a:r>
-            <a:r>
-              <a:rPr lang="vi-VN" dirty="0">
-                <a:solidFill>
-                  <a:schemeClr val="bg1">
-                    <a:lumMod val="50000"/>
-                  </a:schemeClr>
-                </a:solidFill>
-                <a:latin typeface="Myriad Pro" pitchFamily="34" charset="0"/>
-                <a:ea typeface="Myriad Pro"/>
-                <a:cs typeface="Myriad Pro"/>
-              </a:rPr>
-              <a:t>Mô </a:t>
-            </a:r>
-            <a:r>
-              <a:rPr lang="vi-VN" dirty="0" err="1">
-                <a:solidFill>
-                  <a:schemeClr val="bg1">
-                    <a:lumMod val="50000"/>
-                  </a:schemeClr>
-                </a:solidFill>
-                <a:latin typeface="Myriad Pro" pitchFamily="34" charset="0"/>
-                <a:ea typeface="Myriad Pro"/>
-                <a:cs typeface="Myriad Pro"/>
-              </a:rPr>
-              <a:t>hình</a:t>
-            </a:r>
-            <a:r>
-              <a:rPr lang="vi-VN" dirty="0">
-                <a:solidFill>
-                  <a:schemeClr val="bg1">
-                    <a:lumMod val="50000"/>
-                  </a:schemeClr>
-                </a:solidFill>
-                <a:latin typeface="Myriad Pro" pitchFamily="34" charset="0"/>
-                <a:ea typeface="Myriad Pro"/>
-                <a:cs typeface="Myriad Pro"/>
-              </a:rPr>
-              <a:t> </a:t>
-            </a:r>
-            <a:r>
-              <a:rPr lang="vi-VN" dirty="0" err="1">
-                <a:solidFill>
-                  <a:schemeClr val="bg1">
-                    <a:lumMod val="50000"/>
-                  </a:schemeClr>
-                </a:solidFill>
-                <a:latin typeface="Myriad Pro" pitchFamily="34" charset="0"/>
-                <a:ea typeface="Myriad Pro"/>
-                <a:cs typeface="Myriad Pro"/>
-              </a:rPr>
-              <a:t>source</a:t>
-            </a:r>
-            <a:r>
-              <a:rPr lang="vi-VN" dirty="0">
-                <a:solidFill>
-                  <a:schemeClr val="bg1">
-                    <a:lumMod val="50000"/>
-                  </a:schemeClr>
-                </a:solidFill>
-                <a:latin typeface="Myriad Pro" pitchFamily="34" charset="0"/>
-                <a:ea typeface="Myriad Pro"/>
-                <a:cs typeface="Myriad Pro"/>
-              </a:rPr>
-              <a:t> </a:t>
-            </a:r>
-            <a:r>
-              <a:rPr lang="vi-VN" dirty="0" err="1">
-                <a:solidFill>
-                  <a:schemeClr val="bg1">
-                    <a:lumMod val="50000"/>
-                  </a:schemeClr>
-                </a:solidFill>
-                <a:latin typeface="Myriad Pro" pitchFamily="34" charset="0"/>
-                <a:ea typeface="Myriad Pro"/>
-                <a:cs typeface="Myriad Pro"/>
-              </a:rPr>
-              <a:t>code</a:t>
-            </a:r>
-            <a:r>
-              <a:rPr lang="vi-VN" dirty="0">
-                <a:solidFill>
-                  <a:schemeClr val="bg1">
-                    <a:lumMod val="50000"/>
-                  </a:schemeClr>
-                </a:solidFill>
-                <a:latin typeface="Myriad Pro" pitchFamily="34" charset="0"/>
-                <a:ea typeface="Myriad Pro"/>
-                <a:cs typeface="Myriad Pro"/>
-              </a:rPr>
-              <a:t> </a:t>
-            </a:r>
-            <a:r>
-              <a:rPr lang="vi-VN" dirty="0" err="1">
-                <a:solidFill>
-                  <a:schemeClr val="bg1">
-                    <a:lumMod val="50000"/>
-                  </a:schemeClr>
-                </a:solidFill>
-                <a:latin typeface="Myriad Pro" pitchFamily="34" charset="0"/>
-                <a:ea typeface="Myriad Pro"/>
-                <a:cs typeface="Myriad Pro"/>
-              </a:rPr>
-              <a:t>thành</a:t>
-            </a:r>
-            <a:r>
-              <a:rPr lang="vi-VN" dirty="0">
-                <a:solidFill>
-                  <a:schemeClr val="bg1">
-                    <a:lumMod val="50000"/>
-                  </a:schemeClr>
-                </a:solidFill>
-                <a:latin typeface="Myriad Pro" pitchFamily="34" charset="0"/>
-                <a:ea typeface="Myriad Pro"/>
-                <a:cs typeface="Myriad Pro"/>
-              </a:rPr>
-              <a:t> 3 </a:t>
-            </a:r>
-            <a:r>
-              <a:rPr lang="vi-VN" dirty="0" err="1">
-                <a:solidFill>
-                  <a:schemeClr val="bg1">
-                    <a:lumMod val="50000"/>
-                  </a:schemeClr>
-                </a:solidFill>
-                <a:latin typeface="Myriad Pro" pitchFamily="34" charset="0"/>
-                <a:ea typeface="Myriad Pro"/>
-                <a:cs typeface="Myriad Pro"/>
-              </a:rPr>
-              <a:t>phần</a:t>
-            </a:r>
-            <a:r>
-              <a:rPr lang="vi-VN" dirty="0">
-                <a:solidFill>
-                  <a:schemeClr val="bg1">
-                    <a:lumMod val="50000"/>
-                  </a:schemeClr>
-                </a:solidFill>
-                <a:latin typeface="Myriad Pro" pitchFamily="34" charset="0"/>
-                <a:ea typeface="Myriad Pro"/>
-                <a:cs typeface="Myriad Pro"/>
-              </a:rPr>
-              <a:t>, tương </a:t>
-            </a:r>
-            <a:r>
-              <a:rPr lang="vi-VN" dirty="0" err="1">
-                <a:solidFill>
-                  <a:schemeClr val="bg1">
-                    <a:lumMod val="50000"/>
-                  </a:schemeClr>
-                </a:solidFill>
-                <a:latin typeface="Myriad Pro" pitchFamily="34" charset="0"/>
-                <a:ea typeface="Myriad Pro"/>
-                <a:cs typeface="Myriad Pro"/>
-              </a:rPr>
-              <a:t>ứng</a:t>
-            </a:r>
-            <a:r>
-              <a:rPr lang="vi-VN" dirty="0">
-                <a:solidFill>
-                  <a:schemeClr val="bg1">
-                    <a:lumMod val="50000"/>
-                  </a:schemeClr>
-                </a:solidFill>
-                <a:latin typeface="Myriad Pro" pitchFamily="34" charset="0"/>
-                <a:ea typeface="Myriad Pro"/>
-                <a:cs typeface="Myriad Pro"/>
-              </a:rPr>
-              <a:t> </a:t>
-            </a:r>
-            <a:r>
-              <a:rPr lang="vi-VN" dirty="0" err="1">
-                <a:solidFill>
-                  <a:schemeClr val="bg1">
-                    <a:lumMod val="50000"/>
-                  </a:schemeClr>
-                </a:solidFill>
-                <a:latin typeface="Myriad Pro" pitchFamily="34" charset="0"/>
-                <a:ea typeface="Myriad Pro"/>
-                <a:cs typeface="Myriad Pro"/>
-              </a:rPr>
-              <a:t>mỗi</a:t>
-            </a:r>
-            <a:r>
-              <a:rPr lang="vi-VN" dirty="0">
-                <a:solidFill>
-                  <a:schemeClr val="bg1">
-                    <a:lumMod val="50000"/>
-                  </a:schemeClr>
-                </a:solidFill>
-                <a:latin typeface="Myriad Pro" pitchFamily="34" charset="0"/>
-                <a:ea typeface="Myriad Pro"/>
-                <a:cs typeface="Myriad Pro"/>
-              </a:rPr>
-              <a:t> </a:t>
-            </a:r>
-            <a:r>
-              <a:rPr lang="vi-VN" dirty="0" err="1">
-                <a:solidFill>
-                  <a:schemeClr val="bg1">
-                    <a:lumMod val="50000"/>
-                  </a:schemeClr>
-                </a:solidFill>
-                <a:latin typeface="Myriad Pro" pitchFamily="34" charset="0"/>
-                <a:ea typeface="Myriad Pro"/>
-                <a:cs typeface="Myriad Pro"/>
-              </a:rPr>
-              <a:t>từ</a:t>
-            </a:r>
-            <a:r>
-              <a:rPr lang="vi-VN" dirty="0">
-                <a:solidFill>
-                  <a:schemeClr val="bg1">
-                    <a:lumMod val="50000"/>
-                  </a:schemeClr>
-                </a:solidFill>
-                <a:latin typeface="Myriad Pro" pitchFamily="34" charset="0"/>
-                <a:ea typeface="Myriad Pro"/>
-                <a:cs typeface="Myriad Pro"/>
-              </a:rPr>
-              <a:t>. </a:t>
-            </a:r>
-            <a:r>
-              <a:rPr lang="vi-VN" dirty="0" err="1">
-                <a:solidFill>
-                  <a:schemeClr val="bg1">
-                    <a:lumMod val="50000"/>
-                  </a:schemeClr>
-                </a:solidFill>
-                <a:latin typeface="Myriad Pro" pitchFamily="34" charset="0"/>
-                <a:ea typeface="Myriad Pro"/>
-                <a:cs typeface="Myriad Pro"/>
-              </a:rPr>
-              <a:t>Mỗi</a:t>
-            </a:r>
-            <a:r>
-              <a:rPr lang="vi-VN" dirty="0">
-                <a:solidFill>
-                  <a:schemeClr val="bg1">
-                    <a:lumMod val="50000"/>
-                  </a:schemeClr>
-                </a:solidFill>
-                <a:latin typeface="Myriad Pro" pitchFamily="34" charset="0"/>
-                <a:ea typeface="Myriad Pro"/>
-                <a:cs typeface="Myriad Pro"/>
-              </a:rPr>
-              <a:t> </a:t>
-            </a:r>
-            <a:r>
-              <a:rPr lang="vi-VN" dirty="0" err="1">
-                <a:solidFill>
-                  <a:schemeClr val="bg1">
-                    <a:lumMod val="50000"/>
-                  </a:schemeClr>
-                </a:solidFill>
-                <a:latin typeface="Myriad Pro" pitchFamily="34" charset="0"/>
-                <a:ea typeface="Myriad Pro"/>
-                <a:cs typeface="Myriad Pro"/>
-              </a:rPr>
-              <a:t>từ</a:t>
-            </a:r>
-            <a:r>
-              <a:rPr lang="vi-VN" dirty="0">
-                <a:solidFill>
-                  <a:schemeClr val="bg1">
-                    <a:lumMod val="50000"/>
-                  </a:schemeClr>
-                </a:solidFill>
-                <a:latin typeface="Myriad Pro" pitchFamily="34" charset="0"/>
-                <a:ea typeface="Myriad Pro"/>
-                <a:cs typeface="Myriad Pro"/>
-              </a:rPr>
-              <a:t> tương </a:t>
-            </a:r>
-            <a:r>
-              <a:rPr lang="vi-VN" dirty="0" err="1">
-                <a:solidFill>
-                  <a:schemeClr val="bg1">
-                    <a:lumMod val="50000"/>
-                  </a:schemeClr>
-                </a:solidFill>
-                <a:latin typeface="Myriad Pro" pitchFamily="34" charset="0"/>
-                <a:ea typeface="Myriad Pro"/>
-                <a:cs typeface="Myriad Pro"/>
-              </a:rPr>
-              <a:t>ứng</a:t>
-            </a:r>
-            <a:r>
-              <a:rPr lang="vi-VN" dirty="0">
-                <a:solidFill>
-                  <a:schemeClr val="bg1">
-                    <a:lumMod val="50000"/>
-                  </a:schemeClr>
-                </a:solidFill>
-                <a:latin typeface="Myriad Pro" pitchFamily="34" charset="0"/>
-                <a:ea typeface="Myriad Pro"/>
-                <a:cs typeface="Myriad Pro"/>
-              </a:rPr>
-              <a:t> </a:t>
-            </a:r>
-            <a:r>
-              <a:rPr lang="vi-VN" dirty="0" err="1">
-                <a:solidFill>
-                  <a:schemeClr val="bg1">
-                    <a:lumMod val="50000"/>
-                  </a:schemeClr>
-                </a:solidFill>
-                <a:latin typeface="Myriad Pro" pitchFamily="34" charset="0"/>
-                <a:ea typeface="Myriad Pro"/>
-                <a:cs typeface="Myriad Pro"/>
-              </a:rPr>
-              <a:t>với</a:t>
-            </a:r>
-            <a:r>
-              <a:rPr lang="vi-VN" dirty="0">
-                <a:solidFill>
-                  <a:schemeClr val="bg1">
-                    <a:lumMod val="50000"/>
-                  </a:schemeClr>
-                </a:solidFill>
-                <a:latin typeface="Myriad Pro" pitchFamily="34" charset="0"/>
-                <a:ea typeface="Myriad Pro"/>
-                <a:cs typeface="Myriad Pro"/>
-              </a:rPr>
-              <a:t> </a:t>
-            </a:r>
-            <a:r>
-              <a:rPr lang="vi-VN" dirty="0" err="1">
-                <a:solidFill>
-                  <a:schemeClr val="bg1">
-                    <a:lumMod val="50000"/>
-                  </a:schemeClr>
-                </a:solidFill>
-                <a:latin typeface="Myriad Pro" pitchFamily="34" charset="0"/>
-                <a:ea typeface="Myriad Pro"/>
-                <a:cs typeface="Myriad Pro"/>
-              </a:rPr>
-              <a:t>một</a:t>
-            </a:r>
-            <a:r>
-              <a:rPr lang="vi-VN" dirty="0">
-                <a:solidFill>
-                  <a:schemeClr val="bg1">
-                    <a:lumMod val="50000"/>
-                  </a:schemeClr>
-                </a:solidFill>
-                <a:latin typeface="Myriad Pro" pitchFamily="34" charset="0"/>
-                <a:ea typeface="Myriad Pro"/>
-                <a:cs typeface="Myriad Pro"/>
-              </a:rPr>
-              <a:t> </a:t>
-            </a:r>
-            <a:r>
-              <a:rPr lang="vi-VN" dirty="0" err="1">
-                <a:solidFill>
-                  <a:schemeClr val="bg1">
-                    <a:lumMod val="50000"/>
-                  </a:schemeClr>
-                </a:solidFill>
-                <a:latin typeface="Myriad Pro" pitchFamily="34" charset="0"/>
-                <a:ea typeface="Myriad Pro"/>
-                <a:cs typeface="Myriad Pro"/>
-              </a:rPr>
-              <a:t>hoạt</a:t>
-            </a:r>
-            <a:r>
-              <a:rPr lang="vi-VN" dirty="0">
-                <a:solidFill>
-                  <a:schemeClr val="bg1">
-                    <a:lumMod val="50000"/>
-                  </a:schemeClr>
-                </a:solidFill>
-                <a:latin typeface="Myriad Pro" pitchFamily="34" charset="0"/>
-                <a:ea typeface="Myriad Pro"/>
-                <a:cs typeface="Myriad Pro"/>
-              </a:rPr>
-              <a:t> </a:t>
-            </a:r>
-            <a:r>
-              <a:rPr lang="vi-VN" dirty="0" err="1">
-                <a:solidFill>
-                  <a:schemeClr val="bg1">
-                    <a:lumMod val="50000"/>
-                  </a:schemeClr>
-                </a:solidFill>
-                <a:latin typeface="Myriad Pro" pitchFamily="34" charset="0"/>
-                <a:ea typeface="Myriad Pro"/>
-                <a:cs typeface="Myriad Pro"/>
-              </a:rPr>
-              <a:t>động</a:t>
-            </a:r>
-            <a:r>
-              <a:rPr lang="vi-VN" dirty="0">
-                <a:solidFill>
-                  <a:schemeClr val="bg1">
-                    <a:lumMod val="50000"/>
-                  </a:schemeClr>
-                </a:solidFill>
-                <a:latin typeface="Myriad Pro" pitchFamily="34" charset="0"/>
-                <a:ea typeface="Myriad Pro"/>
-                <a:cs typeface="Myriad Pro"/>
-              </a:rPr>
-              <a:t> </a:t>
-            </a:r>
-            <a:r>
-              <a:rPr lang="vi-VN" dirty="0" err="1">
-                <a:solidFill>
-                  <a:schemeClr val="bg1">
-                    <a:lumMod val="50000"/>
-                  </a:schemeClr>
-                </a:solidFill>
-                <a:latin typeface="Myriad Pro" pitchFamily="34" charset="0"/>
-                <a:ea typeface="Myriad Pro"/>
-                <a:cs typeface="Myriad Pro"/>
-              </a:rPr>
-              <a:t>tách</a:t>
-            </a:r>
-            <a:r>
-              <a:rPr lang="vi-VN" dirty="0">
-                <a:solidFill>
-                  <a:schemeClr val="bg1">
-                    <a:lumMod val="50000"/>
-                  </a:schemeClr>
-                </a:solidFill>
-                <a:latin typeface="Myriad Pro" pitchFamily="34" charset="0"/>
-                <a:ea typeface="Myriad Pro"/>
-                <a:cs typeface="Myriad Pro"/>
-              </a:rPr>
-              <a:t> </a:t>
-            </a:r>
-            <a:r>
-              <a:rPr lang="vi-VN" dirty="0" err="1">
-                <a:solidFill>
-                  <a:schemeClr val="bg1">
-                    <a:lumMod val="50000"/>
-                  </a:schemeClr>
-                </a:solidFill>
-                <a:latin typeface="Myriad Pro" pitchFamily="34" charset="0"/>
-                <a:ea typeface="Myriad Pro"/>
-                <a:cs typeface="Myriad Pro"/>
-              </a:rPr>
-              <a:t>biệt</a:t>
-            </a:r>
-            <a:r>
-              <a:rPr lang="vi-VN" dirty="0">
-                <a:solidFill>
-                  <a:schemeClr val="bg1">
-                    <a:lumMod val="50000"/>
-                  </a:schemeClr>
-                </a:solidFill>
-                <a:latin typeface="Myriad Pro" pitchFamily="34" charset="0"/>
-                <a:ea typeface="Myriad Pro"/>
-                <a:cs typeface="Myriad Pro"/>
-              </a:rPr>
-              <a:t> trong </a:t>
-            </a:r>
-            <a:r>
-              <a:rPr lang="vi-VN" dirty="0" err="1">
-                <a:solidFill>
-                  <a:schemeClr val="bg1">
-                    <a:lumMod val="50000"/>
-                  </a:schemeClr>
-                </a:solidFill>
-                <a:latin typeface="Myriad Pro" pitchFamily="34" charset="0"/>
-                <a:ea typeface="Myriad Pro"/>
-                <a:cs typeface="Myriad Pro"/>
-              </a:rPr>
-              <a:t>một</a:t>
-            </a:r>
-            <a:r>
-              <a:rPr lang="vi-VN" dirty="0">
-                <a:solidFill>
-                  <a:schemeClr val="bg1">
-                    <a:lumMod val="50000"/>
-                  </a:schemeClr>
-                </a:solidFill>
-                <a:latin typeface="Myriad Pro" pitchFamily="34" charset="0"/>
-                <a:ea typeface="Myriad Pro"/>
-                <a:cs typeface="Myriad Pro"/>
-              </a:rPr>
-              <a:t> mô </a:t>
-            </a:r>
-            <a:r>
-              <a:rPr lang="vi-VN" dirty="0" err="1">
-                <a:solidFill>
-                  <a:schemeClr val="bg1">
-                    <a:lumMod val="50000"/>
-                  </a:schemeClr>
-                </a:solidFill>
-                <a:latin typeface="Myriad Pro" pitchFamily="34" charset="0"/>
-                <a:ea typeface="Myriad Pro"/>
-                <a:cs typeface="Myriad Pro"/>
-              </a:rPr>
-              <a:t>hình</a:t>
-            </a:r>
-            <a:endParaRPr lang="vi-VN" dirty="0">
-              <a:solidFill>
-                <a:schemeClr val="bg1">
-                  <a:lumMod val="50000"/>
-                </a:schemeClr>
-              </a:solidFill>
-              <a:latin typeface="Myriad Pro" pitchFamily="34" charset="0"/>
-              <a:ea typeface="Myriad Pro"/>
-              <a:cs typeface="Myriad Pro"/>
-            </a:endParaRPr>
-          </a:p>
-          <a:p>
-            <a:pPr algn="just">
-              <a:defRPr/>
-            </a:pPr>
-            <a:endParaRPr lang="vi-VN" b="0" i="0" u="none" dirty="0">
-              <a:solidFill>
-                <a:schemeClr val="bg1">
-                  <a:lumMod val="50000"/>
-                </a:schemeClr>
-              </a:solidFill>
-              <a:latin typeface="Myriad Pro" pitchFamily="34" charset="0"/>
-              <a:ea typeface="Myriad Pro"/>
-              <a:cs typeface="Myriad Pro"/>
-            </a:endParaRPr>
-          </a:p>
-          <a:p>
-            <a:pPr algn="just">
-              <a:defRPr/>
-            </a:pPr>
-            <a:r>
-              <a:rPr lang="vi-VN" b="0" i="1" u="none" dirty="0" err="1">
-                <a:solidFill>
-                  <a:schemeClr val="bg1">
-                    <a:lumMod val="50000"/>
-                  </a:schemeClr>
-                </a:solidFill>
-                <a:latin typeface="Myriad Pro" pitchFamily="34" charset="0"/>
-                <a:ea typeface="Myriad Pro"/>
-                <a:cs typeface="Myriad Pro"/>
-              </a:rPr>
-              <a:t>Để</a:t>
-            </a:r>
-            <a:r>
-              <a:rPr lang="vi-VN" b="0" i="1" u="none" dirty="0">
-                <a:solidFill>
-                  <a:schemeClr val="bg1">
-                    <a:lumMod val="50000"/>
-                  </a:schemeClr>
-                </a:solidFill>
-                <a:latin typeface="Myriad Pro" pitchFamily="34" charset="0"/>
-                <a:ea typeface="Myriad Pro"/>
-                <a:cs typeface="Myriad Pro"/>
-              </a:rPr>
-              <a:t> </a:t>
-            </a:r>
-            <a:r>
-              <a:rPr lang="vi-VN" b="0" i="1" u="none" dirty="0" err="1">
-                <a:solidFill>
-                  <a:schemeClr val="bg1">
-                    <a:lumMod val="50000"/>
-                  </a:schemeClr>
-                </a:solidFill>
-                <a:latin typeface="Myriad Pro" pitchFamily="34" charset="0"/>
-                <a:ea typeface="Myriad Pro"/>
-                <a:cs typeface="Myriad Pro"/>
-              </a:rPr>
-              <a:t>hiểu</a:t>
-            </a:r>
-            <a:r>
-              <a:rPr lang="vi-VN" b="0" i="1" u="none" dirty="0">
-                <a:solidFill>
-                  <a:schemeClr val="bg1">
-                    <a:lumMod val="50000"/>
-                  </a:schemeClr>
-                </a:solidFill>
-                <a:latin typeface="Myriad Pro" pitchFamily="34" charset="0"/>
-                <a:ea typeface="Myriad Pro"/>
-                <a:cs typeface="Myriad Pro"/>
-              </a:rPr>
-              <a:t> </a:t>
-            </a:r>
-            <a:r>
-              <a:rPr lang="vi-VN" b="0" i="1" u="none" dirty="0" err="1">
-                <a:solidFill>
-                  <a:schemeClr val="bg1">
-                    <a:lumMod val="50000"/>
-                  </a:schemeClr>
-                </a:solidFill>
-                <a:latin typeface="Myriad Pro" pitchFamily="34" charset="0"/>
-                <a:ea typeface="Myriad Pro"/>
-                <a:cs typeface="Myriad Pro"/>
-              </a:rPr>
-              <a:t>rõ</a:t>
-            </a:r>
-            <a:r>
-              <a:rPr lang="vi-VN" b="0" i="1" u="none" dirty="0">
-                <a:solidFill>
-                  <a:schemeClr val="bg1">
-                    <a:lumMod val="50000"/>
-                  </a:schemeClr>
-                </a:solidFill>
-                <a:latin typeface="Myriad Pro" pitchFamily="34" charset="0"/>
-                <a:ea typeface="Myriad Pro"/>
-                <a:cs typeface="Myriad Pro"/>
-              </a:rPr>
-              <a:t> hơn, sau đây </a:t>
-            </a:r>
-            <a:r>
-              <a:rPr lang="vi-VN" b="0" i="1" u="none" dirty="0" err="1">
-                <a:solidFill>
-                  <a:schemeClr val="bg1">
-                    <a:lumMod val="50000"/>
-                  </a:schemeClr>
-                </a:solidFill>
-                <a:latin typeface="Myriad Pro" pitchFamily="34" charset="0"/>
-                <a:ea typeface="Myriad Pro"/>
-                <a:cs typeface="Myriad Pro"/>
-              </a:rPr>
-              <a:t>chúng</a:t>
-            </a:r>
-            <a:r>
-              <a:rPr lang="vi-VN" b="0" i="1" u="none" dirty="0">
-                <a:solidFill>
-                  <a:schemeClr val="bg1">
-                    <a:lumMod val="50000"/>
-                  </a:schemeClr>
-                </a:solidFill>
-                <a:latin typeface="Myriad Pro" pitchFamily="34" charset="0"/>
-                <a:ea typeface="Myriad Pro"/>
-                <a:cs typeface="Myriad Pro"/>
-              </a:rPr>
-              <a:t> ta </a:t>
-            </a:r>
-            <a:r>
-              <a:rPr lang="vi-VN" b="0" i="1" u="none" dirty="0" err="1">
-                <a:solidFill>
-                  <a:schemeClr val="bg1">
-                    <a:lumMod val="50000"/>
-                  </a:schemeClr>
-                </a:solidFill>
-                <a:latin typeface="Myriad Pro" pitchFamily="34" charset="0"/>
-                <a:ea typeface="Myriad Pro"/>
-                <a:cs typeface="Myriad Pro"/>
-              </a:rPr>
-              <a:t>cùng</a:t>
-            </a:r>
-            <a:r>
-              <a:rPr lang="vi-VN" b="0" i="1" u="none" dirty="0">
-                <a:solidFill>
-                  <a:schemeClr val="bg1">
-                    <a:lumMod val="50000"/>
-                  </a:schemeClr>
-                </a:solidFill>
-                <a:latin typeface="Myriad Pro" pitchFamily="34" charset="0"/>
-                <a:ea typeface="Myriad Pro"/>
-                <a:cs typeface="Myriad Pro"/>
-              </a:rPr>
-              <a:t> đi phân </a:t>
-            </a:r>
-            <a:r>
-              <a:rPr lang="vi-VN" b="0" i="1" u="none" dirty="0" err="1">
-                <a:solidFill>
-                  <a:schemeClr val="bg1">
-                    <a:lumMod val="50000"/>
-                  </a:schemeClr>
-                </a:solidFill>
-                <a:latin typeface="Myriad Pro" pitchFamily="34" charset="0"/>
-                <a:ea typeface="Myriad Pro"/>
-                <a:cs typeface="Myriad Pro"/>
-              </a:rPr>
-              <a:t>tích</a:t>
-            </a:r>
-            <a:r>
-              <a:rPr lang="vi-VN" b="0" i="1" u="none" dirty="0">
-                <a:solidFill>
-                  <a:schemeClr val="bg1">
-                    <a:lumMod val="50000"/>
-                  </a:schemeClr>
-                </a:solidFill>
-                <a:latin typeface="Myriad Pro" pitchFamily="34" charset="0"/>
-                <a:ea typeface="Myriad Pro"/>
-                <a:cs typeface="Myriad Pro"/>
-              </a:rPr>
-              <a:t> </a:t>
-            </a:r>
-            <a:r>
-              <a:rPr lang="vi-VN" b="0" i="1" u="none" dirty="0" err="1">
-                <a:solidFill>
-                  <a:schemeClr val="bg1">
-                    <a:lumMod val="50000"/>
-                  </a:schemeClr>
-                </a:solidFill>
-                <a:latin typeface="Myriad Pro" pitchFamily="34" charset="0"/>
-                <a:ea typeface="Myriad Pro"/>
-                <a:cs typeface="Myriad Pro"/>
-              </a:rPr>
-              <a:t>từng</a:t>
-            </a:r>
-            <a:r>
-              <a:rPr lang="vi-VN" b="0" i="1" u="none" dirty="0">
-                <a:solidFill>
-                  <a:schemeClr val="bg1">
-                    <a:lumMod val="50000"/>
-                  </a:schemeClr>
-                </a:solidFill>
-                <a:latin typeface="Myriad Pro" pitchFamily="34" charset="0"/>
-                <a:ea typeface="Myriad Pro"/>
-                <a:cs typeface="Myriad Pro"/>
-              </a:rPr>
-              <a:t> </a:t>
-            </a:r>
-            <a:r>
-              <a:rPr lang="vi-VN" b="0" i="1" u="none" dirty="0" err="1">
-                <a:solidFill>
-                  <a:schemeClr val="bg1">
-                    <a:lumMod val="50000"/>
-                  </a:schemeClr>
-                </a:solidFill>
-                <a:latin typeface="Myriad Pro" pitchFamily="34" charset="0"/>
-                <a:ea typeface="Myriad Pro"/>
-                <a:cs typeface="Myriad Pro"/>
-              </a:rPr>
-              <a:t>phần</a:t>
-            </a:r>
-            <a:r>
-              <a:rPr lang="vi-VN" b="0" i="1" u="none" dirty="0">
-                <a:solidFill>
-                  <a:schemeClr val="bg1">
-                    <a:lumMod val="50000"/>
-                  </a:schemeClr>
-                </a:solidFill>
-                <a:latin typeface="Myriad Pro" pitchFamily="34" charset="0"/>
-                <a:ea typeface="Myriad Pro"/>
-                <a:cs typeface="Myriad Pro"/>
-              </a:rPr>
-              <a:t>: </a:t>
-            </a:r>
-            <a:endParaRPr b="0" i="1" u="none" dirty="0">
-              <a:solidFill>
-                <a:schemeClr val="bg1">
-                  <a:lumMod val="50000"/>
-                </a:schemeClr>
-              </a:solidFill>
-              <a:latin typeface="Myriad Pro" pitchFamily="34" charset="0"/>
-              <a:ea typeface="Myriad Pro"/>
-              <a:cs typeface="Myriad Pro"/>
-            </a:endParaRPr>
-          </a:p>
-        </p:txBody>
-      </p:sp>
-      <p:pic>
-        <p:nvPicPr>
-          <p:cNvPr id="6" name="Hình ảnh 5">
-            <a:extLst>
-              <a:ext uri="{FF2B5EF4-FFF2-40B4-BE49-F238E27FC236}">
-                <a16:creationId xmlns:a16="http://schemas.microsoft.com/office/drawing/2014/main" id="{59A02740-C585-46DD-87FE-D78B2FF02DBD}"/>
-              </a:ext>
-            </a:extLst>
-          </p:cNvPr>
-          <p:cNvPicPr>
-            <a:picLocks noChangeAspect="1"/>
-          </p:cNvPicPr>
-          <p:nvPr/>
-        </p:nvPicPr>
-        <p:blipFill>
-          <a:blip r:embed="rId3">
-            <a:extLst>
-              <a:ext uri="{28A0092B-C50C-407E-A947-70E740481C1C}">
-                <a14:useLocalDpi xmlns:a14="http://schemas.microsoft.com/office/drawing/2010/main" val="0"/>
-              </a:ext>
-            </a:extLst>
-          </a:blip>
-          <a:stretch>
-            <a:fillRect/>
-          </a:stretch>
-        </p:blipFill>
-        <p:spPr>
-          <a:xfrm>
-            <a:off x="4572000" y="1234806"/>
-            <a:ext cx="4526218" cy="2673888"/>
-          </a:xfrm>
-          <a:prstGeom prst="roundRect">
-            <a:avLst>
-              <a:gd name="adj" fmla="val 8594"/>
-            </a:avLst>
-          </a:prstGeom>
-          <a:solidFill>
-            <a:srgbClr val="FFFFFF">
-              <a:shade val="85000"/>
-            </a:srgbClr>
-          </a:solidFill>
-          <a:ln>
-            <a:noFill/>
-          </a:ln>
-          <a:effectLst>
-            <a:reflection blurRad="12700" stA="38000" endPos="28000" dist="5000" dir="5400000" sy="-100000" algn="bl" rotWithShape="0"/>
-          </a:effectLst>
-        </p:spPr>
-      </p:pic>
-    </p:spTree>
-  </p:cSld>
-  <p:clrMapOvr>
-    <a:masterClrMapping/>
-  </p:clrMapOvr>
-  <p:transition spd="slow">
-    <p:push dir="u"/>
-  </p:transition>
-</p:sld>
-</file>
-
-<file path=ppt/slides/slide3.xml><?xml version="1.0" encoding="utf-8"?>
-<p:sld xmlns:a="http://schemas.openxmlformats.org/drawingml/2006/main" xmlns:r="http://schemas.openxmlformats.org/officeDocument/2006/relationships" xmlns:p="http://schemas.openxmlformats.org/presentationml/2006/main">
-  <p:cSld>
-    <p:bg>
-      <p:bgPr>
-        <a:solidFill>
-          <a:schemeClr val="bg1"/>
-        </a:solidFill>
-        <a:effectLst/>
-      </p:bgPr>
-    </p:bg>
-    <p:spTree>
-      <p:nvGrpSpPr>
-        <p:cNvPr id="1" name=""/>
-        <p:cNvGrpSpPr/>
-        <p:nvPr/>
-      </p:nvGrpSpPr>
-      <p:grpSpPr>
-        <a:xfrm>
-          <a:off x="0" y="0"/>
-          <a:ext cx="0" cy="0"/>
-          <a:chOff x="0" y="0"/>
-          <a:chExt cx="0" cy="0"/>
-        </a:xfrm>
-      </p:grpSpPr>
-      <p:sp>
-        <p:nvSpPr>
-          <p:cNvPr id="17" name="Rectangle 7">
-            <a:extLst>
-              <a:ext uri="{FF2B5EF4-FFF2-40B4-BE49-F238E27FC236}">
-                <a16:creationId xmlns:a16="http://schemas.microsoft.com/office/drawing/2014/main" id="{F3060C83-F051-4F0E-ABAD-AA0DFC48B218}"/>
-              </a:ext>
-              <a:ext uri="{C183D7F6-B498-43B3-948B-1728B52AA6E4}">
-                <adec:decorative xmlns:adec="http://schemas.microsoft.com/office/drawing/2017/decorative" val="1"/>
-              </a:ext>
-            </a:extLst>
-          </p:cNvPr>
-          <p:cNvSpPr>
-            <a:spLocks noGrp="1" noRot="1" noChangeAspect="1" noMove="1" noResize="1" noEditPoints="1" noAdjustHandles="1" noChangeArrowheads="1" noChangeShapeType="1" noTextEdit="1"/>
-          </p:cNvSpPr>
-          <p:nvPr>
-            <p:extLst>
-              <p:ext uri="{386F3935-93C4-4BCD-93E2-E3B085C9AB24}">
-                <p16:designElem xmlns:p16="http://schemas.microsoft.com/office/powerpoint/2015/main" val="1"/>
-              </p:ext>
-            </p:extLst>
-          </p:nvPr>
-        </p:nvSpPr>
-        <p:spPr>
-          <a:xfrm>
-            <a:off x="0" y="0"/>
-            <a:ext cx="9144000" cy="5143500"/>
-          </a:xfrm>
-          <a:prstGeom prst="rect">
-            <a:avLst/>
-          </a:prstGeom>
-          <a:solidFill>
-            <a:schemeClr val="bg1"/>
-          </a:solidFill>
-          <a:ln>
-            <a:noFill/>
-          </a:ln>
-        </p:spPr>
-        <p:style>
-          <a:lnRef idx="2">
-            <a:schemeClr val="accent1">
-              <a:shade val="50000"/>
-            </a:schemeClr>
-          </a:lnRef>
-          <a:fillRef idx="1">
-            <a:schemeClr val="accent1"/>
-          </a:fillRef>
-          <a:effectRef idx="0">
-            <a:schemeClr val="accent1"/>
-          </a:effectRef>
-          <a:fontRef idx="minor">
-            <a:schemeClr val="lt1"/>
-          </a:fontRef>
-        </p:style>
-        <p:txBody>
-          <a:bodyPr rtlCol="0" anchor="ctr"/>
-          <a:lstStyle/>
-          <a:p>
-            <a:pPr algn="ctr"/>
-            <a:endParaRPr lang="en-US" dirty="0"/>
-          </a:p>
-        </p:txBody>
-      </p:sp>
-      <p:sp>
-        <p:nvSpPr>
-          <p:cNvPr id="19" name="Freeform: Shape 9">
-            <a:extLst>
-              <a:ext uri="{FF2B5EF4-FFF2-40B4-BE49-F238E27FC236}">
-                <a16:creationId xmlns:a16="http://schemas.microsoft.com/office/drawing/2014/main" id="{83C98ABE-055B-441F-B07E-44F97F083C39}"/>
-              </a:ext>
-              <a:ext uri="{C183D7F6-B498-43B3-948B-1728B52AA6E4}">
-                <adec:decorative xmlns:adec="http://schemas.microsoft.com/office/drawing/2017/decorative" val="1"/>
-              </a:ext>
-            </a:extLst>
-          </p:cNvPr>
-          <p:cNvSpPr>
-            <a:spLocks noGrp="1" noRot="1" noChangeAspect="1" noMove="1" noResize="1" noEditPoints="1" noAdjustHandles="1" noChangeArrowheads="1" noChangeShapeType="1" noTextEdit="1"/>
-          </p:cNvSpPr>
-          <p:nvPr>
-            <p:extLst>
-              <p:ext uri="{386F3935-93C4-4BCD-93E2-E3B085C9AB24}">
-                <p16:designElem xmlns:p16="http://schemas.microsoft.com/office/powerpoint/2015/main" val="1"/>
-              </p:ext>
-            </p:extLst>
-          </p:nvPr>
-        </p:nvSpPr>
-        <p:spPr>
-          <a:xfrm rot="18900000" flipH="1">
-            <a:off x="-282117" y="-190252"/>
-            <a:ext cx="1370728" cy="1032741"/>
-          </a:xfrm>
-          <a:custGeom>
-            <a:avLst/>
-            <a:gdLst>
-              <a:gd name="connsiteX0" fmla="*/ 0 w 1827638"/>
-              <a:gd name="connsiteY0" fmla="*/ 987379 h 1376989"/>
-              <a:gd name="connsiteX1" fmla="*/ 987379 w 1827638"/>
-              <a:gd name="connsiteY1" fmla="*/ 0 h 1376989"/>
-              <a:gd name="connsiteX2" fmla="*/ 1827638 w 1827638"/>
-              <a:gd name="connsiteY2" fmla="*/ 840260 h 1376989"/>
-              <a:gd name="connsiteX3" fmla="*/ 1827638 w 1827638"/>
-              <a:gd name="connsiteY3" fmla="*/ 1376989 h 1376989"/>
-              <a:gd name="connsiteX4" fmla="*/ 0 w 1827638"/>
-              <a:gd name="connsiteY4" fmla="*/ 1376989 h 1376989"/>
-            </a:gdLst>
-            <a:ahLst/>
-            <a:cxnLst>
-              <a:cxn ang="0">
-                <a:pos x="connsiteX0" y="connsiteY0"/>
-              </a:cxn>
-              <a:cxn ang="0">
-                <a:pos x="connsiteX1" y="connsiteY1"/>
-              </a:cxn>
-              <a:cxn ang="0">
-                <a:pos x="connsiteX2" y="connsiteY2"/>
-              </a:cxn>
-              <a:cxn ang="0">
-                <a:pos x="connsiteX3" y="connsiteY3"/>
-              </a:cxn>
-              <a:cxn ang="0">
-                <a:pos x="connsiteX4" y="connsiteY4"/>
-              </a:cxn>
-            </a:cxnLst>
-            <a:rect l="l" t="t" r="r" b="b"/>
-            <a:pathLst>
-              <a:path w="1827638" h="1376989">
-                <a:moveTo>
-                  <a:pt x="0" y="987379"/>
-                </a:moveTo>
-                <a:lnTo>
-                  <a:pt x="987379" y="0"/>
-                </a:lnTo>
-                <a:lnTo>
-                  <a:pt x="1827638" y="840260"/>
-                </a:lnTo>
-                <a:lnTo>
-                  <a:pt x="1827638" y="1376989"/>
-                </a:lnTo>
-                <a:lnTo>
-                  <a:pt x="0" y="1376989"/>
-                </a:lnTo>
-                <a:close/>
-              </a:path>
-            </a:pathLst>
-          </a:custGeom>
-          <a:solidFill>
-            <a:schemeClr val="accent1">
-              <a:alpha val="30000"/>
-            </a:schemeClr>
-          </a:solidFill>
-          <a:ln>
-            <a:noFill/>
-          </a:ln>
-        </p:spPr>
-        <p:style>
-          <a:lnRef idx="2">
-            <a:schemeClr val="accent1">
-              <a:shade val="50000"/>
-            </a:schemeClr>
-          </a:lnRef>
-          <a:fillRef idx="1">
-            <a:schemeClr val="accent1"/>
-          </a:fillRef>
-          <a:effectRef idx="0">
-            <a:schemeClr val="accent1"/>
-          </a:effectRef>
-          <a:fontRef idx="minor">
-            <a:schemeClr val="lt1"/>
-          </a:fontRef>
-        </p:style>
-        <p:txBody>
-          <a:bodyPr rtlCol="0" anchor="ctr"/>
-          <a:lstStyle/>
-          <a:p>
-            <a:pPr algn="ctr"/>
-            <a:endParaRPr lang="en-US" dirty="0"/>
-          </a:p>
-        </p:txBody>
-      </p:sp>
-      <p:sp>
-        <p:nvSpPr>
-          <p:cNvPr id="21" name="Rectangle 11">
-            <a:extLst>
-              <a:ext uri="{FF2B5EF4-FFF2-40B4-BE49-F238E27FC236}">
-                <a16:creationId xmlns:a16="http://schemas.microsoft.com/office/drawing/2014/main" id="{29FDB030-9B49-4CED-8CCD-4D99382388AC}"/>
-              </a:ext>
-              <a:ext uri="{C183D7F6-B498-43B3-948B-1728B52AA6E4}">
-                <adec:decorative xmlns:adec="http://schemas.microsoft.com/office/drawing/2017/decorative" val="1"/>
-              </a:ext>
-            </a:extLst>
-          </p:cNvPr>
-          <p:cNvSpPr>
-            <a:spLocks noGrp="1" noRot="1" noChangeAspect="1" noMove="1" noResize="1" noEditPoints="1" noAdjustHandles="1" noChangeArrowheads="1" noChangeShapeType="1" noTextEdit="1"/>
-          </p:cNvSpPr>
-          <p:nvPr>
-            <p:extLst>
-              <p:ext uri="{386F3935-93C4-4BCD-93E2-E3B085C9AB24}">
-                <p16:designElem xmlns:p16="http://schemas.microsoft.com/office/powerpoint/2015/main" val="1"/>
-              </p:ext>
-            </p:extLst>
-          </p:nvPr>
-        </p:nvSpPr>
-        <p:spPr>
-          <a:xfrm rot="18900000" flipH="1">
-            <a:off x="668730" y="316609"/>
-            <a:ext cx="484026" cy="484026"/>
-          </a:xfrm>
-          <a:prstGeom prst="rect">
-            <a:avLst/>
-          </a:prstGeom>
-          <a:solidFill>
-            <a:schemeClr val="accent1">
-              <a:alpha val="30000"/>
-            </a:schemeClr>
-          </a:solidFill>
-          <a:ln>
-            <a:noFill/>
-          </a:ln>
-        </p:spPr>
-        <p:style>
-          <a:lnRef idx="2">
-            <a:schemeClr val="accent1">
-              <a:shade val="50000"/>
-            </a:schemeClr>
-          </a:lnRef>
-          <a:fillRef idx="1">
-            <a:schemeClr val="accent1"/>
-          </a:fillRef>
-          <a:effectRef idx="0">
-            <a:schemeClr val="accent1"/>
-          </a:effectRef>
-          <a:fontRef idx="minor">
-            <a:schemeClr val="lt1"/>
-          </a:fontRef>
-        </p:style>
-        <p:txBody>
-          <a:bodyPr rtlCol="0" anchor="ctr"/>
-          <a:lstStyle/>
-          <a:p>
-            <a:pPr algn="ctr"/>
-            <a:endParaRPr lang="en-US"/>
-          </a:p>
-        </p:txBody>
-      </p:sp>
-      <p:sp>
-        <p:nvSpPr>
-          <p:cNvPr id="22" name="Rectangle 13">
-            <a:extLst>
-              <a:ext uri="{FF2B5EF4-FFF2-40B4-BE49-F238E27FC236}">
-                <a16:creationId xmlns:a16="http://schemas.microsoft.com/office/drawing/2014/main" id="{3783CA14-24A1-485C-8B30-D6A5D87987AD}"/>
-              </a:ext>
-              <a:ext uri="{C183D7F6-B498-43B3-948B-1728B52AA6E4}">
-                <adec:decorative xmlns:adec="http://schemas.microsoft.com/office/drawing/2017/decorative" val="1"/>
-              </a:ext>
-            </a:extLst>
-          </p:cNvPr>
-          <p:cNvSpPr>
-            <a:spLocks noGrp="1" noRot="1" noChangeAspect="1" noMove="1" noResize="1" noEditPoints="1" noAdjustHandles="1" noChangeArrowheads="1" noChangeShapeType="1" noTextEdit="1"/>
-          </p:cNvSpPr>
-          <p:nvPr>
-            <p:extLst>
-              <p:ext uri="{386F3935-93C4-4BCD-93E2-E3B085C9AB24}">
-                <p16:designElem xmlns:p16="http://schemas.microsoft.com/office/powerpoint/2015/main" val="1"/>
-              </p:ext>
-            </p:extLst>
-          </p:nvPr>
-        </p:nvSpPr>
-        <p:spPr>
-          <a:xfrm rot="18900000" flipH="1">
-            <a:off x="7532611" y="491355"/>
-            <a:ext cx="515604" cy="515604"/>
-          </a:xfrm>
-          <a:prstGeom prst="rect">
-            <a:avLst/>
-          </a:prstGeom>
-          <a:solidFill>
-            <a:schemeClr val="accent4">
-              <a:alpha val="30000"/>
-            </a:schemeClr>
-          </a:solidFill>
-          <a:ln>
-            <a:noFill/>
-          </a:ln>
-        </p:spPr>
-        <p:style>
-          <a:lnRef idx="2">
-            <a:schemeClr val="accent1">
-              <a:shade val="50000"/>
-            </a:schemeClr>
-          </a:lnRef>
-          <a:fillRef idx="1">
-            <a:schemeClr val="accent1"/>
-          </a:fillRef>
-          <a:effectRef idx="0">
-            <a:schemeClr val="accent1"/>
-          </a:effectRef>
-          <a:fontRef idx="minor">
-            <a:schemeClr val="lt1"/>
-          </a:fontRef>
-        </p:style>
-        <p:txBody>
-          <a:bodyPr rtlCol="0" anchor="ctr"/>
-          <a:lstStyle/>
-          <a:p>
-            <a:pPr algn="ctr"/>
-            <a:endParaRPr lang="en-US"/>
-          </a:p>
-        </p:txBody>
-      </p:sp>
-      <p:sp>
-        <p:nvSpPr>
-          <p:cNvPr id="16" name="Freeform: Shape 15">
-            <a:extLst>
-              <a:ext uri="{FF2B5EF4-FFF2-40B4-BE49-F238E27FC236}">
-                <a16:creationId xmlns:a16="http://schemas.microsoft.com/office/drawing/2014/main" id="{9A97C86A-04D6-40F7-AE84-31AB43E6A846}"/>
-              </a:ext>
-              <a:ext uri="{C183D7F6-B498-43B3-948B-1728B52AA6E4}">
-                <adec:decorative xmlns:adec="http://schemas.microsoft.com/office/drawing/2017/decorative" val="1"/>
-              </a:ext>
-            </a:extLst>
-          </p:cNvPr>
-          <p:cNvSpPr>
-            <a:spLocks noGrp="1" noRot="1" noChangeAspect="1" noMove="1" noResize="1" noEditPoints="1" noAdjustHandles="1" noChangeArrowheads="1" noChangeShapeType="1" noTextEdit="1"/>
-          </p:cNvSpPr>
-          <p:nvPr>
-            <p:extLst>
-              <p:ext uri="{386F3935-93C4-4BCD-93E2-E3B085C9AB24}">
-                <p16:designElem xmlns:p16="http://schemas.microsoft.com/office/powerpoint/2015/main" val="1"/>
-              </p:ext>
-            </p:extLst>
-          </p:nvPr>
-        </p:nvSpPr>
-        <p:spPr>
-          <a:xfrm rot="10800000" flipH="1">
-            <a:off x="7017482" y="0"/>
-            <a:ext cx="2126518" cy="1110627"/>
-          </a:xfrm>
-          <a:custGeom>
-            <a:avLst/>
-            <a:gdLst>
-              <a:gd name="connsiteX0" fmla="*/ 2835357 w 2835357"/>
-              <a:gd name="connsiteY0" fmla="*/ 1480837 h 1480837"/>
-              <a:gd name="connsiteX1" fmla="*/ 0 w 2835357"/>
-              <a:gd name="connsiteY1" fmla="*/ 1480837 h 1480837"/>
-              <a:gd name="connsiteX2" fmla="*/ 1552727 w 2835357"/>
-              <a:gd name="connsiteY2" fmla="*/ 0 h 1480837"/>
-              <a:gd name="connsiteX3" fmla="*/ 2835357 w 2835357"/>
-              <a:gd name="connsiteY3" fmla="*/ 1223245 h 1480837"/>
-            </a:gdLst>
-            <a:ahLst/>
-            <a:cxnLst>
-              <a:cxn ang="0">
-                <a:pos x="connsiteX0" y="connsiteY0"/>
-              </a:cxn>
-              <a:cxn ang="0">
-                <a:pos x="connsiteX1" y="connsiteY1"/>
-              </a:cxn>
-              <a:cxn ang="0">
-                <a:pos x="connsiteX2" y="connsiteY2"/>
-              </a:cxn>
-              <a:cxn ang="0">
-                <a:pos x="connsiteX3" y="connsiteY3"/>
-              </a:cxn>
-            </a:cxnLst>
-            <a:rect l="l" t="t" r="r" b="b"/>
-            <a:pathLst>
-              <a:path w="2835357" h="1480837">
-                <a:moveTo>
-                  <a:pt x="2835357" y="1480837"/>
-                </a:moveTo>
-                <a:lnTo>
-                  <a:pt x="0" y="1480837"/>
-                </a:lnTo>
-                <a:lnTo>
-                  <a:pt x="1552727" y="0"/>
-                </a:lnTo>
-                <a:lnTo>
-                  <a:pt x="2835357" y="1223245"/>
-                </a:lnTo>
-                <a:close/>
-              </a:path>
-            </a:pathLst>
-          </a:custGeom>
-          <a:solidFill>
-            <a:schemeClr val="accent4">
-              <a:alpha val="30000"/>
-            </a:schemeClr>
-          </a:solidFill>
-          <a:ln>
-            <a:noFill/>
-          </a:ln>
-        </p:spPr>
-        <p:style>
-          <a:lnRef idx="2">
-            <a:schemeClr val="accent1">
-              <a:shade val="50000"/>
-            </a:schemeClr>
-          </a:lnRef>
-          <a:fillRef idx="1">
-            <a:schemeClr val="accent1"/>
-          </a:fillRef>
-          <a:effectRef idx="0">
-            <a:schemeClr val="accent1"/>
-          </a:effectRef>
-          <a:fontRef idx="minor">
-            <a:schemeClr val="lt1"/>
-          </a:fontRef>
-        </p:style>
-        <p:txBody>
-          <a:bodyPr wrap="square" rtlCol="0" anchor="ctr">
-            <a:noAutofit/>
-          </a:bodyPr>
-          <a:lstStyle/>
-          <a:p>
-            <a:pPr algn="ctr"/>
-            <a:endParaRPr lang="en-US" dirty="0"/>
-          </a:p>
-        </p:txBody>
-      </p:sp>
-      <p:sp>
-        <p:nvSpPr>
-          <p:cNvPr id="18" name="Isosceles Triangle 17">
-            <a:extLst>
-              <a:ext uri="{FF2B5EF4-FFF2-40B4-BE49-F238E27FC236}">
-                <a16:creationId xmlns:a16="http://schemas.microsoft.com/office/drawing/2014/main" id="{FF9F2414-84E8-453E-B1F3-389FDE8192D9}"/>
-              </a:ext>
-              <a:ext uri="{C183D7F6-B498-43B3-948B-1728B52AA6E4}">
-                <adec:decorative xmlns:adec="http://schemas.microsoft.com/office/drawing/2017/decorative" val="1"/>
-              </a:ext>
-            </a:extLst>
-          </p:cNvPr>
-          <p:cNvSpPr>
-            <a:spLocks noGrp="1" noRot="1" noChangeAspect="1" noMove="1" noResize="1" noEditPoints="1" noAdjustHandles="1" noChangeArrowheads="1" noChangeShapeType="1" noTextEdit="1"/>
-          </p:cNvSpPr>
-          <p:nvPr>
-            <p:extLst>
-              <p:ext uri="{386F3935-93C4-4BCD-93E2-E3B085C9AB24}">
-                <p16:designElem xmlns:p16="http://schemas.microsoft.com/office/powerpoint/2015/main" val="1"/>
-              </p:ext>
-            </p:extLst>
-          </p:nvPr>
-        </p:nvSpPr>
-        <p:spPr>
-          <a:xfrm flipH="1">
-            <a:off x="5982258" y="4586625"/>
-            <a:ext cx="1120884" cy="556875"/>
-          </a:xfrm>
-          <a:prstGeom prst="triangle">
-            <a:avLst/>
-          </a:prstGeom>
-          <a:solidFill>
-            <a:schemeClr val="accent1">
-              <a:alpha val="30000"/>
-            </a:schemeClr>
-          </a:solidFill>
-          <a:ln>
-            <a:noFill/>
-          </a:ln>
-        </p:spPr>
-        <p:style>
-          <a:lnRef idx="2">
-            <a:schemeClr val="accent1">
-              <a:shade val="50000"/>
-            </a:schemeClr>
-          </a:lnRef>
-          <a:fillRef idx="1">
-            <a:schemeClr val="accent1"/>
-          </a:fillRef>
-          <a:effectRef idx="0">
-            <a:schemeClr val="accent1"/>
-          </a:effectRef>
-          <a:fontRef idx="minor">
-            <a:schemeClr val="lt1"/>
-          </a:fontRef>
-        </p:style>
-        <p:txBody>
-          <a:bodyPr rtlCol="0" anchor="ctr"/>
-          <a:lstStyle/>
-          <a:p>
-            <a:pPr algn="ctr"/>
-            <a:endParaRPr lang="en-US"/>
-          </a:p>
-        </p:txBody>
-      </p:sp>
-      <p:pic>
-        <p:nvPicPr>
-          <p:cNvPr id="3" name="Hình ảnh 2" descr="Ảnh có chứa vẽ, bản đồ&#10;&#10;Mô tả được tạo tự động">
-            <a:extLst>
-              <a:ext uri="{FF2B5EF4-FFF2-40B4-BE49-F238E27FC236}">
-                <a16:creationId xmlns:a16="http://schemas.microsoft.com/office/drawing/2014/main" id="{6AA5E01D-E183-41C2-8867-B65E8FA601D6}"/>
-              </a:ext>
-            </a:extLst>
-          </p:cNvPr>
-          <p:cNvPicPr>
-            <a:picLocks noChangeAspect="1"/>
-          </p:cNvPicPr>
-          <p:nvPr/>
-        </p:nvPicPr>
-        <p:blipFill>
-          <a:blip r:embed="rId2">
-            <a:extLst>
-              <a:ext uri="{28A0092B-C50C-407E-A947-70E740481C1C}">
-                <a14:useLocalDpi xmlns:a14="http://schemas.microsoft.com/office/drawing/2010/main" val="0"/>
-              </a:ext>
-            </a:extLst>
-          </a:blip>
-          <a:stretch>
-            <a:fillRect/>
-          </a:stretch>
-        </p:blipFill>
-        <p:spPr>
-          <a:xfrm>
-            <a:off x="592667" y="482600"/>
-            <a:ext cx="7958664" cy="4178299"/>
-          </a:xfrm>
-          <a:prstGeom prst="rect">
-            <a:avLst/>
-          </a:prstGeom>
-          <a:ln>
-            <a:noFill/>
-          </a:ln>
-          <a:effectLst>
-            <a:softEdge rad="112500"/>
-          </a:effectLst>
-        </p:spPr>
-      </p:pic>
-      <p:sp>
-        <p:nvSpPr>
-          <p:cNvPr id="20" name="Isosceles Triangle 19">
-            <a:extLst>
-              <a:ext uri="{FF2B5EF4-FFF2-40B4-BE49-F238E27FC236}">
-                <a16:creationId xmlns:a16="http://schemas.microsoft.com/office/drawing/2014/main" id="{3ECA69A1-7536-43AC-85EF-C7106179F5ED}"/>
-              </a:ext>
-              <a:ext uri="{C183D7F6-B498-43B3-948B-1728B52AA6E4}">
-                <adec:decorative xmlns:adec="http://schemas.microsoft.com/office/drawing/2017/decorative" val="1"/>
-              </a:ext>
-            </a:extLst>
-          </p:cNvPr>
-          <p:cNvSpPr>
-            <a:spLocks noGrp="1" noRot="1" noChangeAspect="1" noMove="1" noResize="1" noEditPoints="1" noAdjustHandles="1" noChangeArrowheads="1" noChangeShapeType="1" noTextEdit="1"/>
-          </p:cNvSpPr>
-          <p:nvPr>
-            <p:extLst>
-              <p:ext uri="{386F3935-93C4-4BCD-93E2-E3B085C9AB24}">
-                <p16:designElem xmlns:p16="http://schemas.microsoft.com/office/powerpoint/2015/main" val="1"/>
-              </p:ext>
-            </p:extLst>
-          </p:nvPr>
-        </p:nvSpPr>
-        <p:spPr>
-          <a:xfrm flipH="1">
-            <a:off x="5703060" y="4839857"/>
-            <a:ext cx="611177" cy="303643"/>
-          </a:xfrm>
-          <a:prstGeom prst="triangle">
-            <a:avLst/>
-          </a:prstGeom>
-          <a:solidFill>
-            <a:schemeClr val="accent1">
-              <a:alpha val="30000"/>
-            </a:schemeClr>
-          </a:solidFill>
-          <a:ln>
-            <a:noFill/>
-          </a:ln>
-        </p:spPr>
-        <p:style>
-          <a:lnRef idx="2">
-            <a:schemeClr val="accent1">
-              <a:shade val="50000"/>
-            </a:schemeClr>
-          </a:lnRef>
-          <a:fillRef idx="1">
-            <a:schemeClr val="accent1"/>
-          </a:fillRef>
-          <a:effectRef idx="0">
-            <a:schemeClr val="accent1"/>
-          </a:effectRef>
-          <a:fontRef idx="minor">
-            <a:schemeClr val="lt1"/>
-          </a:fontRef>
-        </p:style>
-        <p:txBody>
-          <a:bodyPr rtlCol="0" anchor="ctr"/>
-          <a:lstStyle/>
-          <a:p>
-            <a:pPr algn="ctr"/>
-            <a:endParaRPr lang="en-US"/>
-          </a:p>
-        </p:txBody>
-      </p:sp>
-    </p:spTree>
-    <p:extLst>
-      <p:ext uri="{BB962C8B-B14F-4D97-AF65-F5344CB8AC3E}">
-        <p14:creationId xmlns:p14="http://schemas.microsoft.com/office/powerpoint/2010/main" val="1136778438"/>
-      </p:ext>
-    </p:extLst>
-  </p:cSld>
-  <p:clrMapOvr>
-    <a:masterClrMapping/>
-  </p:clrMapOvr>
-  <p:transition spd="slow">
-    <p:push dir="u"/>
-  </p:transition>
-</p:sld>
-</file>
-
-<file path=ppt/slides/slide4.xml><?xml version="1.0" encoding="utf-8"?>
-<p:sld xmlns:a="http://schemas.openxmlformats.org/drawingml/2006/main" xmlns:r="http://schemas.openxmlformats.org/officeDocument/2006/relationships" xmlns:p="http://schemas.openxmlformats.org/presentationml/2006/main">
-  <p:cSld>
-    <p:spTree>
-      <p:nvGrpSpPr>
-        <p:cNvPr id="1" name=""/>
-        <p:cNvGrpSpPr/>
-        <p:nvPr/>
-      </p:nvGrpSpPr>
-      <p:grpSpPr>
-        <a:xfrm>
-          <a:off x="0" y="0"/>
-          <a:ext cx="0" cy="0"/>
-          <a:chOff x="0" y="0"/>
-          <a:chExt cx="0" cy="0"/>
-        </a:xfrm>
-      </p:grpSpPr>
-      <p:sp>
-        <p:nvSpPr>
-          <p:cNvPr id="4" name="Title 1"/>
-          <p:cNvSpPr txBox="1">
-            <a:spLocks/>
-          </p:cNvSpPr>
-          <p:nvPr/>
-        </p:nvSpPr>
-        <p:spPr bwMode="auto">
-          <a:xfrm>
-            <a:off x="611560" y="1707654"/>
-            <a:ext cx="7772400" cy="1125457"/>
-          </a:xfrm>
-          <a:prstGeom prst="rect">
-            <a:avLst/>
-          </a:prstGeom>
-        </p:spPr>
-        <p:txBody>
-          <a:bodyPr vert="horz" lIns="91440" tIns="45720" rIns="91440" bIns="45720" rtlCol="0" anchor="ctr">
-            <a:normAutofit/>
-          </a:bodyPr>
-          <a:lstStyle>
-            <a:lvl1pPr marL="0" indent="0" algn="just" defTabSz="914400">
-              <a:lnSpc>
-                <a:spcPct val="150000"/>
-              </a:lnSpc>
-              <a:spcBef>
-                <a:spcPts val="0"/>
-              </a:spcBef>
-              <a:buFont typeface="Arial"/>
-              <a:buNone/>
-              <a:defRPr sz="1200">
-                <a:solidFill>
-                  <a:schemeClr val="accent4">
-                    <a:lumMod val="75000"/>
-                  </a:schemeClr>
-                </a:solidFill>
-                <a:latin typeface="Myriad Pro"/>
-                <a:ea typeface="+mj-ea"/>
-                <a:cs typeface="+mj-cs"/>
-              </a:defRPr>
-            </a:lvl1pPr>
-          </a:lstStyle>
-          <a:p>
-            <a:pPr algn="ctr"/>
-            <a:r>
-              <a:rPr lang="en-US" sz="3200" spc="300" dirty="0"/>
-              <a:t>THIẾT KẾ DATABASE</a:t>
-            </a:r>
-          </a:p>
-        </p:txBody>
-      </p:sp>
-    </p:spTree>
-    <p:extLst>
-      <p:ext uri="{BB962C8B-B14F-4D97-AF65-F5344CB8AC3E}">
-        <p14:creationId xmlns:p14="http://schemas.microsoft.com/office/powerpoint/2010/main" val="2650034168"/>
-      </p:ext>
-    </p:extLst>
-  </p:cSld>
-  <p:clrMapOvr>
-    <a:masterClrMapping/>
-  </p:clrMapOvr>
-  <p:transition spd="slow">
-    <p:push dir="u"/>
-  </p:transition>
-</p:sld>
-</file>
-
-<file path=ppt/slides/slide5.xml><?xml version="1.0" encoding="utf-8"?>
-<p:sld xmlns:a="http://schemas.openxmlformats.org/drawingml/2006/main" xmlns:r="http://schemas.openxmlformats.org/officeDocument/2006/relationships" xmlns:p="http://schemas.openxmlformats.org/presentationml/2006/main">
-  <p:cSld>
-    <p:spTree>
-      <p:nvGrpSpPr>
-        <p:cNvPr id="1" name=""/>
-        <p:cNvGrpSpPr/>
-        <p:nvPr/>
-      </p:nvGrpSpPr>
-      <p:grpSpPr>
-        <a:xfrm>
-          <a:off x="0" y="0"/>
-          <a:ext cx="0" cy="0"/>
-          <a:chOff x="0" y="0"/>
-          <a:chExt cx="0" cy="0"/>
-        </a:xfrm>
-      </p:grpSpPr>
-      <p:pic>
-        <p:nvPicPr>
-          <p:cNvPr id="2" name="Picture 1">
-            <a:extLst>
-              <a:ext uri="{FF2B5EF4-FFF2-40B4-BE49-F238E27FC236}">
-                <a16:creationId xmlns:a16="http://schemas.microsoft.com/office/drawing/2014/main" id="{31F77612-419C-4C3D-85FD-8C7A0A353FE8}"/>
-              </a:ext>
-            </a:extLst>
-          </p:cNvPr>
-          <p:cNvPicPr>
-            <a:picLocks noChangeAspect="1"/>
-          </p:cNvPicPr>
-          <p:nvPr/>
-        </p:nvPicPr>
-        <p:blipFill>
-          <a:blip r:embed="rId2"/>
-          <a:stretch>
-            <a:fillRect/>
-          </a:stretch>
-        </p:blipFill>
-        <p:spPr>
-          <a:xfrm>
-            <a:off x="-1620688" y="-884633"/>
-            <a:ext cx="13105455" cy="6768752"/>
-          </a:xfrm>
-          <a:prstGeom prst="rect">
-            <a:avLst/>
-          </a:prstGeom>
-        </p:spPr>
-      </p:pic>
-    </p:spTree>
-    <p:extLst>
-      <p:ext uri="{BB962C8B-B14F-4D97-AF65-F5344CB8AC3E}">
-        <p14:creationId xmlns:p14="http://schemas.microsoft.com/office/powerpoint/2010/main" val="4171454989"/>
-      </p:ext>
-    </p:extLst>
-  </p:cSld>
-  <p:clrMapOvr>
-    <a:masterClrMapping/>
-  </p:clrMapOvr>
-  <p:transition spd="slow">
-    <p:push dir="u"/>
-  </p:transition>
-</p:sld>
-</file>
-
-<file path=ppt/slides/slide6.xml><?xml version="1.0" encoding="utf-8"?>
-<p:sld xmlns:a="http://schemas.openxmlformats.org/drawingml/2006/main" xmlns:r="http://schemas.openxmlformats.org/officeDocument/2006/relationships" xmlns:p="http://schemas.openxmlformats.org/presentationml/2006/main">
-  <p:cSld>
-    <p:bg>
-      <p:bgPr>
-        <a:solidFill>
-          <a:schemeClr val="bg1"/>
-        </a:solidFill>
-        <a:effectLst/>
-      </p:bgPr>
-    </p:bg>
-    <p:spTree>
-      <p:nvGrpSpPr>
-        <p:cNvPr id="1" name=""/>
-        <p:cNvGrpSpPr/>
-        <p:nvPr/>
-      </p:nvGrpSpPr>
-      <p:grpSpPr>
-        <a:xfrm>
-          <a:off x="0" y="0"/>
-          <a:ext cx="0" cy="0"/>
-          <a:chOff x="0" y="0"/>
-          <a:chExt cx="0" cy="0"/>
-        </a:xfrm>
-      </p:grpSpPr>
-      <p:sp>
-        <p:nvSpPr>
-          <p:cNvPr id="19" name="Rectangle 9">
-            <a:extLst>
-              <a:ext uri="{FF2B5EF4-FFF2-40B4-BE49-F238E27FC236}">
-                <a16:creationId xmlns:a16="http://schemas.microsoft.com/office/drawing/2014/main" id="{F3060C83-F051-4F0E-ABAD-AA0DFC48B218}"/>
-              </a:ext>
-              <a:ext uri="{C183D7F6-B498-43B3-948B-1728B52AA6E4}">
-                <adec:decorative xmlns:adec="http://schemas.microsoft.com/office/drawing/2017/decorative" val="1"/>
-              </a:ext>
-            </a:extLst>
-          </p:cNvPr>
-          <p:cNvSpPr>
-            <a:spLocks noGrp="1" noRot="1" noChangeAspect="1" noMove="1" noResize="1" noEditPoints="1" noAdjustHandles="1" noChangeArrowheads="1" noChangeShapeType="1" noTextEdit="1"/>
-          </p:cNvSpPr>
-          <p:nvPr>
-            <p:extLst>
-              <p:ext uri="{386F3935-93C4-4BCD-93E2-E3B085C9AB24}">
-                <p16:designElem xmlns:p16="http://schemas.microsoft.com/office/powerpoint/2015/main" val="1"/>
-              </p:ext>
-            </p:extLst>
-          </p:nvPr>
-        </p:nvSpPr>
-        <p:spPr>
-          <a:xfrm>
-            <a:off x="0" y="0"/>
-            <a:ext cx="9144000" cy="5143500"/>
-          </a:xfrm>
-          <a:prstGeom prst="rect">
-            <a:avLst/>
-          </a:prstGeom>
-          <a:solidFill>
-            <a:schemeClr val="bg1"/>
-          </a:solidFill>
-          <a:ln>
-            <a:noFill/>
-          </a:ln>
-        </p:spPr>
-        <p:style>
-          <a:lnRef idx="2">
-            <a:schemeClr val="accent1">
-              <a:shade val="50000"/>
-            </a:schemeClr>
-          </a:lnRef>
-          <a:fillRef idx="1">
-            <a:schemeClr val="accent1"/>
-          </a:fillRef>
-          <a:effectRef idx="0">
-            <a:schemeClr val="accent1"/>
-          </a:effectRef>
-          <a:fontRef idx="minor">
-            <a:schemeClr val="lt1"/>
-          </a:fontRef>
-        </p:style>
-        <p:txBody>
-          <a:bodyPr rtlCol="0" anchor="ctr"/>
-          <a:lstStyle/>
-          <a:p>
-            <a:pPr algn="ctr"/>
-            <a:endParaRPr lang="en-US" dirty="0"/>
-          </a:p>
-        </p:txBody>
-      </p:sp>
-      <p:sp>
-        <p:nvSpPr>
-          <p:cNvPr id="21" name="Freeform: Shape 11">
-            <a:extLst>
-              <a:ext uri="{FF2B5EF4-FFF2-40B4-BE49-F238E27FC236}">
-                <a16:creationId xmlns:a16="http://schemas.microsoft.com/office/drawing/2014/main" id="{83C98ABE-055B-441F-B07E-44F97F083C39}"/>
-              </a:ext>
-              <a:ext uri="{C183D7F6-B498-43B3-948B-1728B52AA6E4}">
-                <adec:decorative xmlns:adec="http://schemas.microsoft.com/office/drawing/2017/decorative" val="1"/>
-              </a:ext>
-            </a:extLst>
-          </p:cNvPr>
-          <p:cNvSpPr>
-            <a:spLocks noGrp="1" noRot="1" noChangeAspect="1" noMove="1" noResize="1" noEditPoints="1" noAdjustHandles="1" noChangeArrowheads="1" noChangeShapeType="1" noTextEdit="1"/>
-          </p:cNvSpPr>
-          <p:nvPr>
-            <p:extLst>
-              <p:ext uri="{386F3935-93C4-4BCD-93E2-E3B085C9AB24}">
-                <p16:designElem xmlns:p16="http://schemas.microsoft.com/office/powerpoint/2015/main" val="1"/>
-              </p:ext>
-            </p:extLst>
-          </p:nvPr>
-        </p:nvSpPr>
-        <p:spPr>
-          <a:xfrm rot="18900000" flipH="1">
-            <a:off x="-282117" y="-190252"/>
-            <a:ext cx="1370728" cy="1032741"/>
-          </a:xfrm>
-          <a:custGeom>
-            <a:avLst/>
-            <a:gdLst>
-              <a:gd name="connsiteX0" fmla="*/ 0 w 1827638"/>
-              <a:gd name="connsiteY0" fmla="*/ 987379 h 1376989"/>
-              <a:gd name="connsiteX1" fmla="*/ 987379 w 1827638"/>
-              <a:gd name="connsiteY1" fmla="*/ 0 h 1376989"/>
-              <a:gd name="connsiteX2" fmla="*/ 1827638 w 1827638"/>
-              <a:gd name="connsiteY2" fmla="*/ 840260 h 1376989"/>
-              <a:gd name="connsiteX3" fmla="*/ 1827638 w 1827638"/>
-              <a:gd name="connsiteY3" fmla="*/ 1376989 h 1376989"/>
-              <a:gd name="connsiteX4" fmla="*/ 0 w 1827638"/>
-              <a:gd name="connsiteY4" fmla="*/ 1376989 h 1376989"/>
-            </a:gdLst>
-            <a:ahLst/>
-            <a:cxnLst>
-              <a:cxn ang="0">
-                <a:pos x="connsiteX0" y="connsiteY0"/>
-              </a:cxn>
-              <a:cxn ang="0">
-                <a:pos x="connsiteX1" y="connsiteY1"/>
-              </a:cxn>
-              <a:cxn ang="0">
-                <a:pos x="connsiteX2" y="connsiteY2"/>
-              </a:cxn>
-              <a:cxn ang="0">
-                <a:pos x="connsiteX3" y="connsiteY3"/>
-              </a:cxn>
-              <a:cxn ang="0">
-                <a:pos x="connsiteX4" y="connsiteY4"/>
-              </a:cxn>
-            </a:cxnLst>
-            <a:rect l="l" t="t" r="r" b="b"/>
-            <a:pathLst>
-              <a:path w="1827638" h="1376989">
-                <a:moveTo>
-                  <a:pt x="0" y="987379"/>
-                </a:moveTo>
-                <a:lnTo>
-                  <a:pt x="987379" y="0"/>
-                </a:lnTo>
-                <a:lnTo>
-                  <a:pt x="1827638" y="840260"/>
-                </a:lnTo>
-                <a:lnTo>
-                  <a:pt x="1827638" y="1376989"/>
-                </a:lnTo>
-                <a:lnTo>
-                  <a:pt x="0" y="1376989"/>
-                </a:lnTo>
-                <a:close/>
-              </a:path>
-            </a:pathLst>
-          </a:custGeom>
-          <a:solidFill>
-            <a:schemeClr val="accent1">
-              <a:alpha val="30000"/>
-            </a:schemeClr>
-          </a:solidFill>
-          <a:ln>
-            <a:noFill/>
-          </a:ln>
-        </p:spPr>
-        <p:style>
-          <a:lnRef idx="2">
-            <a:schemeClr val="accent1">
-              <a:shade val="50000"/>
-            </a:schemeClr>
-          </a:lnRef>
-          <a:fillRef idx="1">
-            <a:schemeClr val="accent1"/>
-          </a:fillRef>
-          <a:effectRef idx="0">
-            <a:schemeClr val="accent1"/>
-          </a:effectRef>
-          <a:fontRef idx="minor">
-            <a:schemeClr val="lt1"/>
-          </a:fontRef>
-        </p:style>
-        <p:txBody>
-          <a:bodyPr rtlCol="0" anchor="ctr"/>
-          <a:lstStyle/>
-          <a:p>
-            <a:pPr algn="ctr"/>
-            <a:endParaRPr lang="en-US" dirty="0"/>
-          </a:p>
-        </p:txBody>
-      </p:sp>
-      <p:sp>
-        <p:nvSpPr>
-          <p:cNvPr id="14" name="Rectangle 13">
-            <a:extLst>
-              <a:ext uri="{FF2B5EF4-FFF2-40B4-BE49-F238E27FC236}">
-                <a16:creationId xmlns:a16="http://schemas.microsoft.com/office/drawing/2014/main" id="{29FDB030-9B49-4CED-8CCD-4D99382388AC}"/>
-              </a:ext>
-              <a:ext uri="{C183D7F6-B498-43B3-948B-1728B52AA6E4}">
-                <adec:decorative xmlns:adec="http://schemas.microsoft.com/office/drawing/2017/decorative" val="1"/>
-              </a:ext>
-            </a:extLst>
-          </p:cNvPr>
-          <p:cNvSpPr>
-            <a:spLocks noGrp="1" noRot="1" noChangeAspect="1" noMove="1" noResize="1" noEditPoints="1" noAdjustHandles="1" noChangeArrowheads="1" noChangeShapeType="1" noTextEdit="1"/>
-          </p:cNvSpPr>
-          <p:nvPr>
-            <p:extLst>
-              <p:ext uri="{386F3935-93C4-4BCD-93E2-E3B085C9AB24}">
-                <p16:designElem xmlns:p16="http://schemas.microsoft.com/office/powerpoint/2015/main" val="1"/>
-              </p:ext>
-            </p:extLst>
-          </p:nvPr>
-        </p:nvSpPr>
-        <p:spPr>
-          <a:xfrm rot="18900000" flipH="1">
-            <a:off x="668730" y="316609"/>
-            <a:ext cx="484026" cy="484026"/>
-          </a:xfrm>
-          <a:prstGeom prst="rect">
-            <a:avLst/>
-          </a:prstGeom>
-          <a:solidFill>
-            <a:schemeClr val="accent1">
-              <a:alpha val="30000"/>
-            </a:schemeClr>
-          </a:solidFill>
-          <a:ln>
-            <a:noFill/>
-          </a:ln>
-        </p:spPr>
-        <p:style>
-          <a:lnRef idx="2">
-            <a:schemeClr val="accent1">
-              <a:shade val="50000"/>
-            </a:schemeClr>
-          </a:lnRef>
-          <a:fillRef idx="1">
-            <a:schemeClr val="accent1"/>
-          </a:fillRef>
-          <a:effectRef idx="0">
-            <a:schemeClr val="accent1"/>
-          </a:effectRef>
-          <a:fontRef idx="minor">
-            <a:schemeClr val="lt1"/>
-          </a:fontRef>
-        </p:style>
-        <p:txBody>
-          <a:bodyPr rtlCol="0" anchor="ctr"/>
-          <a:lstStyle/>
-          <a:p>
-            <a:pPr algn="ctr"/>
-            <a:endParaRPr lang="en-US"/>
-          </a:p>
-        </p:txBody>
-      </p:sp>
-      <p:sp>
-        <p:nvSpPr>
-          <p:cNvPr id="23" name="Rectangle 15">
-            <a:extLst>
-              <a:ext uri="{FF2B5EF4-FFF2-40B4-BE49-F238E27FC236}">
-                <a16:creationId xmlns:a16="http://schemas.microsoft.com/office/drawing/2014/main" id="{3783CA14-24A1-485C-8B30-D6A5D87987AD}"/>
-              </a:ext>
-              <a:ext uri="{C183D7F6-B498-43B3-948B-1728B52AA6E4}">
-                <adec:decorative xmlns:adec="http://schemas.microsoft.com/office/drawing/2017/decorative" val="1"/>
-              </a:ext>
-            </a:extLst>
-          </p:cNvPr>
-          <p:cNvSpPr>
-            <a:spLocks noGrp="1" noRot="1" noChangeAspect="1" noMove="1" noResize="1" noEditPoints="1" noAdjustHandles="1" noChangeArrowheads="1" noChangeShapeType="1" noTextEdit="1"/>
-          </p:cNvSpPr>
-          <p:nvPr>
-            <p:extLst>
-              <p:ext uri="{386F3935-93C4-4BCD-93E2-E3B085C9AB24}">
-                <p16:designElem xmlns:p16="http://schemas.microsoft.com/office/powerpoint/2015/main" val="1"/>
-              </p:ext>
-            </p:extLst>
-          </p:nvPr>
-        </p:nvSpPr>
-        <p:spPr>
-          <a:xfrm rot="18900000" flipH="1">
-            <a:off x="7532611" y="491355"/>
-            <a:ext cx="515604" cy="515604"/>
-          </a:xfrm>
-          <a:prstGeom prst="rect">
-            <a:avLst/>
-          </a:prstGeom>
-          <a:solidFill>
-            <a:schemeClr val="accent4">
-              <a:alpha val="30000"/>
-            </a:schemeClr>
-          </a:solidFill>
-          <a:ln>
-            <a:noFill/>
-          </a:ln>
-        </p:spPr>
-        <p:style>
-          <a:lnRef idx="2">
-            <a:schemeClr val="accent1">
-              <a:shade val="50000"/>
-            </a:schemeClr>
-          </a:lnRef>
-          <a:fillRef idx="1">
-            <a:schemeClr val="accent1"/>
-          </a:fillRef>
-          <a:effectRef idx="0">
-            <a:schemeClr val="accent1"/>
-          </a:effectRef>
-          <a:fontRef idx="minor">
-            <a:schemeClr val="lt1"/>
-          </a:fontRef>
-        </p:style>
-        <p:txBody>
-          <a:bodyPr rtlCol="0" anchor="ctr"/>
-          <a:lstStyle/>
-          <a:p>
-            <a:pPr algn="ctr"/>
-            <a:endParaRPr lang="en-US"/>
-          </a:p>
-        </p:txBody>
-      </p:sp>
-      <p:sp>
-        <p:nvSpPr>
-          <p:cNvPr id="18" name="Freeform: Shape 17">
-            <a:extLst>
-              <a:ext uri="{FF2B5EF4-FFF2-40B4-BE49-F238E27FC236}">
-                <a16:creationId xmlns:a16="http://schemas.microsoft.com/office/drawing/2014/main" id="{9A97C86A-04D6-40F7-AE84-31AB43E6A846}"/>
-              </a:ext>
-              <a:ext uri="{C183D7F6-B498-43B3-948B-1728B52AA6E4}">
-                <adec:decorative xmlns:adec="http://schemas.microsoft.com/office/drawing/2017/decorative" val="1"/>
-              </a:ext>
-            </a:extLst>
-          </p:cNvPr>
-          <p:cNvSpPr>
-            <a:spLocks noGrp="1" noRot="1" noChangeAspect="1" noMove="1" noResize="1" noEditPoints="1" noAdjustHandles="1" noChangeArrowheads="1" noChangeShapeType="1" noTextEdit="1"/>
-          </p:cNvSpPr>
-          <p:nvPr>
-            <p:extLst>
-              <p:ext uri="{386F3935-93C4-4BCD-93E2-E3B085C9AB24}">
-                <p16:designElem xmlns:p16="http://schemas.microsoft.com/office/powerpoint/2015/main" val="1"/>
-              </p:ext>
-            </p:extLst>
-          </p:nvPr>
-        </p:nvSpPr>
-        <p:spPr>
-          <a:xfrm rot="10800000" flipH="1">
-            <a:off x="7017482" y="0"/>
-            <a:ext cx="2126518" cy="1110627"/>
-          </a:xfrm>
-          <a:custGeom>
-            <a:avLst/>
-            <a:gdLst>
-              <a:gd name="connsiteX0" fmla="*/ 2835357 w 2835357"/>
-              <a:gd name="connsiteY0" fmla="*/ 1480837 h 1480837"/>
-              <a:gd name="connsiteX1" fmla="*/ 0 w 2835357"/>
-              <a:gd name="connsiteY1" fmla="*/ 1480837 h 1480837"/>
-              <a:gd name="connsiteX2" fmla="*/ 1552727 w 2835357"/>
-              <a:gd name="connsiteY2" fmla="*/ 0 h 1480837"/>
-              <a:gd name="connsiteX3" fmla="*/ 2835357 w 2835357"/>
-              <a:gd name="connsiteY3" fmla="*/ 1223245 h 1480837"/>
-            </a:gdLst>
-            <a:ahLst/>
-            <a:cxnLst>
-              <a:cxn ang="0">
-                <a:pos x="connsiteX0" y="connsiteY0"/>
-              </a:cxn>
-              <a:cxn ang="0">
-                <a:pos x="connsiteX1" y="connsiteY1"/>
-              </a:cxn>
-              <a:cxn ang="0">
-                <a:pos x="connsiteX2" y="connsiteY2"/>
-              </a:cxn>
-              <a:cxn ang="0">
-                <a:pos x="connsiteX3" y="connsiteY3"/>
-              </a:cxn>
-            </a:cxnLst>
-            <a:rect l="l" t="t" r="r" b="b"/>
-            <a:pathLst>
-              <a:path w="2835357" h="1480837">
-                <a:moveTo>
-                  <a:pt x="2835357" y="1480837"/>
-                </a:moveTo>
-                <a:lnTo>
-                  <a:pt x="0" y="1480837"/>
-                </a:lnTo>
-                <a:lnTo>
-                  <a:pt x="1552727" y="0"/>
-                </a:lnTo>
-                <a:lnTo>
-                  <a:pt x="2835357" y="1223245"/>
-                </a:lnTo>
-                <a:close/>
-              </a:path>
-            </a:pathLst>
-          </a:custGeom>
-          <a:solidFill>
-            <a:schemeClr val="accent4">
-              <a:alpha val="30000"/>
-            </a:schemeClr>
-          </a:solidFill>
-          <a:ln>
-            <a:noFill/>
-          </a:ln>
-        </p:spPr>
-        <p:style>
-          <a:lnRef idx="2">
-            <a:schemeClr val="accent1">
-              <a:shade val="50000"/>
-            </a:schemeClr>
-          </a:lnRef>
-          <a:fillRef idx="1">
-            <a:schemeClr val="accent1"/>
-          </a:fillRef>
-          <a:effectRef idx="0">
-            <a:schemeClr val="accent1"/>
-          </a:effectRef>
-          <a:fontRef idx="minor">
-            <a:schemeClr val="lt1"/>
-          </a:fontRef>
-        </p:style>
-        <p:txBody>
-          <a:bodyPr wrap="square" rtlCol="0" anchor="ctr">
-            <a:noAutofit/>
-          </a:bodyPr>
-          <a:lstStyle/>
-          <a:p>
-            <a:pPr algn="ctr"/>
-            <a:endParaRPr lang="en-US" dirty="0"/>
-          </a:p>
-        </p:txBody>
-      </p:sp>
-      <p:sp>
-        <p:nvSpPr>
-          <p:cNvPr id="20" name="Isosceles Triangle 19">
-            <a:extLst>
-              <a:ext uri="{FF2B5EF4-FFF2-40B4-BE49-F238E27FC236}">
-                <a16:creationId xmlns:a16="http://schemas.microsoft.com/office/drawing/2014/main" id="{FF9F2414-84E8-453E-B1F3-389FDE8192D9}"/>
-              </a:ext>
-              <a:ext uri="{C183D7F6-B498-43B3-948B-1728B52AA6E4}">
-                <adec:decorative xmlns:adec="http://schemas.microsoft.com/office/drawing/2017/decorative" val="1"/>
-              </a:ext>
-            </a:extLst>
-          </p:cNvPr>
-          <p:cNvSpPr>
-            <a:spLocks noGrp="1" noRot="1" noChangeAspect="1" noMove="1" noResize="1" noEditPoints="1" noAdjustHandles="1" noChangeArrowheads="1" noChangeShapeType="1" noTextEdit="1"/>
-          </p:cNvSpPr>
-          <p:nvPr>
-            <p:extLst>
-              <p:ext uri="{386F3935-93C4-4BCD-93E2-E3B085C9AB24}">
-                <p16:designElem xmlns:p16="http://schemas.microsoft.com/office/powerpoint/2015/main" val="1"/>
-              </p:ext>
-            </p:extLst>
-          </p:nvPr>
-        </p:nvSpPr>
-        <p:spPr>
-          <a:xfrm flipH="1">
-            <a:off x="5982258" y="4586625"/>
-            <a:ext cx="1120884" cy="556875"/>
-          </a:xfrm>
-          <a:prstGeom prst="triangle">
-            <a:avLst/>
-          </a:prstGeom>
-          <a:solidFill>
-            <a:schemeClr val="accent1">
-              <a:alpha val="30000"/>
-            </a:schemeClr>
-          </a:solidFill>
-          <a:ln>
-            <a:noFill/>
-          </a:ln>
-        </p:spPr>
-        <p:style>
-          <a:lnRef idx="2">
-            <a:schemeClr val="accent1">
-              <a:shade val="50000"/>
-            </a:schemeClr>
-          </a:lnRef>
-          <a:fillRef idx="1">
-            <a:schemeClr val="accent1"/>
-          </a:fillRef>
-          <a:effectRef idx="0">
-            <a:schemeClr val="accent1"/>
-          </a:effectRef>
-          <a:fontRef idx="minor">
-            <a:schemeClr val="lt1"/>
-          </a:fontRef>
-        </p:style>
-        <p:txBody>
-          <a:bodyPr rtlCol="0" anchor="ctr"/>
-          <a:lstStyle/>
-          <a:p>
-            <a:pPr algn="ctr"/>
-            <a:endParaRPr lang="en-US"/>
-          </a:p>
-        </p:txBody>
-      </p:sp>
-      <p:sp>
-        <p:nvSpPr>
-          <p:cNvPr id="22" name="Isosceles Triangle 21">
-            <a:extLst>
-              <a:ext uri="{FF2B5EF4-FFF2-40B4-BE49-F238E27FC236}">
-                <a16:creationId xmlns:a16="http://schemas.microsoft.com/office/drawing/2014/main" id="{3ECA69A1-7536-43AC-85EF-C7106179F5ED}"/>
-              </a:ext>
-              <a:ext uri="{C183D7F6-B498-43B3-948B-1728B52AA6E4}">
-                <adec:decorative xmlns:adec="http://schemas.microsoft.com/office/drawing/2017/decorative" val="1"/>
-              </a:ext>
-            </a:extLst>
-          </p:cNvPr>
-          <p:cNvSpPr>
-            <a:spLocks noGrp="1" noRot="1" noChangeAspect="1" noMove="1" noResize="1" noEditPoints="1" noAdjustHandles="1" noChangeArrowheads="1" noChangeShapeType="1" noTextEdit="1"/>
-          </p:cNvSpPr>
-          <p:nvPr>
-            <p:extLst>
-              <p:ext uri="{386F3935-93C4-4BCD-93E2-E3B085C9AB24}">
-                <p16:designElem xmlns:p16="http://schemas.microsoft.com/office/powerpoint/2015/main" val="1"/>
-              </p:ext>
-            </p:extLst>
-          </p:nvPr>
-        </p:nvSpPr>
-        <p:spPr>
-          <a:xfrm flipH="1">
-            <a:off x="5703060" y="4839857"/>
-            <a:ext cx="611177" cy="303643"/>
-          </a:xfrm>
-          <a:prstGeom prst="triangle">
-            <a:avLst/>
-          </a:prstGeom>
-          <a:solidFill>
-            <a:schemeClr val="accent1">
-              <a:alpha val="30000"/>
-            </a:schemeClr>
-          </a:solidFill>
-          <a:ln>
-            <a:noFill/>
-          </a:ln>
-        </p:spPr>
-        <p:style>
-          <a:lnRef idx="2">
-            <a:schemeClr val="accent1">
-              <a:shade val="50000"/>
-            </a:schemeClr>
-          </a:lnRef>
-          <a:fillRef idx="1">
-            <a:schemeClr val="accent1"/>
-          </a:fillRef>
-          <a:effectRef idx="0">
-            <a:schemeClr val="accent1"/>
-          </a:effectRef>
-          <a:fontRef idx="minor">
-            <a:schemeClr val="lt1"/>
-          </a:fontRef>
-        </p:style>
-        <p:txBody>
-          <a:bodyPr rtlCol="0" anchor="ctr"/>
-          <a:lstStyle/>
-          <a:p>
-            <a:pPr algn="ctr"/>
-            <a:endParaRPr lang="en-US"/>
-          </a:p>
-        </p:txBody>
-      </p:sp>
-    </p:spTree>
-    <p:extLst>
-      <p:ext uri="{BB962C8B-B14F-4D97-AF65-F5344CB8AC3E}">
-        <p14:creationId xmlns:p14="http://schemas.microsoft.com/office/powerpoint/2010/main" val="1279843651"/>
-      </p:ext>
-    </p:extLst>
-  </p:cSld>
-  <p:clrMapOvr>
-    <a:masterClrMapping/>
-  </p:clrMapOvr>
-  <p:transition spd="slow">
-    <p:push dir="u"/>
-  </p:transition>
-</p:sld>
-</file>
-
-<file path=ppt/slides/slide7.xml><?xml version="1.0" encoding="utf-8"?>
-<p:sld xmlns:a="http://schemas.openxmlformats.org/drawingml/2006/main" xmlns:r="http://schemas.openxmlformats.org/officeDocument/2006/relationships" xmlns:p="http://schemas.openxmlformats.org/presentationml/2006/main">
-  <p:cSld>
-    <p:spTree>
-      <p:nvGrpSpPr>
-        <p:cNvPr id="1" name=""/>
-        <p:cNvGrpSpPr/>
-        <p:nvPr/>
-      </p:nvGrpSpPr>
-      <p:grpSpPr>
-        <a:xfrm>
-          <a:off x="0" y="0"/>
-          <a:ext cx="0" cy="0"/>
-          <a:chOff x="0" y="0"/>
-          <a:chExt cx="0" cy="0"/>
-        </a:xfrm>
-      </p:grpSpPr>
-      <p:sp>
-        <p:nvSpPr>
-          <p:cNvPr id="2" name="Title 1"/>
-          <p:cNvSpPr>
-            <a:spLocks noGrp="1"/>
-          </p:cNvSpPr>
-          <p:nvPr>
-            <p:ph type="ctrTitle"/>
-          </p:nvPr>
-        </p:nvSpPr>
-        <p:spPr/>
-        <p:txBody>
-          <a:bodyPr/>
-          <a:lstStyle/>
-          <a:p>
-            <a:pPr algn="ctr"/>
-            <a:r>
-              <a:rPr lang="en-US" spc="300" dirty="0"/>
-              <a:t>CHỨC NĂNG</a:t>
-            </a:r>
-          </a:p>
-        </p:txBody>
-      </p:sp>
-    </p:spTree>
-    <p:extLst>
-      <p:ext uri="{BB962C8B-B14F-4D97-AF65-F5344CB8AC3E}">
-        <p14:creationId xmlns:p14="http://schemas.microsoft.com/office/powerpoint/2010/main" val="234392180"/>
-      </p:ext>
-    </p:extLst>
-  </p:cSld>
-  <p:clrMapOvr>
-    <a:masterClrMapping/>
-  </p:clrMapOvr>
-  <p:transition spd="slow">
-    <p:push dir="u"/>
-  </p:transition>
-</p:sld>
-</file>
-
-<file path=ppt/slides/slide8.xml><?xml version="1.0" encoding="utf-8"?>
-<p:sld xmlns:a="http://schemas.openxmlformats.org/drawingml/2006/main" xmlns:r="http://schemas.openxmlformats.org/officeDocument/2006/relationships" xmlns:p="http://schemas.openxmlformats.org/presentationml/2006/main">
-  <p:cSld>
     <p:bg>
       <p:bgPr>
         <a:solidFill>
@@ -7591,7 +4762,7 @@
 </p:sld>
 </file>
 
-<file path=ppt/slides/slide9.xml><?xml version="1.0" encoding="utf-8"?>
+<file path=ppt/slides/slide11.xml><?xml version="1.0" encoding="utf-8"?>
 <p:sld xmlns:a="http://schemas.openxmlformats.org/drawingml/2006/main" xmlns:r="http://schemas.openxmlformats.org/officeDocument/2006/relationships" xmlns:p="http://schemas.openxmlformats.org/presentationml/2006/main">
   <p:cSld>
     <p:spTree>
@@ -7647,7 +4818,7 @@
           <p:nvPr>
             <p:extLst>
               <p:ext uri="{D42A27DB-BD31-4B8C-83A1-F6EECF244321}">
-                <p14:modId xmlns:p14="http://schemas.microsoft.com/office/powerpoint/2010/main" val="2873284904"/>
+                <p14:modId xmlns:p14="http://schemas.microsoft.com/office/powerpoint/2010/main" val="2291535862"/>
               </p:ext>
             </p:extLst>
           </p:nvPr>
@@ -8141,6 +5312,3421 @@
     <p:extLst>
       <p:ext uri="{BB962C8B-B14F-4D97-AF65-F5344CB8AC3E}">
         <p14:creationId xmlns:p14="http://schemas.microsoft.com/office/powerpoint/2010/main" val="2984443351"/>
+      </p:ext>
+    </p:extLst>
+  </p:cSld>
+  <p:clrMapOvr>
+    <a:masterClrMapping/>
+  </p:clrMapOvr>
+  <p:transition spd="slow">
+    <p:push dir="u"/>
+  </p:transition>
+</p:sld>
+</file>
+
+<file path=ppt/slides/slide12.xml><?xml version="1.0" encoding="utf-8"?>
+<p:sld xmlns:a="http://schemas.openxmlformats.org/drawingml/2006/main" xmlns:r="http://schemas.openxmlformats.org/officeDocument/2006/relationships" xmlns:p="http://schemas.openxmlformats.org/presentationml/2006/main">
+  <p:cSld>
+    <p:spTree>
+      <p:nvGrpSpPr>
+        <p:cNvPr id="1" name=""/>
+        <p:cNvGrpSpPr/>
+        <p:nvPr/>
+      </p:nvGrpSpPr>
+      <p:grpSpPr>
+        <a:xfrm>
+          <a:off x="0" y="0"/>
+          <a:ext cx="0" cy="0"/>
+          <a:chOff x="0" y="0"/>
+          <a:chExt cx="0" cy="0"/>
+        </a:xfrm>
+      </p:grpSpPr>
+      <p:sp>
+        <p:nvSpPr>
+          <p:cNvPr id="2" name="Title 1"/>
+          <p:cNvSpPr>
+            <a:spLocks noGrp="1"/>
+          </p:cNvSpPr>
+          <p:nvPr>
+            <p:ph type="ctrTitle"/>
+          </p:nvPr>
+        </p:nvSpPr>
+        <p:spPr>
+          <a:xfrm>
+            <a:off x="611560" y="1707654"/>
+            <a:ext cx="7772400" cy="1125457"/>
+          </a:xfrm>
+        </p:spPr>
+        <p:txBody>
+          <a:bodyPr/>
+          <a:lstStyle/>
+          <a:p>
+            <a:pPr algn="ctr"/>
+            <a:r>
+              <a:rPr lang="vi-VN" spc="300" dirty="0"/>
+              <a:t> </a:t>
+            </a:r>
+            <a:r>
+              <a:rPr lang="en-US" spc="300" dirty="0"/>
+              <a:t>KHÓ KHĂN</a:t>
+            </a:r>
+          </a:p>
+        </p:txBody>
+      </p:sp>
+    </p:spTree>
+    <p:extLst>
+      <p:ext uri="{BB962C8B-B14F-4D97-AF65-F5344CB8AC3E}">
+        <p14:creationId xmlns:p14="http://schemas.microsoft.com/office/powerpoint/2010/main" val="303958223"/>
+      </p:ext>
+    </p:extLst>
+  </p:cSld>
+  <p:clrMapOvr>
+    <a:masterClrMapping/>
+  </p:clrMapOvr>
+  <p:transition spd="slow">
+    <p:push dir="u"/>
+  </p:transition>
+</p:sld>
+</file>
+
+<file path=ppt/slides/slide2.xml><?xml version="1.0" encoding="utf-8"?>
+<p:sld xmlns:a="http://schemas.openxmlformats.org/drawingml/2006/main" xmlns:r="http://schemas.openxmlformats.org/officeDocument/2006/relationships" xmlns:p="http://schemas.openxmlformats.org/presentationml/2006/main" showMasterPhAnim="0">
+  <p:cSld>
+    <p:spTree>
+      <p:nvGrpSpPr>
+        <p:cNvPr id="1" name=""/>
+        <p:cNvGrpSpPr/>
+        <p:nvPr/>
+      </p:nvGrpSpPr>
+      <p:grpSpPr bwMode="auto">
+        <a:xfrm>
+          <a:off x="0" y="0"/>
+          <a:ext cx="0" cy="0"/>
+          <a:chOff x="0" y="0"/>
+          <a:chExt cx="0" cy="0"/>
+        </a:xfrm>
+      </p:grpSpPr>
+      <p:sp>
+        <p:nvSpPr>
+          <p:cNvPr id="2" name="Rectangle 1"/>
+          <p:cNvSpPr/>
+          <p:nvPr/>
+        </p:nvSpPr>
+        <p:spPr>
+          <a:xfrm rot="21330217">
+            <a:off x="-97646" y="544998"/>
+            <a:ext cx="1872208" cy="288032"/>
+          </a:xfrm>
+          <a:prstGeom prst="rect">
+            <a:avLst/>
+          </a:prstGeom>
+          <a:solidFill>
+            <a:schemeClr val="accent4">
+              <a:lumMod val="40000"/>
+              <a:lumOff val="60000"/>
+            </a:schemeClr>
+          </a:solidFill>
+          <a:ln>
+            <a:noFill/>
+          </a:ln>
+        </p:spPr>
+        <p:style>
+          <a:lnRef idx="2">
+            <a:schemeClr val="accent1">
+              <a:shade val="50000"/>
+            </a:schemeClr>
+          </a:lnRef>
+          <a:fillRef idx="1">
+            <a:schemeClr val="accent1"/>
+          </a:fillRef>
+          <a:effectRef idx="0">
+            <a:schemeClr val="accent1"/>
+          </a:effectRef>
+          <a:fontRef idx="minor">
+            <a:schemeClr val="lt1"/>
+          </a:fontRef>
+        </p:style>
+        <p:txBody>
+          <a:bodyPr rtlCol="0" anchor="ctr"/>
+          <a:lstStyle/>
+          <a:p>
+            <a:pPr algn="ctr"/>
+            <a:endParaRPr lang="en-US"/>
+          </a:p>
+        </p:txBody>
+      </p:sp>
+      <p:sp>
+        <p:nvSpPr>
+          <p:cNvPr id="4" name="Title 1"/>
+          <p:cNvSpPr>
+            <a:spLocks noGrp="1"/>
+          </p:cNvSpPr>
+          <p:nvPr>
+            <p:ph type="ctrTitle"/>
+          </p:nvPr>
+        </p:nvSpPr>
+        <p:spPr bwMode="auto">
+          <a:xfrm>
+            <a:off x="395536" y="23569"/>
+            <a:ext cx="7772400" cy="882406"/>
+          </a:xfrm>
+        </p:spPr>
+        <p:txBody>
+          <a:bodyPr>
+            <a:noAutofit/>
+          </a:bodyPr>
+          <a:lstStyle/>
+          <a:p>
+            <a:pPr>
+              <a:defRPr/>
+            </a:pPr>
+            <a:r>
+              <a:rPr lang="vi-VN" sz="2800" spc="300" dirty="0"/>
+              <a:t>MVC LÀ GÌ?</a:t>
+            </a:r>
+            <a:endParaRPr lang="en-US" sz="2800" spc="300" dirty="0"/>
+          </a:p>
+        </p:txBody>
+      </p:sp>
+      <p:sp>
+        <p:nvSpPr>
+          <p:cNvPr id="5" name="Subtitle 2"/>
+          <p:cNvSpPr>
+            <a:spLocks noGrp="1"/>
+          </p:cNvSpPr>
+          <p:nvPr>
+            <p:ph type="subTitle" idx="1"/>
+          </p:nvPr>
+        </p:nvSpPr>
+        <p:spPr bwMode="auto">
+          <a:xfrm>
+            <a:off x="611560" y="1419622"/>
+            <a:ext cx="3733542" cy="2376264"/>
+          </a:xfrm>
+        </p:spPr>
+        <p:txBody>
+          <a:bodyPr>
+            <a:noAutofit/>
+          </a:bodyPr>
+          <a:lstStyle/>
+          <a:p>
+            <a:pPr algn="just">
+              <a:defRPr/>
+            </a:pPr>
+            <a:r>
+              <a:rPr lang="en-US" b="1" dirty="0">
+                <a:latin typeface="Myriad Pro" pitchFamily="34" charset="0"/>
+                <a:ea typeface="Arial"/>
+              </a:rPr>
+              <a:t>“</a:t>
+            </a:r>
+            <a:r>
+              <a:rPr lang="en-US" b="1" dirty="0" err="1">
+                <a:latin typeface="Myriad Pro" pitchFamily="34" charset="0"/>
+                <a:ea typeface="Arial"/>
+              </a:rPr>
+              <a:t>Model_View_Controller”</a:t>
+            </a:r>
+            <a:r>
+              <a:rPr dirty="0" err="1">
+                <a:latin typeface="Myriad Pro" pitchFamily="34" charset="0"/>
+                <a:ea typeface="Arial"/>
+              </a:rPr>
+              <a:t>hay</a:t>
+            </a:r>
+            <a:r>
+              <a:rPr lang="en-US" b="1" i="0" u="none" dirty="0">
+                <a:solidFill>
+                  <a:schemeClr val="bg1">
+                    <a:lumMod val="50000"/>
+                  </a:schemeClr>
+                </a:solidFill>
+                <a:latin typeface="Myriad Pro" pitchFamily="34" charset="0"/>
+                <a:ea typeface="Myriad Pro"/>
+                <a:cs typeface="Myriad Pro"/>
+              </a:rPr>
+              <a:t> </a:t>
+            </a:r>
+            <a:r>
+              <a:rPr b="0" i="0" u="none" dirty="0" err="1">
+                <a:solidFill>
+                  <a:schemeClr val="bg1">
+                    <a:lumMod val="50000"/>
+                  </a:schemeClr>
+                </a:solidFill>
+                <a:latin typeface="Myriad Pro" pitchFamily="34" charset="0"/>
+                <a:ea typeface="Myriad Pro"/>
+                <a:cs typeface="Myriad Pro"/>
+              </a:rPr>
+              <a:t>gọi</a:t>
+            </a:r>
+            <a:r>
+              <a:rPr b="0" i="0" u="none" dirty="0">
+                <a:solidFill>
+                  <a:schemeClr val="bg1">
+                    <a:lumMod val="50000"/>
+                  </a:schemeClr>
+                </a:solidFill>
+                <a:latin typeface="Myriad Pro" pitchFamily="34" charset="0"/>
+                <a:ea typeface="Myriad Pro"/>
+                <a:cs typeface="Myriad Pro"/>
+              </a:rPr>
+              <a:t> </a:t>
+            </a:r>
+            <a:r>
+              <a:rPr b="0" i="0" u="none" dirty="0" err="1">
+                <a:solidFill>
+                  <a:schemeClr val="bg1">
+                    <a:lumMod val="50000"/>
+                  </a:schemeClr>
+                </a:solidFill>
+                <a:latin typeface="Myriad Pro" pitchFamily="34" charset="0"/>
+                <a:ea typeface="Myriad Pro"/>
+                <a:cs typeface="Myriad Pro"/>
+              </a:rPr>
+              <a:t>tắt</a:t>
+            </a:r>
+            <a:r>
+              <a:rPr b="0" i="0" u="none" dirty="0">
+                <a:solidFill>
+                  <a:schemeClr val="bg1">
+                    <a:lumMod val="50000"/>
+                  </a:schemeClr>
+                </a:solidFill>
+                <a:latin typeface="Myriad Pro" pitchFamily="34" charset="0"/>
+                <a:ea typeface="Myriad Pro"/>
+                <a:cs typeface="Myriad Pro"/>
+              </a:rPr>
+              <a:t> </a:t>
+            </a:r>
+            <a:r>
+              <a:rPr b="0" i="0" u="none" dirty="0" err="1">
+                <a:solidFill>
+                  <a:schemeClr val="bg1">
+                    <a:lumMod val="50000"/>
+                  </a:schemeClr>
+                </a:solidFill>
+                <a:latin typeface="Myriad Pro" pitchFamily="34" charset="0"/>
+                <a:ea typeface="Myriad Pro"/>
+                <a:cs typeface="Myriad Pro"/>
+              </a:rPr>
+              <a:t>là</a:t>
+            </a:r>
+            <a:r>
+              <a:rPr b="0" i="0" u="none" dirty="0">
+                <a:solidFill>
+                  <a:schemeClr val="bg1">
+                    <a:lumMod val="50000"/>
+                  </a:schemeClr>
+                </a:solidFill>
+                <a:latin typeface="Myriad Pro" pitchFamily="34" charset="0"/>
+                <a:ea typeface="Myriad Pro"/>
+                <a:cs typeface="Myriad Pro"/>
+              </a:rPr>
+              <a:t> </a:t>
+            </a:r>
+            <a:r>
+              <a:rPr lang="vi-VN" b="1" i="1" dirty="0">
+                <a:solidFill>
+                  <a:schemeClr val="bg1">
+                    <a:lumMod val="50000"/>
+                  </a:schemeClr>
+                </a:solidFill>
+                <a:latin typeface="Myriad Pro" pitchFamily="34" charset="0"/>
+                <a:ea typeface="Myriad Pro"/>
+                <a:cs typeface="Myriad Pro"/>
+              </a:rPr>
+              <a:t>MVC</a:t>
+            </a:r>
+            <a:r>
+              <a:rPr b="0" i="0" u="none" dirty="0">
+                <a:solidFill>
+                  <a:schemeClr val="bg1">
+                    <a:lumMod val="50000"/>
+                  </a:schemeClr>
+                </a:solidFill>
+                <a:latin typeface="Myriad Pro" pitchFamily="34" charset="0"/>
+                <a:ea typeface="Myriad Pro"/>
+                <a:cs typeface="Myriad Pro"/>
+              </a:rPr>
+              <a:t> </a:t>
+            </a:r>
+            <a:r>
+              <a:rPr b="0" i="0" u="none" dirty="0" err="1">
+                <a:solidFill>
+                  <a:schemeClr val="bg1">
+                    <a:lumMod val="50000"/>
+                  </a:schemeClr>
+                </a:solidFill>
+                <a:latin typeface="Myriad Pro" pitchFamily="34" charset="0"/>
+                <a:ea typeface="Myriad Pro"/>
+                <a:cs typeface="Myriad Pro"/>
+              </a:rPr>
+              <a:t>là</a:t>
+            </a:r>
+            <a:r>
+              <a:rPr b="0" i="0" u="none" dirty="0">
+                <a:solidFill>
+                  <a:schemeClr val="bg1">
+                    <a:lumMod val="50000"/>
+                  </a:schemeClr>
+                </a:solidFill>
+                <a:latin typeface="Myriad Pro" pitchFamily="34" charset="0"/>
+                <a:ea typeface="Myriad Pro"/>
+                <a:cs typeface="Myriad Pro"/>
+              </a:rPr>
+              <a:t> </a:t>
+            </a:r>
+            <a:r>
+              <a:rPr lang="vi-VN" b="0" i="0" u="none" dirty="0">
+                <a:solidFill>
+                  <a:schemeClr val="bg1">
+                    <a:lumMod val="50000"/>
+                  </a:schemeClr>
+                </a:solidFill>
+                <a:latin typeface="Myriad Pro" pitchFamily="34" charset="0"/>
+                <a:ea typeface="Myriad Pro"/>
+                <a:cs typeface="Myriad Pro"/>
+              </a:rPr>
+              <a:t>mô </a:t>
+            </a:r>
+            <a:r>
+              <a:rPr lang="vi-VN" b="0" i="0" u="none" dirty="0" err="1">
+                <a:solidFill>
+                  <a:schemeClr val="bg1">
+                    <a:lumMod val="50000"/>
+                  </a:schemeClr>
+                </a:solidFill>
+                <a:latin typeface="Myriad Pro" pitchFamily="34" charset="0"/>
+                <a:ea typeface="Myriad Pro"/>
+                <a:cs typeface="Myriad Pro"/>
+              </a:rPr>
+              <a:t>hình</a:t>
+            </a:r>
+            <a:r>
+              <a:rPr lang="vi-VN" b="0" i="0" u="none" dirty="0">
+                <a:solidFill>
+                  <a:schemeClr val="bg1">
+                    <a:lumMod val="50000"/>
+                  </a:schemeClr>
+                </a:solidFill>
+                <a:latin typeface="Myriad Pro" pitchFamily="34" charset="0"/>
+                <a:ea typeface="Myriad Pro"/>
+                <a:cs typeface="Myriad Pro"/>
+              </a:rPr>
+              <a:t> </a:t>
+            </a:r>
+            <a:r>
+              <a:rPr lang="vi-VN" b="0" i="0" u="none" dirty="0" err="1">
+                <a:solidFill>
+                  <a:schemeClr val="bg1">
+                    <a:lumMod val="50000"/>
+                  </a:schemeClr>
+                </a:solidFill>
+                <a:latin typeface="Myriad Pro" pitchFamily="34" charset="0"/>
+                <a:ea typeface="Myriad Pro"/>
+                <a:cs typeface="Myriad Pro"/>
+              </a:rPr>
+              <a:t>thiết</a:t>
+            </a:r>
+            <a:r>
+              <a:rPr lang="vi-VN" b="0" i="0" u="none" dirty="0">
+                <a:solidFill>
+                  <a:schemeClr val="bg1">
+                    <a:lumMod val="50000"/>
+                  </a:schemeClr>
+                </a:solidFill>
+                <a:latin typeface="Myriad Pro" pitchFamily="34" charset="0"/>
+                <a:ea typeface="Myriad Pro"/>
+                <a:cs typeface="Myriad Pro"/>
+              </a:rPr>
+              <a:t> </a:t>
+            </a:r>
+            <a:r>
+              <a:rPr lang="vi-VN" b="0" i="0" u="none" dirty="0" err="1">
+                <a:solidFill>
+                  <a:schemeClr val="bg1">
+                    <a:lumMod val="50000"/>
+                  </a:schemeClr>
+                </a:solidFill>
+                <a:latin typeface="Myriad Pro" pitchFamily="34" charset="0"/>
+                <a:ea typeface="Myriad Pro"/>
+                <a:cs typeface="Myriad Pro"/>
+              </a:rPr>
+              <a:t>kế</a:t>
+            </a:r>
+            <a:r>
+              <a:rPr lang="vi-VN" b="0" i="0" u="none" dirty="0">
+                <a:solidFill>
+                  <a:schemeClr val="bg1">
+                    <a:lumMod val="50000"/>
+                  </a:schemeClr>
+                </a:solidFill>
+                <a:latin typeface="Myriad Pro" pitchFamily="34" charset="0"/>
+                <a:ea typeface="Myriad Pro"/>
+                <a:cs typeface="Myriad Pro"/>
+              </a:rPr>
+              <a:t> </a:t>
+            </a:r>
+            <a:r>
+              <a:rPr lang="vi-VN" b="1" i="0" u="none" dirty="0" err="1">
+                <a:solidFill>
+                  <a:schemeClr val="bg1">
+                    <a:lumMod val="50000"/>
+                  </a:schemeClr>
+                </a:solidFill>
+                <a:latin typeface="Myriad Pro" pitchFamily="34" charset="0"/>
+                <a:ea typeface="Myriad Pro"/>
+                <a:cs typeface="Myriad Pro"/>
+              </a:rPr>
+              <a:t>sử</a:t>
+            </a:r>
+            <a:r>
+              <a:rPr lang="vi-VN" b="1" i="0" u="none" dirty="0">
+                <a:solidFill>
+                  <a:schemeClr val="bg1">
+                    <a:lumMod val="50000"/>
+                  </a:schemeClr>
+                </a:solidFill>
+                <a:latin typeface="Myriad Pro" pitchFamily="34" charset="0"/>
+                <a:ea typeface="Myriad Pro"/>
+                <a:cs typeface="Myriad Pro"/>
+              </a:rPr>
+              <a:t> </a:t>
+            </a:r>
+            <a:r>
+              <a:rPr lang="vi-VN" b="1" i="0" u="none" dirty="0" err="1">
+                <a:solidFill>
+                  <a:schemeClr val="bg1">
+                    <a:lumMod val="50000"/>
+                  </a:schemeClr>
+                </a:solidFill>
+                <a:latin typeface="Myriad Pro" pitchFamily="34" charset="0"/>
+                <a:ea typeface="Myriad Pro"/>
+                <a:cs typeface="Myriad Pro"/>
+              </a:rPr>
+              <a:t>dụng</a:t>
+            </a:r>
+            <a:r>
+              <a:rPr lang="vi-VN" b="1" i="0" u="none" dirty="0">
+                <a:solidFill>
+                  <a:schemeClr val="bg1">
+                    <a:lumMod val="50000"/>
+                  </a:schemeClr>
+                </a:solidFill>
+                <a:latin typeface="Myriad Pro" pitchFamily="34" charset="0"/>
+                <a:ea typeface="Myriad Pro"/>
+                <a:cs typeface="Myriad Pro"/>
+              </a:rPr>
+              <a:t> trong </a:t>
+            </a:r>
+            <a:r>
+              <a:rPr lang="vi-VN" b="1" i="0" u="none" dirty="0" err="1">
+                <a:solidFill>
+                  <a:schemeClr val="bg1">
+                    <a:lumMod val="50000"/>
+                  </a:schemeClr>
+                </a:solidFill>
+                <a:latin typeface="Myriad Pro" pitchFamily="34" charset="0"/>
+                <a:ea typeface="Myriad Pro"/>
+                <a:cs typeface="Myriad Pro"/>
+              </a:rPr>
+              <a:t>kỹ</a:t>
+            </a:r>
+            <a:r>
+              <a:rPr lang="vi-VN" b="1" i="0" u="none" dirty="0">
+                <a:solidFill>
+                  <a:schemeClr val="bg1">
+                    <a:lumMod val="50000"/>
+                  </a:schemeClr>
+                </a:solidFill>
+                <a:latin typeface="Myriad Pro" pitchFamily="34" charset="0"/>
+                <a:ea typeface="Myriad Pro"/>
+                <a:cs typeface="Myriad Pro"/>
+              </a:rPr>
+              <a:t> </a:t>
+            </a:r>
+            <a:r>
+              <a:rPr lang="vi-VN" b="1" i="0" u="none" dirty="0" err="1">
+                <a:solidFill>
+                  <a:schemeClr val="bg1">
+                    <a:lumMod val="50000"/>
+                  </a:schemeClr>
+                </a:solidFill>
+                <a:latin typeface="Myriad Pro" pitchFamily="34" charset="0"/>
+                <a:ea typeface="Myriad Pro"/>
+                <a:cs typeface="Myriad Pro"/>
+              </a:rPr>
+              <a:t>thuật</a:t>
+            </a:r>
+            <a:r>
+              <a:rPr lang="vi-VN" b="1" i="0" u="none" dirty="0">
+                <a:solidFill>
+                  <a:schemeClr val="bg1">
+                    <a:lumMod val="50000"/>
+                  </a:schemeClr>
+                </a:solidFill>
+                <a:latin typeface="Myriad Pro" pitchFamily="34" charset="0"/>
+                <a:ea typeface="Myriad Pro"/>
+                <a:cs typeface="Myriad Pro"/>
+              </a:rPr>
+              <a:t> </a:t>
+            </a:r>
+            <a:r>
+              <a:rPr lang="vi-VN" b="1" i="0" u="none" dirty="0" err="1">
+                <a:solidFill>
+                  <a:schemeClr val="bg1">
+                    <a:lumMod val="50000"/>
+                  </a:schemeClr>
+                </a:solidFill>
+                <a:latin typeface="Myriad Pro" pitchFamily="34" charset="0"/>
+                <a:ea typeface="Myriad Pro"/>
+                <a:cs typeface="Myriad Pro"/>
+              </a:rPr>
+              <a:t>phần</a:t>
+            </a:r>
+            <a:r>
+              <a:rPr lang="vi-VN" b="1" i="0" u="none" dirty="0">
+                <a:solidFill>
+                  <a:schemeClr val="bg1">
+                    <a:lumMod val="50000"/>
+                  </a:schemeClr>
+                </a:solidFill>
+                <a:latin typeface="Myriad Pro" pitchFamily="34" charset="0"/>
+                <a:ea typeface="Myriad Pro"/>
+                <a:cs typeface="Myriad Pro"/>
+              </a:rPr>
+              <a:t> </a:t>
+            </a:r>
+            <a:r>
+              <a:rPr lang="vi-VN" b="1" i="0" u="none" dirty="0" err="1">
+                <a:solidFill>
+                  <a:schemeClr val="bg1">
+                    <a:lumMod val="50000"/>
+                  </a:schemeClr>
+                </a:solidFill>
+                <a:latin typeface="Myriad Pro" pitchFamily="34" charset="0"/>
+                <a:ea typeface="Myriad Pro"/>
+                <a:cs typeface="Myriad Pro"/>
+              </a:rPr>
+              <a:t>mềm</a:t>
+            </a:r>
+            <a:r>
+              <a:rPr lang="vi-VN" b="1" i="0" u="none" dirty="0">
+                <a:solidFill>
+                  <a:schemeClr val="bg1">
+                    <a:lumMod val="50000"/>
+                  </a:schemeClr>
+                </a:solidFill>
+                <a:latin typeface="Myriad Pro" pitchFamily="34" charset="0"/>
+                <a:ea typeface="Myriad Pro"/>
+                <a:cs typeface="Myriad Pro"/>
+              </a:rPr>
+              <a:t>.  </a:t>
+            </a:r>
+            <a:r>
+              <a:rPr lang="vi-VN" dirty="0">
+                <a:solidFill>
+                  <a:schemeClr val="bg1">
+                    <a:lumMod val="50000"/>
+                  </a:schemeClr>
+                </a:solidFill>
+                <a:latin typeface="Myriad Pro" pitchFamily="34" charset="0"/>
+                <a:ea typeface="Myriad Pro"/>
+                <a:cs typeface="Myriad Pro"/>
+              </a:rPr>
+              <a:t>Mô </a:t>
+            </a:r>
+            <a:r>
+              <a:rPr lang="vi-VN" dirty="0" err="1">
+                <a:solidFill>
+                  <a:schemeClr val="bg1">
+                    <a:lumMod val="50000"/>
+                  </a:schemeClr>
+                </a:solidFill>
+                <a:latin typeface="Myriad Pro" pitchFamily="34" charset="0"/>
+                <a:ea typeface="Myriad Pro"/>
+                <a:cs typeface="Myriad Pro"/>
+              </a:rPr>
+              <a:t>hình</a:t>
+            </a:r>
+            <a:r>
+              <a:rPr lang="vi-VN" dirty="0">
+                <a:solidFill>
+                  <a:schemeClr val="bg1">
+                    <a:lumMod val="50000"/>
+                  </a:schemeClr>
+                </a:solidFill>
+                <a:latin typeface="Myriad Pro" pitchFamily="34" charset="0"/>
+                <a:ea typeface="Myriad Pro"/>
+                <a:cs typeface="Myriad Pro"/>
+              </a:rPr>
+              <a:t> </a:t>
+            </a:r>
+            <a:r>
+              <a:rPr lang="vi-VN" dirty="0" err="1">
+                <a:solidFill>
+                  <a:schemeClr val="bg1">
+                    <a:lumMod val="50000"/>
+                  </a:schemeClr>
+                </a:solidFill>
+                <a:latin typeface="Myriad Pro" pitchFamily="34" charset="0"/>
+                <a:ea typeface="Myriad Pro"/>
+                <a:cs typeface="Myriad Pro"/>
+              </a:rPr>
+              <a:t>source</a:t>
+            </a:r>
+            <a:r>
+              <a:rPr lang="vi-VN" dirty="0">
+                <a:solidFill>
+                  <a:schemeClr val="bg1">
+                    <a:lumMod val="50000"/>
+                  </a:schemeClr>
+                </a:solidFill>
+                <a:latin typeface="Myriad Pro" pitchFamily="34" charset="0"/>
+                <a:ea typeface="Myriad Pro"/>
+                <a:cs typeface="Myriad Pro"/>
+              </a:rPr>
+              <a:t> </a:t>
+            </a:r>
+            <a:r>
+              <a:rPr lang="vi-VN" dirty="0" err="1">
+                <a:solidFill>
+                  <a:schemeClr val="bg1">
+                    <a:lumMod val="50000"/>
+                  </a:schemeClr>
+                </a:solidFill>
+                <a:latin typeface="Myriad Pro" pitchFamily="34" charset="0"/>
+                <a:ea typeface="Myriad Pro"/>
+                <a:cs typeface="Myriad Pro"/>
+              </a:rPr>
+              <a:t>code</a:t>
+            </a:r>
+            <a:r>
+              <a:rPr lang="vi-VN" dirty="0">
+                <a:solidFill>
+                  <a:schemeClr val="bg1">
+                    <a:lumMod val="50000"/>
+                  </a:schemeClr>
+                </a:solidFill>
+                <a:latin typeface="Myriad Pro" pitchFamily="34" charset="0"/>
+                <a:ea typeface="Myriad Pro"/>
+                <a:cs typeface="Myriad Pro"/>
+              </a:rPr>
+              <a:t> </a:t>
+            </a:r>
+            <a:r>
+              <a:rPr lang="vi-VN" dirty="0" err="1">
+                <a:solidFill>
+                  <a:schemeClr val="bg1">
+                    <a:lumMod val="50000"/>
+                  </a:schemeClr>
+                </a:solidFill>
+                <a:latin typeface="Myriad Pro" pitchFamily="34" charset="0"/>
+                <a:ea typeface="Myriad Pro"/>
+                <a:cs typeface="Myriad Pro"/>
+              </a:rPr>
+              <a:t>thành</a:t>
+            </a:r>
+            <a:r>
+              <a:rPr lang="vi-VN" dirty="0">
+                <a:solidFill>
+                  <a:schemeClr val="bg1">
+                    <a:lumMod val="50000"/>
+                  </a:schemeClr>
+                </a:solidFill>
+                <a:latin typeface="Myriad Pro" pitchFamily="34" charset="0"/>
+                <a:ea typeface="Myriad Pro"/>
+                <a:cs typeface="Myriad Pro"/>
+              </a:rPr>
+              <a:t> 3 </a:t>
+            </a:r>
+            <a:r>
+              <a:rPr lang="vi-VN" dirty="0" err="1">
+                <a:solidFill>
+                  <a:schemeClr val="bg1">
+                    <a:lumMod val="50000"/>
+                  </a:schemeClr>
+                </a:solidFill>
+                <a:latin typeface="Myriad Pro" pitchFamily="34" charset="0"/>
+                <a:ea typeface="Myriad Pro"/>
+                <a:cs typeface="Myriad Pro"/>
+              </a:rPr>
+              <a:t>phần</a:t>
+            </a:r>
+            <a:r>
+              <a:rPr lang="vi-VN" dirty="0">
+                <a:solidFill>
+                  <a:schemeClr val="bg1">
+                    <a:lumMod val="50000"/>
+                  </a:schemeClr>
+                </a:solidFill>
+                <a:latin typeface="Myriad Pro" pitchFamily="34" charset="0"/>
+                <a:ea typeface="Myriad Pro"/>
+                <a:cs typeface="Myriad Pro"/>
+              </a:rPr>
+              <a:t>, tương </a:t>
+            </a:r>
+            <a:r>
+              <a:rPr lang="vi-VN" dirty="0" err="1">
+                <a:solidFill>
+                  <a:schemeClr val="bg1">
+                    <a:lumMod val="50000"/>
+                  </a:schemeClr>
+                </a:solidFill>
+                <a:latin typeface="Myriad Pro" pitchFamily="34" charset="0"/>
+                <a:ea typeface="Myriad Pro"/>
+                <a:cs typeface="Myriad Pro"/>
+              </a:rPr>
+              <a:t>ứng</a:t>
+            </a:r>
+            <a:r>
+              <a:rPr lang="vi-VN" dirty="0">
+                <a:solidFill>
+                  <a:schemeClr val="bg1">
+                    <a:lumMod val="50000"/>
+                  </a:schemeClr>
+                </a:solidFill>
+                <a:latin typeface="Myriad Pro" pitchFamily="34" charset="0"/>
+                <a:ea typeface="Myriad Pro"/>
+                <a:cs typeface="Myriad Pro"/>
+              </a:rPr>
+              <a:t> </a:t>
+            </a:r>
+            <a:r>
+              <a:rPr lang="vi-VN" dirty="0" err="1">
+                <a:solidFill>
+                  <a:schemeClr val="bg1">
+                    <a:lumMod val="50000"/>
+                  </a:schemeClr>
+                </a:solidFill>
+                <a:latin typeface="Myriad Pro" pitchFamily="34" charset="0"/>
+                <a:ea typeface="Myriad Pro"/>
+                <a:cs typeface="Myriad Pro"/>
+              </a:rPr>
+              <a:t>mỗi</a:t>
+            </a:r>
+            <a:r>
+              <a:rPr lang="vi-VN" dirty="0">
+                <a:solidFill>
+                  <a:schemeClr val="bg1">
+                    <a:lumMod val="50000"/>
+                  </a:schemeClr>
+                </a:solidFill>
+                <a:latin typeface="Myriad Pro" pitchFamily="34" charset="0"/>
+                <a:ea typeface="Myriad Pro"/>
+                <a:cs typeface="Myriad Pro"/>
+              </a:rPr>
+              <a:t> </a:t>
+            </a:r>
+            <a:r>
+              <a:rPr lang="vi-VN" dirty="0" err="1">
+                <a:solidFill>
+                  <a:schemeClr val="bg1">
+                    <a:lumMod val="50000"/>
+                  </a:schemeClr>
+                </a:solidFill>
+                <a:latin typeface="Myriad Pro" pitchFamily="34" charset="0"/>
+                <a:ea typeface="Myriad Pro"/>
+                <a:cs typeface="Myriad Pro"/>
+              </a:rPr>
+              <a:t>từ</a:t>
+            </a:r>
+            <a:r>
+              <a:rPr lang="vi-VN" dirty="0">
+                <a:solidFill>
+                  <a:schemeClr val="bg1">
+                    <a:lumMod val="50000"/>
+                  </a:schemeClr>
+                </a:solidFill>
+                <a:latin typeface="Myriad Pro" pitchFamily="34" charset="0"/>
+                <a:ea typeface="Myriad Pro"/>
+                <a:cs typeface="Myriad Pro"/>
+              </a:rPr>
+              <a:t>. </a:t>
+            </a:r>
+            <a:r>
+              <a:rPr lang="vi-VN" dirty="0" err="1">
+                <a:solidFill>
+                  <a:schemeClr val="bg1">
+                    <a:lumMod val="50000"/>
+                  </a:schemeClr>
+                </a:solidFill>
+                <a:latin typeface="Myriad Pro" pitchFamily="34" charset="0"/>
+                <a:ea typeface="Myriad Pro"/>
+                <a:cs typeface="Myriad Pro"/>
+              </a:rPr>
+              <a:t>Mỗi</a:t>
+            </a:r>
+            <a:r>
+              <a:rPr lang="vi-VN" dirty="0">
+                <a:solidFill>
+                  <a:schemeClr val="bg1">
+                    <a:lumMod val="50000"/>
+                  </a:schemeClr>
+                </a:solidFill>
+                <a:latin typeface="Myriad Pro" pitchFamily="34" charset="0"/>
+                <a:ea typeface="Myriad Pro"/>
+                <a:cs typeface="Myriad Pro"/>
+              </a:rPr>
+              <a:t> </a:t>
+            </a:r>
+            <a:r>
+              <a:rPr lang="vi-VN" dirty="0" err="1">
+                <a:solidFill>
+                  <a:schemeClr val="bg1">
+                    <a:lumMod val="50000"/>
+                  </a:schemeClr>
+                </a:solidFill>
+                <a:latin typeface="Myriad Pro" pitchFamily="34" charset="0"/>
+                <a:ea typeface="Myriad Pro"/>
+                <a:cs typeface="Myriad Pro"/>
+              </a:rPr>
+              <a:t>từ</a:t>
+            </a:r>
+            <a:r>
+              <a:rPr lang="vi-VN" dirty="0">
+                <a:solidFill>
+                  <a:schemeClr val="bg1">
+                    <a:lumMod val="50000"/>
+                  </a:schemeClr>
+                </a:solidFill>
+                <a:latin typeface="Myriad Pro" pitchFamily="34" charset="0"/>
+                <a:ea typeface="Myriad Pro"/>
+                <a:cs typeface="Myriad Pro"/>
+              </a:rPr>
+              <a:t> tương </a:t>
+            </a:r>
+            <a:r>
+              <a:rPr lang="vi-VN" dirty="0" err="1">
+                <a:solidFill>
+                  <a:schemeClr val="bg1">
+                    <a:lumMod val="50000"/>
+                  </a:schemeClr>
+                </a:solidFill>
+                <a:latin typeface="Myriad Pro" pitchFamily="34" charset="0"/>
+                <a:ea typeface="Myriad Pro"/>
+                <a:cs typeface="Myriad Pro"/>
+              </a:rPr>
+              <a:t>ứng</a:t>
+            </a:r>
+            <a:r>
+              <a:rPr lang="vi-VN" dirty="0">
+                <a:solidFill>
+                  <a:schemeClr val="bg1">
+                    <a:lumMod val="50000"/>
+                  </a:schemeClr>
+                </a:solidFill>
+                <a:latin typeface="Myriad Pro" pitchFamily="34" charset="0"/>
+                <a:ea typeface="Myriad Pro"/>
+                <a:cs typeface="Myriad Pro"/>
+              </a:rPr>
+              <a:t> </a:t>
+            </a:r>
+            <a:r>
+              <a:rPr lang="vi-VN" dirty="0" err="1">
+                <a:solidFill>
+                  <a:schemeClr val="bg1">
+                    <a:lumMod val="50000"/>
+                  </a:schemeClr>
+                </a:solidFill>
+                <a:latin typeface="Myriad Pro" pitchFamily="34" charset="0"/>
+                <a:ea typeface="Myriad Pro"/>
+                <a:cs typeface="Myriad Pro"/>
+              </a:rPr>
+              <a:t>với</a:t>
+            </a:r>
+            <a:r>
+              <a:rPr lang="vi-VN" dirty="0">
+                <a:solidFill>
+                  <a:schemeClr val="bg1">
+                    <a:lumMod val="50000"/>
+                  </a:schemeClr>
+                </a:solidFill>
+                <a:latin typeface="Myriad Pro" pitchFamily="34" charset="0"/>
+                <a:ea typeface="Myriad Pro"/>
+                <a:cs typeface="Myriad Pro"/>
+              </a:rPr>
+              <a:t> </a:t>
+            </a:r>
+            <a:r>
+              <a:rPr lang="vi-VN" dirty="0" err="1">
+                <a:solidFill>
+                  <a:schemeClr val="bg1">
+                    <a:lumMod val="50000"/>
+                  </a:schemeClr>
+                </a:solidFill>
+                <a:latin typeface="Myriad Pro" pitchFamily="34" charset="0"/>
+                <a:ea typeface="Myriad Pro"/>
+                <a:cs typeface="Myriad Pro"/>
+              </a:rPr>
+              <a:t>một</a:t>
+            </a:r>
+            <a:r>
+              <a:rPr lang="vi-VN" dirty="0">
+                <a:solidFill>
+                  <a:schemeClr val="bg1">
+                    <a:lumMod val="50000"/>
+                  </a:schemeClr>
+                </a:solidFill>
+                <a:latin typeface="Myriad Pro" pitchFamily="34" charset="0"/>
+                <a:ea typeface="Myriad Pro"/>
+                <a:cs typeface="Myriad Pro"/>
+              </a:rPr>
+              <a:t> </a:t>
+            </a:r>
+            <a:r>
+              <a:rPr lang="vi-VN" dirty="0" err="1">
+                <a:solidFill>
+                  <a:schemeClr val="bg1">
+                    <a:lumMod val="50000"/>
+                  </a:schemeClr>
+                </a:solidFill>
+                <a:latin typeface="Myriad Pro" pitchFamily="34" charset="0"/>
+                <a:ea typeface="Myriad Pro"/>
+                <a:cs typeface="Myriad Pro"/>
+              </a:rPr>
+              <a:t>hoạt</a:t>
+            </a:r>
+            <a:r>
+              <a:rPr lang="vi-VN" dirty="0">
+                <a:solidFill>
+                  <a:schemeClr val="bg1">
+                    <a:lumMod val="50000"/>
+                  </a:schemeClr>
+                </a:solidFill>
+                <a:latin typeface="Myriad Pro" pitchFamily="34" charset="0"/>
+                <a:ea typeface="Myriad Pro"/>
+                <a:cs typeface="Myriad Pro"/>
+              </a:rPr>
+              <a:t> </a:t>
+            </a:r>
+            <a:r>
+              <a:rPr lang="vi-VN" dirty="0" err="1">
+                <a:solidFill>
+                  <a:schemeClr val="bg1">
+                    <a:lumMod val="50000"/>
+                  </a:schemeClr>
+                </a:solidFill>
+                <a:latin typeface="Myriad Pro" pitchFamily="34" charset="0"/>
+                <a:ea typeface="Myriad Pro"/>
+                <a:cs typeface="Myriad Pro"/>
+              </a:rPr>
+              <a:t>động</a:t>
+            </a:r>
+            <a:r>
+              <a:rPr lang="vi-VN" dirty="0">
+                <a:solidFill>
+                  <a:schemeClr val="bg1">
+                    <a:lumMod val="50000"/>
+                  </a:schemeClr>
+                </a:solidFill>
+                <a:latin typeface="Myriad Pro" pitchFamily="34" charset="0"/>
+                <a:ea typeface="Myriad Pro"/>
+                <a:cs typeface="Myriad Pro"/>
+              </a:rPr>
+              <a:t> </a:t>
+            </a:r>
+            <a:r>
+              <a:rPr lang="vi-VN" dirty="0" err="1">
+                <a:solidFill>
+                  <a:schemeClr val="bg1">
+                    <a:lumMod val="50000"/>
+                  </a:schemeClr>
+                </a:solidFill>
+                <a:latin typeface="Myriad Pro" pitchFamily="34" charset="0"/>
+                <a:ea typeface="Myriad Pro"/>
+                <a:cs typeface="Myriad Pro"/>
+              </a:rPr>
+              <a:t>tách</a:t>
+            </a:r>
+            <a:r>
+              <a:rPr lang="vi-VN" dirty="0">
+                <a:solidFill>
+                  <a:schemeClr val="bg1">
+                    <a:lumMod val="50000"/>
+                  </a:schemeClr>
+                </a:solidFill>
+                <a:latin typeface="Myriad Pro" pitchFamily="34" charset="0"/>
+                <a:ea typeface="Myriad Pro"/>
+                <a:cs typeface="Myriad Pro"/>
+              </a:rPr>
+              <a:t> </a:t>
+            </a:r>
+            <a:r>
+              <a:rPr lang="vi-VN" dirty="0" err="1">
+                <a:solidFill>
+                  <a:schemeClr val="bg1">
+                    <a:lumMod val="50000"/>
+                  </a:schemeClr>
+                </a:solidFill>
+                <a:latin typeface="Myriad Pro" pitchFamily="34" charset="0"/>
+                <a:ea typeface="Myriad Pro"/>
+                <a:cs typeface="Myriad Pro"/>
+              </a:rPr>
+              <a:t>biệt</a:t>
+            </a:r>
+            <a:r>
+              <a:rPr lang="vi-VN" dirty="0">
+                <a:solidFill>
+                  <a:schemeClr val="bg1">
+                    <a:lumMod val="50000"/>
+                  </a:schemeClr>
+                </a:solidFill>
+                <a:latin typeface="Myriad Pro" pitchFamily="34" charset="0"/>
+                <a:ea typeface="Myriad Pro"/>
+                <a:cs typeface="Myriad Pro"/>
+              </a:rPr>
+              <a:t> trong </a:t>
+            </a:r>
+            <a:r>
+              <a:rPr lang="vi-VN" dirty="0" err="1">
+                <a:solidFill>
+                  <a:schemeClr val="bg1">
+                    <a:lumMod val="50000"/>
+                  </a:schemeClr>
+                </a:solidFill>
+                <a:latin typeface="Myriad Pro" pitchFamily="34" charset="0"/>
+                <a:ea typeface="Myriad Pro"/>
+                <a:cs typeface="Myriad Pro"/>
+              </a:rPr>
+              <a:t>một</a:t>
+            </a:r>
+            <a:r>
+              <a:rPr lang="vi-VN" dirty="0">
+                <a:solidFill>
+                  <a:schemeClr val="bg1">
+                    <a:lumMod val="50000"/>
+                  </a:schemeClr>
+                </a:solidFill>
+                <a:latin typeface="Myriad Pro" pitchFamily="34" charset="0"/>
+                <a:ea typeface="Myriad Pro"/>
+                <a:cs typeface="Myriad Pro"/>
+              </a:rPr>
+              <a:t> mô </a:t>
+            </a:r>
+            <a:r>
+              <a:rPr lang="vi-VN" dirty="0" err="1">
+                <a:solidFill>
+                  <a:schemeClr val="bg1">
+                    <a:lumMod val="50000"/>
+                  </a:schemeClr>
+                </a:solidFill>
+                <a:latin typeface="Myriad Pro" pitchFamily="34" charset="0"/>
+                <a:ea typeface="Myriad Pro"/>
+                <a:cs typeface="Myriad Pro"/>
+              </a:rPr>
+              <a:t>hình</a:t>
+            </a:r>
+            <a:endParaRPr lang="vi-VN" dirty="0">
+              <a:solidFill>
+                <a:schemeClr val="bg1">
+                  <a:lumMod val="50000"/>
+                </a:schemeClr>
+              </a:solidFill>
+              <a:latin typeface="Myriad Pro" pitchFamily="34" charset="0"/>
+              <a:ea typeface="Myriad Pro"/>
+              <a:cs typeface="Myriad Pro"/>
+            </a:endParaRPr>
+          </a:p>
+          <a:p>
+            <a:pPr algn="just">
+              <a:defRPr/>
+            </a:pPr>
+            <a:endParaRPr lang="vi-VN" b="0" i="0" u="none" dirty="0">
+              <a:solidFill>
+                <a:schemeClr val="bg1">
+                  <a:lumMod val="50000"/>
+                </a:schemeClr>
+              </a:solidFill>
+              <a:latin typeface="Myriad Pro" pitchFamily="34" charset="0"/>
+              <a:ea typeface="Myriad Pro"/>
+              <a:cs typeface="Myriad Pro"/>
+            </a:endParaRPr>
+          </a:p>
+          <a:p>
+            <a:pPr algn="just">
+              <a:defRPr/>
+            </a:pPr>
+            <a:r>
+              <a:rPr lang="vi-VN" b="0" i="1" u="none" dirty="0" err="1">
+                <a:solidFill>
+                  <a:schemeClr val="bg1">
+                    <a:lumMod val="50000"/>
+                  </a:schemeClr>
+                </a:solidFill>
+                <a:latin typeface="Myriad Pro" pitchFamily="34" charset="0"/>
+                <a:ea typeface="Myriad Pro"/>
+                <a:cs typeface="Myriad Pro"/>
+              </a:rPr>
+              <a:t>Để</a:t>
+            </a:r>
+            <a:r>
+              <a:rPr lang="vi-VN" b="0" i="1" u="none" dirty="0">
+                <a:solidFill>
+                  <a:schemeClr val="bg1">
+                    <a:lumMod val="50000"/>
+                  </a:schemeClr>
+                </a:solidFill>
+                <a:latin typeface="Myriad Pro" pitchFamily="34" charset="0"/>
+                <a:ea typeface="Myriad Pro"/>
+                <a:cs typeface="Myriad Pro"/>
+              </a:rPr>
+              <a:t> </a:t>
+            </a:r>
+            <a:r>
+              <a:rPr lang="vi-VN" b="0" i="1" u="none" dirty="0" err="1">
+                <a:solidFill>
+                  <a:schemeClr val="bg1">
+                    <a:lumMod val="50000"/>
+                  </a:schemeClr>
+                </a:solidFill>
+                <a:latin typeface="Myriad Pro" pitchFamily="34" charset="0"/>
+                <a:ea typeface="Myriad Pro"/>
+                <a:cs typeface="Myriad Pro"/>
+              </a:rPr>
+              <a:t>hiểu</a:t>
+            </a:r>
+            <a:r>
+              <a:rPr lang="vi-VN" b="0" i="1" u="none" dirty="0">
+                <a:solidFill>
+                  <a:schemeClr val="bg1">
+                    <a:lumMod val="50000"/>
+                  </a:schemeClr>
+                </a:solidFill>
+                <a:latin typeface="Myriad Pro" pitchFamily="34" charset="0"/>
+                <a:ea typeface="Myriad Pro"/>
+                <a:cs typeface="Myriad Pro"/>
+              </a:rPr>
+              <a:t> </a:t>
+            </a:r>
+            <a:r>
+              <a:rPr lang="vi-VN" b="0" i="1" u="none" dirty="0" err="1">
+                <a:solidFill>
+                  <a:schemeClr val="bg1">
+                    <a:lumMod val="50000"/>
+                  </a:schemeClr>
+                </a:solidFill>
+                <a:latin typeface="Myriad Pro" pitchFamily="34" charset="0"/>
+                <a:ea typeface="Myriad Pro"/>
+                <a:cs typeface="Myriad Pro"/>
+              </a:rPr>
+              <a:t>rõ</a:t>
+            </a:r>
+            <a:r>
+              <a:rPr lang="vi-VN" b="0" i="1" u="none" dirty="0">
+                <a:solidFill>
+                  <a:schemeClr val="bg1">
+                    <a:lumMod val="50000"/>
+                  </a:schemeClr>
+                </a:solidFill>
+                <a:latin typeface="Myriad Pro" pitchFamily="34" charset="0"/>
+                <a:ea typeface="Myriad Pro"/>
+                <a:cs typeface="Myriad Pro"/>
+              </a:rPr>
+              <a:t> hơn, sau đây </a:t>
+            </a:r>
+            <a:r>
+              <a:rPr lang="vi-VN" b="0" i="1" u="none" dirty="0" err="1">
+                <a:solidFill>
+                  <a:schemeClr val="bg1">
+                    <a:lumMod val="50000"/>
+                  </a:schemeClr>
+                </a:solidFill>
+                <a:latin typeface="Myriad Pro" pitchFamily="34" charset="0"/>
+                <a:ea typeface="Myriad Pro"/>
+                <a:cs typeface="Myriad Pro"/>
+              </a:rPr>
+              <a:t>chúng</a:t>
+            </a:r>
+            <a:r>
+              <a:rPr lang="vi-VN" b="0" i="1" u="none" dirty="0">
+                <a:solidFill>
+                  <a:schemeClr val="bg1">
+                    <a:lumMod val="50000"/>
+                  </a:schemeClr>
+                </a:solidFill>
+                <a:latin typeface="Myriad Pro" pitchFamily="34" charset="0"/>
+                <a:ea typeface="Myriad Pro"/>
+                <a:cs typeface="Myriad Pro"/>
+              </a:rPr>
+              <a:t> ta </a:t>
+            </a:r>
+            <a:r>
+              <a:rPr lang="vi-VN" b="0" i="1" u="none" dirty="0" err="1">
+                <a:solidFill>
+                  <a:schemeClr val="bg1">
+                    <a:lumMod val="50000"/>
+                  </a:schemeClr>
+                </a:solidFill>
+                <a:latin typeface="Myriad Pro" pitchFamily="34" charset="0"/>
+                <a:ea typeface="Myriad Pro"/>
+                <a:cs typeface="Myriad Pro"/>
+              </a:rPr>
+              <a:t>cùng</a:t>
+            </a:r>
+            <a:r>
+              <a:rPr lang="vi-VN" b="0" i="1" u="none" dirty="0">
+                <a:solidFill>
+                  <a:schemeClr val="bg1">
+                    <a:lumMod val="50000"/>
+                  </a:schemeClr>
+                </a:solidFill>
+                <a:latin typeface="Myriad Pro" pitchFamily="34" charset="0"/>
+                <a:ea typeface="Myriad Pro"/>
+                <a:cs typeface="Myriad Pro"/>
+              </a:rPr>
+              <a:t> đi phân </a:t>
+            </a:r>
+            <a:r>
+              <a:rPr lang="vi-VN" b="0" i="1" u="none" dirty="0" err="1">
+                <a:solidFill>
+                  <a:schemeClr val="bg1">
+                    <a:lumMod val="50000"/>
+                  </a:schemeClr>
+                </a:solidFill>
+                <a:latin typeface="Myriad Pro" pitchFamily="34" charset="0"/>
+                <a:ea typeface="Myriad Pro"/>
+                <a:cs typeface="Myriad Pro"/>
+              </a:rPr>
+              <a:t>tích</a:t>
+            </a:r>
+            <a:r>
+              <a:rPr lang="vi-VN" b="0" i="1" u="none" dirty="0">
+                <a:solidFill>
+                  <a:schemeClr val="bg1">
+                    <a:lumMod val="50000"/>
+                  </a:schemeClr>
+                </a:solidFill>
+                <a:latin typeface="Myriad Pro" pitchFamily="34" charset="0"/>
+                <a:ea typeface="Myriad Pro"/>
+                <a:cs typeface="Myriad Pro"/>
+              </a:rPr>
+              <a:t> </a:t>
+            </a:r>
+            <a:r>
+              <a:rPr lang="vi-VN" b="0" i="1" u="none" dirty="0" err="1">
+                <a:solidFill>
+                  <a:schemeClr val="bg1">
+                    <a:lumMod val="50000"/>
+                  </a:schemeClr>
+                </a:solidFill>
+                <a:latin typeface="Myriad Pro" pitchFamily="34" charset="0"/>
+                <a:ea typeface="Myriad Pro"/>
+                <a:cs typeface="Myriad Pro"/>
+              </a:rPr>
+              <a:t>từng</a:t>
+            </a:r>
+            <a:r>
+              <a:rPr lang="vi-VN" b="0" i="1" u="none" dirty="0">
+                <a:solidFill>
+                  <a:schemeClr val="bg1">
+                    <a:lumMod val="50000"/>
+                  </a:schemeClr>
+                </a:solidFill>
+                <a:latin typeface="Myriad Pro" pitchFamily="34" charset="0"/>
+                <a:ea typeface="Myriad Pro"/>
+                <a:cs typeface="Myriad Pro"/>
+              </a:rPr>
+              <a:t> </a:t>
+            </a:r>
+            <a:r>
+              <a:rPr lang="vi-VN" b="0" i="1" u="none" dirty="0" err="1">
+                <a:solidFill>
+                  <a:schemeClr val="bg1">
+                    <a:lumMod val="50000"/>
+                  </a:schemeClr>
+                </a:solidFill>
+                <a:latin typeface="Myriad Pro" pitchFamily="34" charset="0"/>
+                <a:ea typeface="Myriad Pro"/>
+                <a:cs typeface="Myriad Pro"/>
+              </a:rPr>
+              <a:t>phần</a:t>
+            </a:r>
+            <a:r>
+              <a:rPr lang="vi-VN" b="0" i="1" u="none" dirty="0">
+                <a:solidFill>
+                  <a:schemeClr val="bg1">
+                    <a:lumMod val="50000"/>
+                  </a:schemeClr>
+                </a:solidFill>
+                <a:latin typeface="Myriad Pro" pitchFamily="34" charset="0"/>
+                <a:ea typeface="Myriad Pro"/>
+                <a:cs typeface="Myriad Pro"/>
+              </a:rPr>
+              <a:t>: </a:t>
+            </a:r>
+            <a:endParaRPr b="0" i="1" u="none" dirty="0">
+              <a:solidFill>
+                <a:schemeClr val="bg1">
+                  <a:lumMod val="50000"/>
+                </a:schemeClr>
+              </a:solidFill>
+              <a:latin typeface="Myriad Pro" pitchFamily="34" charset="0"/>
+              <a:ea typeface="Myriad Pro"/>
+              <a:cs typeface="Myriad Pro"/>
+            </a:endParaRPr>
+          </a:p>
+        </p:txBody>
+      </p:sp>
+      <p:pic>
+        <p:nvPicPr>
+          <p:cNvPr id="6" name="Hình ảnh 5">
+            <a:extLst>
+              <a:ext uri="{FF2B5EF4-FFF2-40B4-BE49-F238E27FC236}">
+                <a16:creationId xmlns:a16="http://schemas.microsoft.com/office/drawing/2014/main" id="{59A02740-C585-46DD-87FE-D78B2FF02DBD}"/>
+              </a:ext>
+            </a:extLst>
+          </p:cNvPr>
+          <p:cNvPicPr>
+            <a:picLocks noChangeAspect="1"/>
+          </p:cNvPicPr>
+          <p:nvPr/>
+        </p:nvPicPr>
+        <p:blipFill>
+          <a:blip r:embed="rId3">
+            <a:extLst>
+              <a:ext uri="{28A0092B-C50C-407E-A947-70E740481C1C}">
+                <a14:useLocalDpi xmlns:a14="http://schemas.microsoft.com/office/drawing/2010/main" val="0"/>
+              </a:ext>
+            </a:extLst>
+          </a:blip>
+          <a:stretch>
+            <a:fillRect/>
+          </a:stretch>
+        </p:blipFill>
+        <p:spPr>
+          <a:xfrm>
+            <a:off x="4572000" y="1234806"/>
+            <a:ext cx="4526218" cy="2673888"/>
+          </a:xfrm>
+          <a:prstGeom prst="roundRect">
+            <a:avLst>
+              <a:gd name="adj" fmla="val 8594"/>
+            </a:avLst>
+          </a:prstGeom>
+          <a:solidFill>
+            <a:srgbClr val="FFFFFF">
+              <a:shade val="85000"/>
+            </a:srgbClr>
+          </a:solidFill>
+          <a:ln>
+            <a:noFill/>
+          </a:ln>
+          <a:effectLst>
+            <a:reflection blurRad="12700" stA="38000" endPos="28000" dist="5000" dir="5400000" sy="-100000" algn="bl" rotWithShape="0"/>
+          </a:effectLst>
+        </p:spPr>
+      </p:pic>
+    </p:spTree>
+  </p:cSld>
+  <p:clrMapOvr>
+    <a:masterClrMapping/>
+  </p:clrMapOvr>
+  <p:transition spd="slow">
+    <p:push dir="u"/>
+  </p:transition>
+</p:sld>
+</file>
+
+<file path=ppt/slides/slide3.xml><?xml version="1.0" encoding="utf-8"?>
+<p:sld xmlns:a="http://schemas.openxmlformats.org/drawingml/2006/main" xmlns:r="http://schemas.openxmlformats.org/officeDocument/2006/relationships" xmlns:p="http://schemas.openxmlformats.org/presentationml/2006/main">
+  <p:cSld>
+    <p:bg>
+      <p:bgPr>
+        <a:solidFill>
+          <a:schemeClr val="bg1"/>
+        </a:solidFill>
+        <a:effectLst/>
+      </p:bgPr>
+    </p:bg>
+    <p:spTree>
+      <p:nvGrpSpPr>
+        <p:cNvPr id="1" name=""/>
+        <p:cNvGrpSpPr/>
+        <p:nvPr/>
+      </p:nvGrpSpPr>
+      <p:grpSpPr>
+        <a:xfrm>
+          <a:off x="0" y="0"/>
+          <a:ext cx="0" cy="0"/>
+          <a:chOff x="0" y="0"/>
+          <a:chExt cx="0" cy="0"/>
+        </a:xfrm>
+      </p:grpSpPr>
+      <p:sp>
+        <p:nvSpPr>
+          <p:cNvPr id="17" name="Rectangle 7">
+            <a:extLst>
+              <a:ext uri="{FF2B5EF4-FFF2-40B4-BE49-F238E27FC236}">
+                <a16:creationId xmlns:a16="http://schemas.microsoft.com/office/drawing/2014/main" id="{F3060C83-F051-4F0E-ABAD-AA0DFC48B218}"/>
+              </a:ext>
+              <a:ext uri="{C183D7F6-B498-43B3-948B-1728B52AA6E4}">
+                <adec:decorative xmlns:adec="http://schemas.microsoft.com/office/drawing/2017/decorative" val="1"/>
+              </a:ext>
+            </a:extLst>
+          </p:cNvPr>
+          <p:cNvSpPr>
+            <a:spLocks noGrp="1" noRot="1" noChangeAspect="1" noMove="1" noResize="1" noEditPoints="1" noAdjustHandles="1" noChangeArrowheads="1" noChangeShapeType="1" noTextEdit="1"/>
+          </p:cNvSpPr>
+          <p:nvPr>
+            <p:extLst>
+              <p:ext uri="{386F3935-93C4-4BCD-93E2-E3B085C9AB24}">
+                <p16:designElem xmlns:p16="http://schemas.microsoft.com/office/powerpoint/2015/main" val="1"/>
+              </p:ext>
+            </p:extLst>
+          </p:nvPr>
+        </p:nvSpPr>
+        <p:spPr>
+          <a:xfrm>
+            <a:off x="0" y="0"/>
+            <a:ext cx="9144000" cy="5143500"/>
+          </a:xfrm>
+          <a:prstGeom prst="rect">
+            <a:avLst/>
+          </a:prstGeom>
+          <a:solidFill>
+            <a:schemeClr val="bg1"/>
+          </a:solidFill>
+          <a:ln>
+            <a:noFill/>
+          </a:ln>
+        </p:spPr>
+        <p:style>
+          <a:lnRef idx="2">
+            <a:schemeClr val="accent1">
+              <a:shade val="50000"/>
+            </a:schemeClr>
+          </a:lnRef>
+          <a:fillRef idx="1">
+            <a:schemeClr val="accent1"/>
+          </a:fillRef>
+          <a:effectRef idx="0">
+            <a:schemeClr val="accent1"/>
+          </a:effectRef>
+          <a:fontRef idx="minor">
+            <a:schemeClr val="lt1"/>
+          </a:fontRef>
+        </p:style>
+        <p:txBody>
+          <a:bodyPr rtlCol="0" anchor="ctr"/>
+          <a:lstStyle/>
+          <a:p>
+            <a:pPr algn="ctr"/>
+            <a:endParaRPr lang="en-US" dirty="0"/>
+          </a:p>
+        </p:txBody>
+      </p:sp>
+      <p:sp>
+        <p:nvSpPr>
+          <p:cNvPr id="19" name="Freeform: Shape 9">
+            <a:extLst>
+              <a:ext uri="{FF2B5EF4-FFF2-40B4-BE49-F238E27FC236}">
+                <a16:creationId xmlns:a16="http://schemas.microsoft.com/office/drawing/2014/main" id="{83C98ABE-055B-441F-B07E-44F97F083C39}"/>
+              </a:ext>
+              <a:ext uri="{C183D7F6-B498-43B3-948B-1728B52AA6E4}">
+                <adec:decorative xmlns:adec="http://schemas.microsoft.com/office/drawing/2017/decorative" val="1"/>
+              </a:ext>
+            </a:extLst>
+          </p:cNvPr>
+          <p:cNvSpPr>
+            <a:spLocks noGrp="1" noRot="1" noChangeAspect="1" noMove="1" noResize="1" noEditPoints="1" noAdjustHandles="1" noChangeArrowheads="1" noChangeShapeType="1" noTextEdit="1"/>
+          </p:cNvSpPr>
+          <p:nvPr>
+            <p:extLst>
+              <p:ext uri="{386F3935-93C4-4BCD-93E2-E3B085C9AB24}">
+                <p16:designElem xmlns:p16="http://schemas.microsoft.com/office/powerpoint/2015/main" val="1"/>
+              </p:ext>
+            </p:extLst>
+          </p:nvPr>
+        </p:nvSpPr>
+        <p:spPr>
+          <a:xfrm rot="18900000" flipH="1">
+            <a:off x="-282117" y="-190252"/>
+            <a:ext cx="1370728" cy="1032741"/>
+          </a:xfrm>
+          <a:custGeom>
+            <a:avLst/>
+            <a:gdLst>
+              <a:gd name="connsiteX0" fmla="*/ 0 w 1827638"/>
+              <a:gd name="connsiteY0" fmla="*/ 987379 h 1376989"/>
+              <a:gd name="connsiteX1" fmla="*/ 987379 w 1827638"/>
+              <a:gd name="connsiteY1" fmla="*/ 0 h 1376989"/>
+              <a:gd name="connsiteX2" fmla="*/ 1827638 w 1827638"/>
+              <a:gd name="connsiteY2" fmla="*/ 840260 h 1376989"/>
+              <a:gd name="connsiteX3" fmla="*/ 1827638 w 1827638"/>
+              <a:gd name="connsiteY3" fmla="*/ 1376989 h 1376989"/>
+              <a:gd name="connsiteX4" fmla="*/ 0 w 1827638"/>
+              <a:gd name="connsiteY4" fmla="*/ 1376989 h 1376989"/>
+            </a:gdLst>
+            <a:ahLst/>
+            <a:cxnLst>
+              <a:cxn ang="0">
+                <a:pos x="connsiteX0" y="connsiteY0"/>
+              </a:cxn>
+              <a:cxn ang="0">
+                <a:pos x="connsiteX1" y="connsiteY1"/>
+              </a:cxn>
+              <a:cxn ang="0">
+                <a:pos x="connsiteX2" y="connsiteY2"/>
+              </a:cxn>
+              <a:cxn ang="0">
+                <a:pos x="connsiteX3" y="connsiteY3"/>
+              </a:cxn>
+              <a:cxn ang="0">
+                <a:pos x="connsiteX4" y="connsiteY4"/>
+              </a:cxn>
+            </a:cxnLst>
+            <a:rect l="l" t="t" r="r" b="b"/>
+            <a:pathLst>
+              <a:path w="1827638" h="1376989">
+                <a:moveTo>
+                  <a:pt x="0" y="987379"/>
+                </a:moveTo>
+                <a:lnTo>
+                  <a:pt x="987379" y="0"/>
+                </a:lnTo>
+                <a:lnTo>
+                  <a:pt x="1827638" y="840260"/>
+                </a:lnTo>
+                <a:lnTo>
+                  <a:pt x="1827638" y="1376989"/>
+                </a:lnTo>
+                <a:lnTo>
+                  <a:pt x="0" y="1376989"/>
+                </a:lnTo>
+                <a:close/>
+              </a:path>
+            </a:pathLst>
+          </a:custGeom>
+          <a:solidFill>
+            <a:schemeClr val="accent1">
+              <a:alpha val="30000"/>
+            </a:schemeClr>
+          </a:solidFill>
+          <a:ln>
+            <a:noFill/>
+          </a:ln>
+        </p:spPr>
+        <p:style>
+          <a:lnRef idx="2">
+            <a:schemeClr val="accent1">
+              <a:shade val="50000"/>
+            </a:schemeClr>
+          </a:lnRef>
+          <a:fillRef idx="1">
+            <a:schemeClr val="accent1"/>
+          </a:fillRef>
+          <a:effectRef idx="0">
+            <a:schemeClr val="accent1"/>
+          </a:effectRef>
+          <a:fontRef idx="minor">
+            <a:schemeClr val="lt1"/>
+          </a:fontRef>
+        </p:style>
+        <p:txBody>
+          <a:bodyPr rtlCol="0" anchor="ctr"/>
+          <a:lstStyle/>
+          <a:p>
+            <a:pPr algn="ctr"/>
+            <a:endParaRPr lang="en-US" dirty="0"/>
+          </a:p>
+        </p:txBody>
+      </p:sp>
+      <p:sp>
+        <p:nvSpPr>
+          <p:cNvPr id="21" name="Rectangle 11">
+            <a:extLst>
+              <a:ext uri="{FF2B5EF4-FFF2-40B4-BE49-F238E27FC236}">
+                <a16:creationId xmlns:a16="http://schemas.microsoft.com/office/drawing/2014/main" id="{29FDB030-9B49-4CED-8CCD-4D99382388AC}"/>
+              </a:ext>
+              <a:ext uri="{C183D7F6-B498-43B3-948B-1728B52AA6E4}">
+                <adec:decorative xmlns:adec="http://schemas.microsoft.com/office/drawing/2017/decorative" val="1"/>
+              </a:ext>
+            </a:extLst>
+          </p:cNvPr>
+          <p:cNvSpPr>
+            <a:spLocks noGrp="1" noRot="1" noChangeAspect="1" noMove="1" noResize="1" noEditPoints="1" noAdjustHandles="1" noChangeArrowheads="1" noChangeShapeType="1" noTextEdit="1"/>
+          </p:cNvSpPr>
+          <p:nvPr>
+            <p:extLst>
+              <p:ext uri="{386F3935-93C4-4BCD-93E2-E3B085C9AB24}">
+                <p16:designElem xmlns:p16="http://schemas.microsoft.com/office/powerpoint/2015/main" val="1"/>
+              </p:ext>
+            </p:extLst>
+          </p:nvPr>
+        </p:nvSpPr>
+        <p:spPr>
+          <a:xfrm rot="18900000" flipH="1">
+            <a:off x="668730" y="316609"/>
+            <a:ext cx="484026" cy="484026"/>
+          </a:xfrm>
+          <a:prstGeom prst="rect">
+            <a:avLst/>
+          </a:prstGeom>
+          <a:solidFill>
+            <a:schemeClr val="accent1">
+              <a:alpha val="30000"/>
+            </a:schemeClr>
+          </a:solidFill>
+          <a:ln>
+            <a:noFill/>
+          </a:ln>
+        </p:spPr>
+        <p:style>
+          <a:lnRef idx="2">
+            <a:schemeClr val="accent1">
+              <a:shade val="50000"/>
+            </a:schemeClr>
+          </a:lnRef>
+          <a:fillRef idx="1">
+            <a:schemeClr val="accent1"/>
+          </a:fillRef>
+          <a:effectRef idx="0">
+            <a:schemeClr val="accent1"/>
+          </a:effectRef>
+          <a:fontRef idx="minor">
+            <a:schemeClr val="lt1"/>
+          </a:fontRef>
+        </p:style>
+        <p:txBody>
+          <a:bodyPr rtlCol="0" anchor="ctr"/>
+          <a:lstStyle/>
+          <a:p>
+            <a:pPr algn="ctr"/>
+            <a:endParaRPr lang="en-US"/>
+          </a:p>
+        </p:txBody>
+      </p:sp>
+      <p:sp>
+        <p:nvSpPr>
+          <p:cNvPr id="22" name="Rectangle 13">
+            <a:extLst>
+              <a:ext uri="{FF2B5EF4-FFF2-40B4-BE49-F238E27FC236}">
+                <a16:creationId xmlns:a16="http://schemas.microsoft.com/office/drawing/2014/main" id="{3783CA14-24A1-485C-8B30-D6A5D87987AD}"/>
+              </a:ext>
+              <a:ext uri="{C183D7F6-B498-43B3-948B-1728B52AA6E4}">
+                <adec:decorative xmlns:adec="http://schemas.microsoft.com/office/drawing/2017/decorative" val="1"/>
+              </a:ext>
+            </a:extLst>
+          </p:cNvPr>
+          <p:cNvSpPr>
+            <a:spLocks noGrp="1" noRot="1" noChangeAspect="1" noMove="1" noResize="1" noEditPoints="1" noAdjustHandles="1" noChangeArrowheads="1" noChangeShapeType="1" noTextEdit="1"/>
+          </p:cNvSpPr>
+          <p:nvPr>
+            <p:extLst>
+              <p:ext uri="{386F3935-93C4-4BCD-93E2-E3B085C9AB24}">
+                <p16:designElem xmlns:p16="http://schemas.microsoft.com/office/powerpoint/2015/main" val="1"/>
+              </p:ext>
+            </p:extLst>
+          </p:nvPr>
+        </p:nvSpPr>
+        <p:spPr>
+          <a:xfrm rot="18900000" flipH="1">
+            <a:off x="7532611" y="491355"/>
+            <a:ext cx="515604" cy="515604"/>
+          </a:xfrm>
+          <a:prstGeom prst="rect">
+            <a:avLst/>
+          </a:prstGeom>
+          <a:solidFill>
+            <a:schemeClr val="accent4">
+              <a:alpha val="30000"/>
+            </a:schemeClr>
+          </a:solidFill>
+          <a:ln>
+            <a:noFill/>
+          </a:ln>
+        </p:spPr>
+        <p:style>
+          <a:lnRef idx="2">
+            <a:schemeClr val="accent1">
+              <a:shade val="50000"/>
+            </a:schemeClr>
+          </a:lnRef>
+          <a:fillRef idx="1">
+            <a:schemeClr val="accent1"/>
+          </a:fillRef>
+          <a:effectRef idx="0">
+            <a:schemeClr val="accent1"/>
+          </a:effectRef>
+          <a:fontRef idx="minor">
+            <a:schemeClr val="lt1"/>
+          </a:fontRef>
+        </p:style>
+        <p:txBody>
+          <a:bodyPr rtlCol="0" anchor="ctr"/>
+          <a:lstStyle/>
+          <a:p>
+            <a:pPr algn="ctr"/>
+            <a:endParaRPr lang="en-US"/>
+          </a:p>
+        </p:txBody>
+      </p:sp>
+      <p:sp>
+        <p:nvSpPr>
+          <p:cNvPr id="16" name="Freeform: Shape 15">
+            <a:extLst>
+              <a:ext uri="{FF2B5EF4-FFF2-40B4-BE49-F238E27FC236}">
+                <a16:creationId xmlns:a16="http://schemas.microsoft.com/office/drawing/2014/main" id="{9A97C86A-04D6-40F7-AE84-31AB43E6A846}"/>
+              </a:ext>
+              <a:ext uri="{C183D7F6-B498-43B3-948B-1728B52AA6E4}">
+                <adec:decorative xmlns:adec="http://schemas.microsoft.com/office/drawing/2017/decorative" val="1"/>
+              </a:ext>
+            </a:extLst>
+          </p:cNvPr>
+          <p:cNvSpPr>
+            <a:spLocks noGrp="1" noRot="1" noChangeAspect="1" noMove="1" noResize="1" noEditPoints="1" noAdjustHandles="1" noChangeArrowheads="1" noChangeShapeType="1" noTextEdit="1"/>
+          </p:cNvSpPr>
+          <p:nvPr>
+            <p:extLst>
+              <p:ext uri="{386F3935-93C4-4BCD-93E2-E3B085C9AB24}">
+                <p16:designElem xmlns:p16="http://schemas.microsoft.com/office/powerpoint/2015/main" val="1"/>
+              </p:ext>
+            </p:extLst>
+          </p:nvPr>
+        </p:nvSpPr>
+        <p:spPr>
+          <a:xfrm rot="10800000" flipH="1">
+            <a:off x="7017482" y="0"/>
+            <a:ext cx="2126518" cy="1110627"/>
+          </a:xfrm>
+          <a:custGeom>
+            <a:avLst/>
+            <a:gdLst>
+              <a:gd name="connsiteX0" fmla="*/ 2835357 w 2835357"/>
+              <a:gd name="connsiteY0" fmla="*/ 1480837 h 1480837"/>
+              <a:gd name="connsiteX1" fmla="*/ 0 w 2835357"/>
+              <a:gd name="connsiteY1" fmla="*/ 1480837 h 1480837"/>
+              <a:gd name="connsiteX2" fmla="*/ 1552727 w 2835357"/>
+              <a:gd name="connsiteY2" fmla="*/ 0 h 1480837"/>
+              <a:gd name="connsiteX3" fmla="*/ 2835357 w 2835357"/>
+              <a:gd name="connsiteY3" fmla="*/ 1223245 h 1480837"/>
+            </a:gdLst>
+            <a:ahLst/>
+            <a:cxnLst>
+              <a:cxn ang="0">
+                <a:pos x="connsiteX0" y="connsiteY0"/>
+              </a:cxn>
+              <a:cxn ang="0">
+                <a:pos x="connsiteX1" y="connsiteY1"/>
+              </a:cxn>
+              <a:cxn ang="0">
+                <a:pos x="connsiteX2" y="connsiteY2"/>
+              </a:cxn>
+              <a:cxn ang="0">
+                <a:pos x="connsiteX3" y="connsiteY3"/>
+              </a:cxn>
+            </a:cxnLst>
+            <a:rect l="l" t="t" r="r" b="b"/>
+            <a:pathLst>
+              <a:path w="2835357" h="1480837">
+                <a:moveTo>
+                  <a:pt x="2835357" y="1480837"/>
+                </a:moveTo>
+                <a:lnTo>
+                  <a:pt x="0" y="1480837"/>
+                </a:lnTo>
+                <a:lnTo>
+                  <a:pt x="1552727" y="0"/>
+                </a:lnTo>
+                <a:lnTo>
+                  <a:pt x="2835357" y="1223245"/>
+                </a:lnTo>
+                <a:close/>
+              </a:path>
+            </a:pathLst>
+          </a:custGeom>
+          <a:solidFill>
+            <a:schemeClr val="accent4">
+              <a:alpha val="30000"/>
+            </a:schemeClr>
+          </a:solidFill>
+          <a:ln>
+            <a:noFill/>
+          </a:ln>
+        </p:spPr>
+        <p:style>
+          <a:lnRef idx="2">
+            <a:schemeClr val="accent1">
+              <a:shade val="50000"/>
+            </a:schemeClr>
+          </a:lnRef>
+          <a:fillRef idx="1">
+            <a:schemeClr val="accent1"/>
+          </a:fillRef>
+          <a:effectRef idx="0">
+            <a:schemeClr val="accent1"/>
+          </a:effectRef>
+          <a:fontRef idx="minor">
+            <a:schemeClr val="lt1"/>
+          </a:fontRef>
+        </p:style>
+        <p:txBody>
+          <a:bodyPr wrap="square" rtlCol="0" anchor="ctr">
+            <a:noAutofit/>
+          </a:bodyPr>
+          <a:lstStyle/>
+          <a:p>
+            <a:pPr algn="ctr"/>
+            <a:endParaRPr lang="en-US" dirty="0"/>
+          </a:p>
+        </p:txBody>
+      </p:sp>
+      <p:sp>
+        <p:nvSpPr>
+          <p:cNvPr id="18" name="Isosceles Triangle 17">
+            <a:extLst>
+              <a:ext uri="{FF2B5EF4-FFF2-40B4-BE49-F238E27FC236}">
+                <a16:creationId xmlns:a16="http://schemas.microsoft.com/office/drawing/2014/main" id="{FF9F2414-84E8-453E-B1F3-389FDE8192D9}"/>
+              </a:ext>
+              <a:ext uri="{C183D7F6-B498-43B3-948B-1728B52AA6E4}">
+                <adec:decorative xmlns:adec="http://schemas.microsoft.com/office/drawing/2017/decorative" val="1"/>
+              </a:ext>
+            </a:extLst>
+          </p:cNvPr>
+          <p:cNvSpPr>
+            <a:spLocks noGrp="1" noRot="1" noChangeAspect="1" noMove="1" noResize="1" noEditPoints="1" noAdjustHandles="1" noChangeArrowheads="1" noChangeShapeType="1" noTextEdit="1"/>
+          </p:cNvSpPr>
+          <p:nvPr>
+            <p:extLst>
+              <p:ext uri="{386F3935-93C4-4BCD-93E2-E3B085C9AB24}">
+                <p16:designElem xmlns:p16="http://schemas.microsoft.com/office/powerpoint/2015/main" val="1"/>
+              </p:ext>
+            </p:extLst>
+          </p:nvPr>
+        </p:nvSpPr>
+        <p:spPr>
+          <a:xfrm flipH="1">
+            <a:off x="5982258" y="4586625"/>
+            <a:ext cx="1120884" cy="556875"/>
+          </a:xfrm>
+          <a:prstGeom prst="triangle">
+            <a:avLst/>
+          </a:prstGeom>
+          <a:solidFill>
+            <a:schemeClr val="accent1">
+              <a:alpha val="30000"/>
+            </a:schemeClr>
+          </a:solidFill>
+          <a:ln>
+            <a:noFill/>
+          </a:ln>
+        </p:spPr>
+        <p:style>
+          <a:lnRef idx="2">
+            <a:schemeClr val="accent1">
+              <a:shade val="50000"/>
+            </a:schemeClr>
+          </a:lnRef>
+          <a:fillRef idx="1">
+            <a:schemeClr val="accent1"/>
+          </a:fillRef>
+          <a:effectRef idx="0">
+            <a:schemeClr val="accent1"/>
+          </a:effectRef>
+          <a:fontRef idx="minor">
+            <a:schemeClr val="lt1"/>
+          </a:fontRef>
+        </p:style>
+        <p:txBody>
+          <a:bodyPr rtlCol="0" anchor="ctr"/>
+          <a:lstStyle/>
+          <a:p>
+            <a:pPr algn="ctr"/>
+            <a:endParaRPr lang="en-US"/>
+          </a:p>
+        </p:txBody>
+      </p:sp>
+      <p:pic>
+        <p:nvPicPr>
+          <p:cNvPr id="3" name="Hình ảnh 2" descr="Ảnh có chứa vẽ, bản đồ&#10;&#10;Mô tả được tạo tự động">
+            <a:extLst>
+              <a:ext uri="{FF2B5EF4-FFF2-40B4-BE49-F238E27FC236}">
+                <a16:creationId xmlns:a16="http://schemas.microsoft.com/office/drawing/2014/main" id="{6AA5E01D-E183-41C2-8867-B65E8FA601D6}"/>
+              </a:ext>
+            </a:extLst>
+          </p:cNvPr>
+          <p:cNvPicPr>
+            <a:picLocks noChangeAspect="1"/>
+          </p:cNvPicPr>
+          <p:nvPr/>
+        </p:nvPicPr>
+        <p:blipFill>
+          <a:blip r:embed="rId2">
+            <a:extLst>
+              <a:ext uri="{28A0092B-C50C-407E-A947-70E740481C1C}">
+                <a14:useLocalDpi xmlns:a14="http://schemas.microsoft.com/office/drawing/2010/main" val="0"/>
+              </a:ext>
+            </a:extLst>
+          </a:blip>
+          <a:stretch>
+            <a:fillRect/>
+          </a:stretch>
+        </p:blipFill>
+        <p:spPr>
+          <a:xfrm>
+            <a:off x="592667" y="482600"/>
+            <a:ext cx="7958664" cy="4178299"/>
+          </a:xfrm>
+          <a:prstGeom prst="rect">
+            <a:avLst/>
+          </a:prstGeom>
+          <a:ln>
+            <a:noFill/>
+          </a:ln>
+          <a:effectLst>
+            <a:softEdge rad="112500"/>
+          </a:effectLst>
+        </p:spPr>
+      </p:pic>
+      <p:sp>
+        <p:nvSpPr>
+          <p:cNvPr id="20" name="Isosceles Triangle 19">
+            <a:extLst>
+              <a:ext uri="{FF2B5EF4-FFF2-40B4-BE49-F238E27FC236}">
+                <a16:creationId xmlns:a16="http://schemas.microsoft.com/office/drawing/2014/main" id="{3ECA69A1-7536-43AC-85EF-C7106179F5ED}"/>
+              </a:ext>
+              <a:ext uri="{C183D7F6-B498-43B3-948B-1728B52AA6E4}">
+                <adec:decorative xmlns:adec="http://schemas.microsoft.com/office/drawing/2017/decorative" val="1"/>
+              </a:ext>
+            </a:extLst>
+          </p:cNvPr>
+          <p:cNvSpPr>
+            <a:spLocks noGrp="1" noRot="1" noChangeAspect="1" noMove="1" noResize="1" noEditPoints="1" noAdjustHandles="1" noChangeArrowheads="1" noChangeShapeType="1" noTextEdit="1"/>
+          </p:cNvSpPr>
+          <p:nvPr>
+            <p:extLst>
+              <p:ext uri="{386F3935-93C4-4BCD-93E2-E3B085C9AB24}">
+                <p16:designElem xmlns:p16="http://schemas.microsoft.com/office/powerpoint/2015/main" val="1"/>
+              </p:ext>
+            </p:extLst>
+          </p:nvPr>
+        </p:nvSpPr>
+        <p:spPr>
+          <a:xfrm flipH="1">
+            <a:off x="5703060" y="4839857"/>
+            <a:ext cx="611177" cy="303643"/>
+          </a:xfrm>
+          <a:prstGeom prst="triangle">
+            <a:avLst/>
+          </a:prstGeom>
+          <a:solidFill>
+            <a:schemeClr val="accent1">
+              <a:alpha val="30000"/>
+            </a:schemeClr>
+          </a:solidFill>
+          <a:ln>
+            <a:noFill/>
+          </a:ln>
+        </p:spPr>
+        <p:style>
+          <a:lnRef idx="2">
+            <a:schemeClr val="accent1">
+              <a:shade val="50000"/>
+            </a:schemeClr>
+          </a:lnRef>
+          <a:fillRef idx="1">
+            <a:schemeClr val="accent1"/>
+          </a:fillRef>
+          <a:effectRef idx="0">
+            <a:schemeClr val="accent1"/>
+          </a:effectRef>
+          <a:fontRef idx="minor">
+            <a:schemeClr val="lt1"/>
+          </a:fontRef>
+        </p:style>
+        <p:txBody>
+          <a:bodyPr rtlCol="0" anchor="ctr"/>
+          <a:lstStyle/>
+          <a:p>
+            <a:pPr algn="ctr"/>
+            <a:endParaRPr lang="en-US"/>
+          </a:p>
+        </p:txBody>
+      </p:sp>
+    </p:spTree>
+    <p:extLst>
+      <p:ext uri="{BB962C8B-B14F-4D97-AF65-F5344CB8AC3E}">
+        <p14:creationId xmlns:p14="http://schemas.microsoft.com/office/powerpoint/2010/main" val="1136778438"/>
+      </p:ext>
+    </p:extLst>
+  </p:cSld>
+  <p:clrMapOvr>
+    <a:masterClrMapping/>
+  </p:clrMapOvr>
+  <p:transition spd="slow">
+    <p:push dir="u"/>
+  </p:transition>
+</p:sld>
+</file>
+
+<file path=ppt/slides/slide4.xml><?xml version="1.0" encoding="utf-8"?>
+<p:sld xmlns:a="http://schemas.openxmlformats.org/drawingml/2006/main" xmlns:r="http://schemas.openxmlformats.org/officeDocument/2006/relationships" xmlns:p="http://schemas.openxmlformats.org/presentationml/2006/main">
+  <p:cSld>
+    <p:spTree>
+      <p:nvGrpSpPr>
+        <p:cNvPr id="1" name=""/>
+        <p:cNvGrpSpPr/>
+        <p:nvPr/>
+      </p:nvGrpSpPr>
+      <p:grpSpPr>
+        <a:xfrm>
+          <a:off x="0" y="0"/>
+          <a:ext cx="0" cy="0"/>
+          <a:chOff x="0" y="0"/>
+          <a:chExt cx="0" cy="0"/>
+        </a:xfrm>
+      </p:grpSpPr>
+      <p:sp>
+        <p:nvSpPr>
+          <p:cNvPr id="4" name="Title 1"/>
+          <p:cNvSpPr txBox="1">
+            <a:spLocks/>
+          </p:cNvSpPr>
+          <p:nvPr/>
+        </p:nvSpPr>
+        <p:spPr bwMode="auto">
+          <a:xfrm>
+            <a:off x="611560" y="1707654"/>
+            <a:ext cx="7772400" cy="1125457"/>
+          </a:xfrm>
+          <a:prstGeom prst="rect">
+            <a:avLst/>
+          </a:prstGeom>
+        </p:spPr>
+        <p:txBody>
+          <a:bodyPr vert="horz" lIns="91440" tIns="45720" rIns="91440" bIns="45720" rtlCol="0" anchor="ctr">
+            <a:normAutofit/>
+          </a:bodyPr>
+          <a:lstStyle>
+            <a:lvl1pPr marL="0" indent="0" algn="just" defTabSz="914400">
+              <a:lnSpc>
+                <a:spcPct val="150000"/>
+              </a:lnSpc>
+              <a:spcBef>
+                <a:spcPts val="0"/>
+              </a:spcBef>
+              <a:buFont typeface="Arial"/>
+              <a:buNone/>
+              <a:defRPr sz="1200">
+                <a:solidFill>
+                  <a:schemeClr val="accent4">
+                    <a:lumMod val="75000"/>
+                  </a:schemeClr>
+                </a:solidFill>
+                <a:latin typeface="Myriad Pro"/>
+                <a:ea typeface="+mj-ea"/>
+                <a:cs typeface="+mj-cs"/>
+              </a:defRPr>
+            </a:lvl1pPr>
+          </a:lstStyle>
+          <a:p>
+            <a:pPr algn="ctr"/>
+            <a:r>
+              <a:rPr lang="en-US" sz="3200" spc="300" dirty="0"/>
+              <a:t>THIẾT KẾ DATABASE</a:t>
+            </a:r>
+          </a:p>
+        </p:txBody>
+      </p:sp>
+    </p:spTree>
+    <p:extLst>
+      <p:ext uri="{BB962C8B-B14F-4D97-AF65-F5344CB8AC3E}">
+        <p14:creationId xmlns:p14="http://schemas.microsoft.com/office/powerpoint/2010/main" val="2650034168"/>
+      </p:ext>
+    </p:extLst>
+  </p:cSld>
+  <p:clrMapOvr>
+    <a:masterClrMapping/>
+  </p:clrMapOvr>
+  <p:transition spd="slow">
+    <p:push dir="u"/>
+  </p:transition>
+</p:sld>
+</file>
+
+<file path=ppt/slides/slide5.xml><?xml version="1.0" encoding="utf-8"?>
+<p:sld xmlns:a="http://schemas.openxmlformats.org/drawingml/2006/main" xmlns:r="http://schemas.openxmlformats.org/officeDocument/2006/relationships" xmlns:p="http://schemas.openxmlformats.org/presentationml/2006/main">
+  <p:cSld>
+    <p:spTree>
+      <p:nvGrpSpPr>
+        <p:cNvPr id="1" name=""/>
+        <p:cNvGrpSpPr/>
+        <p:nvPr/>
+      </p:nvGrpSpPr>
+      <p:grpSpPr>
+        <a:xfrm>
+          <a:off x="0" y="0"/>
+          <a:ext cx="0" cy="0"/>
+          <a:chOff x="0" y="0"/>
+          <a:chExt cx="0" cy="0"/>
+        </a:xfrm>
+      </p:grpSpPr>
+      <p:pic>
+        <p:nvPicPr>
+          <p:cNvPr id="2" name="Picture 1">
+            <a:extLst>
+              <a:ext uri="{FF2B5EF4-FFF2-40B4-BE49-F238E27FC236}">
+                <a16:creationId xmlns:a16="http://schemas.microsoft.com/office/drawing/2014/main" id="{31F77612-419C-4C3D-85FD-8C7A0A353FE8}"/>
+              </a:ext>
+            </a:extLst>
+          </p:cNvPr>
+          <p:cNvPicPr>
+            <a:picLocks noChangeAspect="1"/>
+          </p:cNvPicPr>
+          <p:nvPr/>
+        </p:nvPicPr>
+        <p:blipFill>
+          <a:blip r:embed="rId2"/>
+          <a:stretch>
+            <a:fillRect/>
+          </a:stretch>
+        </p:blipFill>
+        <p:spPr>
+          <a:xfrm>
+            <a:off x="-1620688" y="-884633"/>
+            <a:ext cx="13105455" cy="6768752"/>
+          </a:xfrm>
+          <a:prstGeom prst="rect">
+            <a:avLst/>
+          </a:prstGeom>
+        </p:spPr>
+      </p:pic>
+    </p:spTree>
+    <p:extLst>
+      <p:ext uri="{BB962C8B-B14F-4D97-AF65-F5344CB8AC3E}">
+        <p14:creationId xmlns:p14="http://schemas.microsoft.com/office/powerpoint/2010/main" val="4171454989"/>
+      </p:ext>
+    </p:extLst>
+  </p:cSld>
+  <p:clrMapOvr>
+    <a:masterClrMapping/>
+  </p:clrMapOvr>
+  <p:transition spd="slow">
+    <p:push dir="u"/>
+  </p:transition>
+</p:sld>
+</file>
+
+<file path=ppt/slides/slide6.xml><?xml version="1.0" encoding="utf-8"?>
+<p:sld xmlns:a="http://schemas.openxmlformats.org/drawingml/2006/main" xmlns:r="http://schemas.openxmlformats.org/officeDocument/2006/relationships" xmlns:p="http://schemas.openxmlformats.org/presentationml/2006/main">
+  <p:cSld>
+    <p:bg>
+      <p:bgPr>
+        <a:solidFill>
+          <a:schemeClr val="bg1"/>
+        </a:solidFill>
+        <a:effectLst/>
+      </p:bgPr>
+    </p:bg>
+    <p:spTree>
+      <p:nvGrpSpPr>
+        <p:cNvPr id="1" name=""/>
+        <p:cNvGrpSpPr/>
+        <p:nvPr/>
+      </p:nvGrpSpPr>
+      <p:grpSpPr>
+        <a:xfrm>
+          <a:off x="0" y="0"/>
+          <a:ext cx="0" cy="0"/>
+          <a:chOff x="0" y="0"/>
+          <a:chExt cx="0" cy="0"/>
+        </a:xfrm>
+      </p:grpSpPr>
+      <p:sp>
+        <p:nvSpPr>
+          <p:cNvPr id="28" name="Rectangle 27">
+            <a:extLst>
+              <a:ext uri="{FF2B5EF4-FFF2-40B4-BE49-F238E27FC236}">
+                <a16:creationId xmlns:a16="http://schemas.microsoft.com/office/drawing/2014/main" id="{ACBE1851-2230-47A9-B000-CE9046EA61B9}"/>
+              </a:ext>
+              <a:ext uri="{C183D7F6-B498-43B3-948B-1728B52AA6E4}">
+                <adec:decorative xmlns:adec="http://schemas.microsoft.com/office/drawing/2017/decorative" val="1"/>
+              </a:ext>
+            </a:extLst>
+          </p:cNvPr>
+          <p:cNvSpPr>
+            <a:spLocks noGrp="1" noRot="1" noChangeAspect="1" noMove="1" noResize="1" noEditPoints="1" noAdjustHandles="1" noChangeArrowheads="1" noChangeShapeType="1" noTextEdit="1"/>
+          </p:cNvSpPr>
+          <p:nvPr>
+            <p:extLst>
+              <p:ext uri="{386F3935-93C4-4BCD-93E2-E3B085C9AB24}">
+                <p16:designElem xmlns:p16="http://schemas.microsoft.com/office/powerpoint/2015/main" val="1"/>
+              </p:ext>
+            </p:extLst>
+          </p:nvPr>
+        </p:nvSpPr>
+        <p:spPr>
+          <a:xfrm>
+            <a:off x="0" y="0"/>
+            <a:ext cx="4101411" cy="5143500"/>
+          </a:xfrm>
+          <a:prstGeom prst="rect">
+            <a:avLst/>
+          </a:prstGeom>
+          <a:solidFill>
+            <a:srgbClr val="51403B"/>
+          </a:solidFill>
+          <a:ln>
+            <a:noFill/>
+          </a:ln>
+        </p:spPr>
+        <p:style>
+          <a:lnRef idx="2">
+            <a:schemeClr val="accent1">
+              <a:shade val="50000"/>
+            </a:schemeClr>
+          </a:lnRef>
+          <a:fillRef idx="1">
+            <a:schemeClr val="accent1"/>
+          </a:fillRef>
+          <a:effectRef idx="0">
+            <a:schemeClr val="accent1"/>
+          </a:effectRef>
+          <a:fontRef idx="minor">
+            <a:schemeClr val="lt1"/>
+          </a:fontRef>
+        </p:style>
+        <p:txBody>
+          <a:bodyPr rtlCol="0" anchor="ctr"/>
+          <a:lstStyle/>
+          <a:p>
+            <a:pPr algn="ctr"/>
+            <a:endParaRPr lang="en-US"/>
+          </a:p>
+        </p:txBody>
+      </p:sp>
+      <p:sp>
+        <p:nvSpPr>
+          <p:cNvPr id="10" name="Title 1">
+            <a:extLst>
+              <a:ext uri="{FF2B5EF4-FFF2-40B4-BE49-F238E27FC236}">
+                <a16:creationId xmlns:a16="http://schemas.microsoft.com/office/drawing/2014/main" id="{559EAE7F-4053-4F5D-9588-2E1EFAC64119}"/>
+              </a:ext>
+            </a:extLst>
+          </p:cNvPr>
+          <p:cNvSpPr txBox="1">
+            <a:spLocks/>
+          </p:cNvSpPr>
+          <p:nvPr/>
+        </p:nvSpPr>
+        <p:spPr bwMode="auto">
+          <a:xfrm>
+            <a:off x="475707" y="602778"/>
+            <a:ext cx="3156492" cy="2276143"/>
+          </a:xfrm>
+          <a:prstGeom prst="rect">
+            <a:avLst/>
+          </a:prstGeom>
+        </p:spPr>
+        <p:txBody>
+          <a:bodyPr vert="horz" lIns="91440" tIns="45720" rIns="91440" bIns="45720" rtlCol="0" anchor="b">
+            <a:normAutofit/>
+          </a:bodyPr>
+          <a:lstStyle>
+            <a:lvl1pPr marL="0" indent="0" algn="just" defTabSz="914400">
+              <a:lnSpc>
+                <a:spcPct val="150000"/>
+              </a:lnSpc>
+              <a:spcBef>
+                <a:spcPts val="0"/>
+              </a:spcBef>
+              <a:buFont typeface="Arial"/>
+              <a:buNone/>
+              <a:defRPr sz="1200">
+                <a:solidFill>
+                  <a:schemeClr val="accent4">
+                    <a:lumMod val="75000"/>
+                  </a:schemeClr>
+                </a:solidFill>
+                <a:latin typeface="Myriad Pro"/>
+                <a:ea typeface="+mj-ea"/>
+                <a:cs typeface="+mj-cs"/>
+              </a:defRPr>
+            </a:lvl1pPr>
+          </a:lstStyle>
+          <a:p>
+            <a:pPr algn="r" rtl="0">
+              <a:lnSpc>
+                <a:spcPct val="90000"/>
+              </a:lnSpc>
+              <a:spcBef>
+                <a:spcPct val="0"/>
+              </a:spcBef>
+              <a:spcAft>
+                <a:spcPts val="600"/>
+              </a:spcAft>
+            </a:pPr>
+            <a:r>
+              <a:rPr lang="en-US" sz="4100" kern="1200" spc="300" dirty="0">
+                <a:solidFill>
+                  <a:srgbClr val="FFFFFF"/>
+                </a:solidFill>
+                <a:latin typeface="+mj-lt"/>
+                <a:ea typeface="+mj-ea"/>
+                <a:cs typeface="+mj-cs"/>
+              </a:rPr>
+              <a:t>CHIA 3 GÓI PACKAGE</a:t>
+            </a:r>
+          </a:p>
+        </p:txBody>
+      </p:sp>
+      <p:cxnSp>
+        <p:nvCxnSpPr>
+          <p:cNvPr id="30" name="Straight Connector 29">
+            <a:extLst>
+              <a:ext uri="{FF2B5EF4-FFF2-40B4-BE49-F238E27FC236}">
+                <a16:creationId xmlns:a16="http://schemas.microsoft.com/office/drawing/2014/main" id="{23B93832-6514-44F4-849B-5EE2C8A2337D}"/>
+              </a:ext>
+              <a:ext uri="{C183D7F6-B498-43B3-948B-1728B52AA6E4}">
+                <adec:decorative xmlns:adec="http://schemas.microsoft.com/office/drawing/2017/decorative" val="1"/>
+              </a:ext>
+            </a:extLst>
+          </p:cNvPr>
+          <p:cNvCxnSpPr>
+            <a:cxnSpLocks noGrp="1" noRot="1" noChangeAspect="1" noMove="1" noResize="1" noEditPoints="1" noAdjustHandles="1" noChangeArrowheads="1" noChangeShapeType="1"/>
+          </p:cNvCxnSpPr>
+          <p:nvPr>
+            <p:extLst>
+              <p:ext uri="{386F3935-93C4-4BCD-93E2-E3B085C9AB24}">
+                <p16:designElem xmlns:p16="http://schemas.microsoft.com/office/powerpoint/2015/main" val="1"/>
+              </p:ext>
+            </p:extLst>
+          </p:nvPr>
+        </p:nvCxnSpPr>
+        <p:spPr>
+          <a:xfrm>
+            <a:off x="590009" y="2946704"/>
+            <a:ext cx="2948940" cy="0"/>
+          </a:xfrm>
+          <a:prstGeom prst="line">
+            <a:avLst/>
+          </a:prstGeom>
+          <a:ln w="19050">
+            <a:solidFill>
+              <a:srgbClr val="FFFFFF">
+                <a:alpha val="80000"/>
+              </a:srgbClr>
+            </a:solidFill>
+          </a:ln>
+        </p:spPr>
+        <p:style>
+          <a:lnRef idx="1">
+            <a:schemeClr val="accent1"/>
+          </a:lnRef>
+          <a:fillRef idx="0">
+            <a:schemeClr val="accent1"/>
+          </a:fillRef>
+          <a:effectRef idx="0">
+            <a:schemeClr val="accent1"/>
+          </a:effectRef>
+          <a:fontRef idx="minor">
+            <a:schemeClr val="tx1"/>
+          </a:fontRef>
+        </p:style>
+      </p:cxnSp>
+      <p:pic>
+        <p:nvPicPr>
+          <p:cNvPr id="3" name="Hình ảnh 2" descr="Ảnh có chứa ảnh chụp màn hình&#10;&#10;Mô tả được tạo tự động">
+            <a:extLst>
+              <a:ext uri="{FF2B5EF4-FFF2-40B4-BE49-F238E27FC236}">
+                <a16:creationId xmlns:a16="http://schemas.microsoft.com/office/drawing/2014/main" id="{527BC6A9-A7F1-4DF5-9563-1216E2E4A109}"/>
+              </a:ext>
+            </a:extLst>
+          </p:cNvPr>
+          <p:cNvPicPr>
+            <a:picLocks noChangeAspect="1"/>
+          </p:cNvPicPr>
+          <p:nvPr/>
+        </p:nvPicPr>
+        <p:blipFill>
+          <a:blip r:embed="rId2">
+            <a:extLst>
+              <a:ext uri="{28A0092B-C50C-407E-A947-70E740481C1C}">
+                <a14:useLocalDpi xmlns:a14="http://schemas.microsoft.com/office/drawing/2010/main" val="0"/>
+              </a:ext>
+            </a:extLst>
+          </a:blip>
+          <a:stretch>
+            <a:fillRect/>
+          </a:stretch>
+        </p:blipFill>
+        <p:spPr>
+          <a:xfrm>
+            <a:off x="4572000" y="514973"/>
+            <a:ext cx="4094602" cy="4114286"/>
+          </a:xfrm>
+          <a:prstGeom prst="rect">
+            <a:avLst/>
+          </a:prstGeom>
+        </p:spPr>
+      </p:pic>
+    </p:spTree>
+    <p:extLst>
+      <p:ext uri="{BB962C8B-B14F-4D97-AF65-F5344CB8AC3E}">
+        <p14:creationId xmlns:p14="http://schemas.microsoft.com/office/powerpoint/2010/main" val="3750634251"/>
+      </p:ext>
+    </p:extLst>
+  </p:cSld>
+  <p:clrMapOvr>
+    <a:masterClrMapping/>
+  </p:clrMapOvr>
+  <p:transition spd="slow">
+    <p:push dir="u"/>
+  </p:transition>
+</p:sld>
+</file>
+
+<file path=ppt/slides/slide7.xml><?xml version="1.0" encoding="utf-8"?>
+<p:sld xmlns:a="http://schemas.openxmlformats.org/drawingml/2006/main" xmlns:r="http://schemas.openxmlformats.org/officeDocument/2006/relationships" xmlns:p="http://schemas.openxmlformats.org/presentationml/2006/main">
+  <p:cSld>
+    <p:bg>
+      <p:bgPr>
+        <a:solidFill>
+          <a:schemeClr val="bg1"/>
+        </a:solidFill>
+        <a:effectLst/>
+      </p:bgPr>
+    </p:bg>
+    <p:spTree>
+      <p:nvGrpSpPr>
+        <p:cNvPr id="1" name=""/>
+        <p:cNvGrpSpPr/>
+        <p:nvPr/>
+      </p:nvGrpSpPr>
+      <p:grpSpPr>
+        <a:xfrm>
+          <a:off x="0" y="0"/>
+          <a:ext cx="0" cy="0"/>
+          <a:chOff x="0" y="0"/>
+          <a:chExt cx="0" cy="0"/>
+        </a:xfrm>
+      </p:grpSpPr>
+      <p:sp useBgFill="1">
+        <p:nvSpPr>
+          <p:cNvPr id="9" name="Rectangle 8">
+            <a:extLst>
+              <a:ext uri="{FF2B5EF4-FFF2-40B4-BE49-F238E27FC236}">
+                <a16:creationId xmlns:a16="http://schemas.microsoft.com/office/drawing/2014/main" id="{7445C2DD-26E3-44F3-A399-95750BB223C6}"/>
+              </a:ext>
+              <a:ext uri="{C183D7F6-B498-43B3-948B-1728B52AA6E4}">
+                <adec:decorative xmlns:adec="http://schemas.microsoft.com/office/drawing/2017/decorative" val="1"/>
+              </a:ext>
+            </a:extLst>
+          </p:cNvPr>
+          <p:cNvSpPr>
+            <a:spLocks noGrp="1" noRot="1" noChangeAspect="1" noMove="1" noResize="1" noEditPoints="1" noAdjustHandles="1" noChangeArrowheads="1" noChangeShapeType="1" noTextEdit="1"/>
+          </p:cNvSpPr>
+          <p:nvPr>
+            <p:extLst>
+              <p:ext uri="{386F3935-93C4-4BCD-93E2-E3B085C9AB24}">
+                <p16:designElem xmlns:p16="http://schemas.microsoft.com/office/powerpoint/2015/main" val="1"/>
+              </p:ext>
+            </p:extLst>
+          </p:nvPr>
+        </p:nvSpPr>
+        <p:spPr>
+          <a:xfrm>
+            <a:off x="0" y="0"/>
+            <a:ext cx="9143770" cy="5143500"/>
+          </a:xfrm>
+          <a:prstGeom prst="rect">
+            <a:avLst/>
+          </a:prstGeom>
+          <a:ln>
+            <a:noFill/>
+          </a:ln>
+        </p:spPr>
+        <p:style>
+          <a:lnRef idx="2">
+            <a:schemeClr val="accent1">
+              <a:shade val="50000"/>
+            </a:schemeClr>
+          </a:lnRef>
+          <a:fillRef idx="1">
+            <a:schemeClr val="accent1"/>
+          </a:fillRef>
+          <a:effectRef idx="0">
+            <a:schemeClr val="accent1"/>
+          </a:effectRef>
+          <a:fontRef idx="minor">
+            <a:schemeClr val="lt1"/>
+          </a:fontRef>
+        </p:style>
+        <p:txBody>
+          <a:bodyPr rtlCol="0" anchor="ctr"/>
+          <a:lstStyle/>
+          <a:p>
+            <a:pPr algn="ctr"/>
+            <a:endParaRPr lang="en-US"/>
+          </a:p>
+        </p:txBody>
+      </p:sp>
+      <p:sp>
+        <p:nvSpPr>
+          <p:cNvPr id="2" name="Title 1"/>
+          <p:cNvSpPr>
+            <a:spLocks noGrp="1"/>
+          </p:cNvSpPr>
+          <p:nvPr>
+            <p:ph type="ctrTitle"/>
+          </p:nvPr>
+        </p:nvSpPr>
+        <p:spPr>
+          <a:xfrm>
+            <a:off x="4930521" y="668655"/>
+            <a:ext cx="3534821" cy="3055556"/>
+          </a:xfrm>
+        </p:spPr>
+        <p:txBody>
+          <a:bodyPr>
+            <a:normAutofit fontScale="90000"/>
+          </a:bodyPr>
+          <a:lstStyle/>
+          <a:p>
+            <a:pPr algn="l"/>
+            <a:r>
+              <a:rPr lang="en-US" sz="3000" spc="300" dirty="0" err="1"/>
+              <a:t>LoginFormUI</a:t>
+            </a:r>
+            <a:r>
+              <a:rPr lang="en-US" sz="3000" spc="300" dirty="0"/>
+              <a:t> </a:t>
+            </a:r>
+            <a:r>
+              <a:rPr lang="en-US" sz="3000" spc="300" dirty="0">
+                <a:solidFill>
+                  <a:schemeClr val="tx2">
+                    <a:lumMod val="75000"/>
+                  </a:schemeClr>
+                </a:solidFill>
+              </a:rPr>
+              <a:t>(VIEW)</a:t>
+            </a:r>
+            <a:br>
+              <a:rPr lang="en-US" sz="3000" spc="300" dirty="0"/>
+            </a:br>
+            <a:r>
+              <a:rPr lang="en-US" sz="1800" i="1" spc="300" dirty="0"/>
+              <a:t>đ</a:t>
+            </a:r>
+            <a:r>
+              <a:rPr lang="vi-VN" sz="1800" i="1" spc="300" dirty="0" err="1"/>
+              <a:t>ược</a:t>
+            </a:r>
+            <a:r>
+              <a:rPr lang="vi-VN" sz="1800" i="1" spc="300" dirty="0"/>
+              <a:t> </a:t>
+            </a:r>
+            <a:r>
+              <a:rPr lang="vi-VN" sz="1800" i="1" spc="300" dirty="0" err="1"/>
+              <a:t>tạo</a:t>
+            </a:r>
+            <a:r>
+              <a:rPr lang="vi-VN" sz="1800" i="1" spc="300" dirty="0"/>
+              <a:t> nên </a:t>
+            </a:r>
+            <a:r>
+              <a:rPr lang="vi-VN" sz="1800" i="1" spc="300" dirty="0" err="1"/>
+              <a:t>từ</a:t>
+            </a:r>
+            <a:r>
+              <a:rPr lang="vi-VN" sz="1800" i="1" spc="300" dirty="0"/>
+              <a:t> FXML</a:t>
+            </a:r>
+            <a:br>
+              <a:rPr lang="vi-VN" sz="1800" i="1" spc="300" dirty="0"/>
+            </a:br>
+            <a:r>
+              <a:rPr lang="vi-VN" sz="1800" i="1" spc="300" dirty="0" err="1"/>
+              <a:t>gồm</a:t>
+            </a:r>
+            <a:r>
+              <a:rPr lang="vi-VN" sz="1800" i="1" spc="300" dirty="0"/>
+              <a:t> </a:t>
+            </a:r>
+            <a:r>
+              <a:rPr lang="vi-VN" sz="1800" i="1" spc="300" dirty="0" err="1"/>
+              <a:t>các</a:t>
+            </a:r>
+            <a:r>
+              <a:rPr lang="vi-VN" sz="1800" i="1" spc="300" dirty="0"/>
+              <a:t> </a:t>
+            </a:r>
+            <a:r>
+              <a:rPr lang="vi-VN" sz="1800" i="1" spc="300" dirty="0" err="1"/>
+              <a:t>biến</a:t>
+            </a:r>
+            <a:r>
+              <a:rPr lang="vi-VN" sz="1800" i="1" spc="300" dirty="0"/>
+              <a:t> </a:t>
+            </a:r>
+            <a:r>
+              <a:rPr lang="vi-VN" sz="1800" i="1" spc="300" dirty="0" err="1"/>
+              <a:t>private</a:t>
+            </a:r>
+            <a:r>
+              <a:rPr lang="vi-VN" sz="1800" i="1" spc="300" dirty="0"/>
+              <a:t> </a:t>
+            </a:r>
+            <a:br>
+              <a:rPr lang="vi-VN" sz="1800" spc="300" dirty="0"/>
+            </a:br>
+            <a:r>
+              <a:rPr lang="vi-VN" sz="1800" spc="300" dirty="0" err="1">
+                <a:solidFill>
+                  <a:srgbClr val="00B050"/>
+                </a:solidFill>
+              </a:rPr>
+              <a:t>usr</a:t>
+            </a:r>
+            <a:r>
+              <a:rPr lang="vi-VN" sz="1800" spc="300" dirty="0">
+                <a:solidFill>
+                  <a:srgbClr val="00B050"/>
+                </a:solidFill>
+              </a:rPr>
+              <a:t> 	    </a:t>
+            </a:r>
+            <a:r>
+              <a:rPr lang="vi-VN" sz="1800" spc="300" dirty="0">
+                <a:solidFill>
+                  <a:schemeClr val="tx1"/>
+                </a:solidFill>
+              </a:rPr>
+              <a:t>- </a:t>
+            </a:r>
+            <a:r>
+              <a:rPr lang="vi-VN" sz="1800" spc="300" dirty="0" err="1">
+                <a:solidFill>
+                  <a:schemeClr val="tx1"/>
+                </a:solidFill>
+              </a:rPr>
+              <a:t>username</a:t>
+            </a:r>
+            <a:br>
+              <a:rPr lang="vi-VN" sz="1800" spc="300" dirty="0">
+                <a:solidFill>
+                  <a:srgbClr val="00B050"/>
+                </a:solidFill>
+              </a:rPr>
+            </a:br>
+            <a:r>
+              <a:rPr lang="vi-VN" sz="1800" spc="300" dirty="0" err="1">
+                <a:solidFill>
+                  <a:srgbClr val="00B050"/>
+                </a:solidFill>
+              </a:rPr>
+              <a:t>passwd</a:t>
+            </a:r>
+            <a:r>
+              <a:rPr lang="vi-VN" sz="1800" spc="300" dirty="0">
+                <a:solidFill>
+                  <a:srgbClr val="00B050"/>
+                </a:solidFill>
+              </a:rPr>
+              <a:t>    </a:t>
+            </a:r>
+            <a:r>
+              <a:rPr lang="vi-VN" sz="1800" spc="300" dirty="0">
+                <a:solidFill>
+                  <a:schemeClr val="tx1"/>
+                </a:solidFill>
+              </a:rPr>
+              <a:t>- </a:t>
+            </a:r>
+            <a:r>
+              <a:rPr lang="vi-VN" sz="1800" spc="300" dirty="0" err="1">
+                <a:solidFill>
+                  <a:schemeClr val="tx1"/>
+                </a:solidFill>
+              </a:rPr>
+              <a:t>password</a:t>
+            </a:r>
+            <a:br>
+              <a:rPr lang="vi-VN" sz="1800" spc="300" dirty="0">
+                <a:solidFill>
+                  <a:srgbClr val="00B050"/>
+                </a:solidFill>
+              </a:rPr>
+            </a:br>
+            <a:r>
+              <a:rPr lang="vi-VN" sz="1800" spc="300" dirty="0">
+                <a:solidFill>
+                  <a:srgbClr val="00B050"/>
+                </a:solidFill>
+              </a:rPr>
+              <a:t> </a:t>
+            </a:r>
+            <a:r>
+              <a:rPr lang="vi-VN" sz="1800" spc="300" dirty="0" err="1">
+                <a:solidFill>
+                  <a:srgbClr val="00B050"/>
+                </a:solidFill>
+              </a:rPr>
+              <a:t>job</a:t>
+            </a:r>
+            <a:r>
+              <a:rPr lang="vi-VN" sz="1800" spc="300" dirty="0">
+                <a:solidFill>
+                  <a:srgbClr val="00B050"/>
+                </a:solidFill>
+              </a:rPr>
+              <a:t>	    </a:t>
+            </a:r>
+            <a:r>
+              <a:rPr lang="vi-VN" sz="1800" spc="300" dirty="0">
+                <a:solidFill>
+                  <a:schemeClr val="tx1"/>
+                </a:solidFill>
+              </a:rPr>
+              <a:t>- </a:t>
+            </a:r>
+            <a:r>
+              <a:rPr lang="vi-VN" sz="1800" spc="300" dirty="0" err="1">
+                <a:solidFill>
+                  <a:schemeClr val="tx1"/>
+                </a:solidFill>
+              </a:rPr>
+              <a:t>job</a:t>
+            </a:r>
+            <a:br>
+              <a:rPr lang="vi-VN" sz="1800" spc="300" dirty="0">
+                <a:solidFill>
+                  <a:srgbClr val="00B050"/>
+                </a:solidFill>
+              </a:rPr>
+            </a:br>
+            <a:r>
+              <a:rPr lang="vi-VN" sz="1800" spc="300" dirty="0" err="1">
+                <a:solidFill>
+                  <a:srgbClr val="00B050"/>
+                </a:solidFill>
+              </a:rPr>
+              <a:t>loginBtn</a:t>
+            </a:r>
+            <a:r>
+              <a:rPr lang="vi-VN" sz="1800" spc="300" dirty="0">
+                <a:solidFill>
+                  <a:srgbClr val="00B050"/>
+                </a:solidFill>
+              </a:rPr>
+              <a:t>  </a:t>
+            </a:r>
+            <a:r>
+              <a:rPr lang="vi-VN" sz="1800" spc="300" dirty="0">
+                <a:solidFill>
+                  <a:schemeClr val="tx1"/>
+                </a:solidFill>
+              </a:rPr>
+              <a:t>- </a:t>
+            </a:r>
+            <a:r>
+              <a:rPr lang="vi-VN" sz="1800" spc="300" dirty="0" err="1">
+                <a:solidFill>
+                  <a:schemeClr val="tx1"/>
+                </a:solidFill>
+              </a:rPr>
+              <a:t>login</a:t>
+            </a:r>
+            <a:r>
+              <a:rPr lang="vi-VN" sz="1800" spc="300" dirty="0">
+                <a:solidFill>
+                  <a:schemeClr val="tx1"/>
+                </a:solidFill>
+              </a:rPr>
+              <a:t> </a:t>
+            </a:r>
+            <a:r>
+              <a:rPr lang="vi-VN" sz="1800" spc="300" dirty="0" err="1">
+                <a:solidFill>
+                  <a:schemeClr val="tx1"/>
+                </a:solidFill>
+              </a:rPr>
+              <a:t>button</a:t>
+            </a:r>
+            <a:br>
+              <a:rPr lang="vi-VN" sz="1800" spc="300" dirty="0">
+                <a:solidFill>
+                  <a:srgbClr val="00B050"/>
+                </a:solidFill>
+              </a:rPr>
+            </a:br>
+            <a:r>
+              <a:rPr lang="vi-VN" sz="1800" spc="300" dirty="0" err="1">
+                <a:solidFill>
+                  <a:srgbClr val="00B050"/>
+                </a:solidFill>
+              </a:rPr>
+              <a:t>clearBtn</a:t>
+            </a:r>
+            <a:r>
+              <a:rPr lang="vi-VN" sz="1800" spc="300" dirty="0">
+                <a:solidFill>
+                  <a:srgbClr val="00B050"/>
+                </a:solidFill>
+              </a:rPr>
+              <a:t>  </a:t>
+            </a:r>
+            <a:r>
+              <a:rPr lang="vi-VN" sz="1800" spc="300" dirty="0">
+                <a:solidFill>
+                  <a:schemeClr val="tx1"/>
+                </a:solidFill>
+              </a:rPr>
+              <a:t>– </a:t>
+            </a:r>
+            <a:r>
+              <a:rPr lang="vi-VN" sz="1800" spc="300" dirty="0" err="1">
+                <a:solidFill>
+                  <a:schemeClr val="tx1"/>
+                </a:solidFill>
+              </a:rPr>
+              <a:t>clear</a:t>
+            </a:r>
+            <a:r>
+              <a:rPr lang="vi-VN" sz="1800" spc="300" dirty="0">
+                <a:solidFill>
+                  <a:schemeClr val="tx1"/>
+                </a:solidFill>
+              </a:rPr>
+              <a:t> </a:t>
+            </a:r>
+            <a:r>
+              <a:rPr lang="vi-VN" sz="1800" spc="300" dirty="0" err="1">
+                <a:solidFill>
+                  <a:schemeClr val="tx1"/>
+                </a:solidFill>
+              </a:rPr>
+              <a:t>button</a:t>
+            </a:r>
+            <a:br>
+              <a:rPr lang="vi-VN" sz="1800" spc="300" dirty="0">
+                <a:solidFill>
+                  <a:srgbClr val="00B050"/>
+                </a:solidFill>
+              </a:rPr>
+            </a:br>
+            <a:r>
+              <a:rPr lang="vi-VN" sz="1800" spc="300" dirty="0" err="1">
+                <a:solidFill>
+                  <a:srgbClr val="00B050"/>
+                </a:solidFill>
+              </a:rPr>
+              <a:t>regBtn</a:t>
+            </a:r>
+            <a:r>
+              <a:rPr lang="vi-VN" sz="1800" spc="300" dirty="0">
+                <a:solidFill>
+                  <a:srgbClr val="00B050"/>
+                </a:solidFill>
+              </a:rPr>
+              <a:t>    </a:t>
+            </a:r>
+            <a:r>
+              <a:rPr lang="vi-VN" sz="1800" spc="300" dirty="0">
+                <a:solidFill>
+                  <a:schemeClr val="tx1"/>
+                </a:solidFill>
+              </a:rPr>
+              <a:t>– </a:t>
+            </a:r>
+            <a:r>
+              <a:rPr lang="vi-VN" sz="1800" spc="300" dirty="0" err="1">
+                <a:solidFill>
+                  <a:schemeClr val="tx1"/>
+                </a:solidFill>
+              </a:rPr>
+              <a:t>register</a:t>
+            </a:r>
+            <a:r>
+              <a:rPr lang="vi-VN" sz="1800" spc="300" dirty="0">
+                <a:solidFill>
+                  <a:schemeClr val="tx1"/>
+                </a:solidFill>
+              </a:rPr>
+              <a:t> </a:t>
+            </a:r>
+            <a:r>
+              <a:rPr lang="vi-VN" sz="1800" spc="300" dirty="0" err="1">
+                <a:solidFill>
+                  <a:schemeClr val="tx1"/>
+                </a:solidFill>
+              </a:rPr>
+              <a:t>button</a:t>
+            </a:r>
+            <a:endParaRPr lang="en-US" sz="3000" spc="300" dirty="0">
+              <a:solidFill>
+                <a:schemeClr val="tx1"/>
+              </a:solidFill>
+            </a:endParaRPr>
+          </a:p>
+        </p:txBody>
+      </p:sp>
+      <p:sp>
+        <p:nvSpPr>
+          <p:cNvPr id="11" name="Rectangle 10">
+            <a:extLst>
+              <a:ext uri="{FF2B5EF4-FFF2-40B4-BE49-F238E27FC236}">
+                <a16:creationId xmlns:a16="http://schemas.microsoft.com/office/drawing/2014/main" id="{B5DFACD3-34ED-4852-903C-EA0AB0172CC5}"/>
+              </a:ext>
+              <a:ext uri="{C183D7F6-B498-43B3-948B-1728B52AA6E4}">
+                <adec:decorative xmlns:adec="http://schemas.microsoft.com/office/drawing/2017/decorative" val="1"/>
+              </a:ext>
+            </a:extLst>
+          </p:cNvPr>
+          <p:cNvSpPr>
+            <a:spLocks noGrp="1" noRot="1" noChangeAspect="1" noMove="1" noResize="1" noEditPoints="1" noAdjustHandles="1" noChangeArrowheads="1" noChangeShapeType="1" noTextEdit="1"/>
+          </p:cNvSpPr>
+          <p:nvPr>
+            <p:extLst>
+              <p:ext uri="{386F3935-93C4-4BCD-93E2-E3B085C9AB24}">
+                <p16:designElem xmlns:p16="http://schemas.microsoft.com/office/powerpoint/2015/main" val="1"/>
+              </p:ext>
+            </p:extLst>
+          </p:nvPr>
+        </p:nvSpPr>
+        <p:spPr>
+          <a:xfrm>
+            <a:off x="4023074" y="668655"/>
+            <a:ext cx="541782" cy="3803332"/>
+          </a:xfrm>
+          <a:prstGeom prst="rect">
+            <a:avLst/>
+          </a:prstGeom>
+          <a:solidFill>
+            <a:srgbClr val="4C5254"/>
+          </a:solidFill>
+          <a:ln>
+            <a:noFill/>
+          </a:ln>
+        </p:spPr>
+        <p:style>
+          <a:lnRef idx="2">
+            <a:schemeClr val="accent1">
+              <a:shade val="50000"/>
+            </a:schemeClr>
+          </a:lnRef>
+          <a:fillRef idx="1">
+            <a:schemeClr val="accent1"/>
+          </a:fillRef>
+          <a:effectRef idx="0">
+            <a:schemeClr val="accent1"/>
+          </a:effectRef>
+          <a:fontRef idx="minor">
+            <a:schemeClr val="lt1"/>
+          </a:fontRef>
+        </p:style>
+        <p:txBody>
+          <a:bodyPr rtlCol="0" anchor="ctr"/>
+          <a:lstStyle/>
+          <a:p>
+            <a:pPr algn="ctr"/>
+            <a:endParaRPr lang="en-US"/>
+          </a:p>
+        </p:txBody>
+      </p:sp>
+      <p:pic>
+        <p:nvPicPr>
+          <p:cNvPr id="4" name="Hình ảnh 3" descr="Ảnh có chứa ảnh chụp màn hình&#10;&#10;Mô tả được tạo tự động">
+            <a:extLst>
+              <a:ext uri="{FF2B5EF4-FFF2-40B4-BE49-F238E27FC236}">
+                <a16:creationId xmlns:a16="http://schemas.microsoft.com/office/drawing/2014/main" id="{1F897186-0077-48B7-82D7-7E4653C73755}"/>
+              </a:ext>
+            </a:extLst>
+          </p:cNvPr>
+          <p:cNvPicPr>
+            <a:picLocks noChangeAspect="1"/>
+          </p:cNvPicPr>
+          <p:nvPr/>
+        </p:nvPicPr>
+        <p:blipFill rotWithShape="1">
+          <a:blip r:embed="rId2">
+            <a:extLst>
+              <a:ext uri="{28A0092B-C50C-407E-A947-70E740481C1C}">
+                <a14:useLocalDpi xmlns:a14="http://schemas.microsoft.com/office/drawing/2010/main" val="0"/>
+              </a:ext>
+            </a:extLst>
+          </a:blip>
+          <a:srcRect r="2856" b="-3"/>
+          <a:stretch/>
+        </p:blipFill>
+        <p:spPr>
+          <a:xfrm>
+            <a:off x="-18990" y="291372"/>
+            <a:ext cx="4427964" cy="4180615"/>
+          </a:xfrm>
+          <a:prstGeom prst="rect">
+            <a:avLst/>
+          </a:prstGeom>
+          <a:effectLst>
+            <a:outerShdw blurRad="406400" dist="317500" dir="5400000" sx="89000" sy="89000" rotWithShape="0">
+              <a:prstClr val="black">
+                <a:alpha val="15000"/>
+              </a:prstClr>
+            </a:outerShdw>
+          </a:effectLst>
+        </p:spPr>
+      </p:pic>
+    </p:spTree>
+    <p:extLst>
+      <p:ext uri="{BB962C8B-B14F-4D97-AF65-F5344CB8AC3E}">
+        <p14:creationId xmlns:p14="http://schemas.microsoft.com/office/powerpoint/2010/main" val="1051368763"/>
+      </p:ext>
+    </p:extLst>
+  </p:cSld>
+  <p:clrMapOvr>
+    <a:masterClrMapping/>
+  </p:clrMapOvr>
+  <p:transition spd="slow">
+    <p:push dir="u"/>
+  </p:transition>
+</p:sld>
+</file>
+
+<file path=ppt/slides/slide8.xml><?xml version="1.0" encoding="utf-8"?>
+<p:sld xmlns:a="http://schemas.openxmlformats.org/drawingml/2006/main" xmlns:r="http://schemas.openxmlformats.org/officeDocument/2006/relationships" xmlns:p="http://schemas.openxmlformats.org/presentationml/2006/main">
+  <p:cSld>
+    <p:bg>
+      <p:bgPr>
+        <a:solidFill>
+          <a:schemeClr val="bg1">
+            <a:lumMod val="75000"/>
+            <a:alpha val="54000"/>
+          </a:schemeClr>
+        </a:solidFill>
+        <a:effectLst/>
+      </p:bgPr>
+    </p:bg>
+    <p:spTree>
+      <p:nvGrpSpPr>
+        <p:cNvPr id="1" name=""/>
+        <p:cNvGrpSpPr/>
+        <p:nvPr/>
+      </p:nvGrpSpPr>
+      <p:grpSpPr>
+        <a:xfrm>
+          <a:off x="0" y="0"/>
+          <a:ext cx="0" cy="0"/>
+          <a:chOff x="0" y="0"/>
+          <a:chExt cx="0" cy="0"/>
+        </a:xfrm>
+      </p:grpSpPr>
+      <p:sp>
+        <p:nvSpPr>
+          <p:cNvPr id="13" name="Rectangle 8">
+            <a:extLst>
+              <a:ext uri="{FF2B5EF4-FFF2-40B4-BE49-F238E27FC236}">
+                <a16:creationId xmlns:a16="http://schemas.microsoft.com/office/drawing/2014/main" id="{A4AC5506-6312-4701-8D3C-40187889A947}"/>
+              </a:ext>
+              <a:ext uri="{C183D7F6-B498-43B3-948B-1728B52AA6E4}">
+                <adec:decorative xmlns:adec="http://schemas.microsoft.com/office/drawing/2017/decorative" val="1"/>
+              </a:ext>
+            </a:extLst>
+          </p:cNvPr>
+          <p:cNvSpPr>
+            <a:spLocks noGrp="1" noRot="1" noChangeAspect="1" noMove="1" noResize="1" noEditPoints="1" noAdjustHandles="1" noChangeArrowheads="1" noChangeShapeType="1" noTextEdit="1"/>
+          </p:cNvSpPr>
+          <p:nvPr>
+            <p:extLst>
+              <p:ext uri="{386F3935-93C4-4BCD-93E2-E3B085C9AB24}">
+                <p16:designElem xmlns:p16="http://schemas.microsoft.com/office/powerpoint/2015/main" val="1"/>
+              </p:ext>
+            </p:extLst>
+          </p:nvPr>
+        </p:nvSpPr>
+        <p:spPr>
+          <a:xfrm>
+            <a:off x="0" y="488814"/>
+            <a:ext cx="9144000" cy="552413"/>
+          </a:xfrm>
+          <a:prstGeom prst="rect">
+            <a:avLst/>
+          </a:prstGeom>
+          <a:solidFill>
+            <a:schemeClr val="tx1"/>
+          </a:solidFill>
+          <a:ln>
+            <a:noFill/>
+          </a:ln>
+        </p:spPr>
+        <p:style>
+          <a:lnRef idx="2">
+            <a:schemeClr val="accent1">
+              <a:shade val="50000"/>
+            </a:schemeClr>
+          </a:lnRef>
+          <a:fillRef idx="1">
+            <a:schemeClr val="accent1"/>
+          </a:fillRef>
+          <a:effectRef idx="0">
+            <a:schemeClr val="accent1"/>
+          </a:effectRef>
+          <a:fontRef idx="minor">
+            <a:schemeClr val="lt1"/>
+          </a:fontRef>
+        </p:style>
+        <p:txBody>
+          <a:bodyPr rtlCol="0" anchor="ctr"/>
+          <a:lstStyle/>
+          <a:p>
+            <a:pPr algn="ctr"/>
+            <a:endParaRPr lang="en-US"/>
+          </a:p>
+        </p:txBody>
+      </p:sp>
+      <p:sp>
+        <p:nvSpPr>
+          <p:cNvPr id="2" name="Title 1"/>
+          <p:cNvSpPr>
+            <a:spLocks noGrp="1"/>
+          </p:cNvSpPr>
+          <p:nvPr>
+            <p:ph type="ctrTitle"/>
+          </p:nvPr>
+        </p:nvSpPr>
+        <p:spPr>
+          <a:xfrm>
+            <a:off x="367903" y="1713868"/>
+            <a:ext cx="8408193" cy="558627"/>
+          </a:xfrm>
+        </p:spPr>
+        <p:txBody>
+          <a:bodyPr vert="horz" lIns="91440" tIns="45720" rIns="91440" bIns="45720" rtlCol="0" anchor="ctr">
+            <a:normAutofit/>
+          </a:bodyPr>
+          <a:lstStyle/>
+          <a:p>
+            <a:pPr algn="ctr" rtl="0">
+              <a:lnSpc>
+                <a:spcPct val="90000"/>
+              </a:lnSpc>
+              <a:spcBef>
+                <a:spcPct val="0"/>
+              </a:spcBef>
+            </a:pPr>
+            <a:r>
+              <a:rPr lang="en-US" sz="2400" b="1" kern="1200" spc="300" dirty="0">
+                <a:solidFill>
+                  <a:schemeClr val="bg1"/>
+                </a:solidFill>
+                <a:latin typeface="+mj-lt"/>
+                <a:ea typeface="+mj-ea"/>
+                <a:cs typeface="+mj-cs"/>
+              </a:rPr>
+              <a:t>VIEW</a:t>
+            </a:r>
+          </a:p>
+        </p:txBody>
+      </p:sp>
+      <p:pic>
+        <p:nvPicPr>
+          <p:cNvPr id="4" name="Hình ảnh 3" descr="Ảnh có chứa ảnh chụp màn hình&#10;&#10;Mô tả được tạo tự động">
+            <a:extLst>
+              <a:ext uri="{FF2B5EF4-FFF2-40B4-BE49-F238E27FC236}">
+                <a16:creationId xmlns:a16="http://schemas.microsoft.com/office/drawing/2014/main" id="{7D2F0F70-914E-47FA-A07C-164AD6873673}"/>
+              </a:ext>
+            </a:extLst>
+          </p:cNvPr>
+          <p:cNvPicPr>
+            <a:picLocks noChangeAspect="1"/>
+          </p:cNvPicPr>
+          <p:nvPr/>
+        </p:nvPicPr>
+        <p:blipFill>
+          <a:blip r:embed="rId2">
+            <a:extLst>
+              <a:ext uri="{28A0092B-C50C-407E-A947-70E740481C1C}">
+                <a14:useLocalDpi xmlns:a14="http://schemas.microsoft.com/office/drawing/2010/main" val="0"/>
+              </a:ext>
+            </a:extLst>
+          </a:blip>
+          <a:stretch>
+            <a:fillRect/>
+          </a:stretch>
+        </p:blipFill>
+        <p:spPr>
+          <a:xfrm>
+            <a:off x="2098208" y="4371950"/>
+            <a:ext cx="4947582" cy="3295649"/>
+          </a:xfrm>
+          <a:prstGeom prst="roundRect">
+            <a:avLst>
+              <a:gd name="adj" fmla="val 8594"/>
+            </a:avLst>
+          </a:prstGeom>
+          <a:solidFill>
+            <a:srgbClr val="FFFFFF">
+              <a:shade val="85000"/>
+            </a:srgbClr>
+          </a:solidFill>
+          <a:ln>
+            <a:noFill/>
+          </a:ln>
+          <a:effectLst>
+            <a:reflection blurRad="12700" stA="38000" endPos="28000" dist="5000" dir="5400000" sy="-100000" algn="bl" rotWithShape="0"/>
+          </a:effectLst>
+        </p:spPr>
+      </p:pic>
+    </p:spTree>
+    <p:extLst>
+      <p:ext uri="{BB962C8B-B14F-4D97-AF65-F5344CB8AC3E}">
+        <p14:creationId xmlns:p14="http://schemas.microsoft.com/office/powerpoint/2010/main" val="235646591"/>
+      </p:ext>
+    </p:extLst>
+  </p:cSld>
+  <p:clrMapOvr>
+    <a:masterClrMapping/>
+  </p:clrMapOvr>
+  <p:transition spd="slow">
+    <p:push dir="u"/>
+  </p:transition>
+  <p:timing>
+    <p:tnLst>
+      <p:par>
+        <p:cTn id="1" dur="indefinite" restart="never" nodeType="tmRoot">
+          <p:childTnLst>
+            <p:seq concurrent="1" nextAc="seek">
+              <p:cTn id="2" dur="indefinite" nodeType="mainSeq">
+                <p:childTnLst>
+                  <p:par>
+                    <p:cTn id="3" fill="hold">
+                      <p:stCondLst>
+                        <p:cond delay="indefinite"/>
+                        <p:cond evt="onBegin" delay="0">
+                          <p:tn val="2"/>
+                        </p:cond>
+                      </p:stCondLst>
+                      <p:childTnLst>
+                        <p:par>
+                          <p:cTn id="4" fill="hold">
+                            <p:stCondLst>
+                              <p:cond delay="0"/>
+                            </p:stCondLst>
+                            <p:childTnLst>
+                              <p:par>
+                                <p:cTn id="5" presetID="64" presetClass="path" presetSubtype="0" accel="50000" decel="50000" fill="hold" grpId="0" nodeType="withEffect">
+                                  <p:stCondLst>
+                                    <p:cond delay="0"/>
+                                  </p:stCondLst>
+                                  <p:childTnLst>
+                                    <p:animMotion origin="layout" path="M 0 4.32099E-6 L 0 -0.25 " pathEditMode="relative" rAng="0" ptsTypes="AA">
+                                      <p:cBhvr>
+                                        <p:cTn id="6" dur="2000" fill="hold"/>
+                                        <p:tgtEl>
+                                          <p:spTgt spid="2"/>
+                                        </p:tgtEl>
+                                        <p:attrNameLst>
+                                          <p:attrName>ppt_x</p:attrName>
+                                          <p:attrName>ppt_y</p:attrName>
+                                        </p:attrNameLst>
+                                      </p:cBhvr>
+                                      <p:rCtr x="0" y="-12500"/>
+                                    </p:animMotion>
+                                  </p:childTnLst>
+                                </p:cTn>
+                              </p:par>
+                              <p:par>
+                                <p:cTn id="7" presetID="64" presetClass="path" presetSubtype="0" accel="50000" decel="50000" fill="hold" nodeType="withEffect">
+                                  <p:stCondLst>
+                                    <p:cond delay="0"/>
+                                  </p:stCondLst>
+                                  <p:childTnLst>
+                                    <p:animMotion origin="layout" path="M -0.00226 -0.16389 L -0.00226 -0.59784 " pathEditMode="relative" rAng="0" ptsTypes="AA">
+                                      <p:cBhvr>
+                                        <p:cTn id="8" dur="2000" fill="hold"/>
+                                        <p:tgtEl>
+                                          <p:spTgt spid="4"/>
+                                        </p:tgtEl>
+                                        <p:attrNameLst>
+                                          <p:attrName>ppt_x</p:attrName>
+                                          <p:attrName>ppt_y</p:attrName>
+                                        </p:attrNameLst>
+                                      </p:cBhvr>
+                                      <p:rCtr x="0" y="-21698"/>
+                                    </p:animMotion>
+                                  </p:childTnLst>
+                                </p:cTn>
+                              </p:par>
+                            </p:childTnLst>
+                          </p:cTn>
+                        </p:par>
+                      </p:childTnLst>
+                    </p:cTn>
+                  </p:par>
+                </p:childTnLst>
+              </p:cTn>
+              <p:prevCondLst>
+                <p:cond evt="onPrev" delay="0">
+                  <p:tgtEl>
+                    <p:sldTgt/>
+                  </p:tgtEl>
+                </p:cond>
+              </p:prevCondLst>
+              <p:nextCondLst>
+                <p:cond evt="onNext" delay="0">
+                  <p:tgtEl>
+                    <p:sldTgt/>
+                  </p:tgtEl>
+                </p:cond>
+              </p:nextCondLst>
+            </p:seq>
+          </p:childTnLst>
+        </p:cTn>
+      </p:par>
+    </p:tnLst>
+    <p:bldLst>
+      <p:bldP spid="2" grpId="0"/>
+    </p:bldLst>
+  </p:timing>
+</p:sld>
+</file>
+
+<file path=ppt/slides/slide9.xml><?xml version="1.0" encoding="utf-8"?>
+<p:sld xmlns:a="http://schemas.openxmlformats.org/drawingml/2006/main" xmlns:r="http://schemas.openxmlformats.org/officeDocument/2006/relationships" xmlns:p="http://schemas.openxmlformats.org/presentationml/2006/main">
+  <p:cSld>
+    <p:spTree>
+      <p:nvGrpSpPr>
+        <p:cNvPr id="1" name=""/>
+        <p:cNvGrpSpPr/>
+        <p:nvPr/>
+      </p:nvGrpSpPr>
+      <p:grpSpPr>
+        <a:xfrm>
+          <a:off x="0" y="0"/>
+          <a:ext cx="0" cy="0"/>
+          <a:chOff x="0" y="0"/>
+          <a:chExt cx="0" cy="0"/>
+        </a:xfrm>
+      </p:grpSpPr>
+      <p:sp>
+        <p:nvSpPr>
+          <p:cNvPr id="2" name="Title 1"/>
+          <p:cNvSpPr>
+            <a:spLocks noGrp="1"/>
+          </p:cNvSpPr>
+          <p:nvPr>
+            <p:ph type="ctrTitle"/>
+          </p:nvPr>
+        </p:nvSpPr>
+        <p:spPr/>
+        <p:txBody>
+          <a:bodyPr/>
+          <a:lstStyle/>
+          <a:p>
+            <a:pPr algn="ctr"/>
+            <a:r>
+              <a:rPr lang="en-US" spc="300" dirty="0"/>
+              <a:t>CHỨC NĂNG</a:t>
+            </a:r>
+          </a:p>
+        </p:txBody>
+      </p:sp>
+    </p:spTree>
+    <p:extLst>
+      <p:ext uri="{BB962C8B-B14F-4D97-AF65-F5344CB8AC3E}">
+        <p14:creationId xmlns:p14="http://schemas.microsoft.com/office/powerpoint/2010/main" val="234392180"/>
       </p:ext>
     </p:extLst>
   </p:cSld>

--- a/TEST1.pptx
+++ b/TEST1.pptx
@@ -1,25 +1,27 @@
 
 <file path=ppt/presentation.xml><?xml version="1.0" encoding="utf-8"?>
-<p:presentation xmlns:a="http://schemas.openxmlformats.org/drawingml/2006/main" xmlns:r="http://schemas.openxmlformats.org/officeDocument/2006/relationships" xmlns:p="http://schemas.openxmlformats.org/presentationml/2006/main" saveSubsetFonts="1">
+<p:presentation xmlns:a="http://schemas.openxmlformats.org/drawingml/2006/main" xmlns:r="http://schemas.openxmlformats.org/officeDocument/2006/relationships" xmlns:p="http://schemas.openxmlformats.org/presentationml/2006/main">
   <p:sldMasterIdLst>
     <p:sldMasterId id="2147483648" r:id="rId1"/>
   </p:sldMasterIdLst>
   <p:notesMasterIdLst>
-    <p:notesMasterId r:id="rId14"/>
+    <p:notesMasterId r:id="rId5"/>
   </p:notesMasterIdLst>
   <p:sldIdLst>
-    <p:sldId id="285" r:id="rId2"/>
-    <p:sldId id="256" r:id="rId3"/>
-    <p:sldId id="283" r:id="rId4"/>
-    <p:sldId id="284" r:id="rId5"/>
-    <p:sldId id="288" r:id="rId6"/>
-    <p:sldId id="289" r:id="rId7"/>
-    <p:sldId id="292" r:id="rId8"/>
-    <p:sldId id="291" r:id="rId9"/>
-    <p:sldId id="279" r:id="rId10"/>
-    <p:sldId id="286" r:id="rId11"/>
-    <p:sldId id="282" r:id="rId12"/>
-    <p:sldId id="262" r:id="rId13"/>
+    <p:sldId id="285" r:id="rId3"/>
+    <p:sldId id="256" r:id="rId4"/>
+    <p:sldId id="283" r:id="rId6"/>
+    <p:sldId id="284" r:id="rId7"/>
+    <p:sldId id="288" r:id="rId8"/>
+    <p:sldId id="289" r:id="rId9"/>
+    <p:sldId id="292" r:id="rId10"/>
+    <p:sldId id="291" r:id="rId11"/>
+    <p:sldId id="279" r:id="rId12"/>
+    <p:sldId id="286" r:id="rId13"/>
+    <p:sldId id="298" r:id="rId14"/>
+    <p:sldId id="299" r:id="rId15"/>
+    <p:sldId id="282" r:id="rId16"/>
+    <p:sldId id="262" r:id="rId17"/>
   </p:sldIdLst>
   <p:sldSz cx="9144000" cy="5143500" type="screen16x9"/>
   <p:notesSz cx="5143500" cy="9144000"/>
@@ -118,22 +120,6 @@
       </a:defRPr>
     </a:lvl9pPr>
   </p:defaultTextStyle>
-  <p:extLst>
-    <p:ext uri="{EFAFB233-063F-42B5-8137-9DF3F51BA10A}">
-      <p15:sldGuideLst xmlns:p15="http://schemas.microsoft.com/office/powerpoint/2012/main">
-        <p15:guide id="1" orient="horz" pos="2164">
-          <p15:clr>
-            <a:srgbClr val="A4A3A4"/>
-          </p15:clr>
-        </p15:guide>
-        <p15:guide id="2" pos="2880">
-          <p15:clr>
-            <a:srgbClr val="A4A3A4"/>
-          </p15:clr>
-        </p15:guide>
-      </p15:sldGuideLst>
-    </p:ext>
-  </p:extLst>
 </p:presentation>
 </file>
 
@@ -219,7 +205,6 @@
           <a:p>
             <a:fld id="{D720503E-7F5E-4ABE-B869-34FDF8855786}" type="datetimeFigureOut">
               <a:rPr lang="en-US" smtClean="0"/>
-              <a:t>5/4/2020</a:t>
             </a:fld>
             <a:endParaRPr lang="en-US"/>
           </a:p>
@@ -286,6 +271,7 @@
               <a:rPr lang="en-US"/>
               <a:t>Click to edit Master text styles</a:t>
             </a:r>
+            <a:endParaRPr lang="en-US"/>
           </a:p>
           <a:p>
             <a:pPr lvl="1"/>
@@ -293,6 +279,7 @@
               <a:rPr lang="en-US"/>
               <a:t>Second level</a:t>
             </a:r>
+            <a:endParaRPr lang="en-US"/>
           </a:p>
           <a:p>
             <a:pPr lvl="2"/>
@@ -300,6 +287,7 @@
               <a:rPr lang="en-US"/>
               <a:t>Third level</a:t>
             </a:r>
+            <a:endParaRPr lang="en-US"/>
           </a:p>
           <a:p>
             <a:pPr lvl="3"/>
@@ -307,6 +295,7 @@
               <a:rPr lang="en-US"/>
               <a:t>Fourth level</a:t>
             </a:r>
+            <a:endParaRPr lang="en-US"/>
           </a:p>
           <a:p>
             <a:pPr lvl="4"/>
@@ -314,6 +303,7 @@
               <a:rPr lang="en-US"/>
               <a:t>Fifth level</a:t>
             </a:r>
+            <a:endParaRPr lang="en-US"/>
           </a:p>
         </p:txBody>
       </p:sp>
@@ -377,18 +367,12 @@
           <a:p>
             <a:fld id="{9FE034A6-7E91-463E-97D9-B2CBF880F0D3}" type="slidenum">
               <a:rPr lang="en-US" smtClean="0"/>
-              <a:t>‹#›</a:t>
             </a:fld>
             <a:endParaRPr lang="en-US"/>
           </a:p>
         </p:txBody>
       </p:sp>
     </p:spTree>
-    <p:extLst>
-      <p:ext uri="{BB962C8B-B14F-4D97-AF65-F5344CB8AC3E}">
-        <p14:creationId xmlns:p14="http://schemas.microsoft.com/office/powerpoint/2010/main" val="2268753127"/>
-      </p:ext>
-    </p:extLst>
   </p:cSld>
   <p:clrMap bg1="lt1" tx1="dk1" bg2="lt2" tx2="dk2" accent1="accent1" accent2="accent2" accent3="accent3" accent4="accent4" accent5="accent5" accent6="accent6" hlink="hlink" folHlink="folHlink"/>
   <p:notesStyle>
@@ -563,18 +547,12 @@
           <a:p>
             <a:fld id="{9FE034A6-7E91-463E-97D9-B2CBF880F0D3}" type="slidenum">
               <a:rPr lang="en-US" smtClean="0"/>
-              <a:t>2</a:t>
             </a:fld>
             <a:endParaRPr lang="en-US"/>
           </a:p>
         </p:txBody>
       </p:sp>
     </p:spTree>
-    <p:extLst>
-      <p:ext uri="{BB962C8B-B14F-4D97-AF65-F5344CB8AC3E}">
-        <p14:creationId xmlns:p14="http://schemas.microsoft.com/office/powerpoint/2010/main" val="1916010551"/>
-      </p:ext>
-    </p:extLst>
   </p:cSld>
   <p:clrMapOvr>
     <a:masterClrMapping/>
@@ -583,7 +561,7 @@
 </file>
 
 <file path=ppt/slideLayouts/slideLayout1.xml><?xml version="1.0" encoding="utf-8"?>
-<p:sldLayout xmlns:a="http://schemas.openxmlformats.org/drawingml/2006/main" xmlns:r="http://schemas.openxmlformats.org/officeDocument/2006/relationships" xmlns:p="http://schemas.openxmlformats.org/presentationml/2006/main" showMasterPhAnim="0" type="title" preserve="1" userDrawn="1">
+<p:sldLayout xmlns:a="http://schemas.openxmlformats.org/drawingml/2006/main" xmlns:r="http://schemas.openxmlformats.org/officeDocument/2006/relationships" xmlns:p="http://schemas.openxmlformats.org/presentationml/2006/main" type="title" preserve="1" showMasterPhAnim="0" userDrawn="1">
   <p:cSld name="Title Slide">
     <p:spTree>
       <p:nvGrpSpPr>
@@ -632,6 +610,7 @@
               <a:rPr lang="en-US"/>
               <a:t>CLICK TO EDIT MASTER TITLE STYLE</a:t>
             </a:r>
+            <a:endParaRPr lang="en-US"/>
           </a:p>
         </p:txBody>
       </p:sp>
@@ -753,6 +732,7 @@
               <a:rPr lang="en-US"/>
               <a:t>Click to edit Master subtitle style</a:t>
             </a:r>
+            <a:endParaRPr lang="en-US"/>
           </a:p>
         </p:txBody>
       </p:sp>
@@ -776,7 +756,6 @@
             </a:pPr>
             <a:fld id="{C6A69C64-0A0C-4D60-B614-E96069CBCE63}" type="datetimeFigureOut">
               <a:rPr lang="en-US"/>
-              <a:t>5/4/2020</a:t>
             </a:fld>
             <a:endParaRPr lang="en-US"/>
           </a:p>
@@ -824,7 +803,6 @@
             </a:pPr>
             <a:fld id="{D2B8A622-3C6F-467E-89B7-A46C6F622311}" type="slidenum">
               <a:rPr lang="en-US"/>
-              <a:t>‹#›</a:t>
             </a:fld>
             <a:endParaRPr lang="en-US"/>
           </a:p>
@@ -842,7 +820,7 @@
 </file>
 
 <file path=ppt/slideLayouts/slideLayout10.xml><?xml version="1.0" encoding="utf-8"?>
-<p:sldLayout xmlns:a="http://schemas.openxmlformats.org/drawingml/2006/main" xmlns:r="http://schemas.openxmlformats.org/officeDocument/2006/relationships" xmlns:p="http://schemas.openxmlformats.org/presentationml/2006/main" showMasterPhAnim="0" type="vertTx" preserve="1" userDrawn="1">
+<p:sldLayout xmlns:a="http://schemas.openxmlformats.org/drawingml/2006/main" xmlns:r="http://schemas.openxmlformats.org/officeDocument/2006/relationships" xmlns:p="http://schemas.openxmlformats.org/presentationml/2006/main" type="vertTx" preserve="1" showMasterPhAnim="0" userDrawn="1">
   <p:cSld name="Title and Vertical Text">
     <p:spTree>
       <p:nvGrpSpPr>
@@ -880,6 +858,7 @@
               <a:rPr lang="en-US"/>
               <a:t>Click to edit Master title style</a:t>
             </a:r>
+            <a:endParaRPr lang="en-US"/>
           </a:p>
         </p:txBody>
       </p:sp>
@@ -905,7 +884,7 @@
               <a:rPr lang="en-US"/>
               <a:t>Click to edit Master text styles</a:t>
             </a:r>
-            <a:endParaRPr/>
+            <a:endParaRPr lang="en-US"/>
           </a:p>
           <a:p>
             <a:pPr lvl="1">
@@ -915,7 +894,7 @@
               <a:rPr lang="en-US"/>
               <a:t>Second level</a:t>
             </a:r>
-            <a:endParaRPr/>
+            <a:endParaRPr lang="en-US"/>
           </a:p>
           <a:p>
             <a:pPr lvl="2">
@@ -925,7 +904,7 @@
               <a:rPr lang="en-US"/>
               <a:t>Third level</a:t>
             </a:r>
-            <a:endParaRPr/>
+            <a:endParaRPr lang="en-US"/>
           </a:p>
           <a:p>
             <a:pPr lvl="3">
@@ -935,7 +914,7 @@
               <a:rPr lang="en-US"/>
               <a:t>Fourth level</a:t>
             </a:r>
-            <a:endParaRPr/>
+            <a:endParaRPr lang="en-US"/>
           </a:p>
           <a:p>
             <a:pPr lvl="4">
@@ -945,6 +924,7 @@
               <a:rPr lang="en-US"/>
               <a:t>Fifth level</a:t>
             </a:r>
+            <a:endParaRPr lang="en-US"/>
           </a:p>
         </p:txBody>
       </p:sp>
@@ -968,7 +948,6 @@
             </a:pPr>
             <a:fld id="{C6A69C64-0A0C-4D60-B614-E96069CBCE63}" type="datetimeFigureOut">
               <a:rPr lang="en-US"/>
-              <a:t>5/4/2020</a:t>
             </a:fld>
             <a:endParaRPr lang="en-US"/>
           </a:p>
@@ -1016,7 +995,6 @@
             </a:pPr>
             <a:fld id="{D2B8A622-3C6F-467E-89B7-A46C6F622311}" type="slidenum">
               <a:rPr lang="en-US"/>
-              <a:t>‹#›</a:t>
             </a:fld>
             <a:endParaRPr lang="en-US"/>
           </a:p>
@@ -1034,7 +1012,7 @@
 </file>
 
 <file path=ppt/slideLayouts/slideLayout11.xml><?xml version="1.0" encoding="utf-8"?>
-<p:sldLayout xmlns:a="http://schemas.openxmlformats.org/drawingml/2006/main" xmlns:r="http://schemas.openxmlformats.org/officeDocument/2006/relationships" xmlns:p="http://schemas.openxmlformats.org/presentationml/2006/main" showMasterPhAnim="0" type="vertTitleAndTx" preserve="1" userDrawn="1">
+<p:sldLayout xmlns:a="http://schemas.openxmlformats.org/drawingml/2006/main" xmlns:r="http://schemas.openxmlformats.org/officeDocument/2006/relationships" xmlns:p="http://schemas.openxmlformats.org/presentationml/2006/main" type="vertTitleAndTx" preserve="1" showMasterPhAnim="0" userDrawn="1">
   <p:cSld name="Vertical Title and Text">
     <p:spTree>
       <p:nvGrpSpPr>
@@ -1077,6 +1055,7 @@
               <a:rPr lang="en-US"/>
               <a:t>Click to edit Master title style</a:t>
             </a:r>
+            <a:endParaRPr lang="en-US"/>
           </a:p>
         </p:txBody>
       </p:sp>
@@ -1107,7 +1086,7 @@
               <a:rPr lang="en-US"/>
               <a:t>Click to edit Master text styles</a:t>
             </a:r>
-            <a:endParaRPr/>
+            <a:endParaRPr lang="en-US"/>
           </a:p>
           <a:p>
             <a:pPr lvl="1">
@@ -1117,7 +1096,7 @@
               <a:rPr lang="en-US"/>
               <a:t>Second level</a:t>
             </a:r>
-            <a:endParaRPr/>
+            <a:endParaRPr lang="en-US"/>
           </a:p>
           <a:p>
             <a:pPr lvl="2">
@@ -1127,7 +1106,7 @@
               <a:rPr lang="en-US"/>
               <a:t>Third level</a:t>
             </a:r>
-            <a:endParaRPr/>
+            <a:endParaRPr lang="en-US"/>
           </a:p>
           <a:p>
             <a:pPr lvl="3">
@@ -1137,7 +1116,7 @@
               <a:rPr lang="en-US"/>
               <a:t>Fourth level</a:t>
             </a:r>
-            <a:endParaRPr/>
+            <a:endParaRPr lang="en-US"/>
           </a:p>
           <a:p>
             <a:pPr lvl="4">
@@ -1147,6 +1126,7 @@
               <a:rPr lang="en-US"/>
               <a:t>Fifth level</a:t>
             </a:r>
+            <a:endParaRPr lang="en-US"/>
           </a:p>
         </p:txBody>
       </p:sp>
@@ -1170,7 +1150,6 @@
             </a:pPr>
             <a:fld id="{C6A69C64-0A0C-4D60-B614-E96069CBCE63}" type="datetimeFigureOut">
               <a:rPr lang="en-US"/>
-              <a:t>5/4/2020</a:t>
             </a:fld>
             <a:endParaRPr lang="en-US"/>
           </a:p>
@@ -1218,7 +1197,6 @@
             </a:pPr>
             <a:fld id="{D2B8A622-3C6F-467E-89B7-A46C6F622311}" type="slidenum">
               <a:rPr lang="en-US"/>
-              <a:t>‹#›</a:t>
             </a:fld>
             <a:endParaRPr lang="en-US"/>
           </a:p>
@@ -1236,7 +1214,7 @@
 </file>
 
 <file path=ppt/slideLayouts/slideLayout2.xml><?xml version="1.0" encoding="utf-8"?>
-<p:sldLayout xmlns:a="http://schemas.openxmlformats.org/drawingml/2006/main" xmlns:r="http://schemas.openxmlformats.org/officeDocument/2006/relationships" xmlns:p="http://schemas.openxmlformats.org/presentationml/2006/main" showMasterPhAnim="0" type="obj" preserve="1" userDrawn="1">
+<p:sldLayout xmlns:a="http://schemas.openxmlformats.org/drawingml/2006/main" xmlns:r="http://schemas.openxmlformats.org/officeDocument/2006/relationships" xmlns:p="http://schemas.openxmlformats.org/presentationml/2006/main" type="obj" preserve="1" showMasterPhAnim="0" userDrawn="1">
   <p:cSld name="Title and Content">
     <p:spTree>
       <p:nvGrpSpPr>
@@ -1274,6 +1252,7 @@
               <a:rPr lang="en-US"/>
               <a:t>Click to edit Master title style</a:t>
             </a:r>
+            <a:endParaRPr lang="en-US"/>
           </a:p>
         </p:txBody>
       </p:sp>
@@ -1299,7 +1278,7 @@
               <a:rPr lang="en-US"/>
               <a:t>Click to edit Master text styles</a:t>
             </a:r>
-            <a:endParaRPr/>
+            <a:endParaRPr lang="en-US"/>
           </a:p>
           <a:p>
             <a:pPr lvl="1">
@@ -1309,7 +1288,7 @@
               <a:rPr lang="en-US"/>
               <a:t>Second level</a:t>
             </a:r>
-            <a:endParaRPr/>
+            <a:endParaRPr lang="en-US"/>
           </a:p>
           <a:p>
             <a:pPr lvl="2">
@@ -1319,7 +1298,7 @@
               <a:rPr lang="en-US"/>
               <a:t>Third level</a:t>
             </a:r>
-            <a:endParaRPr/>
+            <a:endParaRPr lang="en-US"/>
           </a:p>
           <a:p>
             <a:pPr lvl="3">
@@ -1329,7 +1308,7 @@
               <a:rPr lang="en-US"/>
               <a:t>Fourth level</a:t>
             </a:r>
-            <a:endParaRPr/>
+            <a:endParaRPr lang="en-US"/>
           </a:p>
           <a:p>
             <a:pPr lvl="4">
@@ -1339,6 +1318,7 @@
               <a:rPr lang="en-US"/>
               <a:t>Fifth level</a:t>
             </a:r>
+            <a:endParaRPr lang="en-US"/>
           </a:p>
         </p:txBody>
       </p:sp>
@@ -1362,7 +1342,6 @@
             </a:pPr>
             <a:fld id="{C6A69C64-0A0C-4D60-B614-E96069CBCE63}" type="datetimeFigureOut">
               <a:rPr lang="en-US"/>
-              <a:t>5/4/2020</a:t>
             </a:fld>
             <a:endParaRPr lang="en-US"/>
           </a:p>
@@ -1410,7 +1389,6 @@
             </a:pPr>
             <a:fld id="{D2B8A622-3C6F-467E-89B7-A46C6F622311}" type="slidenum">
               <a:rPr lang="en-US"/>
-              <a:t>‹#›</a:t>
             </a:fld>
             <a:endParaRPr lang="en-US"/>
           </a:p>
@@ -1428,7 +1406,7 @@
 </file>
 
 <file path=ppt/slideLayouts/slideLayout3.xml><?xml version="1.0" encoding="utf-8"?>
-<p:sldLayout xmlns:a="http://schemas.openxmlformats.org/drawingml/2006/main" xmlns:r="http://schemas.openxmlformats.org/officeDocument/2006/relationships" xmlns:p="http://schemas.openxmlformats.org/presentationml/2006/main" showMasterPhAnim="0" type="secHead" preserve="1" userDrawn="1">
+<p:sldLayout xmlns:a="http://schemas.openxmlformats.org/drawingml/2006/main" xmlns:r="http://schemas.openxmlformats.org/officeDocument/2006/relationships" xmlns:p="http://schemas.openxmlformats.org/presentationml/2006/main" type="secHead" preserve="1" showMasterPhAnim="0" userDrawn="1">
   <p:cSld name="Section Header">
     <p:spTree>
       <p:nvGrpSpPr>
@@ -1475,6 +1453,7 @@
               <a:rPr lang="en-US"/>
               <a:t>Click to edit Master title style</a:t>
             </a:r>
+            <a:endParaRPr lang="en-US"/>
           </a:p>
         </p:txBody>
       </p:sp>
@@ -1596,7 +1575,7 @@
               <a:rPr lang="en-US"/>
               <a:t>Click to edit Master text styles</a:t>
             </a:r>
-            <a:endParaRPr/>
+            <a:endParaRPr lang="en-US"/>
           </a:p>
         </p:txBody>
       </p:sp>
@@ -1620,7 +1599,6 @@
             </a:pPr>
             <a:fld id="{C6A69C64-0A0C-4D60-B614-E96069CBCE63}" type="datetimeFigureOut">
               <a:rPr lang="en-US"/>
-              <a:t>5/4/2020</a:t>
             </a:fld>
             <a:endParaRPr lang="en-US"/>
           </a:p>
@@ -1668,7 +1646,6 @@
             </a:pPr>
             <a:fld id="{D2B8A622-3C6F-467E-89B7-A46C6F622311}" type="slidenum">
               <a:rPr lang="en-US"/>
-              <a:t>‹#›</a:t>
             </a:fld>
             <a:endParaRPr lang="en-US"/>
           </a:p>
@@ -1686,7 +1663,7 @@
 </file>
 
 <file path=ppt/slideLayouts/slideLayout4.xml><?xml version="1.0" encoding="utf-8"?>
-<p:sldLayout xmlns:a="http://schemas.openxmlformats.org/drawingml/2006/main" xmlns:r="http://schemas.openxmlformats.org/officeDocument/2006/relationships" xmlns:p="http://schemas.openxmlformats.org/presentationml/2006/main" showMasterPhAnim="0" type="twoObj" preserve="1" userDrawn="1">
+<p:sldLayout xmlns:a="http://schemas.openxmlformats.org/drawingml/2006/main" xmlns:r="http://schemas.openxmlformats.org/officeDocument/2006/relationships" xmlns:p="http://schemas.openxmlformats.org/presentationml/2006/main" type="twoObj" preserve="1" showMasterPhAnim="0" userDrawn="1">
   <p:cSld name="Two Content">
     <p:spTree>
       <p:nvGrpSpPr>
@@ -1724,6 +1701,7 @@
               <a:rPr lang="en-US"/>
               <a:t>Click to edit Master title style</a:t>
             </a:r>
+            <a:endParaRPr lang="en-US"/>
           </a:p>
         </p:txBody>
       </p:sp>
@@ -1782,7 +1760,7 @@
               <a:rPr lang="en-US"/>
               <a:t>Click to edit Master text styles</a:t>
             </a:r>
-            <a:endParaRPr/>
+            <a:endParaRPr lang="en-US"/>
           </a:p>
           <a:p>
             <a:pPr lvl="1">
@@ -1792,7 +1770,7 @@
               <a:rPr lang="en-US"/>
               <a:t>Second level</a:t>
             </a:r>
-            <a:endParaRPr/>
+            <a:endParaRPr lang="en-US"/>
           </a:p>
           <a:p>
             <a:pPr lvl="2">
@@ -1802,7 +1780,7 @@
               <a:rPr lang="en-US"/>
               <a:t>Third level</a:t>
             </a:r>
-            <a:endParaRPr/>
+            <a:endParaRPr lang="en-US"/>
           </a:p>
           <a:p>
             <a:pPr lvl="3">
@@ -1812,7 +1790,7 @@
               <a:rPr lang="en-US"/>
               <a:t>Fourth level</a:t>
             </a:r>
-            <a:endParaRPr/>
+            <a:endParaRPr lang="en-US"/>
           </a:p>
           <a:p>
             <a:pPr lvl="4">
@@ -1822,6 +1800,7 @@
               <a:rPr lang="en-US"/>
               <a:t>Fifth level</a:t>
             </a:r>
+            <a:endParaRPr lang="en-US"/>
           </a:p>
         </p:txBody>
       </p:sp>
@@ -1880,7 +1859,7 @@
               <a:rPr lang="en-US"/>
               <a:t>Click to edit Master text styles</a:t>
             </a:r>
-            <a:endParaRPr/>
+            <a:endParaRPr lang="en-US"/>
           </a:p>
           <a:p>
             <a:pPr lvl="1">
@@ -1890,7 +1869,7 @@
               <a:rPr lang="en-US"/>
               <a:t>Second level</a:t>
             </a:r>
-            <a:endParaRPr/>
+            <a:endParaRPr lang="en-US"/>
           </a:p>
           <a:p>
             <a:pPr lvl="2">
@@ -1900,7 +1879,7 @@
               <a:rPr lang="en-US"/>
               <a:t>Third level</a:t>
             </a:r>
-            <a:endParaRPr/>
+            <a:endParaRPr lang="en-US"/>
           </a:p>
           <a:p>
             <a:pPr lvl="3">
@@ -1910,7 +1889,7 @@
               <a:rPr lang="en-US"/>
               <a:t>Fourth level</a:t>
             </a:r>
-            <a:endParaRPr/>
+            <a:endParaRPr lang="en-US"/>
           </a:p>
           <a:p>
             <a:pPr lvl="4">
@@ -1920,6 +1899,7 @@
               <a:rPr lang="en-US"/>
               <a:t>Fifth level</a:t>
             </a:r>
+            <a:endParaRPr lang="en-US"/>
           </a:p>
         </p:txBody>
       </p:sp>
@@ -1943,7 +1923,6 @@
             </a:pPr>
             <a:fld id="{C6A69C64-0A0C-4D60-B614-E96069CBCE63}" type="datetimeFigureOut">
               <a:rPr lang="en-US"/>
-              <a:t>5/4/2020</a:t>
             </a:fld>
             <a:endParaRPr lang="en-US"/>
           </a:p>
@@ -1991,7 +1970,6 @@
             </a:pPr>
             <a:fld id="{D2B8A622-3C6F-467E-89B7-A46C6F622311}" type="slidenum">
               <a:rPr lang="en-US"/>
-              <a:t>‹#›</a:t>
             </a:fld>
             <a:endParaRPr lang="en-US"/>
           </a:p>
@@ -2009,7 +1987,7 @@
 </file>
 
 <file path=ppt/slideLayouts/slideLayout5.xml><?xml version="1.0" encoding="utf-8"?>
-<p:sldLayout xmlns:a="http://schemas.openxmlformats.org/drawingml/2006/main" xmlns:r="http://schemas.openxmlformats.org/officeDocument/2006/relationships" xmlns:p="http://schemas.openxmlformats.org/presentationml/2006/main" showMasterPhAnim="0" type="twoTxTwoObj" preserve="1" userDrawn="1">
+<p:sldLayout xmlns:a="http://schemas.openxmlformats.org/drawingml/2006/main" xmlns:r="http://schemas.openxmlformats.org/officeDocument/2006/relationships" xmlns:p="http://schemas.openxmlformats.org/presentationml/2006/main" type="twoTxTwoObj" preserve="1" showMasterPhAnim="0" userDrawn="1">
   <p:cSld name="Comparison">
     <p:spTree>
       <p:nvGrpSpPr>
@@ -2056,6 +2034,7 @@
               <a:rPr lang="en-US"/>
               <a:t>Click to edit Master title style</a:t>
             </a:r>
+            <a:endParaRPr lang="en-US"/>
           </a:p>
         </p:txBody>
       </p:sp>
@@ -2123,7 +2102,7 @@
               <a:rPr lang="en-US"/>
               <a:t>Click to edit Master text styles</a:t>
             </a:r>
-            <a:endParaRPr/>
+            <a:endParaRPr lang="en-US"/>
           </a:p>
         </p:txBody>
       </p:sp>
@@ -2182,7 +2161,7 @@
               <a:rPr lang="en-US"/>
               <a:t>Click to edit Master text styles</a:t>
             </a:r>
-            <a:endParaRPr/>
+            <a:endParaRPr lang="en-US"/>
           </a:p>
           <a:p>
             <a:pPr lvl="1">
@@ -2192,7 +2171,7 @@
               <a:rPr lang="en-US"/>
               <a:t>Second level</a:t>
             </a:r>
-            <a:endParaRPr/>
+            <a:endParaRPr lang="en-US"/>
           </a:p>
           <a:p>
             <a:pPr lvl="2">
@@ -2202,7 +2181,7 @@
               <a:rPr lang="en-US"/>
               <a:t>Third level</a:t>
             </a:r>
-            <a:endParaRPr/>
+            <a:endParaRPr lang="en-US"/>
           </a:p>
           <a:p>
             <a:pPr lvl="3">
@@ -2212,7 +2191,7 @@
               <a:rPr lang="en-US"/>
               <a:t>Fourth level</a:t>
             </a:r>
-            <a:endParaRPr/>
+            <a:endParaRPr lang="en-US"/>
           </a:p>
           <a:p>
             <a:pPr lvl="4">
@@ -2222,6 +2201,7 @@
               <a:rPr lang="en-US"/>
               <a:t>Fifth level</a:t>
             </a:r>
+            <a:endParaRPr lang="en-US"/>
           </a:p>
         </p:txBody>
       </p:sp>
@@ -2289,7 +2269,7 @@
               <a:rPr lang="en-US"/>
               <a:t>Click to edit Master text styles</a:t>
             </a:r>
-            <a:endParaRPr/>
+            <a:endParaRPr lang="en-US"/>
           </a:p>
         </p:txBody>
       </p:sp>
@@ -2348,7 +2328,7 @@
               <a:rPr lang="en-US"/>
               <a:t>Click to edit Master text styles</a:t>
             </a:r>
-            <a:endParaRPr/>
+            <a:endParaRPr lang="en-US"/>
           </a:p>
           <a:p>
             <a:pPr lvl="1">
@@ -2358,7 +2338,7 @@
               <a:rPr lang="en-US"/>
               <a:t>Second level</a:t>
             </a:r>
-            <a:endParaRPr/>
+            <a:endParaRPr lang="en-US"/>
           </a:p>
           <a:p>
             <a:pPr lvl="2">
@@ -2368,7 +2348,7 @@
               <a:rPr lang="en-US"/>
               <a:t>Third level</a:t>
             </a:r>
-            <a:endParaRPr/>
+            <a:endParaRPr lang="en-US"/>
           </a:p>
           <a:p>
             <a:pPr lvl="3">
@@ -2378,7 +2358,7 @@
               <a:rPr lang="en-US"/>
               <a:t>Fourth level</a:t>
             </a:r>
-            <a:endParaRPr/>
+            <a:endParaRPr lang="en-US"/>
           </a:p>
           <a:p>
             <a:pPr lvl="4">
@@ -2388,6 +2368,7 @@
               <a:rPr lang="en-US"/>
               <a:t>Fifth level</a:t>
             </a:r>
+            <a:endParaRPr lang="en-US"/>
           </a:p>
         </p:txBody>
       </p:sp>
@@ -2411,7 +2392,6 @@
             </a:pPr>
             <a:fld id="{C6A69C64-0A0C-4D60-B614-E96069CBCE63}" type="datetimeFigureOut">
               <a:rPr lang="en-US"/>
-              <a:t>5/4/2020</a:t>
             </a:fld>
             <a:endParaRPr lang="en-US"/>
           </a:p>
@@ -2459,7 +2439,6 @@
             </a:pPr>
             <a:fld id="{D2B8A622-3C6F-467E-89B7-A46C6F622311}" type="slidenum">
               <a:rPr lang="en-US"/>
-              <a:t>‹#›</a:t>
             </a:fld>
             <a:endParaRPr lang="en-US"/>
           </a:p>
@@ -2477,7 +2456,7 @@
 </file>
 
 <file path=ppt/slideLayouts/slideLayout6.xml><?xml version="1.0" encoding="utf-8"?>
-<p:sldLayout xmlns:a="http://schemas.openxmlformats.org/drawingml/2006/main" xmlns:r="http://schemas.openxmlformats.org/officeDocument/2006/relationships" xmlns:p="http://schemas.openxmlformats.org/presentationml/2006/main" showMasterPhAnim="0" type="titleOnly" preserve="1" userDrawn="1">
+<p:sldLayout xmlns:a="http://schemas.openxmlformats.org/drawingml/2006/main" xmlns:r="http://schemas.openxmlformats.org/officeDocument/2006/relationships" xmlns:p="http://schemas.openxmlformats.org/presentationml/2006/main" type="titleOnly" preserve="1" showMasterPhAnim="0" userDrawn="1">
   <p:cSld name="Title Only">
     <p:spTree>
       <p:nvGrpSpPr>
@@ -2515,6 +2494,7 @@
               <a:rPr lang="en-US"/>
               <a:t>Click to edit Master title style</a:t>
             </a:r>
+            <a:endParaRPr lang="en-US"/>
           </a:p>
         </p:txBody>
       </p:sp>
@@ -2538,7 +2518,6 @@
             </a:pPr>
             <a:fld id="{C6A69C64-0A0C-4D60-B614-E96069CBCE63}" type="datetimeFigureOut">
               <a:rPr lang="en-US"/>
-              <a:t>5/4/2020</a:t>
             </a:fld>
             <a:endParaRPr lang="en-US"/>
           </a:p>
@@ -2586,7 +2565,6 @@
             </a:pPr>
             <a:fld id="{D2B8A622-3C6F-467E-89B7-A46C6F622311}" type="slidenum">
               <a:rPr lang="en-US"/>
-              <a:t>‹#›</a:t>
             </a:fld>
             <a:endParaRPr lang="en-US"/>
           </a:p>
@@ -2604,7 +2582,7 @@
 </file>
 
 <file path=ppt/slideLayouts/slideLayout7.xml><?xml version="1.0" encoding="utf-8"?>
-<p:sldLayout xmlns:a="http://schemas.openxmlformats.org/drawingml/2006/main" xmlns:r="http://schemas.openxmlformats.org/officeDocument/2006/relationships" xmlns:p="http://schemas.openxmlformats.org/presentationml/2006/main" showMasterPhAnim="0" type="blank" preserve="1" userDrawn="1">
+<p:sldLayout xmlns:a="http://schemas.openxmlformats.org/drawingml/2006/main" xmlns:r="http://schemas.openxmlformats.org/officeDocument/2006/relationships" xmlns:p="http://schemas.openxmlformats.org/presentationml/2006/main" type="blank" preserve="1" showMasterPhAnim="0" userDrawn="1">
   <p:cSld name="Blank">
     <p:spTree>
       <p:nvGrpSpPr>
@@ -2640,7 +2618,6 @@
             </a:pPr>
             <a:fld id="{C6A69C64-0A0C-4D60-B614-E96069CBCE63}" type="datetimeFigureOut">
               <a:rPr lang="en-US"/>
-              <a:t>5/4/2020</a:t>
             </a:fld>
             <a:endParaRPr lang="en-US"/>
           </a:p>
@@ -2688,7 +2665,6 @@
             </a:pPr>
             <a:fld id="{D2B8A622-3C6F-467E-89B7-A46C6F622311}" type="slidenum">
               <a:rPr lang="en-US"/>
-              <a:t>‹#›</a:t>
             </a:fld>
             <a:endParaRPr lang="en-US"/>
           </a:p>
@@ -2706,7 +2682,7 @@
 </file>
 
 <file path=ppt/slideLayouts/slideLayout8.xml><?xml version="1.0" encoding="utf-8"?>
-<p:sldLayout xmlns:a="http://schemas.openxmlformats.org/drawingml/2006/main" xmlns:r="http://schemas.openxmlformats.org/officeDocument/2006/relationships" xmlns:p="http://schemas.openxmlformats.org/presentationml/2006/main" showMasterPhAnim="0" type="objTx" preserve="1" userDrawn="1">
+<p:sldLayout xmlns:a="http://schemas.openxmlformats.org/drawingml/2006/main" xmlns:r="http://schemas.openxmlformats.org/officeDocument/2006/relationships" xmlns:p="http://schemas.openxmlformats.org/presentationml/2006/main" type="objTx" preserve="1" showMasterPhAnim="0" userDrawn="1">
   <p:cSld name="Content with Caption">
     <p:spTree>
       <p:nvGrpSpPr>
@@ -2753,6 +2729,7 @@
               <a:rPr lang="en-US"/>
               <a:t>Click to edit Master title style</a:t>
             </a:r>
+            <a:endParaRPr lang="en-US"/>
           </a:p>
         </p:txBody>
       </p:sp>
@@ -2811,7 +2788,7 @@
               <a:rPr lang="en-US"/>
               <a:t>Click to edit Master text styles</a:t>
             </a:r>
-            <a:endParaRPr/>
+            <a:endParaRPr lang="en-US"/>
           </a:p>
           <a:p>
             <a:pPr lvl="1">
@@ -2821,7 +2798,7 @@
               <a:rPr lang="en-US"/>
               <a:t>Second level</a:t>
             </a:r>
-            <a:endParaRPr/>
+            <a:endParaRPr lang="en-US"/>
           </a:p>
           <a:p>
             <a:pPr lvl="2">
@@ -2831,7 +2808,7 @@
               <a:rPr lang="en-US"/>
               <a:t>Third level</a:t>
             </a:r>
-            <a:endParaRPr/>
+            <a:endParaRPr lang="en-US"/>
           </a:p>
           <a:p>
             <a:pPr lvl="3">
@@ -2841,7 +2818,7 @@
               <a:rPr lang="en-US"/>
               <a:t>Fourth level</a:t>
             </a:r>
-            <a:endParaRPr/>
+            <a:endParaRPr lang="en-US"/>
           </a:p>
           <a:p>
             <a:pPr lvl="4">
@@ -2851,6 +2828,7 @@
               <a:rPr lang="en-US"/>
               <a:t>Fifth level</a:t>
             </a:r>
+            <a:endParaRPr lang="en-US"/>
           </a:p>
         </p:txBody>
       </p:sp>
@@ -2918,7 +2896,7 @@
               <a:rPr lang="en-US"/>
               <a:t>Click to edit Master text styles</a:t>
             </a:r>
-            <a:endParaRPr/>
+            <a:endParaRPr lang="en-US"/>
           </a:p>
         </p:txBody>
       </p:sp>
@@ -2942,7 +2920,6 @@
             </a:pPr>
             <a:fld id="{C6A69C64-0A0C-4D60-B614-E96069CBCE63}" type="datetimeFigureOut">
               <a:rPr lang="en-US"/>
-              <a:t>5/4/2020</a:t>
             </a:fld>
             <a:endParaRPr lang="en-US"/>
           </a:p>
@@ -2990,7 +2967,6 @@
             </a:pPr>
             <a:fld id="{D2B8A622-3C6F-467E-89B7-A46C6F622311}" type="slidenum">
               <a:rPr lang="en-US"/>
-              <a:t>‹#›</a:t>
             </a:fld>
             <a:endParaRPr lang="en-US"/>
           </a:p>
@@ -3008,7 +2984,7 @@
 </file>
 
 <file path=ppt/slideLayouts/slideLayout9.xml><?xml version="1.0" encoding="utf-8"?>
-<p:sldLayout xmlns:a="http://schemas.openxmlformats.org/drawingml/2006/main" xmlns:r="http://schemas.openxmlformats.org/officeDocument/2006/relationships" xmlns:p="http://schemas.openxmlformats.org/presentationml/2006/main" showMasterPhAnim="0" type="picTx" preserve="1" userDrawn="1">
+<p:sldLayout xmlns:a="http://schemas.openxmlformats.org/drawingml/2006/main" xmlns:r="http://schemas.openxmlformats.org/officeDocument/2006/relationships" xmlns:p="http://schemas.openxmlformats.org/presentationml/2006/main" type="picTx" preserve="1" showMasterPhAnim="0" userDrawn="1">
   <p:cSld name="Picture with Caption">
     <p:spTree>
       <p:nvGrpSpPr>
@@ -3055,6 +3031,7 @@
               <a:rPr lang="en-US"/>
               <a:t>Click to edit Master title style</a:t>
             </a:r>
+            <a:endParaRPr lang="en-US"/>
           </a:p>
         </p:txBody>
       </p:sp>
@@ -3186,7 +3163,7 @@
               <a:rPr lang="en-US"/>
               <a:t>Click to edit Master text styles</a:t>
             </a:r>
-            <a:endParaRPr/>
+            <a:endParaRPr lang="en-US"/>
           </a:p>
         </p:txBody>
       </p:sp>
@@ -3210,7 +3187,6 @@
             </a:pPr>
             <a:fld id="{C6A69C64-0A0C-4D60-B614-E96069CBCE63}" type="datetimeFigureOut">
               <a:rPr lang="en-US"/>
-              <a:t>5/4/2020</a:t>
             </a:fld>
             <a:endParaRPr lang="en-US"/>
           </a:p>
@@ -3258,7 +3234,6 @@
             </a:pPr>
             <a:fld id="{D2B8A622-3C6F-467E-89B7-A46C6F622311}" type="slidenum">
               <a:rPr lang="en-US"/>
-              <a:t>‹#›</a:t>
             </a:fld>
             <a:endParaRPr lang="en-US"/>
           </a:p>
@@ -3329,6 +3304,7 @@
               <a:rPr lang="en-US"/>
               <a:t>Click to edit Master title style</a:t>
             </a:r>
+            <a:endParaRPr lang="en-US"/>
           </a:p>
         </p:txBody>
       </p:sp>
@@ -3364,7 +3340,7 @@
               <a:rPr lang="en-US"/>
               <a:t>Click to edit Master text styles</a:t>
             </a:r>
-            <a:endParaRPr/>
+            <a:endParaRPr lang="en-US"/>
           </a:p>
           <a:p>
             <a:pPr lvl="1">
@@ -3374,7 +3350,7 @@
               <a:rPr lang="en-US"/>
               <a:t>Second level</a:t>
             </a:r>
-            <a:endParaRPr/>
+            <a:endParaRPr lang="en-US"/>
           </a:p>
           <a:p>
             <a:pPr lvl="2">
@@ -3384,7 +3360,7 @@
               <a:rPr lang="en-US"/>
               <a:t>Third level</a:t>
             </a:r>
-            <a:endParaRPr/>
+            <a:endParaRPr lang="en-US"/>
           </a:p>
           <a:p>
             <a:pPr lvl="3">
@@ -3394,7 +3370,7 @@
               <a:rPr lang="en-US"/>
               <a:t>Fourth level</a:t>
             </a:r>
-            <a:endParaRPr/>
+            <a:endParaRPr lang="en-US"/>
           </a:p>
           <a:p>
             <a:pPr lvl="4">
@@ -3404,6 +3380,7 @@
               <a:rPr lang="en-US"/>
               <a:t>Fifth level</a:t>
             </a:r>
+            <a:endParaRPr lang="en-US"/>
           </a:p>
         </p:txBody>
       </p:sp>
@@ -3433,7 +3410,7 @@
               <a:lnSpc>
                 <a:spcPct val="150000"/>
               </a:lnSpc>
-              <a:buFont typeface="Arial"/>
+              <a:buFont typeface="Arial" panose="020B0604020202020204"/>
               <a:buNone/>
               <a:defRPr sz="1200">
                 <a:solidFill>
@@ -3451,7 +3428,6 @@
             </a:pPr>
             <a:fld id="{C6A69C64-0A0C-4D60-B614-E96069CBCE63}" type="datetimeFigureOut">
               <a:rPr lang="en-US"/>
-              <a:t>5/4/2020</a:t>
             </a:fld>
             <a:endParaRPr lang="en-US"/>
           </a:p>
@@ -3483,7 +3459,7 @@
               <a:lnSpc>
                 <a:spcPct val="150000"/>
               </a:lnSpc>
-              <a:buFont typeface="Arial"/>
+              <a:buFont typeface="Arial" panose="020B0604020202020204"/>
               <a:buNone/>
               <a:defRPr sz="1200">
                 <a:solidFill>
@@ -3529,7 +3505,7 @@
               <a:lnSpc>
                 <a:spcPct val="150000"/>
               </a:lnSpc>
-              <a:buFont typeface="Arial"/>
+              <a:buFont typeface="Arial" panose="020B0604020202020204"/>
               <a:buNone/>
               <a:defRPr sz="1200">
                 <a:solidFill>
@@ -3547,7 +3523,6 @@
             </a:pPr>
             <a:fld id="{D2B8A622-3C6F-467E-89B7-A46C6F622311}" type="slidenum">
               <a:rPr lang="en-US"/>
-              <a:t>‹#›</a:t>
             </a:fld>
             <a:endParaRPr lang="en-US"/>
           </a:p>
@@ -3581,7 +3556,7 @@
         <a:spcBef>
           <a:spcPts val="0"/>
         </a:spcBef>
-        <a:buFont typeface="Arial"/>
+        <a:buFont typeface="Arial" panose="020B0604020202020204"/>
         <a:buNone/>
         <a:defRPr sz="1200">
           <a:solidFill>
@@ -3603,7 +3578,7 @@
         <a:spcBef>
           <a:spcPts val="0"/>
         </a:spcBef>
-        <a:buFont typeface="Arial"/>
+        <a:buFont typeface="Arial" panose="020B0604020202020204"/>
         <a:buNone/>
         <a:defRPr sz="1200">
           <a:solidFill>
@@ -3623,7 +3598,7 @@
         <a:spcBef>
           <a:spcPts val="0"/>
         </a:spcBef>
-        <a:buFont typeface="Arial"/>
+        <a:buFont typeface="Arial" panose="020B0604020202020204"/>
         <a:buNone/>
         <a:defRPr sz="1200">
           <a:solidFill>
@@ -3643,7 +3618,7 @@
         <a:spcBef>
           <a:spcPts val="0"/>
         </a:spcBef>
-        <a:buFont typeface="Arial"/>
+        <a:buFont typeface="Arial" panose="020B0604020202020204"/>
         <a:buNone/>
         <a:defRPr sz="1200">
           <a:solidFill>
@@ -3663,7 +3638,7 @@
         <a:spcBef>
           <a:spcPts val="0"/>
         </a:spcBef>
-        <a:buFont typeface="Arial"/>
+        <a:buFont typeface="Arial" panose="020B0604020202020204"/>
         <a:buNone/>
         <a:defRPr sz="1200">
           <a:solidFill>
@@ -3683,7 +3658,7 @@
         <a:spcBef>
           <a:spcPts val="0"/>
         </a:spcBef>
-        <a:buFont typeface="Arial"/>
+        <a:buFont typeface="Arial" panose="020B0604020202020204"/>
         <a:buNone/>
         <a:defRPr sz="1200">
           <a:solidFill>
@@ -3700,7 +3675,7 @@
         <a:spcBef>
           <a:spcPts val="0"/>
         </a:spcBef>
-        <a:buFont typeface="Arial"/>
+        <a:buFont typeface="Arial" panose="020B0604020202020204"/>
         <a:buChar char="•"/>
         <a:defRPr sz="2000">
           <a:solidFill>
@@ -3715,7 +3690,7 @@
         <a:spcBef>
           <a:spcPts val="0"/>
         </a:spcBef>
-        <a:buFont typeface="Arial"/>
+        <a:buFont typeface="Arial" panose="020B0604020202020204"/>
         <a:buChar char="•"/>
         <a:defRPr sz="2000">
           <a:solidFill>
@@ -3730,7 +3705,7 @@
         <a:spcBef>
           <a:spcPts val="0"/>
         </a:spcBef>
-        <a:buFont typeface="Arial"/>
+        <a:buFont typeface="Arial" panose="020B0604020202020204"/>
         <a:buChar char="•"/>
         <a:defRPr sz="2000">
           <a:solidFill>
@@ -3745,7 +3720,7 @@
         <a:spcBef>
           <a:spcPts val="0"/>
         </a:spcBef>
-        <a:buFont typeface="Arial"/>
+        <a:buFont typeface="Arial" panose="020B0604020202020204"/>
         <a:buChar char="•"/>
         <a:defRPr sz="2000">
           <a:solidFill>
@@ -3883,26 +3858,11 @@
       </p:grpSpPr>
       <p:sp useBgFill="1">
         <p:nvSpPr>
-          <p:cNvPr id="14" name="Rectangle 8">
-            <a:extLst>
-              <a:ext uri="{FF2B5EF4-FFF2-40B4-BE49-F238E27FC236}">
-                <a16:creationId xmlns:a16="http://schemas.microsoft.com/office/drawing/2014/main" id="{201CC55D-ED54-4C5C-95E6-10947BD1103B}"/>
-              </a:ext>
-              <a:ext uri="{C183D7F6-B498-43B3-948B-1728B52AA6E4}">
-                <adec:decorative xmlns:adec="http://schemas.microsoft.com/office/drawing/2017/decorative" val="1"/>
-              </a:ext>
-            </a:extLst>
-          </p:cNvPr>
+          <p:cNvPr id="14" name="Rectangle 8"/>
           <p:cNvSpPr>
             <a:spLocks noGrp="1" noRot="1" noChangeAspect="1" noMove="1" noResize="1" noEditPoints="1" noAdjustHandles="1" noChangeArrowheads="1" noChangeShapeType="1" noTextEdit="1"/>
           </p:cNvSpPr>
-          <p:nvPr>
-            <p:extLst>
-              <p:ext uri="{386F3935-93C4-4BCD-93E2-E3B085C9AB24}">
-                <p16:designElem xmlns:p16="http://schemas.microsoft.com/office/powerpoint/2015/main" val="1"/>
-              </p:ext>
-            </p:extLst>
-          </p:nvPr>
+          <p:nvPr/>
         </p:nvSpPr>
         <p:spPr>
           <a:xfrm>
@@ -3979,31 +3939,17 @@
               <a:rPr lang="en-US" sz="1700" spc="600"/>
               <a:t>LẬP TRÌNH JAVA</a:t>
             </a:r>
+            <a:endParaRPr lang="en-US" sz="1700" spc="600"/>
           </a:p>
         </p:txBody>
       </p:sp>
       <p:grpSp>
         <p:nvGrpSpPr>
-          <p:cNvPr id="16" name="Group 10">
-            <a:extLst>
-              <a:ext uri="{FF2B5EF4-FFF2-40B4-BE49-F238E27FC236}">
-                <a16:creationId xmlns:a16="http://schemas.microsoft.com/office/drawing/2014/main" id="{1DE889C7-FAD6-4397-98E2-05D503484459}"/>
-              </a:ext>
-              <a:ext uri="{C183D7F6-B498-43B3-948B-1728B52AA6E4}">
-                <adec:decorative xmlns:adec="http://schemas.microsoft.com/office/drawing/2017/decorative" val="1"/>
-              </a:ext>
-            </a:extLst>
-          </p:cNvPr>
+          <p:cNvPr id="16" name="Group 10"/>
           <p:cNvGrpSpPr>
-            <a:grpSpLocks noGrp="1" noUngrp="1" noRot="1" noChangeAspect="1" noMove="1" noResize="1"/>
+            <a:grpSpLocks noGrp="1" noRot="1" noChangeAspect="1" noMove="1" noResize="1" noUngrp="1"/>
           </p:cNvGrpSpPr>
-          <p:nvPr>
-            <p:extLst>
-              <p:ext uri="{386F3935-93C4-4BCD-93E2-E3B085C9AB24}">
-                <p16:designElem xmlns:p16="http://schemas.microsoft.com/office/powerpoint/2015/main" val="1"/>
-              </p:ext>
-            </p:extLst>
-          </p:nvPr>
+          <p:nvPr/>
         </p:nvGrpSpPr>
         <p:grpSpPr>
           <a:xfrm>
@@ -4015,24 +3961,9 @@
         </p:grpSpPr>
         <p:sp>
           <p:nvSpPr>
-            <p:cNvPr id="12" name="Rectangle 11">
-              <a:extLst>
-                <a:ext uri="{FF2B5EF4-FFF2-40B4-BE49-F238E27FC236}">
-                  <a16:creationId xmlns:a16="http://schemas.microsoft.com/office/drawing/2014/main" id="{F399A70F-F8CD-4992-9EF5-6CF15472E73F}"/>
-                </a:ext>
-                <a:ext uri="{C183D7F6-B498-43B3-948B-1728B52AA6E4}">
-                  <adec:decorative xmlns:adec="http://schemas.microsoft.com/office/drawing/2017/decorative" val="1"/>
-                </a:ext>
-              </a:extLst>
-            </p:cNvPr>
+            <p:cNvPr id="12" name="Rectangle 11"/>
             <p:cNvSpPr/>
-            <p:nvPr>
-              <p:extLst>
-                <p:ext uri="{386F3935-93C4-4BCD-93E2-E3B085C9AB24}">
-                  <p16:designElem xmlns:p16="http://schemas.microsoft.com/office/powerpoint/2015/main" val="1"/>
-                </p:ext>
-              </p:extLst>
-            </p:nvPr>
+            <p:nvPr/>
           </p:nvSpPr>
           <p:spPr>
             <a:xfrm>
@@ -4076,24 +4007,9 @@
         </p:sp>
         <p:sp>
           <p:nvSpPr>
-            <p:cNvPr id="13" name="Rectangle 12">
-              <a:extLst>
-                <a:ext uri="{FF2B5EF4-FFF2-40B4-BE49-F238E27FC236}">
-                  <a16:creationId xmlns:a16="http://schemas.microsoft.com/office/drawing/2014/main" id="{48F4FEDC-6D80-458C-A665-075D9B9500FD}"/>
-                </a:ext>
-                <a:ext uri="{C183D7F6-B498-43B3-948B-1728B52AA6E4}">
-                  <adec:decorative xmlns:adec="http://schemas.microsoft.com/office/drawing/2017/decorative" val="1"/>
-                </a:ext>
-              </a:extLst>
-            </p:cNvPr>
+            <p:cNvPr id="13" name="Rectangle 12"/>
             <p:cNvSpPr/>
-            <p:nvPr>
-              <p:extLst>
-                <p:ext uri="{386F3935-93C4-4BCD-93E2-E3B085C9AB24}">
-                  <p16:designElem xmlns:p16="http://schemas.microsoft.com/office/powerpoint/2015/main" val="1"/>
-                </p:ext>
-              </p:extLst>
-            </p:nvPr>
+            <p:nvPr/>
           </p:nvSpPr>
           <p:spPr>
             <a:xfrm>
@@ -4138,26 +4054,11 @@
       </p:grpSp>
       <p:sp>
         <p:nvSpPr>
-          <p:cNvPr id="15" name="Rectangle 14">
-            <a:extLst>
-              <a:ext uri="{FF2B5EF4-FFF2-40B4-BE49-F238E27FC236}">
-                <a16:creationId xmlns:a16="http://schemas.microsoft.com/office/drawing/2014/main" id="{3873B707-463F-40B0-8227-E8CC6C67EB25}"/>
-              </a:ext>
-              <a:ext uri="{C183D7F6-B498-43B3-948B-1728B52AA6E4}">
-                <adec:decorative xmlns:adec="http://schemas.microsoft.com/office/drawing/2017/decorative" val="1"/>
-              </a:ext>
-            </a:extLst>
-          </p:cNvPr>
+          <p:cNvPr id="15" name="Rectangle 14"/>
           <p:cNvSpPr>
             <a:spLocks noGrp="1" noRot="1" noChangeAspect="1" noMove="1" noResize="1" noEditPoints="1" noAdjustHandles="1" noChangeArrowheads="1" noChangeShapeType="1" noTextEdit="1"/>
           </p:cNvSpPr>
-          <p:nvPr>
-            <p:extLst>
-              <p:ext uri="{386F3935-93C4-4BCD-93E2-E3B085C9AB24}">
-                <p16:designElem xmlns:p16="http://schemas.microsoft.com/office/powerpoint/2015/main" val="1"/>
-              </p:ext>
-            </p:extLst>
-          </p:nvPr>
+          <p:nvPr/>
         </p:nvSpPr>
         <p:spPr>
           <a:xfrm flipH="1">
@@ -4233,6 +4134,7 @@
               <a:rPr lang="en-US" sz="900" b="1" dirty="0"/>
               <a:t>NHÓM: </a:t>
             </a:r>
+            <a:endParaRPr lang="en-US" sz="900" b="1" dirty="0"/>
           </a:p>
           <a:p>
             <a:pPr>
@@ -4247,6 +4149,7 @@
               <a:rPr lang="en-US" sz="900" i="1" dirty="0"/>
               <a:t>NGUYỄN ANH QUÂN     3118410353</a:t>
             </a:r>
+            <a:endParaRPr lang="en-US" sz="900" i="1" dirty="0"/>
           </a:p>
           <a:p>
             <a:pPr>
@@ -4261,6 +4164,7 @@
               <a:rPr lang="en-US" sz="900" i="1" dirty="0"/>
               <a:t>PHẠM VĂN LỢI 	          3118410256</a:t>
             </a:r>
+            <a:endParaRPr lang="en-US" sz="900" i="1" dirty="0"/>
           </a:p>
           <a:p>
             <a:pPr>
@@ -4275,6 +4179,7 @@
               <a:rPr lang="en-US" sz="900" i="1" dirty="0"/>
               <a:t>PHẠMCÔNG LẬP 	         3118410222</a:t>
             </a:r>
+            <a:endParaRPr lang="en-US" sz="900" i="1" dirty="0"/>
           </a:p>
           <a:p>
             <a:pPr>
@@ -4289,6 +4194,7 @@
               <a:rPr lang="en-US" sz="900" i="1" dirty="0"/>
               <a:t>			</a:t>
             </a:r>
+            <a:endParaRPr lang="en-US" sz="900" i="1" dirty="0"/>
           </a:p>
           <a:p>
             <a:pPr>
@@ -4318,6 +4224,7 @@
               <a:rPr lang="en-US" sz="900" b="1" i="1" dirty="0"/>
               <a:t>CỐ VẤN MÔN HỌC:</a:t>
             </a:r>
+            <a:endParaRPr lang="en-US" sz="900" b="1" i="1" dirty="0"/>
           </a:p>
           <a:p>
             <a:pPr algn="r">
@@ -4352,31 +4259,17 @@
               <a:rPr lang="en-US" sz="900" i="1" dirty="0"/>
               <a:t>    </a:t>
             </a:r>
-          </a:p>
-        </p:txBody>
-      </p:sp>
-      <p:sp>
-        <p:nvSpPr>
-          <p:cNvPr id="17" name="Rectangle 16">
-            <a:extLst>
-              <a:ext uri="{FF2B5EF4-FFF2-40B4-BE49-F238E27FC236}">
-                <a16:creationId xmlns:a16="http://schemas.microsoft.com/office/drawing/2014/main" id="{C13237C8-E62C-4F0D-A318-BD6FB6C2D138}"/>
-              </a:ext>
-              <a:ext uri="{C183D7F6-B498-43B3-948B-1728B52AA6E4}">
-                <adec:decorative xmlns:adec="http://schemas.microsoft.com/office/drawing/2017/decorative" val="1"/>
-              </a:ext>
-            </a:extLst>
-          </p:cNvPr>
+            <a:endParaRPr lang="en-US" sz="900" i="1" dirty="0"/>
+          </a:p>
+        </p:txBody>
+      </p:sp>
+      <p:sp>
+        <p:nvSpPr>
+          <p:cNvPr id="17" name="Rectangle 16"/>
           <p:cNvSpPr>
             <a:spLocks noGrp="1" noRot="1" noChangeAspect="1" noMove="1" noResize="1" noEditPoints="1" noAdjustHandles="1" noChangeArrowheads="1" noChangeShapeType="1" noTextEdit="1"/>
           </p:cNvSpPr>
-          <p:nvPr>
-            <p:extLst>
-              <p:ext uri="{386F3935-93C4-4BCD-93E2-E3B085C9AB24}">
-                <p16:designElem xmlns:p16="http://schemas.microsoft.com/office/powerpoint/2015/main" val="1"/>
-              </p:ext>
-            </p:extLst>
-          </p:nvPr>
+          <p:nvPr/>
         </p:nvSpPr>
         <p:spPr>
           <a:xfrm flipH="1">
@@ -4420,26 +4313,11 @@
       </p:sp>
       <p:sp>
         <p:nvSpPr>
-          <p:cNvPr id="19" name="Rectangle 18">
-            <a:extLst>
-              <a:ext uri="{FF2B5EF4-FFF2-40B4-BE49-F238E27FC236}">
-                <a16:creationId xmlns:a16="http://schemas.microsoft.com/office/drawing/2014/main" id="{19C9EAEA-39D0-4B0E-A0EB-51E7B26740B1}"/>
-              </a:ext>
-              <a:ext uri="{C183D7F6-B498-43B3-948B-1728B52AA6E4}">
-                <adec:decorative xmlns:adec="http://schemas.microsoft.com/office/drawing/2017/decorative" val="1"/>
-              </a:ext>
-            </a:extLst>
-          </p:cNvPr>
+          <p:cNvPr id="19" name="Rectangle 18"/>
           <p:cNvSpPr>
             <a:spLocks noGrp="1" noRot="1" noChangeAspect="1" noMove="1" noResize="1" noEditPoints="1" noAdjustHandles="1" noChangeArrowheads="1" noChangeShapeType="1" noTextEdit="1"/>
           </p:cNvSpPr>
-          <p:nvPr>
-            <p:extLst>
-              <p:ext uri="{386F3935-93C4-4BCD-93E2-E3B085C9AB24}">
-                <p16:designElem xmlns:p16="http://schemas.microsoft.com/office/powerpoint/2015/main" val="1"/>
-              </p:ext>
-            </p:extLst>
-          </p:nvPr>
+          <p:nvPr/>
         </p:nvSpPr>
         <p:spPr>
           <a:xfrm>
@@ -4490,20 +4368,14 @@
       </p:sp>
       <p:pic>
         <p:nvPicPr>
-          <p:cNvPr id="4" name="Hình ảnh 3" descr="Ảnh có chứa ký hiệu&#10;&#10;Mô tả được tạo tự động">
-            <a:extLst>
-              <a:ext uri="{FF2B5EF4-FFF2-40B4-BE49-F238E27FC236}">
-                <a16:creationId xmlns:a16="http://schemas.microsoft.com/office/drawing/2014/main" id="{80719A2B-6681-43ED-AD5B-969AA869CE63}"/>
-              </a:ext>
-            </a:extLst>
-          </p:cNvPr>
+          <p:cNvPr id="4" name="Hình ảnh 3" descr="Ảnh có chứa ký hiệu&#10;&#10;Mô tả được tạo tự động"/>
           <p:cNvPicPr>
             <a:picLocks noChangeAspect="1"/>
           </p:cNvPicPr>
           <p:nvPr/>
         </p:nvPicPr>
         <p:blipFill rotWithShape="1">
-          <a:blip r:embed="rId2" cstate="print">
+          <a:blip r:embed="rId1" cstate="print">
             <a:extLst>
               <a:ext uri="{28A0092B-C50C-407E-A947-70E740481C1C}">
                 <a14:useLocalDpi xmlns:a14="http://schemas.microsoft.com/office/drawing/2010/main" val="0"/>
@@ -4511,7 +4383,9 @@
             </a:extLst>
           </a:blip>
           <a:srcRect t="2931" r="4" b="134"/>
-          <a:stretch/>
+          <a:stretch>
+            <a:fillRect/>
+          </a:stretch>
         </p:blipFill>
         <p:spPr>
           <a:xfrm>
@@ -4524,11 +4398,6 @@
         </p:spPr>
       </p:pic>
     </p:spTree>
-    <p:extLst>
-      <p:ext uri="{BB962C8B-B14F-4D97-AF65-F5344CB8AC3E}">
-        <p14:creationId xmlns:p14="http://schemas.microsoft.com/office/powerpoint/2010/main" val="60765981"/>
-      </p:ext>
-    </p:extLst>
   </p:cSld>
   <p:clrMapOvr>
     <a:masterClrMapping/>
@@ -4566,26 +4435,11 @@
       </p:grpSpPr>
       <p:sp>
         <p:nvSpPr>
-          <p:cNvPr id="12" name="Rectangle 11">
-            <a:extLst>
-              <a:ext uri="{FF2B5EF4-FFF2-40B4-BE49-F238E27FC236}">
-                <a16:creationId xmlns:a16="http://schemas.microsoft.com/office/drawing/2014/main" id="{01D0AF59-99C3-4251-AB9A-C966C6AD4400}"/>
-              </a:ext>
-              <a:ext uri="{C183D7F6-B498-43B3-948B-1728B52AA6E4}">
-                <adec:decorative xmlns:adec="http://schemas.microsoft.com/office/drawing/2017/decorative" val="1"/>
-              </a:ext>
-            </a:extLst>
-          </p:cNvPr>
+          <p:cNvPr id="12" name="Rectangle 11"/>
           <p:cNvSpPr>
             <a:spLocks noGrp="1" noRot="1" noChangeAspect="1" noMove="1" noResize="1" noEditPoints="1" noAdjustHandles="1" noChangeArrowheads="1" noChangeShapeType="1" noTextEdit="1"/>
           </p:cNvSpPr>
-          <p:nvPr>
-            <p:extLst>
-              <p:ext uri="{386F3935-93C4-4BCD-93E2-E3B085C9AB24}">
-                <p16:designElem xmlns:p16="http://schemas.microsoft.com/office/powerpoint/2015/main" val="1"/>
-              </p:ext>
-            </p:extLst>
-          </p:nvPr>
+          <p:nvPr/>
         </p:nvSpPr>
         <p:spPr>
           <a:xfrm>
@@ -4629,26 +4483,11 @@
       </p:sp>
       <p:sp>
         <p:nvSpPr>
-          <p:cNvPr id="14" name="Rectangle 13">
-            <a:extLst>
-              <a:ext uri="{FF2B5EF4-FFF2-40B4-BE49-F238E27FC236}">
-                <a16:creationId xmlns:a16="http://schemas.microsoft.com/office/drawing/2014/main" id="{1855405F-37A2-4869-9154-F8BE3BECE6C3}"/>
-              </a:ext>
-              <a:ext uri="{C183D7F6-B498-43B3-948B-1728B52AA6E4}">
-                <adec:decorative xmlns:adec="http://schemas.microsoft.com/office/drawing/2017/decorative" val="1"/>
-              </a:ext>
-            </a:extLst>
-          </p:cNvPr>
+          <p:cNvPr id="14" name="Rectangle 13"/>
           <p:cNvSpPr>
             <a:spLocks noGrp="1" noRot="1" noChangeAspect="1" noMove="1" noResize="1" noEditPoints="1" noAdjustHandles="1" noChangeArrowheads="1" noChangeShapeType="1" noTextEdit="1"/>
           </p:cNvSpPr>
-          <p:nvPr>
-            <p:extLst>
-              <p:ext uri="{386F3935-93C4-4BCD-93E2-E3B085C9AB24}">
-                <p16:designElem xmlns:p16="http://schemas.microsoft.com/office/powerpoint/2015/main" val="1"/>
-              </p:ext>
-            </p:extLst>
-          </p:nvPr>
+          <p:nvPr/>
         </p:nvSpPr>
         <p:spPr>
           <a:xfrm>
@@ -4699,20 +4538,14 @@
       </p:sp>
       <p:pic>
         <p:nvPicPr>
-          <p:cNvPr id="7" name="Hình ảnh 6">
-            <a:extLst>
-              <a:ext uri="{FF2B5EF4-FFF2-40B4-BE49-F238E27FC236}">
-                <a16:creationId xmlns:a16="http://schemas.microsoft.com/office/drawing/2014/main" id="{B9D1A840-B9CE-44DA-B52B-0B5726CD8281}"/>
-              </a:ext>
-            </a:extLst>
-          </p:cNvPr>
+          <p:cNvPr id="7" name="Hình ảnh 6"/>
           <p:cNvPicPr>
             <a:picLocks noChangeAspect="1"/>
           </p:cNvPicPr>
           <p:nvPr/>
         </p:nvPicPr>
         <p:blipFill>
-          <a:blip r:embed="rId2">
+          <a:blip r:embed="rId1">
             <a:extLst>
               <a:ext uri="{28A0092B-C50C-407E-A947-70E740481C1C}">
                 <a14:useLocalDpi xmlns:a14="http://schemas.microsoft.com/office/drawing/2010/main" val="0"/>
@@ -4747,11 +4580,6 @@
         </p:spPr>
       </p:pic>
     </p:spTree>
-    <p:extLst>
-      <p:ext uri="{BB962C8B-B14F-4D97-AF65-F5344CB8AC3E}">
-        <p14:creationId xmlns:p14="http://schemas.microsoft.com/office/powerpoint/2010/main" val="2692264476"/>
-      </p:ext>
-    </p:extLst>
   </p:cSld>
   <p:clrMapOvr>
     <a:masterClrMapping/>
@@ -4771,6 +4599,1597 @@
         <p:cNvGrpSpPr/>
         <p:nvPr/>
       </p:nvGrpSpPr>
+      <p:grpSpPr/>
+      <p:sp>
+        <p:nvSpPr>
+          <p:cNvPr id="4" name="Text Box 3"/>
+          <p:cNvSpPr txBox="1"/>
+          <p:nvPr/>
+        </p:nvSpPr>
+        <p:spPr>
+          <a:xfrm>
+            <a:off x="2070100" y="224155"/>
+            <a:ext cx="4373880" cy="368300"/>
+          </a:xfrm>
+          <a:prstGeom prst="rect">
+            <a:avLst/>
+          </a:prstGeom>
+          <a:noFill/>
+        </p:spPr>
+        <p:txBody>
+          <a:bodyPr wrap="square" rtlCol="0">
+            <a:spAutoFit/>
+          </a:bodyPr>
+          <a:p>
+            <a:r>
+              <a:rPr lang="en-US"/>
+              <a:t>Báo cáo 5/4/2020</a:t>
+            </a:r>
+            <a:endParaRPr lang="en-US"/>
+          </a:p>
+        </p:txBody>
+      </p:sp>
+      <p:sp>
+        <p:nvSpPr>
+          <p:cNvPr id="5" name="Rectangles 4"/>
+          <p:cNvSpPr/>
+          <p:nvPr/>
+        </p:nvSpPr>
+        <p:spPr>
+          <a:xfrm>
+            <a:off x="1370330" y="1054100"/>
+            <a:ext cx="1541145" cy="1935480"/>
+          </a:xfrm>
+          <a:prstGeom prst="rect">
+            <a:avLst/>
+          </a:prstGeom>
+        </p:spPr>
+        <p:style>
+          <a:lnRef idx="2">
+            <a:schemeClr val="dk1"/>
+          </a:lnRef>
+          <a:fillRef idx="1">
+            <a:schemeClr val="lt1"/>
+          </a:fillRef>
+          <a:effectRef idx="0">
+            <a:schemeClr val="dk1"/>
+          </a:effectRef>
+          <a:fontRef idx="minor">
+            <a:schemeClr val="dk1"/>
+          </a:fontRef>
+        </p:style>
+        <p:txBody>
+          <a:bodyPr rtlCol="0" anchor="ctr"/>
+          <a:p>
+            <a:pPr algn="ctr"/>
+            <a:endParaRPr lang="en-US"/>
+          </a:p>
+        </p:txBody>
+      </p:sp>
+      <p:sp>
+        <p:nvSpPr>
+          <p:cNvPr id="6" name="Rectangles 5"/>
+          <p:cNvSpPr/>
+          <p:nvPr/>
+        </p:nvSpPr>
+        <p:spPr>
+          <a:xfrm>
+            <a:off x="3930650" y="1059815"/>
+            <a:ext cx="1583690" cy="1888490"/>
+          </a:xfrm>
+          <a:prstGeom prst="rect">
+            <a:avLst/>
+          </a:prstGeom>
+        </p:spPr>
+        <p:style>
+          <a:lnRef idx="2">
+            <a:schemeClr val="dk1"/>
+          </a:lnRef>
+          <a:fillRef idx="1">
+            <a:schemeClr val="lt1"/>
+          </a:fillRef>
+          <a:effectRef idx="0">
+            <a:schemeClr val="dk1"/>
+          </a:effectRef>
+          <a:fontRef idx="minor">
+            <a:schemeClr val="dk1"/>
+          </a:fontRef>
+        </p:style>
+        <p:txBody>
+          <a:bodyPr rtlCol="0" anchor="ctr">
+            <a:scene3d>
+              <a:camera prst="orthographicFront"/>
+              <a:lightRig rig="threePt" dir="t"/>
+            </a:scene3d>
+          </a:bodyPr>
+          <a:p>
+            <a:pPr algn="ctr"/>
+            <a:endParaRPr lang="en-US">
+              <a:ln>
+                <a:solidFill>
+                  <a:schemeClr val="tx1"/>
+                </a:solidFill>
+              </a:ln>
+              <a:solidFill>
+                <a:schemeClr val="tx1"/>
+              </a:solidFill>
+              <a:effectLst>
+                <a:outerShdw blurRad="38100" dist="19050" dir="2700000" algn="tl" rotWithShape="0">
+                  <a:schemeClr val="dk1">
+                    <a:alpha val="40000"/>
+                  </a:schemeClr>
+                </a:outerShdw>
+              </a:effectLst>
+            </a:endParaRPr>
+          </a:p>
+        </p:txBody>
+      </p:sp>
+      <p:sp>
+        <p:nvSpPr>
+          <p:cNvPr id="7" name="Rectangles 6"/>
+          <p:cNvSpPr/>
+          <p:nvPr/>
+        </p:nvSpPr>
+        <p:spPr>
+          <a:xfrm>
+            <a:off x="6461125" y="1054100"/>
+            <a:ext cx="1820545" cy="2162175"/>
+          </a:xfrm>
+          <a:prstGeom prst="rect">
+            <a:avLst/>
+          </a:prstGeom>
+        </p:spPr>
+        <p:style>
+          <a:lnRef idx="2">
+            <a:schemeClr val="dk1"/>
+          </a:lnRef>
+          <a:fillRef idx="1">
+            <a:schemeClr val="lt1"/>
+          </a:fillRef>
+          <a:effectRef idx="0">
+            <a:schemeClr val="dk1"/>
+          </a:effectRef>
+          <a:fontRef idx="minor">
+            <a:schemeClr val="dk1"/>
+          </a:fontRef>
+        </p:style>
+        <p:txBody>
+          <a:bodyPr rtlCol="0" anchor="ctr"/>
+          <a:p>
+            <a:pPr algn="ctr"/>
+            <a:endParaRPr lang="en-US"/>
+          </a:p>
+        </p:txBody>
+      </p:sp>
+      <p:cxnSp>
+        <p:nvCxnSpPr>
+          <p:cNvPr id="9" name="Straight Connector 8"/>
+          <p:cNvCxnSpPr/>
+          <p:nvPr/>
+        </p:nvCxnSpPr>
+        <p:spPr>
+          <a:xfrm>
+            <a:off x="1334770" y="1749425"/>
+            <a:ext cx="1541145" cy="0"/>
+          </a:xfrm>
+          <a:prstGeom prst="line">
+            <a:avLst/>
+          </a:prstGeom>
+        </p:spPr>
+        <p:style>
+          <a:lnRef idx="1">
+            <a:schemeClr val="accent1"/>
+          </a:lnRef>
+          <a:fillRef idx="0">
+            <a:schemeClr val="accent1"/>
+          </a:fillRef>
+          <a:effectRef idx="0">
+            <a:schemeClr val="accent1"/>
+          </a:effectRef>
+          <a:fontRef idx="minor">
+            <a:schemeClr val="tx1"/>
+          </a:fontRef>
+        </p:style>
+      </p:cxnSp>
+      <p:sp>
+        <p:nvSpPr>
+          <p:cNvPr id="10" name="Text Box 9"/>
+          <p:cNvSpPr txBox="1"/>
+          <p:nvPr/>
+        </p:nvSpPr>
+        <p:spPr>
+          <a:xfrm>
+            <a:off x="1442720" y="1054100"/>
+            <a:ext cx="1468755" cy="645160"/>
+          </a:xfrm>
+          <a:prstGeom prst="rect">
+            <a:avLst/>
+          </a:prstGeom>
+          <a:noFill/>
+        </p:spPr>
+        <p:txBody>
+          <a:bodyPr wrap="square" rtlCol="0">
+            <a:spAutoFit/>
+          </a:bodyPr>
+          <a:p>
+            <a:r>
+              <a:rPr lang="en-US"/>
+              <a:t>&lt;&lt;view&gt;&gt;</a:t>
+            </a:r>
+            <a:endParaRPr lang="en-US"/>
+          </a:p>
+          <a:p>
+            <a:r>
+              <a:rPr lang="en-US"/>
+              <a:t>viewLogin</a:t>
+            </a:r>
+            <a:endParaRPr lang="en-US"/>
+          </a:p>
+        </p:txBody>
+      </p:sp>
+      <p:sp>
+        <p:nvSpPr>
+          <p:cNvPr id="11" name="Text Box 10"/>
+          <p:cNvSpPr txBox="1"/>
+          <p:nvPr/>
+        </p:nvSpPr>
+        <p:spPr>
+          <a:xfrm>
+            <a:off x="1348740" y="1749425"/>
+            <a:ext cx="1657350" cy="1198880"/>
+          </a:xfrm>
+          <a:prstGeom prst="rect">
+            <a:avLst/>
+          </a:prstGeom>
+          <a:noFill/>
+        </p:spPr>
+        <p:txBody>
+          <a:bodyPr wrap="square" rtlCol="0">
+            <a:spAutoFit/>
+          </a:bodyPr>
+          <a:p>
+            <a:r>
+              <a:rPr lang="en-US"/>
+              <a:t>+controlLogin()</a:t>
+            </a:r>
+            <a:endParaRPr lang="en-US"/>
+          </a:p>
+          <a:p>
+            <a:r>
+              <a:rPr lang="en-US"/>
+              <a:t>+getUserName()</a:t>
+            </a:r>
+            <a:endParaRPr lang="en-US"/>
+          </a:p>
+          <a:p>
+            <a:r>
+              <a:rPr lang="en-US"/>
+              <a:t>+getPassword()</a:t>
+            </a:r>
+            <a:endParaRPr lang="en-US"/>
+          </a:p>
+        </p:txBody>
+      </p:sp>
+      <p:sp>
+        <p:nvSpPr>
+          <p:cNvPr id="13" name="Text Box 12"/>
+          <p:cNvSpPr txBox="1"/>
+          <p:nvPr/>
+        </p:nvSpPr>
+        <p:spPr>
+          <a:xfrm>
+            <a:off x="3987800" y="1059815"/>
+            <a:ext cx="1468755" cy="922020"/>
+          </a:xfrm>
+          <a:prstGeom prst="rect">
+            <a:avLst/>
+          </a:prstGeom>
+          <a:noFill/>
+        </p:spPr>
+        <p:txBody>
+          <a:bodyPr wrap="square" rtlCol="0">
+            <a:spAutoFit/>
+          </a:bodyPr>
+          <a:p>
+            <a:r>
+              <a:rPr lang="en-US"/>
+              <a:t>&lt;&lt;controller&gt;&gt;</a:t>
+            </a:r>
+            <a:endParaRPr lang="en-US"/>
+          </a:p>
+          <a:p>
+            <a:r>
+              <a:rPr lang="en-US"/>
+              <a:t>ControlLogin</a:t>
+            </a:r>
+            <a:endParaRPr lang="en-US"/>
+          </a:p>
+        </p:txBody>
+      </p:sp>
+      <p:sp>
+        <p:nvSpPr>
+          <p:cNvPr id="14" name="Text Box 13"/>
+          <p:cNvSpPr txBox="1"/>
+          <p:nvPr/>
+        </p:nvSpPr>
+        <p:spPr>
+          <a:xfrm>
+            <a:off x="3855720" y="2164715"/>
+            <a:ext cx="1600835" cy="368300"/>
+          </a:xfrm>
+          <a:prstGeom prst="rect">
+            <a:avLst/>
+          </a:prstGeom>
+          <a:noFill/>
+        </p:spPr>
+        <p:txBody>
+          <a:bodyPr wrap="square" rtlCol="0">
+            <a:spAutoFit/>
+          </a:bodyPr>
+          <a:p>
+            <a:r>
+              <a:rPr lang="en-US"/>
+              <a:t>+controlLogin()</a:t>
+            </a:r>
+            <a:endParaRPr lang="en-US"/>
+          </a:p>
+        </p:txBody>
+      </p:sp>
+      <p:cxnSp>
+        <p:nvCxnSpPr>
+          <p:cNvPr id="15" name="Straight Connector 14"/>
+          <p:cNvCxnSpPr>
+            <a:stCxn id="6" idx="1"/>
+            <a:endCxn id="6" idx="3"/>
+          </p:cNvCxnSpPr>
+          <p:nvPr/>
+        </p:nvCxnSpPr>
+        <p:spPr>
+          <a:xfrm>
+            <a:off x="3930650" y="2004060"/>
+            <a:ext cx="1583690" cy="0"/>
+          </a:xfrm>
+          <a:prstGeom prst="line">
+            <a:avLst/>
+          </a:prstGeom>
+        </p:spPr>
+        <p:style>
+          <a:lnRef idx="1">
+            <a:schemeClr val="accent1"/>
+          </a:lnRef>
+          <a:fillRef idx="0">
+            <a:schemeClr val="accent1"/>
+          </a:fillRef>
+          <a:effectRef idx="0">
+            <a:schemeClr val="accent1"/>
+          </a:effectRef>
+          <a:fontRef idx="minor">
+            <a:schemeClr val="tx1"/>
+          </a:fontRef>
+        </p:style>
+      </p:cxnSp>
+      <p:sp>
+        <p:nvSpPr>
+          <p:cNvPr id="16" name="Text Box 15"/>
+          <p:cNvSpPr txBox="1"/>
+          <p:nvPr/>
+        </p:nvSpPr>
+        <p:spPr>
+          <a:xfrm>
+            <a:off x="1348740" y="592455"/>
+            <a:ext cx="1880870" cy="645160"/>
+          </a:xfrm>
+          <a:prstGeom prst="rect">
+            <a:avLst/>
+          </a:prstGeom>
+          <a:noFill/>
+        </p:spPr>
+        <p:txBody>
+          <a:bodyPr wrap="square" rtlCol="0">
+            <a:spAutoFit/>
+          </a:bodyPr>
+          <a:p>
+            <a:r>
+              <a:rPr lang="en-US"/>
+              <a:t>Sơ đồ class</a:t>
+            </a:r>
+            <a:endParaRPr lang="en-US"/>
+          </a:p>
+          <a:p>
+            <a:endParaRPr lang="en-US"/>
+          </a:p>
+        </p:txBody>
+      </p:sp>
+      <p:sp>
+        <p:nvSpPr>
+          <p:cNvPr id="18" name="Text Box 17"/>
+          <p:cNvSpPr txBox="1"/>
+          <p:nvPr/>
+        </p:nvSpPr>
+        <p:spPr>
+          <a:xfrm>
+            <a:off x="6443980" y="1059815"/>
+            <a:ext cx="1468755" cy="645160"/>
+          </a:xfrm>
+          <a:prstGeom prst="rect">
+            <a:avLst/>
+          </a:prstGeom>
+          <a:noFill/>
+        </p:spPr>
+        <p:txBody>
+          <a:bodyPr wrap="square" rtlCol="0">
+            <a:spAutoFit/>
+          </a:bodyPr>
+          <a:p>
+            <a:r>
+              <a:rPr lang="en-US"/>
+              <a:t>&lt;&lt;Model&gt;&gt;</a:t>
+            </a:r>
+            <a:endParaRPr lang="en-US"/>
+          </a:p>
+          <a:p>
+            <a:r>
+              <a:rPr lang="en-US"/>
+              <a:t>InfoLogin</a:t>
+            </a:r>
+            <a:endParaRPr lang="en-US"/>
+          </a:p>
+        </p:txBody>
+      </p:sp>
+      <p:cxnSp>
+        <p:nvCxnSpPr>
+          <p:cNvPr id="19" name="Straight Connector 18"/>
+          <p:cNvCxnSpPr/>
+          <p:nvPr/>
+        </p:nvCxnSpPr>
+        <p:spPr>
+          <a:xfrm>
+            <a:off x="6443980" y="1759585"/>
+            <a:ext cx="1872615" cy="20320"/>
+          </a:xfrm>
+          <a:prstGeom prst="line">
+            <a:avLst/>
+          </a:prstGeom>
+        </p:spPr>
+        <p:style>
+          <a:lnRef idx="1">
+            <a:schemeClr val="accent1"/>
+          </a:lnRef>
+          <a:fillRef idx="0">
+            <a:schemeClr val="accent1"/>
+          </a:fillRef>
+          <a:effectRef idx="0">
+            <a:schemeClr val="accent1"/>
+          </a:effectRef>
+          <a:fontRef idx="minor">
+            <a:schemeClr val="tx1"/>
+          </a:fontRef>
+        </p:style>
+      </p:cxnSp>
+      <p:cxnSp>
+        <p:nvCxnSpPr>
+          <p:cNvPr id="20" name="Straight Connector 19"/>
+          <p:cNvCxnSpPr/>
+          <p:nvPr/>
+        </p:nvCxnSpPr>
+        <p:spPr>
+          <a:xfrm>
+            <a:off x="6461125" y="2484120"/>
+            <a:ext cx="1638935" cy="15875"/>
+          </a:xfrm>
+          <a:prstGeom prst="line">
+            <a:avLst/>
+          </a:prstGeom>
+        </p:spPr>
+        <p:style>
+          <a:lnRef idx="1">
+            <a:schemeClr val="accent1"/>
+          </a:lnRef>
+          <a:fillRef idx="0">
+            <a:schemeClr val="accent1"/>
+          </a:fillRef>
+          <a:effectRef idx="0">
+            <a:schemeClr val="accent1"/>
+          </a:effectRef>
+          <a:fontRef idx="minor">
+            <a:schemeClr val="tx1"/>
+          </a:fontRef>
+        </p:style>
+      </p:cxnSp>
+      <p:sp>
+        <p:nvSpPr>
+          <p:cNvPr id="21" name="Text Box 20"/>
+          <p:cNvSpPr txBox="1"/>
+          <p:nvPr/>
+        </p:nvSpPr>
+        <p:spPr>
+          <a:xfrm>
+            <a:off x="6377940" y="1819910"/>
+            <a:ext cx="2129155" cy="645160"/>
+          </a:xfrm>
+          <a:prstGeom prst="rect">
+            <a:avLst/>
+          </a:prstGeom>
+          <a:noFill/>
+        </p:spPr>
+        <p:txBody>
+          <a:bodyPr wrap="square" rtlCol="0">
+            <a:spAutoFit/>
+          </a:bodyPr>
+          <a:p>
+            <a:r>
+              <a:rPr lang="en-US"/>
+              <a:t>+Username:String</a:t>
+            </a:r>
+            <a:endParaRPr lang="en-US"/>
+          </a:p>
+          <a:p>
+            <a:r>
+              <a:rPr lang="en-US"/>
+              <a:t>+Password:String</a:t>
+            </a:r>
+            <a:endParaRPr lang="en-US"/>
+          </a:p>
+        </p:txBody>
+      </p:sp>
+      <p:sp>
+        <p:nvSpPr>
+          <p:cNvPr id="22" name="Text Box 21"/>
+          <p:cNvSpPr txBox="1"/>
+          <p:nvPr/>
+        </p:nvSpPr>
+        <p:spPr>
+          <a:xfrm>
+            <a:off x="6461125" y="2484120"/>
+            <a:ext cx="2129155" cy="645160"/>
+          </a:xfrm>
+          <a:prstGeom prst="rect">
+            <a:avLst/>
+          </a:prstGeom>
+          <a:noFill/>
+        </p:spPr>
+        <p:txBody>
+          <a:bodyPr wrap="square" rtlCol="0">
+            <a:spAutoFit/>
+          </a:bodyPr>
+          <a:p>
+            <a:r>
+              <a:rPr lang="en-US"/>
+              <a:t>+getUserName()</a:t>
+            </a:r>
+            <a:endParaRPr lang="en-US"/>
+          </a:p>
+          <a:p>
+            <a:r>
+              <a:rPr lang="en-US"/>
+              <a:t>+getPassword()</a:t>
+            </a:r>
+            <a:endParaRPr lang="en-US"/>
+          </a:p>
+        </p:txBody>
+      </p:sp>
+      <p:cxnSp>
+        <p:nvCxnSpPr>
+          <p:cNvPr id="23" name="Straight Arrow Connector 22"/>
+          <p:cNvCxnSpPr/>
+          <p:nvPr/>
+        </p:nvCxnSpPr>
+        <p:spPr>
+          <a:xfrm>
+            <a:off x="2922905" y="1819910"/>
+            <a:ext cx="1000760" cy="31750"/>
+          </a:xfrm>
+          <a:prstGeom prst="straightConnector1">
+            <a:avLst/>
+          </a:prstGeom>
+          <a:ln>
+            <a:tailEnd type="arrow"/>
+          </a:ln>
+        </p:spPr>
+        <p:style>
+          <a:lnRef idx="1">
+            <a:schemeClr val="accent1"/>
+          </a:lnRef>
+          <a:fillRef idx="0">
+            <a:schemeClr val="accent1"/>
+          </a:fillRef>
+          <a:effectRef idx="0">
+            <a:schemeClr val="accent1"/>
+          </a:effectRef>
+          <a:fontRef idx="minor">
+            <a:schemeClr val="tx1"/>
+          </a:fontRef>
+        </p:style>
+      </p:cxnSp>
+      <p:sp>
+        <p:nvSpPr>
+          <p:cNvPr id="24" name="Text Box 23"/>
+          <p:cNvSpPr txBox="1"/>
+          <p:nvPr/>
+        </p:nvSpPr>
+        <p:spPr>
+          <a:xfrm>
+            <a:off x="3006090" y="1330960"/>
+            <a:ext cx="536575" cy="368300"/>
+          </a:xfrm>
+          <a:prstGeom prst="rect">
+            <a:avLst/>
+          </a:prstGeom>
+          <a:noFill/>
+        </p:spPr>
+        <p:txBody>
+          <a:bodyPr wrap="square" rtlCol="0">
+            <a:spAutoFit/>
+          </a:bodyPr>
+          <a:p>
+            <a:r>
+              <a:rPr lang="en-US"/>
+              <a:t>0..1</a:t>
+            </a:r>
+            <a:endParaRPr lang="en-US"/>
+          </a:p>
+        </p:txBody>
+      </p:sp>
+      <p:sp>
+        <p:nvSpPr>
+          <p:cNvPr id="25" name="Text Box 24"/>
+          <p:cNvSpPr txBox="1"/>
+          <p:nvPr/>
+        </p:nvSpPr>
+        <p:spPr>
+          <a:xfrm>
+            <a:off x="3696335" y="1381125"/>
+            <a:ext cx="536575" cy="368300"/>
+          </a:xfrm>
+          <a:prstGeom prst="rect">
+            <a:avLst/>
+          </a:prstGeom>
+          <a:noFill/>
+        </p:spPr>
+        <p:txBody>
+          <a:bodyPr wrap="square" rtlCol="0">
+            <a:spAutoFit/>
+          </a:bodyPr>
+          <a:p>
+            <a:r>
+              <a:rPr lang="en-US"/>
+              <a:t>1</a:t>
+            </a:r>
+            <a:endParaRPr lang="en-US"/>
+          </a:p>
+        </p:txBody>
+      </p:sp>
+      <p:cxnSp>
+        <p:nvCxnSpPr>
+          <p:cNvPr id="27" name="Straight Arrow Connector 26"/>
+          <p:cNvCxnSpPr/>
+          <p:nvPr/>
+        </p:nvCxnSpPr>
+        <p:spPr>
+          <a:xfrm flipV="1">
+            <a:off x="5523865" y="1779905"/>
+            <a:ext cx="992505" cy="16510"/>
+          </a:xfrm>
+          <a:prstGeom prst="straightConnector1">
+            <a:avLst/>
+          </a:prstGeom>
+          <a:ln>
+            <a:tailEnd type="arrow"/>
+          </a:ln>
+        </p:spPr>
+        <p:style>
+          <a:lnRef idx="1">
+            <a:schemeClr val="accent1"/>
+          </a:lnRef>
+          <a:fillRef idx="0">
+            <a:schemeClr val="accent1"/>
+          </a:fillRef>
+          <a:effectRef idx="0">
+            <a:schemeClr val="accent1"/>
+          </a:effectRef>
+          <a:fontRef idx="minor">
+            <a:schemeClr val="tx1"/>
+          </a:fontRef>
+        </p:style>
+      </p:cxnSp>
+      <p:sp>
+        <p:nvSpPr>
+          <p:cNvPr id="28" name="Text Box 27"/>
+          <p:cNvSpPr txBox="1"/>
+          <p:nvPr/>
+        </p:nvSpPr>
+        <p:spPr>
+          <a:xfrm>
+            <a:off x="5523865" y="1275080"/>
+            <a:ext cx="225425" cy="368300"/>
+          </a:xfrm>
+          <a:prstGeom prst="rect">
+            <a:avLst/>
+          </a:prstGeom>
+          <a:noFill/>
+        </p:spPr>
+        <p:txBody>
+          <a:bodyPr wrap="square" rtlCol="0">
+            <a:spAutoFit/>
+          </a:bodyPr>
+          <a:p>
+            <a:r>
+              <a:rPr lang="en-US"/>
+              <a:t>1</a:t>
+            </a:r>
+            <a:endParaRPr lang="en-US"/>
+          </a:p>
+        </p:txBody>
+      </p:sp>
+      <p:sp>
+        <p:nvSpPr>
+          <p:cNvPr id="29" name="Text Box 28"/>
+          <p:cNvSpPr txBox="1"/>
+          <p:nvPr/>
+        </p:nvSpPr>
+        <p:spPr>
+          <a:xfrm>
+            <a:off x="5924550" y="1336675"/>
+            <a:ext cx="536575" cy="368300"/>
+          </a:xfrm>
+          <a:prstGeom prst="rect">
+            <a:avLst/>
+          </a:prstGeom>
+          <a:noFill/>
+        </p:spPr>
+        <p:txBody>
+          <a:bodyPr wrap="square" rtlCol="0">
+            <a:spAutoFit/>
+          </a:bodyPr>
+          <a:p>
+            <a:r>
+              <a:rPr lang="en-US"/>
+              <a:t>0..1</a:t>
+            </a:r>
+            <a:endParaRPr lang="en-US"/>
+          </a:p>
+        </p:txBody>
+      </p:sp>
+      <p:sp>
+        <p:nvSpPr>
+          <p:cNvPr id="30" name="Text Box 29"/>
+          <p:cNvSpPr txBox="1"/>
+          <p:nvPr/>
+        </p:nvSpPr>
+        <p:spPr>
+          <a:xfrm>
+            <a:off x="2742565" y="594995"/>
+            <a:ext cx="1181100" cy="368300"/>
+          </a:xfrm>
+          <a:prstGeom prst="rect">
+            <a:avLst/>
+          </a:prstGeom>
+          <a:noFill/>
+        </p:spPr>
+        <p:txBody>
+          <a:bodyPr wrap="square" rtlCol="0">
+            <a:spAutoFit/>
+          </a:bodyPr>
+          <a:p>
+            <a:r>
+              <a:rPr lang="en-US"/>
+              <a:t>Login</a:t>
+            </a:r>
+            <a:endParaRPr lang="en-US"/>
+          </a:p>
+        </p:txBody>
+      </p:sp>
+    </p:spTree>
+  </p:cSld>
+  <p:clrMapOvr>
+    <a:masterClrMapping/>
+  </p:clrMapOvr>
+  <p:transition spd="slow">
+    <p:push dir="u"/>
+  </p:transition>
+</p:sld>
+</file>
+
+<file path=ppt/slides/slide12.xml><?xml version="1.0" encoding="utf-8"?>
+<p:sld xmlns:a="http://schemas.openxmlformats.org/drawingml/2006/main" xmlns:r="http://schemas.openxmlformats.org/officeDocument/2006/relationships" xmlns:p="http://schemas.openxmlformats.org/presentationml/2006/main">
+  <p:cSld>
+    <p:spTree>
+      <p:nvGrpSpPr>
+        <p:cNvPr id="1" name=""/>
+        <p:cNvGrpSpPr/>
+        <p:nvPr/>
+      </p:nvGrpSpPr>
+      <p:grpSpPr/>
+      <p:sp>
+        <p:nvSpPr>
+          <p:cNvPr id="5" name="Rectangles 4"/>
+          <p:cNvSpPr/>
+          <p:nvPr/>
+        </p:nvSpPr>
+        <p:spPr>
+          <a:xfrm>
+            <a:off x="1370330" y="1054100"/>
+            <a:ext cx="1541145" cy="1935480"/>
+          </a:xfrm>
+          <a:prstGeom prst="rect">
+            <a:avLst/>
+          </a:prstGeom>
+        </p:spPr>
+        <p:style>
+          <a:lnRef idx="2">
+            <a:schemeClr val="dk1"/>
+          </a:lnRef>
+          <a:fillRef idx="1">
+            <a:schemeClr val="lt1"/>
+          </a:fillRef>
+          <a:effectRef idx="0">
+            <a:schemeClr val="dk1"/>
+          </a:effectRef>
+          <a:fontRef idx="minor">
+            <a:schemeClr val="dk1"/>
+          </a:fontRef>
+        </p:style>
+        <p:txBody>
+          <a:bodyPr rtlCol="0" anchor="ctr"/>
+          <a:p>
+            <a:pPr algn="ctr"/>
+            <a:endParaRPr lang="en-US"/>
+          </a:p>
+        </p:txBody>
+      </p:sp>
+      <p:sp>
+        <p:nvSpPr>
+          <p:cNvPr id="6" name="Rectangles 5"/>
+          <p:cNvSpPr/>
+          <p:nvPr/>
+        </p:nvSpPr>
+        <p:spPr>
+          <a:xfrm>
+            <a:off x="3930650" y="1059815"/>
+            <a:ext cx="1583690" cy="1888490"/>
+          </a:xfrm>
+          <a:prstGeom prst="rect">
+            <a:avLst/>
+          </a:prstGeom>
+        </p:spPr>
+        <p:style>
+          <a:lnRef idx="2">
+            <a:schemeClr val="dk1"/>
+          </a:lnRef>
+          <a:fillRef idx="1">
+            <a:schemeClr val="lt1"/>
+          </a:fillRef>
+          <a:effectRef idx="0">
+            <a:schemeClr val="dk1"/>
+          </a:effectRef>
+          <a:fontRef idx="minor">
+            <a:schemeClr val="dk1"/>
+          </a:fontRef>
+        </p:style>
+        <p:txBody>
+          <a:bodyPr rtlCol="0" anchor="ctr"/>
+          <a:p>
+            <a:pPr algn="ctr"/>
+            <a:endParaRPr lang="en-US"/>
+          </a:p>
+        </p:txBody>
+      </p:sp>
+      <p:sp>
+        <p:nvSpPr>
+          <p:cNvPr id="7" name="Rectangles 6"/>
+          <p:cNvSpPr/>
+          <p:nvPr/>
+        </p:nvSpPr>
+        <p:spPr>
+          <a:xfrm>
+            <a:off x="6443980" y="-309880"/>
+            <a:ext cx="1820545" cy="5192395"/>
+          </a:xfrm>
+          <a:prstGeom prst="rect">
+            <a:avLst/>
+          </a:prstGeom>
+        </p:spPr>
+        <p:style>
+          <a:lnRef idx="2">
+            <a:schemeClr val="dk1"/>
+          </a:lnRef>
+          <a:fillRef idx="1">
+            <a:schemeClr val="lt1"/>
+          </a:fillRef>
+          <a:effectRef idx="0">
+            <a:schemeClr val="dk1"/>
+          </a:effectRef>
+          <a:fontRef idx="minor">
+            <a:schemeClr val="dk1"/>
+          </a:fontRef>
+        </p:style>
+        <p:txBody>
+          <a:bodyPr rtlCol="0" anchor="ctr"/>
+          <a:p>
+            <a:pPr algn="ctr"/>
+            <a:endParaRPr lang="en-US"/>
+          </a:p>
+        </p:txBody>
+      </p:sp>
+      <p:cxnSp>
+        <p:nvCxnSpPr>
+          <p:cNvPr id="9" name="Straight Connector 8"/>
+          <p:cNvCxnSpPr/>
+          <p:nvPr/>
+        </p:nvCxnSpPr>
+        <p:spPr>
+          <a:xfrm>
+            <a:off x="1334770" y="1749425"/>
+            <a:ext cx="1541145" cy="0"/>
+          </a:xfrm>
+          <a:prstGeom prst="line">
+            <a:avLst/>
+          </a:prstGeom>
+        </p:spPr>
+        <p:style>
+          <a:lnRef idx="1">
+            <a:schemeClr val="accent1"/>
+          </a:lnRef>
+          <a:fillRef idx="0">
+            <a:schemeClr val="accent1"/>
+          </a:fillRef>
+          <a:effectRef idx="0">
+            <a:schemeClr val="accent1"/>
+          </a:effectRef>
+          <a:fontRef idx="minor">
+            <a:schemeClr val="tx1"/>
+          </a:fontRef>
+        </p:style>
+      </p:cxnSp>
+      <p:sp>
+        <p:nvSpPr>
+          <p:cNvPr id="10" name="Text Box 9"/>
+          <p:cNvSpPr txBox="1"/>
+          <p:nvPr/>
+        </p:nvSpPr>
+        <p:spPr>
+          <a:xfrm>
+            <a:off x="1442720" y="1054100"/>
+            <a:ext cx="1468755" cy="645160"/>
+          </a:xfrm>
+          <a:prstGeom prst="rect">
+            <a:avLst/>
+          </a:prstGeom>
+          <a:noFill/>
+        </p:spPr>
+        <p:txBody>
+          <a:bodyPr wrap="square" rtlCol="0">
+            <a:spAutoFit/>
+          </a:bodyPr>
+          <a:p>
+            <a:r>
+              <a:rPr lang="en-US"/>
+              <a:t>&lt;&lt;view&gt;&gt;</a:t>
+            </a:r>
+            <a:endParaRPr lang="en-US"/>
+          </a:p>
+          <a:p>
+            <a:r>
+              <a:rPr lang="en-US"/>
+              <a:t>viewSearch</a:t>
+            </a:r>
+            <a:endParaRPr lang="en-US"/>
+          </a:p>
+        </p:txBody>
+      </p:sp>
+      <p:sp>
+        <p:nvSpPr>
+          <p:cNvPr id="11" name="Text Box 10"/>
+          <p:cNvSpPr txBox="1"/>
+          <p:nvPr/>
+        </p:nvSpPr>
+        <p:spPr>
+          <a:xfrm>
+            <a:off x="1348740" y="1749425"/>
+            <a:ext cx="1657350" cy="645160"/>
+          </a:xfrm>
+          <a:prstGeom prst="rect">
+            <a:avLst/>
+          </a:prstGeom>
+          <a:noFill/>
+        </p:spPr>
+        <p:txBody>
+          <a:bodyPr wrap="square" rtlCol="0">
+            <a:spAutoFit/>
+          </a:bodyPr>
+          <a:p>
+            <a:r>
+              <a:rPr lang="en-US"/>
+              <a:t>+Search()</a:t>
+            </a:r>
+            <a:endParaRPr lang="en-US"/>
+          </a:p>
+          <a:p>
+            <a:r>
+              <a:rPr lang="en-US"/>
+              <a:t>+Show()</a:t>
+            </a:r>
+            <a:endParaRPr lang="en-US"/>
+          </a:p>
+        </p:txBody>
+      </p:sp>
+      <p:sp>
+        <p:nvSpPr>
+          <p:cNvPr id="13" name="Text Box 12"/>
+          <p:cNvSpPr txBox="1"/>
+          <p:nvPr/>
+        </p:nvSpPr>
+        <p:spPr>
+          <a:xfrm>
+            <a:off x="3923665" y="1059815"/>
+            <a:ext cx="1762760" cy="645160"/>
+          </a:xfrm>
+          <a:prstGeom prst="rect">
+            <a:avLst/>
+          </a:prstGeom>
+          <a:noFill/>
+        </p:spPr>
+        <p:txBody>
+          <a:bodyPr wrap="square" rtlCol="0">
+            <a:spAutoFit/>
+          </a:bodyPr>
+          <a:p>
+            <a:r>
+              <a:rPr lang="en-US"/>
+              <a:t>&lt;&lt;controller&gt;&gt;</a:t>
+            </a:r>
+            <a:endParaRPr lang="en-US"/>
+          </a:p>
+          <a:p>
+            <a:r>
+              <a:rPr lang="en-US"/>
+              <a:t>ControlSearch</a:t>
+            </a:r>
+            <a:endParaRPr lang="en-US"/>
+          </a:p>
+        </p:txBody>
+      </p:sp>
+      <p:sp>
+        <p:nvSpPr>
+          <p:cNvPr id="14" name="Text Box 13"/>
+          <p:cNvSpPr txBox="1"/>
+          <p:nvPr/>
+        </p:nvSpPr>
+        <p:spPr>
+          <a:xfrm>
+            <a:off x="3855720" y="2164715"/>
+            <a:ext cx="1600835" cy="645160"/>
+          </a:xfrm>
+          <a:prstGeom prst="rect">
+            <a:avLst/>
+          </a:prstGeom>
+          <a:noFill/>
+        </p:spPr>
+        <p:txBody>
+          <a:bodyPr wrap="square" rtlCol="0">
+            <a:spAutoFit/>
+          </a:bodyPr>
+          <a:p>
+            <a:r>
+              <a:rPr lang="en-US"/>
+              <a:t>+Search()</a:t>
+            </a:r>
+            <a:endParaRPr lang="en-US"/>
+          </a:p>
+          <a:p>
+            <a:r>
+              <a:rPr lang="en-US"/>
+              <a:t>+buildbook</a:t>
+            </a:r>
+            <a:endParaRPr lang="en-US"/>
+          </a:p>
+        </p:txBody>
+      </p:sp>
+      <p:cxnSp>
+        <p:nvCxnSpPr>
+          <p:cNvPr id="15" name="Straight Connector 14"/>
+          <p:cNvCxnSpPr>
+            <a:stCxn id="6" idx="1"/>
+            <a:endCxn id="6" idx="3"/>
+          </p:cNvCxnSpPr>
+          <p:nvPr/>
+        </p:nvCxnSpPr>
+        <p:spPr>
+          <a:xfrm>
+            <a:off x="3930650" y="2004060"/>
+            <a:ext cx="1583690" cy="0"/>
+          </a:xfrm>
+          <a:prstGeom prst="line">
+            <a:avLst/>
+          </a:prstGeom>
+        </p:spPr>
+        <p:style>
+          <a:lnRef idx="1">
+            <a:schemeClr val="accent1"/>
+          </a:lnRef>
+          <a:fillRef idx="0">
+            <a:schemeClr val="accent1"/>
+          </a:fillRef>
+          <a:effectRef idx="0">
+            <a:schemeClr val="accent1"/>
+          </a:effectRef>
+          <a:fontRef idx="minor">
+            <a:schemeClr val="tx1"/>
+          </a:fontRef>
+        </p:style>
+      </p:cxnSp>
+      <p:sp>
+        <p:nvSpPr>
+          <p:cNvPr id="18" name="Text Box 17"/>
+          <p:cNvSpPr txBox="1"/>
+          <p:nvPr/>
+        </p:nvSpPr>
+        <p:spPr>
+          <a:xfrm>
+            <a:off x="6645910" y="-96520"/>
+            <a:ext cx="1468755" cy="645160"/>
+          </a:xfrm>
+          <a:prstGeom prst="rect">
+            <a:avLst/>
+          </a:prstGeom>
+          <a:noFill/>
+        </p:spPr>
+        <p:txBody>
+          <a:bodyPr wrap="square" rtlCol="0">
+            <a:spAutoFit/>
+          </a:bodyPr>
+          <a:p>
+            <a:r>
+              <a:rPr lang="en-US"/>
+              <a:t>&lt;&lt;Model&gt;&gt;</a:t>
+            </a:r>
+            <a:endParaRPr lang="en-US"/>
+          </a:p>
+          <a:p>
+            <a:r>
+              <a:rPr lang="en-US"/>
+              <a:t>ListBook</a:t>
+            </a:r>
+            <a:endParaRPr lang="en-US"/>
+          </a:p>
+        </p:txBody>
+      </p:sp>
+      <p:cxnSp>
+        <p:nvCxnSpPr>
+          <p:cNvPr id="19" name="Straight Connector 18"/>
+          <p:cNvCxnSpPr/>
+          <p:nvPr/>
+        </p:nvCxnSpPr>
+        <p:spPr>
+          <a:xfrm>
+            <a:off x="6391910" y="548640"/>
+            <a:ext cx="1872615" cy="10160"/>
+          </a:xfrm>
+          <a:prstGeom prst="line">
+            <a:avLst/>
+          </a:prstGeom>
+        </p:spPr>
+        <p:style>
+          <a:lnRef idx="1">
+            <a:schemeClr val="accent1"/>
+          </a:lnRef>
+          <a:fillRef idx="0">
+            <a:schemeClr val="accent1"/>
+          </a:fillRef>
+          <a:effectRef idx="0">
+            <a:schemeClr val="accent1"/>
+          </a:effectRef>
+          <a:fontRef idx="minor">
+            <a:schemeClr val="tx1"/>
+          </a:fontRef>
+        </p:style>
+      </p:cxnSp>
+      <p:cxnSp>
+        <p:nvCxnSpPr>
+          <p:cNvPr id="20" name="Straight Connector 19"/>
+          <p:cNvCxnSpPr/>
+          <p:nvPr/>
+        </p:nvCxnSpPr>
+        <p:spPr>
+          <a:xfrm>
+            <a:off x="6443980" y="2563495"/>
+            <a:ext cx="1855470" cy="15875"/>
+          </a:xfrm>
+          <a:prstGeom prst="line">
+            <a:avLst/>
+          </a:prstGeom>
+        </p:spPr>
+        <p:style>
+          <a:lnRef idx="1">
+            <a:schemeClr val="accent1"/>
+          </a:lnRef>
+          <a:fillRef idx="0">
+            <a:schemeClr val="accent1"/>
+          </a:fillRef>
+          <a:effectRef idx="0">
+            <a:schemeClr val="accent1"/>
+          </a:effectRef>
+          <a:fontRef idx="minor">
+            <a:schemeClr val="tx1"/>
+          </a:fontRef>
+        </p:style>
+      </p:cxnSp>
+      <p:sp>
+        <p:nvSpPr>
+          <p:cNvPr id="21" name="Text Box 20"/>
+          <p:cNvSpPr txBox="1"/>
+          <p:nvPr/>
+        </p:nvSpPr>
+        <p:spPr>
+          <a:xfrm>
+            <a:off x="6443980" y="558800"/>
+            <a:ext cx="2431415" cy="2030095"/>
+          </a:xfrm>
+          <a:prstGeom prst="rect">
+            <a:avLst/>
+          </a:prstGeom>
+          <a:noFill/>
+        </p:spPr>
+        <p:txBody>
+          <a:bodyPr wrap="square" rtlCol="0">
+            <a:spAutoFit/>
+          </a:bodyPr>
+          <a:p>
+            <a:r>
+              <a:rPr lang="en-US"/>
+              <a:t>+bookID:String</a:t>
+            </a:r>
+            <a:endParaRPr lang="en-US"/>
+          </a:p>
+          <a:p>
+            <a:r>
+              <a:rPr lang="en-US"/>
+              <a:t>+bookName:String</a:t>
+            </a:r>
+            <a:endParaRPr lang="en-US"/>
+          </a:p>
+          <a:p>
+            <a:r>
+              <a:rPr lang="en-US"/>
+              <a:t>+bookAuthor:String</a:t>
+            </a:r>
+            <a:endParaRPr lang="en-US"/>
+          </a:p>
+          <a:p>
+            <a:r>
+              <a:rPr lang="en-US"/>
+              <a:t>+bookCate:String</a:t>
+            </a:r>
+            <a:endParaRPr lang="en-US"/>
+          </a:p>
+          <a:p>
+            <a:r>
+              <a:rPr lang="en-US"/>
+              <a:t>+bookPublisher:String</a:t>
+            </a:r>
+            <a:endParaRPr lang="en-US"/>
+          </a:p>
+          <a:p>
+            <a:r>
+              <a:rPr lang="en-US"/>
+              <a:t>+bookPrice:int</a:t>
+            </a:r>
+            <a:endParaRPr lang="en-US"/>
+          </a:p>
+          <a:p>
+            <a:r>
+              <a:rPr lang="en-US"/>
+              <a:t>+bookPages:int</a:t>
+            </a:r>
+            <a:endParaRPr lang="en-US"/>
+          </a:p>
+        </p:txBody>
+      </p:sp>
+      <p:sp>
+        <p:nvSpPr>
+          <p:cNvPr id="22" name="Text Box 21"/>
+          <p:cNvSpPr txBox="1"/>
+          <p:nvPr/>
+        </p:nvSpPr>
+        <p:spPr>
+          <a:xfrm>
+            <a:off x="6443980" y="2646045"/>
+            <a:ext cx="2129155" cy="2030095"/>
+          </a:xfrm>
+          <a:prstGeom prst="rect">
+            <a:avLst/>
+          </a:prstGeom>
+          <a:noFill/>
+        </p:spPr>
+        <p:txBody>
+          <a:bodyPr wrap="square" rtlCol="0">
+            <a:spAutoFit/>
+          </a:bodyPr>
+          <a:p>
+            <a:r>
+              <a:rPr lang="en-US"/>
+              <a:t>+getBookID()</a:t>
+            </a:r>
+            <a:endParaRPr lang="en-US"/>
+          </a:p>
+          <a:p>
+            <a:r>
+              <a:rPr lang="en-US"/>
+              <a:t>+getBookName()</a:t>
+            </a:r>
+            <a:endParaRPr lang="en-US"/>
+          </a:p>
+          <a:p>
+            <a:r>
+              <a:rPr lang="en-US"/>
+              <a:t>+getBookAuthor()</a:t>
+            </a:r>
+            <a:endParaRPr lang="en-US"/>
+          </a:p>
+          <a:p>
+            <a:r>
+              <a:rPr lang="en-US"/>
+              <a:t>+getBookCate()</a:t>
+            </a:r>
+            <a:endParaRPr lang="en-US"/>
+          </a:p>
+          <a:p>
+            <a:r>
+              <a:rPr lang="en-US"/>
+              <a:t>+getBookPublisher()</a:t>
+            </a:r>
+            <a:endParaRPr lang="en-US"/>
+          </a:p>
+          <a:p>
+            <a:r>
+              <a:rPr lang="en-US"/>
+              <a:t>+getBookPrice()</a:t>
+            </a:r>
+            <a:endParaRPr lang="en-US"/>
+          </a:p>
+          <a:p>
+            <a:r>
+              <a:rPr lang="en-US"/>
+              <a:t>+getBookPages()</a:t>
+            </a:r>
+            <a:endParaRPr lang="en-US"/>
+          </a:p>
+        </p:txBody>
+      </p:sp>
+      <p:cxnSp>
+        <p:nvCxnSpPr>
+          <p:cNvPr id="4" name="Straight Arrow Connector 3"/>
+          <p:cNvCxnSpPr/>
+          <p:nvPr/>
+        </p:nvCxnSpPr>
+        <p:spPr>
+          <a:xfrm>
+            <a:off x="2886075" y="1748155"/>
+            <a:ext cx="1037590" cy="31750"/>
+          </a:xfrm>
+          <a:prstGeom prst="straightConnector1">
+            <a:avLst/>
+          </a:prstGeom>
+          <a:ln>
+            <a:tailEnd type="arrow"/>
+          </a:ln>
+        </p:spPr>
+        <p:style>
+          <a:lnRef idx="1">
+            <a:schemeClr val="accent1"/>
+          </a:lnRef>
+          <a:fillRef idx="0">
+            <a:schemeClr val="accent1"/>
+          </a:fillRef>
+          <a:effectRef idx="0">
+            <a:schemeClr val="accent1"/>
+          </a:effectRef>
+          <a:fontRef idx="minor">
+            <a:schemeClr val="tx1"/>
+          </a:fontRef>
+        </p:style>
+      </p:cxnSp>
+      <p:sp>
+        <p:nvSpPr>
+          <p:cNvPr id="8" name="Text Box 7"/>
+          <p:cNvSpPr txBox="1"/>
+          <p:nvPr/>
+        </p:nvSpPr>
+        <p:spPr>
+          <a:xfrm>
+            <a:off x="2875915" y="1330960"/>
+            <a:ext cx="535940" cy="368300"/>
+          </a:xfrm>
+          <a:prstGeom prst="rect">
+            <a:avLst/>
+          </a:prstGeom>
+          <a:noFill/>
+        </p:spPr>
+        <p:txBody>
+          <a:bodyPr wrap="square" rtlCol="0">
+            <a:spAutoFit/>
+          </a:bodyPr>
+          <a:p>
+            <a:r>
+              <a:rPr lang="en-US"/>
+              <a:t>0..1</a:t>
+            </a:r>
+            <a:endParaRPr lang="en-US"/>
+          </a:p>
+        </p:txBody>
+      </p:sp>
+      <p:sp>
+        <p:nvSpPr>
+          <p:cNvPr id="12" name="Text Box 11"/>
+          <p:cNvSpPr txBox="1"/>
+          <p:nvPr/>
+        </p:nvSpPr>
+        <p:spPr>
+          <a:xfrm>
+            <a:off x="3653790" y="1389380"/>
+            <a:ext cx="201930" cy="368300"/>
+          </a:xfrm>
+          <a:prstGeom prst="rect">
+            <a:avLst/>
+          </a:prstGeom>
+          <a:noFill/>
+        </p:spPr>
+        <p:txBody>
+          <a:bodyPr wrap="square" rtlCol="0">
+            <a:spAutoFit/>
+          </a:bodyPr>
+          <a:p>
+            <a:r>
+              <a:rPr lang="en-US"/>
+              <a:t>1</a:t>
+            </a:r>
+            <a:endParaRPr lang="en-US"/>
+          </a:p>
+        </p:txBody>
+      </p:sp>
+      <p:sp>
+        <p:nvSpPr>
+          <p:cNvPr id="16" name="Text Box 15"/>
+          <p:cNvSpPr txBox="1"/>
+          <p:nvPr/>
+        </p:nvSpPr>
+        <p:spPr>
+          <a:xfrm>
+            <a:off x="5456555" y="1330960"/>
+            <a:ext cx="725805" cy="368300"/>
+          </a:xfrm>
+          <a:prstGeom prst="rect">
+            <a:avLst/>
+          </a:prstGeom>
+          <a:noFill/>
+        </p:spPr>
+        <p:txBody>
+          <a:bodyPr wrap="square" rtlCol="0">
+            <a:spAutoFit/>
+          </a:bodyPr>
+          <a:p>
+            <a:r>
+              <a:rPr lang="en-US"/>
+              <a:t>0..*</a:t>
+            </a:r>
+            <a:endParaRPr lang="en-US"/>
+          </a:p>
+        </p:txBody>
+      </p:sp>
+      <p:sp>
+        <p:nvSpPr>
+          <p:cNvPr id="17" name="Text Box 16"/>
+          <p:cNvSpPr txBox="1"/>
+          <p:nvPr/>
+        </p:nvSpPr>
+        <p:spPr>
+          <a:xfrm>
+            <a:off x="5962015" y="1330960"/>
+            <a:ext cx="572135" cy="368300"/>
+          </a:xfrm>
+          <a:prstGeom prst="rect">
+            <a:avLst/>
+          </a:prstGeom>
+          <a:noFill/>
+        </p:spPr>
+        <p:txBody>
+          <a:bodyPr wrap="square" rtlCol="0">
+            <a:spAutoFit/>
+          </a:bodyPr>
+          <a:p>
+            <a:r>
+              <a:rPr lang="en-US"/>
+              <a:t>0..*</a:t>
+            </a:r>
+            <a:endParaRPr lang="en-US"/>
+          </a:p>
+        </p:txBody>
+      </p:sp>
+      <p:cxnSp>
+        <p:nvCxnSpPr>
+          <p:cNvPr id="23" name="Straight Arrow Connector 22"/>
+          <p:cNvCxnSpPr/>
+          <p:nvPr/>
+        </p:nvCxnSpPr>
+        <p:spPr>
+          <a:xfrm>
+            <a:off x="5508625" y="1877060"/>
+            <a:ext cx="1007745" cy="46355"/>
+          </a:xfrm>
+          <a:prstGeom prst="straightConnector1">
+            <a:avLst/>
+          </a:prstGeom>
+          <a:ln>
+            <a:tailEnd type="arrow"/>
+          </a:ln>
+        </p:spPr>
+        <p:style>
+          <a:lnRef idx="1">
+            <a:schemeClr val="accent1"/>
+          </a:lnRef>
+          <a:fillRef idx="0">
+            <a:schemeClr val="accent1"/>
+          </a:fillRef>
+          <a:effectRef idx="0">
+            <a:schemeClr val="accent1"/>
+          </a:effectRef>
+          <a:fontRef idx="minor">
+            <a:schemeClr val="tx1"/>
+          </a:fontRef>
+        </p:style>
+      </p:cxnSp>
+      <p:sp>
+        <p:nvSpPr>
+          <p:cNvPr id="24" name="Text Box 23"/>
+          <p:cNvSpPr txBox="1"/>
+          <p:nvPr/>
+        </p:nvSpPr>
+        <p:spPr>
+          <a:xfrm>
+            <a:off x="1616710" y="116205"/>
+            <a:ext cx="1442720" cy="645160"/>
+          </a:xfrm>
+          <a:prstGeom prst="rect">
+            <a:avLst/>
+          </a:prstGeom>
+          <a:noFill/>
+        </p:spPr>
+        <p:txBody>
+          <a:bodyPr wrap="square" rtlCol="0">
+            <a:spAutoFit/>
+          </a:bodyPr>
+          <a:p>
+            <a:r>
+              <a:rPr lang="en-US"/>
+              <a:t>Search</a:t>
+            </a:r>
+            <a:endParaRPr lang="en-US"/>
+          </a:p>
+          <a:p>
+            <a:endParaRPr lang="en-US"/>
+          </a:p>
+        </p:txBody>
+      </p:sp>
+    </p:spTree>
+  </p:cSld>
+  <p:clrMapOvr>
+    <a:masterClrMapping/>
+  </p:clrMapOvr>
+  <p:transition spd="slow">
+    <p:push dir="u"/>
+  </p:transition>
+</p:sld>
+</file>
+
+<file path=ppt/slides/slide13.xml><?xml version="1.0" encoding="utf-8"?>
+<p:sld xmlns:a="http://schemas.openxmlformats.org/drawingml/2006/main" xmlns:r="http://schemas.openxmlformats.org/officeDocument/2006/relationships" xmlns:p="http://schemas.openxmlformats.org/presentationml/2006/main">
+  <p:cSld>
+    <p:spTree>
+      <p:nvGrpSpPr>
+        <p:cNvPr id="1" name=""/>
+        <p:cNvGrpSpPr/>
+        <p:nvPr/>
+      </p:nvGrpSpPr>
       <p:grpSpPr>
         <a:xfrm>
           <a:off x="0" y="0"/>
@@ -4815,13 +6234,7 @@
           <p:cNvGraphicFramePr>
             <a:graphicFrameLocks noGrp="1"/>
           </p:cNvGraphicFramePr>
-          <p:nvPr>
-            <p:extLst>
-              <p:ext uri="{D42A27DB-BD31-4B8C-83A1-F6EECF244321}">
-                <p14:modId xmlns:p14="http://schemas.microsoft.com/office/powerpoint/2010/main" val="2291535862"/>
-              </p:ext>
-            </p:extLst>
-          </p:nvPr>
+          <p:nvPr/>
         </p:nvGraphicFramePr>
         <p:xfrm>
           <a:off x="539552" y="771550"/>
@@ -4834,20 +6247,8 @@
                 <a:tableStyleId>{00A15C55-8517-42AA-B614-E9B94910E393}</a:tableStyleId>
               </a:tblPr>
               <a:tblGrid>
-                <a:gridCol w="813690">
-                  <a:extLst>
-                    <a:ext uri="{9D8B030D-6E8A-4147-A177-3AD203B41FA5}">
-                      <a16:colId xmlns:a16="http://schemas.microsoft.com/office/drawing/2014/main" val="20000"/>
-                    </a:ext>
-                  </a:extLst>
-                </a:gridCol>
-                <a:gridCol w="7323214">
-                  <a:extLst>
-                    <a:ext uri="{9D8B030D-6E8A-4147-A177-3AD203B41FA5}">
-                      <a16:colId xmlns:a16="http://schemas.microsoft.com/office/drawing/2014/main" val="20001"/>
-                    </a:ext>
-                  </a:extLst>
-                </a:gridCol>
+                <a:gridCol w="813690"/>
+                <a:gridCol w="7323214"/>
               </a:tblGrid>
               <a:tr h="376366">
                 <a:tc>
@@ -4867,6 +6268,10 @@
                         </a:rPr>
                         <a:t>STT</a:t>
                       </a:r>
+                      <a:endParaRPr lang="en-US" sz="1200" dirty="0">
+                        <a:latin typeface="Myriad Pro" pitchFamily="34" charset="0"/>
+                        <a:cs typeface="Arial" panose="020B0604020202020204" pitchFamily="34" charset="0"/>
+                      </a:endParaRPr>
                     </a:p>
                   </a:txBody>
                   <a:tcPr marL="99855" marR="99855" marT="49927" marB="49927"/>
@@ -4888,15 +6293,14 @@
                         </a:rPr>
                         <a:t>CHỨC NĂNG</a:t>
                       </a:r>
+                      <a:endParaRPr lang="en-US" sz="1200" dirty="0">
+                        <a:latin typeface="Myriad Pro" pitchFamily="34" charset="0"/>
+                        <a:cs typeface="Arial" panose="020B0604020202020204" pitchFamily="34" charset="0"/>
+                      </a:endParaRPr>
                     </a:p>
                   </a:txBody>
                   <a:tcPr marL="99855" marR="99855" marT="49927" marB="49927"/>
                 </a:tc>
-                <a:extLst>
-                  <a:ext uri="{0D108BD9-81ED-4DB2-BD59-A6C34878D82A}">
-                    <a16:rowId xmlns:a16="http://schemas.microsoft.com/office/drawing/2014/main" val="10000"/>
-                  </a:ext>
-                </a:extLst>
               </a:tr>
               <a:tr h="404966">
                 <a:tc>
@@ -4916,6 +6320,10 @@
                         </a:rPr>
                         <a:t>1</a:t>
                       </a:r>
+                      <a:endParaRPr lang="en-US" sz="1200" dirty="0">
+                        <a:latin typeface="Myriad Pro" pitchFamily="34" charset="0"/>
+                        <a:cs typeface="Arial" panose="020B0604020202020204" pitchFamily="34" charset="0"/>
+                      </a:endParaRPr>
                     </a:p>
                   </a:txBody>
                   <a:tcPr marL="99855" marR="99855" marT="49927" marB="49927"/>
@@ -4939,7 +6347,6 @@
                         <a:buSzTx/>
                         <a:buFontTx/>
                         <a:buNone/>
-                        <a:tabLst/>
                         <a:defRPr/>
                       </a:pPr>
                       <a:endParaRPr lang="en-US" sz="1200" dirty="0">
@@ -4950,11 +6357,6 @@
                   </a:txBody>
                   <a:tcPr marL="99855" marR="99855" marT="49927" marB="49927"/>
                 </a:tc>
-                <a:extLst>
-                  <a:ext uri="{0D108BD9-81ED-4DB2-BD59-A6C34878D82A}">
-                    <a16:rowId xmlns:a16="http://schemas.microsoft.com/office/drawing/2014/main" val="10001"/>
-                  </a:ext>
-                </a:extLst>
               </a:tr>
               <a:tr h="499274">
                 <a:tc>
@@ -4974,6 +6376,10 @@
                         </a:rPr>
                         <a:t>2</a:t>
                       </a:r>
+                      <a:endParaRPr lang="en-US" sz="1200" dirty="0">
+                        <a:latin typeface="Myriad Pro" pitchFamily="34" charset="0"/>
+                        <a:cs typeface="Arial" panose="020B0604020202020204" pitchFamily="34" charset="0"/>
+                      </a:endParaRPr>
                     </a:p>
                   </a:txBody>
                   <a:tcPr marL="99855" marR="99855" marT="49927" marB="49927"/>
@@ -4997,7 +6403,6 @@
                         <a:buSzTx/>
                         <a:buFontTx/>
                         <a:buNone/>
-                        <a:tabLst/>
                         <a:defRPr/>
                       </a:pPr>
                       <a:endParaRPr lang="en-US" sz="1200" dirty="0">
@@ -5008,11 +6413,6 @@
                   </a:txBody>
                   <a:tcPr marL="99855" marR="99855" marT="49927" marB="49927"/>
                 </a:tc>
-                <a:extLst>
-                  <a:ext uri="{0D108BD9-81ED-4DB2-BD59-A6C34878D82A}">
-                    <a16:rowId xmlns:a16="http://schemas.microsoft.com/office/drawing/2014/main" val="10002"/>
-                  </a:ext>
-                </a:extLst>
               </a:tr>
               <a:tr h="499274">
                 <a:tc>
@@ -5032,6 +6432,10 @@
                         </a:rPr>
                         <a:t>3</a:t>
                       </a:r>
+                      <a:endParaRPr lang="en-US" sz="1200" dirty="0">
+                        <a:latin typeface="Myriad Pro" pitchFamily="34" charset="0"/>
+                        <a:cs typeface="Arial" panose="020B0604020202020204" pitchFamily="34" charset="0"/>
+                      </a:endParaRPr>
                     </a:p>
                   </a:txBody>
                   <a:tcPr marL="99855" marR="99855" marT="49927" marB="49927"/>
@@ -5055,7 +6459,6 @@
                         <a:buSzTx/>
                         <a:buFontTx/>
                         <a:buNone/>
-                        <a:tabLst/>
                         <a:defRPr/>
                       </a:pPr>
                       <a:endParaRPr lang="en-US" sz="1200" dirty="0">
@@ -5066,11 +6469,6 @@
                   </a:txBody>
                   <a:tcPr marL="99855" marR="99855" marT="49927" marB="49927"/>
                 </a:tc>
-                <a:extLst>
-                  <a:ext uri="{0D108BD9-81ED-4DB2-BD59-A6C34878D82A}">
-                    <a16:rowId xmlns:a16="http://schemas.microsoft.com/office/drawing/2014/main" val="10003"/>
-                  </a:ext>
-                </a:extLst>
               </a:tr>
               <a:tr h="404966">
                 <a:tc>
@@ -5090,6 +6488,10 @@
                         </a:rPr>
                         <a:t>4</a:t>
                       </a:r>
+                      <a:endParaRPr lang="en-US" sz="1200" dirty="0">
+                        <a:latin typeface="Myriad Pro" pitchFamily="34" charset="0"/>
+                        <a:cs typeface="Arial" panose="020B0604020202020204" pitchFamily="34" charset="0"/>
+                      </a:endParaRPr>
                     </a:p>
                   </a:txBody>
                   <a:tcPr marL="99855" marR="99855" marT="49927" marB="49927"/>
@@ -5113,7 +6515,6 @@
                         <a:buSzTx/>
                         <a:buFontTx/>
                         <a:buNone/>
-                        <a:tabLst/>
                         <a:defRPr/>
                       </a:pPr>
                       <a:endParaRPr lang="en-US" sz="1200" dirty="0">
@@ -5124,11 +6525,6 @@
                   </a:txBody>
                   <a:tcPr marL="99855" marR="99855" marT="49927" marB="49927"/>
                 </a:tc>
-                <a:extLst>
-                  <a:ext uri="{0D108BD9-81ED-4DB2-BD59-A6C34878D82A}">
-                    <a16:rowId xmlns:a16="http://schemas.microsoft.com/office/drawing/2014/main" val="10004"/>
-                  </a:ext>
-                </a:extLst>
               </a:tr>
               <a:tr h="499274">
                 <a:tc>
@@ -5148,6 +6544,10 @@
                         </a:rPr>
                         <a:t>5</a:t>
                       </a:r>
+                      <a:endParaRPr lang="en-US" sz="1200" dirty="0">
+                        <a:latin typeface="Myriad Pro" pitchFamily="34" charset="0"/>
+                        <a:cs typeface="Arial" panose="020B0604020202020204" pitchFamily="34" charset="0"/>
+                      </a:endParaRPr>
                     </a:p>
                   </a:txBody>
                   <a:tcPr marL="99855" marR="99855" marT="49927" marB="49927"/>
@@ -5171,7 +6571,6 @@
                         <a:buSzTx/>
                         <a:buFontTx/>
                         <a:buNone/>
-                        <a:tabLst/>
                         <a:defRPr/>
                       </a:pPr>
                       <a:endParaRPr lang="en-US" sz="1200" dirty="0">
@@ -5182,11 +6581,6 @@
                   </a:txBody>
                   <a:tcPr marL="99855" marR="99855" marT="49927" marB="49927"/>
                 </a:tc>
-                <a:extLst>
-                  <a:ext uri="{0D108BD9-81ED-4DB2-BD59-A6C34878D82A}">
-                    <a16:rowId xmlns:a16="http://schemas.microsoft.com/office/drawing/2014/main" val="10005"/>
-                  </a:ext>
-                </a:extLst>
               </a:tr>
               <a:tr h="499274">
                 <a:tc>
@@ -5206,6 +6600,10 @@
                         </a:rPr>
                         <a:t>6</a:t>
                       </a:r>
+                      <a:endParaRPr lang="en-US" sz="1200" dirty="0">
+                        <a:latin typeface="Myriad Pro" pitchFamily="34" charset="0"/>
+                        <a:cs typeface="Arial" panose="020B0604020202020204" pitchFamily="34" charset="0"/>
+                      </a:endParaRPr>
                     </a:p>
                   </a:txBody>
                   <a:tcPr marL="99855" marR="99855" marT="49927" marB="49927"/>
@@ -5229,7 +6627,6 @@
                         <a:buSzTx/>
                         <a:buFontTx/>
                         <a:buNone/>
-                        <a:tabLst/>
                         <a:defRPr/>
                       </a:pPr>
                       <a:endParaRPr lang="en-US" sz="1200" dirty="0">
@@ -5240,11 +6637,6 @@
                   </a:txBody>
                   <a:tcPr marL="99855" marR="99855" marT="49927" marB="49927"/>
                 </a:tc>
-                <a:extLst>
-                  <a:ext uri="{0D108BD9-81ED-4DB2-BD59-A6C34878D82A}">
-                    <a16:rowId xmlns:a16="http://schemas.microsoft.com/office/drawing/2014/main" val="10006"/>
-                  </a:ext>
-                </a:extLst>
               </a:tr>
               <a:tr h="404966">
                 <a:tc>
@@ -5264,6 +6656,10 @@
                         </a:rPr>
                         <a:t>7</a:t>
                       </a:r>
+                      <a:endParaRPr lang="en-US" sz="1200" dirty="0">
+                        <a:latin typeface="Myriad Pro" pitchFamily="34" charset="0"/>
+                        <a:cs typeface="Arial" panose="020B0604020202020204" pitchFamily="34" charset="0"/>
+                      </a:endParaRPr>
                     </a:p>
                   </a:txBody>
                   <a:tcPr marL="99855" marR="99855" marT="49927" marB="49927"/>
@@ -5287,7 +6683,6 @@
                         <a:buSzTx/>
                         <a:buFontTx/>
                         <a:buNone/>
-                        <a:tabLst/>
                         <a:defRPr/>
                       </a:pPr>
                       <a:endParaRPr lang="en-US" sz="1200" dirty="0">
@@ -5298,22 +6693,12 @@
                   </a:txBody>
                   <a:tcPr marL="99855" marR="99855" marT="49927" marB="49927"/>
                 </a:tc>
-                <a:extLst>
-                  <a:ext uri="{0D108BD9-81ED-4DB2-BD59-A6C34878D82A}">
-                    <a16:rowId xmlns:a16="http://schemas.microsoft.com/office/drawing/2014/main" val="10007"/>
-                  </a:ext>
-                </a:extLst>
               </a:tr>
             </a:tbl>
           </a:graphicData>
         </a:graphic>
       </p:graphicFrame>
     </p:spTree>
-    <p:extLst>
-      <p:ext uri="{BB962C8B-B14F-4D97-AF65-F5344CB8AC3E}">
-        <p14:creationId xmlns:p14="http://schemas.microsoft.com/office/powerpoint/2010/main" val="2984443351"/>
-      </p:ext>
-    </p:extLst>
   </p:cSld>
   <p:clrMapOvr>
     <a:masterClrMapping/>
@@ -5324,7 +6709,7 @@
 </p:sld>
 </file>
 
-<file path=ppt/slides/slide12.xml><?xml version="1.0" encoding="utf-8"?>
+<file path=ppt/slides/slide14.xml><?xml version="1.0" encoding="utf-8"?>
 <p:sld xmlns:a="http://schemas.openxmlformats.org/drawingml/2006/main" xmlns:r="http://schemas.openxmlformats.org/officeDocument/2006/relationships" xmlns:p="http://schemas.openxmlformats.org/presentationml/2006/main">
   <p:cSld>
     <p:spTree>
@@ -5370,15 +6755,11 @@
               <a:rPr lang="en-US" spc="300" dirty="0"/>
               <a:t>KHÓ KHĂN</a:t>
             </a:r>
+            <a:endParaRPr lang="en-US" spc="300" dirty="0"/>
           </a:p>
         </p:txBody>
       </p:sp>
     </p:spTree>
-    <p:extLst>
-      <p:ext uri="{BB962C8B-B14F-4D97-AF65-F5344CB8AC3E}">
-        <p14:creationId xmlns:p14="http://schemas.microsoft.com/office/powerpoint/2010/main" val="303958223"/>
-      </p:ext>
-    </p:extLst>
   </p:cSld>
   <p:clrMapOvr>
     <a:masterClrMapping/>
@@ -5516,21 +6897,21 @@
             <a:r>
               <a:rPr lang="en-US" b="1" dirty="0">
                 <a:latin typeface="Myriad Pro" pitchFamily="34" charset="0"/>
-                <a:ea typeface="Arial"/>
+                <a:ea typeface="Arial" panose="020B0604020202020204"/>
               </a:rPr>
               <a:t>“</a:t>
             </a:r>
             <a:r>
               <a:rPr lang="en-US" b="1" dirty="0" err="1">
                 <a:latin typeface="Myriad Pro" pitchFamily="34" charset="0"/>
-                <a:ea typeface="Arial"/>
+                <a:ea typeface="Arial" panose="020B0604020202020204"/>
               </a:rPr>
               <a:t>Model_View_Controller”</a:t>
             </a:r>
             <a:r>
               <a:rPr dirty="0" err="1">
                 <a:latin typeface="Myriad Pro" pitchFamily="34" charset="0"/>
-                <a:ea typeface="Arial"/>
+                <a:ea typeface="Arial" panose="020B0604020202020204"/>
               </a:rPr>
               <a:t>hay</a:t>
             </a:r>
@@ -6671,20 +8052,14 @@
       </p:sp>
       <p:pic>
         <p:nvPicPr>
-          <p:cNvPr id="6" name="Hình ảnh 5">
-            <a:extLst>
-              <a:ext uri="{FF2B5EF4-FFF2-40B4-BE49-F238E27FC236}">
-                <a16:creationId xmlns:a16="http://schemas.microsoft.com/office/drawing/2014/main" id="{59A02740-C585-46DD-87FE-D78B2FF02DBD}"/>
-              </a:ext>
-            </a:extLst>
-          </p:cNvPr>
+          <p:cNvPr id="6" name="Hình ảnh 5"/>
           <p:cNvPicPr>
             <a:picLocks noChangeAspect="1"/>
           </p:cNvPicPr>
           <p:nvPr/>
         </p:nvPicPr>
         <p:blipFill>
-          <a:blip r:embed="rId3">
+          <a:blip r:embed="rId1">
             <a:extLst>
               <a:ext uri="{28A0092B-C50C-407E-A947-70E740481C1C}">
                 <a14:useLocalDpi xmlns:a14="http://schemas.microsoft.com/office/drawing/2010/main" val="0"/>
@@ -6756,26 +8131,11 @@
       </p:grpSpPr>
       <p:sp>
         <p:nvSpPr>
-          <p:cNvPr id="17" name="Rectangle 7">
-            <a:extLst>
-              <a:ext uri="{FF2B5EF4-FFF2-40B4-BE49-F238E27FC236}">
-                <a16:creationId xmlns:a16="http://schemas.microsoft.com/office/drawing/2014/main" id="{F3060C83-F051-4F0E-ABAD-AA0DFC48B218}"/>
-              </a:ext>
-              <a:ext uri="{C183D7F6-B498-43B3-948B-1728B52AA6E4}">
-                <adec:decorative xmlns:adec="http://schemas.microsoft.com/office/drawing/2017/decorative" val="1"/>
-              </a:ext>
-            </a:extLst>
-          </p:cNvPr>
+          <p:cNvPr id="17" name="Rectangle 7"/>
           <p:cNvSpPr>
             <a:spLocks noGrp="1" noRot="1" noChangeAspect="1" noMove="1" noResize="1" noEditPoints="1" noAdjustHandles="1" noChangeArrowheads="1" noChangeShapeType="1" noTextEdit="1"/>
           </p:cNvSpPr>
-          <p:nvPr>
-            <p:extLst>
-              <p:ext uri="{386F3935-93C4-4BCD-93E2-E3B085C9AB24}">
-                <p16:designElem xmlns:p16="http://schemas.microsoft.com/office/powerpoint/2015/main" val="1"/>
-              </p:ext>
-            </p:extLst>
-          </p:nvPr>
+          <p:nvPr/>
         </p:nvSpPr>
         <p:spPr>
           <a:xfrm>
@@ -6819,26 +8179,11 @@
       </p:sp>
       <p:sp>
         <p:nvSpPr>
-          <p:cNvPr id="19" name="Freeform: Shape 9">
-            <a:extLst>
-              <a:ext uri="{FF2B5EF4-FFF2-40B4-BE49-F238E27FC236}">
-                <a16:creationId xmlns:a16="http://schemas.microsoft.com/office/drawing/2014/main" id="{83C98ABE-055B-441F-B07E-44F97F083C39}"/>
-              </a:ext>
-              <a:ext uri="{C183D7F6-B498-43B3-948B-1728B52AA6E4}">
-                <adec:decorative xmlns:adec="http://schemas.microsoft.com/office/drawing/2017/decorative" val="1"/>
-              </a:ext>
-            </a:extLst>
-          </p:cNvPr>
+          <p:cNvPr id="19" name="Freeform: Shape 9"/>
           <p:cNvSpPr>
             <a:spLocks noGrp="1" noRot="1" noChangeAspect="1" noMove="1" noResize="1" noEditPoints="1" noAdjustHandles="1" noChangeArrowheads="1" noChangeShapeType="1" noTextEdit="1"/>
           </p:cNvSpPr>
-          <p:nvPr>
-            <p:extLst>
-              <p:ext uri="{386F3935-93C4-4BCD-93E2-E3B085C9AB24}">
-                <p16:designElem xmlns:p16="http://schemas.microsoft.com/office/powerpoint/2015/main" val="1"/>
-              </p:ext>
-            </p:extLst>
-          </p:nvPr>
+          <p:nvPr/>
         </p:nvSpPr>
         <p:spPr>
           <a:xfrm rot="18900000" flipH="1">
@@ -6935,26 +8280,11 @@
       </p:sp>
       <p:sp>
         <p:nvSpPr>
-          <p:cNvPr id="21" name="Rectangle 11">
-            <a:extLst>
-              <a:ext uri="{FF2B5EF4-FFF2-40B4-BE49-F238E27FC236}">
-                <a16:creationId xmlns:a16="http://schemas.microsoft.com/office/drawing/2014/main" id="{29FDB030-9B49-4CED-8CCD-4D99382388AC}"/>
-              </a:ext>
-              <a:ext uri="{C183D7F6-B498-43B3-948B-1728B52AA6E4}">
-                <adec:decorative xmlns:adec="http://schemas.microsoft.com/office/drawing/2017/decorative" val="1"/>
-              </a:ext>
-            </a:extLst>
-          </p:cNvPr>
+          <p:cNvPr id="21" name="Rectangle 11"/>
           <p:cNvSpPr>
             <a:spLocks noGrp="1" noRot="1" noChangeAspect="1" noMove="1" noResize="1" noEditPoints="1" noAdjustHandles="1" noChangeArrowheads="1" noChangeShapeType="1" noTextEdit="1"/>
           </p:cNvSpPr>
-          <p:nvPr>
-            <p:extLst>
-              <p:ext uri="{386F3935-93C4-4BCD-93E2-E3B085C9AB24}">
-                <p16:designElem xmlns:p16="http://schemas.microsoft.com/office/powerpoint/2015/main" val="1"/>
-              </p:ext>
-            </p:extLst>
-          </p:nvPr>
+          <p:nvPr/>
         </p:nvSpPr>
         <p:spPr>
           <a:xfrm rot="18900000" flipH="1">
@@ -7000,26 +8330,11 @@
       </p:sp>
       <p:sp>
         <p:nvSpPr>
-          <p:cNvPr id="22" name="Rectangle 13">
-            <a:extLst>
-              <a:ext uri="{FF2B5EF4-FFF2-40B4-BE49-F238E27FC236}">
-                <a16:creationId xmlns:a16="http://schemas.microsoft.com/office/drawing/2014/main" id="{3783CA14-24A1-485C-8B30-D6A5D87987AD}"/>
-              </a:ext>
-              <a:ext uri="{C183D7F6-B498-43B3-948B-1728B52AA6E4}">
-                <adec:decorative xmlns:adec="http://schemas.microsoft.com/office/drawing/2017/decorative" val="1"/>
-              </a:ext>
-            </a:extLst>
-          </p:cNvPr>
+          <p:cNvPr id="22" name="Rectangle 13"/>
           <p:cNvSpPr>
             <a:spLocks noGrp="1" noRot="1" noChangeAspect="1" noMove="1" noResize="1" noEditPoints="1" noAdjustHandles="1" noChangeArrowheads="1" noChangeShapeType="1" noTextEdit="1"/>
           </p:cNvSpPr>
-          <p:nvPr>
-            <p:extLst>
-              <p:ext uri="{386F3935-93C4-4BCD-93E2-E3B085C9AB24}">
-                <p16:designElem xmlns:p16="http://schemas.microsoft.com/office/powerpoint/2015/main" val="1"/>
-              </p:ext>
-            </p:extLst>
-          </p:nvPr>
+          <p:nvPr/>
         </p:nvSpPr>
         <p:spPr>
           <a:xfrm rot="18900000" flipH="1">
@@ -7065,26 +8380,11 @@
       </p:sp>
       <p:sp>
         <p:nvSpPr>
-          <p:cNvPr id="16" name="Freeform: Shape 15">
-            <a:extLst>
-              <a:ext uri="{FF2B5EF4-FFF2-40B4-BE49-F238E27FC236}">
-                <a16:creationId xmlns:a16="http://schemas.microsoft.com/office/drawing/2014/main" id="{9A97C86A-04D6-40F7-AE84-31AB43E6A846}"/>
-              </a:ext>
-              <a:ext uri="{C183D7F6-B498-43B3-948B-1728B52AA6E4}">
-                <adec:decorative xmlns:adec="http://schemas.microsoft.com/office/drawing/2017/decorative" val="1"/>
-              </a:ext>
-            </a:extLst>
-          </p:cNvPr>
+          <p:cNvPr id="16" name="Freeform: Shape 15"/>
           <p:cNvSpPr>
             <a:spLocks noGrp="1" noRot="1" noChangeAspect="1" noMove="1" noResize="1" noEditPoints="1" noAdjustHandles="1" noChangeArrowheads="1" noChangeShapeType="1" noTextEdit="1"/>
           </p:cNvSpPr>
-          <p:nvPr>
-            <p:extLst>
-              <p:ext uri="{386F3935-93C4-4BCD-93E2-E3B085C9AB24}">
-                <p16:designElem xmlns:p16="http://schemas.microsoft.com/office/powerpoint/2015/main" val="1"/>
-              </p:ext>
-            </p:extLst>
-          </p:nvPr>
+          <p:nvPr/>
         </p:nvSpPr>
         <p:spPr>
           <a:xfrm rot="10800000" flipH="1">
@@ -7175,26 +8475,11 @@
       </p:sp>
       <p:sp>
         <p:nvSpPr>
-          <p:cNvPr id="18" name="Isosceles Triangle 17">
-            <a:extLst>
-              <a:ext uri="{FF2B5EF4-FFF2-40B4-BE49-F238E27FC236}">
-                <a16:creationId xmlns:a16="http://schemas.microsoft.com/office/drawing/2014/main" id="{FF9F2414-84E8-453E-B1F3-389FDE8192D9}"/>
-              </a:ext>
-              <a:ext uri="{C183D7F6-B498-43B3-948B-1728B52AA6E4}">
-                <adec:decorative xmlns:adec="http://schemas.microsoft.com/office/drawing/2017/decorative" val="1"/>
-              </a:ext>
-            </a:extLst>
-          </p:cNvPr>
+          <p:cNvPr id="18" name="Isosceles Triangle 17"/>
           <p:cNvSpPr>
             <a:spLocks noGrp="1" noRot="1" noChangeAspect="1" noMove="1" noResize="1" noEditPoints="1" noAdjustHandles="1" noChangeArrowheads="1" noChangeShapeType="1" noTextEdit="1"/>
           </p:cNvSpPr>
-          <p:nvPr>
-            <p:extLst>
-              <p:ext uri="{386F3935-93C4-4BCD-93E2-E3B085C9AB24}">
-                <p16:designElem xmlns:p16="http://schemas.microsoft.com/office/powerpoint/2015/main" val="1"/>
-              </p:ext>
-            </p:extLst>
-          </p:nvPr>
+          <p:nvPr/>
         </p:nvSpPr>
         <p:spPr>
           <a:xfrm flipH="1">
@@ -7240,20 +8525,14 @@
       </p:sp>
       <p:pic>
         <p:nvPicPr>
-          <p:cNvPr id="3" name="Hình ảnh 2" descr="Ảnh có chứa vẽ, bản đồ&#10;&#10;Mô tả được tạo tự động">
-            <a:extLst>
-              <a:ext uri="{FF2B5EF4-FFF2-40B4-BE49-F238E27FC236}">
-                <a16:creationId xmlns:a16="http://schemas.microsoft.com/office/drawing/2014/main" id="{6AA5E01D-E183-41C2-8867-B65E8FA601D6}"/>
-              </a:ext>
-            </a:extLst>
-          </p:cNvPr>
+          <p:cNvPr id="3" name="Hình ảnh 2" descr="Ảnh có chứa vẽ, bản đồ&#10;&#10;Mô tả được tạo tự động"/>
           <p:cNvPicPr>
             <a:picLocks noChangeAspect="1"/>
           </p:cNvPicPr>
           <p:nvPr/>
         </p:nvPicPr>
         <p:blipFill>
-          <a:blip r:embed="rId2">
+          <a:blip r:embed="rId1">
             <a:extLst>
               <a:ext uri="{28A0092B-C50C-407E-A947-70E740481C1C}">
                 <a14:useLocalDpi xmlns:a14="http://schemas.microsoft.com/office/drawing/2010/main" val="0"/>
@@ -7282,26 +8561,11 @@
       </p:pic>
       <p:sp>
         <p:nvSpPr>
-          <p:cNvPr id="20" name="Isosceles Triangle 19">
-            <a:extLst>
-              <a:ext uri="{FF2B5EF4-FFF2-40B4-BE49-F238E27FC236}">
-                <a16:creationId xmlns:a16="http://schemas.microsoft.com/office/drawing/2014/main" id="{3ECA69A1-7536-43AC-85EF-C7106179F5ED}"/>
-              </a:ext>
-              <a:ext uri="{C183D7F6-B498-43B3-948B-1728B52AA6E4}">
-                <adec:decorative xmlns:adec="http://schemas.microsoft.com/office/drawing/2017/decorative" val="1"/>
-              </a:ext>
-            </a:extLst>
-          </p:cNvPr>
+          <p:cNvPr id="20" name="Isosceles Triangle 19"/>
           <p:cNvSpPr>
             <a:spLocks noGrp="1" noRot="1" noChangeAspect="1" noMove="1" noResize="1" noEditPoints="1" noAdjustHandles="1" noChangeArrowheads="1" noChangeShapeType="1" noTextEdit="1"/>
           </p:cNvSpPr>
-          <p:nvPr>
-            <p:extLst>
-              <p:ext uri="{386F3935-93C4-4BCD-93E2-E3B085C9AB24}">
-                <p16:designElem xmlns:p16="http://schemas.microsoft.com/office/powerpoint/2015/main" val="1"/>
-              </p:ext>
-            </p:extLst>
-          </p:nvPr>
+          <p:nvPr/>
         </p:nvSpPr>
         <p:spPr>
           <a:xfrm flipH="1">
@@ -7346,11 +8610,6 @@
         </p:txBody>
       </p:sp>
     </p:spTree>
-    <p:extLst>
-      <p:ext uri="{BB962C8B-B14F-4D97-AF65-F5344CB8AC3E}">
-        <p14:creationId xmlns:p14="http://schemas.microsoft.com/office/powerpoint/2010/main" val="1136778438"/>
-      </p:ext>
-    </p:extLst>
   </p:cSld>
   <p:clrMapOvr>
     <a:masterClrMapping/>
@@ -7381,9 +8640,7 @@
       <p:sp>
         <p:nvSpPr>
           <p:cNvPr id="4" name="Title 1"/>
-          <p:cNvSpPr txBox="1">
-            <a:spLocks/>
-          </p:cNvSpPr>
+          <p:cNvSpPr txBox="1"/>
           <p:nvPr/>
         </p:nvSpPr>
         <p:spPr bwMode="auto">
@@ -7407,7 +8664,7 @@
               <a:spcBef>
                 <a:spcPts val="0"/>
               </a:spcBef>
-              <a:buFont typeface="Arial"/>
+              <a:buFont typeface="Arial" panose="020B0604020202020204"/>
               <a:buNone/>
               <a:defRPr sz="1200">
                 <a:solidFill>
@@ -7427,15 +8684,11 @@
               <a:rPr lang="en-US" sz="3200" spc="300" dirty="0"/>
               <a:t>THIẾT KẾ DATABASE</a:t>
             </a:r>
+            <a:endParaRPr lang="en-US" sz="3200" spc="300" dirty="0"/>
           </a:p>
         </p:txBody>
       </p:sp>
     </p:spTree>
-    <p:extLst>
-      <p:ext uri="{BB962C8B-B14F-4D97-AF65-F5344CB8AC3E}">
-        <p14:creationId xmlns:p14="http://schemas.microsoft.com/office/powerpoint/2010/main" val="2650034168"/>
-      </p:ext>
-    </p:extLst>
   </p:cSld>
   <p:clrMapOvr>
     <a:masterClrMapping/>
@@ -7465,20 +8718,14 @@
       </p:grpSpPr>
       <p:pic>
         <p:nvPicPr>
-          <p:cNvPr id="2" name="Picture 1">
-            <a:extLst>
-              <a:ext uri="{FF2B5EF4-FFF2-40B4-BE49-F238E27FC236}">
-                <a16:creationId xmlns:a16="http://schemas.microsoft.com/office/drawing/2014/main" id="{31F77612-419C-4C3D-85FD-8C7A0A353FE8}"/>
-              </a:ext>
-            </a:extLst>
-          </p:cNvPr>
+          <p:cNvPr id="2" name="Picture 1"/>
           <p:cNvPicPr>
             <a:picLocks noChangeAspect="1"/>
           </p:cNvPicPr>
           <p:nvPr/>
         </p:nvPicPr>
         <p:blipFill>
-          <a:blip r:embed="rId2"/>
+          <a:blip r:embed="rId1"/>
           <a:stretch>
             <a:fillRect/>
           </a:stretch>
@@ -7494,11 +8741,6 @@
         </p:spPr>
       </p:pic>
     </p:spTree>
-    <p:extLst>
-      <p:ext uri="{BB962C8B-B14F-4D97-AF65-F5344CB8AC3E}">
-        <p14:creationId xmlns:p14="http://schemas.microsoft.com/office/powerpoint/2010/main" val="4171454989"/>
-      </p:ext>
-    </p:extLst>
   </p:cSld>
   <p:clrMapOvr>
     <a:masterClrMapping/>
@@ -7536,26 +8778,11 @@
       </p:grpSpPr>
       <p:sp>
         <p:nvSpPr>
-          <p:cNvPr id="28" name="Rectangle 27">
-            <a:extLst>
-              <a:ext uri="{FF2B5EF4-FFF2-40B4-BE49-F238E27FC236}">
-                <a16:creationId xmlns:a16="http://schemas.microsoft.com/office/drawing/2014/main" id="{ACBE1851-2230-47A9-B000-CE9046EA61B9}"/>
-              </a:ext>
-              <a:ext uri="{C183D7F6-B498-43B3-948B-1728B52AA6E4}">
-                <adec:decorative xmlns:adec="http://schemas.microsoft.com/office/drawing/2017/decorative" val="1"/>
-              </a:ext>
-            </a:extLst>
-          </p:cNvPr>
+          <p:cNvPr id="28" name="Rectangle 27"/>
           <p:cNvSpPr>
             <a:spLocks noGrp="1" noRot="1" noChangeAspect="1" noMove="1" noResize="1" noEditPoints="1" noAdjustHandles="1" noChangeArrowheads="1" noChangeShapeType="1" noTextEdit="1"/>
           </p:cNvSpPr>
-          <p:nvPr>
-            <p:extLst>
-              <p:ext uri="{386F3935-93C4-4BCD-93E2-E3B085C9AB24}">
-                <p16:designElem xmlns:p16="http://schemas.microsoft.com/office/powerpoint/2015/main" val="1"/>
-              </p:ext>
-            </p:extLst>
-          </p:nvPr>
+          <p:nvPr/>
         </p:nvSpPr>
         <p:spPr>
           <a:xfrm>
@@ -7599,16 +8826,8 @@
       </p:sp>
       <p:sp>
         <p:nvSpPr>
-          <p:cNvPr id="10" name="Title 1">
-            <a:extLst>
-              <a:ext uri="{FF2B5EF4-FFF2-40B4-BE49-F238E27FC236}">
-                <a16:creationId xmlns:a16="http://schemas.microsoft.com/office/drawing/2014/main" id="{559EAE7F-4053-4F5D-9588-2E1EFAC64119}"/>
-              </a:ext>
-            </a:extLst>
-          </p:cNvPr>
-          <p:cNvSpPr txBox="1">
-            <a:spLocks/>
-          </p:cNvSpPr>
+          <p:cNvPr id="10" name="Title 1"/>
+          <p:cNvSpPr txBox="1"/>
           <p:nvPr/>
         </p:nvSpPr>
         <p:spPr bwMode="auto">
@@ -7632,7 +8851,7 @@
               <a:spcBef>
                 <a:spcPts val="0"/>
               </a:spcBef>
-              <a:buFont typeface="Arial"/>
+              <a:buFont typeface="Arial" panose="020B0604020202020204"/>
               <a:buNone/>
               <a:defRPr sz="1200">
                 <a:solidFill>
@@ -7669,31 +8888,24 @@
               </a:rPr>
               <a:t>CHIA 3 GÓI PACKAGE</a:t>
             </a:r>
+            <a:endParaRPr lang="en-US" sz="4100" kern="1200" spc="300" dirty="0">
+              <a:solidFill>
+                <a:srgbClr val="FFFFFF"/>
+              </a:solidFill>
+              <a:latin typeface="+mj-lt"/>
+              <a:ea typeface="+mj-ea"/>
+              <a:cs typeface="+mj-cs"/>
+            </a:endParaRPr>
           </a:p>
         </p:txBody>
       </p:sp>
       <p:cxnSp>
         <p:nvCxnSpPr>
-          <p:cNvPr id="30" name="Straight Connector 29">
-            <a:extLst>
-              <a:ext uri="{FF2B5EF4-FFF2-40B4-BE49-F238E27FC236}">
-                <a16:creationId xmlns:a16="http://schemas.microsoft.com/office/drawing/2014/main" id="{23B93832-6514-44F4-849B-5EE2C8A2337D}"/>
-              </a:ext>
-              <a:ext uri="{C183D7F6-B498-43B3-948B-1728B52AA6E4}">
-                <adec:decorative xmlns:adec="http://schemas.microsoft.com/office/drawing/2017/decorative" val="1"/>
-              </a:ext>
-            </a:extLst>
-          </p:cNvPr>
+          <p:cNvPr id="30" name="Straight Connector 29"/>
           <p:cNvCxnSpPr>
             <a:cxnSpLocks noGrp="1" noRot="1" noChangeAspect="1" noMove="1" noResize="1" noEditPoints="1" noAdjustHandles="1" noChangeArrowheads="1" noChangeShapeType="1"/>
           </p:cNvCxnSpPr>
-          <p:nvPr>
-            <p:extLst>
-              <p:ext uri="{386F3935-93C4-4BCD-93E2-E3B085C9AB24}">
-                <p16:designElem xmlns:p16="http://schemas.microsoft.com/office/powerpoint/2015/main" val="1"/>
-              </p:ext>
-            </p:extLst>
-          </p:nvPr>
+          <p:nvPr/>
         </p:nvCxnSpPr>
         <p:spPr>
           <a:xfrm>
@@ -7728,20 +8940,14 @@
       </p:cxnSp>
       <p:pic>
         <p:nvPicPr>
-          <p:cNvPr id="3" name="Hình ảnh 2" descr="Ảnh có chứa ảnh chụp màn hình&#10;&#10;Mô tả được tạo tự động">
-            <a:extLst>
-              <a:ext uri="{FF2B5EF4-FFF2-40B4-BE49-F238E27FC236}">
-                <a16:creationId xmlns:a16="http://schemas.microsoft.com/office/drawing/2014/main" id="{527BC6A9-A7F1-4DF5-9563-1216E2E4A109}"/>
-              </a:ext>
-            </a:extLst>
-          </p:cNvPr>
+          <p:cNvPr id="3" name="Hình ảnh 2" descr="Ảnh có chứa ảnh chụp màn hình&#10;&#10;Mô tả được tạo tự động"/>
           <p:cNvPicPr>
             <a:picLocks noChangeAspect="1"/>
           </p:cNvPicPr>
           <p:nvPr/>
         </p:nvPicPr>
         <p:blipFill>
-          <a:blip r:embed="rId2">
+          <a:blip r:embed="rId1">
             <a:extLst>
               <a:ext uri="{28A0092B-C50C-407E-A947-70E740481C1C}">
                 <a14:useLocalDpi xmlns:a14="http://schemas.microsoft.com/office/drawing/2010/main" val="0"/>
@@ -7763,11 +8969,6 @@
         </p:spPr>
       </p:pic>
     </p:spTree>
-    <p:extLst>
-      <p:ext uri="{BB962C8B-B14F-4D97-AF65-F5344CB8AC3E}">
-        <p14:creationId xmlns:p14="http://schemas.microsoft.com/office/powerpoint/2010/main" val="3750634251"/>
-      </p:ext>
-    </p:extLst>
   </p:cSld>
   <p:clrMapOvr>
     <a:masterClrMapping/>
@@ -7805,26 +9006,11 @@
       </p:grpSpPr>
       <p:sp useBgFill="1">
         <p:nvSpPr>
-          <p:cNvPr id="9" name="Rectangle 8">
-            <a:extLst>
-              <a:ext uri="{FF2B5EF4-FFF2-40B4-BE49-F238E27FC236}">
-                <a16:creationId xmlns:a16="http://schemas.microsoft.com/office/drawing/2014/main" id="{7445C2DD-26E3-44F3-A399-95750BB223C6}"/>
-              </a:ext>
-              <a:ext uri="{C183D7F6-B498-43B3-948B-1728B52AA6E4}">
-                <adec:decorative xmlns:adec="http://schemas.microsoft.com/office/drawing/2017/decorative" val="1"/>
-              </a:ext>
-            </a:extLst>
-          </p:cNvPr>
+          <p:cNvPr id="9" name="Rectangle 8"/>
           <p:cNvSpPr>
             <a:spLocks noGrp="1" noRot="1" noChangeAspect="1" noMove="1" noResize="1" noEditPoints="1" noAdjustHandles="1" noChangeArrowheads="1" noChangeShapeType="1" noTextEdit="1"/>
           </p:cNvSpPr>
-          <p:nvPr>
-            <p:extLst>
-              <p:ext uri="{386F3935-93C4-4BCD-93E2-E3B085C9AB24}">
-                <p16:designElem xmlns:p16="http://schemas.microsoft.com/office/powerpoint/2015/main" val="1"/>
-              </p:ext>
-            </p:extLst>
-          </p:nvPr>
+          <p:nvPr/>
         </p:nvSpPr>
         <p:spPr>
           <a:xfrm>
@@ -8266,26 +9452,11 @@
       </p:sp>
       <p:sp>
         <p:nvSpPr>
-          <p:cNvPr id="11" name="Rectangle 10">
-            <a:extLst>
-              <a:ext uri="{FF2B5EF4-FFF2-40B4-BE49-F238E27FC236}">
-                <a16:creationId xmlns:a16="http://schemas.microsoft.com/office/drawing/2014/main" id="{B5DFACD3-34ED-4852-903C-EA0AB0172CC5}"/>
-              </a:ext>
-              <a:ext uri="{C183D7F6-B498-43B3-948B-1728B52AA6E4}">
-                <adec:decorative xmlns:adec="http://schemas.microsoft.com/office/drawing/2017/decorative" val="1"/>
-              </a:ext>
-            </a:extLst>
-          </p:cNvPr>
+          <p:cNvPr id="11" name="Rectangle 10"/>
           <p:cNvSpPr>
             <a:spLocks noGrp="1" noRot="1" noChangeAspect="1" noMove="1" noResize="1" noEditPoints="1" noAdjustHandles="1" noChangeArrowheads="1" noChangeShapeType="1" noTextEdit="1"/>
           </p:cNvSpPr>
-          <p:nvPr>
-            <p:extLst>
-              <p:ext uri="{386F3935-93C4-4BCD-93E2-E3B085C9AB24}">
-                <p16:designElem xmlns:p16="http://schemas.microsoft.com/office/powerpoint/2015/main" val="1"/>
-              </p:ext>
-            </p:extLst>
-          </p:nvPr>
+          <p:nvPr/>
         </p:nvSpPr>
         <p:spPr>
           <a:xfrm>
@@ -8329,20 +9500,14 @@
       </p:sp>
       <p:pic>
         <p:nvPicPr>
-          <p:cNvPr id="4" name="Hình ảnh 3" descr="Ảnh có chứa ảnh chụp màn hình&#10;&#10;Mô tả được tạo tự động">
-            <a:extLst>
-              <a:ext uri="{FF2B5EF4-FFF2-40B4-BE49-F238E27FC236}">
-                <a16:creationId xmlns:a16="http://schemas.microsoft.com/office/drawing/2014/main" id="{1F897186-0077-48B7-82D7-7E4653C73755}"/>
-              </a:ext>
-            </a:extLst>
-          </p:cNvPr>
+          <p:cNvPr id="4" name="Hình ảnh 3" descr="Ảnh có chứa ảnh chụp màn hình&#10;&#10;Mô tả được tạo tự động"/>
           <p:cNvPicPr>
             <a:picLocks noChangeAspect="1"/>
           </p:cNvPicPr>
           <p:nvPr/>
         </p:nvPicPr>
         <p:blipFill rotWithShape="1">
-          <a:blip r:embed="rId2">
+          <a:blip r:embed="rId1">
             <a:extLst>
               <a:ext uri="{28A0092B-C50C-407E-A947-70E740481C1C}">
                 <a14:useLocalDpi xmlns:a14="http://schemas.microsoft.com/office/drawing/2010/main" val="0"/>
@@ -8350,7 +9515,9 @@
             </a:extLst>
           </a:blip>
           <a:srcRect r="2856" b="-3"/>
-          <a:stretch/>
+          <a:stretch>
+            <a:fillRect/>
+          </a:stretch>
         </p:blipFill>
         <p:spPr>
           <a:xfrm>
@@ -8370,11 +9537,6 @@
         </p:spPr>
       </p:pic>
     </p:spTree>
-    <p:extLst>
-      <p:ext uri="{BB962C8B-B14F-4D97-AF65-F5344CB8AC3E}">
-        <p14:creationId xmlns:p14="http://schemas.microsoft.com/office/powerpoint/2010/main" val="1051368763"/>
-      </p:ext>
-    </p:extLst>
   </p:cSld>
   <p:clrMapOvr>
     <a:masterClrMapping/>
@@ -8415,26 +9577,11 @@
       </p:grpSpPr>
       <p:sp>
         <p:nvSpPr>
-          <p:cNvPr id="13" name="Rectangle 8">
-            <a:extLst>
-              <a:ext uri="{FF2B5EF4-FFF2-40B4-BE49-F238E27FC236}">
-                <a16:creationId xmlns:a16="http://schemas.microsoft.com/office/drawing/2014/main" id="{A4AC5506-6312-4701-8D3C-40187889A947}"/>
-              </a:ext>
-              <a:ext uri="{C183D7F6-B498-43B3-948B-1728B52AA6E4}">
-                <adec:decorative xmlns:adec="http://schemas.microsoft.com/office/drawing/2017/decorative" val="1"/>
-              </a:ext>
-            </a:extLst>
-          </p:cNvPr>
+          <p:cNvPr id="13" name="Rectangle 8"/>
           <p:cNvSpPr>
             <a:spLocks noGrp="1" noRot="1" noChangeAspect="1" noMove="1" noResize="1" noEditPoints="1" noAdjustHandles="1" noChangeArrowheads="1" noChangeShapeType="1" noTextEdit="1"/>
           </p:cNvSpPr>
-          <p:nvPr>
-            <p:extLst>
-              <p:ext uri="{386F3935-93C4-4BCD-93E2-E3B085C9AB24}">
-                <p16:designElem xmlns:p16="http://schemas.microsoft.com/office/powerpoint/2015/main" val="1"/>
-              </p:ext>
-            </p:extLst>
-          </p:nvPr>
+          <p:nvPr/>
         </p:nvSpPr>
         <p:spPr>
           <a:xfrm>
@@ -8517,25 +9664,27 @@
               </a:rPr>
               <a:t>VIEW</a:t>
             </a:r>
+            <a:endParaRPr lang="en-US" sz="2400" b="1" kern="1200" spc="300" dirty="0">
+              <a:solidFill>
+                <a:schemeClr val="bg1"/>
+              </a:solidFill>
+              <a:latin typeface="+mj-lt"/>
+              <a:ea typeface="+mj-ea"/>
+              <a:cs typeface="+mj-cs"/>
+            </a:endParaRPr>
           </a:p>
         </p:txBody>
       </p:sp>
       <p:pic>
         <p:nvPicPr>
-          <p:cNvPr id="4" name="Hình ảnh 3" descr="Ảnh có chứa ảnh chụp màn hình&#10;&#10;Mô tả được tạo tự động">
-            <a:extLst>
-              <a:ext uri="{FF2B5EF4-FFF2-40B4-BE49-F238E27FC236}">
-                <a16:creationId xmlns:a16="http://schemas.microsoft.com/office/drawing/2014/main" id="{7D2F0F70-914E-47FA-A07C-164AD6873673}"/>
-              </a:ext>
-            </a:extLst>
-          </p:cNvPr>
+          <p:cNvPr id="4" name="Hình ảnh 3" descr="Ảnh có chứa ảnh chụp màn hình&#10;&#10;Mô tả được tạo tự động"/>
           <p:cNvPicPr>
             <a:picLocks noChangeAspect="1"/>
           </p:cNvPicPr>
           <p:nvPr/>
         </p:nvPicPr>
         <p:blipFill>
-          <a:blip r:embed="rId2">
+          <a:blip r:embed="rId1">
             <a:extLst>
               <a:ext uri="{28A0092B-C50C-407E-A947-70E740481C1C}">
                 <a14:useLocalDpi xmlns:a14="http://schemas.microsoft.com/office/drawing/2010/main" val="0"/>
@@ -8570,11 +9719,6 @@
         </p:spPr>
       </p:pic>
     </p:spTree>
-    <p:extLst>
-      <p:ext uri="{BB962C8B-B14F-4D97-AF65-F5344CB8AC3E}">
-        <p14:creationId xmlns:p14="http://schemas.microsoft.com/office/powerpoint/2010/main" val="235646591"/>
-      </p:ext>
-    </p:extLst>
   </p:cSld>
   <p:clrMapOvr>
     <a:masterClrMapping/>
@@ -8720,15 +9864,11 @@
               <a:rPr lang="en-US" spc="300" dirty="0"/>
               <a:t>CHỨC NĂNG</a:t>
             </a:r>
+            <a:endParaRPr lang="en-US" spc="300" dirty="0"/>
           </a:p>
         </p:txBody>
       </p:sp>
     </p:spTree>
-    <p:extLst>
-      <p:ext uri="{BB962C8B-B14F-4D97-AF65-F5344CB8AC3E}">
-        <p14:creationId xmlns:p14="http://schemas.microsoft.com/office/powerpoint/2010/main" val="234392180"/>
-      </p:ext>
-    </p:extLst>
   </p:cSld>
   <p:clrMapOvr>
     <a:masterClrMapping/>
@@ -8944,8 +10084,11 @@
       </a:bgFillStyleLst>
     </a:fmtScheme>
   </a:themeElements>
-  <a:objectDefaults/>
-  <a:extraClrSchemeLst/>
+  <a:extLst>
+    <a:ext uri="{05A4C25C-085E-4340-85A3-A5531E510DB2}">
+      <thm15:themeFamily xmlns:thm15="http://schemas.microsoft.com/office/thememl/2012/main" name="Office Theme" id="{62F939B6-93AF-4DB8-9C6B-D6C7DFDC589F}" vid="{4A3C46E8-61CC-4603-A589-7422A47A8E4A}"/>
+    </a:ext>
+  </a:extLst>
 </a:theme>
 </file>
 
@@ -9229,7 +10372,10 @@
       </a:bgFillStyleLst>
     </a:fmtScheme>
   </a:themeElements>
-  <a:objectDefaults/>
-  <a:extraClrSchemeLst/>
+  <a:extLst>
+    <a:ext uri="{05A4C25C-085E-4340-85A3-A5531E510DB2}">
+      <thm15:themeFamily xmlns:thm15="http://schemas.microsoft.com/office/thememl/2012/main" name="Office Theme" id="{62F939B6-93AF-4DB8-9C6B-D6C7DFDC589F}" vid="{4A3C46E8-61CC-4603-A589-7422A47A8E4A}"/>
+    </a:ext>
+  </a:extLst>
 </a:theme>
 </file>
--- a/TEST1.pptx
+++ b/TEST1.pptx
@@ -5,21 +5,25 @@
     <p:sldMasterId id="2147483648" r:id="rId1"/>
   </p:sldMasterIdLst>
   <p:notesMasterIdLst>
-    <p:notesMasterId r:id="rId14"/>
+    <p:notesMasterId r:id="rId18"/>
   </p:notesMasterIdLst>
   <p:sldIdLst>
     <p:sldId id="285" r:id="rId2"/>
-    <p:sldId id="256" r:id="rId3"/>
-    <p:sldId id="283" r:id="rId4"/>
-    <p:sldId id="284" r:id="rId5"/>
-    <p:sldId id="288" r:id="rId6"/>
-    <p:sldId id="289" r:id="rId7"/>
-    <p:sldId id="292" r:id="rId8"/>
-    <p:sldId id="291" r:id="rId9"/>
-    <p:sldId id="279" r:id="rId10"/>
-    <p:sldId id="286" r:id="rId11"/>
-    <p:sldId id="282" r:id="rId12"/>
-    <p:sldId id="262" r:id="rId13"/>
+    <p:sldId id="293" r:id="rId3"/>
+    <p:sldId id="256" r:id="rId4"/>
+    <p:sldId id="283" r:id="rId5"/>
+    <p:sldId id="284" r:id="rId6"/>
+    <p:sldId id="288" r:id="rId7"/>
+    <p:sldId id="289" r:id="rId8"/>
+    <p:sldId id="297" r:id="rId9"/>
+    <p:sldId id="298" r:id="rId10"/>
+    <p:sldId id="292" r:id="rId11"/>
+    <p:sldId id="291" r:id="rId12"/>
+    <p:sldId id="295" r:id="rId13"/>
+    <p:sldId id="279" r:id="rId14"/>
+    <p:sldId id="286" r:id="rId15"/>
+    <p:sldId id="282" r:id="rId16"/>
+    <p:sldId id="294" r:id="rId17"/>
   </p:sldIdLst>
   <p:sldSz cx="9144000" cy="5143500" type="screen16x9"/>
   <p:notesSz cx="5143500" cy="9144000"/>
@@ -563,7 +567,7 @@
           <a:p>
             <a:fld id="{9FE034A6-7E91-463E-97D9-B2CBF880F0D3}" type="slidenum">
               <a:rPr lang="en-US" smtClean="0"/>
-              <a:t>2</a:t>
+              <a:t>3</a:t>
             </a:fld>
             <a:endParaRPr lang="en-US"/>
           </a:p>
@@ -4245,7 +4249,7 @@
             </a:pPr>
             <a:r>
               <a:rPr lang="en-US" sz="900" i="1" dirty="0"/>
-              <a:t>NGUYỄN ANH QUÂN     3118410353</a:t>
+              <a:t>NGUYỄN ANH QUÂN	3118410353</a:t>
             </a:r>
           </a:p>
           <a:p>
@@ -4259,7 +4263,7 @@
             </a:pPr>
             <a:r>
               <a:rPr lang="en-US" sz="900" i="1" dirty="0"/>
-              <a:t>PHẠM VĂN LỢI 	          3118410256</a:t>
+              <a:t>PHẠM VĂN LỢI		3118410256</a:t>
             </a:r>
           </a:p>
           <a:p>
@@ -4273,7 +4277,7 @@
             </a:pPr>
             <a:r>
               <a:rPr lang="en-US" sz="900" i="1" dirty="0"/>
-              <a:t>PHẠMCÔNG LẬP 	         3118410222</a:t>
+              <a:t>PHẠM CÔNG LẬP		3118410222</a:t>
             </a:r>
           </a:p>
           <a:p>
@@ -4287,7 +4291,7 @@
             </a:pPr>
             <a:r>
               <a:rPr lang="en-US" sz="900" i="1" dirty="0"/>
-              <a:t>			</a:t>
+              <a:t>		</a:t>
             </a:r>
           </a:p>
           <a:p>
@@ -4303,6 +4307,69 @@
               <a:rPr lang="en-US" sz="900" i="1" dirty="0"/>
               <a:t>	</a:t>
             </a:r>
+            <a:r>
+              <a:rPr lang="en-US" sz="900" dirty="0" err="1"/>
+              <a:t>đề</a:t>
+            </a:r>
+            <a:r>
+              <a:rPr lang="en-US" sz="900" dirty="0"/>
+              <a:t> </a:t>
+            </a:r>
+            <a:r>
+              <a:rPr lang="en-US" sz="900" dirty="0" err="1"/>
+              <a:t>án</a:t>
+            </a:r>
+            <a:r>
+              <a:rPr lang="en-US" sz="900" dirty="0"/>
+              <a:t> </a:t>
+            </a:r>
+            <a:r>
+              <a:rPr lang="en-US" sz="900" dirty="0" err="1"/>
+              <a:t>quản</a:t>
+            </a:r>
+            <a:r>
+              <a:rPr lang="en-US" sz="900" dirty="0"/>
+              <a:t> </a:t>
+            </a:r>
+            <a:r>
+              <a:rPr lang="en-US" sz="900" dirty="0" err="1"/>
+              <a:t>lý</a:t>
+            </a:r>
+            <a:r>
+              <a:rPr lang="en-US" sz="900" dirty="0"/>
+              <a:t> </a:t>
+            </a:r>
+            <a:r>
+              <a:rPr lang="en-US" sz="900" dirty="0" err="1"/>
+              <a:t>th</a:t>
+            </a:r>
+            <a:r>
+              <a:rPr lang="vi-VN" sz="900" dirty="0"/>
+              <a:t>ư</a:t>
+            </a:r>
+            <a:r>
+              <a:rPr lang="en-US" sz="900" dirty="0"/>
+              <a:t> </a:t>
+            </a:r>
+            <a:r>
+              <a:rPr lang="en-US" sz="900" dirty="0" err="1"/>
+              <a:t>viện</a:t>
+            </a:r>
+            <a:r>
+              <a:rPr lang="en-US" sz="900" i="1" dirty="0"/>
+              <a:t>	</a:t>
+            </a:r>
+            <a:endParaRPr lang="en-US" sz="900" b="1" i="1" dirty="0"/>
+          </a:p>
+          <a:p>
+            <a:pPr algn="r">
+              <a:lnSpc>
+                <a:spcPct val="140000"/>
+              </a:lnSpc>
+              <a:spcAft>
+                <a:spcPts val="600"/>
+              </a:spcAft>
+            </a:pPr>
             <a:endParaRPr lang="en-US" sz="900" b="1" i="1" dirty="0"/>
           </a:p>
           <a:p>
@@ -4523,6 +4590,45 @@
           </a:prstGeom>
         </p:spPr>
       </p:pic>
+      <p:cxnSp>
+        <p:nvCxnSpPr>
+          <p:cNvPr id="6" name="Đường nối Thẳng 5">
+            <a:extLst>
+              <a:ext uri="{FF2B5EF4-FFF2-40B4-BE49-F238E27FC236}">
+                <a16:creationId xmlns:a16="http://schemas.microsoft.com/office/drawing/2014/main" id="{B15BAF7B-673B-44A2-92C3-904614CA3A79}"/>
+              </a:ext>
+            </a:extLst>
+          </p:cNvPr>
+          <p:cNvCxnSpPr>
+            <a:cxnSpLocks/>
+          </p:cNvCxnSpPr>
+          <p:nvPr/>
+        </p:nvCxnSpPr>
+        <p:spPr>
+          <a:xfrm>
+            <a:off x="2267744" y="2355726"/>
+            <a:ext cx="0" cy="737123"/>
+          </a:xfrm>
+          <a:prstGeom prst="line">
+            <a:avLst/>
+          </a:prstGeom>
+          <a:ln/>
+        </p:spPr>
+        <p:style>
+          <a:lnRef idx="1">
+            <a:schemeClr val="accent1"/>
+          </a:lnRef>
+          <a:fillRef idx="0">
+            <a:schemeClr val="accent1"/>
+          </a:fillRef>
+          <a:effectRef idx="0">
+            <a:schemeClr val="accent1"/>
+          </a:effectRef>
+          <a:fontRef idx="minor">
+            <a:schemeClr val="tx1"/>
+          </a:fontRef>
+        </p:style>
+      </p:cxnSp>
     </p:spTree>
     <p:extLst>
       <p:ext uri="{BB962C8B-B14F-4D97-AF65-F5344CB8AC3E}">
@@ -4540,6 +4646,1250 @@
 </file>
 
 <file path=ppt/slides/slide10.xml><?xml version="1.0" encoding="utf-8"?>
+<p:sld xmlns:a="http://schemas.openxmlformats.org/drawingml/2006/main" xmlns:r="http://schemas.openxmlformats.org/officeDocument/2006/relationships" xmlns:p="http://schemas.openxmlformats.org/presentationml/2006/main">
+  <p:cSld>
+    <p:bg>
+      <p:bgPr>
+        <a:solidFill>
+          <a:schemeClr val="bg1"/>
+        </a:solidFill>
+        <a:effectLst/>
+      </p:bgPr>
+    </p:bg>
+    <p:spTree>
+      <p:nvGrpSpPr>
+        <p:cNvPr id="1" name=""/>
+        <p:cNvGrpSpPr/>
+        <p:nvPr/>
+      </p:nvGrpSpPr>
+      <p:grpSpPr>
+        <a:xfrm>
+          <a:off x="0" y="0"/>
+          <a:ext cx="0" cy="0"/>
+          <a:chOff x="0" y="0"/>
+          <a:chExt cx="0" cy="0"/>
+        </a:xfrm>
+      </p:grpSpPr>
+      <p:sp useBgFill="1">
+        <p:nvSpPr>
+          <p:cNvPr id="9" name="Rectangle 8">
+            <a:extLst>
+              <a:ext uri="{FF2B5EF4-FFF2-40B4-BE49-F238E27FC236}">
+                <a16:creationId xmlns:a16="http://schemas.microsoft.com/office/drawing/2014/main" id="{7445C2DD-26E3-44F3-A399-95750BB223C6}"/>
+              </a:ext>
+              <a:ext uri="{C183D7F6-B498-43B3-948B-1728B52AA6E4}">
+                <adec:decorative xmlns:adec="http://schemas.microsoft.com/office/drawing/2017/decorative" val="1"/>
+              </a:ext>
+            </a:extLst>
+          </p:cNvPr>
+          <p:cNvSpPr>
+            <a:spLocks noGrp="1" noRot="1" noChangeAspect="1" noMove="1" noResize="1" noEditPoints="1" noAdjustHandles="1" noChangeArrowheads="1" noChangeShapeType="1" noTextEdit="1"/>
+          </p:cNvSpPr>
+          <p:nvPr>
+            <p:extLst>
+              <p:ext uri="{386F3935-93C4-4BCD-93E2-E3B085C9AB24}">
+                <p16:designElem xmlns:p16="http://schemas.microsoft.com/office/powerpoint/2015/main" val="1"/>
+              </p:ext>
+            </p:extLst>
+          </p:nvPr>
+        </p:nvSpPr>
+        <p:spPr>
+          <a:xfrm>
+            <a:off x="0" y="0"/>
+            <a:ext cx="9143770" cy="5143500"/>
+          </a:xfrm>
+          <a:prstGeom prst="rect">
+            <a:avLst/>
+          </a:prstGeom>
+          <a:ln>
+            <a:noFill/>
+          </a:ln>
+        </p:spPr>
+        <p:style>
+          <a:lnRef idx="2">
+            <a:schemeClr val="accent1">
+              <a:shade val="50000"/>
+            </a:schemeClr>
+          </a:lnRef>
+          <a:fillRef idx="1">
+            <a:schemeClr val="accent1"/>
+          </a:fillRef>
+          <a:effectRef idx="0">
+            <a:schemeClr val="accent1"/>
+          </a:effectRef>
+          <a:fontRef idx="minor">
+            <a:schemeClr val="lt1"/>
+          </a:fontRef>
+        </p:style>
+        <p:txBody>
+          <a:bodyPr rtlCol="0" anchor="ctr"/>
+          <a:lstStyle/>
+          <a:p>
+            <a:pPr algn="ctr"/>
+            <a:endParaRPr lang="en-US"/>
+          </a:p>
+        </p:txBody>
+      </p:sp>
+      <p:sp>
+        <p:nvSpPr>
+          <p:cNvPr id="2" name="Title 1"/>
+          <p:cNvSpPr>
+            <a:spLocks noGrp="1"/>
+          </p:cNvSpPr>
+          <p:nvPr>
+            <p:ph type="ctrTitle"/>
+          </p:nvPr>
+        </p:nvSpPr>
+        <p:spPr>
+          <a:xfrm>
+            <a:off x="4930521" y="668655"/>
+            <a:ext cx="3534821" cy="3055556"/>
+          </a:xfrm>
+        </p:spPr>
+        <p:txBody>
+          <a:bodyPr>
+            <a:normAutofit fontScale="90000"/>
+          </a:bodyPr>
+          <a:lstStyle/>
+          <a:p>
+            <a:pPr algn="l"/>
+            <a:r>
+              <a:rPr lang="en-US" sz="3000" spc="300" dirty="0" err="1"/>
+              <a:t>LoginFormUI</a:t>
+            </a:r>
+            <a:r>
+              <a:rPr lang="en-US" sz="3000" spc="300" dirty="0"/>
+              <a:t> </a:t>
+            </a:r>
+            <a:r>
+              <a:rPr lang="en-US" sz="3000" spc="300" dirty="0">
+                <a:solidFill>
+                  <a:schemeClr val="tx2">
+                    <a:lumMod val="75000"/>
+                  </a:schemeClr>
+                </a:solidFill>
+              </a:rPr>
+              <a:t>(VIEW)</a:t>
+            </a:r>
+            <a:br>
+              <a:rPr lang="en-US" sz="3000" spc="300" dirty="0"/>
+            </a:br>
+            <a:r>
+              <a:rPr lang="en-US" sz="1800" i="1" spc="300" dirty="0"/>
+              <a:t>đ</a:t>
+            </a:r>
+            <a:r>
+              <a:rPr lang="vi-VN" sz="1800" i="1" spc="300" dirty="0" err="1"/>
+              <a:t>ược</a:t>
+            </a:r>
+            <a:r>
+              <a:rPr lang="vi-VN" sz="1800" i="1" spc="300" dirty="0"/>
+              <a:t> </a:t>
+            </a:r>
+            <a:r>
+              <a:rPr lang="vi-VN" sz="1800" i="1" spc="300" dirty="0" err="1"/>
+              <a:t>tạo</a:t>
+            </a:r>
+            <a:r>
+              <a:rPr lang="vi-VN" sz="1800" i="1" spc="300" dirty="0"/>
+              <a:t> nên </a:t>
+            </a:r>
+            <a:r>
+              <a:rPr lang="vi-VN" sz="1800" i="1" spc="300" dirty="0" err="1"/>
+              <a:t>từ</a:t>
+            </a:r>
+            <a:r>
+              <a:rPr lang="vi-VN" sz="1800" i="1" spc="300" dirty="0"/>
+              <a:t> FXML</a:t>
+            </a:r>
+            <a:br>
+              <a:rPr lang="vi-VN" sz="1800" i="1" spc="300" dirty="0"/>
+            </a:br>
+            <a:r>
+              <a:rPr lang="vi-VN" sz="1800" i="1" spc="300" dirty="0" err="1"/>
+              <a:t>gồm</a:t>
+            </a:r>
+            <a:r>
+              <a:rPr lang="vi-VN" sz="1800" i="1" spc="300" dirty="0"/>
+              <a:t> </a:t>
+            </a:r>
+            <a:r>
+              <a:rPr lang="vi-VN" sz="1800" i="1" spc="300" dirty="0" err="1"/>
+              <a:t>các</a:t>
+            </a:r>
+            <a:r>
+              <a:rPr lang="vi-VN" sz="1800" i="1" spc="300" dirty="0"/>
+              <a:t> </a:t>
+            </a:r>
+            <a:r>
+              <a:rPr lang="vi-VN" sz="1800" i="1" spc="300" dirty="0" err="1"/>
+              <a:t>biến</a:t>
+            </a:r>
+            <a:r>
+              <a:rPr lang="vi-VN" sz="1800" i="1" spc="300" dirty="0"/>
+              <a:t> </a:t>
+            </a:r>
+            <a:r>
+              <a:rPr lang="vi-VN" sz="1800" i="1" spc="300" dirty="0" err="1"/>
+              <a:t>private</a:t>
+            </a:r>
+            <a:r>
+              <a:rPr lang="vi-VN" sz="1800" i="1" spc="300" dirty="0"/>
+              <a:t> </a:t>
+            </a:r>
+            <a:br>
+              <a:rPr lang="vi-VN" sz="1800" spc="300" dirty="0"/>
+            </a:br>
+            <a:r>
+              <a:rPr lang="vi-VN" sz="1800" spc="300" dirty="0" err="1">
+                <a:solidFill>
+                  <a:srgbClr val="00B050"/>
+                </a:solidFill>
+              </a:rPr>
+              <a:t>usr</a:t>
+            </a:r>
+            <a:r>
+              <a:rPr lang="vi-VN" sz="1800" spc="300" dirty="0">
+                <a:solidFill>
+                  <a:srgbClr val="00B050"/>
+                </a:solidFill>
+              </a:rPr>
+              <a:t> 	    </a:t>
+            </a:r>
+            <a:r>
+              <a:rPr lang="vi-VN" sz="1800" spc="300" dirty="0">
+                <a:solidFill>
+                  <a:schemeClr val="tx1"/>
+                </a:solidFill>
+              </a:rPr>
+              <a:t>- </a:t>
+            </a:r>
+            <a:r>
+              <a:rPr lang="vi-VN" sz="1800" spc="300" dirty="0" err="1">
+                <a:solidFill>
+                  <a:schemeClr val="tx1"/>
+                </a:solidFill>
+              </a:rPr>
+              <a:t>username</a:t>
+            </a:r>
+            <a:br>
+              <a:rPr lang="vi-VN" sz="1800" spc="300" dirty="0">
+                <a:solidFill>
+                  <a:srgbClr val="00B050"/>
+                </a:solidFill>
+              </a:rPr>
+            </a:br>
+            <a:r>
+              <a:rPr lang="vi-VN" sz="1800" spc="300" dirty="0" err="1">
+                <a:solidFill>
+                  <a:srgbClr val="00B050"/>
+                </a:solidFill>
+              </a:rPr>
+              <a:t>passwd</a:t>
+            </a:r>
+            <a:r>
+              <a:rPr lang="vi-VN" sz="1800" spc="300" dirty="0">
+                <a:solidFill>
+                  <a:srgbClr val="00B050"/>
+                </a:solidFill>
+              </a:rPr>
+              <a:t>    </a:t>
+            </a:r>
+            <a:r>
+              <a:rPr lang="vi-VN" sz="1800" spc="300" dirty="0">
+                <a:solidFill>
+                  <a:schemeClr val="tx1"/>
+                </a:solidFill>
+              </a:rPr>
+              <a:t>- </a:t>
+            </a:r>
+            <a:r>
+              <a:rPr lang="vi-VN" sz="1800" spc="300" dirty="0" err="1">
+                <a:solidFill>
+                  <a:schemeClr val="tx1"/>
+                </a:solidFill>
+              </a:rPr>
+              <a:t>password</a:t>
+            </a:r>
+            <a:br>
+              <a:rPr lang="vi-VN" sz="1800" spc="300" dirty="0">
+                <a:solidFill>
+                  <a:srgbClr val="00B050"/>
+                </a:solidFill>
+              </a:rPr>
+            </a:br>
+            <a:r>
+              <a:rPr lang="vi-VN" sz="1800" spc="300" dirty="0">
+                <a:solidFill>
+                  <a:srgbClr val="00B050"/>
+                </a:solidFill>
+              </a:rPr>
+              <a:t> </a:t>
+            </a:r>
+            <a:r>
+              <a:rPr lang="vi-VN" sz="1800" spc="300" dirty="0" err="1">
+                <a:solidFill>
+                  <a:srgbClr val="00B050"/>
+                </a:solidFill>
+              </a:rPr>
+              <a:t>job</a:t>
+            </a:r>
+            <a:r>
+              <a:rPr lang="vi-VN" sz="1800" spc="300" dirty="0">
+                <a:solidFill>
+                  <a:srgbClr val="00B050"/>
+                </a:solidFill>
+              </a:rPr>
+              <a:t>	    </a:t>
+            </a:r>
+            <a:r>
+              <a:rPr lang="vi-VN" sz="1800" spc="300" dirty="0">
+                <a:solidFill>
+                  <a:schemeClr val="tx1"/>
+                </a:solidFill>
+              </a:rPr>
+              <a:t>- </a:t>
+            </a:r>
+            <a:r>
+              <a:rPr lang="vi-VN" sz="1800" spc="300" dirty="0" err="1">
+                <a:solidFill>
+                  <a:schemeClr val="tx1"/>
+                </a:solidFill>
+              </a:rPr>
+              <a:t>job</a:t>
+            </a:r>
+            <a:br>
+              <a:rPr lang="vi-VN" sz="1800" spc="300" dirty="0">
+                <a:solidFill>
+                  <a:srgbClr val="00B050"/>
+                </a:solidFill>
+              </a:rPr>
+            </a:br>
+            <a:r>
+              <a:rPr lang="vi-VN" sz="1800" spc="300" dirty="0" err="1">
+                <a:solidFill>
+                  <a:srgbClr val="00B050"/>
+                </a:solidFill>
+              </a:rPr>
+              <a:t>loginBtn</a:t>
+            </a:r>
+            <a:r>
+              <a:rPr lang="vi-VN" sz="1800" spc="300" dirty="0">
+                <a:solidFill>
+                  <a:srgbClr val="00B050"/>
+                </a:solidFill>
+              </a:rPr>
+              <a:t>  </a:t>
+            </a:r>
+            <a:r>
+              <a:rPr lang="vi-VN" sz="1800" spc="300" dirty="0">
+                <a:solidFill>
+                  <a:schemeClr val="tx1"/>
+                </a:solidFill>
+              </a:rPr>
+              <a:t>- </a:t>
+            </a:r>
+            <a:r>
+              <a:rPr lang="vi-VN" sz="1800" spc="300" dirty="0" err="1">
+                <a:solidFill>
+                  <a:schemeClr val="tx1"/>
+                </a:solidFill>
+              </a:rPr>
+              <a:t>login</a:t>
+            </a:r>
+            <a:r>
+              <a:rPr lang="vi-VN" sz="1800" spc="300" dirty="0">
+                <a:solidFill>
+                  <a:schemeClr val="tx1"/>
+                </a:solidFill>
+              </a:rPr>
+              <a:t> </a:t>
+            </a:r>
+            <a:r>
+              <a:rPr lang="vi-VN" sz="1800" spc="300" dirty="0" err="1">
+                <a:solidFill>
+                  <a:schemeClr val="tx1"/>
+                </a:solidFill>
+              </a:rPr>
+              <a:t>button</a:t>
+            </a:r>
+            <a:br>
+              <a:rPr lang="vi-VN" sz="1800" spc="300" dirty="0">
+                <a:solidFill>
+                  <a:srgbClr val="00B050"/>
+                </a:solidFill>
+              </a:rPr>
+            </a:br>
+            <a:r>
+              <a:rPr lang="vi-VN" sz="1800" spc="300" dirty="0" err="1">
+                <a:solidFill>
+                  <a:srgbClr val="00B050"/>
+                </a:solidFill>
+              </a:rPr>
+              <a:t>clearBtn</a:t>
+            </a:r>
+            <a:r>
+              <a:rPr lang="vi-VN" sz="1800" spc="300" dirty="0">
+                <a:solidFill>
+                  <a:srgbClr val="00B050"/>
+                </a:solidFill>
+              </a:rPr>
+              <a:t>  </a:t>
+            </a:r>
+            <a:r>
+              <a:rPr lang="vi-VN" sz="1800" spc="300" dirty="0">
+                <a:solidFill>
+                  <a:schemeClr val="tx1"/>
+                </a:solidFill>
+              </a:rPr>
+              <a:t>– </a:t>
+            </a:r>
+            <a:r>
+              <a:rPr lang="vi-VN" sz="1800" spc="300" dirty="0" err="1">
+                <a:solidFill>
+                  <a:schemeClr val="tx1"/>
+                </a:solidFill>
+              </a:rPr>
+              <a:t>clear</a:t>
+            </a:r>
+            <a:r>
+              <a:rPr lang="vi-VN" sz="1800" spc="300" dirty="0">
+                <a:solidFill>
+                  <a:schemeClr val="tx1"/>
+                </a:solidFill>
+              </a:rPr>
+              <a:t> </a:t>
+            </a:r>
+            <a:r>
+              <a:rPr lang="vi-VN" sz="1800" spc="300" dirty="0" err="1">
+                <a:solidFill>
+                  <a:schemeClr val="tx1"/>
+                </a:solidFill>
+              </a:rPr>
+              <a:t>button</a:t>
+            </a:r>
+            <a:br>
+              <a:rPr lang="vi-VN" sz="1800" spc="300" dirty="0">
+                <a:solidFill>
+                  <a:srgbClr val="00B050"/>
+                </a:solidFill>
+              </a:rPr>
+            </a:br>
+            <a:r>
+              <a:rPr lang="vi-VN" sz="1800" spc="300" dirty="0" err="1">
+                <a:solidFill>
+                  <a:srgbClr val="00B050"/>
+                </a:solidFill>
+              </a:rPr>
+              <a:t>regBtn</a:t>
+            </a:r>
+            <a:r>
+              <a:rPr lang="vi-VN" sz="1800" spc="300" dirty="0">
+                <a:solidFill>
+                  <a:srgbClr val="00B050"/>
+                </a:solidFill>
+              </a:rPr>
+              <a:t>    </a:t>
+            </a:r>
+            <a:r>
+              <a:rPr lang="vi-VN" sz="1800" spc="300" dirty="0">
+                <a:solidFill>
+                  <a:schemeClr val="tx1"/>
+                </a:solidFill>
+              </a:rPr>
+              <a:t>– </a:t>
+            </a:r>
+            <a:r>
+              <a:rPr lang="vi-VN" sz="1800" spc="300" dirty="0" err="1">
+                <a:solidFill>
+                  <a:schemeClr val="tx1"/>
+                </a:solidFill>
+              </a:rPr>
+              <a:t>register</a:t>
+            </a:r>
+            <a:r>
+              <a:rPr lang="vi-VN" sz="1800" spc="300" dirty="0">
+                <a:solidFill>
+                  <a:schemeClr val="tx1"/>
+                </a:solidFill>
+              </a:rPr>
+              <a:t> </a:t>
+            </a:r>
+            <a:r>
+              <a:rPr lang="vi-VN" sz="1800" spc="300" dirty="0" err="1">
+                <a:solidFill>
+                  <a:schemeClr val="tx1"/>
+                </a:solidFill>
+              </a:rPr>
+              <a:t>button</a:t>
+            </a:r>
+            <a:endParaRPr lang="en-US" sz="3000" spc="300" dirty="0">
+              <a:solidFill>
+                <a:schemeClr val="tx1"/>
+              </a:solidFill>
+            </a:endParaRPr>
+          </a:p>
+        </p:txBody>
+      </p:sp>
+      <p:sp>
+        <p:nvSpPr>
+          <p:cNvPr id="11" name="Rectangle 10">
+            <a:extLst>
+              <a:ext uri="{FF2B5EF4-FFF2-40B4-BE49-F238E27FC236}">
+                <a16:creationId xmlns:a16="http://schemas.microsoft.com/office/drawing/2014/main" id="{B5DFACD3-34ED-4852-903C-EA0AB0172CC5}"/>
+              </a:ext>
+              <a:ext uri="{C183D7F6-B498-43B3-948B-1728B52AA6E4}">
+                <adec:decorative xmlns:adec="http://schemas.microsoft.com/office/drawing/2017/decorative" val="1"/>
+              </a:ext>
+            </a:extLst>
+          </p:cNvPr>
+          <p:cNvSpPr>
+            <a:spLocks noGrp="1" noRot="1" noChangeAspect="1" noMove="1" noResize="1" noEditPoints="1" noAdjustHandles="1" noChangeArrowheads="1" noChangeShapeType="1" noTextEdit="1"/>
+          </p:cNvSpPr>
+          <p:nvPr>
+            <p:extLst>
+              <p:ext uri="{386F3935-93C4-4BCD-93E2-E3B085C9AB24}">
+                <p16:designElem xmlns:p16="http://schemas.microsoft.com/office/powerpoint/2015/main" val="1"/>
+              </p:ext>
+            </p:extLst>
+          </p:nvPr>
+        </p:nvSpPr>
+        <p:spPr>
+          <a:xfrm>
+            <a:off x="4023074" y="668655"/>
+            <a:ext cx="541782" cy="3803332"/>
+          </a:xfrm>
+          <a:prstGeom prst="rect">
+            <a:avLst/>
+          </a:prstGeom>
+          <a:solidFill>
+            <a:srgbClr val="4C5254"/>
+          </a:solidFill>
+          <a:ln>
+            <a:noFill/>
+          </a:ln>
+        </p:spPr>
+        <p:style>
+          <a:lnRef idx="2">
+            <a:schemeClr val="accent1">
+              <a:shade val="50000"/>
+            </a:schemeClr>
+          </a:lnRef>
+          <a:fillRef idx="1">
+            <a:schemeClr val="accent1"/>
+          </a:fillRef>
+          <a:effectRef idx="0">
+            <a:schemeClr val="accent1"/>
+          </a:effectRef>
+          <a:fontRef idx="minor">
+            <a:schemeClr val="lt1"/>
+          </a:fontRef>
+        </p:style>
+        <p:txBody>
+          <a:bodyPr rtlCol="0" anchor="ctr"/>
+          <a:lstStyle/>
+          <a:p>
+            <a:pPr algn="ctr"/>
+            <a:endParaRPr lang="en-US"/>
+          </a:p>
+        </p:txBody>
+      </p:sp>
+      <p:pic>
+        <p:nvPicPr>
+          <p:cNvPr id="4" name="Hình ảnh 3" descr="Ảnh có chứa ảnh chụp màn hình&#10;&#10;Mô tả được tạo tự động">
+            <a:extLst>
+              <a:ext uri="{FF2B5EF4-FFF2-40B4-BE49-F238E27FC236}">
+                <a16:creationId xmlns:a16="http://schemas.microsoft.com/office/drawing/2014/main" id="{1F897186-0077-48B7-82D7-7E4653C73755}"/>
+              </a:ext>
+            </a:extLst>
+          </p:cNvPr>
+          <p:cNvPicPr>
+            <a:picLocks noChangeAspect="1"/>
+          </p:cNvPicPr>
+          <p:nvPr/>
+        </p:nvPicPr>
+        <p:blipFill rotWithShape="1">
+          <a:blip r:embed="rId2">
+            <a:extLst>
+              <a:ext uri="{28A0092B-C50C-407E-A947-70E740481C1C}">
+                <a14:useLocalDpi xmlns:a14="http://schemas.microsoft.com/office/drawing/2010/main" val="0"/>
+              </a:ext>
+            </a:extLst>
+          </a:blip>
+          <a:srcRect r="2856" b="-3"/>
+          <a:stretch/>
+        </p:blipFill>
+        <p:spPr>
+          <a:xfrm>
+            <a:off x="-18990" y="291372"/>
+            <a:ext cx="4427964" cy="4180615"/>
+          </a:xfrm>
+          <a:prstGeom prst="rect">
+            <a:avLst/>
+          </a:prstGeom>
+          <a:effectLst>
+            <a:outerShdw blurRad="406400" dist="317500" dir="5400000" sx="89000" sy="89000" rotWithShape="0">
+              <a:prstClr val="black">
+                <a:alpha val="15000"/>
+              </a:prstClr>
+            </a:outerShdw>
+          </a:effectLst>
+        </p:spPr>
+      </p:pic>
+    </p:spTree>
+    <p:extLst>
+      <p:ext uri="{BB962C8B-B14F-4D97-AF65-F5344CB8AC3E}">
+        <p14:creationId xmlns:p14="http://schemas.microsoft.com/office/powerpoint/2010/main" val="1051368763"/>
+      </p:ext>
+    </p:extLst>
+  </p:cSld>
+  <p:clrMapOvr>
+    <a:masterClrMapping/>
+  </p:clrMapOvr>
+  <p:transition spd="slow">
+    <p:push dir="u"/>
+  </p:transition>
+</p:sld>
+</file>
+
+<file path=ppt/slides/slide11.xml><?xml version="1.0" encoding="utf-8"?>
+<p:sld xmlns:a="http://schemas.openxmlformats.org/drawingml/2006/main" xmlns:r="http://schemas.openxmlformats.org/officeDocument/2006/relationships" xmlns:p="http://schemas.openxmlformats.org/presentationml/2006/main">
+  <p:cSld>
+    <p:bg>
+      <p:bgPr>
+        <a:solidFill>
+          <a:schemeClr val="bg1">
+            <a:lumMod val="75000"/>
+            <a:alpha val="54000"/>
+          </a:schemeClr>
+        </a:solidFill>
+        <a:effectLst/>
+      </p:bgPr>
+    </p:bg>
+    <p:spTree>
+      <p:nvGrpSpPr>
+        <p:cNvPr id="1" name=""/>
+        <p:cNvGrpSpPr/>
+        <p:nvPr/>
+      </p:nvGrpSpPr>
+      <p:grpSpPr>
+        <a:xfrm>
+          <a:off x="0" y="0"/>
+          <a:ext cx="0" cy="0"/>
+          <a:chOff x="0" y="0"/>
+          <a:chExt cx="0" cy="0"/>
+        </a:xfrm>
+      </p:grpSpPr>
+      <p:sp>
+        <p:nvSpPr>
+          <p:cNvPr id="13" name="Rectangle 8">
+            <a:extLst>
+              <a:ext uri="{FF2B5EF4-FFF2-40B4-BE49-F238E27FC236}">
+                <a16:creationId xmlns:a16="http://schemas.microsoft.com/office/drawing/2014/main" id="{A4AC5506-6312-4701-8D3C-40187889A947}"/>
+              </a:ext>
+              <a:ext uri="{C183D7F6-B498-43B3-948B-1728B52AA6E4}">
+                <adec:decorative xmlns:adec="http://schemas.microsoft.com/office/drawing/2017/decorative" val="1"/>
+              </a:ext>
+            </a:extLst>
+          </p:cNvPr>
+          <p:cNvSpPr>
+            <a:spLocks noGrp="1" noRot="1" noChangeAspect="1" noMove="1" noResize="1" noEditPoints="1" noAdjustHandles="1" noChangeArrowheads="1" noChangeShapeType="1" noTextEdit="1"/>
+          </p:cNvSpPr>
+          <p:nvPr>
+            <p:extLst>
+              <p:ext uri="{386F3935-93C4-4BCD-93E2-E3B085C9AB24}">
+                <p16:designElem xmlns:p16="http://schemas.microsoft.com/office/powerpoint/2015/main" val="1"/>
+              </p:ext>
+            </p:extLst>
+          </p:nvPr>
+        </p:nvSpPr>
+        <p:spPr>
+          <a:xfrm>
+            <a:off x="0" y="488814"/>
+            <a:ext cx="9144000" cy="552413"/>
+          </a:xfrm>
+          <a:prstGeom prst="rect">
+            <a:avLst/>
+          </a:prstGeom>
+          <a:solidFill>
+            <a:schemeClr val="tx1"/>
+          </a:solidFill>
+          <a:ln>
+            <a:noFill/>
+          </a:ln>
+        </p:spPr>
+        <p:style>
+          <a:lnRef idx="2">
+            <a:schemeClr val="accent1">
+              <a:shade val="50000"/>
+            </a:schemeClr>
+          </a:lnRef>
+          <a:fillRef idx="1">
+            <a:schemeClr val="accent1"/>
+          </a:fillRef>
+          <a:effectRef idx="0">
+            <a:schemeClr val="accent1"/>
+          </a:effectRef>
+          <a:fontRef idx="minor">
+            <a:schemeClr val="lt1"/>
+          </a:fontRef>
+        </p:style>
+        <p:txBody>
+          <a:bodyPr rtlCol="0" anchor="ctr"/>
+          <a:lstStyle/>
+          <a:p>
+            <a:pPr algn="ctr"/>
+            <a:endParaRPr lang="en-US"/>
+          </a:p>
+        </p:txBody>
+      </p:sp>
+      <p:sp>
+        <p:nvSpPr>
+          <p:cNvPr id="2" name="Title 1"/>
+          <p:cNvSpPr>
+            <a:spLocks noGrp="1"/>
+          </p:cNvSpPr>
+          <p:nvPr>
+            <p:ph type="ctrTitle"/>
+          </p:nvPr>
+        </p:nvSpPr>
+        <p:spPr>
+          <a:xfrm>
+            <a:off x="367903" y="1713868"/>
+            <a:ext cx="8408193" cy="558627"/>
+          </a:xfrm>
+        </p:spPr>
+        <p:txBody>
+          <a:bodyPr vert="horz" lIns="91440" tIns="45720" rIns="91440" bIns="45720" rtlCol="0" anchor="ctr">
+            <a:normAutofit/>
+          </a:bodyPr>
+          <a:lstStyle/>
+          <a:p>
+            <a:pPr algn="ctr" rtl="0">
+              <a:lnSpc>
+                <a:spcPct val="90000"/>
+              </a:lnSpc>
+              <a:spcBef>
+                <a:spcPct val="0"/>
+              </a:spcBef>
+            </a:pPr>
+            <a:r>
+              <a:rPr lang="en-US" sz="2400" b="1" kern="1200" spc="300" dirty="0">
+                <a:solidFill>
+                  <a:schemeClr val="bg1"/>
+                </a:solidFill>
+                <a:latin typeface="+mj-lt"/>
+                <a:ea typeface="+mj-ea"/>
+                <a:cs typeface="+mj-cs"/>
+              </a:rPr>
+              <a:t>VIEW</a:t>
+            </a:r>
+          </a:p>
+        </p:txBody>
+      </p:sp>
+      <p:pic>
+        <p:nvPicPr>
+          <p:cNvPr id="4" name="Hình ảnh 3" descr="Ảnh có chứa ảnh chụp màn hình&#10;&#10;Mô tả được tạo tự động">
+            <a:extLst>
+              <a:ext uri="{FF2B5EF4-FFF2-40B4-BE49-F238E27FC236}">
+                <a16:creationId xmlns:a16="http://schemas.microsoft.com/office/drawing/2014/main" id="{7D2F0F70-914E-47FA-A07C-164AD6873673}"/>
+              </a:ext>
+            </a:extLst>
+          </p:cNvPr>
+          <p:cNvPicPr>
+            <a:picLocks noChangeAspect="1"/>
+          </p:cNvPicPr>
+          <p:nvPr/>
+        </p:nvPicPr>
+        <p:blipFill>
+          <a:blip r:embed="rId2">
+            <a:extLst>
+              <a:ext uri="{28A0092B-C50C-407E-A947-70E740481C1C}">
+                <a14:useLocalDpi xmlns:a14="http://schemas.microsoft.com/office/drawing/2010/main" val="0"/>
+              </a:ext>
+            </a:extLst>
+          </a:blip>
+          <a:stretch>
+            <a:fillRect/>
+          </a:stretch>
+        </p:blipFill>
+        <p:spPr>
+          <a:xfrm>
+            <a:off x="2098208" y="4371950"/>
+            <a:ext cx="4947582" cy="3295649"/>
+          </a:xfrm>
+          <a:prstGeom prst="roundRect">
+            <a:avLst>
+              <a:gd name="adj" fmla="val 8594"/>
+            </a:avLst>
+          </a:prstGeom>
+          <a:solidFill>
+            <a:srgbClr val="FFFFFF">
+              <a:shade val="85000"/>
+            </a:srgbClr>
+          </a:solidFill>
+          <a:ln>
+            <a:noFill/>
+          </a:ln>
+          <a:effectLst>
+            <a:reflection blurRad="12700" stA="38000" endPos="28000" dist="5000" dir="5400000" sy="-100000" algn="bl" rotWithShape="0"/>
+          </a:effectLst>
+        </p:spPr>
+      </p:pic>
+    </p:spTree>
+    <p:extLst>
+      <p:ext uri="{BB962C8B-B14F-4D97-AF65-F5344CB8AC3E}">
+        <p14:creationId xmlns:p14="http://schemas.microsoft.com/office/powerpoint/2010/main" val="235646591"/>
+      </p:ext>
+    </p:extLst>
+  </p:cSld>
+  <p:clrMapOvr>
+    <a:masterClrMapping/>
+  </p:clrMapOvr>
+  <p:transition spd="slow">
+    <p:push dir="u"/>
+  </p:transition>
+  <p:timing>
+    <p:tnLst>
+      <p:par>
+        <p:cTn id="1" dur="indefinite" restart="never" nodeType="tmRoot">
+          <p:childTnLst>
+            <p:seq concurrent="1" nextAc="seek">
+              <p:cTn id="2" dur="indefinite" nodeType="mainSeq">
+                <p:childTnLst>
+                  <p:par>
+                    <p:cTn id="3" fill="hold">
+                      <p:stCondLst>
+                        <p:cond delay="indefinite"/>
+                        <p:cond evt="onBegin" delay="0">
+                          <p:tn val="2"/>
+                        </p:cond>
+                      </p:stCondLst>
+                      <p:childTnLst>
+                        <p:par>
+                          <p:cTn id="4" fill="hold">
+                            <p:stCondLst>
+                              <p:cond delay="0"/>
+                            </p:stCondLst>
+                            <p:childTnLst>
+                              <p:par>
+                                <p:cTn id="5" presetID="64" presetClass="path" presetSubtype="0" accel="50000" decel="50000" fill="hold" grpId="0" nodeType="withEffect">
+                                  <p:stCondLst>
+                                    <p:cond delay="0"/>
+                                  </p:stCondLst>
+                                  <p:childTnLst>
+                                    <p:animMotion origin="layout" path="M 0 4.32099E-6 L 0 -0.25 " pathEditMode="relative" rAng="0" ptsTypes="AA">
+                                      <p:cBhvr>
+                                        <p:cTn id="6" dur="2000" fill="hold"/>
+                                        <p:tgtEl>
+                                          <p:spTgt spid="2"/>
+                                        </p:tgtEl>
+                                        <p:attrNameLst>
+                                          <p:attrName>ppt_x</p:attrName>
+                                          <p:attrName>ppt_y</p:attrName>
+                                        </p:attrNameLst>
+                                      </p:cBhvr>
+                                      <p:rCtr x="0" y="-12500"/>
+                                    </p:animMotion>
+                                  </p:childTnLst>
+                                </p:cTn>
+                              </p:par>
+                              <p:par>
+                                <p:cTn id="7" presetID="64" presetClass="path" presetSubtype="0" accel="50000" decel="50000" fill="hold" nodeType="withEffect">
+                                  <p:stCondLst>
+                                    <p:cond delay="0"/>
+                                  </p:stCondLst>
+                                  <p:childTnLst>
+                                    <p:animMotion origin="layout" path="M -0.00226 -0.16389 L -0.00226 -0.59784 " pathEditMode="relative" rAng="0" ptsTypes="AA">
+                                      <p:cBhvr>
+                                        <p:cTn id="8" dur="2000" fill="hold"/>
+                                        <p:tgtEl>
+                                          <p:spTgt spid="4"/>
+                                        </p:tgtEl>
+                                        <p:attrNameLst>
+                                          <p:attrName>ppt_x</p:attrName>
+                                          <p:attrName>ppt_y</p:attrName>
+                                        </p:attrNameLst>
+                                      </p:cBhvr>
+                                      <p:rCtr x="0" y="-21698"/>
+                                    </p:animMotion>
+                                  </p:childTnLst>
+                                </p:cTn>
+                              </p:par>
+                            </p:childTnLst>
+                          </p:cTn>
+                        </p:par>
+                      </p:childTnLst>
+                    </p:cTn>
+                  </p:par>
+                </p:childTnLst>
+              </p:cTn>
+              <p:prevCondLst>
+                <p:cond evt="onPrev" delay="0">
+                  <p:tgtEl>
+                    <p:sldTgt/>
+                  </p:tgtEl>
+                </p:cond>
+              </p:prevCondLst>
+              <p:nextCondLst>
+                <p:cond evt="onNext" delay="0">
+                  <p:tgtEl>
+                    <p:sldTgt/>
+                  </p:tgtEl>
+                </p:cond>
+              </p:nextCondLst>
+            </p:seq>
+          </p:childTnLst>
+        </p:cTn>
+      </p:par>
+    </p:tnLst>
+    <p:bldLst>
+      <p:bldP spid="2" grpId="0"/>
+    </p:bldLst>
+  </p:timing>
+</p:sld>
+</file>
+
+<file path=ppt/slides/slide12.xml><?xml version="1.0" encoding="utf-8"?>
+<p:sld xmlns:a="http://schemas.openxmlformats.org/drawingml/2006/main" xmlns:r="http://schemas.openxmlformats.org/officeDocument/2006/relationships" xmlns:p="http://schemas.openxmlformats.org/presentationml/2006/main">
+  <p:cSld>
+    <p:spTree>
+      <p:nvGrpSpPr>
+        <p:cNvPr id="1" name=""/>
+        <p:cNvGrpSpPr/>
+        <p:nvPr/>
+      </p:nvGrpSpPr>
+      <p:grpSpPr>
+        <a:xfrm>
+          <a:off x="0" y="0"/>
+          <a:ext cx="0" cy="0"/>
+          <a:chOff x="0" y="0"/>
+          <a:chExt cx="0" cy="0"/>
+        </a:xfrm>
+      </p:grpSpPr>
+      <p:sp>
+        <p:nvSpPr>
+          <p:cNvPr id="12" name="Title 1">
+            <a:extLst>
+              <a:ext uri="{FF2B5EF4-FFF2-40B4-BE49-F238E27FC236}">
+                <a16:creationId xmlns:a16="http://schemas.microsoft.com/office/drawing/2014/main" id="{9DE584F3-5921-4CF1-9D58-2795EFACAB28}"/>
+              </a:ext>
+            </a:extLst>
+          </p:cNvPr>
+          <p:cNvSpPr txBox="1">
+            <a:spLocks/>
+          </p:cNvSpPr>
+          <p:nvPr/>
+        </p:nvSpPr>
+        <p:spPr bwMode="auto">
+          <a:xfrm>
+            <a:off x="685800" y="3147814"/>
+            <a:ext cx="7772400" cy="1102519"/>
+          </a:xfrm>
+          <a:prstGeom prst="rect">
+            <a:avLst/>
+          </a:prstGeom>
+        </p:spPr>
+        <p:txBody>
+          <a:bodyPr vert="horz" lIns="91440" tIns="45720" rIns="91440" bIns="45720" rtlCol="0" anchor="ctr">
+            <a:normAutofit/>
+          </a:bodyPr>
+          <a:lstStyle>
+            <a:lvl1pPr marL="0" indent="0" algn="just" defTabSz="914400">
+              <a:lnSpc>
+                <a:spcPct val="150000"/>
+              </a:lnSpc>
+              <a:spcBef>
+                <a:spcPts val="0"/>
+              </a:spcBef>
+              <a:buFont typeface="Arial"/>
+              <a:buNone/>
+              <a:defRPr sz="1200">
+                <a:solidFill>
+                  <a:schemeClr val="accent4">
+                    <a:lumMod val="75000"/>
+                  </a:schemeClr>
+                </a:solidFill>
+                <a:latin typeface="Myriad Pro"/>
+                <a:ea typeface="+mj-ea"/>
+                <a:cs typeface="+mj-cs"/>
+              </a:defRPr>
+            </a:lvl1pPr>
+          </a:lstStyle>
+          <a:p>
+            <a:pPr algn="ctr"/>
+            <a:endParaRPr lang="en-US" spc="300" dirty="0"/>
+          </a:p>
+        </p:txBody>
+      </p:sp>
+      <p:sp>
+        <p:nvSpPr>
+          <p:cNvPr id="13" name="Title 1">
+            <a:extLst>
+              <a:ext uri="{FF2B5EF4-FFF2-40B4-BE49-F238E27FC236}">
+                <a16:creationId xmlns:a16="http://schemas.microsoft.com/office/drawing/2014/main" id="{1D60B44B-39BF-4B4C-9FC1-57D39E8469E3}"/>
+              </a:ext>
+            </a:extLst>
+          </p:cNvPr>
+          <p:cNvSpPr txBox="1">
+            <a:spLocks/>
+          </p:cNvSpPr>
+          <p:nvPr/>
+        </p:nvSpPr>
+        <p:spPr bwMode="auto">
+          <a:xfrm>
+            <a:off x="5004048" y="1107851"/>
+            <a:ext cx="3600400" cy="2736304"/>
+          </a:xfrm>
+          <a:prstGeom prst="rect">
+            <a:avLst/>
+          </a:prstGeom>
+        </p:spPr>
+        <p:txBody>
+          <a:bodyPr vert="horz" lIns="91440" tIns="45720" rIns="91440" bIns="45720" rtlCol="0" anchor="ctr">
+            <a:normAutofit/>
+          </a:bodyPr>
+          <a:lstStyle>
+            <a:lvl1pPr marL="0" indent="0" algn="just" defTabSz="914400">
+              <a:lnSpc>
+                <a:spcPct val="150000"/>
+              </a:lnSpc>
+              <a:spcBef>
+                <a:spcPts val="0"/>
+              </a:spcBef>
+              <a:buFont typeface="Arial"/>
+              <a:buNone/>
+              <a:defRPr sz="1200">
+                <a:solidFill>
+                  <a:schemeClr val="accent4">
+                    <a:lumMod val="75000"/>
+                  </a:schemeClr>
+                </a:solidFill>
+                <a:latin typeface="Myriad Pro"/>
+                <a:ea typeface="+mj-ea"/>
+                <a:cs typeface="+mj-cs"/>
+              </a:defRPr>
+            </a:lvl1pPr>
+          </a:lstStyle>
+          <a:p>
+            <a:pPr algn="l"/>
+            <a:r>
+              <a:rPr lang="en-US" sz="2400" b="1" spc="300" dirty="0">
+                <a:solidFill>
+                  <a:srgbClr val="7030A0"/>
+                </a:solidFill>
+              </a:rPr>
+              <a:t>CONTROLLER</a:t>
+            </a:r>
+            <a:r>
+              <a:rPr lang="en-US" sz="2400" b="1" spc="300" dirty="0"/>
+              <a:t> </a:t>
+            </a:r>
+          </a:p>
+          <a:p>
+            <a:pPr algn="l"/>
+            <a:endParaRPr lang="en-US" sz="1400" spc="300" dirty="0"/>
+          </a:p>
+          <a:p>
+            <a:pPr algn="l"/>
+            <a:r>
+              <a:rPr lang="en-US" sz="2400" spc="300" dirty="0"/>
+              <a:t>BAO GỒM 2 LỚP</a:t>
+            </a:r>
+          </a:p>
+          <a:p>
+            <a:pPr algn="l"/>
+            <a:r>
+              <a:rPr lang="en-US" sz="2000" spc="300" dirty="0" err="1">
+                <a:solidFill>
+                  <a:schemeClr val="tx1"/>
+                </a:solidFill>
+              </a:rPr>
+              <a:t>BookController</a:t>
+            </a:r>
+            <a:endParaRPr lang="en-US" sz="2000" spc="300" dirty="0">
+              <a:solidFill>
+                <a:schemeClr val="tx1"/>
+              </a:solidFill>
+            </a:endParaRPr>
+          </a:p>
+          <a:p>
+            <a:pPr algn="l"/>
+            <a:r>
+              <a:rPr lang="en-US" sz="2000" spc="300" dirty="0" err="1">
+                <a:solidFill>
+                  <a:schemeClr val="tx1"/>
+                </a:solidFill>
+              </a:rPr>
+              <a:t>LoginController</a:t>
+            </a:r>
+            <a:endParaRPr lang="en-US" sz="1100" spc="300" dirty="0">
+              <a:solidFill>
+                <a:schemeClr val="tx1"/>
+              </a:solidFill>
+            </a:endParaRPr>
+          </a:p>
+        </p:txBody>
+      </p:sp>
+      <p:cxnSp>
+        <p:nvCxnSpPr>
+          <p:cNvPr id="15" name="Đường nối Thẳng 14">
+            <a:extLst>
+              <a:ext uri="{FF2B5EF4-FFF2-40B4-BE49-F238E27FC236}">
+                <a16:creationId xmlns:a16="http://schemas.microsoft.com/office/drawing/2014/main" id="{67FC8F6A-89AB-47C6-8D37-193A3B1CA7A6}"/>
+              </a:ext>
+            </a:extLst>
+          </p:cNvPr>
+          <p:cNvCxnSpPr>
+            <a:cxnSpLocks/>
+          </p:cNvCxnSpPr>
+          <p:nvPr/>
+        </p:nvCxnSpPr>
+        <p:spPr>
+          <a:xfrm>
+            <a:off x="5004048" y="1397223"/>
+            <a:ext cx="0" cy="2592288"/>
+          </a:xfrm>
+          <a:prstGeom prst="line">
+            <a:avLst/>
+          </a:prstGeom>
+          <a:ln>
+            <a:solidFill>
+              <a:schemeClr val="accent4">
+                <a:lumMod val="75000"/>
+              </a:schemeClr>
+            </a:solidFill>
+          </a:ln>
+        </p:spPr>
+        <p:style>
+          <a:lnRef idx="1">
+            <a:schemeClr val="accent1"/>
+          </a:lnRef>
+          <a:fillRef idx="0">
+            <a:schemeClr val="accent1"/>
+          </a:fillRef>
+          <a:effectRef idx="0">
+            <a:schemeClr val="accent1"/>
+          </a:effectRef>
+          <a:fontRef idx="minor">
+            <a:schemeClr val="tx1"/>
+          </a:fontRef>
+        </p:style>
+      </p:cxnSp>
+      <p:pic>
+        <p:nvPicPr>
+          <p:cNvPr id="18" name="Hình ảnh 17" descr="Ảnh có chứa ảnh chụp màn hình, con chim, phòng&#10;&#10;Mô tả được tạo tự động">
+            <a:extLst>
+              <a:ext uri="{FF2B5EF4-FFF2-40B4-BE49-F238E27FC236}">
+                <a16:creationId xmlns:a16="http://schemas.microsoft.com/office/drawing/2014/main" id="{BAF45F8C-DAAF-45EC-9B75-69D2D0A26A1E}"/>
+              </a:ext>
+            </a:extLst>
+          </p:cNvPr>
+          <p:cNvPicPr>
+            <a:picLocks noChangeAspect="1"/>
+          </p:cNvPicPr>
+          <p:nvPr/>
+        </p:nvPicPr>
+        <p:blipFill>
+          <a:blip r:embed="rId2">
+            <a:extLst>
+              <a:ext uri="{28A0092B-C50C-407E-A947-70E740481C1C}">
+                <a14:useLocalDpi xmlns:a14="http://schemas.microsoft.com/office/drawing/2010/main" val="0"/>
+              </a:ext>
+            </a:extLst>
+          </a:blip>
+          <a:stretch>
+            <a:fillRect/>
+          </a:stretch>
+        </p:blipFill>
+        <p:spPr>
+          <a:xfrm>
+            <a:off x="768408" y="1824922"/>
+            <a:ext cx="3975015" cy="1302161"/>
+          </a:xfrm>
+          <a:prstGeom prst="rect">
+            <a:avLst/>
+          </a:prstGeom>
+        </p:spPr>
+      </p:pic>
+    </p:spTree>
+    <p:extLst>
+      <p:ext uri="{BB962C8B-B14F-4D97-AF65-F5344CB8AC3E}">
+        <p14:creationId xmlns:p14="http://schemas.microsoft.com/office/powerpoint/2010/main" val="3144442435"/>
+      </p:ext>
+    </p:extLst>
+  </p:cSld>
+  <p:clrMapOvr>
+    <a:masterClrMapping/>
+  </p:clrMapOvr>
+  <p:transition spd="slow">
+    <p:push dir="u"/>
+  </p:transition>
+</p:sld>
+</file>
+
+<file path=ppt/slides/slide13.xml><?xml version="1.0" encoding="utf-8"?>
+<p:sld xmlns:a="http://schemas.openxmlformats.org/drawingml/2006/main" xmlns:r="http://schemas.openxmlformats.org/officeDocument/2006/relationships" xmlns:p="http://schemas.openxmlformats.org/presentationml/2006/main">
+  <p:cSld>
+    <p:spTree>
+      <p:nvGrpSpPr>
+        <p:cNvPr id="1" name=""/>
+        <p:cNvGrpSpPr/>
+        <p:nvPr/>
+      </p:nvGrpSpPr>
+      <p:grpSpPr>
+        <a:xfrm>
+          <a:off x="0" y="0"/>
+          <a:ext cx="0" cy="0"/>
+          <a:chOff x="0" y="0"/>
+          <a:chExt cx="0" cy="0"/>
+        </a:xfrm>
+      </p:grpSpPr>
+      <p:sp>
+        <p:nvSpPr>
+          <p:cNvPr id="2" name="Title 1"/>
+          <p:cNvSpPr>
+            <a:spLocks noGrp="1"/>
+          </p:cNvSpPr>
+          <p:nvPr>
+            <p:ph type="ctrTitle"/>
+          </p:nvPr>
+        </p:nvSpPr>
+        <p:spPr>
+          <a:xfrm>
+            <a:off x="685800" y="1597819"/>
+            <a:ext cx="7772400" cy="1102519"/>
+          </a:xfrm>
+        </p:spPr>
+        <p:txBody>
+          <a:bodyPr/>
+          <a:lstStyle/>
+          <a:p>
+            <a:pPr algn="ctr"/>
+            <a:r>
+              <a:rPr lang="en-US" spc="300" dirty="0"/>
+              <a:t>CHỨC NĂNG</a:t>
+            </a:r>
+          </a:p>
+        </p:txBody>
+      </p:sp>
+    </p:spTree>
+    <p:extLst>
+      <p:ext uri="{BB962C8B-B14F-4D97-AF65-F5344CB8AC3E}">
+        <p14:creationId xmlns:p14="http://schemas.microsoft.com/office/powerpoint/2010/main" val="234392180"/>
+      </p:ext>
+    </p:extLst>
+  </p:cSld>
+  <p:clrMapOvr>
+    <a:masterClrMapping/>
+  </p:clrMapOvr>
+  <p:transition spd="slow">
+    <p:push dir="u"/>
+  </p:transition>
+</p:sld>
+</file>
+
+<file path=ppt/slides/slide14.xml><?xml version="1.0" encoding="utf-8"?>
 <p:sld xmlns:a="http://schemas.openxmlformats.org/drawingml/2006/main" xmlns:r="http://schemas.openxmlformats.org/officeDocument/2006/relationships" xmlns:p="http://schemas.openxmlformats.org/presentationml/2006/main">
   <p:cSld>
     <p:bg>
@@ -4762,7 +6112,7 @@
 </p:sld>
 </file>
 
-<file path=ppt/slides/slide11.xml><?xml version="1.0" encoding="utf-8"?>
+<file path=ppt/slides/slide15.xml><?xml version="1.0" encoding="utf-8"?>
 <p:sld xmlns:a="http://schemas.openxmlformats.org/drawingml/2006/main" xmlns:r="http://schemas.openxmlformats.org/officeDocument/2006/relationships" xmlns:p="http://schemas.openxmlformats.org/presentationml/2006/main">
   <p:cSld>
     <p:spTree>
@@ -4818,7 +6168,7 @@
           <p:nvPr>
             <p:extLst>
               <p:ext uri="{D42A27DB-BD31-4B8C-83A1-F6EECF244321}">
-                <p14:modId xmlns:p14="http://schemas.microsoft.com/office/powerpoint/2010/main" val="2291535862"/>
+                <p14:modId xmlns:p14="http://schemas.microsoft.com/office/powerpoint/2010/main" val="1002578890"/>
               </p:ext>
             </p:extLst>
           </p:nvPr>
@@ -4942,6 +6292,69 @@
                         <a:tabLst/>
                         <a:defRPr/>
                       </a:pPr>
+                      <a:r>
+                        <a:rPr lang="en-US" sz="1200" dirty="0" err="1">
+                          <a:latin typeface="Myriad Pro" pitchFamily="34" charset="0"/>
+                          <a:cs typeface="Arial" panose="020B0604020202020204" pitchFamily="34" charset="0"/>
+                        </a:rPr>
+                        <a:t>Đang</a:t>
+                      </a:r>
+                      <a:r>
+                        <a:rPr lang="en-US" sz="1200" dirty="0">
+                          <a:latin typeface="Myriad Pro" pitchFamily="34" charset="0"/>
+                          <a:cs typeface="Arial" panose="020B0604020202020204" pitchFamily="34" charset="0"/>
+                        </a:rPr>
+                        <a:t> </a:t>
+                      </a:r>
+                      <a:r>
+                        <a:rPr lang="en-US" sz="1200" dirty="0" err="1">
+                          <a:latin typeface="Myriad Pro" pitchFamily="34" charset="0"/>
+                          <a:cs typeface="Arial" panose="020B0604020202020204" pitchFamily="34" charset="0"/>
+                        </a:rPr>
+                        <a:t>làm</a:t>
+                      </a:r>
+                      <a:r>
+                        <a:rPr lang="en-US" sz="1200" dirty="0">
+                          <a:latin typeface="Myriad Pro" pitchFamily="34" charset="0"/>
+                          <a:cs typeface="Arial" panose="020B0604020202020204" pitchFamily="34" charset="0"/>
+                        </a:rPr>
+                        <a:t> form login </a:t>
+                      </a:r>
+                      <a:r>
+                        <a:rPr lang="en-US" sz="1200" dirty="0" err="1">
+                          <a:latin typeface="Myriad Pro" pitchFamily="34" charset="0"/>
+                          <a:cs typeface="Arial" panose="020B0604020202020204" pitchFamily="34" charset="0"/>
+                        </a:rPr>
+                        <a:t>cho</a:t>
+                      </a:r>
+                      <a:r>
+                        <a:rPr lang="en-US" sz="1200" dirty="0">
+                          <a:latin typeface="Myriad Pro" pitchFamily="34" charset="0"/>
+                          <a:cs typeface="Arial" panose="020B0604020202020204" pitchFamily="34" charset="0"/>
+                        </a:rPr>
+                        <a:t> </a:t>
+                      </a:r>
+                      <a:r>
+                        <a:rPr lang="en-US" sz="1200" dirty="0" err="1">
+                          <a:latin typeface="Myriad Pro" pitchFamily="34" charset="0"/>
+                          <a:cs typeface="Arial" panose="020B0604020202020204" pitchFamily="34" charset="0"/>
+                        </a:rPr>
+                        <a:t>nhân</a:t>
+                      </a:r>
+                      <a:r>
+                        <a:rPr lang="en-US" sz="1200" dirty="0">
+                          <a:latin typeface="Myriad Pro" pitchFamily="34" charset="0"/>
+                          <a:cs typeface="Arial" panose="020B0604020202020204" pitchFamily="34" charset="0"/>
+                        </a:rPr>
+                        <a:t> </a:t>
+                      </a:r>
+                      <a:r>
+                        <a:rPr lang="en-US" sz="1200" dirty="0" err="1">
+                          <a:latin typeface="Myriad Pro" pitchFamily="34" charset="0"/>
+                          <a:cs typeface="Arial" panose="020B0604020202020204" pitchFamily="34" charset="0"/>
+                        </a:rPr>
+                        <a:t>viên</a:t>
+                      </a:r>
                       <a:endParaRPr lang="en-US" sz="1200" dirty="0">
                         <a:latin typeface="Myriad Pro" pitchFamily="34" charset="0"/>
                         <a:cs typeface="Arial" panose="020B0604020202020204" pitchFamily="34" charset="0"/>
@@ -5000,6 +6413,300 @@
                         <a:tabLst/>
                         <a:defRPr/>
                       </a:pPr>
+                      <a:r>
+                        <a:rPr lang="en-US" sz="1200" dirty="0" err="1">
+                          <a:latin typeface="Myriad Pro" pitchFamily="34" charset="0"/>
+                          <a:cs typeface="Arial" panose="020B0604020202020204" pitchFamily="34" charset="0"/>
+                        </a:rPr>
+                        <a:t>Sắp</a:t>
+                      </a:r>
+                      <a:r>
+                        <a:rPr lang="en-US" sz="1200" dirty="0">
+                          <a:latin typeface="Myriad Pro" pitchFamily="34" charset="0"/>
+                          <a:cs typeface="Arial" panose="020B0604020202020204" pitchFamily="34" charset="0"/>
+                        </a:rPr>
+                        <a:t> </a:t>
+                      </a:r>
+                      <a:r>
+                        <a:rPr lang="en-US" sz="1200" dirty="0" err="1">
+                          <a:latin typeface="Myriad Pro" pitchFamily="34" charset="0"/>
+                          <a:cs typeface="Arial" panose="020B0604020202020204" pitchFamily="34" charset="0"/>
+                        </a:rPr>
+                        <a:t>tới</a:t>
+                      </a:r>
+                      <a:r>
+                        <a:rPr lang="en-US" sz="1200" dirty="0">
+                          <a:latin typeface="Myriad Pro" pitchFamily="34" charset="0"/>
+                          <a:cs typeface="Arial" panose="020B0604020202020204" pitchFamily="34" charset="0"/>
+                        </a:rPr>
+                        <a:t> </a:t>
+                      </a:r>
+                      <a:r>
+                        <a:rPr lang="en-US" sz="1200" dirty="0" err="1">
+                          <a:latin typeface="Myriad Pro" pitchFamily="34" charset="0"/>
+                          <a:cs typeface="Arial" panose="020B0604020202020204" pitchFamily="34" charset="0"/>
+                        </a:rPr>
+                        <a:t>sẽ</a:t>
+                      </a:r>
+                      <a:r>
+                        <a:rPr lang="en-US" sz="1200" dirty="0">
+                          <a:latin typeface="Myriad Pro" pitchFamily="34" charset="0"/>
+                          <a:cs typeface="Arial" panose="020B0604020202020204" pitchFamily="34" charset="0"/>
+                        </a:rPr>
+                        <a:t> </a:t>
+                      </a:r>
+                      <a:r>
+                        <a:rPr lang="en-US" sz="1200" dirty="0" err="1">
+                          <a:latin typeface="Myriad Pro" pitchFamily="34" charset="0"/>
+                          <a:cs typeface="Arial" panose="020B0604020202020204" pitchFamily="34" charset="0"/>
+                        </a:rPr>
+                        <a:t>là</a:t>
+                      </a:r>
+                      <a:r>
+                        <a:rPr lang="en-US" sz="1200" dirty="0">
+                          <a:latin typeface="Myriad Pro" pitchFamily="34" charset="0"/>
+                          <a:cs typeface="Arial" panose="020B0604020202020204" pitchFamily="34" charset="0"/>
+                        </a:rPr>
+                        <a:t> </a:t>
+                      </a:r>
+                      <a:r>
+                        <a:rPr lang="en-US" sz="1200" dirty="0" err="1">
+                          <a:latin typeface="Myriad Pro" pitchFamily="34" charset="0"/>
+                          <a:cs typeface="Arial" panose="020B0604020202020204" pitchFamily="34" charset="0"/>
+                        </a:rPr>
+                        <a:t>chức</a:t>
+                      </a:r>
+                      <a:r>
+                        <a:rPr lang="en-US" sz="1200" dirty="0">
+                          <a:latin typeface="Myriad Pro" pitchFamily="34" charset="0"/>
+                          <a:cs typeface="Arial" panose="020B0604020202020204" pitchFamily="34" charset="0"/>
+                        </a:rPr>
+                        <a:t> </a:t>
+                      </a:r>
+                      <a:r>
+                        <a:rPr lang="en-US" sz="1200" dirty="0" err="1">
+                          <a:latin typeface="Myriad Pro" pitchFamily="34" charset="0"/>
+                          <a:cs typeface="Arial" panose="020B0604020202020204" pitchFamily="34" charset="0"/>
+                        </a:rPr>
+                        <a:t>năng</a:t>
+                      </a:r>
+                      <a:r>
+                        <a:rPr lang="en-US" sz="1200" dirty="0">
+                          <a:latin typeface="Myriad Pro" pitchFamily="34" charset="0"/>
+                          <a:cs typeface="Arial" panose="020B0604020202020204" pitchFamily="34" charset="0"/>
+                        </a:rPr>
+                        <a:t> </a:t>
+                      </a:r>
+                      <a:r>
+                        <a:rPr lang="en-US" sz="1200" dirty="0" err="1">
+                          <a:latin typeface="Myriad Pro" pitchFamily="34" charset="0"/>
+                          <a:cs typeface="Arial" panose="020B0604020202020204" pitchFamily="34" charset="0"/>
+                        </a:rPr>
+                        <a:t>cho</a:t>
+                      </a:r>
+                      <a:r>
+                        <a:rPr lang="en-US" sz="1200" dirty="0">
+                          <a:latin typeface="Myriad Pro" pitchFamily="34" charset="0"/>
+                          <a:cs typeface="Arial" panose="020B0604020202020204" pitchFamily="34" charset="0"/>
+                        </a:rPr>
+                        <a:t> </a:t>
+                      </a:r>
+                      <a:r>
+                        <a:rPr lang="en-US" sz="1200" dirty="0" err="1">
+                          <a:latin typeface="Myriad Pro" pitchFamily="34" charset="0"/>
+                          <a:cs typeface="Arial" panose="020B0604020202020204" pitchFamily="34" charset="0"/>
+                        </a:rPr>
+                        <a:t>từng</a:t>
+                      </a:r>
+                      <a:r>
+                        <a:rPr lang="en-US" sz="1200" dirty="0">
+                          <a:latin typeface="Myriad Pro" pitchFamily="34" charset="0"/>
+                          <a:cs typeface="Arial" panose="020B0604020202020204" pitchFamily="34" charset="0"/>
+                        </a:rPr>
+                        <a:t> </a:t>
+                      </a:r>
+                      <a:r>
+                        <a:rPr lang="en-US" sz="1200" dirty="0" err="1">
+                          <a:latin typeface="Myriad Pro" pitchFamily="34" charset="0"/>
+                          <a:cs typeface="Arial" panose="020B0604020202020204" pitchFamily="34" charset="0"/>
+                        </a:rPr>
+                        <a:t>cấp</a:t>
+                      </a:r>
+                      <a:r>
+                        <a:rPr lang="en-US" sz="1200" dirty="0">
+                          <a:latin typeface="Myriad Pro" pitchFamily="34" charset="0"/>
+                          <a:cs typeface="Arial" panose="020B0604020202020204" pitchFamily="34" charset="0"/>
+                        </a:rPr>
+                        <a:t> </a:t>
+                      </a:r>
+                      <a:r>
+                        <a:rPr lang="en-US" sz="1200" dirty="0" err="1">
+                          <a:latin typeface="Myriad Pro" pitchFamily="34" charset="0"/>
+                          <a:cs typeface="Arial" panose="020B0604020202020204" pitchFamily="34" charset="0"/>
+                        </a:rPr>
+                        <a:t>bậc</a:t>
+                      </a:r>
+                      <a:r>
+                        <a:rPr lang="en-US" sz="1200" dirty="0">
+                          <a:latin typeface="Myriad Pro" pitchFamily="34" charset="0"/>
+                          <a:cs typeface="Arial" panose="020B0604020202020204" pitchFamily="34" charset="0"/>
+                        </a:rPr>
+                        <a:t> </a:t>
+                      </a:r>
+                      <a:r>
+                        <a:rPr lang="en-US" sz="1200" dirty="0" err="1">
+                          <a:latin typeface="Myriad Pro" pitchFamily="34" charset="0"/>
+                          <a:cs typeface="Arial" panose="020B0604020202020204" pitchFamily="34" charset="0"/>
+                        </a:rPr>
+                        <a:t>nhân</a:t>
+                      </a:r>
+                      <a:r>
+                        <a:rPr lang="en-US" sz="1200" dirty="0">
+                          <a:latin typeface="Myriad Pro" pitchFamily="34" charset="0"/>
+                          <a:cs typeface="Arial" panose="020B0604020202020204" pitchFamily="34" charset="0"/>
+                        </a:rPr>
+                        <a:t> </a:t>
+                      </a:r>
+                      <a:r>
+                        <a:rPr lang="en-US" sz="1200" dirty="0" err="1">
+                          <a:latin typeface="Myriad Pro" pitchFamily="34" charset="0"/>
+                          <a:cs typeface="Arial" panose="020B0604020202020204" pitchFamily="34" charset="0"/>
+                        </a:rPr>
+                        <a:t>viên</a:t>
+                      </a:r>
+                      <a:r>
+                        <a:rPr lang="en-US" sz="1200" dirty="0">
+                          <a:latin typeface="Myriad Pro" pitchFamily="34" charset="0"/>
+                          <a:cs typeface="Arial" panose="020B0604020202020204" pitchFamily="34" charset="0"/>
+                        </a:rPr>
+                        <a:t> (</a:t>
+                      </a:r>
+                      <a:r>
+                        <a:rPr lang="en-US" sz="1200" dirty="0" err="1">
+                          <a:latin typeface="Myriad Pro" pitchFamily="34" charset="0"/>
+                          <a:cs typeface="Arial" panose="020B0604020202020204" pitchFamily="34" charset="0"/>
+                        </a:rPr>
+                        <a:t>nhân</a:t>
+                      </a:r>
+                      <a:r>
+                        <a:rPr lang="en-US" sz="1200" dirty="0">
+                          <a:latin typeface="Myriad Pro" pitchFamily="34" charset="0"/>
+                          <a:cs typeface="Arial" panose="020B0604020202020204" pitchFamily="34" charset="0"/>
+                        </a:rPr>
+                        <a:t> </a:t>
+                      </a:r>
+                      <a:r>
+                        <a:rPr lang="en-US" sz="1200" dirty="0" err="1">
+                          <a:latin typeface="Myriad Pro" pitchFamily="34" charset="0"/>
+                          <a:cs typeface="Arial" panose="020B0604020202020204" pitchFamily="34" charset="0"/>
+                        </a:rPr>
+                        <a:t>viên</a:t>
+                      </a:r>
+                      <a:r>
+                        <a:rPr lang="en-US" sz="1200" dirty="0">
+                          <a:latin typeface="Myriad Pro" pitchFamily="34" charset="0"/>
+                          <a:cs typeface="Arial" panose="020B0604020202020204" pitchFamily="34" charset="0"/>
+                        </a:rPr>
+                        <a:t> </a:t>
+                      </a:r>
+                      <a:r>
+                        <a:rPr lang="en-US" sz="1200" dirty="0" err="1">
+                          <a:latin typeface="Myriad Pro" pitchFamily="34" charset="0"/>
+                          <a:cs typeface="Arial" panose="020B0604020202020204" pitchFamily="34" charset="0"/>
+                        </a:rPr>
+                        <a:t>nào</a:t>
+                      </a:r>
+                      <a:r>
+                        <a:rPr lang="en-US" sz="1200" dirty="0">
+                          <a:latin typeface="Myriad Pro" pitchFamily="34" charset="0"/>
+                          <a:cs typeface="Arial" panose="020B0604020202020204" pitchFamily="34" charset="0"/>
+                        </a:rPr>
+                        <a:t> </a:t>
+                      </a:r>
+                      <a:r>
+                        <a:rPr lang="en-US" sz="1200" dirty="0" err="1">
+                          <a:latin typeface="Myriad Pro" pitchFamily="34" charset="0"/>
+                          <a:cs typeface="Arial" panose="020B0604020202020204" pitchFamily="34" charset="0"/>
+                        </a:rPr>
+                        <a:t>làm</a:t>
+                      </a:r>
+                      <a:r>
+                        <a:rPr lang="en-US" sz="1200" dirty="0">
+                          <a:latin typeface="Myriad Pro" pitchFamily="34" charset="0"/>
+                          <a:cs typeface="Arial" panose="020B0604020202020204" pitchFamily="34" charset="0"/>
+                        </a:rPr>
+                        <a:t> đ</a:t>
+                      </a:r>
+                      <a:r>
+                        <a:rPr lang="vi-VN" sz="1200" dirty="0" err="1">
+                          <a:latin typeface="Myriad Pro" pitchFamily="34" charset="0"/>
+                          <a:cs typeface="Arial" panose="020B0604020202020204" pitchFamily="34" charset="0"/>
+                        </a:rPr>
+                        <a:t>ược</a:t>
+                      </a:r>
+                      <a:r>
+                        <a:rPr lang="vi-VN" sz="1200" dirty="0">
+                          <a:latin typeface="Myriad Pro" pitchFamily="34" charset="0"/>
+                          <a:cs typeface="Arial" panose="020B0604020202020204" pitchFamily="34" charset="0"/>
+                        </a:rPr>
+                        <a:t> </a:t>
+                      </a:r>
+                      <a:r>
+                        <a:rPr lang="vi-VN" sz="1200" dirty="0" err="1">
+                          <a:latin typeface="Myriad Pro" pitchFamily="34" charset="0"/>
+                          <a:cs typeface="Arial" panose="020B0604020202020204" pitchFamily="34" charset="0"/>
+                        </a:rPr>
+                        <a:t>gì</a:t>
+                      </a:r>
+                      <a:r>
+                        <a:rPr lang="vi-VN" sz="1200" dirty="0">
+                          <a:latin typeface="Myriad Pro" pitchFamily="34" charset="0"/>
+                          <a:cs typeface="Arial" panose="020B0604020202020204" pitchFamily="34" charset="0"/>
+                        </a:rPr>
+                        <a:t>, </a:t>
+                      </a:r>
+                      <a:r>
+                        <a:rPr lang="vi-VN" sz="1200" dirty="0" err="1">
+                          <a:latin typeface="Myriad Pro" pitchFamily="34" charset="0"/>
+                          <a:cs typeface="Arial" panose="020B0604020202020204" pitchFamily="34" charset="0"/>
+                        </a:rPr>
+                        <a:t>và</a:t>
+                      </a:r>
+                      <a:r>
+                        <a:rPr lang="vi-VN" sz="1200" dirty="0">
+                          <a:latin typeface="Myriad Pro" pitchFamily="34" charset="0"/>
+                          <a:cs typeface="Arial" panose="020B0604020202020204" pitchFamily="34" charset="0"/>
+                        </a:rPr>
+                        <a:t> </a:t>
+                      </a:r>
+                      <a:r>
+                        <a:rPr lang="vi-VN" sz="1200" dirty="0" err="1">
+                          <a:latin typeface="Myriad Pro" pitchFamily="34" charset="0"/>
+                          <a:cs typeface="Arial" panose="020B0604020202020204" pitchFamily="34" charset="0"/>
+                        </a:rPr>
+                        <a:t>ngược</a:t>
+                      </a:r>
+                      <a:r>
+                        <a:rPr lang="vi-VN" sz="1200" dirty="0">
+                          <a:latin typeface="Myriad Pro" pitchFamily="34" charset="0"/>
+                          <a:cs typeface="Arial" panose="020B0604020202020204" pitchFamily="34" charset="0"/>
+                        </a:rPr>
+                        <a:t> </a:t>
+                      </a:r>
+                      <a:r>
+                        <a:rPr lang="vi-VN" sz="1200" dirty="0" err="1">
+                          <a:latin typeface="Myriad Pro" pitchFamily="34" charset="0"/>
+                          <a:cs typeface="Arial" panose="020B0604020202020204" pitchFamily="34" charset="0"/>
+                        </a:rPr>
+                        <a:t>lại</a:t>
+                      </a:r>
+                      <a:r>
+                        <a:rPr lang="vi-VN" sz="1200" dirty="0">
+                          <a:latin typeface="Myriad Pro" pitchFamily="34" charset="0"/>
+                          <a:cs typeface="Arial" panose="020B0604020202020204" pitchFamily="34" charset="0"/>
+                        </a:rPr>
+                        <a:t> … )</a:t>
+                      </a:r>
                       <a:endParaRPr lang="en-US" sz="1200" dirty="0">
                         <a:latin typeface="Myriad Pro" pitchFamily="34" charset="0"/>
                         <a:cs typeface="Arial" panose="020B0604020202020204" pitchFamily="34" charset="0"/>
@@ -5058,10 +6765,76 @@
                         <a:tabLst/>
                         <a:defRPr/>
                       </a:pPr>
-                      <a:endParaRPr lang="en-US" sz="1200" dirty="0">
-                        <a:latin typeface="Myriad Pro" pitchFamily="34" charset="0"/>
-                        <a:cs typeface="Arial" panose="020B0604020202020204" pitchFamily="34" charset="0"/>
-                      </a:endParaRPr>
+                      <a:r>
+                        <a:rPr lang="en-US" sz="1200" dirty="0" err="1">
+                          <a:latin typeface="Myriad Pro" pitchFamily="34" charset="0"/>
+                          <a:cs typeface="Arial" panose="020B0604020202020204" pitchFamily="34" charset="0"/>
+                        </a:rPr>
+                        <a:t>Xem</a:t>
+                      </a:r>
+                      <a:r>
+                        <a:rPr lang="en-US" sz="1200" dirty="0">
+                          <a:latin typeface="Myriad Pro" pitchFamily="34" charset="0"/>
+                          <a:cs typeface="Arial" panose="020B0604020202020204" pitchFamily="34" charset="0"/>
+                        </a:rPr>
+                        <a:t> </a:t>
+                      </a:r>
+                      <a:r>
+                        <a:rPr lang="en-US" sz="1200" dirty="0" err="1">
+                          <a:latin typeface="Myriad Pro" pitchFamily="34" charset="0"/>
+                          <a:cs typeface="Arial" panose="020B0604020202020204" pitchFamily="34" charset="0"/>
+                        </a:rPr>
+                        <a:t>lại</a:t>
+                      </a:r>
+                      <a:r>
+                        <a:rPr lang="en-US" sz="1200" dirty="0">
+                          <a:latin typeface="Myriad Pro" pitchFamily="34" charset="0"/>
+                          <a:cs typeface="Arial" panose="020B0604020202020204" pitchFamily="34" charset="0"/>
+                        </a:rPr>
+                        <a:t> </a:t>
+                      </a:r>
+                      <a:r>
+                        <a:rPr lang="en-US" sz="1200" dirty="0" err="1">
+                          <a:latin typeface="Myriad Pro" pitchFamily="34" charset="0"/>
+                          <a:cs typeface="Arial" panose="020B0604020202020204" pitchFamily="34" charset="0"/>
+                        </a:rPr>
+                        <a:t>vấn</a:t>
+                      </a:r>
+                      <a:r>
+                        <a:rPr lang="en-US" sz="1200" dirty="0">
+                          <a:latin typeface="Myriad Pro" pitchFamily="34" charset="0"/>
+                          <a:cs typeface="Arial" panose="020B0604020202020204" pitchFamily="34" charset="0"/>
+                        </a:rPr>
+                        <a:t> </a:t>
+                      </a:r>
+                      <a:r>
+                        <a:rPr lang="en-US" sz="1200" dirty="0" err="1">
+                          <a:latin typeface="Myriad Pro" pitchFamily="34" charset="0"/>
+                          <a:cs typeface="Arial" panose="020B0604020202020204" pitchFamily="34" charset="0"/>
+                        </a:rPr>
+                        <a:t>đề</a:t>
+                      </a:r>
+                      <a:r>
+                        <a:rPr lang="en-US" sz="1200" dirty="0">
+                          <a:latin typeface="Myriad Pro" pitchFamily="34" charset="0"/>
+                          <a:cs typeface="Arial" panose="020B0604020202020204" pitchFamily="34" charset="0"/>
+                        </a:rPr>
+                        <a:t> connect </a:t>
+                      </a:r>
+                      <a:r>
+                        <a:rPr lang="en-US" sz="1200" dirty="0" err="1">
+                          <a:latin typeface="Myriad Pro" pitchFamily="34" charset="0"/>
+                          <a:cs typeface="Arial" panose="020B0604020202020204" pitchFamily="34" charset="0"/>
+                        </a:rPr>
+                        <a:t>với</a:t>
+                      </a:r>
+                      <a:r>
+                        <a:rPr lang="en-US" sz="1200" dirty="0">
+                          <a:latin typeface="Myriad Pro" pitchFamily="34" charset="0"/>
+                          <a:cs typeface="Arial" panose="020B0604020202020204" pitchFamily="34" charset="0"/>
+                        </a:rPr>
+                        <a:t> database … </a:t>
+                      </a:r>
                     </a:p>
                   </a:txBody>
                   <a:tcPr marL="99855" marR="99855" marT="49927" marB="49927"/>
@@ -5324,9 +7097,1616 @@
 </p:sld>
 </file>
 
-<file path=ppt/slides/slide12.xml><?xml version="1.0" encoding="utf-8"?>
+<file path=ppt/slides/slide16.xml><?xml version="1.0" encoding="utf-8"?>
 <p:sld xmlns:a="http://schemas.openxmlformats.org/drawingml/2006/main" xmlns:r="http://schemas.openxmlformats.org/officeDocument/2006/relationships" xmlns:p="http://schemas.openxmlformats.org/presentationml/2006/main">
   <p:cSld>
+    <p:bg>
+      <p:bgPr>
+        <a:solidFill>
+          <a:schemeClr val="bg1"/>
+        </a:solidFill>
+        <a:effectLst/>
+      </p:bgPr>
+    </p:bg>
+    <p:spTree>
+      <p:nvGrpSpPr>
+        <p:cNvPr id="1" name=""/>
+        <p:cNvGrpSpPr/>
+        <p:nvPr/>
+      </p:nvGrpSpPr>
+      <p:grpSpPr>
+        <a:xfrm>
+          <a:off x="0" y="0"/>
+          <a:ext cx="0" cy="0"/>
+          <a:chOff x="0" y="0"/>
+          <a:chExt cx="0" cy="0"/>
+        </a:xfrm>
+      </p:grpSpPr>
+      <p:sp>
+        <p:nvSpPr>
+          <p:cNvPr id="7" name="Rectangle 6">
+            <a:extLst>
+              <a:ext uri="{FF2B5EF4-FFF2-40B4-BE49-F238E27FC236}">
+                <a16:creationId xmlns:a16="http://schemas.microsoft.com/office/drawing/2014/main" id="{91677DE1-3AA4-4DEF-9B91-986D6C130737}"/>
+              </a:ext>
+              <a:ext uri="{C183D7F6-B498-43B3-948B-1728B52AA6E4}">
+                <adec:decorative xmlns:adec="http://schemas.microsoft.com/office/drawing/2017/decorative" val="1"/>
+              </a:ext>
+            </a:extLst>
+          </p:cNvPr>
+          <p:cNvSpPr>
+            <a:spLocks noGrp="1" noRot="1" noChangeAspect="1" noMove="1" noResize="1" noEditPoints="1" noAdjustHandles="1" noChangeArrowheads="1" noChangeShapeType="1" noTextEdit="1"/>
+          </p:cNvSpPr>
+          <p:nvPr>
+            <p:extLst>
+              <p:ext uri="{386F3935-93C4-4BCD-93E2-E3B085C9AB24}">
+                <p16:designElem xmlns:p16="http://schemas.microsoft.com/office/powerpoint/2015/main" val="1"/>
+              </p:ext>
+            </p:extLst>
+          </p:nvPr>
+        </p:nvSpPr>
+        <p:spPr>
+          <a:xfrm>
+            <a:off x="2286" y="0"/>
+            <a:ext cx="9141714" cy="5143500"/>
+          </a:xfrm>
+          <a:prstGeom prst="rect">
+            <a:avLst/>
+          </a:prstGeom>
+          <a:solidFill>
+            <a:schemeClr val="tx2"/>
+          </a:solidFill>
+          <a:ln>
+            <a:noFill/>
+          </a:ln>
+        </p:spPr>
+        <p:style>
+          <a:lnRef idx="2">
+            <a:schemeClr val="accent1">
+              <a:shade val="50000"/>
+            </a:schemeClr>
+          </a:lnRef>
+          <a:fillRef idx="1">
+            <a:schemeClr val="accent1"/>
+          </a:fillRef>
+          <a:effectRef idx="0">
+            <a:schemeClr val="accent1"/>
+          </a:effectRef>
+          <a:fontRef idx="minor">
+            <a:schemeClr val="lt1"/>
+          </a:fontRef>
+        </p:style>
+        <p:txBody>
+          <a:bodyPr rtlCol="0" anchor="ctr"/>
+          <a:lstStyle/>
+          <a:p>
+            <a:pPr algn="ctr"/>
+            <a:endParaRPr lang="en-US"/>
+          </a:p>
+        </p:txBody>
+      </p:sp>
+      <p:sp>
+        <p:nvSpPr>
+          <p:cNvPr id="9" name="Rectangle 8">
+            <a:extLst>
+              <a:ext uri="{FF2B5EF4-FFF2-40B4-BE49-F238E27FC236}">
+                <a16:creationId xmlns:a16="http://schemas.microsoft.com/office/drawing/2014/main" id="{C5C27E76-C885-46A9-B0EE-5D89E9301615}"/>
+              </a:ext>
+              <a:ext uri="{C183D7F6-B498-43B3-948B-1728B52AA6E4}">
+                <adec:decorative xmlns:adec="http://schemas.microsoft.com/office/drawing/2017/decorative" val="1"/>
+              </a:ext>
+            </a:extLst>
+          </p:cNvPr>
+          <p:cNvSpPr>
+            <a:spLocks noGrp="1" noRot="1" noChangeAspect="1" noMove="1" noResize="1" noEditPoints="1" noAdjustHandles="1" noChangeArrowheads="1" noChangeShapeType="1" noTextEdit="1"/>
+          </p:cNvSpPr>
+          <p:nvPr>
+            <p:extLst>
+              <p:ext uri="{386F3935-93C4-4BCD-93E2-E3B085C9AB24}">
+                <p16:designElem xmlns:p16="http://schemas.microsoft.com/office/powerpoint/2015/main" val="1"/>
+              </p:ext>
+            </p:extLst>
+          </p:nvPr>
+        </p:nvSpPr>
+        <p:spPr>
+          <a:xfrm>
+            <a:off x="0" y="0"/>
+            <a:ext cx="9141714" cy="5143500"/>
+          </a:xfrm>
+          <a:prstGeom prst="rect">
+            <a:avLst/>
+          </a:prstGeom>
+          <a:solidFill>
+            <a:schemeClr val="tx1">
+              <a:alpha val="53000"/>
+            </a:schemeClr>
+          </a:solidFill>
+          <a:ln>
+            <a:noFill/>
+          </a:ln>
+        </p:spPr>
+        <p:style>
+          <a:lnRef idx="2">
+            <a:schemeClr val="accent1">
+              <a:shade val="50000"/>
+            </a:schemeClr>
+          </a:lnRef>
+          <a:fillRef idx="1">
+            <a:schemeClr val="accent1"/>
+          </a:fillRef>
+          <a:effectRef idx="0">
+            <a:schemeClr val="accent1"/>
+          </a:effectRef>
+          <a:fontRef idx="minor">
+            <a:schemeClr val="lt1"/>
+          </a:fontRef>
+        </p:style>
+        <p:txBody>
+          <a:bodyPr rtlCol="0" anchor="ctr"/>
+          <a:lstStyle/>
+          <a:p>
+            <a:pPr algn="ctr"/>
+            <a:endParaRPr lang="en-US"/>
+          </a:p>
+        </p:txBody>
+      </p:sp>
+      <p:grpSp>
+        <p:nvGrpSpPr>
+          <p:cNvPr id="11" name="Group 10">
+            <a:extLst>
+              <a:ext uri="{FF2B5EF4-FFF2-40B4-BE49-F238E27FC236}">
+                <a16:creationId xmlns:a16="http://schemas.microsoft.com/office/drawing/2014/main" id="{58ED93F6-E5ED-425C-B76D-1E0CFC63E9C6}"/>
+              </a:ext>
+              <a:ext uri="{C183D7F6-B498-43B3-948B-1728B52AA6E4}">
+                <adec:decorative xmlns:adec="http://schemas.microsoft.com/office/drawing/2017/decorative" val="1"/>
+              </a:ext>
+            </a:extLst>
+          </p:cNvPr>
+          <p:cNvGrpSpPr>
+            <a:grpSpLocks noGrp="1" noUngrp="1" noRot="1" noChangeAspect="1" noMove="1" noResize="1"/>
+          </p:cNvGrpSpPr>
+          <p:nvPr>
+            <p:extLst>
+              <p:ext uri="{386F3935-93C4-4BCD-93E2-E3B085C9AB24}">
+                <p16:designElem xmlns:p16="http://schemas.microsoft.com/office/powerpoint/2015/main" val="1"/>
+              </p:ext>
+            </p:extLst>
+          </p:nvPr>
+        </p:nvGrpSpPr>
+        <p:grpSpPr>
+          <a:xfrm>
+            <a:off x="0" y="1556565"/>
+            <a:ext cx="9036544" cy="3069979"/>
+            <a:chOff x="1" y="2075420"/>
+            <a:chExt cx="12048729" cy="4093306"/>
+          </a:xfrm>
+        </p:grpSpPr>
+        <p:sp>
+          <p:nvSpPr>
+            <p:cNvPr id="12" name="Oval 11">
+              <a:extLst>
+                <a:ext uri="{FF2B5EF4-FFF2-40B4-BE49-F238E27FC236}">
+                  <a16:creationId xmlns:a16="http://schemas.microsoft.com/office/drawing/2014/main" id="{623005E1-064D-41AC-97A9-EC6D02120BF0}"/>
+                </a:ext>
+                <a:ext uri="{C183D7F6-B498-43B3-948B-1728B52AA6E4}">
+                  <adec:decorative xmlns:adec="http://schemas.microsoft.com/office/drawing/2017/decorative" val="1"/>
+                </a:ext>
+              </a:extLst>
+            </p:cNvPr>
+            <p:cNvSpPr/>
+            <p:nvPr>
+              <p:extLst>
+                <p:ext uri="{386F3935-93C4-4BCD-93E2-E3B085C9AB24}">
+                  <p16:designElem xmlns:p16="http://schemas.microsoft.com/office/powerpoint/2015/main" val="1"/>
+                </p:ext>
+              </p:extLst>
+            </p:nvPr>
+          </p:nvSpPr>
+          <p:spPr>
+            <a:xfrm rot="4500000">
+              <a:off x="7942191" y="2507571"/>
+              <a:ext cx="3563871" cy="3563871"/>
+            </a:xfrm>
+            <a:prstGeom prst="ellipse">
+              <a:avLst/>
+            </a:prstGeom>
+            <a:noFill/>
+            <a:ln w="31750">
+              <a:gradFill>
+                <a:gsLst>
+                  <a:gs pos="0">
+                    <a:schemeClr val="tx2">
+                      <a:lumMod val="60000"/>
+                      <a:lumOff val="40000"/>
+                      <a:alpha val="10000"/>
+                    </a:schemeClr>
+                  </a:gs>
+                  <a:gs pos="100000">
+                    <a:schemeClr val="tx2">
+                      <a:lumMod val="50000"/>
+                      <a:alpha val="20000"/>
+                    </a:schemeClr>
+                  </a:gs>
+                </a:gsLst>
+                <a:lin ang="5400000" scaled="1"/>
+              </a:gradFill>
+              <a:prstDash val="sysDot"/>
+            </a:ln>
+          </p:spPr>
+          <p:style>
+            <a:lnRef idx="2">
+              <a:schemeClr val="accent1">
+                <a:shade val="50000"/>
+              </a:schemeClr>
+            </a:lnRef>
+            <a:fillRef idx="1">
+              <a:schemeClr val="accent1"/>
+            </a:fillRef>
+            <a:effectRef idx="0">
+              <a:schemeClr val="accent1"/>
+            </a:effectRef>
+            <a:fontRef idx="minor">
+              <a:schemeClr val="lt1"/>
+            </a:fontRef>
+          </p:style>
+          <p:txBody>
+            <a:bodyPr rtlCol="0" anchor="ctr"/>
+            <a:lstStyle/>
+            <a:p>
+              <a:pPr algn="ctr"/>
+              <a:endParaRPr lang="en-US"/>
+            </a:p>
+          </p:txBody>
+        </p:sp>
+        <p:sp>
+          <p:nvSpPr>
+            <p:cNvPr id="13" name="Oval 12">
+              <a:extLst>
+                <a:ext uri="{FF2B5EF4-FFF2-40B4-BE49-F238E27FC236}">
+                  <a16:creationId xmlns:a16="http://schemas.microsoft.com/office/drawing/2014/main" id="{8DD457E8-ED3B-498D-8786-AC15A7054B58}"/>
+                </a:ext>
+                <a:ext uri="{C183D7F6-B498-43B3-948B-1728B52AA6E4}">
+                  <adec:decorative xmlns:adec="http://schemas.microsoft.com/office/drawing/2017/decorative" val="1"/>
+                </a:ext>
+              </a:extLst>
+            </p:cNvPr>
+            <p:cNvSpPr/>
+            <p:nvPr>
+              <p:extLst>
+                <p:ext uri="{386F3935-93C4-4BCD-93E2-E3B085C9AB24}">
+                  <p16:designElem xmlns:p16="http://schemas.microsoft.com/office/powerpoint/2015/main" val="1"/>
+                </p:ext>
+              </p:extLst>
+            </p:nvPr>
+          </p:nvSpPr>
+          <p:spPr>
+            <a:xfrm rot="16200000">
+              <a:off x="10435065" y="4048931"/>
+              <a:ext cx="1381607" cy="1381607"/>
+            </a:xfrm>
+            <a:prstGeom prst="ellipse">
+              <a:avLst/>
+            </a:prstGeom>
+            <a:noFill/>
+            <a:ln w="31750">
+              <a:gradFill>
+                <a:gsLst>
+                  <a:gs pos="0">
+                    <a:schemeClr val="tx2">
+                      <a:lumMod val="60000"/>
+                      <a:lumOff val="40000"/>
+                      <a:alpha val="20000"/>
+                    </a:schemeClr>
+                  </a:gs>
+                  <a:gs pos="100000">
+                    <a:schemeClr val="tx2">
+                      <a:lumMod val="50000"/>
+                      <a:alpha val="20000"/>
+                    </a:schemeClr>
+                  </a:gs>
+                </a:gsLst>
+                <a:lin ang="5400000" scaled="1"/>
+              </a:gradFill>
+              <a:prstDash val="sysDot"/>
+            </a:ln>
+          </p:spPr>
+          <p:style>
+            <a:lnRef idx="2">
+              <a:schemeClr val="accent1">
+                <a:shade val="50000"/>
+              </a:schemeClr>
+            </a:lnRef>
+            <a:fillRef idx="1">
+              <a:schemeClr val="accent1"/>
+            </a:fillRef>
+            <a:effectRef idx="0">
+              <a:schemeClr val="accent1"/>
+            </a:effectRef>
+            <a:fontRef idx="minor">
+              <a:schemeClr val="lt1"/>
+            </a:fontRef>
+          </p:style>
+          <p:txBody>
+            <a:bodyPr rtlCol="0" anchor="ctr"/>
+            <a:lstStyle/>
+            <a:p>
+              <a:pPr algn="ctr"/>
+              <a:endParaRPr lang="en-US"/>
+            </a:p>
+          </p:txBody>
+        </p:sp>
+        <p:sp>
+          <p:nvSpPr>
+            <p:cNvPr id="14" name="Oval 13">
+              <a:extLst>
+                <a:ext uri="{FF2B5EF4-FFF2-40B4-BE49-F238E27FC236}">
+                  <a16:creationId xmlns:a16="http://schemas.microsoft.com/office/drawing/2014/main" id="{6B159505-1A20-4017-B7B3-AC2F37D241AB}"/>
+                </a:ext>
+                <a:ext uri="{C183D7F6-B498-43B3-948B-1728B52AA6E4}">
+                  <adec:decorative xmlns:adec="http://schemas.microsoft.com/office/drawing/2017/decorative" val="1"/>
+                </a:ext>
+              </a:extLst>
+            </p:cNvPr>
+            <p:cNvSpPr/>
+            <p:nvPr>
+              <p:extLst>
+                <p:ext uri="{386F3935-93C4-4BCD-93E2-E3B085C9AB24}">
+                  <p16:designElem xmlns:p16="http://schemas.microsoft.com/office/powerpoint/2015/main" val="1"/>
+                </p:ext>
+              </p:extLst>
+            </p:nvPr>
+          </p:nvSpPr>
+          <p:spPr>
+            <a:xfrm rot="16200000">
+              <a:off x="1" y="2075420"/>
+              <a:ext cx="3144364" cy="3144364"/>
+            </a:xfrm>
+            <a:prstGeom prst="ellipse">
+              <a:avLst/>
+            </a:prstGeom>
+            <a:gradFill>
+              <a:gsLst>
+                <a:gs pos="0">
+                  <a:schemeClr val="tx2">
+                    <a:lumMod val="75000"/>
+                    <a:alpha val="20000"/>
+                  </a:schemeClr>
+                </a:gs>
+                <a:gs pos="100000">
+                  <a:schemeClr val="tx2">
+                    <a:lumMod val="50000"/>
+                    <a:alpha val="10000"/>
+                  </a:schemeClr>
+                </a:gs>
+              </a:gsLst>
+              <a:lin ang="5400000" scaled="1"/>
+            </a:gradFill>
+            <a:ln>
+              <a:noFill/>
+            </a:ln>
+          </p:spPr>
+          <p:style>
+            <a:lnRef idx="2">
+              <a:schemeClr val="accent1">
+                <a:shade val="50000"/>
+              </a:schemeClr>
+            </a:lnRef>
+            <a:fillRef idx="1">
+              <a:schemeClr val="accent1"/>
+            </a:fillRef>
+            <a:effectRef idx="0">
+              <a:schemeClr val="accent1"/>
+            </a:effectRef>
+            <a:fontRef idx="minor">
+              <a:schemeClr val="lt1"/>
+            </a:fontRef>
+          </p:style>
+          <p:txBody>
+            <a:bodyPr rtlCol="0" anchor="ctr"/>
+            <a:lstStyle/>
+            <a:p>
+              <a:pPr algn="ctr"/>
+              <a:endParaRPr lang="en-US"/>
+            </a:p>
+          </p:txBody>
+        </p:sp>
+        <p:sp>
+          <p:nvSpPr>
+            <p:cNvPr id="20" name="Oval 14">
+              <a:extLst>
+                <a:ext uri="{FF2B5EF4-FFF2-40B4-BE49-F238E27FC236}">
+                  <a16:creationId xmlns:a16="http://schemas.microsoft.com/office/drawing/2014/main" id="{3FD5B35B-3A5B-4161-8834-3D7A9BBE5304}"/>
+                </a:ext>
+                <a:ext uri="{C183D7F6-B498-43B3-948B-1728B52AA6E4}">
+                  <adec:decorative xmlns:adec="http://schemas.microsoft.com/office/drawing/2017/decorative" val="1"/>
+                </a:ext>
+              </a:extLst>
+            </p:cNvPr>
+            <p:cNvSpPr/>
+            <p:nvPr>
+              <p:extLst>
+                <p:ext uri="{386F3935-93C4-4BCD-93E2-E3B085C9AB24}">
+                  <p16:designElem xmlns:p16="http://schemas.microsoft.com/office/powerpoint/2015/main" val="1"/>
+                </p:ext>
+              </p:extLst>
+            </p:nvPr>
+          </p:nvSpPr>
+          <p:spPr>
+            <a:xfrm rot="12600000">
+              <a:off x="10150845" y="4270841"/>
+              <a:ext cx="1897885" cy="1897885"/>
+            </a:xfrm>
+            <a:prstGeom prst="ellipse">
+              <a:avLst/>
+            </a:prstGeom>
+            <a:gradFill>
+              <a:gsLst>
+                <a:gs pos="0">
+                  <a:schemeClr val="tx2">
+                    <a:lumMod val="75000"/>
+                    <a:alpha val="10000"/>
+                  </a:schemeClr>
+                </a:gs>
+                <a:gs pos="100000">
+                  <a:schemeClr val="tx2">
+                    <a:lumMod val="75000"/>
+                    <a:alpha val="20000"/>
+                  </a:schemeClr>
+                </a:gs>
+              </a:gsLst>
+              <a:lin ang="5400000" scaled="1"/>
+            </a:gradFill>
+            <a:ln>
+              <a:noFill/>
+            </a:ln>
+          </p:spPr>
+          <p:style>
+            <a:lnRef idx="2">
+              <a:schemeClr val="accent1">
+                <a:shade val="50000"/>
+              </a:schemeClr>
+            </a:lnRef>
+            <a:fillRef idx="1">
+              <a:schemeClr val="accent1"/>
+            </a:fillRef>
+            <a:effectRef idx="0">
+              <a:schemeClr val="accent1"/>
+            </a:effectRef>
+            <a:fontRef idx="minor">
+              <a:schemeClr val="lt1"/>
+            </a:fontRef>
+          </p:style>
+          <p:txBody>
+            <a:bodyPr rtlCol="0" anchor="ctr"/>
+            <a:lstStyle/>
+            <a:p>
+              <a:pPr algn="ctr"/>
+              <a:endParaRPr lang="en-US" dirty="0"/>
+            </a:p>
+          </p:txBody>
+        </p:sp>
+        <p:sp>
+          <p:nvSpPr>
+            <p:cNvPr id="26" name="Oval 15">
+              <a:extLst>
+                <a:ext uri="{FF2B5EF4-FFF2-40B4-BE49-F238E27FC236}">
+                  <a16:creationId xmlns:a16="http://schemas.microsoft.com/office/drawing/2014/main" id="{536940A9-0DCC-4E1F-9334-52B07D32F00C}"/>
+                </a:ext>
+                <a:ext uri="{C183D7F6-B498-43B3-948B-1728B52AA6E4}">
+                  <adec:decorative xmlns:adec="http://schemas.microsoft.com/office/drawing/2017/decorative" val="1"/>
+                </a:ext>
+              </a:extLst>
+            </p:cNvPr>
+            <p:cNvSpPr/>
+            <p:nvPr>
+              <p:extLst>
+                <p:ext uri="{386F3935-93C4-4BCD-93E2-E3B085C9AB24}">
+                  <p16:designElem xmlns:p16="http://schemas.microsoft.com/office/powerpoint/2015/main" val="1"/>
+                </p:ext>
+              </p:extLst>
+            </p:nvPr>
+          </p:nvSpPr>
+          <p:spPr>
+            <a:xfrm rot="4500000">
+              <a:off x="2046780" y="3040492"/>
+              <a:ext cx="2579322" cy="2579322"/>
+            </a:xfrm>
+            <a:prstGeom prst="ellipse">
+              <a:avLst/>
+            </a:prstGeom>
+            <a:noFill/>
+            <a:ln w="31750">
+              <a:gradFill>
+                <a:gsLst>
+                  <a:gs pos="0">
+                    <a:schemeClr val="tx2">
+                      <a:lumMod val="60000"/>
+                      <a:lumOff val="40000"/>
+                      <a:alpha val="20000"/>
+                    </a:schemeClr>
+                  </a:gs>
+                  <a:gs pos="100000">
+                    <a:schemeClr val="tx2">
+                      <a:lumMod val="50000"/>
+                      <a:alpha val="20000"/>
+                    </a:schemeClr>
+                  </a:gs>
+                </a:gsLst>
+                <a:lin ang="5400000" scaled="1"/>
+              </a:gradFill>
+              <a:prstDash val="sysDot"/>
+            </a:ln>
+          </p:spPr>
+          <p:style>
+            <a:lnRef idx="2">
+              <a:schemeClr val="accent1">
+                <a:shade val="50000"/>
+              </a:schemeClr>
+            </a:lnRef>
+            <a:fillRef idx="1">
+              <a:schemeClr val="accent1"/>
+            </a:fillRef>
+            <a:effectRef idx="0">
+              <a:schemeClr val="accent1"/>
+            </a:effectRef>
+            <a:fontRef idx="minor">
+              <a:schemeClr val="lt1"/>
+            </a:fontRef>
+          </p:style>
+          <p:txBody>
+            <a:bodyPr rtlCol="0" anchor="ctr"/>
+            <a:lstStyle/>
+            <a:p>
+              <a:pPr algn="ctr"/>
+              <a:endParaRPr lang="en-US"/>
+            </a:p>
+          </p:txBody>
+        </p:sp>
+        <p:sp>
+          <p:nvSpPr>
+            <p:cNvPr id="28" name="Oval 16">
+              <a:extLst>
+                <a:ext uri="{FF2B5EF4-FFF2-40B4-BE49-F238E27FC236}">
+                  <a16:creationId xmlns:a16="http://schemas.microsoft.com/office/drawing/2014/main" id="{B8071DEB-F646-48FE-A186-063D30214E00}"/>
+                </a:ext>
+                <a:ext uri="{C183D7F6-B498-43B3-948B-1728B52AA6E4}">
+                  <adec:decorative xmlns:adec="http://schemas.microsoft.com/office/drawing/2017/decorative" val="1"/>
+                </a:ext>
+              </a:extLst>
+            </p:cNvPr>
+            <p:cNvSpPr/>
+            <p:nvPr>
+              <p:extLst>
+                <p:ext uri="{386F3935-93C4-4BCD-93E2-E3B085C9AB24}">
+                  <p16:designElem xmlns:p16="http://schemas.microsoft.com/office/powerpoint/2015/main" val="1"/>
+                </p:ext>
+              </p:extLst>
+            </p:nvPr>
+          </p:nvSpPr>
+          <p:spPr>
+            <a:xfrm rot="4500000">
+              <a:off x="2224640" y="3193975"/>
+              <a:ext cx="2243193" cy="2243193"/>
+            </a:xfrm>
+            <a:prstGeom prst="ellipse">
+              <a:avLst/>
+            </a:prstGeom>
+            <a:noFill/>
+            <a:ln w="31750">
+              <a:gradFill>
+                <a:gsLst>
+                  <a:gs pos="0">
+                    <a:schemeClr val="tx2">
+                      <a:lumMod val="60000"/>
+                      <a:lumOff val="40000"/>
+                      <a:alpha val="10000"/>
+                    </a:schemeClr>
+                  </a:gs>
+                  <a:gs pos="100000">
+                    <a:schemeClr val="tx2">
+                      <a:lumMod val="50000"/>
+                      <a:alpha val="10000"/>
+                    </a:schemeClr>
+                  </a:gs>
+                </a:gsLst>
+                <a:lin ang="5400000" scaled="1"/>
+              </a:gradFill>
+            </a:ln>
+          </p:spPr>
+          <p:style>
+            <a:lnRef idx="2">
+              <a:schemeClr val="accent1">
+                <a:shade val="50000"/>
+              </a:schemeClr>
+            </a:lnRef>
+            <a:fillRef idx="1">
+              <a:schemeClr val="accent1"/>
+            </a:fillRef>
+            <a:effectRef idx="0">
+              <a:schemeClr val="accent1"/>
+            </a:effectRef>
+            <a:fontRef idx="minor">
+              <a:schemeClr val="lt1"/>
+            </a:fontRef>
+          </p:style>
+          <p:txBody>
+            <a:bodyPr rtlCol="0" anchor="ctr"/>
+            <a:lstStyle/>
+            <a:p>
+              <a:pPr algn="ctr"/>
+              <a:endParaRPr lang="en-US"/>
+            </a:p>
+          </p:txBody>
+        </p:sp>
+      </p:grpSp>
+      <p:sp>
+        <p:nvSpPr>
+          <p:cNvPr id="19" name="Rectangle 18">
+            <a:extLst>
+              <a:ext uri="{FF2B5EF4-FFF2-40B4-BE49-F238E27FC236}">
+                <a16:creationId xmlns:a16="http://schemas.microsoft.com/office/drawing/2014/main" id="{AD2DAA8B-CC80-4D45-AD74-C755DBC16BB1}"/>
+              </a:ext>
+              <a:ext uri="{C183D7F6-B498-43B3-948B-1728B52AA6E4}">
+                <adec:decorative xmlns:adec="http://schemas.microsoft.com/office/drawing/2017/decorative" val="1"/>
+              </a:ext>
+            </a:extLst>
+          </p:cNvPr>
+          <p:cNvSpPr>
+            <a:spLocks noGrp="1" noRot="1" noChangeAspect="1" noMove="1" noResize="1" noEditPoints="1" noAdjustHandles="1" noChangeArrowheads="1" noChangeShapeType="1" noTextEdit="1"/>
+          </p:cNvSpPr>
+          <p:nvPr>
+            <p:extLst>
+              <p:ext uri="{386F3935-93C4-4BCD-93E2-E3B085C9AB24}">
+                <p16:designElem xmlns:p16="http://schemas.microsoft.com/office/powerpoint/2015/main" val="1"/>
+              </p:ext>
+            </p:extLst>
+          </p:nvPr>
+        </p:nvSpPr>
+        <p:spPr>
+          <a:xfrm rot="16200000">
+            <a:off x="7828610" y="781954"/>
+            <a:ext cx="2097346" cy="533439"/>
+          </a:xfrm>
+          <a:prstGeom prst="rect">
+            <a:avLst/>
+          </a:prstGeom>
+          <a:gradFill flip="none" rotWithShape="1">
+            <a:gsLst>
+              <a:gs pos="0">
+                <a:schemeClr val="tx2">
+                  <a:lumMod val="40000"/>
+                  <a:lumOff val="60000"/>
+                  <a:alpha val="0"/>
+                </a:schemeClr>
+              </a:gs>
+              <a:gs pos="100000">
+                <a:schemeClr val="tx2">
+                  <a:lumMod val="75000"/>
+                  <a:alpha val="10000"/>
+                </a:schemeClr>
+              </a:gs>
+            </a:gsLst>
+            <a:lin ang="8400000" scaled="0"/>
+            <a:tileRect/>
+          </a:gradFill>
+          <a:ln>
+            <a:noFill/>
+          </a:ln>
+        </p:spPr>
+        <p:style>
+          <a:lnRef idx="2">
+            <a:schemeClr val="accent1">
+              <a:shade val="50000"/>
+            </a:schemeClr>
+          </a:lnRef>
+          <a:fillRef idx="1">
+            <a:schemeClr val="accent1"/>
+          </a:fillRef>
+          <a:effectRef idx="0">
+            <a:schemeClr val="accent1"/>
+          </a:effectRef>
+          <a:fontRef idx="minor">
+            <a:schemeClr val="lt1"/>
+          </a:fontRef>
+        </p:style>
+        <p:txBody>
+          <a:bodyPr rtlCol="0" anchor="ctr"/>
+          <a:lstStyle/>
+          <a:p>
+            <a:pPr algn="ctr"/>
+            <a:endParaRPr lang="en-US"/>
+          </a:p>
+        </p:txBody>
+      </p:sp>
+      <p:grpSp>
+        <p:nvGrpSpPr>
+          <p:cNvPr id="21" name="Group 20">
+            <a:extLst>
+              <a:ext uri="{FF2B5EF4-FFF2-40B4-BE49-F238E27FC236}">
+                <a16:creationId xmlns:a16="http://schemas.microsoft.com/office/drawing/2014/main" id="{0CE77FF8-0A1D-4DDC-AB7D-2656DFC3C37C}"/>
+              </a:ext>
+              <a:ext uri="{C183D7F6-B498-43B3-948B-1728B52AA6E4}">
+                <adec:decorative xmlns:adec="http://schemas.microsoft.com/office/drawing/2017/decorative" val="1"/>
+              </a:ext>
+            </a:extLst>
+          </p:cNvPr>
+          <p:cNvGrpSpPr>
+            <a:grpSpLocks noGrp="1" noUngrp="1" noRot="1" noChangeAspect="1" noMove="1" noResize="1"/>
+          </p:cNvGrpSpPr>
+          <p:nvPr>
+            <p:extLst>
+              <p:ext uri="{386F3935-93C4-4BCD-93E2-E3B085C9AB24}">
+                <p16:designElem xmlns:p16="http://schemas.microsoft.com/office/powerpoint/2015/main" val="1"/>
+              </p:ext>
+            </p:extLst>
+          </p:nvPr>
+        </p:nvGrpSpPr>
+        <p:grpSpPr>
+          <a:xfrm>
+            <a:off x="8444654" y="1116866"/>
+            <a:ext cx="411480" cy="549007"/>
+            <a:chOff x="7029447" y="3514725"/>
+            <a:chExt cx="1285875" cy="549007"/>
+          </a:xfrm>
+        </p:grpSpPr>
+        <p:cxnSp>
+          <p:nvCxnSpPr>
+            <p:cNvPr id="22" name="Straight Connector 21">
+              <a:extLst>
+                <a:ext uri="{FF2B5EF4-FFF2-40B4-BE49-F238E27FC236}">
+                  <a16:creationId xmlns:a16="http://schemas.microsoft.com/office/drawing/2014/main" id="{56F2AB6A-155C-416C-A7B0-EB9D7545D317}"/>
+                </a:ext>
+                <a:ext uri="{C183D7F6-B498-43B3-948B-1728B52AA6E4}">
+                  <adec:decorative xmlns:adec="http://schemas.microsoft.com/office/drawing/2017/decorative" val="1"/>
+                </a:ext>
+              </a:extLst>
+            </p:cNvPr>
+            <p:cNvCxnSpPr>
+              <a:cxnSpLocks/>
+            </p:cNvCxnSpPr>
+            <p:nvPr>
+              <p:extLst>
+                <p:ext uri="{386F3935-93C4-4BCD-93E2-E3B085C9AB24}">
+                  <p16:designElem xmlns:p16="http://schemas.microsoft.com/office/powerpoint/2015/main" val="1"/>
+                </p:ext>
+              </p:extLst>
+            </p:nvPr>
+          </p:nvCxnSpPr>
+          <p:spPr>
+            <a:xfrm>
+              <a:off x="7029447" y="3514725"/>
+              <a:ext cx="1285875" cy="0"/>
+            </a:xfrm>
+            <a:prstGeom prst="line">
+              <a:avLst/>
+            </a:prstGeom>
+            <a:ln w="31750" cap="rnd" cmpd="sng">
+              <a:gradFill>
+                <a:gsLst>
+                  <a:gs pos="0">
+                    <a:schemeClr val="tx2">
+                      <a:lumMod val="60000"/>
+                      <a:lumOff val="40000"/>
+                      <a:alpha val="40000"/>
+                    </a:schemeClr>
+                  </a:gs>
+                  <a:gs pos="100000">
+                    <a:schemeClr val="tx2">
+                      <a:lumMod val="75000"/>
+                      <a:alpha val="40000"/>
+                    </a:schemeClr>
+                  </a:gs>
+                </a:gsLst>
+                <a:lin ang="5400000" scaled="1"/>
+              </a:gradFill>
+              <a:prstDash val="sysDot"/>
+              <a:round/>
+            </a:ln>
+          </p:spPr>
+          <p:style>
+            <a:lnRef idx="1">
+              <a:schemeClr val="accent1"/>
+            </a:lnRef>
+            <a:fillRef idx="0">
+              <a:schemeClr val="accent1"/>
+            </a:fillRef>
+            <a:effectRef idx="0">
+              <a:schemeClr val="accent1"/>
+            </a:effectRef>
+            <a:fontRef idx="minor">
+              <a:schemeClr val="tx1"/>
+            </a:fontRef>
+          </p:style>
+        </p:cxnSp>
+        <p:cxnSp>
+          <p:nvCxnSpPr>
+            <p:cNvPr id="23" name="Straight Connector 22">
+              <a:extLst>
+                <a:ext uri="{FF2B5EF4-FFF2-40B4-BE49-F238E27FC236}">
+                  <a16:creationId xmlns:a16="http://schemas.microsoft.com/office/drawing/2014/main" id="{C8D4EA03-356E-4E81-83FF-331C2841EC64}"/>
+                </a:ext>
+                <a:ext uri="{C183D7F6-B498-43B3-948B-1728B52AA6E4}">
+                  <adec:decorative xmlns:adec="http://schemas.microsoft.com/office/drawing/2017/decorative" val="1"/>
+                </a:ext>
+              </a:extLst>
+            </p:cNvPr>
+            <p:cNvCxnSpPr>
+              <a:cxnSpLocks/>
+            </p:cNvCxnSpPr>
+            <p:nvPr>
+              <p:extLst>
+                <p:ext uri="{386F3935-93C4-4BCD-93E2-E3B085C9AB24}">
+                  <p16:designElem xmlns:p16="http://schemas.microsoft.com/office/powerpoint/2015/main" val="1"/>
+                </p:ext>
+              </p:extLst>
+            </p:nvPr>
+          </p:nvCxnSpPr>
+          <p:spPr>
+            <a:xfrm>
+              <a:off x="7029447" y="3697727"/>
+              <a:ext cx="1285875" cy="0"/>
+            </a:xfrm>
+            <a:prstGeom prst="line">
+              <a:avLst/>
+            </a:prstGeom>
+            <a:ln w="31750" cap="rnd" cmpd="sng">
+              <a:gradFill>
+                <a:gsLst>
+                  <a:gs pos="0">
+                    <a:schemeClr val="tx2">
+                      <a:lumMod val="60000"/>
+                      <a:lumOff val="40000"/>
+                      <a:alpha val="40000"/>
+                    </a:schemeClr>
+                  </a:gs>
+                  <a:gs pos="100000">
+                    <a:schemeClr val="tx2">
+                      <a:lumMod val="75000"/>
+                      <a:alpha val="40000"/>
+                    </a:schemeClr>
+                  </a:gs>
+                </a:gsLst>
+                <a:lin ang="5400000" scaled="1"/>
+              </a:gradFill>
+              <a:prstDash val="sysDot"/>
+              <a:round/>
+            </a:ln>
+          </p:spPr>
+          <p:style>
+            <a:lnRef idx="1">
+              <a:schemeClr val="accent1"/>
+            </a:lnRef>
+            <a:fillRef idx="0">
+              <a:schemeClr val="accent1"/>
+            </a:fillRef>
+            <a:effectRef idx="0">
+              <a:schemeClr val="accent1"/>
+            </a:effectRef>
+            <a:fontRef idx="minor">
+              <a:schemeClr val="tx1"/>
+            </a:fontRef>
+          </p:style>
+        </p:cxnSp>
+        <p:cxnSp>
+          <p:nvCxnSpPr>
+            <p:cNvPr id="24" name="Straight Connector 23">
+              <a:extLst>
+                <a:ext uri="{FF2B5EF4-FFF2-40B4-BE49-F238E27FC236}">
+                  <a16:creationId xmlns:a16="http://schemas.microsoft.com/office/drawing/2014/main" id="{2A98E8CA-FEB5-41C8-A811-921B3BA9A2AB}"/>
+                </a:ext>
+                <a:ext uri="{C183D7F6-B498-43B3-948B-1728B52AA6E4}">
+                  <adec:decorative xmlns:adec="http://schemas.microsoft.com/office/drawing/2017/decorative" val="1"/>
+                </a:ext>
+              </a:extLst>
+            </p:cNvPr>
+            <p:cNvCxnSpPr>
+              <a:cxnSpLocks/>
+            </p:cNvCxnSpPr>
+            <p:nvPr>
+              <p:extLst>
+                <p:ext uri="{386F3935-93C4-4BCD-93E2-E3B085C9AB24}">
+                  <p16:designElem xmlns:p16="http://schemas.microsoft.com/office/powerpoint/2015/main" val="1"/>
+                </p:ext>
+              </p:extLst>
+            </p:nvPr>
+          </p:nvCxnSpPr>
+          <p:spPr>
+            <a:xfrm>
+              <a:off x="7029447" y="3880729"/>
+              <a:ext cx="1285875" cy="0"/>
+            </a:xfrm>
+            <a:prstGeom prst="line">
+              <a:avLst/>
+            </a:prstGeom>
+            <a:ln w="31750" cap="rnd" cmpd="sng">
+              <a:gradFill>
+                <a:gsLst>
+                  <a:gs pos="0">
+                    <a:schemeClr val="tx2">
+                      <a:lumMod val="60000"/>
+                      <a:lumOff val="40000"/>
+                      <a:alpha val="40000"/>
+                    </a:schemeClr>
+                  </a:gs>
+                  <a:gs pos="100000">
+                    <a:schemeClr val="tx2">
+                      <a:lumMod val="75000"/>
+                      <a:alpha val="40000"/>
+                    </a:schemeClr>
+                  </a:gs>
+                </a:gsLst>
+                <a:lin ang="5400000" scaled="1"/>
+              </a:gradFill>
+              <a:prstDash val="sysDot"/>
+              <a:round/>
+            </a:ln>
+          </p:spPr>
+          <p:style>
+            <a:lnRef idx="1">
+              <a:schemeClr val="accent1"/>
+            </a:lnRef>
+            <a:fillRef idx="0">
+              <a:schemeClr val="accent1"/>
+            </a:fillRef>
+            <a:effectRef idx="0">
+              <a:schemeClr val="accent1"/>
+            </a:effectRef>
+            <a:fontRef idx="minor">
+              <a:schemeClr val="tx1"/>
+            </a:fontRef>
+          </p:style>
+        </p:cxnSp>
+        <p:cxnSp>
+          <p:nvCxnSpPr>
+            <p:cNvPr id="25" name="Straight Connector 24">
+              <a:extLst>
+                <a:ext uri="{FF2B5EF4-FFF2-40B4-BE49-F238E27FC236}">
+                  <a16:creationId xmlns:a16="http://schemas.microsoft.com/office/drawing/2014/main" id="{76B39F3F-4FC4-487F-AF67-08D6603EAB4E}"/>
+                </a:ext>
+                <a:ext uri="{C183D7F6-B498-43B3-948B-1728B52AA6E4}">
+                  <adec:decorative xmlns:adec="http://schemas.microsoft.com/office/drawing/2017/decorative" val="1"/>
+                </a:ext>
+              </a:extLst>
+            </p:cNvPr>
+            <p:cNvCxnSpPr>
+              <a:cxnSpLocks/>
+            </p:cNvCxnSpPr>
+            <p:nvPr>
+              <p:extLst>
+                <p:ext uri="{386F3935-93C4-4BCD-93E2-E3B085C9AB24}">
+                  <p16:designElem xmlns:p16="http://schemas.microsoft.com/office/powerpoint/2015/main" val="1"/>
+                </p:ext>
+              </p:extLst>
+            </p:nvPr>
+          </p:nvCxnSpPr>
+          <p:spPr>
+            <a:xfrm>
+              <a:off x="7029447" y="4063732"/>
+              <a:ext cx="1285875" cy="0"/>
+            </a:xfrm>
+            <a:prstGeom prst="line">
+              <a:avLst/>
+            </a:prstGeom>
+            <a:ln w="31750" cap="rnd" cmpd="sng">
+              <a:gradFill>
+                <a:gsLst>
+                  <a:gs pos="0">
+                    <a:schemeClr val="tx2">
+                      <a:lumMod val="60000"/>
+                      <a:lumOff val="40000"/>
+                      <a:alpha val="40000"/>
+                    </a:schemeClr>
+                  </a:gs>
+                  <a:gs pos="100000">
+                    <a:schemeClr val="tx2">
+                      <a:lumMod val="75000"/>
+                      <a:alpha val="40000"/>
+                    </a:schemeClr>
+                  </a:gs>
+                </a:gsLst>
+                <a:lin ang="5400000" scaled="1"/>
+              </a:gradFill>
+              <a:prstDash val="sysDot"/>
+              <a:round/>
+            </a:ln>
+          </p:spPr>
+          <p:style>
+            <a:lnRef idx="1">
+              <a:schemeClr val="accent1"/>
+            </a:lnRef>
+            <a:fillRef idx="0">
+              <a:schemeClr val="accent1"/>
+            </a:fillRef>
+            <a:effectRef idx="0">
+              <a:schemeClr val="accent1"/>
+            </a:effectRef>
+            <a:fontRef idx="minor">
+              <a:schemeClr val="tx1"/>
+            </a:fontRef>
+          </p:style>
+        </p:cxnSp>
+      </p:grpSp>
+      <p:sp>
+        <p:nvSpPr>
+          <p:cNvPr id="2" name="Title 1"/>
+          <p:cNvSpPr>
+            <a:spLocks noGrp="1"/>
+          </p:cNvSpPr>
+          <p:nvPr>
+            <p:ph type="ctrTitle"/>
+          </p:nvPr>
+        </p:nvSpPr>
+        <p:spPr>
+          <a:xfrm>
+            <a:off x="3817279" y="1875860"/>
+            <a:ext cx="5076487" cy="2114549"/>
+          </a:xfrm>
+          <a:noFill/>
+        </p:spPr>
+        <p:txBody>
+          <a:bodyPr anchor="b">
+            <a:normAutofit fontScale="90000"/>
+          </a:bodyPr>
+          <a:lstStyle/>
+          <a:p>
+            <a:pPr algn="l"/>
+            <a:r>
+              <a:rPr lang="en-US" sz="3600" spc="300" dirty="0">
+                <a:solidFill>
+                  <a:schemeClr val="bg1"/>
+                </a:solidFill>
+              </a:rPr>
+              <a:t>KẾT THÚC BUỔI</a:t>
+            </a:r>
+            <a:br>
+              <a:rPr lang="en-US" sz="3600" spc="300" dirty="0">
+                <a:solidFill>
+                  <a:schemeClr val="bg1"/>
+                </a:solidFill>
+              </a:rPr>
+            </a:br>
+            <a:r>
+              <a:rPr lang="en-US" sz="3600" spc="300" dirty="0">
+                <a:solidFill>
+                  <a:schemeClr val="bg1"/>
+                </a:solidFill>
+              </a:rPr>
+              <a:t>BÁO CÁO HÔM NAY!</a:t>
+            </a:r>
+            <a:br>
+              <a:rPr lang="en-US" sz="3600" spc="300" dirty="0">
+                <a:solidFill>
+                  <a:schemeClr val="bg1"/>
+                </a:solidFill>
+              </a:rPr>
+            </a:br>
+            <a:r>
+              <a:rPr lang="en-US" sz="3600" spc="300" dirty="0">
+                <a:solidFill>
+                  <a:schemeClr val="bg1"/>
+                </a:solidFill>
+              </a:rPr>
+              <a:t>CẢM </a:t>
+            </a:r>
+            <a:r>
+              <a:rPr lang="vi-VN" sz="3600" spc="300" dirty="0">
+                <a:solidFill>
+                  <a:schemeClr val="bg1"/>
+                </a:solidFill>
+              </a:rPr>
+              <a:t>Ơ</a:t>
+            </a:r>
+            <a:r>
+              <a:rPr lang="en-US" sz="3600" spc="300" dirty="0">
+                <a:solidFill>
+                  <a:schemeClr val="bg1"/>
+                </a:solidFill>
+              </a:rPr>
+              <a:t>N </a:t>
+            </a:r>
+            <a:r>
+              <a:rPr lang="en-US" sz="3600" spc="300" dirty="0">
+                <a:solidFill>
+                  <a:schemeClr val="accent1"/>
+                </a:solidFill>
+              </a:rPr>
+              <a:t>THẦY</a:t>
+            </a:r>
+            <a:r>
+              <a:rPr lang="en-US" sz="3600" spc="300" dirty="0">
+                <a:solidFill>
+                  <a:schemeClr val="bg1"/>
+                </a:solidFill>
+              </a:rPr>
+              <a:t> CÙNG CÁC BẠN ĐÃ XEM!</a:t>
+            </a:r>
+          </a:p>
+        </p:txBody>
+      </p:sp>
+      <p:sp>
+        <p:nvSpPr>
+          <p:cNvPr id="27" name="Rectangle 26">
+            <a:extLst>
+              <a:ext uri="{FF2B5EF4-FFF2-40B4-BE49-F238E27FC236}">
+                <a16:creationId xmlns:a16="http://schemas.microsoft.com/office/drawing/2014/main" id="{B6F54490-0AEE-42D1-ADBC-9285945DD2D2}"/>
+              </a:ext>
+              <a:ext uri="{C183D7F6-B498-43B3-948B-1728B52AA6E4}">
+                <adec:decorative xmlns:adec="http://schemas.microsoft.com/office/drawing/2017/decorative" val="1"/>
+              </a:ext>
+            </a:extLst>
+          </p:cNvPr>
+          <p:cNvSpPr>
+            <a:spLocks noGrp="1" noRot="1" noChangeAspect="1" noMove="1" noResize="1" noEditPoints="1" noAdjustHandles="1" noChangeArrowheads="1" noChangeShapeType="1" noTextEdit="1"/>
+          </p:cNvSpPr>
+          <p:nvPr>
+            <p:extLst>
+              <p:ext uri="{386F3935-93C4-4BCD-93E2-E3B085C9AB24}">
+                <p16:designElem xmlns:p16="http://schemas.microsoft.com/office/powerpoint/2015/main" val="1"/>
+              </p:ext>
+            </p:extLst>
+          </p:nvPr>
+        </p:nvSpPr>
+        <p:spPr>
+          <a:xfrm rot="10800000">
+            <a:off x="0" y="4605588"/>
+            <a:ext cx="4571997" cy="533439"/>
+          </a:xfrm>
+          <a:prstGeom prst="rect">
+            <a:avLst/>
+          </a:prstGeom>
+          <a:gradFill flip="none" rotWithShape="1">
+            <a:gsLst>
+              <a:gs pos="10000">
+                <a:schemeClr val="tx2">
+                  <a:lumMod val="50000"/>
+                  <a:alpha val="10000"/>
+                </a:schemeClr>
+              </a:gs>
+              <a:gs pos="100000">
+                <a:schemeClr val="tx2">
+                  <a:lumMod val="60000"/>
+                  <a:lumOff val="40000"/>
+                  <a:alpha val="0"/>
+                </a:schemeClr>
+              </a:gs>
+            </a:gsLst>
+            <a:lin ang="8400000" scaled="0"/>
+            <a:tileRect/>
+          </a:gradFill>
+          <a:ln>
+            <a:noFill/>
+          </a:ln>
+        </p:spPr>
+        <p:style>
+          <a:lnRef idx="2">
+            <a:schemeClr val="accent1">
+              <a:shade val="50000"/>
+            </a:schemeClr>
+          </a:lnRef>
+          <a:fillRef idx="1">
+            <a:schemeClr val="accent1"/>
+          </a:fillRef>
+          <a:effectRef idx="0">
+            <a:schemeClr val="accent1"/>
+          </a:effectRef>
+          <a:fontRef idx="minor">
+            <a:schemeClr val="lt1"/>
+          </a:fontRef>
+        </p:style>
+        <p:txBody>
+          <a:bodyPr rtlCol="0" anchor="ctr"/>
+          <a:lstStyle/>
+          <a:p>
+            <a:pPr algn="ctr"/>
+            <a:endParaRPr lang="en-US"/>
+          </a:p>
+        </p:txBody>
+      </p:sp>
+      <p:grpSp>
+        <p:nvGrpSpPr>
+          <p:cNvPr id="29" name="Group 28">
+            <a:extLst>
+              <a:ext uri="{FF2B5EF4-FFF2-40B4-BE49-F238E27FC236}">
+                <a16:creationId xmlns:a16="http://schemas.microsoft.com/office/drawing/2014/main" id="{16262FB0-BE3C-47F4-B19B-2A6F3F401B84}"/>
+              </a:ext>
+              <a:ext uri="{C183D7F6-B498-43B3-948B-1728B52AA6E4}">
+                <adec:decorative xmlns:adec="http://schemas.microsoft.com/office/drawing/2017/decorative" val="1"/>
+              </a:ext>
+            </a:extLst>
+          </p:cNvPr>
+          <p:cNvGrpSpPr>
+            <a:grpSpLocks noGrp="1" noUngrp="1" noRot="1" noChangeAspect="1" noMove="1" noResize="1"/>
+          </p:cNvGrpSpPr>
+          <p:nvPr>
+            <p:extLst>
+              <p:ext uri="{386F3935-93C4-4BCD-93E2-E3B085C9AB24}">
+                <p16:designElem xmlns:p16="http://schemas.microsoft.com/office/powerpoint/2015/main" val="1"/>
+              </p:ext>
+            </p:extLst>
+          </p:nvPr>
+        </p:nvGrpSpPr>
+        <p:grpSpPr>
+          <a:xfrm rot="5400000">
+            <a:off x="-485051" y="4386794"/>
+            <a:ext cx="964406" cy="549007"/>
+            <a:chOff x="7029447" y="3514725"/>
+            <a:chExt cx="1285875" cy="549007"/>
+          </a:xfrm>
+        </p:grpSpPr>
+        <p:cxnSp>
+          <p:nvCxnSpPr>
+            <p:cNvPr id="30" name="Straight Connector 29">
+              <a:extLst>
+                <a:ext uri="{FF2B5EF4-FFF2-40B4-BE49-F238E27FC236}">
+                  <a16:creationId xmlns:a16="http://schemas.microsoft.com/office/drawing/2014/main" id="{2BB584BC-D991-490D-BC4A-C7CEE2ECC0C1}"/>
+                </a:ext>
+                <a:ext uri="{C183D7F6-B498-43B3-948B-1728B52AA6E4}">
+                  <adec:decorative xmlns:adec="http://schemas.microsoft.com/office/drawing/2017/decorative" val="1"/>
+                </a:ext>
+              </a:extLst>
+            </p:cNvPr>
+            <p:cNvCxnSpPr>
+              <a:cxnSpLocks/>
+            </p:cNvCxnSpPr>
+            <p:nvPr>
+              <p:extLst>
+                <p:ext uri="{386F3935-93C4-4BCD-93E2-E3B085C9AB24}">
+                  <p16:designElem xmlns:p16="http://schemas.microsoft.com/office/powerpoint/2015/main" val="1"/>
+                </p:ext>
+              </p:extLst>
+            </p:nvPr>
+          </p:nvCxnSpPr>
+          <p:spPr>
+            <a:xfrm>
+              <a:off x="7029447" y="3514725"/>
+              <a:ext cx="1285875" cy="0"/>
+            </a:xfrm>
+            <a:prstGeom prst="line">
+              <a:avLst/>
+            </a:prstGeom>
+            <a:ln w="31750" cap="rnd" cmpd="sng">
+              <a:gradFill>
+                <a:gsLst>
+                  <a:gs pos="0">
+                    <a:schemeClr val="tx2">
+                      <a:lumMod val="60000"/>
+                      <a:lumOff val="40000"/>
+                      <a:alpha val="40000"/>
+                    </a:schemeClr>
+                  </a:gs>
+                  <a:gs pos="100000">
+                    <a:schemeClr val="tx2">
+                      <a:lumMod val="50000"/>
+                      <a:alpha val="40000"/>
+                    </a:schemeClr>
+                  </a:gs>
+                </a:gsLst>
+                <a:lin ang="5400000" scaled="1"/>
+              </a:gradFill>
+              <a:prstDash val="sysDot"/>
+              <a:round/>
+            </a:ln>
+          </p:spPr>
+          <p:style>
+            <a:lnRef idx="1">
+              <a:schemeClr val="accent1"/>
+            </a:lnRef>
+            <a:fillRef idx="0">
+              <a:schemeClr val="accent1"/>
+            </a:fillRef>
+            <a:effectRef idx="0">
+              <a:schemeClr val="accent1"/>
+            </a:effectRef>
+            <a:fontRef idx="minor">
+              <a:schemeClr val="tx1"/>
+            </a:fontRef>
+          </p:style>
+        </p:cxnSp>
+        <p:cxnSp>
+          <p:nvCxnSpPr>
+            <p:cNvPr id="31" name="Straight Connector 30">
+              <a:extLst>
+                <a:ext uri="{FF2B5EF4-FFF2-40B4-BE49-F238E27FC236}">
+                  <a16:creationId xmlns:a16="http://schemas.microsoft.com/office/drawing/2014/main" id="{5F09230B-08D6-42F7-9503-AFE259555491}"/>
+                </a:ext>
+                <a:ext uri="{C183D7F6-B498-43B3-948B-1728B52AA6E4}">
+                  <adec:decorative xmlns:adec="http://schemas.microsoft.com/office/drawing/2017/decorative" val="1"/>
+                </a:ext>
+              </a:extLst>
+            </p:cNvPr>
+            <p:cNvCxnSpPr>
+              <a:cxnSpLocks/>
+            </p:cNvCxnSpPr>
+            <p:nvPr>
+              <p:extLst>
+                <p:ext uri="{386F3935-93C4-4BCD-93E2-E3B085C9AB24}">
+                  <p16:designElem xmlns:p16="http://schemas.microsoft.com/office/powerpoint/2015/main" val="1"/>
+                </p:ext>
+              </p:extLst>
+            </p:nvPr>
+          </p:nvCxnSpPr>
+          <p:spPr>
+            <a:xfrm>
+              <a:off x="7029447" y="3697727"/>
+              <a:ext cx="1285875" cy="0"/>
+            </a:xfrm>
+            <a:prstGeom prst="line">
+              <a:avLst/>
+            </a:prstGeom>
+            <a:ln w="31750" cap="rnd" cmpd="sng">
+              <a:gradFill>
+                <a:gsLst>
+                  <a:gs pos="0">
+                    <a:schemeClr val="tx2">
+                      <a:lumMod val="60000"/>
+                      <a:lumOff val="40000"/>
+                      <a:alpha val="40000"/>
+                    </a:schemeClr>
+                  </a:gs>
+                  <a:gs pos="100000">
+                    <a:schemeClr val="tx2">
+                      <a:lumMod val="50000"/>
+                      <a:alpha val="40000"/>
+                    </a:schemeClr>
+                  </a:gs>
+                </a:gsLst>
+                <a:lin ang="5400000" scaled="1"/>
+              </a:gradFill>
+              <a:prstDash val="sysDot"/>
+              <a:round/>
+            </a:ln>
+          </p:spPr>
+          <p:style>
+            <a:lnRef idx="1">
+              <a:schemeClr val="accent1"/>
+            </a:lnRef>
+            <a:fillRef idx="0">
+              <a:schemeClr val="accent1"/>
+            </a:fillRef>
+            <a:effectRef idx="0">
+              <a:schemeClr val="accent1"/>
+            </a:effectRef>
+            <a:fontRef idx="minor">
+              <a:schemeClr val="tx1"/>
+            </a:fontRef>
+          </p:style>
+        </p:cxnSp>
+        <p:cxnSp>
+          <p:nvCxnSpPr>
+            <p:cNvPr id="32" name="Straight Connector 31">
+              <a:extLst>
+                <a:ext uri="{FF2B5EF4-FFF2-40B4-BE49-F238E27FC236}">
+                  <a16:creationId xmlns:a16="http://schemas.microsoft.com/office/drawing/2014/main" id="{59BA5DAA-8A62-46B3-962D-E8BC3DF80D85}"/>
+                </a:ext>
+                <a:ext uri="{C183D7F6-B498-43B3-948B-1728B52AA6E4}">
+                  <adec:decorative xmlns:adec="http://schemas.microsoft.com/office/drawing/2017/decorative" val="1"/>
+                </a:ext>
+              </a:extLst>
+            </p:cNvPr>
+            <p:cNvCxnSpPr>
+              <a:cxnSpLocks/>
+            </p:cNvCxnSpPr>
+            <p:nvPr>
+              <p:extLst>
+                <p:ext uri="{386F3935-93C4-4BCD-93E2-E3B085C9AB24}">
+                  <p16:designElem xmlns:p16="http://schemas.microsoft.com/office/powerpoint/2015/main" val="1"/>
+                </p:ext>
+              </p:extLst>
+            </p:nvPr>
+          </p:nvCxnSpPr>
+          <p:spPr>
+            <a:xfrm>
+              <a:off x="7029447" y="3880729"/>
+              <a:ext cx="1285875" cy="0"/>
+            </a:xfrm>
+            <a:prstGeom prst="line">
+              <a:avLst/>
+            </a:prstGeom>
+            <a:ln w="31750" cap="rnd" cmpd="sng">
+              <a:gradFill>
+                <a:gsLst>
+                  <a:gs pos="0">
+                    <a:schemeClr val="tx2">
+                      <a:lumMod val="60000"/>
+                      <a:lumOff val="40000"/>
+                      <a:alpha val="40000"/>
+                    </a:schemeClr>
+                  </a:gs>
+                  <a:gs pos="100000">
+                    <a:schemeClr val="tx2">
+                      <a:lumMod val="50000"/>
+                      <a:alpha val="40000"/>
+                    </a:schemeClr>
+                  </a:gs>
+                </a:gsLst>
+                <a:lin ang="5400000" scaled="1"/>
+              </a:gradFill>
+              <a:prstDash val="sysDot"/>
+              <a:round/>
+            </a:ln>
+          </p:spPr>
+          <p:style>
+            <a:lnRef idx="1">
+              <a:schemeClr val="accent1"/>
+            </a:lnRef>
+            <a:fillRef idx="0">
+              <a:schemeClr val="accent1"/>
+            </a:fillRef>
+            <a:effectRef idx="0">
+              <a:schemeClr val="accent1"/>
+            </a:effectRef>
+            <a:fontRef idx="minor">
+              <a:schemeClr val="tx1"/>
+            </a:fontRef>
+          </p:style>
+        </p:cxnSp>
+        <p:cxnSp>
+          <p:nvCxnSpPr>
+            <p:cNvPr id="33" name="Straight Connector 32">
+              <a:extLst>
+                <a:ext uri="{FF2B5EF4-FFF2-40B4-BE49-F238E27FC236}">
+                  <a16:creationId xmlns:a16="http://schemas.microsoft.com/office/drawing/2014/main" id="{4E803A94-07B1-4673-A313-63F97F6BDCF7}"/>
+                </a:ext>
+                <a:ext uri="{C183D7F6-B498-43B3-948B-1728B52AA6E4}">
+                  <adec:decorative xmlns:adec="http://schemas.microsoft.com/office/drawing/2017/decorative" val="1"/>
+                </a:ext>
+              </a:extLst>
+            </p:cNvPr>
+            <p:cNvCxnSpPr>
+              <a:cxnSpLocks/>
+            </p:cNvCxnSpPr>
+            <p:nvPr>
+              <p:extLst>
+                <p:ext uri="{386F3935-93C4-4BCD-93E2-E3B085C9AB24}">
+                  <p16:designElem xmlns:p16="http://schemas.microsoft.com/office/powerpoint/2015/main" val="1"/>
+                </p:ext>
+              </p:extLst>
+            </p:nvPr>
+          </p:nvCxnSpPr>
+          <p:spPr>
+            <a:xfrm>
+              <a:off x="7029447" y="4063732"/>
+              <a:ext cx="1285875" cy="0"/>
+            </a:xfrm>
+            <a:prstGeom prst="line">
+              <a:avLst/>
+            </a:prstGeom>
+            <a:ln w="31750" cap="rnd" cmpd="sng">
+              <a:gradFill>
+                <a:gsLst>
+                  <a:gs pos="0">
+                    <a:schemeClr val="tx2">
+                      <a:lumMod val="60000"/>
+                      <a:lumOff val="40000"/>
+                      <a:alpha val="40000"/>
+                    </a:schemeClr>
+                  </a:gs>
+                  <a:gs pos="100000">
+                    <a:schemeClr val="tx2">
+                      <a:lumMod val="50000"/>
+                      <a:alpha val="40000"/>
+                    </a:schemeClr>
+                  </a:gs>
+                </a:gsLst>
+                <a:lin ang="5400000" scaled="1"/>
+              </a:gradFill>
+              <a:prstDash val="sysDot"/>
+              <a:round/>
+            </a:ln>
+          </p:spPr>
+          <p:style>
+            <a:lnRef idx="1">
+              <a:schemeClr val="accent1"/>
+            </a:lnRef>
+            <a:fillRef idx="0">
+              <a:schemeClr val="accent1"/>
+            </a:fillRef>
+            <a:effectRef idx="0">
+              <a:schemeClr val="accent1"/>
+            </a:effectRef>
+            <a:fontRef idx="minor">
+              <a:schemeClr val="tx1"/>
+            </a:fontRef>
+          </p:style>
+        </p:cxnSp>
+      </p:grpSp>
+      <p:pic>
+        <p:nvPicPr>
+          <p:cNvPr id="35" name="Hình ảnh 34" descr="Ảnh có chứa đồng hồ, ký hiệu&#10;&#10;Mô tả được tạo tự động">
+            <a:extLst>
+              <a:ext uri="{FF2B5EF4-FFF2-40B4-BE49-F238E27FC236}">
+                <a16:creationId xmlns:a16="http://schemas.microsoft.com/office/drawing/2014/main" id="{D2ED04FE-0B90-4170-B425-60E8F20C411F}"/>
+              </a:ext>
+            </a:extLst>
+          </p:cNvPr>
+          <p:cNvPicPr>
+            <a:picLocks noChangeAspect="1"/>
+          </p:cNvPicPr>
+          <p:nvPr/>
+        </p:nvPicPr>
+        <p:blipFill>
+          <a:blip r:embed="rId2" cstate="print">
+            <a:extLst>
+              <a:ext uri="{28A0092B-C50C-407E-A947-70E740481C1C}">
+                <a14:useLocalDpi xmlns:a14="http://schemas.microsoft.com/office/drawing/2010/main" val="0"/>
+              </a:ext>
+            </a:extLst>
+          </a:blip>
+          <a:stretch>
+            <a:fillRect/>
+          </a:stretch>
+        </p:blipFill>
+        <p:spPr>
+          <a:xfrm>
+            <a:off x="962111" y="872630"/>
+            <a:ext cx="2060505" cy="2060505"/>
+          </a:xfrm>
+          <a:prstGeom prst="roundRect">
+            <a:avLst>
+              <a:gd name="adj" fmla="val 16667"/>
+            </a:avLst>
+          </a:prstGeom>
+          <a:ln w="3175">
+            <a:solidFill>
+              <a:schemeClr val="tx2">
+                <a:lumMod val="60000"/>
+                <a:lumOff val="40000"/>
+              </a:schemeClr>
+            </a:solidFill>
+          </a:ln>
+          <a:effectLst>
+            <a:outerShdw blurRad="152400" dist="12000" dir="900000" sy="98000" kx="110000" ky="200000" algn="tl" rotWithShape="0">
+              <a:srgbClr val="000000">
+                <a:alpha val="30000"/>
+              </a:srgbClr>
+            </a:outerShdw>
+          </a:effectLst>
+          <a:scene3d>
+            <a:camera prst="perspectiveRelaxed">
+              <a:rot lat="19800000" lon="1200000" rev="20820000"/>
+            </a:camera>
+            <a:lightRig rig="threePt" dir="t"/>
+          </a:scene3d>
+          <a:sp3d contourW="6350" prstMaterial="matte">
+            <a:bevelT w="101600" h="101600"/>
+            <a:contourClr>
+              <a:srgbClr val="969696"/>
+            </a:contourClr>
+          </a:sp3d>
+        </p:spPr>
+      </p:pic>
+    </p:spTree>
+    <p:extLst>
+      <p:ext uri="{BB962C8B-B14F-4D97-AF65-F5344CB8AC3E}">
+        <p14:creationId xmlns:p14="http://schemas.microsoft.com/office/powerpoint/2010/main" val="3381122174"/>
+      </p:ext>
+    </p:extLst>
+  </p:cSld>
+  <p:clrMapOvr>
+    <a:masterClrMapping/>
+  </p:clrMapOvr>
+  <p:transition spd="slow">
+    <p:push dir="u"/>
+  </p:transition>
+</p:sld>
+</file>
+
+<file path=ppt/slides/slide2.xml><?xml version="1.0" encoding="utf-8"?>
+<p:sld xmlns:a="http://schemas.openxmlformats.org/drawingml/2006/main" xmlns:r="http://schemas.openxmlformats.org/officeDocument/2006/relationships" xmlns:p="http://schemas.openxmlformats.org/presentationml/2006/main">
+  <p:cSld>
+    <p:bg>
+      <p:bgPr>
+        <a:pattFill prst="pct5">
+          <a:fgClr>
+            <a:schemeClr val="accent1"/>
+          </a:fgClr>
+          <a:bgClr>
+            <a:schemeClr val="bg1"/>
+          </a:bgClr>
+        </a:pattFill>
+        <a:effectLst/>
+      </p:bgPr>
+    </p:bg>
     <p:spTree>
       <p:nvGrpSpPr>
         <p:cNvPr id="1" name=""/>
@@ -5358,17 +8738,40 @@
           </a:xfrm>
         </p:spPr>
         <p:txBody>
-          <a:bodyPr/>
+          <a:bodyPr>
+            <a:normAutofit fontScale="90000"/>
+          </a:bodyPr>
           <a:lstStyle/>
           <a:p>
             <a:pPr algn="ctr"/>
             <a:r>
-              <a:rPr lang="vi-VN" spc="300" dirty="0"/>
-              <a:t> </a:t>
-            </a:r>
-            <a:r>
-              <a:rPr lang="en-US" spc="300" dirty="0"/>
-              <a:t>KHÓ KHĂN</a:t>
+              <a:rPr lang="en-US" spc="300" dirty="0">
+                <a:solidFill>
+                  <a:schemeClr val="accent1">
+                    <a:lumMod val="75000"/>
+                  </a:schemeClr>
+                </a:solidFill>
+              </a:rPr>
+              <a:t>BÁO CÁO </a:t>
+            </a:r>
+            <a:br>
+              <a:rPr lang="en-US" spc="300" dirty="0">
+                <a:solidFill>
+                  <a:schemeClr val="accent1">
+                    <a:lumMod val="75000"/>
+                  </a:schemeClr>
+                </a:solidFill>
+              </a:rPr>
+            </a:br>
+            <a:r>
+              <a:rPr lang="en-US" spc="300" dirty="0">
+                <a:solidFill>
+                  <a:schemeClr val="accent1">
+                    <a:lumMod val="75000"/>
+                  </a:schemeClr>
+                </a:solidFill>
+              </a:rPr>
+              <a:t>04-05-2019</a:t>
             </a:r>
           </a:p>
         </p:txBody>
@@ -5376,7 +8779,7 @@
     </p:spTree>
     <p:extLst>
       <p:ext uri="{BB962C8B-B14F-4D97-AF65-F5344CB8AC3E}">
-        <p14:creationId xmlns:p14="http://schemas.microsoft.com/office/powerpoint/2010/main" val="303958223"/>
+        <p14:creationId xmlns:p14="http://schemas.microsoft.com/office/powerpoint/2010/main" val="1504903674"/>
       </p:ext>
     </p:extLst>
   </p:cSld>
@@ -5389,7 +8792,7 @@
 </p:sld>
 </file>
 
-<file path=ppt/slides/slide2.xml><?xml version="1.0" encoding="utf-8"?>
+<file path=ppt/slides/slide3.xml><?xml version="1.0" encoding="utf-8"?>
 <p:sld xmlns:a="http://schemas.openxmlformats.org/drawingml/2006/main" xmlns:r="http://schemas.openxmlformats.org/officeDocument/2006/relationships" xmlns:p="http://schemas.openxmlformats.org/presentationml/2006/main" showMasterPhAnim="0">
   <p:cSld>
     <p:spTree>
@@ -6729,7 +10132,7 @@
 </p:sld>
 </file>
 
-<file path=ppt/slides/slide3.xml><?xml version="1.0" encoding="utf-8"?>
+<file path=ppt/slides/slide4.xml><?xml version="1.0" encoding="utf-8"?>
 <p:sld xmlns:a="http://schemas.openxmlformats.org/drawingml/2006/main" xmlns:r="http://schemas.openxmlformats.org/officeDocument/2006/relationships" xmlns:p="http://schemas.openxmlformats.org/presentationml/2006/main">
   <p:cSld>
     <p:bg>
@@ -7361,7 +10764,7 @@
 </p:sld>
 </file>
 
-<file path=ppt/slides/slide4.xml><?xml version="1.0" encoding="utf-8"?>
+<file path=ppt/slides/slide5.xml><?xml version="1.0" encoding="utf-8"?>
 <p:sld xmlns:a="http://schemas.openxmlformats.org/drawingml/2006/main" xmlns:r="http://schemas.openxmlformats.org/officeDocument/2006/relationships" xmlns:p="http://schemas.openxmlformats.org/presentationml/2006/main">
   <p:cSld>
     <p:spTree>
@@ -7446,7 +10849,7 @@
 </p:sld>
 </file>
 
-<file path=ppt/slides/slide5.xml><?xml version="1.0" encoding="utf-8"?>
+<file path=ppt/slides/slide6.xml><?xml version="1.0" encoding="utf-8"?>
 <p:sld xmlns:a="http://schemas.openxmlformats.org/drawingml/2006/main" xmlns:r="http://schemas.openxmlformats.org/officeDocument/2006/relationships" xmlns:p="http://schemas.openxmlformats.org/presentationml/2006/main">
   <p:cSld>
     <p:spTree>
@@ -7509,275 +10912,6 @@
 </p:sld>
 </file>
 
-<file path=ppt/slides/slide6.xml><?xml version="1.0" encoding="utf-8"?>
-<p:sld xmlns:a="http://schemas.openxmlformats.org/drawingml/2006/main" xmlns:r="http://schemas.openxmlformats.org/officeDocument/2006/relationships" xmlns:p="http://schemas.openxmlformats.org/presentationml/2006/main">
-  <p:cSld>
-    <p:bg>
-      <p:bgPr>
-        <a:solidFill>
-          <a:schemeClr val="bg1"/>
-        </a:solidFill>
-        <a:effectLst/>
-      </p:bgPr>
-    </p:bg>
-    <p:spTree>
-      <p:nvGrpSpPr>
-        <p:cNvPr id="1" name=""/>
-        <p:cNvGrpSpPr/>
-        <p:nvPr/>
-      </p:nvGrpSpPr>
-      <p:grpSpPr>
-        <a:xfrm>
-          <a:off x="0" y="0"/>
-          <a:ext cx="0" cy="0"/>
-          <a:chOff x="0" y="0"/>
-          <a:chExt cx="0" cy="0"/>
-        </a:xfrm>
-      </p:grpSpPr>
-      <p:sp>
-        <p:nvSpPr>
-          <p:cNvPr id="28" name="Rectangle 27">
-            <a:extLst>
-              <a:ext uri="{FF2B5EF4-FFF2-40B4-BE49-F238E27FC236}">
-                <a16:creationId xmlns:a16="http://schemas.microsoft.com/office/drawing/2014/main" id="{ACBE1851-2230-47A9-B000-CE9046EA61B9}"/>
-              </a:ext>
-              <a:ext uri="{C183D7F6-B498-43B3-948B-1728B52AA6E4}">
-                <adec:decorative xmlns:adec="http://schemas.microsoft.com/office/drawing/2017/decorative" val="1"/>
-              </a:ext>
-            </a:extLst>
-          </p:cNvPr>
-          <p:cNvSpPr>
-            <a:spLocks noGrp="1" noRot="1" noChangeAspect="1" noMove="1" noResize="1" noEditPoints="1" noAdjustHandles="1" noChangeArrowheads="1" noChangeShapeType="1" noTextEdit="1"/>
-          </p:cNvSpPr>
-          <p:nvPr>
-            <p:extLst>
-              <p:ext uri="{386F3935-93C4-4BCD-93E2-E3B085C9AB24}">
-                <p16:designElem xmlns:p16="http://schemas.microsoft.com/office/powerpoint/2015/main" val="1"/>
-              </p:ext>
-            </p:extLst>
-          </p:nvPr>
-        </p:nvSpPr>
-        <p:spPr>
-          <a:xfrm>
-            <a:off x="0" y="0"/>
-            <a:ext cx="4101411" cy="5143500"/>
-          </a:xfrm>
-          <a:prstGeom prst="rect">
-            <a:avLst/>
-          </a:prstGeom>
-          <a:solidFill>
-            <a:srgbClr val="51403B"/>
-          </a:solidFill>
-          <a:ln>
-            <a:noFill/>
-          </a:ln>
-        </p:spPr>
-        <p:style>
-          <a:lnRef idx="2">
-            <a:schemeClr val="accent1">
-              <a:shade val="50000"/>
-            </a:schemeClr>
-          </a:lnRef>
-          <a:fillRef idx="1">
-            <a:schemeClr val="accent1"/>
-          </a:fillRef>
-          <a:effectRef idx="0">
-            <a:schemeClr val="accent1"/>
-          </a:effectRef>
-          <a:fontRef idx="minor">
-            <a:schemeClr val="lt1"/>
-          </a:fontRef>
-        </p:style>
-        <p:txBody>
-          <a:bodyPr rtlCol="0" anchor="ctr"/>
-          <a:lstStyle/>
-          <a:p>
-            <a:pPr algn="ctr"/>
-            <a:endParaRPr lang="en-US"/>
-          </a:p>
-        </p:txBody>
-      </p:sp>
-      <p:sp>
-        <p:nvSpPr>
-          <p:cNvPr id="10" name="Title 1">
-            <a:extLst>
-              <a:ext uri="{FF2B5EF4-FFF2-40B4-BE49-F238E27FC236}">
-                <a16:creationId xmlns:a16="http://schemas.microsoft.com/office/drawing/2014/main" id="{559EAE7F-4053-4F5D-9588-2E1EFAC64119}"/>
-              </a:ext>
-            </a:extLst>
-          </p:cNvPr>
-          <p:cNvSpPr txBox="1">
-            <a:spLocks/>
-          </p:cNvSpPr>
-          <p:nvPr/>
-        </p:nvSpPr>
-        <p:spPr bwMode="auto">
-          <a:xfrm>
-            <a:off x="475707" y="602778"/>
-            <a:ext cx="3156492" cy="2276143"/>
-          </a:xfrm>
-          <a:prstGeom prst="rect">
-            <a:avLst/>
-          </a:prstGeom>
-        </p:spPr>
-        <p:txBody>
-          <a:bodyPr vert="horz" lIns="91440" tIns="45720" rIns="91440" bIns="45720" rtlCol="0" anchor="b">
-            <a:normAutofit/>
-          </a:bodyPr>
-          <a:lstStyle>
-            <a:lvl1pPr marL="0" indent="0" algn="just" defTabSz="914400">
-              <a:lnSpc>
-                <a:spcPct val="150000"/>
-              </a:lnSpc>
-              <a:spcBef>
-                <a:spcPts val="0"/>
-              </a:spcBef>
-              <a:buFont typeface="Arial"/>
-              <a:buNone/>
-              <a:defRPr sz="1200">
-                <a:solidFill>
-                  <a:schemeClr val="accent4">
-                    <a:lumMod val="75000"/>
-                  </a:schemeClr>
-                </a:solidFill>
-                <a:latin typeface="Myriad Pro"/>
-                <a:ea typeface="+mj-ea"/>
-                <a:cs typeface="+mj-cs"/>
-              </a:defRPr>
-            </a:lvl1pPr>
-          </a:lstStyle>
-          <a:p>
-            <a:pPr algn="r" rtl="0">
-              <a:lnSpc>
-                <a:spcPct val="90000"/>
-              </a:lnSpc>
-              <a:spcBef>
-                <a:spcPct val="0"/>
-              </a:spcBef>
-              <a:spcAft>
-                <a:spcPts val="600"/>
-              </a:spcAft>
-            </a:pPr>
-            <a:r>
-              <a:rPr lang="en-US" sz="4100" kern="1200" spc="300" dirty="0">
-                <a:solidFill>
-                  <a:srgbClr val="FFFFFF"/>
-                </a:solidFill>
-                <a:latin typeface="+mj-lt"/>
-                <a:ea typeface="+mj-ea"/>
-                <a:cs typeface="+mj-cs"/>
-              </a:rPr>
-              <a:t>CHIA 3 GÓI PACKAGE</a:t>
-            </a:r>
-          </a:p>
-        </p:txBody>
-      </p:sp>
-      <p:cxnSp>
-        <p:nvCxnSpPr>
-          <p:cNvPr id="30" name="Straight Connector 29">
-            <a:extLst>
-              <a:ext uri="{FF2B5EF4-FFF2-40B4-BE49-F238E27FC236}">
-                <a16:creationId xmlns:a16="http://schemas.microsoft.com/office/drawing/2014/main" id="{23B93832-6514-44F4-849B-5EE2C8A2337D}"/>
-              </a:ext>
-              <a:ext uri="{C183D7F6-B498-43B3-948B-1728B52AA6E4}">
-                <adec:decorative xmlns:adec="http://schemas.microsoft.com/office/drawing/2017/decorative" val="1"/>
-              </a:ext>
-            </a:extLst>
-          </p:cNvPr>
-          <p:cNvCxnSpPr>
-            <a:cxnSpLocks noGrp="1" noRot="1" noChangeAspect="1" noMove="1" noResize="1" noEditPoints="1" noAdjustHandles="1" noChangeArrowheads="1" noChangeShapeType="1"/>
-          </p:cNvCxnSpPr>
-          <p:nvPr>
-            <p:extLst>
-              <p:ext uri="{386F3935-93C4-4BCD-93E2-E3B085C9AB24}">
-                <p16:designElem xmlns:p16="http://schemas.microsoft.com/office/powerpoint/2015/main" val="1"/>
-              </p:ext>
-            </p:extLst>
-          </p:nvPr>
-        </p:nvCxnSpPr>
-        <p:spPr>
-          <a:xfrm>
-            <a:off x="590009" y="2946704"/>
-            <a:ext cx="2948940" cy="0"/>
-          </a:xfrm>
-          <a:prstGeom prst="line">
-            <a:avLst/>
-          </a:prstGeom>
-          <a:ln w="19050">
-            <a:solidFill>
-              <a:srgbClr val="FFFFFF">
-                <a:alpha val="80000"/>
-              </a:srgbClr>
-            </a:solidFill>
-          </a:ln>
-        </p:spPr>
-        <p:style>
-          <a:lnRef idx="1">
-            <a:schemeClr val="accent1"/>
-          </a:lnRef>
-          <a:fillRef idx="0">
-            <a:schemeClr val="accent1"/>
-          </a:fillRef>
-          <a:effectRef idx="0">
-            <a:schemeClr val="accent1"/>
-          </a:effectRef>
-          <a:fontRef idx="minor">
-            <a:schemeClr val="tx1"/>
-          </a:fontRef>
-        </p:style>
-      </p:cxnSp>
-      <p:pic>
-        <p:nvPicPr>
-          <p:cNvPr id="3" name="Hình ảnh 2" descr="Ảnh có chứa ảnh chụp màn hình&#10;&#10;Mô tả được tạo tự động">
-            <a:extLst>
-              <a:ext uri="{FF2B5EF4-FFF2-40B4-BE49-F238E27FC236}">
-                <a16:creationId xmlns:a16="http://schemas.microsoft.com/office/drawing/2014/main" id="{527BC6A9-A7F1-4DF5-9563-1216E2E4A109}"/>
-              </a:ext>
-            </a:extLst>
-          </p:cNvPr>
-          <p:cNvPicPr>
-            <a:picLocks noChangeAspect="1"/>
-          </p:cNvPicPr>
-          <p:nvPr/>
-        </p:nvPicPr>
-        <p:blipFill>
-          <a:blip r:embed="rId2">
-            <a:extLst>
-              <a:ext uri="{28A0092B-C50C-407E-A947-70E740481C1C}">
-                <a14:useLocalDpi xmlns:a14="http://schemas.microsoft.com/office/drawing/2010/main" val="0"/>
-              </a:ext>
-            </a:extLst>
-          </a:blip>
-          <a:stretch>
-            <a:fillRect/>
-          </a:stretch>
-        </p:blipFill>
-        <p:spPr>
-          <a:xfrm>
-            <a:off x="4572000" y="514973"/>
-            <a:ext cx="4094602" cy="4114286"/>
-          </a:xfrm>
-          <a:prstGeom prst="rect">
-            <a:avLst/>
-          </a:prstGeom>
-        </p:spPr>
-      </p:pic>
-    </p:spTree>
-    <p:extLst>
-      <p:ext uri="{BB962C8B-B14F-4D97-AF65-F5344CB8AC3E}">
-        <p14:creationId xmlns:p14="http://schemas.microsoft.com/office/powerpoint/2010/main" val="3750634251"/>
-      </p:ext>
-    </p:extLst>
-  </p:cSld>
-  <p:clrMapOvr>
-    <a:masterClrMapping/>
-  </p:clrMapOvr>
-  <p:transition spd="slow">
-    <p:push dir="u"/>
-  </p:transition>
-</p:sld>
-</file>
-
 <file path=ppt/slides/slide7.xml><?xml version="1.0" encoding="utf-8"?>
 <p:sld xmlns:a="http://schemas.openxmlformats.org/drawingml/2006/main" xmlns:r="http://schemas.openxmlformats.org/officeDocument/2006/relationships" xmlns:p="http://schemas.openxmlformats.org/presentationml/2006/main">
   <p:cSld>
@@ -7805,10 +10939,10 @@
       </p:grpSpPr>
       <p:sp useBgFill="1">
         <p:nvSpPr>
-          <p:cNvPr id="9" name="Rectangle 8">
+          <p:cNvPr id="101" name="Rectangle 100">
             <a:extLst>
               <a:ext uri="{FF2B5EF4-FFF2-40B4-BE49-F238E27FC236}">
-                <a16:creationId xmlns:a16="http://schemas.microsoft.com/office/drawing/2014/main" id="{7445C2DD-26E3-44F3-A399-95750BB223C6}"/>
+                <a16:creationId xmlns:a16="http://schemas.microsoft.com/office/drawing/2014/main" id="{B9651FA3-B4A1-4E98-9B71-4CF82087794D}"/>
               </a:ext>
               <a:ext uri="{C183D7F6-B498-43B3-948B-1728B52AA6E4}">
                 <adec:decorative xmlns:adec="http://schemas.microsoft.com/office/drawing/2017/decorative" val="1"/>
@@ -7829,7 +10963,7 @@
         <p:spPr>
           <a:xfrm>
             <a:off x="0" y="0"/>
-            <a:ext cx="9143770" cy="5143500"/>
+            <a:ext cx="9144000" cy="5143500"/>
           </a:xfrm>
           <a:prstGeom prst="rect">
             <a:avLst/>
@@ -7865,411 +10999,83 @@
       </p:sp>
       <p:sp>
         <p:nvSpPr>
-          <p:cNvPr id="2" name="Title 1"/>
-          <p:cNvSpPr>
-            <a:spLocks noGrp="1"/>
+          <p:cNvPr id="10" name="Title 1">
+            <a:extLst>
+              <a:ext uri="{FF2B5EF4-FFF2-40B4-BE49-F238E27FC236}">
+                <a16:creationId xmlns:a16="http://schemas.microsoft.com/office/drawing/2014/main" id="{559EAE7F-4053-4F5D-9588-2E1EFAC64119}"/>
+              </a:ext>
+            </a:extLst>
+          </p:cNvPr>
+          <p:cNvSpPr txBox="1">
+            <a:spLocks/>
           </p:cNvSpPr>
-          <p:nvPr>
-            <p:ph type="ctrTitle"/>
-          </p:nvPr>
+          <p:nvPr/>
         </p:nvSpPr>
-        <p:spPr>
+        <p:spPr bwMode="auto">
           <a:xfrm>
-            <a:off x="4930521" y="668655"/>
-            <a:ext cx="3534821" cy="3055556"/>
+            <a:off x="482599" y="565219"/>
+            <a:ext cx="4001198" cy="2253109"/>
           </a:xfrm>
+          <a:prstGeom prst="rect">
+            <a:avLst/>
+          </a:prstGeom>
         </p:spPr>
         <p:txBody>
-          <a:bodyPr>
-            <a:normAutofit fontScale="90000"/>
+          <a:bodyPr vert="horz" lIns="91440" tIns="45720" rIns="91440" bIns="45720" rtlCol="0" anchor="b">
+            <a:normAutofit/>
           </a:bodyPr>
-          <a:lstStyle/>
-          <a:p>
-            <a:pPr algn="l"/>
-            <a:r>
-              <a:rPr lang="en-US" sz="3000" spc="300" dirty="0" err="1"/>
-              <a:t>LoginFormUI</a:t>
-            </a:r>
-            <a:r>
-              <a:rPr lang="en-US" sz="3000" spc="300" dirty="0"/>
-              <a:t> </a:t>
-            </a:r>
-            <a:r>
-              <a:rPr lang="en-US" sz="3000" spc="300" dirty="0">
-                <a:solidFill>
-                  <a:schemeClr val="tx2">
+          <a:lstStyle>
+            <a:lvl1pPr marL="0" indent="0" algn="just" defTabSz="914400">
+              <a:lnSpc>
+                <a:spcPct val="150000"/>
+              </a:lnSpc>
+              <a:spcBef>
+                <a:spcPts val="0"/>
+              </a:spcBef>
+              <a:buFont typeface="Arial"/>
+              <a:buNone/>
+              <a:defRPr sz="1200">
+                <a:solidFill>
+                  <a:schemeClr val="accent4">
                     <a:lumMod val="75000"/>
                   </a:schemeClr>
                 </a:solidFill>
-              </a:rPr>
-              <a:t>(VIEW)</a:t>
-            </a:r>
-            <a:br>
-              <a:rPr lang="en-US" sz="3000" spc="300" dirty="0"/>
-            </a:br>
-            <a:r>
-              <a:rPr lang="en-US" sz="1800" i="1" spc="300" dirty="0"/>
-              <a:t>đ</a:t>
-            </a:r>
-            <a:r>
-              <a:rPr lang="vi-VN" sz="1800" i="1" spc="300" dirty="0" err="1"/>
-              <a:t>ược</a:t>
-            </a:r>
-            <a:r>
-              <a:rPr lang="vi-VN" sz="1800" i="1" spc="300" dirty="0"/>
-              <a:t> </a:t>
-            </a:r>
-            <a:r>
-              <a:rPr lang="vi-VN" sz="1800" i="1" spc="300" dirty="0" err="1"/>
-              <a:t>tạo</a:t>
-            </a:r>
-            <a:r>
-              <a:rPr lang="vi-VN" sz="1800" i="1" spc="300" dirty="0"/>
-              <a:t> nên </a:t>
-            </a:r>
-            <a:r>
-              <a:rPr lang="vi-VN" sz="1800" i="1" spc="300" dirty="0" err="1"/>
-              <a:t>từ</a:t>
-            </a:r>
-            <a:r>
-              <a:rPr lang="vi-VN" sz="1800" i="1" spc="300" dirty="0"/>
-              <a:t> FXML</a:t>
-            </a:r>
-            <a:br>
-              <a:rPr lang="vi-VN" sz="1800" i="1" spc="300" dirty="0"/>
-            </a:br>
-            <a:r>
-              <a:rPr lang="vi-VN" sz="1800" i="1" spc="300" dirty="0" err="1"/>
-              <a:t>gồm</a:t>
-            </a:r>
-            <a:r>
-              <a:rPr lang="vi-VN" sz="1800" i="1" spc="300" dirty="0"/>
-              <a:t> </a:t>
-            </a:r>
-            <a:r>
-              <a:rPr lang="vi-VN" sz="1800" i="1" spc="300" dirty="0" err="1"/>
-              <a:t>các</a:t>
-            </a:r>
-            <a:r>
-              <a:rPr lang="vi-VN" sz="1800" i="1" spc="300" dirty="0"/>
-              <a:t> </a:t>
-            </a:r>
-            <a:r>
-              <a:rPr lang="vi-VN" sz="1800" i="1" spc="300" dirty="0" err="1"/>
-              <a:t>biến</a:t>
-            </a:r>
-            <a:r>
-              <a:rPr lang="vi-VN" sz="1800" i="1" spc="300" dirty="0"/>
-              <a:t> </a:t>
-            </a:r>
-            <a:r>
-              <a:rPr lang="vi-VN" sz="1800" i="1" spc="300" dirty="0" err="1"/>
-              <a:t>private</a:t>
-            </a:r>
-            <a:r>
-              <a:rPr lang="vi-VN" sz="1800" i="1" spc="300" dirty="0"/>
-              <a:t> </a:t>
-            </a:r>
-            <a:br>
-              <a:rPr lang="vi-VN" sz="1800" spc="300" dirty="0"/>
-            </a:br>
-            <a:r>
-              <a:rPr lang="vi-VN" sz="1800" spc="300" dirty="0" err="1">
-                <a:solidFill>
-                  <a:srgbClr val="00B050"/>
-                </a:solidFill>
-              </a:rPr>
-              <a:t>usr</a:t>
-            </a:r>
-            <a:r>
-              <a:rPr lang="vi-VN" sz="1800" spc="300" dirty="0">
-                <a:solidFill>
-                  <a:srgbClr val="00B050"/>
-                </a:solidFill>
-              </a:rPr>
-              <a:t> 	    </a:t>
-            </a:r>
-            <a:r>
-              <a:rPr lang="vi-VN" sz="1800" spc="300" dirty="0">
+                <a:latin typeface="Myriad Pro"/>
+                <a:ea typeface="+mj-ea"/>
+                <a:cs typeface="+mj-cs"/>
+              </a:defRPr>
+            </a:lvl1pPr>
+          </a:lstStyle>
+          <a:p>
+            <a:pPr algn="ctr" rtl="0">
+              <a:lnSpc>
+                <a:spcPct val="90000"/>
+              </a:lnSpc>
+              <a:spcBef>
+                <a:spcPct val="0"/>
+              </a:spcBef>
+              <a:spcAft>
+                <a:spcPts val="600"/>
+              </a:spcAft>
+            </a:pPr>
+            <a:r>
+              <a:rPr lang="en-US" sz="6000" kern="1200" spc="300">
                 <a:solidFill>
                   <a:schemeClr val="tx1"/>
                 </a:solidFill>
-              </a:rPr>
-              <a:t>- </a:t>
-            </a:r>
-            <a:r>
-              <a:rPr lang="vi-VN" sz="1800" spc="300" dirty="0" err="1">
-                <a:solidFill>
-                  <a:schemeClr val="tx1"/>
-                </a:solidFill>
-              </a:rPr>
-              <a:t>username</a:t>
-            </a:r>
-            <a:br>
-              <a:rPr lang="vi-VN" sz="1800" spc="300" dirty="0">
-                <a:solidFill>
-                  <a:srgbClr val="00B050"/>
-                </a:solidFill>
-              </a:rPr>
-            </a:br>
-            <a:r>
-              <a:rPr lang="vi-VN" sz="1800" spc="300" dirty="0" err="1">
-                <a:solidFill>
-                  <a:srgbClr val="00B050"/>
-                </a:solidFill>
-              </a:rPr>
-              <a:t>passwd</a:t>
-            </a:r>
-            <a:r>
-              <a:rPr lang="vi-VN" sz="1800" spc="300" dirty="0">
-                <a:solidFill>
-                  <a:srgbClr val="00B050"/>
-                </a:solidFill>
-              </a:rPr>
-              <a:t>    </a:t>
-            </a:r>
-            <a:r>
-              <a:rPr lang="vi-VN" sz="1800" spc="300" dirty="0">
-                <a:solidFill>
-                  <a:schemeClr val="tx1"/>
-                </a:solidFill>
-              </a:rPr>
-              <a:t>- </a:t>
-            </a:r>
-            <a:r>
-              <a:rPr lang="vi-VN" sz="1800" spc="300" dirty="0" err="1">
-                <a:solidFill>
-                  <a:schemeClr val="tx1"/>
-                </a:solidFill>
-              </a:rPr>
-              <a:t>password</a:t>
-            </a:r>
-            <a:br>
-              <a:rPr lang="vi-VN" sz="1800" spc="300" dirty="0">
-                <a:solidFill>
-                  <a:srgbClr val="00B050"/>
-                </a:solidFill>
-              </a:rPr>
-            </a:br>
-            <a:r>
-              <a:rPr lang="vi-VN" sz="1800" spc="300" dirty="0">
-                <a:solidFill>
-                  <a:srgbClr val="00B050"/>
-                </a:solidFill>
-              </a:rPr>
-              <a:t> </a:t>
-            </a:r>
-            <a:r>
-              <a:rPr lang="vi-VN" sz="1800" spc="300" dirty="0" err="1">
-                <a:solidFill>
-                  <a:srgbClr val="00B050"/>
-                </a:solidFill>
-              </a:rPr>
-              <a:t>job</a:t>
-            </a:r>
-            <a:r>
-              <a:rPr lang="vi-VN" sz="1800" spc="300" dirty="0">
-                <a:solidFill>
-                  <a:srgbClr val="00B050"/>
-                </a:solidFill>
-              </a:rPr>
-              <a:t>	    </a:t>
-            </a:r>
-            <a:r>
-              <a:rPr lang="vi-VN" sz="1800" spc="300" dirty="0">
-                <a:solidFill>
-                  <a:schemeClr val="tx1"/>
-                </a:solidFill>
-              </a:rPr>
-              <a:t>- </a:t>
-            </a:r>
-            <a:r>
-              <a:rPr lang="vi-VN" sz="1800" spc="300" dirty="0" err="1">
-                <a:solidFill>
-                  <a:schemeClr val="tx1"/>
-                </a:solidFill>
-              </a:rPr>
-              <a:t>job</a:t>
-            </a:r>
-            <a:br>
-              <a:rPr lang="vi-VN" sz="1800" spc="300" dirty="0">
-                <a:solidFill>
-                  <a:srgbClr val="00B050"/>
-                </a:solidFill>
-              </a:rPr>
-            </a:br>
-            <a:r>
-              <a:rPr lang="vi-VN" sz="1800" spc="300" dirty="0" err="1">
-                <a:solidFill>
-                  <a:srgbClr val="00B050"/>
-                </a:solidFill>
-              </a:rPr>
-              <a:t>loginBtn</a:t>
-            </a:r>
-            <a:r>
-              <a:rPr lang="vi-VN" sz="1800" spc="300" dirty="0">
-                <a:solidFill>
-                  <a:srgbClr val="00B050"/>
-                </a:solidFill>
-              </a:rPr>
-              <a:t>  </a:t>
-            </a:r>
-            <a:r>
-              <a:rPr lang="vi-VN" sz="1800" spc="300" dirty="0">
-                <a:solidFill>
-                  <a:schemeClr val="tx1"/>
-                </a:solidFill>
-              </a:rPr>
-              <a:t>- </a:t>
-            </a:r>
-            <a:r>
-              <a:rPr lang="vi-VN" sz="1800" spc="300" dirty="0" err="1">
-                <a:solidFill>
-                  <a:schemeClr val="tx1"/>
-                </a:solidFill>
-              </a:rPr>
-              <a:t>login</a:t>
-            </a:r>
-            <a:r>
-              <a:rPr lang="vi-VN" sz="1800" spc="300" dirty="0">
-                <a:solidFill>
-                  <a:schemeClr val="tx1"/>
-                </a:solidFill>
-              </a:rPr>
-              <a:t> </a:t>
-            </a:r>
-            <a:r>
-              <a:rPr lang="vi-VN" sz="1800" spc="300" dirty="0" err="1">
-                <a:solidFill>
-                  <a:schemeClr val="tx1"/>
-                </a:solidFill>
-              </a:rPr>
-              <a:t>button</a:t>
-            </a:r>
-            <a:br>
-              <a:rPr lang="vi-VN" sz="1800" spc="300" dirty="0">
-                <a:solidFill>
-                  <a:srgbClr val="00B050"/>
-                </a:solidFill>
-              </a:rPr>
-            </a:br>
-            <a:r>
-              <a:rPr lang="vi-VN" sz="1800" spc="300" dirty="0" err="1">
-                <a:solidFill>
-                  <a:srgbClr val="00B050"/>
-                </a:solidFill>
-              </a:rPr>
-              <a:t>clearBtn</a:t>
-            </a:r>
-            <a:r>
-              <a:rPr lang="vi-VN" sz="1800" spc="300" dirty="0">
-                <a:solidFill>
-                  <a:srgbClr val="00B050"/>
-                </a:solidFill>
-              </a:rPr>
-              <a:t>  </a:t>
-            </a:r>
-            <a:r>
-              <a:rPr lang="vi-VN" sz="1800" spc="300" dirty="0">
-                <a:solidFill>
-                  <a:schemeClr val="tx1"/>
-                </a:solidFill>
-              </a:rPr>
-              <a:t>– </a:t>
-            </a:r>
-            <a:r>
-              <a:rPr lang="vi-VN" sz="1800" spc="300" dirty="0" err="1">
-                <a:solidFill>
-                  <a:schemeClr val="tx1"/>
-                </a:solidFill>
-              </a:rPr>
-              <a:t>clear</a:t>
-            </a:r>
-            <a:r>
-              <a:rPr lang="vi-VN" sz="1800" spc="300" dirty="0">
-                <a:solidFill>
-                  <a:schemeClr val="tx1"/>
-                </a:solidFill>
-              </a:rPr>
-              <a:t> </a:t>
-            </a:r>
-            <a:r>
-              <a:rPr lang="vi-VN" sz="1800" spc="300" dirty="0" err="1">
-                <a:solidFill>
-                  <a:schemeClr val="tx1"/>
-                </a:solidFill>
-              </a:rPr>
-              <a:t>button</a:t>
-            </a:r>
-            <a:br>
-              <a:rPr lang="vi-VN" sz="1800" spc="300" dirty="0">
-                <a:solidFill>
-                  <a:srgbClr val="00B050"/>
-                </a:solidFill>
-              </a:rPr>
-            </a:br>
-            <a:r>
-              <a:rPr lang="vi-VN" sz="1800" spc="300" dirty="0" err="1">
-                <a:solidFill>
-                  <a:srgbClr val="00B050"/>
-                </a:solidFill>
-              </a:rPr>
-              <a:t>regBtn</a:t>
-            </a:r>
-            <a:r>
-              <a:rPr lang="vi-VN" sz="1800" spc="300" dirty="0">
-                <a:solidFill>
-                  <a:srgbClr val="00B050"/>
-                </a:solidFill>
-              </a:rPr>
-              <a:t>    </a:t>
-            </a:r>
-            <a:r>
-              <a:rPr lang="vi-VN" sz="1800" spc="300" dirty="0">
-                <a:solidFill>
-                  <a:schemeClr val="tx1"/>
-                </a:solidFill>
-              </a:rPr>
-              <a:t>– </a:t>
-            </a:r>
-            <a:r>
-              <a:rPr lang="vi-VN" sz="1800" spc="300" dirty="0" err="1">
-                <a:solidFill>
-                  <a:schemeClr val="tx1"/>
-                </a:solidFill>
-              </a:rPr>
-              <a:t>register</a:t>
-            </a:r>
-            <a:r>
-              <a:rPr lang="vi-VN" sz="1800" spc="300" dirty="0">
-                <a:solidFill>
-                  <a:schemeClr val="tx1"/>
-                </a:solidFill>
-              </a:rPr>
-              <a:t> </a:t>
-            </a:r>
-            <a:r>
-              <a:rPr lang="vi-VN" sz="1800" spc="300" dirty="0" err="1">
-                <a:solidFill>
-                  <a:schemeClr val="tx1"/>
-                </a:solidFill>
-              </a:rPr>
-              <a:t>button</a:t>
-            </a:r>
-            <a:endParaRPr lang="en-US" sz="3000" spc="300" dirty="0">
-              <a:solidFill>
-                <a:schemeClr val="tx1"/>
-              </a:solidFill>
-            </a:endParaRPr>
+                <a:latin typeface="+mj-lt"/>
+              </a:rPr>
+              <a:t>CHIA 3 GÓI PACKAGE</a:t>
+            </a:r>
           </a:p>
         </p:txBody>
       </p:sp>
       <p:sp>
         <p:nvSpPr>
-          <p:cNvPr id="11" name="Rectangle 10">
+          <p:cNvPr id="103" name="Freeform: Shape 102">
             <a:extLst>
               <a:ext uri="{FF2B5EF4-FFF2-40B4-BE49-F238E27FC236}">
-                <a16:creationId xmlns:a16="http://schemas.microsoft.com/office/drawing/2014/main" id="{B5DFACD3-34ED-4852-903C-EA0AB0172CC5}"/>
+                <a16:creationId xmlns:a16="http://schemas.microsoft.com/office/drawing/2014/main" id="{F227E5B6-9132-43CA-B503-37A18562ADF2}"/>
               </a:ext>
               <a:ext uri="{C183D7F6-B498-43B3-948B-1728B52AA6E4}">
                 <adec:decorative xmlns:adec="http://schemas.microsoft.com/office/drawing/2017/decorative" val="1"/>
@@ -8289,14 +11095,1605 @@
         </p:nvSpPr>
         <p:spPr>
           <a:xfrm>
-            <a:off x="4023074" y="668655"/>
-            <a:ext cx="541782" cy="3803332"/>
+            <a:off x="4953044" y="0"/>
+            <a:ext cx="1303051" cy="719652"/>
+          </a:xfrm>
+          <a:custGeom>
+            <a:avLst/>
+            <a:gdLst>
+              <a:gd name="connsiteX0" fmla="*/ 0 w 1737401"/>
+              <a:gd name="connsiteY0" fmla="*/ 0 h 959536"/>
+              <a:gd name="connsiteX1" fmla="*/ 123825 w 1737401"/>
+              <a:gd name="connsiteY1" fmla="*/ 0 h 959536"/>
+              <a:gd name="connsiteX2" fmla="*/ 123825 w 1737401"/>
+              <a:gd name="connsiteY2" fmla="*/ 790277 h 959536"/>
+              <a:gd name="connsiteX3" fmla="*/ 1490095 w 1737401"/>
+              <a:gd name="connsiteY3" fmla="*/ 0 h 959536"/>
+              <a:gd name="connsiteX4" fmla="*/ 1737401 w 1737401"/>
+              <a:gd name="connsiteY4" fmla="*/ 0 h 959536"/>
+              <a:gd name="connsiteX5" fmla="*/ 92869 w 1737401"/>
+              <a:gd name="connsiteY5" fmla="*/ 951249 h 959536"/>
+              <a:gd name="connsiteX6" fmla="*/ 61913 w 1737401"/>
+              <a:gd name="connsiteY6" fmla="*/ 959536 h 959536"/>
+              <a:gd name="connsiteX7" fmla="*/ 0 w 1737401"/>
+              <a:gd name="connsiteY7" fmla="*/ 897624 h 959536"/>
+            </a:gdLst>
+            <a:ahLst/>
+            <a:cxnLst>
+              <a:cxn ang="0">
+                <a:pos x="connsiteX0" y="connsiteY0"/>
+              </a:cxn>
+              <a:cxn ang="0">
+                <a:pos x="connsiteX1" y="connsiteY1"/>
+              </a:cxn>
+              <a:cxn ang="0">
+                <a:pos x="connsiteX2" y="connsiteY2"/>
+              </a:cxn>
+              <a:cxn ang="0">
+                <a:pos x="connsiteX3" y="connsiteY3"/>
+              </a:cxn>
+              <a:cxn ang="0">
+                <a:pos x="connsiteX4" y="connsiteY4"/>
+              </a:cxn>
+              <a:cxn ang="0">
+                <a:pos x="connsiteX5" y="connsiteY5"/>
+              </a:cxn>
+              <a:cxn ang="0">
+                <a:pos x="connsiteX6" y="connsiteY6"/>
+              </a:cxn>
+              <a:cxn ang="0">
+                <a:pos x="connsiteX7" y="connsiteY7"/>
+              </a:cxn>
+            </a:cxnLst>
+            <a:rect l="l" t="t" r="r" b="b"/>
+            <a:pathLst>
+              <a:path w="1737401" h="959536">
+                <a:moveTo>
+                  <a:pt x="0" y="0"/>
+                </a:moveTo>
+                <a:lnTo>
+                  <a:pt x="123825" y="0"/>
+                </a:lnTo>
+                <a:lnTo>
+                  <a:pt x="123825" y="790277"/>
+                </a:lnTo>
+                <a:lnTo>
+                  <a:pt x="1490095" y="0"/>
+                </a:lnTo>
+                <a:lnTo>
+                  <a:pt x="1737401" y="0"/>
+                </a:lnTo>
+                <a:lnTo>
+                  <a:pt x="92869" y="951249"/>
+                </a:lnTo>
+                <a:cubicBezTo>
+                  <a:pt x="83458" y="956688"/>
+                  <a:pt x="72780" y="959546"/>
+                  <a:pt x="61913" y="959536"/>
+                </a:cubicBezTo>
+                <a:cubicBezTo>
+                  <a:pt x="27719" y="959536"/>
+                  <a:pt x="0" y="931818"/>
+                  <a:pt x="0" y="897624"/>
+                </a:cubicBezTo>
+                <a:close/>
+              </a:path>
+            </a:pathLst>
+          </a:custGeom>
+          <a:solidFill>
+            <a:schemeClr val="accent6"/>
+          </a:solidFill>
+          <a:ln w="9525" cap="flat">
+            <a:noFill/>
+            <a:prstDash val="solid"/>
+            <a:miter/>
+          </a:ln>
+        </p:spPr>
+        <p:txBody>
+          <a:bodyPr rtlCol="0" anchor="ctr"/>
+          <a:lstStyle/>
+          <a:p>
+            <a:endParaRPr lang="en-US"/>
+          </a:p>
+        </p:txBody>
+      </p:sp>
+      <p:sp>
+        <p:nvSpPr>
+          <p:cNvPr id="105" name="Freeform: Shape 104">
+            <a:extLst>
+              <a:ext uri="{FF2B5EF4-FFF2-40B4-BE49-F238E27FC236}">
+                <a16:creationId xmlns:a16="http://schemas.microsoft.com/office/drawing/2014/main" id="{D2929CB1-0E3C-4B2D-ADC5-0154FB33BA44}"/>
+              </a:ext>
+              <a:ext uri="{C183D7F6-B498-43B3-948B-1728B52AA6E4}">
+                <adec:decorative xmlns:adec="http://schemas.microsoft.com/office/drawing/2017/decorative" val="1"/>
+              </a:ext>
+            </a:extLst>
+          </p:cNvPr>
+          <p:cNvSpPr>
+            <a:spLocks noGrp="1" noRot="1" noChangeAspect="1" noMove="1" noResize="1" noEditPoints="1" noAdjustHandles="1" noChangeArrowheads="1" noChangeShapeType="1" noTextEdit="1"/>
+          </p:cNvSpPr>
+          <p:nvPr>
+            <p:extLst>
+              <p:ext uri="{386F3935-93C4-4BCD-93E2-E3B085C9AB24}">
+                <p16:designElem xmlns:p16="http://schemas.microsoft.com/office/powerpoint/2015/main" val="1"/>
+              </p:ext>
+            </p:extLst>
+          </p:nvPr>
+        </p:nvSpPr>
+        <p:spPr>
+          <a:xfrm>
+            <a:off x="5327995" y="4288429"/>
+            <a:ext cx="1328707" cy="855071"/>
+          </a:xfrm>
+          <a:custGeom>
+            <a:avLst/>
+            <a:gdLst>
+              <a:gd name="connsiteX0" fmla="*/ 1561721 w 1771609"/>
+              <a:gd name="connsiteY0" fmla="*/ 763041 h 1140095"/>
+              <a:gd name="connsiteX1" fmla="*/ 1623024 w 1771609"/>
+              <a:gd name="connsiteY1" fmla="*/ 792810 h 1140095"/>
+              <a:gd name="connsiteX2" fmla="*/ 1711735 w 1771609"/>
+              <a:gd name="connsiteY2" fmla="*/ 970132 h 1140095"/>
+              <a:gd name="connsiteX3" fmla="*/ 1771609 w 1771609"/>
+              <a:gd name="connsiteY3" fmla="*/ 1140095 h 1140095"/>
+              <a:gd name="connsiteX4" fmla="*/ 1637225 w 1771609"/>
+              <a:gd name="connsiteY4" fmla="*/ 1140095 h 1140095"/>
+              <a:gd name="connsiteX5" fmla="*/ 1594820 w 1771609"/>
+              <a:gd name="connsiteY5" fmla="*/ 1019711 h 1140095"/>
+              <a:gd name="connsiteX6" fmla="*/ 1513200 w 1771609"/>
+              <a:gd name="connsiteY6" fmla="*/ 856627 h 1140095"/>
+              <a:gd name="connsiteX7" fmla="*/ 1538499 w 1771609"/>
+              <a:gd name="connsiteY7" fmla="*/ 770415 h 1140095"/>
+              <a:gd name="connsiteX8" fmla="*/ 1561721 w 1771609"/>
+              <a:gd name="connsiteY8" fmla="*/ 763041 h 1140095"/>
+              <a:gd name="connsiteX9" fmla="*/ 933455 w 1771609"/>
+              <a:gd name="connsiteY9" fmla="*/ 161309 h 1140095"/>
+              <a:gd name="connsiteX10" fmla="*/ 957797 w 1771609"/>
+              <a:gd name="connsiteY10" fmla="*/ 167970 h 1140095"/>
+              <a:gd name="connsiteX11" fmla="*/ 1286982 w 1771609"/>
+              <a:gd name="connsiteY11" fmla="*/ 387616 h 1140095"/>
+              <a:gd name="connsiteX12" fmla="*/ 1293725 w 1771609"/>
+              <a:gd name="connsiteY12" fmla="*/ 477075 h 1140095"/>
+              <a:gd name="connsiteX13" fmla="*/ 1245453 w 1771609"/>
+              <a:gd name="connsiteY13" fmla="*/ 499154 h 1140095"/>
+              <a:gd name="connsiteX14" fmla="*/ 1245167 w 1771609"/>
+              <a:gd name="connsiteY14" fmla="*/ 499154 h 1140095"/>
+              <a:gd name="connsiteX15" fmla="*/ 1203638 w 1771609"/>
+              <a:gd name="connsiteY15" fmla="*/ 484104 h 1140095"/>
+              <a:gd name="connsiteX16" fmla="*/ 900647 w 1771609"/>
+              <a:gd name="connsiteY16" fmla="*/ 281508 h 1140095"/>
+              <a:gd name="connsiteX17" fmla="*/ 872454 w 1771609"/>
+              <a:gd name="connsiteY17" fmla="*/ 196164 h 1140095"/>
+              <a:gd name="connsiteX18" fmla="*/ 933455 w 1771609"/>
+              <a:gd name="connsiteY18" fmla="*/ 161309 h 1140095"/>
+              <a:gd name="connsiteX19" fmla="*/ 256260 w 1771609"/>
+              <a:gd name="connsiteY19" fmla="*/ 29 h 1140095"/>
+              <a:gd name="connsiteX20" fmla="*/ 454020 w 1771609"/>
+              <a:gd name="connsiteY20" fmla="*/ 13474 h 1140095"/>
+              <a:gd name="connsiteX21" fmla="*/ 509236 w 1771609"/>
+              <a:gd name="connsiteY21" fmla="*/ 84182 h 1140095"/>
+              <a:gd name="connsiteX22" fmla="*/ 445829 w 1771609"/>
+              <a:gd name="connsiteY22" fmla="*/ 139871 h 1140095"/>
+              <a:gd name="connsiteX23" fmla="*/ 437447 w 1771609"/>
+              <a:gd name="connsiteY23" fmla="*/ 139395 h 1140095"/>
+              <a:gd name="connsiteX24" fmla="*/ 73211 w 1771609"/>
+              <a:gd name="connsiteY24" fmla="*/ 137204 h 1140095"/>
+              <a:gd name="connsiteX25" fmla="*/ 749 w 1771609"/>
+              <a:gd name="connsiteY25" fmla="*/ 84082 h 1140095"/>
+              <a:gd name="connsiteX26" fmla="*/ 53871 w 1771609"/>
+              <a:gd name="connsiteY26" fmla="*/ 11621 h 1140095"/>
+              <a:gd name="connsiteX27" fmla="*/ 58352 w 1771609"/>
+              <a:gd name="connsiteY27" fmla="*/ 11093 h 1140095"/>
+              <a:gd name="connsiteX28" fmla="*/ 256260 w 1771609"/>
+              <a:gd name="connsiteY28" fmla="*/ 29 h 1140095"/>
+            </a:gdLst>
+            <a:ahLst/>
+            <a:cxnLst>
+              <a:cxn ang="0">
+                <a:pos x="connsiteX0" y="connsiteY0"/>
+              </a:cxn>
+              <a:cxn ang="0">
+                <a:pos x="connsiteX1" y="connsiteY1"/>
+              </a:cxn>
+              <a:cxn ang="0">
+                <a:pos x="connsiteX2" y="connsiteY2"/>
+              </a:cxn>
+              <a:cxn ang="0">
+                <a:pos x="connsiteX3" y="connsiteY3"/>
+              </a:cxn>
+              <a:cxn ang="0">
+                <a:pos x="connsiteX4" y="connsiteY4"/>
+              </a:cxn>
+              <a:cxn ang="0">
+                <a:pos x="connsiteX5" y="connsiteY5"/>
+              </a:cxn>
+              <a:cxn ang="0">
+                <a:pos x="connsiteX6" y="connsiteY6"/>
+              </a:cxn>
+              <a:cxn ang="0">
+                <a:pos x="connsiteX7" y="connsiteY7"/>
+              </a:cxn>
+              <a:cxn ang="0">
+                <a:pos x="connsiteX8" y="connsiteY8"/>
+              </a:cxn>
+              <a:cxn ang="0">
+                <a:pos x="connsiteX9" y="connsiteY9"/>
+              </a:cxn>
+              <a:cxn ang="0">
+                <a:pos x="connsiteX10" y="connsiteY10"/>
+              </a:cxn>
+              <a:cxn ang="0">
+                <a:pos x="connsiteX11" y="connsiteY11"/>
+              </a:cxn>
+              <a:cxn ang="0">
+                <a:pos x="connsiteX12" y="connsiteY12"/>
+              </a:cxn>
+              <a:cxn ang="0">
+                <a:pos x="connsiteX13" y="connsiteY13"/>
+              </a:cxn>
+              <a:cxn ang="0">
+                <a:pos x="connsiteX14" y="connsiteY14"/>
+              </a:cxn>
+              <a:cxn ang="0">
+                <a:pos x="connsiteX15" y="connsiteY15"/>
+              </a:cxn>
+              <a:cxn ang="0">
+                <a:pos x="connsiteX16" y="connsiteY16"/>
+              </a:cxn>
+              <a:cxn ang="0">
+                <a:pos x="connsiteX17" y="connsiteY17"/>
+              </a:cxn>
+              <a:cxn ang="0">
+                <a:pos x="connsiteX18" y="connsiteY18"/>
+              </a:cxn>
+              <a:cxn ang="0">
+                <a:pos x="connsiteX19" y="connsiteY19"/>
+              </a:cxn>
+              <a:cxn ang="0">
+                <a:pos x="connsiteX20" y="connsiteY20"/>
+              </a:cxn>
+              <a:cxn ang="0">
+                <a:pos x="connsiteX21" y="connsiteY21"/>
+              </a:cxn>
+              <a:cxn ang="0">
+                <a:pos x="connsiteX22" y="connsiteY22"/>
+              </a:cxn>
+              <a:cxn ang="0">
+                <a:pos x="connsiteX23" y="connsiteY23"/>
+              </a:cxn>
+              <a:cxn ang="0">
+                <a:pos x="connsiteX24" y="connsiteY24"/>
+              </a:cxn>
+              <a:cxn ang="0">
+                <a:pos x="connsiteX25" y="connsiteY25"/>
+              </a:cxn>
+              <a:cxn ang="0">
+                <a:pos x="connsiteX26" y="connsiteY26"/>
+              </a:cxn>
+              <a:cxn ang="0">
+                <a:pos x="connsiteX27" y="connsiteY27"/>
+              </a:cxn>
+              <a:cxn ang="0">
+                <a:pos x="connsiteX28" y="connsiteY28"/>
+              </a:cxn>
+            </a:cxnLst>
+            <a:rect l="l" t="t" r="r" b="b"/>
+            <a:pathLst>
+              <a:path w="1771609" h="1140095">
+                <a:moveTo>
+                  <a:pt x="1561721" y="763041"/>
+                </a:moveTo>
+                <a:cubicBezTo>
+                  <a:pt x="1585506" y="760324"/>
+                  <a:pt x="1609722" y="771249"/>
+                  <a:pt x="1623024" y="792810"/>
+                </a:cubicBezTo>
+                <a:cubicBezTo>
+                  <a:pt x="1656300" y="850065"/>
+                  <a:pt x="1685920" y="909291"/>
+                  <a:pt x="1711735" y="970132"/>
+                </a:cubicBezTo>
+                <a:lnTo>
+                  <a:pt x="1771609" y="1140095"/>
+                </a:lnTo>
+                <a:lnTo>
+                  <a:pt x="1637225" y="1140095"/>
+                </a:lnTo>
+                <a:lnTo>
+                  <a:pt x="1594820" y="1019711"/>
+                </a:lnTo>
+                <a:cubicBezTo>
+                  <a:pt x="1571072" y="963753"/>
+                  <a:pt x="1543818" y="909282"/>
+                  <a:pt x="1513200" y="856627"/>
+                </a:cubicBezTo>
+                <a:cubicBezTo>
+                  <a:pt x="1496379" y="825834"/>
+                  <a:pt x="1507704" y="787236"/>
+                  <a:pt x="1538499" y="770415"/>
+                </a:cubicBezTo>
+                <a:cubicBezTo>
+                  <a:pt x="1545912" y="766367"/>
+                  <a:pt x="1553792" y="763946"/>
+                  <a:pt x="1561721" y="763041"/>
+                </a:cubicBezTo>
+                <a:close/>
+                <a:moveTo>
+                  <a:pt x="933455" y="161309"/>
+                </a:moveTo>
+                <a:cubicBezTo>
+                  <a:pt x="941693" y="161855"/>
+                  <a:pt x="949959" y="164025"/>
+                  <a:pt x="957797" y="167970"/>
+                </a:cubicBezTo>
+                <a:cubicBezTo>
+                  <a:pt x="1076184" y="227289"/>
+                  <a:pt x="1186759" y="301068"/>
+                  <a:pt x="1286982" y="387616"/>
+                </a:cubicBezTo>
+                <a:cubicBezTo>
+                  <a:pt x="1313547" y="410457"/>
+                  <a:pt x="1316566" y="450510"/>
+                  <a:pt x="1293725" y="477075"/>
+                </a:cubicBezTo>
+                <a:cubicBezTo>
+                  <a:pt x="1281638" y="491137"/>
+                  <a:pt x="1263998" y="499204"/>
+                  <a:pt x="1245453" y="499154"/>
+                </a:cubicBezTo>
+                <a:lnTo>
+                  <a:pt x="1245167" y="499154"/>
+                </a:lnTo>
+                <a:cubicBezTo>
+                  <a:pt x="1229965" y="499301"/>
+                  <a:pt x="1215220" y="493956"/>
+                  <a:pt x="1203638" y="484104"/>
+                </a:cubicBezTo>
+                <a:cubicBezTo>
+                  <a:pt x="1111407" y="404300"/>
+                  <a:pt x="1009633" y="336248"/>
+                  <a:pt x="900647" y="281508"/>
+                </a:cubicBezTo>
+                <a:cubicBezTo>
+                  <a:pt x="869295" y="265726"/>
+                  <a:pt x="856672" y="227516"/>
+                  <a:pt x="872454" y="196164"/>
+                </a:cubicBezTo>
+                <a:cubicBezTo>
+                  <a:pt x="884290" y="172650"/>
+                  <a:pt x="908742" y="159670"/>
+                  <a:pt x="933455" y="161309"/>
+                </a:cubicBezTo>
+                <a:close/>
+                <a:moveTo>
+                  <a:pt x="256260" y="29"/>
+                </a:moveTo>
+                <a:cubicBezTo>
+                  <a:pt x="322331" y="427"/>
+                  <a:pt x="388378" y="4909"/>
+                  <a:pt x="454020" y="13474"/>
+                </a:cubicBezTo>
+                <a:cubicBezTo>
+                  <a:pt x="488793" y="17752"/>
+                  <a:pt x="513514" y="49409"/>
+                  <a:pt x="509236" y="84182"/>
+                </a:cubicBezTo>
+                <a:cubicBezTo>
+                  <a:pt x="505303" y="116151"/>
+                  <a:pt x="478038" y="140098"/>
+                  <a:pt x="445829" y="139871"/>
+                </a:cubicBezTo>
+                <a:cubicBezTo>
+                  <a:pt x="443027" y="139899"/>
+                  <a:pt x="440227" y="139740"/>
+                  <a:pt x="437447" y="139395"/>
+                </a:cubicBezTo>
+                <a:cubicBezTo>
+                  <a:pt x="316592" y="123615"/>
+                  <a:pt x="194247" y="122878"/>
+                  <a:pt x="73211" y="137204"/>
+                </a:cubicBezTo>
+                <a:cubicBezTo>
+                  <a:pt x="38532" y="142545"/>
+                  <a:pt x="6090" y="118762"/>
+                  <a:pt x="749" y="84082"/>
+                </a:cubicBezTo>
+                <a:cubicBezTo>
+                  <a:pt x="-4591" y="49403"/>
+                  <a:pt x="19192" y="16961"/>
+                  <a:pt x="53871" y="11621"/>
+                </a:cubicBezTo>
+                <a:cubicBezTo>
+                  <a:pt x="55358" y="11392"/>
+                  <a:pt x="56852" y="11216"/>
+                  <a:pt x="58352" y="11093"/>
+                </a:cubicBezTo>
+                <a:cubicBezTo>
+                  <a:pt x="124093" y="3319"/>
+                  <a:pt x="190189" y="-369"/>
+                  <a:pt x="256260" y="29"/>
+                </a:cubicBezTo>
+                <a:close/>
+              </a:path>
+            </a:pathLst>
+          </a:custGeom>
+          <a:solidFill>
+            <a:schemeClr val="accent4"/>
+          </a:solidFill>
+          <a:ln w="9525" cap="flat">
+            <a:noFill/>
+            <a:prstDash val="solid"/>
+            <a:miter/>
+          </a:ln>
+        </p:spPr>
+        <p:txBody>
+          <a:bodyPr rtlCol="0" anchor="ctr"/>
+          <a:lstStyle/>
+          <a:p>
+            <a:endParaRPr lang="en-US"/>
+          </a:p>
+        </p:txBody>
+      </p:sp>
+      <p:pic>
+        <p:nvPicPr>
+          <p:cNvPr id="3" name="Hình ảnh 2" descr="Ảnh có chứa ảnh chụp màn hình&#10;&#10;Mô tả được tạo tự động">
+            <a:extLst>
+              <a:ext uri="{FF2B5EF4-FFF2-40B4-BE49-F238E27FC236}">
+                <a16:creationId xmlns:a16="http://schemas.microsoft.com/office/drawing/2014/main" id="{527BC6A9-A7F1-4DF5-9563-1216E2E4A109}"/>
+              </a:ext>
+            </a:extLst>
+          </p:cNvPr>
+          <p:cNvPicPr>
+            <a:picLocks noChangeAspect="1"/>
+          </p:cNvPicPr>
+          <p:nvPr/>
+        </p:nvPicPr>
+        <p:blipFill rotWithShape="1">
+          <a:blip r:embed="rId2">
+            <a:extLst>
+              <a:ext uri="{28A0092B-C50C-407E-A947-70E740481C1C}">
+                <a14:useLocalDpi xmlns:a14="http://schemas.microsoft.com/office/drawing/2010/main" val="0"/>
+              </a:ext>
+            </a:extLst>
+          </a:blip>
+          <a:srcRect r="2" b="481"/>
+          <a:stretch/>
+        </p:blipFill>
+        <p:spPr>
+          <a:xfrm>
+            <a:off x="4946913" y="434805"/>
+            <a:ext cx="3883686" cy="3883686"/>
+          </a:xfrm>
+          <a:custGeom>
+            <a:avLst/>
+            <a:gdLst/>
+            <a:ahLst/>
+            <a:cxnLst/>
+            <a:rect l="l" t="t" r="r" b="b"/>
+            <a:pathLst>
+              <a:path w="3741748" h="3741748">
+                <a:moveTo>
+                  <a:pt x="1870874" y="0"/>
+                </a:moveTo>
+                <a:cubicBezTo>
+                  <a:pt x="2904129" y="0"/>
+                  <a:pt x="3741748" y="837619"/>
+                  <a:pt x="3741748" y="1870874"/>
+                </a:cubicBezTo>
+                <a:cubicBezTo>
+                  <a:pt x="3741748" y="2904129"/>
+                  <a:pt x="2904129" y="3741748"/>
+                  <a:pt x="1870874" y="3741748"/>
+                </a:cubicBezTo>
+                <a:cubicBezTo>
+                  <a:pt x="837619" y="3741748"/>
+                  <a:pt x="0" y="2904129"/>
+                  <a:pt x="0" y="1870874"/>
+                </a:cubicBezTo>
+                <a:cubicBezTo>
+                  <a:pt x="0" y="837619"/>
+                  <a:pt x="837619" y="0"/>
+                  <a:pt x="1870874" y="0"/>
+                </a:cubicBezTo>
+                <a:close/>
+              </a:path>
+            </a:pathLst>
+          </a:custGeom>
+        </p:spPr>
+      </p:pic>
+      <p:sp>
+        <p:nvSpPr>
+          <p:cNvPr id="107" name="Freeform: Shape 106">
+            <a:extLst>
+              <a:ext uri="{FF2B5EF4-FFF2-40B4-BE49-F238E27FC236}">
+                <a16:creationId xmlns:a16="http://schemas.microsoft.com/office/drawing/2014/main" id="{658970D8-8D1D-4B5C-894B-E871CC86543D}"/>
+              </a:ext>
+              <a:ext uri="{C183D7F6-B498-43B3-948B-1728B52AA6E4}">
+                <adec:decorative xmlns:adec="http://schemas.microsoft.com/office/drawing/2017/decorative" val="1"/>
+              </a:ext>
+            </a:extLst>
+          </p:cNvPr>
+          <p:cNvSpPr>
+            <a:spLocks noGrp="1" noRot="1" noChangeAspect="1" noMove="1" noResize="1" noEditPoints="1" noAdjustHandles="1" noChangeArrowheads="1" noChangeShapeType="1" noTextEdit="1"/>
+          </p:cNvSpPr>
+          <p:nvPr>
+            <p:extLst>
+              <p:ext uri="{386F3935-93C4-4BCD-93E2-E3B085C9AB24}">
+                <p16:designElem xmlns:p16="http://schemas.microsoft.com/office/powerpoint/2015/main" val="1"/>
+              </p:ext>
+            </p:extLst>
+          </p:nvPr>
+        </p:nvSpPr>
+        <p:spPr>
+          <a:xfrm>
+            <a:off x="7925502" y="0"/>
+            <a:ext cx="866356" cy="443256"/>
+          </a:xfrm>
+          <a:custGeom>
+            <a:avLst/>
+            <a:gdLst>
+              <a:gd name="connsiteX0" fmla="*/ 1355 w 1155142"/>
+              <a:gd name="connsiteY0" fmla="*/ 0 h 591009"/>
+              <a:gd name="connsiteX1" fmla="*/ 1153787 w 1155142"/>
+              <a:gd name="connsiteY1" fmla="*/ 0 h 591009"/>
+              <a:gd name="connsiteX2" fmla="*/ 1155142 w 1155142"/>
+              <a:gd name="connsiteY2" fmla="*/ 13438 h 591009"/>
+              <a:gd name="connsiteX3" fmla="*/ 577571 w 1155142"/>
+              <a:gd name="connsiteY3" fmla="*/ 591009 h 591009"/>
+              <a:gd name="connsiteX4" fmla="*/ 0 w 1155142"/>
+              <a:gd name="connsiteY4" fmla="*/ 13438 h 591009"/>
+            </a:gdLst>
+            <a:ahLst/>
+            <a:cxnLst>
+              <a:cxn ang="0">
+                <a:pos x="connsiteX0" y="connsiteY0"/>
+              </a:cxn>
+              <a:cxn ang="0">
+                <a:pos x="connsiteX1" y="connsiteY1"/>
+              </a:cxn>
+              <a:cxn ang="0">
+                <a:pos x="connsiteX2" y="connsiteY2"/>
+              </a:cxn>
+              <a:cxn ang="0">
+                <a:pos x="connsiteX3" y="connsiteY3"/>
+              </a:cxn>
+              <a:cxn ang="0">
+                <a:pos x="connsiteX4" y="connsiteY4"/>
+              </a:cxn>
+            </a:cxnLst>
+            <a:rect l="l" t="t" r="r" b="b"/>
+            <a:pathLst>
+              <a:path w="1155142" h="591009">
+                <a:moveTo>
+                  <a:pt x="1355" y="0"/>
+                </a:moveTo>
+                <a:lnTo>
+                  <a:pt x="1153787" y="0"/>
+                </a:lnTo>
+                <a:lnTo>
+                  <a:pt x="1155142" y="13438"/>
+                </a:lnTo>
+                <a:cubicBezTo>
+                  <a:pt x="1155142" y="332422"/>
+                  <a:pt x="896555" y="591009"/>
+                  <a:pt x="577571" y="591009"/>
+                </a:cubicBezTo>
+                <a:cubicBezTo>
+                  <a:pt x="258587" y="591009"/>
+                  <a:pt x="0" y="332422"/>
+                  <a:pt x="0" y="13438"/>
+                </a:cubicBezTo>
+                <a:close/>
+              </a:path>
+            </a:pathLst>
+          </a:custGeom>
+          <a:solidFill>
+            <a:schemeClr val="accent5"/>
+          </a:solidFill>
+          <a:ln>
+            <a:noFill/>
+          </a:ln>
+        </p:spPr>
+        <p:style>
+          <a:lnRef idx="2">
+            <a:schemeClr val="accent1">
+              <a:shade val="50000"/>
+            </a:schemeClr>
+          </a:lnRef>
+          <a:fillRef idx="1">
+            <a:schemeClr val="accent1"/>
+          </a:fillRef>
+          <a:effectRef idx="0">
+            <a:schemeClr val="accent1"/>
+          </a:effectRef>
+          <a:fontRef idx="minor">
+            <a:schemeClr val="lt1"/>
+          </a:fontRef>
+        </p:style>
+        <p:txBody>
+          <a:bodyPr wrap="square" rtlCol="0" anchor="ctr">
+            <a:noAutofit/>
+          </a:bodyPr>
+          <a:lstStyle/>
+          <a:p>
+            <a:pPr algn="ctr"/>
+            <a:endParaRPr lang="en-US"/>
+          </a:p>
+        </p:txBody>
+      </p:sp>
+      <p:sp>
+        <p:nvSpPr>
+          <p:cNvPr id="109" name="Freeform: Shape 108">
+            <a:extLst>
+              <a:ext uri="{FF2B5EF4-FFF2-40B4-BE49-F238E27FC236}">
+                <a16:creationId xmlns:a16="http://schemas.microsoft.com/office/drawing/2014/main" id="{03C2051E-A88D-48E5-BACF-AAED17892722}"/>
+              </a:ext>
+              <a:ext uri="{C183D7F6-B498-43B3-948B-1728B52AA6E4}">
+                <adec:decorative xmlns:adec="http://schemas.microsoft.com/office/drawing/2017/decorative" val="1"/>
+              </a:ext>
+            </a:extLst>
+          </p:cNvPr>
+          <p:cNvSpPr>
+            <a:spLocks noGrp="1" noRot="1" noChangeAspect="1" noMove="1" noResize="1" noEditPoints="1" noAdjustHandles="1" noChangeArrowheads="1" noChangeShapeType="1" noTextEdit="1"/>
+          </p:cNvSpPr>
+          <p:nvPr>
+            <p:extLst>
+              <p:ext uri="{386F3935-93C4-4BCD-93E2-E3B085C9AB24}">
+                <p16:designElem xmlns:p16="http://schemas.microsoft.com/office/powerpoint/2015/main" val="1"/>
+              </p:ext>
+            </p:extLst>
+          </p:nvPr>
+        </p:nvSpPr>
+        <p:spPr>
+          <a:xfrm>
+            <a:off x="9024194" y="2187183"/>
+            <a:ext cx="119806" cy="414747"/>
+          </a:xfrm>
+          <a:custGeom>
+            <a:avLst/>
+            <a:gdLst>
+              <a:gd name="connsiteX0" fmla="*/ 159741 w 159741"/>
+              <a:gd name="connsiteY0" fmla="*/ 0 h 552996"/>
+              <a:gd name="connsiteX1" fmla="*/ 159741 w 159741"/>
+              <a:gd name="connsiteY1" fmla="*/ 552996 h 552996"/>
+              <a:gd name="connsiteX2" fmla="*/ 141849 w 159741"/>
+              <a:gd name="connsiteY2" fmla="*/ 543285 h 552996"/>
+              <a:gd name="connsiteX3" fmla="*/ 0 w 159741"/>
+              <a:gd name="connsiteY3" fmla="*/ 276498 h 552996"/>
+              <a:gd name="connsiteX4" fmla="*/ 141849 w 159741"/>
+              <a:gd name="connsiteY4" fmla="*/ 9711 h 552996"/>
+            </a:gdLst>
+            <a:ahLst/>
+            <a:cxnLst>
+              <a:cxn ang="0">
+                <a:pos x="connsiteX0" y="connsiteY0"/>
+              </a:cxn>
+              <a:cxn ang="0">
+                <a:pos x="connsiteX1" y="connsiteY1"/>
+              </a:cxn>
+              <a:cxn ang="0">
+                <a:pos x="connsiteX2" y="connsiteY2"/>
+              </a:cxn>
+              <a:cxn ang="0">
+                <a:pos x="connsiteX3" y="connsiteY3"/>
+              </a:cxn>
+              <a:cxn ang="0">
+                <a:pos x="connsiteX4" y="connsiteY4"/>
+              </a:cxn>
+            </a:cxnLst>
+            <a:rect l="l" t="t" r="r" b="b"/>
+            <a:pathLst>
+              <a:path w="159741" h="552996">
+                <a:moveTo>
+                  <a:pt x="159741" y="0"/>
+                </a:moveTo>
+                <a:lnTo>
+                  <a:pt x="159741" y="552996"/>
+                </a:lnTo>
+                <a:lnTo>
+                  <a:pt x="141849" y="543285"/>
+                </a:lnTo>
+                <a:cubicBezTo>
+                  <a:pt x="56268" y="485467"/>
+                  <a:pt x="0" y="387554"/>
+                  <a:pt x="0" y="276498"/>
+                </a:cubicBezTo>
+                <a:cubicBezTo>
+                  <a:pt x="0" y="165443"/>
+                  <a:pt x="56268" y="67529"/>
+                  <a:pt x="141849" y="9711"/>
+                </a:cubicBezTo>
+                <a:close/>
+              </a:path>
+            </a:pathLst>
+          </a:custGeom>
+          <a:solidFill>
+            <a:schemeClr val="accent2"/>
+          </a:solidFill>
+          <a:ln w="127000">
+            <a:noFill/>
+          </a:ln>
+        </p:spPr>
+        <p:style>
+          <a:lnRef idx="2">
+            <a:schemeClr val="accent1">
+              <a:shade val="50000"/>
+            </a:schemeClr>
+          </a:lnRef>
+          <a:fillRef idx="1">
+            <a:schemeClr val="accent1"/>
+          </a:fillRef>
+          <a:effectRef idx="0">
+            <a:schemeClr val="accent1"/>
+          </a:effectRef>
+          <a:fontRef idx="minor">
+            <a:schemeClr val="lt1"/>
+          </a:fontRef>
+        </p:style>
+        <p:txBody>
+          <a:bodyPr wrap="square" rtlCol="0" anchor="ctr">
+            <a:noAutofit/>
+          </a:bodyPr>
+          <a:lstStyle/>
+          <a:p>
+            <a:pPr algn="ctr"/>
+            <a:endParaRPr lang="en-US"/>
+          </a:p>
+        </p:txBody>
+      </p:sp>
+      <p:sp>
+        <p:nvSpPr>
+          <p:cNvPr id="111" name="Freeform: Shape 110">
+            <a:extLst>
+              <a:ext uri="{FF2B5EF4-FFF2-40B4-BE49-F238E27FC236}">
+                <a16:creationId xmlns:a16="http://schemas.microsoft.com/office/drawing/2014/main" id="{5F2F0C84-BE8C-4DC2-A6D3-30349A801D5C}"/>
+              </a:ext>
+              <a:ext uri="{C183D7F6-B498-43B3-948B-1728B52AA6E4}">
+                <adec:decorative xmlns:adec="http://schemas.microsoft.com/office/drawing/2017/decorative" val="1"/>
+              </a:ext>
+            </a:extLst>
+          </p:cNvPr>
+          <p:cNvSpPr>
+            <a:spLocks noGrp="1" noRot="1" noChangeAspect="1" noMove="1" noResize="1" noEditPoints="1" noAdjustHandles="1" noChangeArrowheads="1" noChangeShapeType="1" noTextEdit="1"/>
+          </p:cNvSpPr>
+          <p:nvPr>
+            <p:extLst>
+              <p:ext uri="{386F3935-93C4-4BCD-93E2-E3B085C9AB24}">
+                <p16:designElem xmlns:p16="http://schemas.microsoft.com/office/powerpoint/2015/main" val="1"/>
+              </p:ext>
+            </p:extLst>
+          </p:nvPr>
+        </p:nvSpPr>
+        <p:spPr>
+          <a:xfrm>
+            <a:off x="4953044" y="4694067"/>
+            <a:ext cx="1174455" cy="449433"/>
+          </a:xfrm>
+          <a:custGeom>
+            <a:avLst/>
+            <a:gdLst>
+              <a:gd name="connsiteX0" fmla="*/ 782970 w 1565940"/>
+              <a:gd name="connsiteY0" fmla="*/ 0 h 599245"/>
+              <a:gd name="connsiteX1" fmla="*/ 1528042 w 1565940"/>
+              <a:gd name="connsiteY1" fmla="*/ 480469 h 599245"/>
+              <a:gd name="connsiteX2" fmla="*/ 1565940 w 1565940"/>
+              <a:gd name="connsiteY2" fmla="*/ 599245 h 599245"/>
+              <a:gd name="connsiteX3" fmla="*/ 0 w 1565940"/>
+              <a:gd name="connsiteY3" fmla="*/ 599245 h 599245"/>
+              <a:gd name="connsiteX4" fmla="*/ 37898 w 1565940"/>
+              <a:gd name="connsiteY4" fmla="*/ 480469 h 599245"/>
+              <a:gd name="connsiteX5" fmla="*/ 782970 w 1565940"/>
+              <a:gd name="connsiteY5" fmla="*/ 0 h 599245"/>
+            </a:gdLst>
+            <a:ahLst/>
+            <a:cxnLst>
+              <a:cxn ang="0">
+                <a:pos x="connsiteX0" y="connsiteY0"/>
+              </a:cxn>
+              <a:cxn ang="0">
+                <a:pos x="connsiteX1" y="connsiteY1"/>
+              </a:cxn>
+              <a:cxn ang="0">
+                <a:pos x="connsiteX2" y="connsiteY2"/>
+              </a:cxn>
+              <a:cxn ang="0">
+                <a:pos x="connsiteX3" y="connsiteY3"/>
+              </a:cxn>
+              <a:cxn ang="0">
+                <a:pos x="connsiteX4" y="connsiteY4"/>
+              </a:cxn>
+              <a:cxn ang="0">
+                <a:pos x="connsiteX5" y="connsiteY5"/>
+              </a:cxn>
+            </a:cxnLst>
+            <a:rect l="l" t="t" r="r" b="b"/>
+            <a:pathLst>
+              <a:path w="1565940" h="599245">
+                <a:moveTo>
+                  <a:pt x="782970" y="0"/>
+                </a:moveTo>
+                <a:cubicBezTo>
+                  <a:pt x="1117910" y="0"/>
+                  <a:pt x="1405287" y="198118"/>
+                  <a:pt x="1528042" y="480469"/>
+                </a:cubicBezTo>
+                <a:lnTo>
+                  <a:pt x="1565940" y="599245"/>
+                </a:lnTo>
+                <a:lnTo>
+                  <a:pt x="0" y="599245"/>
+                </a:lnTo>
+                <a:lnTo>
+                  <a:pt x="37898" y="480469"/>
+                </a:lnTo>
+                <a:cubicBezTo>
+                  <a:pt x="160653" y="198118"/>
+                  <a:pt x="448030" y="0"/>
+                  <a:pt x="782970" y="0"/>
+                </a:cubicBezTo>
+                <a:close/>
+              </a:path>
+            </a:pathLst>
+          </a:custGeom>
+          <a:solidFill>
+            <a:schemeClr val="accent2"/>
+          </a:solidFill>
+          <a:ln>
+            <a:noFill/>
+          </a:ln>
+        </p:spPr>
+        <p:style>
+          <a:lnRef idx="2">
+            <a:schemeClr val="accent1">
+              <a:shade val="50000"/>
+            </a:schemeClr>
+          </a:lnRef>
+          <a:fillRef idx="1">
+            <a:schemeClr val="accent1"/>
+          </a:fillRef>
+          <a:effectRef idx="0">
+            <a:schemeClr val="accent1"/>
+          </a:effectRef>
+          <a:fontRef idx="minor">
+            <a:schemeClr val="lt1"/>
+          </a:fontRef>
+        </p:style>
+        <p:txBody>
+          <a:bodyPr wrap="square" rtlCol="0" anchor="ctr">
+            <a:noAutofit/>
+          </a:bodyPr>
+          <a:lstStyle/>
+          <a:p>
+            <a:pPr algn="ctr"/>
+            <a:endParaRPr lang="en-US" dirty="0"/>
+          </a:p>
+        </p:txBody>
+      </p:sp>
+      <p:sp>
+        <p:nvSpPr>
+          <p:cNvPr id="113" name="Freeform: Shape 112">
+            <a:extLst>
+              <a:ext uri="{FF2B5EF4-FFF2-40B4-BE49-F238E27FC236}">
+                <a16:creationId xmlns:a16="http://schemas.microsoft.com/office/drawing/2014/main" id="{7821A508-2985-4905-874A-527429BAABFA}"/>
+              </a:ext>
+              <a:ext uri="{C183D7F6-B498-43B3-948B-1728B52AA6E4}">
+                <adec:decorative xmlns:adec="http://schemas.microsoft.com/office/drawing/2017/decorative" val="1"/>
+              </a:ext>
+            </a:extLst>
+          </p:cNvPr>
+          <p:cNvSpPr>
+            <a:spLocks noGrp="1" noRot="1" noChangeAspect="1" noMove="1" noResize="1" noEditPoints="1" noAdjustHandles="1" noChangeArrowheads="1" noChangeShapeType="1" noTextEdit="1"/>
+          </p:cNvSpPr>
+          <p:nvPr>
+            <p:extLst>
+              <p:ext uri="{386F3935-93C4-4BCD-93E2-E3B085C9AB24}">
+                <p16:designElem xmlns:p16="http://schemas.microsoft.com/office/powerpoint/2015/main" val="1"/>
+              </p:ext>
+            </p:extLst>
+          </p:nvPr>
+        </p:nvSpPr>
+        <p:spPr>
+          <a:xfrm>
+            <a:off x="7982865" y="4376736"/>
+            <a:ext cx="1161135" cy="766764"/>
+          </a:xfrm>
+          <a:custGeom>
+            <a:avLst/>
+            <a:gdLst>
+              <a:gd name="connsiteX0" fmla="*/ 61913 w 1548180"/>
+              <a:gd name="connsiteY0" fmla="*/ 0 h 1022351"/>
+              <a:gd name="connsiteX1" fmla="*/ 1548180 w 1548180"/>
+              <a:gd name="connsiteY1" fmla="*/ 0 h 1022351"/>
+              <a:gd name="connsiteX2" fmla="*/ 1548180 w 1548180"/>
+              <a:gd name="connsiteY2" fmla="*/ 123825 h 1022351"/>
+              <a:gd name="connsiteX3" fmla="*/ 123825 w 1548180"/>
+              <a:gd name="connsiteY3" fmla="*/ 123825 h 1022351"/>
+              <a:gd name="connsiteX4" fmla="*/ 123825 w 1548180"/>
+              <a:gd name="connsiteY4" fmla="*/ 1022351 h 1022351"/>
+              <a:gd name="connsiteX5" fmla="*/ 0 w 1548180"/>
+              <a:gd name="connsiteY5" fmla="*/ 1022351 h 1022351"/>
+              <a:gd name="connsiteX6" fmla="*/ 0 w 1548180"/>
+              <a:gd name="connsiteY6" fmla="*/ 61913 h 1022351"/>
+              <a:gd name="connsiteX7" fmla="*/ 61913 w 1548180"/>
+              <a:gd name="connsiteY7" fmla="*/ 0 h 1022351"/>
+            </a:gdLst>
+            <a:ahLst/>
+            <a:cxnLst>
+              <a:cxn ang="0">
+                <a:pos x="connsiteX0" y="connsiteY0"/>
+              </a:cxn>
+              <a:cxn ang="0">
+                <a:pos x="connsiteX1" y="connsiteY1"/>
+              </a:cxn>
+              <a:cxn ang="0">
+                <a:pos x="connsiteX2" y="connsiteY2"/>
+              </a:cxn>
+              <a:cxn ang="0">
+                <a:pos x="connsiteX3" y="connsiteY3"/>
+              </a:cxn>
+              <a:cxn ang="0">
+                <a:pos x="connsiteX4" y="connsiteY4"/>
+              </a:cxn>
+              <a:cxn ang="0">
+                <a:pos x="connsiteX5" y="connsiteY5"/>
+              </a:cxn>
+              <a:cxn ang="0">
+                <a:pos x="connsiteX6" y="connsiteY6"/>
+              </a:cxn>
+              <a:cxn ang="0">
+                <a:pos x="connsiteX7" y="connsiteY7"/>
+              </a:cxn>
+            </a:cxnLst>
+            <a:rect l="l" t="t" r="r" b="b"/>
+            <a:pathLst>
+              <a:path w="1548180" h="1022351">
+                <a:moveTo>
+                  <a:pt x="61913" y="0"/>
+                </a:moveTo>
+                <a:lnTo>
+                  <a:pt x="1548180" y="0"/>
+                </a:lnTo>
+                <a:lnTo>
+                  <a:pt x="1548180" y="123825"/>
+                </a:lnTo>
+                <a:lnTo>
+                  <a:pt x="123825" y="123825"/>
+                </a:lnTo>
+                <a:lnTo>
+                  <a:pt x="123825" y="1022351"/>
+                </a:lnTo>
+                <a:lnTo>
+                  <a:pt x="0" y="1022351"/>
+                </a:lnTo>
+                <a:lnTo>
+                  <a:pt x="0" y="61913"/>
+                </a:lnTo>
+                <a:cubicBezTo>
+                  <a:pt x="0" y="27719"/>
+                  <a:pt x="27719" y="0"/>
+                  <a:pt x="61913" y="0"/>
+                </a:cubicBezTo>
+                <a:close/>
+              </a:path>
+            </a:pathLst>
+          </a:custGeom>
+          <a:solidFill>
+            <a:schemeClr val="accent6"/>
+          </a:solidFill>
+          <a:ln w="9525" cap="flat">
+            <a:noFill/>
+            <a:prstDash val="solid"/>
+            <a:miter/>
+          </a:ln>
+        </p:spPr>
+        <p:txBody>
+          <a:bodyPr rtlCol="0" anchor="ctr"/>
+          <a:lstStyle/>
+          <a:p>
+            <a:endParaRPr lang="en-US"/>
+          </a:p>
+        </p:txBody>
+      </p:sp>
+    </p:spTree>
+    <p:extLst>
+      <p:ext uri="{BB962C8B-B14F-4D97-AF65-F5344CB8AC3E}">
+        <p14:creationId xmlns:p14="http://schemas.microsoft.com/office/powerpoint/2010/main" val="3750634251"/>
+      </p:ext>
+    </p:extLst>
+  </p:cSld>
+  <p:clrMapOvr>
+    <a:masterClrMapping/>
+  </p:clrMapOvr>
+  <p:transition spd="slow">
+    <p:push dir="u"/>
+  </p:transition>
+</p:sld>
+</file>
+
+<file path=ppt/slides/slide8.xml><?xml version="1.0" encoding="utf-8"?>
+<p:sld xmlns:a="http://schemas.openxmlformats.org/drawingml/2006/main" xmlns:r="http://schemas.openxmlformats.org/officeDocument/2006/relationships" xmlns:p="http://schemas.openxmlformats.org/presentationml/2006/main">
+  <p:cSld>
+    <p:bg>
+      <p:bgPr>
+        <a:solidFill>
+          <a:schemeClr val="bg1"/>
+        </a:solidFill>
+        <a:effectLst/>
+      </p:bgPr>
+    </p:bg>
+    <p:spTree>
+      <p:nvGrpSpPr>
+        <p:cNvPr id="1" name=""/>
+        <p:cNvGrpSpPr/>
+        <p:nvPr/>
+      </p:nvGrpSpPr>
+      <p:grpSpPr>
+        <a:xfrm>
+          <a:off x="0" y="0"/>
+          <a:ext cx="0" cy="0"/>
+          <a:chOff x="0" y="0"/>
+          <a:chExt cx="0" cy="0"/>
+        </a:xfrm>
+      </p:grpSpPr>
+      <p:sp useBgFill="1">
+        <p:nvSpPr>
+          <p:cNvPr id="22" name="Rectangle 15">
+            <a:extLst>
+              <a:ext uri="{FF2B5EF4-FFF2-40B4-BE49-F238E27FC236}">
+                <a16:creationId xmlns:a16="http://schemas.microsoft.com/office/drawing/2014/main" id="{8CC66E84-2B42-463F-8329-75BA0D52127B}"/>
+              </a:ext>
+              <a:ext uri="{C183D7F6-B498-43B3-948B-1728B52AA6E4}">
+                <adec:decorative xmlns:adec="http://schemas.microsoft.com/office/drawing/2017/decorative" val="1"/>
+              </a:ext>
+            </a:extLst>
+          </p:cNvPr>
+          <p:cNvSpPr>
+            <a:spLocks noGrp="1" noRot="1" noChangeAspect="1" noMove="1" noResize="1" noEditPoints="1" noAdjustHandles="1" noChangeArrowheads="1" noChangeShapeType="1" noTextEdit="1"/>
+          </p:cNvSpPr>
+          <p:nvPr>
+            <p:extLst>
+              <p:ext uri="{386F3935-93C4-4BCD-93E2-E3B085C9AB24}">
+                <p16:designElem xmlns:p16="http://schemas.microsoft.com/office/powerpoint/2015/main" val="1"/>
+              </p:ext>
+            </p:extLst>
+          </p:nvPr>
+        </p:nvSpPr>
+        <p:spPr>
+          <a:xfrm>
+            <a:off x="0" y="0"/>
+            <a:ext cx="9143999" cy="5143023"/>
+          </a:xfrm>
+          <a:prstGeom prst="rect">
+            <a:avLst/>
+          </a:prstGeom>
+          <a:ln>
+            <a:noFill/>
+          </a:ln>
+        </p:spPr>
+        <p:style>
+          <a:lnRef idx="2">
+            <a:schemeClr val="accent1">
+              <a:shade val="50000"/>
+            </a:schemeClr>
+          </a:lnRef>
+          <a:fillRef idx="1">
+            <a:schemeClr val="accent1"/>
+          </a:fillRef>
+          <a:effectRef idx="0">
+            <a:schemeClr val="accent1"/>
+          </a:effectRef>
+          <a:fontRef idx="minor">
+            <a:schemeClr val="lt1"/>
+          </a:fontRef>
+        </p:style>
+        <p:txBody>
+          <a:bodyPr rtlCol="0" anchor="ctr"/>
+          <a:lstStyle/>
+          <a:p>
+            <a:pPr algn="ctr"/>
+            <a:endParaRPr lang="en-US"/>
+          </a:p>
+        </p:txBody>
+      </p:sp>
+      <p:sp>
+        <p:nvSpPr>
+          <p:cNvPr id="2" name="Title 1"/>
+          <p:cNvSpPr>
+            <a:spLocks noGrp="1"/>
+          </p:cNvSpPr>
+          <p:nvPr>
+            <p:ph type="ctrTitle"/>
+          </p:nvPr>
+        </p:nvSpPr>
+        <p:spPr>
+          <a:xfrm>
+            <a:off x="621036" y="1125779"/>
+            <a:ext cx="3169173" cy="2985009"/>
+          </a:xfrm>
+        </p:spPr>
+        <p:txBody>
+          <a:bodyPr anchor="t">
+            <a:normAutofit/>
+          </a:bodyPr>
+          <a:lstStyle/>
+          <a:p>
+            <a:pPr algn="l">
+              <a:lnSpc>
+                <a:spcPct val="140000"/>
+              </a:lnSpc>
+            </a:pPr>
+            <a:r>
+              <a:rPr lang="en-US" sz="2800" b="1" spc="300" dirty="0"/>
+              <a:t>MODEL</a:t>
+            </a:r>
+            <a:r>
+              <a:rPr lang="en-US" sz="1000" b="1" spc="300" dirty="0"/>
+              <a:t> 	</a:t>
+            </a:r>
+            <a:r>
+              <a:rPr lang="en-US" sz="1000" spc="300" dirty="0"/>
+              <a:t>GỒM CÓ</a:t>
+            </a:r>
+            <a:br>
+              <a:rPr lang="en-US" sz="1000" spc="300" dirty="0"/>
+            </a:br>
+            <a:r>
+              <a:rPr lang="en-US" sz="1000" spc="300" dirty="0"/>
+              <a:t>	</a:t>
+            </a:r>
+            <a:br>
+              <a:rPr lang="en-US" sz="1000" spc="300" dirty="0"/>
+            </a:br>
+            <a:r>
+              <a:rPr lang="en-US" sz="1400" spc="300" dirty="0">
+                <a:solidFill>
+                  <a:schemeClr val="tx1"/>
+                </a:solidFill>
+              </a:rPr>
+              <a:t>Account</a:t>
+            </a:r>
+            <a:br>
+              <a:rPr lang="en-US" sz="1400" spc="300" dirty="0">
+                <a:solidFill>
+                  <a:schemeClr val="tx1"/>
+                </a:solidFill>
+              </a:rPr>
+            </a:br>
+            <a:r>
+              <a:rPr lang="en-US" sz="1400" spc="300" dirty="0">
+                <a:solidFill>
+                  <a:schemeClr val="tx1"/>
+                </a:solidFill>
+              </a:rPr>
+              <a:t>Book</a:t>
+            </a:r>
+            <a:br>
+              <a:rPr lang="en-US" sz="1400" spc="300" dirty="0">
+                <a:solidFill>
+                  <a:schemeClr val="tx1"/>
+                </a:solidFill>
+              </a:rPr>
+            </a:br>
+            <a:r>
+              <a:rPr lang="en-US" sz="1400" spc="300" dirty="0" err="1">
+                <a:solidFill>
+                  <a:schemeClr val="tx1"/>
+                </a:solidFill>
+              </a:rPr>
+              <a:t>BookLending</a:t>
+            </a:r>
+            <a:br>
+              <a:rPr lang="en-US" sz="1400" spc="300" dirty="0">
+                <a:solidFill>
+                  <a:schemeClr val="tx1"/>
+                </a:solidFill>
+              </a:rPr>
+            </a:br>
+            <a:r>
+              <a:rPr lang="en-US" sz="1400" spc="300" dirty="0">
+                <a:solidFill>
+                  <a:schemeClr val="tx1"/>
+                </a:solidFill>
+              </a:rPr>
+              <a:t>Categories</a:t>
+            </a:r>
+            <a:br>
+              <a:rPr lang="en-US" sz="1400" spc="300" dirty="0">
+                <a:solidFill>
+                  <a:schemeClr val="tx1"/>
+                </a:solidFill>
+              </a:rPr>
+            </a:br>
+            <a:r>
+              <a:rPr lang="en-US" sz="1400" spc="300" dirty="0" err="1">
+                <a:solidFill>
+                  <a:schemeClr val="tx1"/>
+                </a:solidFill>
+              </a:rPr>
+              <a:t>Lending_Detail</a:t>
+            </a:r>
+            <a:br>
+              <a:rPr lang="en-US" sz="1400" spc="300" dirty="0">
+                <a:solidFill>
+                  <a:schemeClr val="tx1"/>
+                </a:solidFill>
+              </a:rPr>
+            </a:br>
+            <a:r>
+              <a:rPr lang="en-US" sz="1400" spc="300" dirty="0">
+                <a:solidFill>
+                  <a:schemeClr val="tx1"/>
+                </a:solidFill>
+              </a:rPr>
+              <a:t>Staff</a:t>
+            </a:r>
+            <a:br>
+              <a:rPr lang="en-US" sz="1400" spc="300" dirty="0">
+                <a:solidFill>
+                  <a:schemeClr val="tx1"/>
+                </a:solidFill>
+              </a:rPr>
+            </a:br>
+            <a:r>
+              <a:rPr lang="en-US" sz="1400" spc="300" dirty="0">
+                <a:solidFill>
+                  <a:schemeClr val="tx1"/>
+                </a:solidFill>
+              </a:rPr>
+              <a:t>Student</a:t>
+            </a:r>
+            <a:endParaRPr lang="en-US" sz="1050" spc="300" dirty="0">
+              <a:solidFill>
+                <a:schemeClr val="tx1"/>
+              </a:solidFill>
+            </a:endParaRPr>
+          </a:p>
+        </p:txBody>
+      </p:sp>
+      <p:grpSp>
+        <p:nvGrpSpPr>
+          <p:cNvPr id="18" name="Group 17">
+            <a:extLst>
+              <a:ext uri="{FF2B5EF4-FFF2-40B4-BE49-F238E27FC236}">
+                <a16:creationId xmlns:a16="http://schemas.microsoft.com/office/drawing/2014/main" id="{032D8612-31EB-44CF-A1D0-14FD4C705424}"/>
+              </a:ext>
+              <a:ext uri="{C183D7F6-B498-43B3-948B-1728B52AA6E4}">
+                <adec:decorative xmlns:adec="http://schemas.microsoft.com/office/drawing/2017/decorative" val="1"/>
+              </a:ext>
+            </a:extLst>
+          </p:cNvPr>
+          <p:cNvGrpSpPr>
+            <a:grpSpLocks noGrp="1" noUngrp="1" noRot="1" noChangeAspect="1" noMove="1" noResize="1"/>
+          </p:cNvGrpSpPr>
+          <p:nvPr>
+            <p:extLst>
+              <p:ext uri="{386F3935-93C4-4BCD-93E2-E3B085C9AB24}">
+                <p16:designElem xmlns:p16="http://schemas.microsoft.com/office/powerpoint/2015/main" val="1"/>
+              </p:ext>
+            </p:extLst>
+          </p:nvPr>
+        </p:nvGrpSpPr>
+        <p:grpSpPr>
+          <a:xfrm>
+            <a:off x="-2" y="2365737"/>
+            <a:ext cx="548639" cy="505095"/>
+            <a:chOff x="3940602" y="308034"/>
+            <a:chExt cx="2116791" cy="3428999"/>
+          </a:xfrm>
+          <a:solidFill>
+            <a:schemeClr val="accent4"/>
+          </a:solidFill>
+        </p:grpSpPr>
+        <p:sp>
+          <p:nvSpPr>
+            <p:cNvPr id="19" name="Rectangle 18">
+              <a:extLst>
+                <a:ext uri="{FF2B5EF4-FFF2-40B4-BE49-F238E27FC236}">
+                  <a16:creationId xmlns:a16="http://schemas.microsoft.com/office/drawing/2014/main" id="{F19A4A0F-1B59-4DB0-9764-D10936E98770}"/>
+                </a:ext>
+                <a:ext uri="{C183D7F6-B498-43B3-948B-1728B52AA6E4}">
+                  <adec:decorative xmlns:adec="http://schemas.microsoft.com/office/drawing/2017/decorative" val="1"/>
+                </a:ext>
+              </a:extLst>
+            </p:cNvPr>
+            <p:cNvSpPr/>
+            <p:nvPr>
+              <p:extLst>
+                <p:ext uri="{386F3935-93C4-4BCD-93E2-E3B085C9AB24}">
+                  <p16:designElem xmlns:p16="http://schemas.microsoft.com/office/powerpoint/2015/main" val="1"/>
+                </p:ext>
+              </p:extLst>
+            </p:nvPr>
+          </p:nvSpPr>
+          <p:spPr>
+            <a:xfrm>
+              <a:off x="3940602" y="308034"/>
+              <a:ext cx="566743" cy="3428999"/>
+            </a:xfrm>
+            <a:prstGeom prst="rect">
+              <a:avLst/>
+            </a:prstGeom>
+            <a:grpFill/>
+            <a:ln>
+              <a:noFill/>
+            </a:ln>
+          </p:spPr>
+          <p:style>
+            <a:lnRef idx="2">
+              <a:schemeClr val="accent1">
+                <a:shade val="50000"/>
+              </a:schemeClr>
+            </a:lnRef>
+            <a:fillRef idx="1">
+              <a:schemeClr val="accent1"/>
+            </a:fillRef>
+            <a:effectRef idx="0">
+              <a:schemeClr val="accent1"/>
+            </a:effectRef>
+            <a:fontRef idx="minor">
+              <a:schemeClr val="lt1"/>
+            </a:fontRef>
+          </p:style>
+          <p:txBody>
+            <a:bodyPr rtlCol="0" anchor="ctr"/>
+            <a:lstStyle/>
+            <a:p>
+              <a:pPr algn="ctr"/>
+              <a:endParaRPr lang="en-US"/>
+            </a:p>
+          </p:txBody>
+        </p:sp>
+        <p:sp>
+          <p:nvSpPr>
+            <p:cNvPr id="20" name="Rectangle 19">
+              <a:extLst>
+                <a:ext uri="{FF2B5EF4-FFF2-40B4-BE49-F238E27FC236}">
+                  <a16:creationId xmlns:a16="http://schemas.microsoft.com/office/drawing/2014/main" id="{F399A70F-F8CD-4992-9EF5-6CF15472E73F}"/>
+                </a:ext>
+                <a:ext uri="{C183D7F6-B498-43B3-948B-1728B52AA6E4}">
+                  <adec:decorative xmlns:adec="http://schemas.microsoft.com/office/drawing/2017/decorative" val="1"/>
+                </a:ext>
+              </a:extLst>
+            </p:cNvPr>
+            <p:cNvSpPr/>
+            <p:nvPr>
+              <p:extLst>
+                <p:ext uri="{386F3935-93C4-4BCD-93E2-E3B085C9AB24}">
+                  <p16:designElem xmlns:p16="http://schemas.microsoft.com/office/powerpoint/2015/main" val="1"/>
+                </p:ext>
+              </p:extLst>
+            </p:nvPr>
+          </p:nvSpPr>
+          <p:spPr>
+            <a:xfrm>
+              <a:off x="4715626" y="308034"/>
+              <a:ext cx="566743" cy="3428999"/>
+            </a:xfrm>
+            <a:prstGeom prst="rect">
+              <a:avLst/>
+            </a:prstGeom>
+            <a:grpFill/>
+            <a:ln>
+              <a:noFill/>
+            </a:ln>
+          </p:spPr>
+          <p:style>
+            <a:lnRef idx="2">
+              <a:schemeClr val="accent1">
+                <a:shade val="50000"/>
+              </a:schemeClr>
+            </a:lnRef>
+            <a:fillRef idx="1">
+              <a:schemeClr val="accent1"/>
+            </a:fillRef>
+            <a:effectRef idx="0">
+              <a:schemeClr val="accent1"/>
+            </a:effectRef>
+            <a:fontRef idx="minor">
+              <a:schemeClr val="lt1"/>
+            </a:fontRef>
+          </p:style>
+          <p:txBody>
+            <a:bodyPr rtlCol="0" anchor="ctr"/>
+            <a:lstStyle/>
+            <a:p>
+              <a:pPr algn="ctr"/>
+              <a:endParaRPr lang="en-US"/>
+            </a:p>
+          </p:txBody>
+        </p:sp>
+        <p:sp>
+          <p:nvSpPr>
+            <p:cNvPr id="21" name="Rectangle 20">
+              <a:extLst>
+                <a:ext uri="{FF2B5EF4-FFF2-40B4-BE49-F238E27FC236}">
+                  <a16:creationId xmlns:a16="http://schemas.microsoft.com/office/drawing/2014/main" id="{48F4FEDC-6D80-458C-A665-075D9B9500FD}"/>
+                </a:ext>
+                <a:ext uri="{C183D7F6-B498-43B3-948B-1728B52AA6E4}">
+                  <adec:decorative xmlns:adec="http://schemas.microsoft.com/office/drawing/2017/decorative" val="1"/>
+                </a:ext>
+              </a:extLst>
+            </p:cNvPr>
+            <p:cNvSpPr/>
+            <p:nvPr>
+              <p:extLst>
+                <p:ext uri="{386F3935-93C4-4BCD-93E2-E3B085C9AB24}">
+                  <p16:designElem xmlns:p16="http://schemas.microsoft.com/office/powerpoint/2015/main" val="1"/>
+                </p:ext>
+              </p:extLst>
+            </p:nvPr>
+          </p:nvSpPr>
+          <p:spPr>
+            <a:xfrm>
+              <a:off x="5490650" y="308034"/>
+              <a:ext cx="566743" cy="3428999"/>
+            </a:xfrm>
+            <a:prstGeom prst="rect">
+              <a:avLst/>
+            </a:prstGeom>
+            <a:grpFill/>
+            <a:ln>
+              <a:noFill/>
+            </a:ln>
+          </p:spPr>
+          <p:style>
+            <a:lnRef idx="2">
+              <a:schemeClr val="accent1">
+                <a:shade val="50000"/>
+              </a:schemeClr>
+            </a:lnRef>
+            <a:fillRef idx="1">
+              <a:schemeClr val="accent1"/>
+            </a:fillRef>
+            <a:effectRef idx="0">
+              <a:schemeClr val="accent1"/>
+            </a:effectRef>
+            <a:fontRef idx="minor">
+              <a:schemeClr val="lt1"/>
+            </a:fontRef>
+          </p:style>
+          <p:txBody>
+            <a:bodyPr rtlCol="0" anchor="ctr"/>
+            <a:lstStyle/>
+            <a:p>
+              <a:pPr algn="ctr"/>
+              <a:endParaRPr lang="en-US"/>
+            </a:p>
+          </p:txBody>
+        </p:sp>
+      </p:grpSp>
+      <p:sp>
+        <p:nvSpPr>
+          <p:cNvPr id="23" name="Rectangle 22">
+            <a:extLst>
+              <a:ext uri="{FF2B5EF4-FFF2-40B4-BE49-F238E27FC236}">
+                <a16:creationId xmlns:a16="http://schemas.microsoft.com/office/drawing/2014/main" id="{19C9EAEA-39D0-4B0E-A0EB-51E7B26740B1}"/>
+              </a:ext>
+              <a:ext uri="{C183D7F6-B498-43B3-948B-1728B52AA6E4}">
+                <adec:decorative xmlns:adec="http://schemas.microsoft.com/office/drawing/2017/decorative" val="1"/>
+              </a:ext>
+            </a:extLst>
+          </p:cNvPr>
+          <p:cNvSpPr>
+            <a:spLocks noGrp="1" noRot="1" noChangeAspect="1" noMove="1" noResize="1" noEditPoints="1" noAdjustHandles="1" noChangeArrowheads="1" noChangeShapeType="1" noTextEdit="1"/>
+          </p:cNvSpPr>
+          <p:nvPr>
+            <p:extLst>
+              <p:ext uri="{386F3935-93C4-4BCD-93E2-E3B085C9AB24}">
+                <p16:designElem xmlns:p16="http://schemas.microsoft.com/office/powerpoint/2015/main" val="1"/>
+              </p:ext>
+            </p:extLst>
+          </p:nvPr>
+        </p:nvSpPr>
+        <p:spPr>
+          <a:xfrm>
+            <a:off x="4264357" y="509799"/>
+            <a:ext cx="4507025" cy="4067910"/>
           </a:xfrm>
           <a:prstGeom prst="rect">
             <a:avLst/>
           </a:prstGeom>
           <a:solidFill>
-            <a:srgbClr val="4C5254"/>
+            <a:schemeClr val="bg1"/>
+          </a:solidFill>
+          <a:ln>
+            <a:noFill/>
+          </a:ln>
+          <a:effectLst>
+            <a:outerShdw blurRad="139700" dist="127000" dir="5400000" algn="t" rotWithShape="0">
+              <a:prstClr val="black">
+                <a:alpha val="15000"/>
+              </a:prstClr>
+            </a:outerShdw>
+          </a:effectLst>
+        </p:spPr>
+        <p:style>
+          <a:lnRef idx="2">
+            <a:schemeClr val="accent1">
+              <a:shade val="50000"/>
+            </a:schemeClr>
+          </a:lnRef>
+          <a:fillRef idx="1">
+            <a:schemeClr val="accent1"/>
+          </a:fillRef>
+          <a:effectRef idx="0">
+            <a:schemeClr val="accent1"/>
+          </a:effectRef>
+          <a:fontRef idx="minor">
+            <a:schemeClr val="lt1"/>
+          </a:fontRef>
+        </p:style>
+        <p:txBody>
+          <a:bodyPr rtlCol="0" anchor="ctr"/>
+          <a:lstStyle/>
+          <a:p>
+            <a:pPr algn="ctr"/>
+            <a:endParaRPr lang="en-US"/>
+          </a:p>
+        </p:txBody>
+      </p:sp>
+      <p:pic>
+        <p:nvPicPr>
+          <p:cNvPr id="6" name="Hình ảnh 5">
+            <a:extLst>
+              <a:ext uri="{FF2B5EF4-FFF2-40B4-BE49-F238E27FC236}">
+                <a16:creationId xmlns:a16="http://schemas.microsoft.com/office/drawing/2014/main" id="{A3A63C1E-8D23-4979-AF88-8B45834EAAAF}"/>
+              </a:ext>
+            </a:extLst>
+          </p:cNvPr>
+          <p:cNvPicPr>
+            <a:picLocks noChangeAspect="1"/>
+          </p:cNvPicPr>
+          <p:nvPr/>
+        </p:nvPicPr>
+        <p:blipFill rotWithShape="1">
+          <a:blip r:embed="rId2"/>
+          <a:srcRect t="609" r="1" b="506"/>
+          <a:stretch/>
+        </p:blipFill>
+        <p:spPr>
+          <a:xfrm>
+            <a:off x="4441869" y="696150"/>
+            <a:ext cx="4152000" cy="3695207"/>
+          </a:xfrm>
+          <a:prstGeom prst="rect">
+            <a:avLst/>
+          </a:prstGeom>
+        </p:spPr>
+      </p:pic>
+      <p:sp>
+        <p:nvSpPr>
+          <p:cNvPr id="25" name="Rectangle 24">
+            <a:extLst>
+              <a:ext uri="{FF2B5EF4-FFF2-40B4-BE49-F238E27FC236}">
+                <a16:creationId xmlns:a16="http://schemas.microsoft.com/office/drawing/2014/main" id="{3873B707-463F-40B0-8227-E8CC6C67EB25}"/>
+              </a:ext>
+              <a:ext uri="{C183D7F6-B498-43B3-948B-1728B52AA6E4}">
+                <adec:decorative xmlns:adec="http://schemas.microsoft.com/office/drawing/2017/decorative" val="1"/>
+              </a:ext>
+            </a:extLst>
+          </p:cNvPr>
+          <p:cNvSpPr>
+            <a:spLocks noGrp="1" noRot="1" noChangeAspect="1" noMove="1" noResize="1" noEditPoints="1" noAdjustHandles="1" noChangeArrowheads="1" noChangeShapeType="1" noTextEdit="1"/>
+          </p:cNvSpPr>
+          <p:nvPr>
+            <p:extLst>
+              <p:ext uri="{386F3935-93C4-4BCD-93E2-E3B085C9AB24}">
+                <p16:designElem xmlns:p16="http://schemas.microsoft.com/office/powerpoint/2015/main" val="1"/>
+              </p:ext>
+            </p:extLst>
+          </p:nvPr>
+        </p:nvSpPr>
+        <p:spPr>
+          <a:xfrm flipH="1">
+            <a:off x="4265676" y="4766304"/>
+            <a:ext cx="4505706" cy="34290"/>
+          </a:xfrm>
+          <a:prstGeom prst="rect">
+            <a:avLst/>
+          </a:prstGeom>
+          <a:solidFill>
+            <a:schemeClr val="accent4"/>
           </a:solidFill>
           <a:ln>
             <a:noFill/>
@@ -8327,52 +12724,10 @@
           </a:p>
         </p:txBody>
       </p:sp>
-      <p:pic>
-        <p:nvPicPr>
-          <p:cNvPr id="4" name="Hình ảnh 3" descr="Ảnh có chứa ảnh chụp màn hình&#10;&#10;Mô tả được tạo tự động">
-            <a:extLst>
-              <a:ext uri="{FF2B5EF4-FFF2-40B4-BE49-F238E27FC236}">
-                <a16:creationId xmlns:a16="http://schemas.microsoft.com/office/drawing/2014/main" id="{1F897186-0077-48B7-82D7-7E4653C73755}"/>
-              </a:ext>
-            </a:extLst>
-          </p:cNvPr>
-          <p:cNvPicPr>
-            <a:picLocks noChangeAspect="1"/>
-          </p:cNvPicPr>
-          <p:nvPr/>
-        </p:nvPicPr>
-        <p:blipFill rotWithShape="1">
-          <a:blip r:embed="rId2">
-            <a:extLst>
-              <a:ext uri="{28A0092B-C50C-407E-A947-70E740481C1C}">
-                <a14:useLocalDpi xmlns:a14="http://schemas.microsoft.com/office/drawing/2010/main" val="0"/>
-              </a:ext>
-            </a:extLst>
-          </a:blip>
-          <a:srcRect r="2856" b="-3"/>
-          <a:stretch/>
-        </p:blipFill>
-        <p:spPr>
-          <a:xfrm>
-            <a:off x="-18990" y="291372"/>
-            <a:ext cx="4427964" cy="4180615"/>
-          </a:xfrm>
-          <a:prstGeom prst="rect">
-            <a:avLst/>
-          </a:prstGeom>
-          <a:effectLst>
-            <a:outerShdw blurRad="406400" dist="317500" dir="5400000" sx="89000" sy="89000" rotWithShape="0">
-              <a:prstClr val="black">
-                <a:alpha val="15000"/>
-              </a:prstClr>
-            </a:outerShdw>
-          </a:effectLst>
-        </p:spPr>
-      </p:pic>
     </p:spTree>
     <p:extLst>
       <p:ext uri="{BB962C8B-B14F-4D97-AF65-F5344CB8AC3E}">
-        <p14:creationId xmlns:p14="http://schemas.microsoft.com/office/powerpoint/2010/main" val="1051368763"/>
+        <p14:creationId xmlns:p14="http://schemas.microsoft.com/office/powerpoint/2010/main" val="3800443004"/>
       </p:ext>
     </p:extLst>
   </p:cSld>
@@ -8385,16 +12740,13 @@
 </p:sld>
 </file>
 
-<file path=ppt/slides/slide8.xml><?xml version="1.0" encoding="utf-8"?>
+<file path=ppt/slides/slide9.xml><?xml version="1.0" encoding="utf-8"?>
 <p:sld xmlns:a="http://schemas.openxmlformats.org/drawingml/2006/main" xmlns:r="http://schemas.openxmlformats.org/officeDocument/2006/relationships" xmlns:p="http://schemas.openxmlformats.org/presentationml/2006/main">
   <p:cSld>
     <p:bg>
       <p:bgPr>
         <a:solidFill>
-          <a:schemeClr val="bg1">
-            <a:lumMod val="75000"/>
-            <a:alpha val="54000"/>
-          </a:schemeClr>
+          <a:schemeClr val="bg1"/>
         </a:solidFill>
         <a:effectLst/>
       </p:bgPr>
@@ -8413,12 +12765,12 @@
           <a:chExt cx="0" cy="0"/>
         </a:xfrm>
       </p:grpSpPr>
-      <p:sp>
+      <p:sp useBgFill="1">
         <p:nvSpPr>
-          <p:cNvPr id="13" name="Rectangle 8">
+          <p:cNvPr id="11" name="Rectangle 10">
             <a:extLst>
               <a:ext uri="{FF2B5EF4-FFF2-40B4-BE49-F238E27FC236}">
-                <a16:creationId xmlns:a16="http://schemas.microsoft.com/office/drawing/2014/main" id="{A4AC5506-6312-4701-8D3C-40187889A947}"/>
+                <a16:creationId xmlns:a16="http://schemas.microsoft.com/office/drawing/2014/main" id="{06A07E96-3969-4595-802D-25631B3CB61A}"/>
               </a:ext>
               <a:ext uri="{C183D7F6-B498-43B3-948B-1728B52AA6E4}">
                 <adec:decorative xmlns:adec="http://schemas.microsoft.com/office/drawing/2017/decorative" val="1"/>
@@ -8438,15 +12790,12 @@
         </p:nvSpPr>
         <p:spPr>
           <a:xfrm>
-            <a:off x="0" y="488814"/>
-            <a:ext cx="9144000" cy="552413"/>
+            <a:off x="0" y="0"/>
+            <a:ext cx="9143771" cy="5143500"/>
           </a:xfrm>
           <a:prstGeom prst="rect">
             <a:avLst/>
           </a:prstGeom>
-          <a:solidFill>
-            <a:schemeClr val="tx1"/>
-          </a:solidFill>
           <a:ln>
             <a:noFill/>
           </a:ln>
@@ -8476,25 +12825,2184 @@
           </a:p>
         </p:txBody>
       </p:sp>
+      <p:grpSp>
+        <p:nvGrpSpPr>
+          <p:cNvPr id="13" name="Group 12">
+            <a:extLst>
+              <a:ext uri="{FF2B5EF4-FFF2-40B4-BE49-F238E27FC236}">
+                <a16:creationId xmlns:a16="http://schemas.microsoft.com/office/drawing/2014/main" id="{D4EE850F-AE83-4C3F-A64D-8B67DEF33C2D}"/>
+              </a:ext>
+              <a:ext uri="{C183D7F6-B498-43B3-948B-1728B52AA6E4}">
+                <adec:decorative xmlns:adec="http://schemas.microsoft.com/office/drawing/2017/decorative" val="1"/>
+              </a:ext>
+            </a:extLst>
+          </p:cNvPr>
+          <p:cNvGrpSpPr>
+            <a:grpSpLocks noGrp="1" noUngrp="1" noRot="1" noChangeAspect="1" noMove="1" noResize="1"/>
+          </p:cNvGrpSpPr>
+          <p:nvPr>
+            <p:extLst>
+              <p:ext uri="{386F3935-93C4-4BCD-93E2-E3B085C9AB24}">
+                <p16:designElem xmlns:p16="http://schemas.microsoft.com/office/powerpoint/2015/main" val="1"/>
+              </p:ext>
+            </p:extLst>
+          </p:nvPr>
+        </p:nvGrpSpPr>
+        <p:grpSpPr>
+          <a:xfrm>
+            <a:off x="-247255" y="-44532"/>
+            <a:ext cx="9386886" cy="5192848"/>
+            <a:chOff x="-329674" y="-51881"/>
+            <a:chExt cx="12515851" cy="6923798"/>
+          </a:xfrm>
+        </p:grpSpPr>
+        <p:sp>
+          <p:nvSpPr>
+            <p:cNvPr id="14" name="Freeform 5">
+              <a:extLst>
+                <a:ext uri="{FF2B5EF4-FFF2-40B4-BE49-F238E27FC236}">
+                  <a16:creationId xmlns:a16="http://schemas.microsoft.com/office/drawing/2014/main" id="{1BC9603D-FE04-4520-8E50-7C75B9CA22AA}"/>
+                </a:ext>
+                <a:ext uri="{C183D7F6-B498-43B3-948B-1728B52AA6E4}">
+                  <adec:decorative xmlns:adec="http://schemas.microsoft.com/office/drawing/2017/decorative" val="1"/>
+                </a:ext>
+              </a:extLst>
+            </p:cNvPr>
+            <p:cNvSpPr>
+              <a:spLocks/>
+            </p:cNvSpPr>
+            <p:nvPr>
+              <p:extLst>
+                <p:ext uri="{386F3935-93C4-4BCD-93E2-E3B085C9AB24}">
+                  <p16:designElem xmlns:p16="http://schemas.microsoft.com/office/powerpoint/2015/main" val="1"/>
+                </p:ext>
+              </p:extLst>
+            </p:nvPr>
+          </p:nvSpPr>
+          <p:spPr bwMode="auto">
+            <a:xfrm>
+              <a:off x="-329674" y="1298404"/>
+              <a:ext cx="9702800" cy="5573512"/>
+            </a:xfrm>
+            <a:custGeom>
+              <a:avLst/>
+              <a:gdLst>
+                <a:gd name="T0" fmla="*/ 1752 w 2038"/>
+                <a:gd name="T1" fmla="*/ 1169 h 1169"/>
+                <a:gd name="T2" fmla="*/ 1487 w 2038"/>
+                <a:gd name="T3" fmla="*/ 334 h 1169"/>
+                <a:gd name="T4" fmla="*/ 860 w 2038"/>
+                <a:gd name="T5" fmla="*/ 22 h 1169"/>
+                <a:gd name="T6" fmla="*/ 199 w 2038"/>
+                <a:gd name="T7" fmla="*/ 318 h 1169"/>
+                <a:gd name="T8" fmla="*/ 399 w 2038"/>
+                <a:gd name="T9" fmla="*/ 1165 h 1169"/>
+              </a:gdLst>
+              <a:ahLst/>
+              <a:cxnLst>
+                <a:cxn ang="0">
+                  <a:pos x="T0" y="T1"/>
+                </a:cxn>
+                <a:cxn ang="0">
+                  <a:pos x="T2" y="T3"/>
+                </a:cxn>
+                <a:cxn ang="0">
+                  <a:pos x="T4" y="T5"/>
+                </a:cxn>
+                <a:cxn ang="0">
+                  <a:pos x="T6" y="T7"/>
+                </a:cxn>
+                <a:cxn ang="0">
+                  <a:pos x="T8" y="T9"/>
+                </a:cxn>
+              </a:cxnLst>
+              <a:rect l="0" t="0" r="r" b="b"/>
+              <a:pathLst>
+                <a:path w="2038" h="1169">
+                  <a:moveTo>
+                    <a:pt x="1752" y="1169"/>
+                  </a:moveTo>
+                  <a:cubicBezTo>
+                    <a:pt x="2038" y="928"/>
+                    <a:pt x="1673" y="513"/>
+                    <a:pt x="1487" y="334"/>
+                  </a:cubicBezTo>
+                  <a:cubicBezTo>
+                    <a:pt x="1316" y="170"/>
+                    <a:pt x="1099" y="43"/>
+                    <a:pt x="860" y="22"/>
+                  </a:cubicBezTo>
+                  <a:cubicBezTo>
+                    <a:pt x="621" y="0"/>
+                    <a:pt x="341" y="128"/>
+                    <a:pt x="199" y="318"/>
+                  </a:cubicBezTo>
+                  <a:cubicBezTo>
+                    <a:pt x="0" y="586"/>
+                    <a:pt x="184" y="965"/>
+                    <a:pt x="399" y="1165"/>
+                  </a:cubicBezTo>
+                </a:path>
+              </a:pathLst>
+            </a:custGeom>
+            <a:noFill/>
+            <a:ln w="9525" cap="flat">
+              <a:solidFill>
+                <a:schemeClr val="tx1">
+                  <a:alpha val="20000"/>
+                </a:schemeClr>
+              </a:solidFill>
+              <a:prstDash val="solid"/>
+              <a:miter lim="800000"/>
+              <a:headEnd/>
+              <a:tailEnd/>
+            </a:ln>
+            <a:extLst>
+              <a:ext uri="{909E8E84-426E-40DD-AFC4-6F175D3DCCD1}">
+                <a14:hiddenFill xmlns:a14="http://schemas.microsoft.com/office/drawing/2010/main">
+                  <a:solidFill>
+                    <a:srgbClr val="FFFFFF"/>
+                  </a:solidFill>
+                </a14:hiddenFill>
+              </a:ext>
+            </a:extLst>
+          </p:spPr>
+          <p:txBody>
+            <a:bodyPr vert="horz" wrap="square" lIns="91440" tIns="45720" rIns="91440" bIns="45720" numCol="1" anchor="t" anchorCtr="0" compatLnSpc="1">
+              <a:prstTxWarp prst="textNoShape">
+                <a:avLst/>
+              </a:prstTxWarp>
+            </a:bodyPr>
+            <a:lstStyle/>
+            <a:p>
+              <a:endParaRPr lang="en-US"/>
+            </a:p>
+          </p:txBody>
+        </p:sp>
+        <p:sp>
+          <p:nvSpPr>
+            <p:cNvPr id="15" name="Freeform 6">
+              <a:extLst>
+                <a:ext uri="{FF2B5EF4-FFF2-40B4-BE49-F238E27FC236}">
+                  <a16:creationId xmlns:a16="http://schemas.microsoft.com/office/drawing/2014/main" id="{0A0E3407-9CB8-45DA-9F2E-5B81388C1D15}"/>
+                </a:ext>
+                <a:ext uri="{C183D7F6-B498-43B3-948B-1728B52AA6E4}">
+                  <adec:decorative xmlns:adec="http://schemas.microsoft.com/office/drawing/2017/decorative" val="1"/>
+                </a:ext>
+              </a:extLst>
+            </p:cNvPr>
+            <p:cNvSpPr>
+              <a:spLocks/>
+            </p:cNvSpPr>
+            <p:nvPr>
+              <p:extLst>
+                <p:ext uri="{386F3935-93C4-4BCD-93E2-E3B085C9AB24}">
+                  <p16:designElem xmlns:p16="http://schemas.microsoft.com/office/powerpoint/2015/main" val="1"/>
+                </p:ext>
+              </p:extLst>
+            </p:nvPr>
+          </p:nvSpPr>
+          <p:spPr bwMode="auto">
+            <a:xfrm>
+              <a:off x="670451" y="2018236"/>
+              <a:ext cx="7373938" cy="4848892"/>
+            </a:xfrm>
+            <a:custGeom>
+              <a:avLst/>
+              <a:gdLst>
+                <a:gd name="T0" fmla="*/ 1025 w 1549"/>
+                <a:gd name="T1" fmla="*/ 1016 h 1017"/>
+                <a:gd name="T2" fmla="*/ 1443 w 1549"/>
+                <a:gd name="T3" fmla="*/ 592 h 1017"/>
+                <a:gd name="T4" fmla="*/ 782 w 1549"/>
+                <a:gd name="T5" fmla="*/ 53 h 1017"/>
+                <a:gd name="T6" fmla="*/ 150 w 1549"/>
+                <a:gd name="T7" fmla="*/ 329 h 1017"/>
+                <a:gd name="T8" fmla="*/ 477 w 1549"/>
+                <a:gd name="T9" fmla="*/ 1017 h 1017"/>
+              </a:gdLst>
+              <a:ahLst/>
+              <a:cxnLst>
+                <a:cxn ang="0">
+                  <a:pos x="T0" y="T1"/>
+                </a:cxn>
+                <a:cxn ang="0">
+                  <a:pos x="T2" y="T3"/>
+                </a:cxn>
+                <a:cxn ang="0">
+                  <a:pos x="T4" y="T5"/>
+                </a:cxn>
+                <a:cxn ang="0">
+                  <a:pos x="T6" y="T7"/>
+                </a:cxn>
+                <a:cxn ang="0">
+                  <a:pos x="T8" y="T9"/>
+                </a:cxn>
+              </a:cxnLst>
+              <a:rect l="0" t="0" r="r" b="b"/>
+              <a:pathLst>
+                <a:path w="1549" h="1017">
+                  <a:moveTo>
+                    <a:pt x="1025" y="1016"/>
+                  </a:moveTo>
+                  <a:cubicBezTo>
+                    <a:pt x="1223" y="971"/>
+                    <a:pt x="1549" y="857"/>
+                    <a:pt x="1443" y="592"/>
+                  </a:cubicBezTo>
+                  <a:cubicBezTo>
+                    <a:pt x="1344" y="344"/>
+                    <a:pt x="1041" y="111"/>
+                    <a:pt x="782" y="53"/>
+                  </a:cubicBezTo>
+                  <a:cubicBezTo>
+                    <a:pt x="545" y="0"/>
+                    <a:pt x="275" y="117"/>
+                    <a:pt x="150" y="329"/>
+                  </a:cubicBezTo>
+                  <a:cubicBezTo>
+                    <a:pt x="0" y="584"/>
+                    <a:pt x="243" y="911"/>
+                    <a:pt x="477" y="1017"/>
+                  </a:cubicBezTo>
+                </a:path>
+              </a:pathLst>
+            </a:custGeom>
+            <a:noFill/>
+            <a:ln w="9525" cap="flat">
+              <a:solidFill>
+                <a:schemeClr val="tx1">
+                  <a:alpha val="20000"/>
+                </a:schemeClr>
+              </a:solidFill>
+              <a:prstDash val="solid"/>
+              <a:miter lim="800000"/>
+              <a:headEnd/>
+              <a:tailEnd/>
+            </a:ln>
+            <a:extLst>
+              <a:ext uri="{909E8E84-426E-40DD-AFC4-6F175D3DCCD1}">
+                <a14:hiddenFill xmlns:a14="http://schemas.microsoft.com/office/drawing/2010/main">
+                  <a:solidFill>
+                    <a:srgbClr val="FFFFFF"/>
+                  </a:solidFill>
+                </a14:hiddenFill>
+              </a:ext>
+            </a:extLst>
+          </p:spPr>
+          <p:txBody>
+            <a:bodyPr vert="horz" wrap="square" lIns="91440" tIns="45720" rIns="91440" bIns="45720" numCol="1" anchor="t" anchorCtr="0" compatLnSpc="1">
+              <a:prstTxWarp prst="textNoShape">
+                <a:avLst/>
+              </a:prstTxWarp>
+            </a:bodyPr>
+            <a:lstStyle/>
+            <a:p>
+              <a:endParaRPr lang="en-US"/>
+            </a:p>
+          </p:txBody>
+        </p:sp>
+        <p:sp>
+          <p:nvSpPr>
+            <p:cNvPr id="16" name="Freeform 7">
+              <a:extLst>
+                <a:ext uri="{FF2B5EF4-FFF2-40B4-BE49-F238E27FC236}">
+                  <a16:creationId xmlns:a16="http://schemas.microsoft.com/office/drawing/2014/main" id="{091A4076-E94C-4E3A-BDAF-3D51C167CE69}"/>
+                </a:ext>
+                <a:ext uri="{C183D7F6-B498-43B3-948B-1728B52AA6E4}">
+                  <adec:decorative xmlns:adec="http://schemas.microsoft.com/office/drawing/2017/decorative" val="1"/>
+                </a:ext>
+              </a:extLst>
+            </p:cNvPr>
+            <p:cNvSpPr>
+              <a:spLocks/>
+            </p:cNvSpPr>
+            <p:nvPr>
+              <p:extLst>
+                <p:ext uri="{386F3935-93C4-4BCD-93E2-E3B085C9AB24}">
+                  <p16:designElem xmlns:p16="http://schemas.microsoft.com/office/powerpoint/2015/main" val="1"/>
+                </p:ext>
+              </p:extLst>
+            </p:nvPr>
+          </p:nvSpPr>
+          <p:spPr bwMode="auto">
+            <a:xfrm>
+              <a:off x="251351" y="1788400"/>
+              <a:ext cx="8035925" cy="5083516"/>
+            </a:xfrm>
+            <a:custGeom>
+              <a:avLst/>
+              <a:gdLst>
+                <a:gd name="T0" fmla="*/ 1302 w 1688"/>
+                <a:gd name="T1" fmla="*/ 1066 h 1066"/>
+                <a:gd name="T2" fmla="*/ 1613 w 1688"/>
+                <a:gd name="T3" fmla="*/ 850 h 1066"/>
+                <a:gd name="T4" fmla="*/ 1517 w 1688"/>
+                <a:gd name="T5" fmla="*/ 471 h 1066"/>
+                <a:gd name="T6" fmla="*/ 798 w 1688"/>
+                <a:gd name="T7" fmla="*/ 28 h 1066"/>
+                <a:gd name="T8" fmla="*/ 181 w 1688"/>
+                <a:gd name="T9" fmla="*/ 333 h 1066"/>
+                <a:gd name="T10" fmla="*/ 420 w 1688"/>
+                <a:gd name="T11" fmla="*/ 1066 h 1066"/>
+              </a:gdLst>
+              <a:ahLst/>
+              <a:cxnLst>
+                <a:cxn ang="0">
+                  <a:pos x="T0" y="T1"/>
+                </a:cxn>
+                <a:cxn ang="0">
+                  <a:pos x="T2" y="T3"/>
+                </a:cxn>
+                <a:cxn ang="0">
+                  <a:pos x="T4" y="T5"/>
+                </a:cxn>
+                <a:cxn ang="0">
+                  <a:pos x="T6" y="T7"/>
+                </a:cxn>
+                <a:cxn ang="0">
+                  <a:pos x="T8" y="T9"/>
+                </a:cxn>
+                <a:cxn ang="0">
+                  <a:pos x="T10" y="T11"/>
+                </a:cxn>
+              </a:cxnLst>
+              <a:rect l="0" t="0" r="r" b="b"/>
+              <a:pathLst>
+                <a:path w="1688" h="1066">
+                  <a:moveTo>
+                    <a:pt x="1302" y="1066"/>
+                  </a:moveTo>
+                  <a:cubicBezTo>
+                    <a:pt x="1416" y="1024"/>
+                    <a:pt x="1551" y="962"/>
+                    <a:pt x="1613" y="850"/>
+                  </a:cubicBezTo>
+                  <a:cubicBezTo>
+                    <a:pt x="1688" y="715"/>
+                    <a:pt x="1606" y="575"/>
+                    <a:pt x="1517" y="471"/>
+                  </a:cubicBezTo>
+                  <a:cubicBezTo>
+                    <a:pt x="1336" y="258"/>
+                    <a:pt x="1084" y="62"/>
+                    <a:pt x="798" y="28"/>
+                  </a:cubicBezTo>
+                  <a:cubicBezTo>
+                    <a:pt x="559" y="0"/>
+                    <a:pt x="317" y="138"/>
+                    <a:pt x="181" y="333"/>
+                  </a:cubicBezTo>
+                  <a:cubicBezTo>
+                    <a:pt x="0" y="592"/>
+                    <a:pt x="191" y="907"/>
+                    <a:pt x="420" y="1066"/>
+                  </a:cubicBezTo>
+                </a:path>
+              </a:pathLst>
+            </a:custGeom>
+            <a:noFill/>
+            <a:ln w="9525" cap="flat">
+              <a:solidFill>
+                <a:schemeClr val="tx1">
+                  <a:alpha val="20000"/>
+                </a:schemeClr>
+              </a:solidFill>
+              <a:prstDash val="dash"/>
+              <a:miter lim="800000"/>
+              <a:headEnd/>
+              <a:tailEnd/>
+            </a:ln>
+            <a:extLst>
+              <a:ext uri="{909E8E84-426E-40DD-AFC4-6F175D3DCCD1}">
+                <a14:hiddenFill xmlns:a14="http://schemas.microsoft.com/office/drawing/2010/main">
+                  <a:solidFill>
+                    <a:srgbClr val="FFFFFF"/>
+                  </a:solidFill>
+                </a14:hiddenFill>
+              </a:ext>
+            </a:extLst>
+          </p:spPr>
+          <p:txBody>
+            <a:bodyPr vert="horz" wrap="square" lIns="91440" tIns="45720" rIns="91440" bIns="45720" numCol="1" anchor="t" anchorCtr="0" compatLnSpc="1">
+              <a:prstTxWarp prst="textNoShape">
+                <a:avLst/>
+              </a:prstTxWarp>
+            </a:bodyPr>
+            <a:lstStyle/>
+            <a:p>
+              <a:endParaRPr lang="en-US"/>
+            </a:p>
+          </p:txBody>
+        </p:sp>
+        <p:sp>
+          <p:nvSpPr>
+            <p:cNvPr id="17" name="Freeform 8">
+              <a:extLst>
+                <a:ext uri="{FF2B5EF4-FFF2-40B4-BE49-F238E27FC236}">
+                  <a16:creationId xmlns:a16="http://schemas.microsoft.com/office/drawing/2014/main" id="{257CB374-17D4-4D8A-8F6A-D79BAE50EB61}"/>
+                </a:ext>
+                <a:ext uri="{C183D7F6-B498-43B3-948B-1728B52AA6E4}">
+                  <adec:decorative xmlns:adec="http://schemas.microsoft.com/office/drawing/2017/decorative" val="1"/>
+                </a:ext>
+              </a:extLst>
+            </p:cNvPr>
+            <p:cNvSpPr>
+              <a:spLocks/>
+            </p:cNvSpPr>
+            <p:nvPr>
+              <p:extLst>
+                <p:ext uri="{386F3935-93C4-4BCD-93E2-E3B085C9AB24}">
+                  <p16:designElem xmlns:p16="http://schemas.microsoft.com/office/powerpoint/2015/main" val="1"/>
+                </p:ext>
+              </p:extLst>
+            </p:nvPr>
+          </p:nvSpPr>
+          <p:spPr bwMode="auto">
+            <a:xfrm>
+              <a:off x="-1061" y="549842"/>
+              <a:ext cx="10334625" cy="6322075"/>
+            </a:xfrm>
+            <a:custGeom>
+              <a:avLst/>
+              <a:gdLst>
+                <a:gd name="T0" fmla="*/ 1873 w 2171"/>
+                <a:gd name="T1" fmla="*/ 1326 h 1326"/>
+                <a:gd name="T2" fmla="*/ 1609 w 2171"/>
+                <a:gd name="T3" fmla="*/ 473 h 1326"/>
+                <a:gd name="T4" fmla="*/ 880 w 2171"/>
+                <a:gd name="T5" fmla="*/ 63 h 1326"/>
+                <a:gd name="T6" fmla="*/ 0 w 2171"/>
+                <a:gd name="T7" fmla="*/ 423 h 1326"/>
+              </a:gdLst>
+              <a:ahLst/>
+              <a:cxnLst>
+                <a:cxn ang="0">
+                  <a:pos x="T0" y="T1"/>
+                </a:cxn>
+                <a:cxn ang="0">
+                  <a:pos x="T2" y="T3"/>
+                </a:cxn>
+                <a:cxn ang="0">
+                  <a:pos x="T4" y="T5"/>
+                </a:cxn>
+                <a:cxn ang="0">
+                  <a:pos x="T6" y="T7"/>
+                </a:cxn>
+              </a:cxnLst>
+              <a:rect l="0" t="0" r="r" b="b"/>
+              <a:pathLst>
+                <a:path w="2171" h="1326">
+                  <a:moveTo>
+                    <a:pt x="1873" y="1326"/>
+                  </a:moveTo>
+                  <a:cubicBezTo>
+                    <a:pt x="2171" y="1045"/>
+                    <a:pt x="1825" y="678"/>
+                    <a:pt x="1609" y="473"/>
+                  </a:cubicBezTo>
+                  <a:cubicBezTo>
+                    <a:pt x="1406" y="281"/>
+                    <a:pt x="1159" y="116"/>
+                    <a:pt x="880" y="63"/>
+                  </a:cubicBezTo>
+                  <a:cubicBezTo>
+                    <a:pt x="545" y="0"/>
+                    <a:pt x="214" y="161"/>
+                    <a:pt x="0" y="423"/>
+                  </a:cubicBezTo>
+                </a:path>
+              </a:pathLst>
+            </a:custGeom>
+            <a:noFill/>
+            <a:ln w="9525" cap="flat">
+              <a:solidFill>
+                <a:schemeClr val="tx1">
+                  <a:alpha val="20000"/>
+                </a:schemeClr>
+              </a:solidFill>
+              <a:prstDash val="solid"/>
+              <a:miter lim="800000"/>
+              <a:headEnd/>
+              <a:tailEnd/>
+            </a:ln>
+            <a:extLst>
+              <a:ext uri="{909E8E84-426E-40DD-AFC4-6F175D3DCCD1}">
+                <a14:hiddenFill xmlns:a14="http://schemas.microsoft.com/office/drawing/2010/main">
+                  <a:solidFill>
+                    <a:srgbClr val="FFFFFF"/>
+                  </a:solidFill>
+                </a14:hiddenFill>
+              </a:ext>
+            </a:extLst>
+          </p:spPr>
+          <p:txBody>
+            <a:bodyPr vert="horz" wrap="square" lIns="91440" tIns="45720" rIns="91440" bIns="45720" numCol="1" anchor="t" anchorCtr="0" compatLnSpc="1">
+              <a:prstTxWarp prst="textNoShape">
+                <a:avLst/>
+              </a:prstTxWarp>
+            </a:bodyPr>
+            <a:lstStyle/>
+            <a:p>
+              <a:endParaRPr lang="en-US"/>
+            </a:p>
+          </p:txBody>
+        </p:sp>
+        <p:sp>
+          <p:nvSpPr>
+            <p:cNvPr id="18" name="Freeform 9">
+              <a:extLst>
+                <a:ext uri="{FF2B5EF4-FFF2-40B4-BE49-F238E27FC236}">
+                  <a16:creationId xmlns:a16="http://schemas.microsoft.com/office/drawing/2014/main" id="{6CAD8AE5-485A-40A6-9A10-B2D46F293A79}"/>
+                </a:ext>
+                <a:ext uri="{C183D7F6-B498-43B3-948B-1728B52AA6E4}">
+                  <adec:decorative xmlns:adec="http://schemas.microsoft.com/office/drawing/2017/decorative" val="1"/>
+                </a:ext>
+              </a:extLst>
+            </p:cNvPr>
+            <p:cNvSpPr>
+              <a:spLocks/>
+            </p:cNvSpPr>
+            <p:nvPr>
+              <p:extLst>
+                <p:ext uri="{386F3935-93C4-4BCD-93E2-E3B085C9AB24}">
+                  <p16:designElem xmlns:p16="http://schemas.microsoft.com/office/powerpoint/2015/main" val="1"/>
+                </p:ext>
+              </p:extLst>
+            </p:nvPr>
+          </p:nvSpPr>
+          <p:spPr bwMode="auto">
+            <a:xfrm>
+              <a:off x="3701" y="6186246"/>
+              <a:ext cx="504825" cy="681527"/>
+            </a:xfrm>
+            <a:custGeom>
+              <a:avLst/>
+              <a:gdLst>
+                <a:gd name="T0" fmla="*/ 0 w 106"/>
+                <a:gd name="T1" fmla="*/ 0 h 143"/>
+                <a:gd name="T2" fmla="*/ 106 w 106"/>
+                <a:gd name="T3" fmla="*/ 143 h 143"/>
+              </a:gdLst>
+              <a:ahLst/>
+              <a:cxnLst>
+                <a:cxn ang="0">
+                  <a:pos x="T0" y="T1"/>
+                </a:cxn>
+                <a:cxn ang="0">
+                  <a:pos x="T2" y="T3"/>
+                </a:cxn>
+              </a:cxnLst>
+              <a:rect l="0" t="0" r="r" b="b"/>
+              <a:pathLst>
+                <a:path w="106" h="143">
+                  <a:moveTo>
+                    <a:pt x="0" y="0"/>
+                  </a:moveTo>
+                  <a:cubicBezTo>
+                    <a:pt x="35" y="54"/>
+                    <a:pt x="70" y="101"/>
+                    <a:pt x="106" y="143"/>
+                  </a:cubicBezTo>
+                </a:path>
+              </a:pathLst>
+            </a:custGeom>
+            <a:noFill/>
+            <a:ln w="4763" cap="flat">
+              <a:solidFill>
+                <a:schemeClr val="tx1">
+                  <a:alpha val="20000"/>
+                </a:schemeClr>
+              </a:solidFill>
+              <a:prstDash val="solid"/>
+              <a:miter lim="800000"/>
+              <a:headEnd/>
+              <a:tailEnd/>
+            </a:ln>
+            <a:extLst>
+              <a:ext uri="{909E8E84-426E-40DD-AFC4-6F175D3DCCD1}">
+                <a14:hiddenFill xmlns:a14="http://schemas.microsoft.com/office/drawing/2010/main">
+                  <a:solidFill>
+                    <a:srgbClr val="FFFFFF"/>
+                  </a:solidFill>
+                </a14:hiddenFill>
+              </a:ext>
+            </a:extLst>
+          </p:spPr>
+          <p:txBody>
+            <a:bodyPr vert="horz" wrap="square" lIns="91440" tIns="45720" rIns="91440" bIns="45720" numCol="1" anchor="t" anchorCtr="0" compatLnSpc="1">
+              <a:prstTxWarp prst="textNoShape">
+                <a:avLst/>
+              </a:prstTxWarp>
+            </a:bodyPr>
+            <a:lstStyle/>
+            <a:p>
+              <a:endParaRPr lang="en-US"/>
+            </a:p>
+          </p:txBody>
+        </p:sp>
+        <p:sp>
+          <p:nvSpPr>
+            <p:cNvPr id="19" name="Freeform 10">
+              <a:extLst>
+                <a:ext uri="{FF2B5EF4-FFF2-40B4-BE49-F238E27FC236}">
+                  <a16:creationId xmlns:a16="http://schemas.microsoft.com/office/drawing/2014/main" id="{1A323CDF-8C44-4003-8C7E-56DA0652ED61}"/>
+                </a:ext>
+                <a:ext uri="{C183D7F6-B498-43B3-948B-1728B52AA6E4}">
+                  <adec:decorative xmlns:adec="http://schemas.microsoft.com/office/drawing/2017/decorative" val="1"/>
+                </a:ext>
+              </a:extLst>
+            </p:cNvPr>
+            <p:cNvSpPr>
+              <a:spLocks/>
+            </p:cNvSpPr>
+            <p:nvPr>
+              <p:extLst>
+                <p:ext uri="{386F3935-93C4-4BCD-93E2-E3B085C9AB24}">
+                  <p16:designElem xmlns:p16="http://schemas.microsoft.com/office/powerpoint/2015/main" val="1"/>
+                </p:ext>
+              </p:extLst>
+            </p:nvPr>
+          </p:nvSpPr>
+          <p:spPr bwMode="auto">
+            <a:xfrm>
+              <a:off x="-1061" y="-51881"/>
+              <a:ext cx="11091863" cy="6923796"/>
+            </a:xfrm>
+            <a:custGeom>
+              <a:avLst/>
+              <a:gdLst>
+                <a:gd name="T0" fmla="*/ 2046 w 2330"/>
+                <a:gd name="T1" fmla="*/ 1452 h 1452"/>
+                <a:gd name="T2" fmla="*/ 1813 w 2330"/>
+                <a:gd name="T3" fmla="*/ 601 h 1452"/>
+                <a:gd name="T4" fmla="*/ 956 w 2330"/>
+                <a:gd name="T5" fmla="*/ 97 h 1452"/>
+                <a:gd name="T6" fmla="*/ 0 w 2330"/>
+                <a:gd name="T7" fmla="*/ 366 h 1452"/>
+              </a:gdLst>
+              <a:ahLst/>
+              <a:cxnLst>
+                <a:cxn ang="0">
+                  <a:pos x="T0" y="T1"/>
+                </a:cxn>
+                <a:cxn ang="0">
+                  <a:pos x="T2" y="T3"/>
+                </a:cxn>
+                <a:cxn ang="0">
+                  <a:pos x="T4" y="T5"/>
+                </a:cxn>
+                <a:cxn ang="0">
+                  <a:pos x="T6" y="T7"/>
+                </a:cxn>
+              </a:cxnLst>
+              <a:rect l="0" t="0" r="r" b="b"/>
+              <a:pathLst>
+                <a:path w="2330" h="1452">
+                  <a:moveTo>
+                    <a:pt x="2046" y="1452"/>
+                  </a:moveTo>
+                  <a:cubicBezTo>
+                    <a:pt x="2330" y="1153"/>
+                    <a:pt x="2049" y="821"/>
+                    <a:pt x="1813" y="601"/>
+                  </a:cubicBezTo>
+                  <a:cubicBezTo>
+                    <a:pt x="1569" y="375"/>
+                    <a:pt x="1282" y="179"/>
+                    <a:pt x="956" y="97"/>
+                  </a:cubicBezTo>
+                  <a:cubicBezTo>
+                    <a:pt x="572" y="0"/>
+                    <a:pt x="292" y="101"/>
+                    <a:pt x="0" y="366"/>
+                  </a:cubicBezTo>
+                </a:path>
+              </a:pathLst>
+            </a:custGeom>
+            <a:noFill/>
+            <a:ln w="9525" cap="flat">
+              <a:solidFill>
+                <a:schemeClr val="tx1">
+                  <a:alpha val="20000"/>
+                </a:schemeClr>
+              </a:solidFill>
+              <a:prstDash val="solid"/>
+              <a:miter lim="800000"/>
+              <a:headEnd/>
+              <a:tailEnd/>
+            </a:ln>
+            <a:extLst>
+              <a:ext uri="{909E8E84-426E-40DD-AFC4-6F175D3DCCD1}">
+                <a14:hiddenFill xmlns:a14="http://schemas.microsoft.com/office/drawing/2010/main">
+                  <a:solidFill>
+                    <a:srgbClr val="FFFFFF"/>
+                  </a:solidFill>
+                </a14:hiddenFill>
+              </a:ext>
+            </a:extLst>
+          </p:spPr>
+          <p:txBody>
+            <a:bodyPr vert="horz" wrap="square" lIns="91440" tIns="45720" rIns="91440" bIns="45720" numCol="1" anchor="t" anchorCtr="0" compatLnSpc="1">
+              <a:prstTxWarp prst="textNoShape">
+                <a:avLst/>
+              </a:prstTxWarp>
+            </a:bodyPr>
+            <a:lstStyle/>
+            <a:p>
+              <a:endParaRPr lang="en-US"/>
+            </a:p>
+          </p:txBody>
+        </p:sp>
+        <p:sp>
+          <p:nvSpPr>
+            <p:cNvPr id="20" name="Freeform 11">
+              <a:extLst>
+                <a:ext uri="{FF2B5EF4-FFF2-40B4-BE49-F238E27FC236}">
+                  <a16:creationId xmlns:a16="http://schemas.microsoft.com/office/drawing/2014/main" id="{588FAE68-2618-4A05-9619-5B0476CF8B3E}"/>
+                </a:ext>
+                <a:ext uri="{C183D7F6-B498-43B3-948B-1728B52AA6E4}">
+                  <adec:decorative xmlns:adec="http://schemas.microsoft.com/office/drawing/2017/decorative" val="1"/>
+                </a:ext>
+              </a:extLst>
+            </p:cNvPr>
+            <p:cNvSpPr>
+              <a:spLocks/>
+            </p:cNvSpPr>
+            <p:nvPr>
+              <p:extLst>
+                <p:ext uri="{386F3935-93C4-4BCD-93E2-E3B085C9AB24}">
+                  <p16:designElem xmlns:p16="http://schemas.microsoft.com/office/powerpoint/2015/main" val="1"/>
+                </p:ext>
+              </p:extLst>
+            </p:nvPr>
+          </p:nvSpPr>
+          <p:spPr bwMode="auto">
+            <a:xfrm>
+              <a:off x="5426601" y="5579"/>
+              <a:ext cx="5788025" cy="6847184"/>
+            </a:xfrm>
+            <a:custGeom>
+              <a:avLst/>
+              <a:gdLst>
+                <a:gd name="T0" fmla="*/ 1094 w 1216"/>
+                <a:gd name="T1" fmla="*/ 1436 h 1436"/>
+                <a:gd name="T2" fmla="*/ 709 w 1216"/>
+                <a:gd name="T3" fmla="*/ 551 h 1436"/>
+                <a:gd name="T4" fmla="*/ 0 w 1216"/>
+                <a:gd name="T5" fmla="*/ 0 h 1436"/>
+              </a:gdLst>
+              <a:ahLst/>
+              <a:cxnLst>
+                <a:cxn ang="0">
+                  <a:pos x="T0" y="T1"/>
+                </a:cxn>
+                <a:cxn ang="0">
+                  <a:pos x="T2" y="T3"/>
+                </a:cxn>
+                <a:cxn ang="0">
+                  <a:pos x="T4" y="T5"/>
+                </a:cxn>
+              </a:cxnLst>
+              <a:rect l="0" t="0" r="r" b="b"/>
+              <a:pathLst>
+                <a:path w="1216" h="1436">
+                  <a:moveTo>
+                    <a:pt x="1094" y="1436"/>
+                  </a:moveTo>
+                  <a:cubicBezTo>
+                    <a:pt x="1216" y="1114"/>
+                    <a:pt x="904" y="770"/>
+                    <a:pt x="709" y="551"/>
+                  </a:cubicBezTo>
+                  <a:cubicBezTo>
+                    <a:pt x="509" y="327"/>
+                    <a:pt x="274" y="127"/>
+                    <a:pt x="0" y="0"/>
+                  </a:cubicBezTo>
+                </a:path>
+              </a:pathLst>
+            </a:custGeom>
+            <a:noFill/>
+            <a:ln w="9525" cap="flat">
+              <a:solidFill>
+                <a:schemeClr val="tx1">
+                  <a:alpha val="20000"/>
+                </a:schemeClr>
+              </a:solidFill>
+              <a:prstDash val="solid"/>
+              <a:miter lim="800000"/>
+              <a:headEnd/>
+              <a:tailEnd/>
+            </a:ln>
+            <a:extLst>
+              <a:ext uri="{909E8E84-426E-40DD-AFC4-6F175D3DCCD1}">
+                <a14:hiddenFill xmlns:a14="http://schemas.microsoft.com/office/drawing/2010/main">
+                  <a:solidFill>
+                    <a:srgbClr val="FFFFFF"/>
+                  </a:solidFill>
+                </a14:hiddenFill>
+              </a:ext>
+            </a:extLst>
+          </p:spPr>
+          <p:txBody>
+            <a:bodyPr vert="horz" wrap="square" lIns="91440" tIns="45720" rIns="91440" bIns="45720" numCol="1" anchor="t" anchorCtr="0" compatLnSpc="1">
+              <a:prstTxWarp prst="textNoShape">
+                <a:avLst/>
+              </a:prstTxWarp>
+            </a:bodyPr>
+            <a:lstStyle/>
+            <a:p>
+              <a:endParaRPr lang="en-US"/>
+            </a:p>
+          </p:txBody>
+        </p:sp>
+        <p:sp>
+          <p:nvSpPr>
+            <p:cNvPr id="21" name="Freeform 12">
+              <a:extLst>
+                <a:ext uri="{FF2B5EF4-FFF2-40B4-BE49-F238E27FC236}">
+                  <a16:creationId xmlns:a16="http://schemas.microsoft.com/office/drawing/2014/main" id="{8BD498FC-EB33-41D8-844F-F8B658B14E06}"/>
+                </a:ext>
+                <a:ext uri="{C183D7F6-B498-43B3-948B-1728B52AA6E4}">
+                  <adec:decorative xmlns:adec="http://schemas.microsoft.com/office/drawing/2017/decorative" val="1"/>
+                </a:ext>
+              </a:extLst>
+            </p:cNvPr>
+            <p:cNvSpPr>
+              <a:spLocks/>
+            </p:cNvSpPr>
+            <p:nvPr>
+              <p:extLst>
+                <p:ext uri="{386F3935-93C4-4BCD-93E2-E3B085C9AB24}">
+                  <p16:designElem xmlns:p16="http://schemas.microsoft.com/office/powerpoint/2015/main" val="1"/>
+                </p:ext>
+              </p:extLst>
+            </p:nvPr>
+          </p:nvSpPr>
+          <p:spPr bwMode="auto">
+            <a:xfrm>
+              <a:off x="-1061" y="5579"/>
+              <a:ext cx="1057275" cy="614491"/>
+            </a:xfrm>
+            <a:custGeom>
+              <a:avLst/>
+              <a:gdLst>
+                <a:gd name="T0" fmla="*/ 222 w 222"/>
+                <a:gd name="T1" fmla="*/ 0 h 129"/>
+                <a:gd name="T2" fmla="*/ 0 w 222"/>
+                <a:gd name="T3" fmla="*/ 129 h 129"/>
+              </a:gdLst>
+              <a:ahLst/>
+              <a:cxnLst>
+                <a:cxn ang="0">
+                  <a:pos x="T0" y="T1"/>
+                </a:cxn>
+                <a:cxn ang="0">
+                  <a:pos x="T2" y="T3"/>
+                </a:cxn>
+              </a:cxnLst>
+              <a:rect l="0" t="0" r="r" b="b"/>
+              <a:pathLst>
+                <a:path w="222" h="129">
+                  <a:moveTo>
+                    <a:pt x="222" y="0"/>
+                  </a:moveTo>
+                  <a:cubicBezTo>
+                    <a:pt x="152" y="35"/>
+                    <a:pt x="76" y="78"/>
+                    <a:pt x="0" y="129"/>
+                  </a:cubicBezTo>
+                </a:path>
+              </a:pathLst>
+            </a:custGeom>
+            <a:noFill/>
+            <a:ln w="9525" cap="flat">
+              <a:solidFill>
+                <a:schemeClr val="tx1">
+                  <a:alpha val="20000"/>
+                </a:schemeClr>
+              </a:solidFill>
+              <a:prstDash val="solid"/>
+              <a:miter lim="800000"/>
+              <a:headEnd/>
+              <a:tailEnd/>
+            </a:ln>
+            <a:extLst>
+              <a:ext uri="{909E8E84-426E-40DD-AFC4-6F175D3DCCD1}">
+                <a14:hiddenFill xmlns:a14="http://schemas.microsoft.com/office/drawing/2010/main">
+                  <a:solidFill>
+                    <a:srgbClr val="FFFFFF"/>
+                  </a:solidFill>
+                </a14:hiddenFill>
+              </a:ext>
+            </a:extLst>
+          </p:spPr>
+          <p:txBody>
+            <a:bodyPr vert="horz" wrap="square" lIns="91440" tIns="45720" rIns="91440" bIns="45720" numCol="1" anchor="t" anchorCtr="0" compatLnSpc="1">
+              <a:prstTxWarp prst="textNoShape">
+                <a:avLst/>
+              </a:prstTxWarp>
+            </a:bodyPr>
+            <a:lstStyle/>
+            <a:p>
+              <a:endParaRPr lang="en-US"/>
+            </a:p>
+          </p:txBody>
+        </p:sp>
+        <p:sp>
+          <p:nvSpPr>
+            <p:cNvPr id="22" name="Freeform 13">
+              <a:extLst>
+                <a:ext uri="{FF2B5EF4-FFF2-40B4-BE49-F238E27FC236}">
+                  <a16:creationId xmlns:a16="http://schemas.microsoft.com/office/drawing/2014/main" id="{2E631E6C-DAC5-4239-818A-AA7E4D372C79}"/>
+                </a:ext>
+                <a:ext uri="{C183D7F6-B498-43B3-948B-1728B52AA6E4}">
+                  <adec:decorative xmlns:adec="http://schemas.microsoft.com/office/drawing/2017/decorative" val="1"/>
+                </a:ext>
+              </a:extLst>
+            </p:cNvPr>
+            <p:cNvSpPr>
+              <a:spLocks/>
+            </p:cNvSpPr>
+            <p:nvPr>
+              <p:extLst>
+                <p:ext uri="{386F3935-93C4-4BCD-93E2-E3B085C9AB24}">
+                  <p16:designElem xmlns:p16="http://schemas.microsoft.com/office/powerpoint/2015/main" val="1"/>
+                </p:ext>
+              </p:extLst>
+            </p:nvPr>
+          </p:nvSpPr>
+          <p:spPr bwMode="auto">
+            <a:xfrm>
+              <a:off x="5821889" y="5579"/>
+              <a:ext cx="5588000" cy="6866337"/>
+            </a:xfrm>
+            <a:custGeom>
+              <a:avLst/>
+              <a:gdLst>
+                <a:gd name="T0" fmla="*/ 1067 w 1174"/>
+                <a:gd name="T1" fmla="*/ 1440 h 1440"/>
+                <a:gd name="T2" fmla="*/ 698 w 1174"/>
+                <a:gd name="T3" fmla="*/ 577 h 1440"/>
+                <a:gd name="T4" fmla="*/ 0 w 1174"/>
+                <a:gd name="T5" fmla="*/ 0 h 1440"/>
+              </a:gdLst>
+              <a:ahLst/>
+              <a:cxnLst>
+                <a:cxn ang="0">
+                  <a:pos x="T0" y="T1"/>
+                </a:cxn>
+                <a:cxn ang="0">
+                  <a:pos x="T2" y="T3"/>
+                </a:cxn>
+                <a:cxn ang="0">
+                  <a:pos x="T4" y="T5"/>
+                </a:cxn>
+              </a:cxnLst>
+              <a:rect l="0" t="0" r="r" b="b"/>
+              <a:pathLst>
+                <a:path w="1174" h="1440">
+                  <a:moveTo>
+                    <a:pt x="1067" y="1440"/>
+                  </a:moveTo>
+                  <a:cubicBezTo>
+                    <a:pt x="1174" y="1124"/>
+                    <a:pt x="887" y="797"/>
+                    <a:pt x="698" y="577"/>
+                  </a:cubicBezTo>
+                  <a:cubicBezTo>
+                    <a:pt x="500" y="348"/>
+                    <a:pt x="270" y="141"/>
+                    <a:pt x="0" y="0"/>
+                  </a:cubicBezTo>
+                </a:path>
+              </a:pathLst>
+            </a:custGeom>
+            <a:noFill/>
+            <a:ln w="9525" cap="flat">
+              <a:solidFill>
+                <a:schemeClr val="tx1">
+                  <a:alpha val="20000"/>
+                </a:schemeClr>
+              </a:solidFill>
+              <a:prstDash val="dash"/>
+              <a:miter lim="800000"/>
+              <a:headEnd/>
+              <a:tailEnd/>
+            </a:ln>
+            <a:extLst>
+              <a:ext uri="{909E8E84-426E-40DD-AFC4-6F175D3DCCD1}">
+                <a14:hiddenFill xmlns:a14="http://schemas.microsoft.com/office/drawing/2010/main">
+                  <a:solidFill>
+                    <a:srgbClr val="FFFFFF"/>
+                  </a:solidFill>
+                </a14:hiddenFill>
+              </a:ext>
+            </a:extLst>
+          </p:spPr>
+          <p:txBody>
+            <a:bodyPr vert="horz" wrap="square" lIns="91440" tIns="45720" rIns="91440" bIns="45720" numCol="1" anchor="t" anchorCtr="0" compatLnSpc="1">
+              <a:prstTxWarp prst="textNoShape">
+                <a:avLst/>
+              </a:prstTxWarp>
+            </a:bodyPr>
+            <a:lstStyle/>
+            <a:p>
+              <a:endParaRPr lang="en-US"/>
+            </a:p>
+          </p:txBody>
+        </p:sp>
+        <p:sp>
+          <p:nvSpPr>
+            <p:cNvPr id="23" name="Freeform 14">
+              <a:extLst>
+                <a:ext uri="{FF2B5EF4-FFF2-40B4-BE49-F238E27FC236}">
+                  <a16:creationId xmlns:a16="http://schemas.microsoft.com/office/drawing/2014/main" id="{9AF25E18-21FA-4C72-BFBA-6970C2299AA5}"/>
+                </a:ext>
+                <a:ext uri="{C183D7F6-B498-43B3-948B-1728B52AA6E4}">
+                  <adec:decorative xmlns:adec="http://schemas.microsoft.com/office/drawing/2017/decorative" val="1"/>
+                </a:ext>
+              </a:extLst>
+            </p:cNvPr>
+            <p:cNvSpPr>
+              <a:spLocks/>
+            </p:cNvSpPr>
+            <p:nvPr>
+              <p:extLst>
+                <p:ext uri="{386F3935-93C4-4BCD-93E2-E3B085C9AB24}">
+                  <p16:designElem xmlns:p16="http://schemas.microsoft.com/office/powerpoint/2015/main" val="1"/>
+                </p:ext>
+              </p:extLst>
+            </p:nvPr>
+          </p:nvSpPr>
+          <p:spPr bwMode="auto">
+            <a:xfrm>
+              <a:off x="3701" y="790"/>
+              <a:ext cx="595313" cy="352734"/>
+            </a:xfrm>
+            <a:custGeom>
+              <a:avLst/>
+              <a:gdLst>
+                <a:gd name="T0" fmla="*/ 125 w 125"/>
+                <a:gd name="T1" fmla="*/ 0 h 74"/>
+                <a:gd name="T2" fmla="*/ 0 w 125"/>
+                <a:gd name="T3" fmla="*/ 74 h 74"/>
+              </a:gdLst>
+              <a:ahLst/>
+              <a:cxnLst>
+                <a:cxn ang="0">
+                  <a:pos x="T0" y="T1"/>
+                </a:cxn>
+                <a:cxn ang="0">
+                  <a:pos x="T2" y="T3"/>
+                </a:cxn>
+              </a:cxnLst>
+              <a:rect l="0" t="0" r="r" b="b"/>
+              <a:pathLst>
+                <a:path w="125" h="74">
+                  <a:moveTo>
+                    <a:pt x="125" y="0"/>
+                  </a:moveTo>
+                  <a:cubicBezTo>
+                    <a:pt x="85" y="22"/>
+                    <a:pt x="43" y="47"/>
+                    <a:pt x="0" y="74"/>
+                  </a:cubicBezTo>
+                </a:path>
+              </a:pathLst>
+            </a:custGeom>
+            <a:noFill/>
+            <a:ln w="9525" cap="flat">
+              <a:solidFill>
+                <a:schemeClr val="tx1">
+                  <a:alpha val="20000"/>
+                </a:schemeClr>
+              </a:solidFill>
+              <a:prstDash val="dash"/>
+              <a:miter lim="800000"/>
+              <a:headEnd/>
+              <a:tailEnd/>
+            </a:ln>
+            <a:extLst>
+              <a:ext uri="{909E8E84-426E-40DD-AFC4-6F175D3DCCD1}">
+                <a14:hiddenFill xmlns:a14="http://schemas.microsoft.com/office/drawing/2010/main">
+                  <a:solidFill>
+                    <a:srgbClr val="FFFFFF"/>
+                  </a:solidFill>
+                </a14:hiddenFill>
+              </a:ext>
+            </a:extLst>
+          </p:spPr>
+          <p:txBody>
+            <a:bodyPr vert="horz" wrap="square" lIns="91440" tIns="45720" rIns="91440" bIns="45720" numCol="1" anchor="t" anchorCtr="0" compatLnSpc="1">
+              <a:prstTxWarp prst="textNoShape">
+                <a:avLst/>
+              </a:prstTxWarp>
+            </a:bodyPr>
+            <a:lstStyle/>
+            <a:p>
+              <a:endParaRPr lang="en-US"/>
+            </a:p>
+          </p:txBody>
+        </p:sp>
+        <p:sp>
+          <p:nvSpPr>
+            <p:cNvPr id="24" name="Freeform 15">
+              <a:extLst>
+                <a:ext uri="{FF2B5EF4-FFF2-40B4-BE49-F238E27FC236}">
+                  <a16:creationId xmlns:a16="http://schemas.microsoft.com/office/drawing/2014/main" id="{FEFCA527-806C-494B-B0FA-BC2DCBB8AF40}"/>
+                </a:ext>
+                <a:ext uri="{C183D7F6-B498-43B3-948B-1728B52AA6E4}">
+                  <adec:decorative xmlns:adec="http://schemas.microsoft.com/office/drawing/2017/decorative" val="1"/>
+                </a:ext>
+              </a:extLst>
+            </p:cNvPr>
+            <p:cNvSpPr>
+              <a:spLocks/>
+            </p:cNvSpPr>
+            <p:nvPr>
+              <p:extLst>
+                <p:ext uri="{386F3935-93C4-4BCD-93E2-E3B085C9AB24}">
+                  <p16:designElem xmlns:p16="http://schemas.microsoft.com/office/powerpoint/2015/main" val="1"/>
+                </p:ext>
+              </p:extLst>
+            </p:nvPr>
+          </p:nvSpPr>
+          <p:spPr bwMode="auto">
+            <a:xfrm>
+              <a:off x="6012389" y="5579"/>
+              <a:ext cx="5497513" cy="6866337"/>
+            </a:xfrm>
+            <a:custGeom>
+              <a:avLst/>
+              <a:gdLst>
+                <a:gd name="T0" fmla="*/ 1056 w 1155"/>
+                <a:gd name="T1" fmla="*/ 1440 h 1440"/>
+                <a:gd name="T2" fmla="*/ 686 w 1155"/>
+                <a:gd name="T3" fmla="*/ 580 h 1440"/>
+                <a:gd name="T4" fmla="*/ 0 w 1155"/>
+                <a:gd name="T5" fmla="*/ 0 h 1440"/>
+              </a:gdLst>
+              <a:ahLst/>
+              <a:cxnLst>
+                <a:cxn ang="0">
+                  <a:pos x="T0" y="T1"/>
+                </a:cxn>
+                <a:cxn ang="0">
+                  <a:pos x="T2" y="T3"/>
+                </a:cxn>
+                <a:cxn ang="0">
+                  <a:pos x="T4" y="T5"/>
+                </a:cxn>
+              </a:cxnLst>
+              <a:rect l="0" t="0" r="r" b="b"/>
+              <a:pathLst>
+                <a:path w="1155" h="1440">
+                  <a:moveTo>
+                    <a:pt x="1056" y="1440"/>
+                  </a:moveTo>
+                  <a:cubicBezTo>
+                    <a:pt x="1155" y="1123"/>
+                    <a:pt x="875" y="801"/>
+                    <a:pt x="686" y="580"/>
+                  </a:cubicBezTo>
+                  <a:cubicBezTo>
+                    <a:pt x="491" y="352"/>
+                    <a:pt x="264" y="145"/>
+                    <a:pt x="0" y="0"/>
+                  </a:cubicBezTo>
+                </a:path>
+              </a:pathLst>
+            </a:custGeom>
+            <a:noFill/>
+            <a:ln w="12700" cap="flat">
+              <a:solidFill>
+                <a:schemeClr val="tx1">
+                  <a:alpha val="20000"/>
+                </a:schemeClr>
+              </a:solidFill>
+              <a:prstDash val="dashDot"/>
+              <a:miter lim="800000"/>
+              <a:headEnd/>
+              <a:tailEnd/>
+            </a:ln>
+            <a:extLst>
+              <a:ext uri="{909E8E84-426E-40DD-AFC4-6F175D3DCCD1}">
+                <a14:hiddenFill xmlns:a14="http://schemas.microsoft.com/office/drawing/2010/main">
+                  <a:solidFill>
+                    <a:srgbClr val="FFFFFF"/>
+                  </a:solidFill>
+                </a14:hiddenFill>
+              </a:ext>
+            </a:extLst>
+          </p:spPr>
+          <p:txBody>
+            <a:bodyPr vert="horz" wrap="square" lIns="91440" tIns="45720" rIns="91440" bIns="45720" numCol="1" anchor="t" anchorCtr="0" compatLnSpc="1">
+              <a:prstTxWarp prst="textNoShape">
+                <a:avLst/>
+              </a:prstTxWarp>
+            </a:bodyPr>
+            <a:lstStyle/>
+            <a:p>
+              <a:endParaRPr lang="en-US"/>
+            </a:p>
+          </p:txBody>
+        </p:sp>
+        <p:sp>
+          <p:nvSpPr>
+            <p:cNvPr id="25" name="Freeform 16">
+              <a:extLst>
+                <a:ext uri="{FF2B5EF4-FFF2-40B4-BE49-F238E27FC236}">
+                  <a16:creationId xmlns:a16="http://schemas.microsoft.com/office/drawing/2014/main" id="{1348858B-E257-4F55-824B-A4E0E12B2D16}"/>
+                </a:ext>
+                <a:ext uri="{C183D7F6-B498-43B3-948B-1728B52AA6E4}">
+                  <adec:decorative xmlns:adec="http://schemas.microsoft.com/office/drawing/2017/decorative" val="1"/>
+                </a:ext>
+              </a:extLst>
+            </p:cNvPr>
+            <p:cNvSpPr>
+              <a:spLocks/>
+            </p:cNvSpPr>
+            <p:nvPr>
+              <p:extLst>
+                <p:ext uri="{386F3935-93C4-4BCD-93E2-E3B085C9AB24}">
+                  <p16:designElem xmlns:p16="http://schemas.microsoft.com/office/powerpoint/2015/main" val="1"/>
+                </p:ext>
+              </p:extLst>
+            </p:nvPr>
+          </p:nvSpPr>
+          <p:spPr bwMode="auto">
+            <a:xfrm>
+              <a:off x="-1061" y="5579"/>
+              <a:ext cx="357188" cy="213875"/>
+            </a:xfrm>
+            <a:custGeom>
+              <a:avLst/>
+              <a:gdLst>
+                <a:gd name="T0" fmla="*/ 75 w 75"/>
+                <a:gd name="T1" fmla="*/ 0 h 45"/>
+                <a:gd name="T2" fmla="*/ 0 w 75"/>
+                <a:gd name="T3" fmla="*/ 45 h 45"/>
+              </a:gdLst>
+              <a:ahLst/>
+              <a:cxnLst>
+                <a:cxn ang="0">
+                  <a:pos x="T0" y="T1"/>
+                </a:cxn>
+                <a:cxn ang="0">
+                  <a:pos x="T2" y="T3"/>
+                </a:cxn>
+              </a:cxnLst>
+              <a:rect l="0" t="0" r="r" b="b"/>
+              <a:pathLst>
+                <a:path w="75" h="45">
+                  <a:moveTo>
+                    <a:pt x="75" y="0"/>
+                  </a:moveTo>
+                  <a:cubicBezTo>
+                    <a:pt x="50" y="14"/>
+                    <a:pt x="25" y="29"/>
+                    <a:pt x="0" y="45"/>
+                  </a:cubicBezTo>
+                </a:path>
+              </a:pathLst>
+            </a:custGeom>
+            <a:noFill/>
+            <a:ln w="12700" cap="flat">
+              <a:solidFill>
+                <a:schemeClr val="tx1">
+                  <a:alpha val="20000"/>
+                </a:schemeClr>
+              </a:solidFill>
+              <a:prstDash val="dashDot"/>
+              <a:miter lim="800000"/>
+              <a:headEnd/>
+              <a:tailEnd/>
+            </a:ln>
+            <a:extLst>
+              <a:ext uri="{909E8E84-426E-40DD-AFC4-6F175D3DCCD1}">
+                <a14:hiddenFill xmlns:a14="http://schemas.microsoft.com/office/drawing/2010/main">
+                  <a:solidFill>
+                    <a:srgbClr val="FFFFFF"/>
+                  </a:solidFill>
+                </a14:hiddenFill>
+              </a:ext>
+            </a:extLst>
+          </p:spPr>
+          <p:txBody>
+            <a:bodyPr vert="horz" wrap="square" lIns="91440" tIns="45720" rIns="91440" bIns="45720" numCol="1" anchor="t" anchorCtr="0" compatLnSpc="1">
+              <a:prstTxWarp prst="textNoShape">
+                <a:avLst/>
+              </a:prstTxWarp>
+            </a:bodyPr>
+            <a:lstStyle/>
+            <a:p>
+              <a:endParaRPr lang="en-US"/>
+            </a:p>
+          </p:txBody>
+        </p:sp>
+        <p:sp>
+          <p:nvSpPr>
+            <p:cNvPr id="26" name="Freeform 17">
+              <a:extLst>
+                <a:ext uri="{FF2B5EF4-FFF2-40B4-BE49-F238E27FC236}">
+                  <a16:creationId xmlns:a16="http://schemas.microsoft.com/office/drawing/2014/main" id="{0328079F-5D7D-4C32-94FE-4746AABC908B}"/>
+                </a:ext>
+                <a:ext uri="{C183D7F6-B498-43B3-948B-1728B52AA6E4}">
+                  <adec:decorative xmlns:adec="http://schemas.microsoft.com/office/drawing/2017/decorative" val="1"/>
+                </a:ext>
+              </a:extLst>
+            </p:cNvPr>
+            <p:cNvSpPr>
+              <a:spLocks/>
+            </p:cNvSpPr>
+            <p:nvPr>
+              <p:extLst>
+                <p:ext uri="{386F3935-93C4-4BCD-93E2-E3B085C9AB24}">
+                  <p16:designElem xmlns:p16="http://schemas.microsoft.com/office/powerpoint/2015/main" val="1"/>
+                </p:ext>
+              </p:extLst>
+            </p:nvPr>
+          </p:nvSpPr>
+          <p:spPr bwMode="auto">
+            <a:xfrm>
+              <a:off x="6210826" y="790"/>
+              <a:ext cx="5522913" cy="6871126"/>
+            </a:xfrm>
+            <a:custGeom>
+              <a:avLst/>
+              <a:gdLst>
+                <a:gd name="T0" fmla="*/ 1053 w 1160"/>
+                <a:gd name="T1" fmla="*/ 1441 h 1441"/>
+                <a:gd name="T2" fmla="*/ 705 w 1160"/>
+                <a:gd name="T3" fmla="*/ 599 h 1441"/>
+                <a:gd name="T4" fmla="*/ 0 w 1160"/>
+                <a:gd name="T5" fmla="*/ 0 h 1441"/>
+              </a:gdLst>
+              <a:ahLst/>
+              <a:cxnLst>
+                <a:cxn ang="0">
+                  <a:pos x="T0" y="T1"/>
+                </a:cxn>
+                <a:cxn ang="0">
+                  <a:pos x="T2" y="T3"/>
+                </a:cxn>
+                <a:cxn ang="0">
+                  <a:pos x="T4" y="T5"/>
+                </a:cxn>
+              </a:cxnLst>
+              <a:rect l="0" t="0" r="r" b="b"/>
+              <a:pathLst>
+                <a:path w="1160" h="1441">
+                  <a:moveTo>
+                    <a:pt x="1053" y="1441"/>
+                  </a:moveTo>
+                  <a:cubicBezTo>
+                    <a:pt x="1160" y="1129"/>
+                    <a:pt x="892" y="817"/>
+                    <a:pt x="705" y="599"/>
+                  </a:cubicBezTo>
+                  <a:cubicBezTo>
+                    <a:pt x="503" y="365"/>
+                    <a:pt x="270" y="152"/>
+                    <a:pt x="0" y="0"/>
+                  </a:cubicBezTo>
+                </a:path>
+              </a:pathLst>
+            </a:custGeom>
+            <a:noFill/>
+            <a:ln w="9525" cap="flat">
+              <a:solidFill>
+                <a:schemeClr val="tx1">
+                  <a:alpha val="20000"/>
+                </a:schemeClr>
+              </a:solidFill>
+              <a:prstDash val="solid"/>
+              <a:miter lim="800000"/>
+              <a:headEnd/>
+              <a:tailEnd/>
+            </a:ln>
+            <a:extLst>
+              <a:ext uri="{909E8E84-426E-40DD-AFC4-6F175D3DCCD1}">
+                <a14:hiddenFill xmlns:a14="http://schemas.microsoft.com/office/drawing/2010/main">
+                  <a:solidFill>
+                    <a:srgbClr val="FFFFFF"/>
+                  </a:solidFill>
+                </a14:hiddenFill>
+              </a:ext>
+            </a:extLst>
+          </p:spPr>
+          <p:txBody>
+            <a:bodyPr vert="horz" wrap="square" lIns="91440" tIns="45720" rIns="91440" bIns="45720" numCol="1" anchor="t" anchorCtr="0" compatLnSpc="1">
+              <a:prstTxWarp prst="textNoShape">
+                <a:avLst/>
+              </a:prstTxWarp>
+            </a:bodyPr>
+            <a:lstStyle/>
+            <a:p>
+              <a:endParaRPr lang="en-US"/>
+            </a:p>
+          </p:txBody>
+        </p:sp>
+        <p:sp>
+          <p:nvSpPr>
+            <p:cNvPr id="27" name="Freeform 18">
+              <a:extLst>
+                <a:ext uri="{FF2B5EF4-FFF2-40B4-BE49-F238E27FC236}">
+                  <a16:creationId xmlns:a16="http://schemas.microsoft.com/office/drawing/2014/main" id="{936F7460-760A-4C69-B444-66970423A609}"/>
+                </a:ext>
+                <a:ext uri="{C183D7F6-B498-43B3-948B-1728B52AA6E4}">
+                  <adec:decorative xmlns:adec="http://schemas.microsoft.com/office/drawing/2017/decorative" val="1"/>
+                </a:ext>
+              </a:extLst>
+            </p:cNvPr>
+            <p:cNvSpPr>
+              <a:spLocks/>
+            </p:cNvSpPr>
+            <p:nvPr>
+              <p:extLst>
+                <p:ext uri="{386F3935-93C4-4BCD-93E2-E3B085C9AB24}">
+                  <p16:designElem xmlns:p16="http://schemas.microsoft.com/office/powerpoint/2015/main" val="1"/>
+                </p:ext>
+              </p:extLst>
+            </p:nvPr>
+          </p:nvSpPr>
+          <p:spPr bwMode="auto">
+            <a:xfrm>
+              <a:off x="6463239" y="5579"/>
+              <a:ext cx="5413375" cy="6866337"/>
+            </a:xfrm>
+            <a:custGeom>
+              <a:avLst/>
+              <a:gdLst>
+                <a:gd name="T0" fmla="*/ 1040 w 1137"/>
+                <a:gd name="T1" fmla="*/ 1440 h 1440"/>
+                <a:gd name="T2" fmla="*/ 698 w 1137"/>
+                <a:gd name="T3" fmla="*/ 611 h 1440"/>
+                <a:gd name="T4" fmla="*/ 0 w 1137"/>
+                <a:gd name="T5" fmla="*/ 0 h 1440"/>
+              </a:gdLst>
+              <a:ahLst/>
+              <a:cxnLst>
+                <a:cxn ang="0">
+                  <a:pos x="T0" y="T1"/>
+                </a:cxn>
+                <a:cxn ang="0">
+                  <a:pos x="T2" y="T3"/>
+                </a:cxn>
+                <a:cxn ang="0">
+                  <a:pos x="T4" y="T5"/>
+                </a:cxn>
+              </a:cxnLst>
+              <a:rect l="0" t="0" r="r" b="b"/>
+              <a:pathLst>
+                <a:path w="1137" h="1440">
+                  <a:moveTo>
+                    <a:pt x="1040" y="1440"/>
+                  </a:moveTo>
+                  <a:cubicBezTo>
+                    <a:pt x="1137" y="1131"/>
+                    <a:pt x="883" y="828"/>
+                    <a:pt x="698" y="611"/>
+                  </a:cubicBezTo>
+                  <a:cubicBezTo>
+                    <a:pt x="498" y="375"/>
+                    <a:pt x="268" y="159"/>
+                    <a:pt x="0" y="0"/>
+                  </a:cubicBezTo>
+                </a:path>
+              </a:pathLst>
+            </a:custGeom>
+            <a:noFill/>
+            <a:ln w="9525" cap="flat">
+              <a:solidFill>
+                <a:schemeClr val="tx1">
+                  <a:alpha val="20000"/>
+                </a:schemeClr>
+              </a:solidFill>
+              <a:prstDash val="solid"/>
+              <a:miter lim="800000"/>
+              <a:headEnd/>
+              <a:tailEnd/>
+            </a:ln>
+            <a:extLst>
+              <a:ext uri="{909E8E84-426E-40DD-AFC4-6F175D3DCCD1}">
+                <a14:hiddenFill xmlns:a14="http://schemas.microsoft.com/office/drawing/2010/main">
+                  <a:solidFill>
+                    <a:srgbClr val="FFFFFF"/>
+                  </a:solidFill>
+                </a14:hiddenFill>
+              </a:ext>
+            </a:extLst>
+          </p:spPr>
+          <p:txBody>
+            <a:bodyPr vert="horz" wrap="square" lIns="91440" tIns="45720" rIns="91440" bIns="45720" numCol="1" anchor="t" anchorCtr="0" compatLnSpc="1">
+              <a:prstTxWarp prst="textNoShape">
+                <a:avLst/>
+              </a:prstTxWarp>
+            </a:bodyPr>
+            <a:lstStyle/>
+            <a:p>
+              <a:endParaRPr lang="en-US"/>
+            </a:p>
+          </p:txBody>
+        </p:sp>
+        <p:sp>
+          <p:nvSpPr>
+            <p:cNvPr id="28" name="Freeform 19">
+              <a:extLst>
+                <a:ext uri="{FF2B5EF4-FFF2-40B4-BE49-F238E27FC236}">
+                  <a16:creationId xmlns:a16="http://schemas.microsoft.com/office/drawing/2014/main" id="{046A42DA-07A5-4FC4-9A8E-E7803145E824}"/>
+                </a:ext>
+                <a:ext uri="{C183D7F6-B498-43B3-948B-1728B52AA6E4}">
+                  <adec:decorative xmlns:adec="http://schemas.microsoft.com/office/drawing/2017/decorative" val="1"/>
+                </a:ext>
+              </a:extLst>
+            </p:cNvPr>
+            <p:cNvSpPr>
+              <a:spLocks/>
+            </p:cNvSpPr>
+            <p:nvPr>
+              <p:extLst>
+                <p:ext uri="{386F3935-93C4-4BCD-93E2-E3B085C9AB24}">
+                  <p16:designElem xmlns:p16="http://schemas.microsoft.com/office/powerpoint/2015/main" val="1"/>
+                </p:ext>
+              </p:extLst>
+            </p:nvPr>
+          </p:nvSpPr>
+          <p:spPr bwMode="auto">
+            <a:xfrm>
+              <a:off x="6877576" y="5579"/>
+              <a:ext cx="5037138" cy="6861550"/>
+            </a:xfrm>
+            <a:custGeom>
+              <a:avLst/>
+              <a:gdLst>
+                <a:gd name="T0" fmla="*/ 1011 w 1058"/>
+                <a:gd name="T1" fmla="*/ 1439 h 1439"/>
+                <a:gd name="T2" fmla="*/ 648 w 1058"/>
+                <a:gd name="T3" fmla="*/ 617 h 1439"/>
+                <a:gd name="T4" fmla="*/ 0 w 1058"/>
+                <a:gd name="T5" fmla="*/ 0 h 1439"/>
+              </a:gdLst>
+              <a:ahLst/>
+              <a:cxnLst>
+                <a:cxn ang="0">
+                  <a:pos x="T0" y="T1"/>
+                </a:cxn>
+                <a:cxn ang="0">
+                  <a:pos x="T2" y="T3"/>
+                </a:cxn>
+                <a:cxn ang="0">
+                  <a:pos x="T4" y="T5"/>
+                </a:cxn>
+              </a:cxnLst>
+              <a:rect l="0" t="0" r="r" b="b"/>
+              <a:pathLst>
+                <a:path w="1058" h="1439">
+                  <a:moveTo>
+                    <a:pt x="1011" y="1439"/>
+                  </a:moveTo>
+                  <a:cubicBezTo>
+                    <a:pt x="1058" y="1131"/>
+                    <a:pt x="825" y="841"/>
+                    <a:pt x="648" y="617"/>
+                  </a:cubicBezTo>
+                  <a:cubicBezTo>
+                    <a:pt x="462" y="383"/>
+                    <a:pt x="248" y="168"/>
+                    <a:pt x="0" y="0"/>
+                  </a:cubicBezTo>
+                </a:path>
+              </a:pathLst>
+            </a:custGeom>
+            <a:noFill/>
+            <a:ln w="9525" cap="flat">
+              <a:solidFill>
+                <a:schemeClr val="tx1">
+                  <a:alpha val="20000"/>
+                </a:schemeClr>
+              </a:solidFill>
+              <a:prstDash val="solid"/>
+              <a:miter lim="800000"/>
+              <a:headEnd/>
+              <a:tailEnd/>
+            </a:ln>
+            <a:extLst>
+              <a:ext uri="{909E8E84-426E-40DD-AFC4-6F175D3DCCD1}">
+                <a14:hiddenFill xmlns:a14="http://schemas.microsoft.com/office/drawing/2010/main">
+                  <a:solidFill>
+                    <a:srgbClr val="FFFFFF"/>
+                  </a:solidFill>
+                </a14:hiddenFill>
+              </a:ext>
+            </a:extLst>
+          </p:spPr>
+          <p:txBody>
+            <a:bodyPr vert="horz" wrap="square" lIns="91440" tIns="45720" rIns="91440" bIns="45720" numCol="1" anchor="t" anchorCtr="0" compatLnSpc="1">
+              <a:prstTxWarp prst="textNoShape">
+                <a:avLst/>
+              </a:prstTxWarp>
+            </a:bodyPr>
+            <a:lstStyle/>
+            <a:p>
+              <a:endParaRPr lang="en-US"/>
+            </a:p>
+          </p:txBody>
+        </p:sp>
+        <p:sp>
+          <p:nvSpPr>
+            <p:cNvPr id="29" name="Freeform 20">
+              <a:extLst>
+                <a:ext uri="{FF2B5EF4-FFF2-40B4-BE49-F238E27FC236}">
+                  <a16:creationId xmlns:a16="http://schemas.microsoft.com/office/drawing/2014/main" id="{EAD3D7E7-545F-40E9-9CDA-83D9F4E4BF26}"/>
+                </a:ext>
+                <a:ext uri="{C183D7F6-B498-43B3-948B-1728B52AA6E4}">
+                  <adec:decorative xmlns:adec="http://schemas.microsoft.com/office/drawing/2017/decorative" val="1"/>
+                </a:ext>
+              </a:extLst>
+            </p:cNvPr>
+            <p:cNvSpPr>
+              <a:spLocks/>
+            </p:cNvSpPr>
+            <p:nvPr>
+              <p:extLst>
+                <p:ext uri="{386F3935-93C4-4BCD-93E2-E3B085C9AB24}">
+                  <p16:designElem xmlns:p16="http://schemas.microsoft.com/office/powerpoint/2015/main" val="1"/>
+                </p:ext>
+              </p:extLst>
+            </p:nvPr>
+          </p:nvSpPr>
+          <p:spPr bwMode="auto">
+            <a:xfrm>
+              <a:off x="8768289" y="5579"/>
+              <a:ext cx="3417888" cy="2742066"/>
+            </a:xfrm>
+            <a:custGeom>
+              <a:avLst/>
+              <a:gdLst>
+                <a:gd name="T0" fmla="*/ 718 w 718"/>
+                <a:gd name="T1" fmla="*/ 575 h 575"/>
+                <a:gd name="T2" fmla="*/ 0 w 718"/>
+                <a:gd name="T3" fmla="*/ 0 h 575"/>
+              </a:gdLst>
+              <a:ahLst/>
+              <a:cxnLst>
+                <a:cxn ang="0">
+                  <a:pos x="T0" y="T1"/>
+                </a:cxn>
+                <a:cxn ang="0">
+                  <a:pos x="T2" y="T3"/>
+                </a:cxn>
+              </a:cxnLst>
+              <a:rect l="0" t="0" r="r" b="b"/>
+              <a:pathLst>
+                <a:path w="718" h="575">
+                  <a:moveTo>
+                    <a:pt x="718" y="575"/>
+                  </a:moveTo>
+                  <a:cubicBezTo>
+                    <a:pt x="500" y="360"/>
+                    <a:pt x="260" y="163"/>
+                    <a:pt x="0" y="0"/>
+                  </a:cubicBezTo>
+                </a:path>
+              </a:pathLst>
+            </a:custGeom>
+            <a:noFill/>
+            <a:ln w="9525" cap="flat">
+              <a:solidFill>
+                <a:schemeClr val="tx1">
+                  <a:alpha val="20000"/>
+                </a:schemeClr>
+              </a:solidFill>
+              <a:prstDash val="solid"/>
+              <a:miter lim="800000"/>
+              <a:headEnd/>
+              <a:tailEnd/>
+            </a:ln>
+            <a:extLst>
+              <a:ext uri="{909E8E84-426E-40DD-AFC4-6F175D3DCCD1}">
+                <a14:hiddenFill xmlns:a14="http://schemas.microsoft.com/office/drawing/2010/main">
+                  <a:solidFill>
+                    <a:srgbClr val="FFFFFF"/>
+                  </a:solidFill>
+                </a14:hiddenFill>
+              </a:ext>
+            </a:extLst>
+          </p:spPr>
+          <p:txBody>
+            <a:bodyPr vert="horz" wrap="square" lIns="91440" tIns="45720" rIns="91440" bIns="45720" numCol="1" anchor="t" anchorCtr="0" compatLnSpc="1">
+              <a:prstTxWarp prst="textNoShape">
+                <a:avLst/>
+              </a:prstTxWarp>
+            </a:bodyPr>
+            <a:lstStyle/>
+            <a:p>
+              <a:endParaRPr lang="en-US"/>
+            </a:p>
+          </p:txBody>
+        </p:sp>
+        <p:sp>
+          <p:nvSpPr>
+            <p:cNvPr id="30" name="Freeform 21">
+              <a:extLst>
+                <a:ext uri="{FF2B5EF4-FFF2-40B4-BE49-F238E27FC236}">
+                  <a16:creationId xmlns:a16="http://schemas.microsoft.com/office/drawing/2014/main" id="{A82941B0-23C5-480D-8374-A5427FDF03DA}"/>
+                </a:ext>
+                <a:ext uri="{C183D7F6-B498-43B3-948B-1728B52AA6E4}">
+                  <adec:decorative xmlns:adec="http://schemas.microsoft.com/office/drawing/2017/decorative" val="1"/>
+                </a:ext>
+              </a:extLst>
+            </p:cNvPr>
+            <p:cNvSpPr>
+              <a:spLocks/>
+            </p:cNvSpPr>
+            <p:nvPr>
+              <p:extLst>
+                <p:ext uri="{386F3935-93C4-4BCD-93E2-E3B085C9AB24}">
+                  <p16:designElem xmlns:p16="http://schemas.microsoft.com/office/powerpoint/2015/main" val="1"/>
+                </p:ext>
+              </p:extLst>
+            </p:nvPr>
+          </p:nvSpPr>
+          <p:spPr bwMode="auto">
+            <a:xfrm>
+              <a:off x="9235014" y="10367"/>
+              <a:ext cx="2951163" cy="2555325"/>
+            </a:xfrm>
+            <a:custGeom>
+              <a:avLst/>
+              <a:gdLst>
+                <a:gd name="T0" fmla="*/ 620 w 620"/>
+                <a:gd name="T1" fmla="*/ 536 h 536"/>
+                <a:gd name="T2" fmla="*/ 0 w 620"/>
+                <a:gd name="T3" fmla="*/ 0 h 536"/>
+              </a:gdLst>
+              <a:ahLst/>
+              <a:cxnLst>
+                <a:cxn ang="0">
+                  <a:pos x="T0" y="T1"/>
+                </a:cxn>
+                <a:cxn ang="0">
+                  <a:pos x="T2" y="T3"/>
+                </a:cxn>
+              </a:cxnLst>
+              <a:rect l="0" t="0" r="r" b="b"/>
+              <a:pathLst>
+                <a:path w="620" h="536">
+                  <a:moveTo>
+                    <a:pt x="620" y="536"/>
+                  </a:moveTo>
+                  <a:cubicBezTo>
+                    <a:pt x="404" y="314"/>
+                    <a:pt x="196" y="138"/>
+                    <a:pt x="0" y="0"/>
+                  </a:cubicBezTo>
+                </a:path>
+              </a:pathLst>
+            </a:custGeom>
+            <a:noFill/>
+            <a:ln w="9525" cap="flat">
+              <a:solidFill>
+                <a:schemeClr val="tx1">
+                  <a:alpha val="20000"/>
+                </a:schemeClr>
+              </a:solidFill>
+              <a:prstDash val="solid"/>
+              <a:miter lim="800000"/>
+              <a:headEnd/>
+              <a:tailEnd/>
+            </a:ln>
+            <a:extLst>
+              <a:ext uri="{909E8E84-426E-40DD-AFC4-6F175D3DCCD1}">
+                <a14:hiddenFill xmlns:a14="http://schemas.microsoft.com/office/drawing/2010/main">
+                  <a:solidFill>
+                    <a:srgbClr val="FFFFFF"/>
+                  </a:solidFill>
+                </a14:hiddenFill>
+              </a:ext>
+            </a:extLst>
+          </p:spPr>
+          <p:txBody>
+            <a:bodyPr vert="horz" wrap="square" lIns="91440" tIns="45720" rIns="91440" bIns="45720" numCol="1" anchor="t" anchorCtr="0" compatLnSpc="1">
+              <a:prstTxWarp prst="textNoShape">
+                <a:avLst/>
+              </a:prstTxWarp>
+            </a:bodyPr>
+            <a:lstStyle/>
+            <a:p>
+              <a:endParaRPr lang="en-US"/>
+            </a:p>
+          </p:txBody>
+        </p:sp>
+        <p:sp>
+          <p:nvSpPr>
+            <p:cNvPr id="31" name="Freeform 22">
+              <a:extLst>
+                <a:ext uri="{FF2B5EF4-FFF2-40B4-BE49-F238E27FC236}">
+                  <a16:creationId xmlns:a16="http://schemas.microsoft.com/office/drawing/2014/main" id="{E25E04FF-BCA7-48D1-B958-C35D3E94EF30}"/>
+                </a:ext>
+                <a:ext uri="{C183D7F6-B498-43B3-948B-1728B52AA6E4}">
+                  <adec:decorative xmlns:adec="http://schemas.microsoft.com/office/drawing/2017/decorative" val="1"/>
+                </a:ext>
+              </a:extLst>
+            </p:cNvPr>
+            <p:cNvSpPr>
+              <a:spLocks/>
+            </p:cNvSpPr>
+            <p:nvPr>
+              <p:extLst>
+                <p:ext uri="{386F3935-93C4-4BCD-93E2-E3B085C9AB24}">
+                  <p16:designElem xmlns:p16="http://schemas.microsoft.com/office/powerpoint/2015/main" val="1"/>
+                </p:ext>
+              </p:extLst>
+            </p:nvPr>
+          </p:nvSpPr>
+          <p:spPr bwMode="auto">
+            <a:xfrm>
+              <a:off x="10020826" y="5579"/>
+              <a:ext cx="2165350" cy="1358265"/>
+            </a:xfrm>
+            <a:custGeom>
+              <a:avLst/>
+              <a:gdLst>
+                <a:gd name="T0" fmla="*/ 0 w 455"/>
+                <a:gd name="T1" fmla="*/ 0 h 285"/>
+                <a:gd name="T2" fmla="*/ 455 w 455"/>
+                <a:gd name="T3" fmla="*/ 285 h 285"/>
+              </a:gdLst>
+              <a:ahLst/>
+              <a:cxnLst>
+                <a:cxn ang="0">
+                  <a:pos x="T0" y="T1"/>
+                </a:cxn>
+                <a:cxn ang="0">
+                  <a:pos x="T2" y="T3"/>
+                </a:cxn>
+              </a:cxnLst>
+              <a:rect l="0" t="0" r="r" b="b"/>
+              <a:pathLst>
+                <a:path w="455" h="285">
+                  <a:moveTo>
+                    <a:pt x="0" y="0"/>
+                  </a:moveTo>
+                  <a:cubicBezTo>
+                    <a:pt x="153" y="85"/>
+                    <a:pt x="308" y="180"/>
+                    <a:pt x="455" y="285"/>
+                  </a:cubicBezTo>
+                </a:path>
+              </a:pathLst>
+            </a:custGeom>
+            <a:noFill/>
+            <a:ln w="9525" cap="flat">
+              <a:solidFill>
+                <a:schemeClr val="tx1">
+                  <a:alpha val="20000"/>
+                </a:schemeClr>
+              </a:solidFill>
+              <a:prstDash val="dash"/>
+              <a:miter lim="800000"/>
+              <a:headEnd/>
+              <a:tailEnd/>
+            </a:ln>
+            <a:extLst>
+              <a:ext uri="{909E8E84-426E-40DD-AFC4-6F175D3DCCD1}">
+                <a14:hiddenFill xmlns:a14="http://schemas.microsoft.com/office/drawing/2010/main">
+                  <a:solidFill>
+                    <a:srgbClr val="FFFFFF"/>
+                  </a:solidFill>
+                </a14:hiddenFill>
+              </a:ext>
+            </a:extLst>
+          </p:spPr>
+          <p:txBody>
+            <a:bodyPr vert="horz" wrap="square" lIns="91440" tIns="45720" rIns="91440" bIns="45720" numCol="1" anchor="t" anchorCtr="0" compatLnSpc="1">
+              <a:prstTxWarp prst="textNoShape">
+                <a:avLst/>
+              </a:prstTxWarp>
+            </a:bodyPr>
+            <a:lstStyle/>
+            <a:p>
+              <a:endParaRPr lang="en-US"/>
+            </a:p>
+          </p:txBody>
+        </p:sp>
+        <p:sp>
+          <p:nvSpPr>
+            <p:cNvPr id="32" name="Freeform 23">
+              <a:extLst>
+                <a:ext uri="{FF2B5EF4-FFF2-40B4-BE49-F238E27FC236}">
+                  <a16:creationId xmlns:a16="http://schemas.microsoft.com/office/drawing/2014/main" id="{A7E8EF9C-5522-451C-8CB5-0575E245237B}"/>
+                </a:ext>
+                <a:ext uri="{C183D7F6-B498-43B3-948B-1728B52AA6E4}">
+                  <adec:decorative xmlns:adec="http://schemas.microsoft.com/office/drawing/2017/decorative" val="1"/>
+                </a:ext>
+              </a:extLst>
+            </p:cNvPr>
+            <p:cNvSpPr>
+              <a:spLocks/>
+            </p:cNvSpPr>
+            <p:nvPr>
+              <p:extLst>
+                <p:ext uri="{386F3935-93C4-4BCD-93E2-E3B085C9AB24}">
+                  <p16:designElem xmlns:p16="http://schemas.microsoft.com/office/powerpoint/2015/main" val="1"/>
+                </p:ext>
+              </p:extLst>
+            </p:nvPr>
+          </p:nvSpPr>
+          <p:spPr bwMode="auto">
+            <a:xfrm>
+              <a:off x="11290826" y="5579"/>
+              <a:ext cx="895350" cy="534687"/>
+            </a:xfrm>
+            <a:custGeom>
+              <a:avLst/>
+              <a:gdLst>
+                <a:gd name="T0" fmla="*/ 0 w 188"/>
+                <a:gd name="T1" fmla="*/ 0 h 112"/>
+                <a:gd name="T2" fmla="*/ 188 w 188"/>
+                <a:gd name="T3" fmla="*/ 112 h 112"/>
+              </a:gdLst>
+              <a:ahLst/>
+              <a:cxnLst>
+                <a:cxn ang="0">
+                  <a:pos x="T0" y="T1"/>
+                </a:cxn>
+                <a:cxn ang="0">
+                  <a:pos x="T2" y="T3"/>
+                </a:cxn>
+              </a:cxnLst>
+              <a:rect l="0" t="0" r="r" b="b"/>
+              <a:pathLst>
+                <a:path w="188" h="112">
+                  <a:moveTo>
+                    <a:pt x="0" y="0"/>
+                  </a:moveTo>
+                  <a:cubicBezTo>
+                    <a:pt x="63" y="36"/>
+                    <a:pt x="126" y="73"/>
+                    <a:pt x="188" y="112"/>
+                  </a:cubicBezTo>
+                </a:path>
+              </a:pathLst>
+            </a:custGeom>
+            <a:noFill/>
+            <a:ln w="9525" cap="flat">
+              <a:solidFill>
+                <a:schemeClr val="tx1">
+                  <a:alpha val="20000"/>
+                </a:schemeClr>
+              </a:solidFill>
+              <a:prstDash val="solid"/>
+              <a:miter lim="800000"/>
+              <a:headEnd/>
+              <a:tailEnd/>
+            </a:ln>
+            <a:extLst>
+              <a:ext uri="{909E8E84-426E-40DD-AFC4-6F175D3DCCD1}">
+                <a14:hiddenFill xmlns:a14="http://schemas.microsoft.com/office/drawing/2010/main">
+                  <a:solidFill>
+                    <a:srgbClr val="FFFFFF"/>
+                  </a:solidFill>
+                </a14:hiddenFill>
+              </a:ext>
+            </a:extLst>
+          </p:spPr>
+          <p:txBody>
+            <a:bodyPr vert="horz" wrap="square" lIns="91440" tIns="45720" rIns="91440" bIns="45720" numCol="1" anchor="t" anchorCtr="0" compatLnSpc="1">
+              <a:prstTxWarp prst="textNoShape">
+                <a:avLst/>
+              </a:prstTxWarp>
+            </a:bodyPr>
+            <a:lstStyle/>
+            <a:p>
+              <a:endParaRPr lang="en-US"/>
+            </a:p>
+          </p:txBody>
+        </p:sp>
+      </p:grpSp>
+      <p:grpSp>
+        <p:nvGrpSpPr>
+          <p:cNvPr id="34" name="Group 33">
+            <a:extLst>
+              <a:ext uri="{FF2B5EF4-FFF2-40B4-BE49-F238E27FC236}">
+                <a16:creationId xmlns:a16="http://schemas.microsoft.com/office/drawing/2014/main" id="{C7D119FF-606C-4006-A3CB-C83426DCA15E}"/>
+              </a:ext>
+              <a:ext uri="{C183D7F6-B498-43B3-948B-1728B52AA6E4}">
+                <adec:decorative xmlns:adec="http://schemas.microsoft.com/office/drawing/2017/decorative" val="1"/>
+              </a:ext>
+            </a:extLst>
+          </p:cNvPr>
+          <p:cNvGrpSpPr>
+            <a:grpSpLocks noGrp="1" noUngrp="1" noRot="1" noChangeAspect="1" noMove="1" noResize="1"/>
+          </p:cNvGrpSpPr>
+          <p:nvPr>
+            <p:extLst>
+              <p:ext uri="{386F3935-93C4-4BCD-93E2-E3B085C9AB24}">
+                <p16:designElem xmlns:p16="http://schemas.microsoft.com/office/powerpoint/2015/main" val="1"/>
+              </p:ext>
+            </p:extLst>
+          </p:nvPr>
+        </p:nvGrpSpPr>
+        <p:grpSpPr>
+          <a:xfrm>
+            <a:off x="2444208" y="2919851"/>
+            <a:ext cx="4236590" cy="1328455"/>
+            <a:chOff x="3258942" y="3893141"/>
+            <a:chExt cx="5648782" cy="1771275"/>
+          </a:xfrm>
+        </p:grpSpPr>
+        <p:sp>
+          <p:nvSpPr>
+            <p:cNvPr id="35" name="Isosceles Triangle 39">
+              <a:extLst>
+                <a:ext uri="{FF2B5EF4-FFF2-40B4-BE49-F238E27FC236}">
+                  <a16:creationId xmlns:a16="http://schemas.microsoft.com/office/drawing/2014/main" id="{C910710A-4E31-4871-8A01-586AC5FC0767}"/>
+                </a:ext>
+                <a:ext uri="{C183D7F6-B498-43B3-948B-1728B52AA6E4}">
+                  <adec:decorative xmlns:adec="http://schemas.microsoft.com/office/drawing/2017/decorative" val="1"/>
+                </a:ext>
+              </a:extLst>
+            </p:cNvPr>
+            <p:cNvSpPr/>
+            <p:nvPr>
+              <p:extLst>
+                <p:ext uri="{386F3935-93C4-4BCD-93E2-E3B085C9AB24}">
+                  <p16:designElem xmlns:p16="http://schemas.microsoft.com/office/powerpoint/2015/main" val="1"/>
+                </p:ext>
+              </p:extLst>
+            </p:nvPr>
+          </p:nvSpPr>
+          <p:spPr>
+            <a:xfrm rot="10800000">
+              <a:off x="5892384" y="5313353"/>
+              <a:ext cx="407233" cy="351063"/>
+            </a:xfrm>
+            <a:prstGeom prst="triangle">
+              <a:avLst/>
+            </a:prstGeom>
+            <a:solidFill>
+              <a:schemeClr val="accent1"/>
+            </a:solidFill>
+            <a:ln>
+              <a:noFill/>
+            </a:ln>
+          </p:spPr>
+          <p:style>
+            <a:lnRef idx="2">
+              <a:schemeClr val="accent1">
+                <a:shade val="50000"/>
+              </a:schemeClr>
+            </a:lnRef>
+            <a:fillRef idx="1">
+              <a:schemeClr val="accent1"/>
+            </a:fillRef>
+            <a:effectRef idx="0">
+              <a:schemeClr val="accent1"/>
+            </a:effectRef>
+            <a:fontRef idx="minor">
+              <a:schemeClr val="lt1"/>
+            </a:fontRef>
+          </p:style>
+          <p:txBody>
+            <a:bodyPr rtlCol="0" anchor="ctr"/>
+            <a:lstStyle/>
+            <a:p>
+              <a:pPr algn="ctr"/>
+              <a:endParaRPr lang="en-US"/>
+            </a:p>
+          </p:txBody>
+        </p:sp>
+        <p:sp>
+          <p:nvSpPr>
+            <p:cNvPr id="36" name="Rectangle 35">
+              <a:extLst>
+                <a:ext uri="{FF2B5EF4-FFF2-40B4-BE49-F238E27FC236}">
+                  <a16:creationId xmlns:a16="http://schemas.microsoft.com/office/drawing/2014/main" id="{F1437FA2-C275-4241-AD89-34B44DE74C2C}"/>
+                </a:ext>
+                <a:ext uri="{C183D7F6-B498-43B3-948B-1728B52AA6E4}">
+                  <adec:decorative xmlns:adec="http://schemas.microsoft.com/office/drawing/2017/decorative" val="1"/>
+                </a:ext>
+              </a:extLst>
+            </p:cNvPr>
+            <p:cNvSpPr/>
+            <p:nvPr>
+              <p:extLst>
+                <p:ext uri="{386F3935-93C4-4BCD-93E2-E3B085C9AB24}">
+                  <p16:designElem xmlns:p16="http://schemas.microsoft.com/office/powerpoint/2015/main" val="1"/>
+                </p:ext>
+              </p:extLst>
+            </p:nvPr>
+          </p:nvSpPr>
+          <p:spPr>
+            <a:xfrm>
+              <a:off x="3258942" y="3893141"/>
+              <a:ext cx="5648782" cy="1420210"/>
+            </a:xfrm>
+            <a:prstGeom prst="rect">
+              <a:avLst/>
+            </a:prstGeom>
+            <a:solidFill>
+              <a:schemeClr val="accent1"/>
+            </a:solidFill>
+            <a:ln>
+              <a:noFill/>
+            </a:ln>
+          </p:spPr>
+          <p:style>
+            <a:lnRef idx="2">
+              <a:schemeClr val="accent1">
+                <a:shade val="50000"/>
+              </a:schemeClr>
+            </a:lnRef>
+            <a:fillRef idx="1">
+              <a:schemeClr val="accent1"/>
+            </a:fillRef>
+            <a:effectRef idx="0">
+              <a:schemeClr val="accent1"/>
+            </a:effectRef>
+            <a:fontRef idx="minor">
+              <a:schemeClr val="lt1"/>
+            </a:fontRef>
+          </p:style>
+          <p:txBody>
+            <a:bodyPr rtlCol="0" anchor="ctr"/>
+            <a:lstStyle/>
+            <a:p>
+              <a:pPr algn="ctr"/>
+              <a:endParaRPr lang="en-US"/>
+            </a:p>
+          </p:txBody>
+        </p:sp>
+      </p:grpSp>
       <p:sp>
         <p:nvSpPr>
-          <p:cNvPr id="2" name="Title 1"/>
+          <p:cNvPr id="2" name="Tiêu đề 1">
+            <a:extLst>
+              <a:ext uri="{FF2B5EF4-FFF2-40B4-BE49-F238E27FC236}">
+                <a16:creationId xmlns:a16="http://schemas.microsoft.com/office/drawing/2014/main" id="{57DB1E4C-775B-46F2-A8F5-022782E94383}"/>
+              </a:ext>
+            </a:extLst>
+          </p:cNvPr>
           <p:cNvSpPr>
             <a:spLocks noGrp="1"/>
           </p:cNvSpPr>
           <p:nvPr>
-            <p:ph type="ctrTitle"/>
+            <p:ph type="title"/>
           </p:nvPr>
         </p:nvSpPr>
         <p:spPr>
           <a:xfrm>
-            <a:off x="367903" y="1713868"/>
-            <a:ext cx="8408193" cy="558627"/>
+            <a:off x="2504919" y="3273121"/>
+            <a:ext cx="4121302" cy="545811"/>
           </a:xfrm>
         </p:spPr>
         <p:txBody>
-          <a:bodyPr vert="horz" lIns="91440" tIns="45720" rIns="91440" bIns="45720" rtlCol="0" anchor="ctr">
-            <a:normAutofit/>
+          <a:bodyPr vert="horz" lIns="91440" tIns="45720" rIns="91440" bIns="45720" rtlCol="0" anchor="b">
+            <a:normAutofit fontScale="90000"/>
           </a:bodyPr>
           <a:lstStyle/>
           <a:p>
@@ -8507,25 +15015,141 @@
               </a:spcBef>
             </a:pPr>
             <a:r>
-              <a:rPr lang="en-US" sz="2400" b="1" kern="1200" spc="300" dirty="0">
-                <a:solidFill>
-                  <a:schemeClr val="bg1"/>
+              <a:rPr lang="en-US" sz="3000" b="1" kern="1200" dirty="0">
+                <a:solidFill>
+                  <a:srgbClr val="FFFFFF"/>
+                </a:solidFill>
+              </a:rPr>
+              <a:t>VIEW</a:t>
+            </a:r>
+            <a:br>
+              <a:rPr lang="en-US" sz="3000" kern="1200" dirty="0">
+                <a:solidFill>
+                  <a:srgbClr val="FFFFFF"/>
                 </a:solidFill>
                 <a:latin typeface="+mj-lt"/>
-                <a:ea typeface="+mj-ea"/>
-                <a:cs typeface="+mj-cs"/>
-              </a:rPr>
-              <a:t>VIEW</a:t>
-            </a:r>
+              </a:rPr>
+            </a:br>
+            <a:r>
+              <a:rPr lang="en-US" sz="3000" kern="1200" dirty="0" err="1">
+                <a:solidFill>
+                  <a:srgbClr val="FFFFFF"/>
+                </a:solidFill>
+                <a:latin typeface="+mj-lt"/>
+              </a:rPr>
+              <a:t>dựa</a:t>
+            </a:r>
+            <a:r>
+              <a:rPr lang="en-US" sz="3000" kern="1200" dirty="0">
+                <a:solidFill>
+                  <a:srgbClr val="FFFFFF"/>
+                </a:solidFill>
+                <a:latin typeface="+mj-lt"/>
+              </a:rPr>
+              <a:t>  </a:t>
+            </a:r>
+            <a:r>
+              <a:rPr lang="en-US" sz="3000" kern="1200" dirty="0" err="1">
+                <a:solidFill>
+                  <a:srgbClr val="FFFFFF"/>
+                </a:solidFill>
+                <a:latin typeface="+mj-lt"/>
+              </a:rPr>
+              <a:t>trên</a:t>
+            </a:r>
+            <a:r>
+              <a:rPr lang="en-US" sz="3000" kern="1200" dirty="0">
+                <a:solidFill>
+                  <a:srgbClr val="FFFFFF"/>
+                </a:solidFill>
+                <a:latin typeface="+mj-lt"/>
+              </a:rPr>
+              <a:t> FXML </a:t>
+            </a:r>
+            <a:endParaRPr lang="en-US" sz="3000" b="1" kern="1200" dirty="0">
+              <a:solidFill>
+                <a:srgbClr val="FFFFFF"/>
+              </a:solidFill>
+              <a:latin typeface="+mj-lt"/>
+              <a:ea typeface="+mj-ea"/>
+              <a:cs typeface="+mj-cs"/>
+            </a:endParaRPr>
+          </a:p>
+        </p:txBody>
+      </p:sp>
+      <p:sp>
+        <p:nvSpPr>
+          <p:cNvPr id="38" name="Rectangle 37">
+            <a:extLst>
+              <a:ext uri="{FF2B5EF4-FFF2-40B4-BE49-F238E27FC236}">
+                <a16:creationId xmlns:a16="http://schemas.microsoft.com/office/drawing/2014/main" id="{BC72E954-3173-4229-93A2-B05A46E096FC}"/>
+              </a:ext>
+              <a:ext uri="{C183D7F6-B498-43B3-948B-1728B52AA6E4}">
+                <adec:decorative xmlns:adec="http://schemas.microsoft.com/office/drawing/2017/decorative" val="1"/>
+              </a:ext>
+            </a:extLst>
+          </p:cNvPr>
+          <p:cNvSpPr>
+            <a:spLocks noGrp="1" noRot="1" noChangeAspect="1" noMove="1" noResize="1" noEditPoints="1" noAdjustHandles="1" noChangeArrowheads="1" noChangeShapeType="1" noTextEdit="1"/>
+          </p:cNvSpPr>
+          <p:nvPr>
+            <p:extLst>
+              <p:ext uri="{386F3935-93C4-4BCD-93E2-E3B085C9AB24}">
+                <p16:designElem xmlns:p16="http://schemas.microsoft.com/office/powerpoint/2015/main" val="1"/>
+              </p:ext>
+            </p:extLst>
+          </p:nvPr>
+        </p:nvSpPr>
+        <p:spPr>
+          <a:xfrm>
+            <a:off x="2444206" y="882785"/>
+            <a:ext cx="4236587" cy="1967965"/>
+          </a:xfrm>
+          <a:prstGeom prst="rect">
+            <a:avLst/>
+          </a:prstGeom>
+          <a:solidFill>
+            <a:schemeClr val="bg1"/>
+          </a:solidFill>
+          <a:ln w="9525">
+            <a:solidFill>
+              <a:schemeClr val="tx1">
+                <a:alpha val="20000"/>
+              </a:schemeClr>
+            </a:solidFill>
+          </a:ln>
+        </p:spPr>
+        <p:style>
+          <a:lnRef idx="2">
+            <a:schemeClr val="accent1">
+              <a:shade val="50000"/>
+            </a:schemeClr>
+          </a:lnRef>
+          <a:fillRef idx="1">
+            <a:schemeClr val="accent1"/>
+          </a:fillRef>
+          <a:effectRef idx="0">
+            <a:schemeClr val="accent1"/>
+          </a:effectRef>
+          <a:fontRef idx="minor">
+            <a:schemeClr val="lt1"/>
+          </a:fontRef>
+        </p:style>
+        <p:txBody>
+          <a:bodyPr rtlCol="0" anchor="ctr"/>
+          <a:lstStyle/>
+          <a:p>
+            <a:pPr algn="ctr"/>
+            <a:endParaRPr lang="en-US"/>
           </a:p>
         </p:txBody>
       </p:sp>
       <p:pic>
         <p:nvPicPr>
-          <p:cNvPr id="4" name="Hình ảnh 3" descr="Ảnh có chứa ảnh chụp màn hình&#10;&#10;Mô tả được tạo tự động">
+          <p:cNvPr id="6" name="Hình ảnh 5">
             <a:extLst>
               <a:ext uri="{FF2B5EF4-FFF2-40B4-BE49-F238E27FC236}">
-                <a16:creationId xmlns:a16="http://schemas.microsoft.com/office/drawing/2014/main" id="{7D2F0F70-914E-47FA-A07C-164AD6873673}"/>
+                <a16:creationId xmlns:a16="http://schemas.microsoft.com/office/drawing/2014/main" id="{E58FAD92-B148-4C24-AFA4-8D0033E97E6F}"/>
               </a:ext>
             </a:extLst>
           </p:cNvPr>
@@ -8535,198 +15159,28 @@
           <p:nvPr/>
         </p:nvPicPr>
         <p:blipFill>
-          <a:blip r:embed="rId2">
-            <a:extLst>
-              <a:ext uri="{28A0092B-C50C-407E-A947-70E740481C1C}">
-                <a14:useLocalDpi xmlns:a14="http://schemas.microsoft.com/office/drawing/2010/main" val="0"/>
-              </a:ext>
-            </a:extLst>
-          </a:blip>
+          <a:blip r:embed="rId2"/>
           <a:stretch>
             <a:fillRect/>
           </a:stretch>
         </p:blipFill>
         <p:spPr>
           <a:xfrm>
-            <a:off x="2098208" y="4371950"/>
-            <a:ext cx="4947582" cy="3295649"/>
+            <a:off x="2202084" y="1011638"/>
+            <a:ext cx="4739601" cy="1679567"/>
           </a:xfrm>
-          <a:prstGeom prst="roundRect">
-            <a:avLst>
-              <a:gd name="adj" fmla="val 8594"/>
-            </a:avLst>
+          <a:prstGeom prst="rect">
+            <a:avLst/>
           </a:prstGeom>
-          <a:solidFill>
-            <a:srgbClr val="FFFFFF">
-              <a:shade val="85000"/>
-            </a:srgbClr>
-          </a:solidFill>
-          <a:ln>
+          <a:ln w="12700">
             <a:noFill/>
           </a:ln>
-          <a:effectLst>
-            <a:reflection blurRad="12700" stA="38000" endPos="28000" dist="5000" dir="5400000" sy="-100000" algn="bl" rotWithShape="0"/>
-          </a:effectLst>
         </p:spPr>
       </p:pic>
     </p:spTree>
     <p:extLst>
       <p:ext uri="{BB962C8B-B14F-4D97-AF65-F5344CB8AC3E}">
-        <p14:creationId xmlns:p14="http://schemas.microsoft.com/office/powerpoint/2010/main" val="235646591"/>
-      </p:ext>
-    </p:extLst>
-  </p:cSld>
-  <p:clrMapOvr>
-    <a:masterClrMapping/>
-  </p:clrMapOvr>
-  <p:transition spd="slow">
-    <p:push dir="u"/>
-  </p:transition>
-  <p:timing>
-    <p:tnLst>
-      <p:par>
-        <p:cTn id="1" dur="indefinite" restart="never" nodeType="tmRoot">
-          <p:childTnLst>
-            <p:seq concurrent="1" nextAc="seek">
-              <p:cTn id="2" dur="indefinite" nodeType="mainSeq">
-                <p:childTnLst>
-                  <p:par>
-                    <p:cTn id="3" fill="hold">
-                      <p:stCondLst>
-                        <p:cond delay="indefinite"/>
-                        <p:cond evt="onBegin" delay="0">
-                          <p:tn val="2"/>
-                        </p:cond>
-                      </p:stCondLst>
-                      <p:childTnLst>
-                        <p:par>
-                          <p:cTn id="4" fill="hold">
-                            <p:stCondLst>
-                              <p:cond delay="0"/>
-                            </p:stCondLst>
-                            <p:childTnLst>
-                              <p:par>
-                                <p:cTn id="5" presetID="64" presetClass="path" presetSubtype="0" accel="50000" decel="50000" fill="hold" grpId="0" nodeType="withEffect">
-                                  <p:stCondLst>
-                                    <p:cond delay="0"/>
-                                  </p:stCondLst>
-                                  <p:childTnLst>
-                                    <p:animMotion origin="layout" path="M 0 4.32099E-6 L 0 -0.25 " pathEditMode="relative" rAng="0" ptsTypes="AA">
-                                      <p:cBhvr>
-                                        <p:cTn id="6" dur="2000" fill="hold"/>
-                                        <p:tgtEl>
-                                          <p:spTgt spid="2"/>
-                                        </p:tgtEl>
-                                        <p:attrNameLst>
-                                          <p:attrName>ppt_x</p:attrName>
-                                          <p:attrName>ppt_y</p:attrName>
-                                        </p:attrNameLst>
-                                      </p:cBhvr>
-                                      <p:rCtr x="0" y="-12500"/>
-                                    </p:animMotion>
-                                  </p:childTnLst>
-                                </p:cTn>
-                              </p:par>
-                              <p:par>
-                                <p:cTn id="7" presetID="64" presetClass="path" presetSubtype="0" accel="50000" decel="50000" fill="hold" nodeType="withEffect">
-                                  <p:stCondLst>
-                                    <p:cond delay="0"/>
-                                  </p:stCondLst>
-                                  <p:childTnLst>
-                                    <p:animMotion origin="layout" path="M -0.00226 -0.16389 L -0.00226 -0.59784 " pathEditMode="relative" rAng="0" ptsTypes="AA">
-                                      <p:cBhvr>
-                                        <p:cTn id="8" dur="2000" fill="hold"/>
-                                        <p:tgtEl>
-                                          <p:spTgt spid="4"/>
-                                        </p:tgtEl>
-                                        <p:attrNameLst>
-                                          <p:attrName>ppt_x</p:attrName>
-                                          <p:attrName>ppt_y</p:attrName>
-                                        </p:attrNameLst>
-                                      </p:cBhvr>
-                                      <p:rCtr x="0" y="-21698"/>
-                                    </p:animMotion>
-                                  </p:childTnLst>
-                                </p:cTn>
-                              </p:par>
-                            </p:childTnLst>
-                          </p:cTn>
-                        </p:par>
-                      </p:childTnLst>
-                    </p:cTn>
-                  </p:par>
-                </p:childTnLst>
-              </p:cTn>
-              <p:prevCondLst>
-                <p:cond evt="onPrev" delay="0">
-                  <p:tgtEl>
-                    <p:sldTgt/>
-                  </p:tgtEl>
-                </p:cond>
-              </p:prevCondLst>
-              <p:nextCondLst>
-                <p:cond evt="onNext" delay="0">
-                  <p:tgtEl>
-                    <p:sldTgt/>
-                  </p:tgtEl>
-                </p:cond>
-              </p:nextCondLst>
-            </p:seq>
-          </p:childTnLst>
-        </p:cTn>
-      </p:par>
-    </p:tnLst>
-    <p:bldLst>
-      <p:bldP spid="2" grpId="0"/>
-    </p:bldLst>
-  </p:timing>
-</p:sld>
-</file>
-
-<file path=ppt/slides/slide9.xml><?xml version="1.0" encoding="utf-8"?>
-<p:sld xmlns:a="http://schemas.openxmlformats.org/drawingml/2006/main" xmlns:r="http://schemas.openxmlformats.org/officeDocument/2006/relationships" xmlns:p="http://schemas.openxmlformats.org/presentationml/2006/main">
-  <p:cSld>
-    <p:spTree>
-      <p:nvGrpSpPr>
-        <p:cNvPr id="1" name=""/>
-        <p:cNvGrpSpPr/>
-        <p:nvPr/>
-      </p:nvGrpSpPr>
-      <p:grpSpPr>
-        <a:xfrm>
-          <a:off x="0" y="0"/>
-          <a:ext cx="0" cy="0"/>
-          <a:chOff x="0" y="0"/>
-          <a:chExt cx="0" cy="0"/>
-        </a:xfrm>
-      </p:grpSpPr>
-      <p:sp>
-        <p:nvSpPr>
-          <p:cNvPr id="2" name="Title 1"/>
-          <p:cNvSpPr>
-            <a:spLocks noGrp="1"/>
-          </p:cNvSpPr>
-          <p:nvPr>
-            <p:ph type="ctrTitle"/>
-          </p:nvPr>
-        </p:nvSpPr>
-        <p:spPr/>
-        <p:txBody>
-          <a:bodyPr/>
-          <a:lstStyle/>
-          <a:p>
-            <a:pPr algn="ctr"/>
-            <a:r>
-              <a:rPr lang="en-US" spc="300" dirty="0"/>
-              <a:t>CHỨC NĂNG</a:t>
-            </a:r>
-          </a:p>
-        </p:txBody>
-      </p:sp>
-    </p:spTree>
-    <p:extLst>
-      <p:ext uri="{BB962C8B-B14F-4D97-AF65-F5344CB8AC3E}">
-        <p14:creationId xmlns:p14="http://schemas.microsoft.com/office/powerpoint/2010/main" val="234392180"/>
+        <p14:creationId xmlns:p14="http://schemas.microsoft.com/office/powerpoint/2010/main" val="536599783"/>
       </p:ext>
     </p:extLst>
   </p:cSld>
